--- a/Minetest와 함께하는 프로그래밍 입문.pptx
+++ b/Minetest와 함께하는 프로그래밍 입문.pptx
@@ -15,6 +15,22 @@
     <p:sldId id="262" r:id="rId9"/>
     <p:sldId id="264" r:id="rId10"/>
     <p:sldId id="265" r:id="rId11"/>
+    <p:sldId id="266" r:id="rId12"/>
+    <p:sldId id="267" r:id="rId13"/>
+    <p:sldId id="268" r:id="rId14"/>
+    <p:sldId id="269" r:id="rId15"/>
+    <p:sldId id="279" r:id="rId16"/>
+    <p:sldId id="280" r:id="rId17"/>
+    <p:sldId id="281" r:id="rId18"/>
+    <p:sldId id="270" r:id="rId19"/>
+    <p:sldId id="271" r:id="rId20"/>
+    <p:sldId id="272" r:id="rId21"/>
+    <p:sldId id="273" r:id="rId22"/>
+    <p:sldId id="274" r:id="rId23"/>
+    <p:sldId id="275" r:id="rId24"/>
+    <p:sldId id="276" r:id="rId25"/>
+    <p:sldId id="277" r:id="rId26"/>
+    <p:sldId id="278" r:id="rId27"/>
   </p:sldIdLst>
   <p:sldSz cx="12192000" cy="6858000"/>
   <p:notesSz cx="6858000" cy="9144000"/>
@@ -4132,13 +4148,6 @@
   <p:clrMapOvr>
     <a:masterClrMapping/>
   </p:clrMapOvr>
-  <p:timing>
-    <p:tnLst>
-      <p:par>
-        <p:cTn id="1" dur="indefinite" restart="never" nodeType="tmRoot"/>
-      </p:par>
-    </p:tnLst>
-  </p:timing>
 </p:sld>
 </file>
 
@@ -4180,7 +4189,1976 @@
           <a:bodyPr/>
           <a:lstStyle/>
           <a:p>
-            <a:endParaRPr lang="ko-KR" altLang="en-US" b="1" dirty="0"/>
+            <a:r>
+              <a:rPr lang="en-US" altLang="ko-KR" b="1" dirty="0"/>
+              <a:t>Minetest – </a:t>
+            </a:r>
+            <a:r>
+              <a:rPr lang="ko-KR" altLang="en-US" b="1" dirty="0"/>
+              <a:t>모든 </a:t>
+            </a:r>
+            <a:r>
+              <a:rPr lang="en-US" altLang="ko-KR" b="1" dirty="0"/>
+              <a:t>Player </a:t>
+            </a:r>
+            <a:r>
+              <a:rPr lang="ko-KR" altLang="en-US" b="1" dirty="0"/>
+              <a:t>이름 출력</a:t>
+            </a:r>
+          </a:p>
+        </p:txBody>
+      </p:sp>
+      <p:cxnSp>
+        <p:nvCxnSpPr>
+          <p:cNvPr id="4" name="직선 연결선 3">
+            <a:extLst>
+              <a:ext uri="{FF2B5EF4-FFF2-40B4-BE49-F238E27FC236}">
+                <a16:creationId xmlns:a16="http://schemas.microsoft.com/office/drawing/2014/main" id="{EE01682E-4EC3-491F-A46B-0EACC9713D73}"/>
+              </a:ext>
+            </a:extLst>
+          </p:cNvPr>
+          <p:cNvCxnSpPr>
+            <a:cxnSpLocks/>
+          </p:cNvCxnSpPr>
+          <p:nvPr/>
+        </p:nvCxnSpPr>
+        <p:spPr>
+          <a:xfrm>
+            <a:off x="463463" y="1565753"/>
+            <a:ext cx="1402915" cy="0"/>
+          </a:xfrm>
+          <a:prstGeom prst="line">
+            <a:avLst/>
+          </a:prstGeom>
+          <a:ln w="57150">
+            <a:solidFill>
+              <a:srgbClr val="00B050"/>
+            </a:solidFill>
+          </a:ln>
+        </p:spPr>
+        <p:style>
+          <a:lnRef idx="1">
+            <a:schemeClr val="accent1"/>
+          </a:lnRef>
+          <a:fillRef idx="0">
+            <a:schemeClr val="accent1"/>
+          </a:fillRef>
+          <a:effectRef idx="0">
+            <a:schemeClr val="accent1"/>
+          </a:effectRef>
+          <a:fontRef idx="minor">
+            <a:schemeClr val="tx1"/>
+          </a:fontRef>
+        </p:style>
+      </p:cxnSp>
+      <p:cxnSp>
+        <p:nvCxnSpPr>
+          <p:cNvPr id="5" name="직선 연결선 4">
+            <a:extLst>
+              <a:ext uri="{FF2B5EF4-FFF2-40B4-BE49-F238E27FC236}">
+                <a16:creationId xmlns:a16="http://schemas.microsoft.com/office/drawing/2014/main" id="{ABC6680E-470B-45C4-B289-7A0EF67ED7E0}"/>
+              </a:ext>
+            </a:extLst>
+          </p:cNvPr>
+          <p:cNvCxnSpPr>
+            <a:cxnSpLocks/>
+          </p:cNvCxnSpPr>
+          <p:nvPr/>
+        </p:nvCxnSpPr>
+        <p:spPr>
+          <a:xfrm>
+            <a:off x="1866378" y="1565753"/>
+            <a:ext cx="1402915" cy="0"/>
+          </a:xfrm>
+          <a:prstGeom prst="line">
+            <a:avLst/>
+          </a:prstGeom>
+          <a:ln w="57150">
+            <a:solidFill>
+              <a:schemeClr val="accent2">
+                <a:lumMod val="75000"/>
+              </a:schemeClr>
+            </a:solidFill>
+          </a:ln>
+        </p:spPr>
+        <p:style>
+          <a:lnRef idx="1">
+            <a:schemeClr val="accent1"/>
+          </a:lnRef>
+          <a:fillRef idx="0">
+            <a:schemeClr val="accent1"/>
+          </a:fillRef>
+          <a:effectRef idx="0">
+            <a:schemeClr val="accent1"/>
+          </a:effectRef>
+          <a:fontRef idx="minor">
+            <a:schemeClr val="tx1"/>
+          </a:fontRef>
+        </p:style>
+      </p:cxnSp>
+      <p:cxnSp>
+        <p:nvCxnSpPr>
+          <p:cNvPr id="6" name="직선 연결선 5">
+            <a:extLst>
+              <a:ext uri="{FF2B5EF4-FFF2-40B4-BE49-F238E27FC236}">
+                <a16:creationId xmlns:a16="http://schemas.microsoft.com/office/drawing/2014/main" id="{3678CCF4-4AC3-4139-92E5-55722C3E7751}"/>
+              </a:ext>
+            </a:extLst>
+          </p:cNvPr>
+          <p:cNvCxnSpPr>
+            <a:cxnSpLocks/>
+          </p:cNvCxnSpPr>
+          <p:nvPr/>
+        </p:nvCxnSpPr>
+        <p:spPr>
+          <a:xfrm>
+            <a:off x="3269293" y="1565753"/>
+            <a:ext cx="1402915" cy="0"/>
+          </a:xfrm>
+          <a:prstGeom prst="line">
+            <a:avLst/>
+          </a:prstGeom>
+          <a:ln w="57150">
+            <a:solidFill>
+              <a:srgbClr val="FFC000"/>
+            </a:solidFill>
+          </a:ln>
+        </p:spPr>
+        <p:style>
+          <a:lnRef idx="1">
+            <a:schemeClr val="accent1"/>
+          </a:lnRef>
+          <a:fillRef idx="0">
+            <a:schemeClr val="accent1"/>
+          </a:fillRef>
+          <a:effectRef idx="0">
+            <a:schemeClr val="accent1"/>
+          </a:effectRef>
+          <a:fontRef idx="minor">
+            <a:schemeClr val="tx1"/>
+          </a:fontRef>
+        </p:style>
+      </p:cxnSp>
+      <p:cxnSp>
+        <p:nvCxnSpPr>
+          <p:cNvPr id="7" name="직선 연결선 6">
+            <a:extLst>
+              <a:ext uri="{FF2B5EF4-FFF2-40B4-BE49-F238E27FC236}">
+                <a16:creationId xmlns:a16="http://schemas.microsoft.com/office/drawing/2014/main" id="{9FF08141-38ED-4F86-86A9-757547A2479E}"/>
+              </a:ext>
+            </a:extLst>
+          </p:cNvPr>
+          <p:cNvCxnSpPr>
+            <a:cxnSpLocks/>
+          </p:cNvCxnSpPr>
+          <p:nvPr/>
+        </p:nvCxnSpPr>
+        <p:spPr>
+          <a:xfrm>
+            <a:off x="4672208" y="1565753"/>
+            <a:ext cx="1402915" cy="0"/>
+          </a:xfrm>
+          <a:prstGeom prst="line">
+            <a:avLst/>
+          </a:prstGeom>
+          <a:ln w="57150">
+            <a:solidFill>
+              <a:schemeClr val="accent4">
+                <a:lumMod val="75000"/>
+              </a:schemeClr>
+            </a:solidFill>
+          </a:ln>
+        </p:spPr>
+        <p:style>
+          <a:lnRef idx="1">
+            <a:schemeClr val="accent1"/>
+          </a:lnRef>
+          <a:fillRef idx="0">
+            <a:schemeClr val="accent1"/>
+          </a:fillRef>
+          <a:effectRef idx="0">
+            <a:schemeClr val="accent1"/>
+          </a:effectRef>
+          <a:fontRef idx="minor">
+            <a:schemeClr val="tx1"/>
+          </a:fontRef>
+        </p:style>
+      </p:cxnSp>
+      <p:cxnSp>
+        <p:nvCxnSpPr>
+          <p:cNvPr id="8" name="직선 연결선 7">
+            <a:extLst>
+              <a:ext uri="{FF2B5EF4-FFF2-40B4-BE49-F238E27FC236}">
+                <a16:creationId xmlns:a16="http://schemas.microsoft.com/office/drawing/2014/main" id="{62A6EC5E-008F-4227-A299-34A564C6B4DE}"/>
+              </a:ext>
+            </a:extLst>
+          </p:cNvPr>
+          <p:cNvCxnSpPr>
+            <a:cxnSpLocks/>
+          </p:cNvCxnSpPr>
+          <p:nvPr/>
+        </p:nvCxnSpPr>
+        <p:spPr>
+          <a:xfrm>
+            <a:off x="6075123" y="1565753"/>
+            <a:ext cx="1402915" cy="0"/>
+          </a:xfrm>
+          <a:prstGeom prst="line">
+            <a:avLst/>
+          </a:prstGeom>
+          <a:ln w="57150">
+            <a:solidFill>
+              <a:srgbClr val="FF0000"/>
+            </a:solidFill>
+          </a:ln>
+        </p:spPr>
+        <p:style>
+          <a:lnRef idx="1">
+            <a:schemeClr val="accent1"/>
+          </a:lnRef>
+          <a:fillRef idx="0">
+            <a:schemeClr val="accent1"/>
+          </a:fillRef>
+          <a:effectRef idx="0">
+            <a:schemeClr val="accent1"/>
+          </a:effectRef>
+          <a:fontRef idx="minor">
+            <a:schemeClr val="tx1"/>
+          </a:fontRef>
+        </p:style>
+      </p:cxnSp>
+      <p:cxnSp>
+        <p:nvCxnSpPr>
+          <p:cNvPr id="9" name="직선 연결선 8">
+            <a:extLst>
+              <a:ext uri="{FF2B5EF4-FFF2-40B4-BE49-F238E27FC236}">
+                <a16:creationId xmlns:a16="http://schemas.microsoft.com/office/drawing/2014/main" id="{73BE4EC4-D5AB-43B6-99B8-20CC507C817B}"/>
+              </a:ext>
+            </a:extLst>
+          </p:cNvPr>
+          <p:cNvCxnSpPr>
+            <a:cxnSpLocks/>
+          </p:cNvCxnSpPr>
+          <p:nvPr/>
+        </p:nvCxnSpPr>
+        <p:spPr>
+          <a:xfrm>
+            <a:off x="7478038" y="1565753"/>
+            <a:ext cx="1402915" cy="0"/>
+          </a:xfrm>
+          <a:prstGeom prst="line">
+            <a:avLst/>
+          </a:prstGeom>
+          <a:ln w="57150">
+            <a:solidFill>
+              <a:srgbClr val="92D050"/>
+            </a:solidFill>
+          </a:ln>
+        </p:spPr>
+        <p:style>
+          <a:lnRef idx="1">
+            <a:schemeClr val="accent1"/>
+          </a:lnRef>
+          <a:fillRef idx="0">
+            <a:schemeClr val="accent1"/>
+          </a:fillRef>
+          <a:effectRef idx="0">
+            <a:schemeClr val="accent1"/>
+          </a:effectRef>
+          <a:fontRef idx="minor">
+            <a:schemeClr val="tx1"/>
+          </a:fontRef>
+        </p:style>
+      </p:cxnSp>
+      <p:cxnSp>
+        <p:nvCxnSpPr>
+          <p:cNvPr id="10" name="직선 연결선 9">
+            <a:extLst>
+              <a:ext uri="{FF2B5EF4-FFF2-40B4-BE49-F238E27FC236}">
+                <a16:creationId xmlns:a16="http://schemas.microsoft.com/office/drawing/2014/main" id="{D23B7696-E162-4DC6-9E5C-29744AE86C94}"/>
+              </a:ext>
+            </a:extLst>
+          </p:cNvPr>
+          <p:cNvCxnSpPr>
+            <a:cxnSpLocks/>
+          </p:cNvCxnSpPr>
+          <p:nvPr/>
+        </p:nvCxnSpPr>
+        <p:spPr>
+          <a:xfrm>
+            <a:off x="8880953" y="1565753"/>
+            <a:ext cx="1402915" cy="0"/>
+          </a:xfrm>
+          <a:prstGeom prst="line">
+            <a:avLst/>
+          </a:prstGeom>
+          <a:ln w="57150">
+            <a:solidFill>
+              <a:schemeClr val="bg2">
+                <a:lumMod val="50000"/>
+              </a:schemeClr>
+            </a:solidFill>
+          </a:ln>
+        </p:spPr>
+        <p:style>
+          <a:lnRef idx="1">
+            <a:schemeClr val="accent1"/>
+          </a:lnRef>
+          <a:fillRef idx="0">
+            <a:schemeClr val="accent1"/>
+          </a:fillRef>
+          <a:effectRef idx="0">
+            <a:schemeClr val="accent1"/>
+          </a:effectRef>
+          <a:fontRef idx="minor">
+            <a:schemeClr val="tx1"/>
+          </a:fontRef>
+        </p:style>
+      </p:cxnSp>
+      <p:cxnSp>
+        <p:nvCxnSpPr>
+          <p:cNvPr id="11" name="직선 연결선 10">
+            <a:extLst>
+              <a:ext uri="{FF2B5EF4-FFF2-40B4-BE49-F238E27FC236}">
+                <a16:creationId xmlns:a16="http://schemas.microsoft.com/office/drawing/2014/main" id="{AD5A1D01-4DAC-4236-AC37-43914BEDECF3}"/>
+              </a:ext>
+            </a:extLst>
+          </p:cNvPr>
+          <p:cNvCxnSpPr>
+            <a:cxnSpLocks/>
+          </p:cNvCxnSpPr>
+          <p:nvPr/>
+        </p:nvCxnSpPr>
+        <p:spPr>
+          <a:xfrm>
+            <a:off x="10283868" y="1565753"/>
+            <a:ext cx="1402915" cy="0"/>
+          </a:xfrm>
+          <a:prstGeom prst="line">
+            <a:avLst/>
+          </a:prstGeom>
+          <a:ln w="57150">
+            <a:solidFill>
+              <a:schemeClr val="bg1">
+                <a:lumMod val="85000"/>
+              </a:schemeClr>
+            </a:solidFill>
+          </a:ln>
+        </p:spPr>
+        <p:style>
+          <a:lnRef idx="1">
+            <a:schemeClr val="accent1"/>
+          </a:lnRef>
+          <a:fillRef idx="0">
+            <a:schemeClr val="accent1"/>
+          </a:fillRef>
+          <a:effectRef idx="0">
+            <a:schemeClr val="accent1"/>
+          </a:effectRef>
+          <a:fontRef idx="minor">
+            <a:schemeClr val="tx1"/>
+          </a:fontRef>
+        </p:style>
+      </p:cxnSp>
+      <p:pic>
+        <p:nvPicPr>
+          <p:cNvPr id="12" name="그림 11">
+            <a:extLst>
+              <a:ext uri="{FF2B5EF4-FFF2-40B4-BE49-F238E27FC236}">
+                <a16:creationId xmlns:a16="http://schemas.microsoft.com/office/drawing/2014/main" id="{3691A322-430D-443D-ACB0-626DE5887B33}"/>
+              </a:ext>
+            </a:extLst>
+          </p:cNvPr>
+          <p:cNvPicPr>
+            <a:picLocks noChangeAspect="1"/>
+          </p:cNvPicPr>
+          <p:nvPr/>
+        </p:nvPicPr>
+        <p:blipFill rotWithShape="1">
+          <a:blip r:embed="rId2"/>
+          <a:srcRect l="1025"/>
+          <a:stretch/>
+        </p:blipFill>
+        <p:spPr>
+          <a:xfrm>
+            <a:off x="2379684" y="1767219"/>
+            <a:ext cx="7432631" cy="3323562"/>
+          </a:xfrm>
+          <a:prstGeom prst="rect">
+            <a:avLst/>
+          </a:prstGeom>
+          <a:ln w="38100" cap="sq">
+            <a:solidFill>
+              <a:srgbClr val="000000"/>
+            </a:solidFill>
+            <a:prstDash val="solid"/>
+            <a:miter lim="800000"/>
+          </a:ln>
+          <a:effectLst>
+            <a:outerShdw blurRad="50800" dist="38100" dir="2700000" algn="tl" rotWithShape="0">
+              <a:srgbClr val="000000">
+                <a:alpha val="43000"/>
+              </a:srgbClr>
+            </a:outerShdw>
+          </a:effectLst>
+        </p:spPr>
+      </p:pic>
+      <p:pic>
+        <p:nvPicPr>
+          <p:cNvPr id="13" name="그림 12">
+            <a:extLst>
+              <a:ext uri="{FF2B5EF4-FFF2-40B4-BE49-F238E27FC236}">
+                <a16:creationId xmlns:a16="http://schemas.microsoft.com/office/drawing/2014/main" id="{31F9A91C-0792-40E7-90F1-62F6174377A2}"/>
+              </a:ext>
+            </a:extLst>
+          </p:cNvPr>
+          <p:cNvPicPr>
+            <a:picLocks noChangeAspect="1"/>
+          </p:cNvPicPr>
+          <p:nvPr/>
+        </p:nvPicPr>
+        <p:blipFill rotWithShape="1">
+          <a:blip r:embed="rId3"/>
+          <a:srcRect t="-18572" r="27988" b="1"/>
+          <a:stretch/>
+        </p:blipFill>
+        <p:spPr>
+          <a:xfrm>
+            <a:off x="1631506" y="5442559"/>
+            <a:ext cx="9722294" cy="790541"/>
+          </a:xfrm>
+          <a:prstGeom prst="rect">
+            <a:avLst/>
+          </a:prstGeom>
+          <a:ln w="38100" cap="sq">
+            <a:solidFill>
+              <a:srgbClr val="000000"/>
+            </a:solidFill>
+            <a:prstDash val="solid"/>
+            <a:miter lim="800000"/>
+          </a:ln>
+          <a:effectLst>
+            <a:outerShdw blurRad="50800" dist="38100" dir="2700000" algn="tl" rotWithShape="0">
+              <a:srgbClr val="000000">
+                <a:alpha val="43000"/>
+              </a:srgbClr>
+            </a:outerShdw>
+          </a:effectLst>
+        </p:spPr>
+      </p:pic>
+    </p:spTree>
+    <p:extLst>
+      <p:ext uri="{BB962C8B-B14F-4D97-AF65-F5344CB8AC3E}">
+        <p14:creationId xmlns:p14="http://schemas.microsoft.com/office/powerpoint/2010/main" val="2004272052"/>
+      </p:ext>
+    </p:extLst>
+  </p:cSld>
+  <p:clrMapOvr>
+    <a:masterClrMapping/>
+  </p:clrMapOvr>
+</p:sld>
+</file>
+
+<file path=ppt/slides/slide11.xml><?xml version="1.0" encoding="utf-8"?>
+<p:sld xmlns:a="http://schemas.openxmlformats.org/drawingml/2006/main" xmlns:r="http://schemas.openxmlformats.org/officeDocument/2006/relationships" xmlns:p="http://schemas.openxmlformats.org/presentationml/2006/main">
+  <p:cSld>
+    <p:spTree>
+      <p:nvGrpSpPr>
+        <p:cNvPr id="1" name=""/>
+        <p:cNvGrpSpPr/>
+        <p:nvPr/>
+      </p:nvGrpSpPr>
+      <p:grpSpPr>
+        <a:xfrm>
+          <a:off x="0" y="0"/>
+          <a:ext cx="0" cy="0"/>
+          <a:chOff x="0" y="0"/>
+          <a:chExt cx="0" cy="0"/>
+        </a:xfrm>
+      </p:grpSpPr>
+      <p:sp>
+        <p:nvSpPr>
+          <p:cNvPr id="2" name="제목 1">
+            <a:extLst>
+              <a:ext uri="{FF2B5EF4-FFF2-40B4-BE49-F238E27FC236}">
+                <a16:creationId xmlns:a16="http://schemas.microsoft.com/office/drawing/2014/main" id="{0BBD75FB-0799-4EB1-9AD7-C68E11797971}"/>
+              </a:ext>
+            </a:extLst>
+          </p:cNvPr>
+          <p:cNvSpPr>
+            <a:spLocks noGrp="1"/>
+          </p:cNvSpPr>
+          <p:nvPr>
+            <p:ph type="title"/>
+          </p:nvPr>
+        </p:nvSpPr>
+        <p:spPr/>
+        <p:txBody>
+          <a:bodyPr/>
+          <a:lstStyle/>
+          <a:p>
+            <a:r>
+              <a:rPr lang="en-US" altLang="ko-KR" b="1" dirty="0"/>
+              <a:t>Minetest – </a:t>
+            </a:r>
+            <a:r>
+              <a:rPr lang="ko-KR" altLang="en-US" b="1" dirty="0"/>
+              <a:t>도구 목록 출력</a:t>
+            </a:r>
+          </a:p>
+        </p:txBody>
+      </p:sp>
+      <p:pic>
+        <p:nvPicPr>
+          <p:cNvPr id="12" name="내용 개체 틀 11">
+            <a:extLst>
+              <a:ext uri="{FF2B5EF4-FFF2-40B4-BE49-F238E27FC236}">
+                <a16:creationId xmlns:a16="http://schemas.microsoft.com/office/drawing/2014/main" id="{0F3E58B3-1045-4F83-8860-19C70CCA6E68}"/>
+              </a:ext>
+            </a:extLst>
+          </p:cNvPr>
+          <p:cNvPicPr>
+            <a:picLocks noGrp="1" noChangeAspect="1"/>
+          </p:cNvPicPr>
+          <p:nvPr>
+            <p:ph idx="1"/>
+          </p:nvPr>
+        </p:nvPicPr>
+        <p:blipFill rotWithShape="1">
+          <a:blip r:embed="rId2"/>
+          <a:srcRect l="1277" t="13358"/>
+          <a:stretch/>
+        </p:blipFill>
+        <p:spPr>
+          <a:xfrm>
+            <a:off x="838200" y="2016689"/>
+            <a:ext cx="6855912" cy="3023587"/>
+          </a:xfrm>
+          <a:prstGeom prst="rect">
+            <a:avLst/>
+          </a:prstGeom>
+          <a:ln w="38100" cap="sq">
+            <a:solidFill>
+              <a:srgbClr val="000000"/>
+            </a:solidFill>
+            <a:prstDash val="solid"/>
+            <a:miter lim="800000"/>
+          </a:ln>
+          <a:effectLst>
+            <a:outerShdw blurRad="50800" dist="38100" dir="2700000" algn="tl" rotWithShape="0">
+              <a:srgbClr val="000000">
+                <a:alpha val="43000"/>
+              </a:srgbClr>
+            </a:outerShdw>
+          </a:effectLst>
+        </p:spPr>
+      </p:pic>
+      <p:cxnSp>
+        <p:nvCxnSpPr>
+          <p:cNvPr id="4" name="직선 연결선 3">
+            <a:extLst>
+              <a:ext uri="{FF2B5EF4-FFF2-40B4-BE49-F238E27FC236}">
+                <a16:creationId xmlns:a16="http://schemas.microsoft.com/office/drawing/2014/main" id="{EE01682E-4EC3-491F-A46B-0EACC9713D73}"/>
+              </a:ext>
+            </a:extLst>
+          </p:cNvPr>
+          <p:cNvCxnSpPr>
+            <a:cxnSpLocks/>
+          </p:cNvCxnSpPr>
+          <p:nvPr/>
+        </p:nvCxnSpPr>
+        <p:spPr>
+          <a:xfrm>
+            <a:off x="463463" y="1565753"/>
+            <a:ext cx="1402915" cy="0"/>
+          </a:xfrm>
+          <a:prstGeom prst="line">
+            <a:avLst/>
+          </a:prstGeom>
+          <a:ln w="57150">
+            <a:solidFill>
+              <a:srgbClr val="00B050"/>
+            </a:solidFill>
+          </a:ln>
+        </p:spPr>
+        <p:style>
+          <a:lnRef idx="1">
+            <a:schemeClr val="accent1"/>
+          </a:lnRef>
+          <a:fillRef idx="0">
+            <a:schemeClr val="accent1"/>
+          </a:fillRef>
+          <a:effectRef idx="0">
+            <a:schemeClr val="accent1"/>
+          </a:effectRef>
+          <a:fontRef idx="minor">
+            <a:schemeClr val="tx1"/>
+          </a:fontRef>
+        </p:style>
+      </p:cxnSp>
+      <p:cxnSp>
+        <p:nvCxnSpPr>
+          <p:cNvPr id="5" name="직선 연결선 4">
+            <a:extLst>
+              <a:ext uri="{FF2B5EF4-FFF2-40B4-BE49-F238E27FC236}">
+                <a16:creationId xmlns:a16="http://schemas.microsoft.com/office/drawing/2014/main" id="{ABC6680E-470B-45C4-B289-7A0EF67ED7E0}"/>
+              </a:ext>
+            </a:extLst>
+          </p:cNvPr>
+          <p:cNvCxnSpPr>
+            <a:cxnSpLocks/>
+          </p:cNvCxnSpPr>
+          <p:nvPr/>
+        </p:nvCxnSpPr>
+        <p:spPr>
+          <a:xfrm>
+            <a:off x="1866378" y="1565753"/>
+            <a:ext cx="1402915" cy="0"/>
+          </a:xfrm>
+          <a:prstGeom prst="line">
+            <a:avLst/>
+          </a:prstGeom>
+          <a:ln w="57150">
+            <a:solidFill>
+              <a:schemeClr val="accent2">
+                <a:lumMod val="75000"/>
+              </a:schemeClr>
+            </a:solidFill>
+          </a:ln>
+        </p:spPr>
+        <p:style>
+          <a:lnRef idx="1">
+            <a:schemeClr val="accent1"/>
+          </a:lnRef>
+          <a:fillRef idx="0">
+            <a:schemeClr val="accent1"/>
+          </a:fillRef>
+          <a:effectRef idx="0">
+            <a:schemeClr val="accent1"/>
+          </a:effectRef>
+          <a:fontRef idx="minor">
+            <a:schemeClr val="tx1"/>
+          </a:fontRef>
+        </p:style>
+      </p:cxnSp>
+      <p:cxnSp>
+        <p:nvCxnSpPr>
+          <p:cNvPr id="6" name="직선 연결선 5">
+            <a:extLst>
+              <a:ext uri="{FF2B5EF4-FFF2-40B4-BE49-F238E27FC236}">
+                <a16:creationId xmlns:a16="http://schemas.microsoft.com/office/drawing/2014/main" id="{3678CCF4-4AC3-4139-92E5-55722C3E7751}"/>
+              </a:ext>
+            </a:extLst>
+          </p:cNvPr>
+          <p:cNvCxnSpPr>
+            <a:cxnSpLocks/>
+          </p:cNvCxnSpPr>
+          <p:nvPr/>
+        </p:nvCxnSpPr>
+        <p:spPr>
+          <a:xfrm>
+            <a:off x="3269293" y="1565753"/>
+            <a:ext cx="1402915" cy="0"/>
+          </a:xfrm>
+          <a:prstGeom prst="line">
+            <a:avLst/>
+          </a:prstGeom>
+          <a:ln w="57150">
+            <a:solidFill>
+              <a:srgbClr val="FFC000"/>
+            </a:solidFill>
+          </a:ln>
+        </p:spPr>
+        <p:style>
+          <a:lnRef idx="1">
+            <a:schemeClr val="accent1"/>
+          </a:lnRef>
+          <a:fillRef idx="0">
+            <a:schemeClr val="accent1"/>
+          </a:fillRef>
+          <a:effectRef idx="0">
+            <a:schemeClr val="accent1"/>
+          </a:effectRef>
+          <a:fontRef idx="minor">
+            <a:schemeClr val="tx1"/>
+          </a:fontRef>
+        </p:style>
+      </p:cxnSp>
+      <p:cxnSp>
+        <p:nvCxnSpPr>
+          <p:cNvPr id="7" name="직선 연결선 6">
+            <a:extLst>
+              <a:ext uri="{FF2B5EF4-FFF2-40B4-BE49-F238E27FC236}">
+                <a16:creationId xmlns:a16="http://schemas.microsoft.com/office/drawing/2014/main" id="{9FF08141-38ED-4F86-86A9-757547A2479E}"/>
+              </a:ext>
+            </a:extLst>
+          </p:cNvPr>
+          <p:cNvCxnSpPr>
+            <a:cxnSpLocks/>
+          </p:cNvCxnSpPr>
+          <p:nvPr/>
+        </p:nvCxnSpPr>
+        <p:spPr>
+          <a:xfrm>
+            <a:off x="4672208" y="1565753"/>
+            <a:ext cx="1402915" cy="0"/>
+          </a:xfrm>
+          <a:prstGeom prst="line">
+            <a:avLst/>
+          </a:prstGeom>
+          <a:ln w="57150">
+            <a:solidFill>
+              <a:schemeClr val="accent4">
+                <a:lumMod val="75000"/>
+              </a:schemeClr>
+            </a:solidFill>
+          </a:ln>
+        </p:spPr>
+        <p:style>
+          <a:lnRef idx="1">
+            <a:schemeClr val="accent1"/>
+          </a:lnRef>
+          <a:fillRef idx="0">
+            <a:schemeClr val="accent1"/>
+          </a:fillRef>
+          <a:effectRef idx="0">
+            <a:schemeClr val="accent1"/>
+          </a:effectRef>
+          <a:fontRef idx="minor">
+            <a:schemeClr val="tx1"/>
+          </a:fontRef>
+        </p:style>
+      </p:cxnSp>
+      <p:cxnSp>
+        <p:nvCxnSpPr>
+          <p:cNvPr id="8" name="직선 연결선 7">
+            <a:extLst>
+              <a:ext uri="{FF2B5EF4-FFF2-40B4-BE49-F238E27FC236}">
+                <a16:creationId xmlns:a16="http://schemas.microsoft.com/office/drawing/2014/main" id="{62A6EC5E-008F-4227-A299-34A564C6B4DE}"/>
+              </a:ext>
+            </a:extLst>
+          </p:cNvPr>
+          <p:cNvCxnSpPr>
+            <a:cxnSpLocks/>
+          </p:cNvCxnSpPr>
+          <p:nvPr/>
+        </p:nvCxnSpPr>
+        <p:spPr>
+          <a:xfrm>
+            <a:off x="6075123" y="1565753"/>
+            <a:ext cx="1402915" cy="0"/>
+          </a:xfrm>
+          <a:prstGeom prst="line">
+            <a:avLst/>
+          </a:prstGeom>
+          <a:ln w="57150">
+            <a:solidFill>
+              <a:srgbClr val="FF0000"/>
+            </a:solidFill>
+          </a:ln>
+        </p:spPr>
+        <p:style>
+          <a:lnRef idx="1">
+            <a:schemeClr val="accent1"/>
+          </a:lnRef>
+          <a:fillRef idx="0">
+            <a:schemeClr val="accent1"/>
+          </a:fillRef>
+          <a:effectRef idx="0">
+            <a:schemeClr val="accent1"/>
+          </a:effectRef>
+          <a:fontRef idx="minor">
+            <a:schemeClr val="tx1"/>
+          </a:fontRef>
+        </p:style>
+      </p:cxnSp>
+      <p:cxnSp>
+        <p:nvCxnSpPr>
+          <p:cNvPr id="9" name="직선 연결선 8">
+            <a:extLst>
+              <a:ext uri="{FF2B5EF4-FFF2-40B4-BE49-F238E27FC236}">
+                <a16:creationId xmlns:a16="http://schemas.microsoft.com/office/drawing/2014/main" id="{73BE4EC4-D5AB-43B6-99B8-20CC507C817B}"/>
+              </a:ext>
+            </a:extLst>
+          </p:cNvPr>
+          <p:cNvCxnSpPr>
+            <a:cxnSpLocks/>
+          </p:cNvCxnSpPr>
+          <p:nvPr/>
+        </p:nvCxnSpPr>
+        <p:spPr>
+          <a:xfrm>
+            <a:off x="7478038" y="1565753"/>
+            <a:ext cx="1402915" cy="0"/>
+          </a:xfrm>
+          <a:prstGeom prst="line">
+            <a:avLst/>
+          </a:prstGeom>
+          <a:ln w="57150">
+            <a:solidFill>
+              <a:srgbClr val="92D050"/>
+            </a:solidFill>
+          </a:ln>
+        </p:spPr>
+        <p:style>
+          <a:lnRef idx="1">
+            <a:schemeClr val="accent1"/>
+          </a:lnRef>
+          <a:fillRef idx="0">
+            <a:schemeClr val="accent1"/>
+          </a:fillRef>
+          <a:effectRef idx="0">
+            <a:schemeClr val="accent1"/>
+          </a:effectRef>
+          <a:fontRef idx="minor">
+            <a:schemeClr val="tx1"/>
+          </a:fontRef>
+        </p:style>
+      </p:cxnSp>
+      <p:cxnSp>
+        <p:nvCxnSpPr>
+          <p:cNvPr id="10" name="직선 연결선 9">
+            <a:extLst>
+              <a:ext uri="{FF2B5EF4-FFF2-40B4-BE49-F238E27FC236}">
+                <a16:creationId xmlns:a16="http://schemas.microsoft.com/office/drawing/2014/main" id="{D23B7696-E162-4DC6-9E5C-29744AE86C94}"/>
+              </a:ext>
+            </a:extLst>
+          </p:cNvPr>
+          <p:cNvCxnSpPr>
+            <a:cxnSpLocks/>
+          </p:cNvCxnSpPr>
+          <p:nvPr/>
+        </p:nvCxnSpPr>
+        <p:spPr>
+          <a:xfrm>
+            <a:off x="8880953" y="1565753"/>
+            <a:ext cx="1402915" cy="0"/>
+          </a:xfrm>
+          <a:prstGeom prst="line">
+            <a:avLst/>
+          </a:prstGeom>
+          <a:ln w="57150">
+            <a:solidFill>
+              <a:schemeClr val="bg2">
+                <a:lumMod val="50000"/>
+              </a:schemeClr>
+            </a:solidFill>
+          </a:ln>
+        </p:spPr>
+        <p:style>
+          <a:lnRef idx="1">
+            <a:schemeClr val="accent1"/>
+          </a:lnRef>
+          <a:fillRef idx="0">
+            <a:schemeClr val="accent1"/>
+          </a:fillRef>
+          <a:effectRef idx="0">
+            <a:schemeClr val="accent1"/>
+          </a:effectRef>
+          <a:fontRef idx="minor">
+            <a:schemeClr val="tx1"/>
+          </a:fontRef>
+        </p:style>
+      </p:cxnSp>
+      <p:pic>
+        <p:nvPicPr>
+          <p:cNvPr id="13" name="그림 12">
+            <a:extLst>
+              <a:ext uri="{FF2B5EF4-FFF2-40B4-BE49-F238E27FC236}">
+                <a16:creationId xmlns:a16="http://schemas.microsoft.com/office/drawing/2014/main" id="{2726CB69-5CD2-42EA-ADF6-9A2A45A6882F}"/>
+              </a:ext>
+            </a:extLst>
+          </p:cNvPr>
+          <p:cNvPicPr>
+            <a:picLocks noChangeAspect="1"/>
+          </p:cNvPicPr>
+          <p:nvPr/>
+        </p:nvPicPr>
+        <p:blipFill>
+          <a:blip r:embed="rId3"/>
+          <a:stretch>
+            <a:fillRect/>
+          </a:stretch>
+        </p:blipFill>
+        <p:spPr>
+          <a:xfrm>
+            <a:off x="8880953" y="365125"/>
+            <a:ext cx="2472847" cy="6284584"/>
+          </a:xfrm>
+          <a:prstGeom prst="rect">
+            <a:avLst/>
+          </a:prstGeom>
+          <a:ln w="38100" cap="sq">
+            <a:solidFill>
+              <a:srgbClr val="000000"/>
+            </a:solidFill>
+            <a:prstDash val="solid"/>
+            <a:miter lim="800000"/>
+          </a:ln>
+          <a:effectLst>
+            <a:outerShdw blurRad="50800" dist="38100" dir="2700000" algn="tl" rotWithShape="0">
+              <a:srgbClr val="000000">
+                <a:alpha val="43000"/>
+              </a:srgbClr>
+            </a:outerShdw>
+          </a:effectLst>
+        </p:spPr>
+      </p:pic>
+    </p:spTree>
+    <p:extLst>
+      <p:ext uri="{BB962C8B-B14F-4D97-AF65-F5344CB8AC3E}">
+        <p14:creationId xmlns:p14="http://schemas.microsoft.com/office/powerpoint/2010/main" val="2752702739"/>
+      </p:ext>
+    </p:extLst>
+  </p:cSld>
+  <p:clrMapOvr>
+    <a:masterClrMapping/>
+  </p:clrMapOvr>
+</p:sld>
+</file>
+
+<file path=ppt/slides/slide12.xml><?xml version="1.0" encoding="utf-8"?>
+<p:sld xmlns:a="http://schemas.openxmlformats.org/drawingml/2006/main" xmlns:r="http://schemas.openxmlformats.org/officeDocument/2006/relationships" xmlns:p="http://schemas.openxmlformats.org/presentationml/2006/main">
+  <p:cSld>
+    <p:spTree>
+      <p:nvGrpSpPr>
+        <p:cNvPr id="1" name=""/>
+        <p:cNvGrpSpPr/>
+        <p:nvPr/>
+      </p:nvGrpSpPr>
+      <p:grpSpPr>
+        <a:xfrm>
+          <a:off x="0" y="0"/>
+          <a:ext cx="0" cy="0"/>
+          <a:chOff x="0" y="0"/>
+          <a:chExt cx="0" cy="0"/>
+        </a:xfrm>
+      </p:grpSpPr>
+      <p:sp>
+        <p:nvSpPr>
+          <p:cNvPr id="2" name="제목 1">
+            <a:extLst>
+              <a:ext uri="{FF2B5EF4-FFF2-40B4-BE49-F238E27FC236}">
+                <a16:creationId xmlns:a16="http://schemas.microsoft.com/office/drawing/2014/main" id="{0BBD75FB-0799-4EB1-9AD7-C68E11797971}"/>
+              </a:ext>
+            </a:extLst>
+          </p:cNvPr>
+          <p:cNvSpPr>
+            <a:spLocks noGrp="1"/>
+          </p:cNvSpPr>
+          <p:nvPr>
+            <p:ph type="title"/>
+          </p:nvPr>
+        </p:nvSpPr>
+        <p:spPr/>
+        <p:txBody>
+          <a:bodyPr/>
+          <a:lstStyle/>
+          <a:p>
+            <a:r>
+              <a:rPr lang="en-US" altLang="ko-KR" b="1" dirty="0"/>
+              <a:t>Minetest – </a:t>
+            </a:r>
+            <a:r>
+              <a:rPr lang="ko-KR" altLang="en-US" b="1" dirty="0"/>
+              <a:t>인벤토리에 아이템 추가</a:t>
+            </a:r>
+          </a:p>
+        </p:txBody>
+      </p:sp>
+      <p:pic>
+        <p:nvPicPr>
+          <p:cNvPr id="12" name="내용 개체 틀 11">
+            <a:extLst>
+              <a:ext uri="{FF2B5EF4-FFF2-40B4-BE49-F238E27FC236}">
+                <a16:creationId xmlns:a16="http://schemas.microsoft.com/office/drawing/2014/main" id="{BE0C4840-607F-48F5-8117-E31A1FE88A5E}"/>
+              </a:ext>
+            </a:extLst>
+          </p:cNvPr>
+          <p:cNvPicPr>
+            <a:picLocks noGrp="1" noChangeAspect="1"/>
+          </p:cNvPicPr>
+          <p:nvPr>
+            <p:ph idx="1"/>
+          </p:nvPr>
+        </p:nvPicPr>
+        <p:blipFill>
+          <a:blip r:embed="rId2"/>
+          <a:stretch>
+            <a:fillRect/>
+          </a:stretch>
+        </p:blipFill>
+        <p:spPr>
+          <a:xfrm>
+            <a:off x="1202519" y="1751491"/>
+            <a:ext cx="8342292" cy="2758202"/>
+          </a:xfrm>
+          <a:prstGeom prst="rect">
+            <a:avLst/>
+          </a:prstGeom>
+          <a:ln w="38100" cap="sq">
+            <a:solidFill>
+              <a:srgbClr val="000000"/>
+            </a:solidFill>
+            <a:prstDash val="solid"/>
+            <a:miter lim="800000"/>
+          </a:ln>
+          <a:effectLst>
+            <a:outerShdw blurRad="50800" dist="38100" dir="2700000" algn="tl" rotWithShape="0">
+              <a:srgbClr val="000000">
+                <a:alpha val="43000"/>
+              </a:srgbClr>
+            </a:outerShdw>
+          </a:effectLst>
+        </p:spPr>
+      </p:pic>
+      <p:cxnSp>
+        <p:nvCxnSpPr>
+          <p:cNvPr id="4" name="직선 연결선 3">
+            <a:extLst>
+              <a:ext uri="{FF2B5EF4-FFF2-40B4-BE49-F238E27FC236}">
+                <a16:creationId xmlns:a16="http://schemas.microsoft.com/office/drawing/2014/main" id="{EE01682E-4EC3-491F-A46B-0EACC9713D73}"/>
+              </a:ext>
+            </a:extLst>
+          </p:cNvPr>
+          <p:cNvCxnSpPr>
+            <a:cxnSpLocks/>
+          </p:cNvCxnSpPr>
+          <p:nvPr/>
+        </p:nvCxnSpPr>
+        <p:spPr>
+          <a:xfrm>
+            <a:off x="463463" y="1565753"/>
+            <a:ext cx="1402915" cy="0"/>
+          </a:xfrm>
+          <a:prstGeom prst="line">
+            <a:avLst/>
+          </a:prstGeom>
+          <a:ln w="57150">
+            <a:solidFill>
+              <a:srgbClr val="00B050"/>
+            </a:solidFill>
+          </a:ln>
+        </p:spPr>
+        <p:style>
+          <a:lnRef idx="1">
+            <a:schemeClr val="accent1"/>
+          </a:lnRef>
+          <a:fillRef idx="0">
+            <a:schemeClr val="accent1"/>
+          </a:fillRef>
+          <a:effectRef idx="0">
+            <a:schemeClr val="accent1"/>
+          </a:effectRef>
+          <a:fontRef idx="minor">
+            <a:schemeClr val="tx1"/>
+          </a:fontRef>
+        </p:style>
+      </p:cxnSp>
+      <p:cxnSp>
+        <p:nvCxnSpPr>
+          <p:cNvPr id="5" name="직선 연결선 4">
+            <a:extLst>
+              <a:ext uri="{FF2B5EF4-FFF2-40B4-BE49-F238E27FC236}">
+                <a16:creationId xmlns:a16="http://schemas.microsoft.com/office/drawing/2014/main" id="{ABC6680E-470B-45C4-B289-7A0EF67ED7E0}"/>
+              </a:ext>
+            </a:extLst>
+          </p:cNvPr>
+          <p:cNvCxnSpPr>
+            <a:cxnSpLocks/>
+          </p:cNvCxnSpPr>
+          <p:nvPr/>
+        </p:nvCxnSpPr>
+        <p:spPr>
+          <a:xfrm>
+            <a:off x="1866378" y="1565753"/>
+            <a:ext cx="1402915" cy="0"/>
+          </a:xfrm>
+          <a:prstGeom prst="line">
+            <a:avLst/>
+          </a:prstGeom>
+          <a:ln w="57150">
+            <a:solidFill>
+              <a:schemeClr val="accent2">
+                <a:lumMod val="75000"/>
+              </a:schemeClr>
+            </a:solidFill>
+          </a:ln>
+        </p:spPr>
+        <p:style>
+          <a:lnRef idx="1">
+            <a:schemeClr val="accent1"/>
+          </a:lnRef>
+          <a:fillRef idx="0">
+            <a:schemeClr val="accent1"/>
+          </a:fillRef>
+          <a:effectRef idx="0">
+            <a:schemeClr val="accent1"/>
+          </a:effectRef>
+          <a:fontRef idx="minor">
+            <a:schemeClr val="tx1"/>
+          </a:fontRef>
+        </p:style>
+      </p:cxnSp>
+      <p:cxnSp>
+        <p:nvCxnSpPr>
+          <p:cNvPr id="6" name="직선 연결선 5">
+            <a:extLst>
+              <a:ext uri="{FF2B5EF4-FFF2-40B4-BE49-F238E27FC236}">
+                <a16:creationId xmlns:a16="http://schemas.microsoft.com/office/drawing/2014/main" id="{3678CCF4-4AC3-4139-92E5-55722C3E7751}"/>
+              </a:ext>
+            </a:extLst>
+          </p:cNvPr>
+          <p:cNvCxnSpPr>
+            <a:cxnSpLocks/>
+          </p:cNvCxnSpPr>
+          <p:nvPr/>
+        </p:nvCxnSpPr>
+        <p:spPr>
+          <a:xfrm>
+            <a:off x="3269293" y="1565753"/>
+            <a:ext cx="1402915" cy="0"/>
+          </a:xfrm>
+          <a:prstGeom prst="line">
+            <a:avLst/>
+          </a:prstGeom>
+          <a:ln w="57150">
+            <a:solidFill>
+              <a:srgbClr val="FFC000"/>
+            </a:solidFill>
+          </a:ln>
+        </p:spPr>
+        <p:style>
+          <a:lnRef idx="1">
+            <a:schemeClr val="accent1"/>
+          </a:lnRef>
+          <a:fillRef idx="0">
+            <a:schemeClr val="accent1"/>
+          </a:fillRef>
+          <a:effectRef idx="0">
+            <a:schemeClr val="accent1"/>
+          </a:effectRef>
+          <a:fontRef idx="minor">
+            <a:schemeClr val="tx1"/>
+          </a:fontRef>
+        </p:style>
+      </p:cxnSp>
+      <p:cxnSp>
+        <p:nvCxnSpPr>
+          <p:cNvPr id="7" name="직선 연결선 6">
+            <a:extLst>
+              <a:ext uri="{FF2B5EF4-FFF2-40B4-BE49-F238E27FC236}">
+                <a16:creationId xmlns:a16="http://schemas.microsoft.com/office/drawing/2014/main" id="{9FF08141-38ED-4F86-86A9-757547A2479E}"/>
+              </a:ext>
+            </a:extLst>
+          </p:cNvPr>
+          <p:cNvCxnSpPr>
+            <a:cxnSpLocks/>
+          </p:cNvCxnSpPr>
+          <p:nvPr/>
+        </p:nvCxnSpPr>
+        <p:spPr>
+          <a:xfrm>
+            <a:off x="4672208" y="1565753"/>
+            <a:ext cx="1402915" cy="0"/>
+          </a:xfrm>
+          <a:prstGeom prst="line">
+            <a:avLst/>
+          </a:prstGeom>
+          <a:ln w="57150">
+            <a:solidFill>
+              <a:schemeClr val="accent4">
+                <a:lumMod val="75000"/>
+              </a:schemeClr>
+            </a:solidFill>
+          </a:ln>
+        </p:spPr>
+        <p:style>
+          <a:lnRef idx="1">
+            <a:schemeClr val="accent1"/>
+          </a:lnRef>
+          <a:fillRef idx="0">
+            <a:schemeClr val="accent1"/>
+          </a:fillRef>
+          <a:effectRef idx="0">
+            <a:schemeClr val="accent1"/>
+          </a:effectRef>
+          <a:fontRef idx="minor">
+            <a:schemeClr val="tx1"/>
+          </a:fontRef>
+        </p:style>
+      </p:cxnSp>
+      <p:cxnSp>
+        <p:nvCxnSpPr>
+          <p:cNvPr id="8" name="직선 연결선 7">
+            <a:extLst>
+              <a:ext uri="{FF2B5EF4-FFF2-40B4-BE49-F238E27FC236}">
+                <a16:creationId xmlns:a16="http://schemas.microsoft.com/office/drawing/2014/main" id="{62A6EC5E-008F-4227-A299-34A564C6B4DE}"/>
+              </a:ext>
+            </a:extLst>
+          </p:cNvPr>
+          <p:cNvCxnSpPr>
+            <a:cxnSpLocks/>
+          </p:cNvCxnSpPr>
+          <p:nvPr/>
+        </p:nvCxnSpPr>
+        <p:spPr>
+          <a:xfrm>
+            <a:off x="6075123" y="1565753"/>
+            <a:ext cx="1402915" cy="0"/>
+          </a:xfrm>
+          <a:prstGeom prst="line">
+            <a:avLst/>
+          </a:prstGeom>
+          <a:ln w="57150">
+            <a:solidFill>
+              <a:srgbClr val="FF0000"/>
+            </a:solidFill>
+          </a:ln>
+        </p:spPr>
+        <p:style>
+          <a:lnRef idx="1">
+            <a:schemeClr val="accent1"/>
+          </a:lnRef>
+          <a:fillRef idx="0">
+            <a:schemeClr val="accent1"/>
+          </a:fillRef>
+          <a:effectRef idx="0">
+            <a:schemeClr val="accent1"/>
+          </a:effectRef>
+          <a:fontRef idx="minor">
+            <a:schemeClr val="tx1"/>
+          </a:fontRef>
+        </p:style>
+      </p:cxnSp>
+      <p:cxnSp>
+        <p:nvCxnSpPr>
+          <p:cNvPr id="9" name="직선 연결선 8">
+            <a:extLst>
+              <a:ext uri="{FF2B5EF4-FFF2-40B4-BE49-F238E27FC236}">
+                <a16:creationId xmlns:a16="http://schemas.microsoft.com/office/drawing/2014/main" id="{73BE4EC4-D5AB-43B6-99B8-20CC507C817B}"/>
+              </a:ext>
+            </a:extLst>
+          </p:cNvPr>
+          <p:cNvCxnSpPr>
+            <a:cxnSpLocks/>
+          </p:cNvCxnSpPr>
+          <p:nvPr/>
+        </p:nvCxnSpPr>
+        <p:spPr>
+          <a:xfrm>
+            <a:off x="7478038" y="1565753"/>
+            <a:ext cx="1402915" cy="0"/>
+          </a:xfrm>
+          <a:prstGeom prst="line">
+            <a:avLst/>
+          </a:prstGeom>
+          <a:ln w="57150">
+            <a:solidFill>
+              <a:srgbClr val="92D050"/>
+            </a:solidFill>
+          </a:ln>
+        </p:spPr>
+        <p:style>
+          <a:lnRef idx="1">
+            <a:schemeClr val="accent1"/>
+          </a:lnRef>
+          <a:fillRef idx="0">
+            <a:schemeClr val="accent1"/>
+          </a:fillRef>
+          <a:effectRef idx="0">
+            <a:schemeClr val="accent1"/>
+          </a:effectRef>
+          <a:fontRef idx="minor">
+            <a:schemeClr val="tx1"/>
+          </a:fontRef>
+        </p:style>
+      </p:cxnSp>
+      <p:cxnSp>
+        <p:nvCxnSpPr>
+          <p:cNvPr id="10" name="직선 연결선 9">
+            <a:extLst>
+              <a:ext uri="{FF2B5EF4-FFF2-40B4-BE49-F238E27FC236}">
+                <a16:creationId xmlns:a16="http://schemas.microsoft.com/office/drawing/2014/main" id="{D23B7696-E162-4DC6-9E5C-29744AE86C94}"/>
+              </a:ext>
+            </a:extLst>
+          </p:cNvPr>
+          <p:cNvCxnSpPr>
+            <a:cxnSpLocks/>
+          </p:cNvCxnSpPr>
+          <p:nvPr/>
+        </p:nvCxnSpPr>
+        <p:spPr>
+          <a:xfrm>
+            <a:off x="8880953" y="1565753"/>
+            <a:ext cx="1402915" cy="0"/>
+          </a:xfrm>
+          <a:prstGeom prst="line">
+            <a:avLst/>
+          </a:prstGeom>
+          <a:ln w="57150">
+            <a:solidFill>
+              <a:schemeClr val="bg2">
+                <a:lumMod val="50000"/>
+              </a:schemeClr>
+            </a:solidFill>
+          </a:ln>
+        </p:spPr>
+        <p:style>
+          <a:lnRef idx="1">
+            <a:schemeClr val="accent1"/>
+          </a:lnRef>
+          <a:fillRef idx="0">
+            <a:schemeClr val="accent1"/>
+          </a:fillRef>
+          <a:effectRef idx="0">
+            <a:schemeClr val="accent1"/>
+          </a:effectRef>
+          <a:fontRef idx="minor">
+            <a:schemeClr val="tx1"/>
+          </a:fontRef>
+        </p:style>
+      </p:cxnSp>
+      <p:cxnSp>
+        <p:nvCxnSpPr>
+          <p:cNvPr id="11" name="직선 연결선 10">
+            <a:extLst>
+              <a:ext uri="{FF2B5EF4-FFF2-40B4-BE49-F238E27FC236}">
+                <a16:creationId xmlns:a16="http://schemas.microsoft.com/office/drawing/2014/main" id="{AD5A1D01-4DAC-4236-AC37-43914BEDECF3}"/>
+              </a:ext>
+            </a:extLst>
+          </p:cNvPr>
+          <p:cNvCxnSpPr>
+            <a:cxnSpLocks/>
+          </p:cNvCxnSpPr>
+          <p:nvPr/>
+        </p:nvCxnSpPr>
+        <p:spPr>
+          <a:xfrm>
+            <a:off x="10283868" y="1565753"/>
+            <a:ext cx="1402915" cy="0"/>
+          </a:xfrm>
+          <a:prstGeom prst="line">
+            <a:avLst/>
+          </a:prstGeom>
+          <a:ln w="57150">
+            <a:solidFill>
+              <a:schemeClr val="bg1">
+                <a:lumMod val="85000"/>
+              </a:schemeClr>
+            </a:solidFill>
+          </a:ln>
+        </p:spPr>
+        <p:style>
+          <a:lnRef idx="1">
+            <a:schemeClr val="accent1"/>
+          </a:lnRef>
+          <a:fillRef idx="0">
+            <a:schemeClr val="accent1"/>
+          </a:fillRef>
+          <a:effectRef idx="0">
+            <a:schemeClr val="accent1"/>
+          </a:effectRef>
+          <a:fontRef idx="minor">
+            <a:schemeClr val="tx1"/>
+          </a:fontRef>
+        </p:style>
+      </p:cxnSp>
+      <p:pic>
+        <p:nvPicPr>
+          <p:cNvPr id="13" name="그림 12">
+            <a:extLst>
+              <a:ext uri="{FF2B5EF4-FFF2-40B4-BE49-F238E27FC236}">
+                <a16:creationId xmlns:a16="http://schemas.microsoft.com/office/drawing/2014/main" id="{AEA699F3-643C-42F7-B38B-769216C8B61C}"/>
+              </a:ext>
+            </a:extLst>
+          </p:cNvPr>
+          <p:cNvPicPr>
+            <a:picLocks noChangeAspect="1"/>
+          </p:cNvPicPr>
+          <p:nvPr/>
+        </p:nvPicPr>
+        <p:blipFill>
+          <a:blip r:embed="rId3"/>
+          <a:stretch>
+            <a:fillRect/>
+          </a:stretch>
+        </p:blipFill>
+        <p:spPr>
+          <a:xfrm>
+            <a:off x="1866378" y="4648846"/>
+            <a:ext cx="7058025" cy="2047875"/>
+          </a:xfrm>
+          <a:prstGeom prst="rect">
+            <a:avLst/>
+          </a:prstGeom>
+        </p:spPr>
+      </p:pic>
+    </p:spTree>
+    <p:extLst>
+      <p:ext uri="{BB962C8B-B14F-4D97-AF65-F5344CB8AC3E}">
+        <p14:creationId xmlns:p14="http://schemas.microsoft.com/office/powerpoint/2010/main" val="3392884648"/>
+      </p:ext>
+    </p:extLst>
+  </p:cSld>
+  <p:clrMapOvr>
+    <a:masterClrMapping/>
+  </p:clrMapOvr>
+</p:sld>
+</file>
+
+<file path=ppt/slides/slide13.xml><?xml version="1.0" encoding="utf-8"?>
+<p:sld xmlns:a="http://schemas.openxmlformats.org/drawingml/2006/main" xmlns:r="http://schemas.openxmlformats.org/officeDocument/2006/relationships" xmlns:p="http://schemas.openxmlformats.org/presentationml/2006/main">
+  <p:cSld>
+    <p:spTree>
+      <p:nvGrpSpPr>
+        <p:cNvPr id="1" name=""/>
+        <p:cNvGrpSpPr/>
+        <p:nvPr/>
+      </p:nvGrpSpPr>
+      <p:grpSpPr>
+        <a:xfrm>
+          <a:off x="0" y="0"/>
+          <a:ext cx="0" cy="0"/>
+          <a:chOff x="0" y="0"/>
+          <a:chExt cx="0" cy="0"/>
+        </a:xfrm>
+      </p:grpSpPr>
+      <p:sp>
+        <p:nvSpPr>
+          <p:cNvPr id="2" name="제목 1">
+            <a:extLst>
+              <a:ext uri="{FF2B5EF4-FFF2-40B4-BE49-F238E27FC236}">
+                <a16:creationId xmlns:a16="http://schemas.microsoft.com/office/drawing/2014/main" id="{0BBD75FB-0799-4EB1-9AD7-C68E11797971}"/>
+              </a:ext>
+            </a:extLst>
+          </p:cNvPr>
+          <p:cNvSpPr>
+            <a:spLocks noGrp="1"/>
+          </p:cNvSpPr>
+          <p:nvPr>
+            <p:ph type="title"/>
+          </p:nvPr>
+        </p:nvSpPr>
+        <p:spPr/>
+        <p:txBody>
+          <a:bodyPr/>
+          <a:lstStyle/>
+          <a:p>
+            <a:r>
+              <a:rPr lang="en-US" altLang="ko-KR" b="1" dirty="0"/>
+              <a:t>Minetest</a:t>
+            </a:r>
+            <a:r>
+              <a:rPr lang="ko-KR" altLang="en-US" b="1" dirty="0"/>
+              <a:t> </a:t>
+            </a:r>
+            <a:r>
+              <a:rPr lang="en-US" altLang="ko-KR" b="1" dirty="0"/>
+              <a:t>–</a:t>
+            </a:r>
+            <a:r>
+              <a:rPr lang="ko-KR" altLang="en-US" b="1" dirty="0"/>
+              <a:t> </a:t>
+            </a:r>
+            <a:r>
+              <a:rPr lang="en-US" altLang="ko-KR" b="1" dirty="0"/>
+              <a:t>fly </a:t>
+            </a:r>
+            <a:r>
+              <a:rPr lang="ko-KR" altLang="en-US" b="1" dirty="0"/>
+              <a:t>권한 부여</a:t>
+            </a:r>
+          </a:p>
+        </p:txBody>
+      </p:sp>
+      <p:pic>
+        <p:nvPicPr>
+          <p:cNvPr id="12" name="내용 개체 틀 11">
+            <a:extLst>
+              <a:ext uri="{FF2B5EF4-FFF2-40B4-BE49-F238E27FC236}">
+                <a16:creationId xmlns:a16="http://schemas.microsoft.com/office/drawing/2014/main" id="{7D245234-E4FD-47CA-92AC-AC3CD23C6E86}"/>
+              </a:ext>
+            </a:extLst>
+          </p:cNvPr>
+          <p:cNvPicPr>
+            <a:picLocks noGrp="1" noChangeAspect="1"/>
+          </p:cNvPicPr>
+          <p:nvPr>
+            <p:ph idx="1"/>
+          </p:nvPr>
+        </p:nvPicPr>
+        <p:blipFill>
+          <a:blip r:embed="rId2"/>
+          <a:stretch>
+            <a:fillRect/>
+          </a:stretch>
+        </p:blipFill>
+        <p:spPr>
+          <a:xfrm>
+            <a:off x="463463" y="1895952"/>
+            <a:ext cx="6400800" cy="4095991"/>
+          </a:xfrm>
+          <a:prstGeom prst="rect">
+            <a:avLst/>
+          </a:prstGeom>
+          <a:ln w="38100" cap="sq">
+            <a:solidFill>
+              <a:srgbClr val="000000"/>
+            </a:solidFill>
+            <a:prstDash val="solid"/>
+            <a:miter lim="800000"/>
+          </a:ln>
+          <a:effectLst>
+            <a:outerShdw blurRad="50800" dist="38100" dir="2700000" algn="tl" rotWithShape="0">
+              <a:srgbClr val="000000">
+                <a:alpha val="43000"/>
+              </a:srgbClr>
+            </a:outerShdw>
+          </a:effectLst>
+        </p:spPr>
+      </p:pic>
+      <p:cxnSp>
+        <p:nvCxnSpPr>
+          <p:cNvPr id="4" name="직선 연결선 3">
+            <a:extLst>
+              <a:ext uri="{FF2B5EF4-FFF2-40B4-BE49-F238E27FC236}">
+                <a16:creationId xmlns:a16="http://schemas.microsoft.com/office/drawing/2014/main" id="{EE01682E-4EC3-491F-A46B-0EACC9713D73}"/>
+              </a:ext>
+            </a:extLst>
+          </p:cNvPr>
+          <p:cNvCxnSpPr>
+            <a:cxnSpLocks/>
+          </p:cNvCxnSpPr>
+          <p:nvPr/>
+        </p:nvCxnSpPr>
+        <p:spPr>
+          <a:xfrm>
+            <a:off x="463463" y="1565753"/>
+            <a:ext cx="1402915" cy="0"/>
+          </a:xfrm>
+          <a:prstGeom prst="line">
+            <a:avLst/>
+          </a:prstGeom>
+          <a:ln w="57150">
+            <a:solidFill>
+              <a:srgbClr val="00B050"/>
+            </a:solidFill>
+          </a:ln>
+        </p:spPr>
+        <p:style>
+          <a:lnRef idx="1">
+            <a:schemeClr val="accent1"/>
+          </a:lnRef>
+          <a:fillRef idx="0">
+            <a:schemeClr val="accent1"/>
+          </a:fillRef>
+          <a:effectRef idx="0">
+            <a:schemeClr val="accent1"/>
+          </a:effectRef>
+          <a:fontRef idx="minor">
+            <a:schemeClr val="tx1"/>
+          </a:fontRef>
+        </p:style>
+      </p:cxnSp>
+      <p:cxnSp>
+        <p:nvCxnSpPr>
+          <p:cNvPr id="5" name="직선 연결선 4">
+            <a:extLst>
+              <a:ext uri="{FF2B5EF4-FFF2-40B4-BE49-F238E27FC236}">
+                <a16:creationId xmlns:a16="http://schemas.microsoft.com/office/drawing/2014/main" id="{ABC6680E-470B-45C4-B289-7A0EF67ED7E0}"/>
+              </a:ext>
+            </a:extLst>
+          </p:cNvPr>
+          <p:cNvCxnSpPr>
+            <a:cxnSpLocks/>
+          </p:cNvCxnSpPr>
+          <p:nvPr/>
+        </p:nvCxnSpPr>
+        <p:spPr>
+          <a:xfrm>
+            <a:off x="1866378" y="1565753"/>
+            <a:ext cx="1402915" cy="0"/>
+          </a:xfrm>
+          <a:prstGeom prst="line">
+            <a:avLst/>
+          </a:prstGeom>
+          <a:ln w="57150">
+            <a:solidFill>
+              <a:schemeClr val="accent2">
+                <a:lumMod val="75000"/>
+              </a:schemeClr>
+            </a:solidFill>
+          </a:ln>
+        </p:spPr>
+        <p:style>
+          <a:lnRef idx="1">
+            <a:schemeClr val="accent1"/>
+          </a:lnRef>
+          <a:fillRef idx="0">
+            <a:schemeClr val="accent1"/>
+          </a:fillRef>
+          <a:effectRef idx="0">
+            <a:schemeClr val="accent1"/>
+          </a:effectRef>
+          <a:fontRef idx="minor">
+            <a:schemeClr val="tx1"/>
+          </a:fontRef>
+        </p:style>
+      </p:cxnSp>
+      <p:cxnSp>
+        <p:nvCxnSpPr>
+          <p:cNvPr id="6" name="직선 연결선 5">
+            <a:extLst>
+              <a:ext uri="{FF2B5EF4-FFF2-40B4-BE49-F238E27FC236}">
+                <a16:creationId xmlns:a16="http://schemas.microsoft.com/office/drawing/2014/main" id="{3678CCF4-4AC3-4139-92E5-55722C3E7751}"/>
+              </a:ext>
+            </a:extLst>
+          </p:cNvPr>
+          <p:cNvCxnSpPr>
+            <a:cxnSpLocks/>
+          </p:cNvCxnSpPr>
+          <p:nvPr/>
+        </p:nvCxnSpPr>
+        <p:spPr>
+          <a:xfrm>
+            <a:off x="3269293" y="1565753"/>
+            <a:ext cx="1402915" cy="0"/>
+          </a:xfrm>
+          <a:prstGeom prst="line">
+            <a:avLst/>
+          </a:prstGeom>
+          <a:ln w="57150">
+            <a:solidFill>
+              <a:srgbClr val="FFC000"/>
+            </a:solidFill>
+          </a:ln>
+        </p:spPr>
+        <p:style>
+          <a:lnRef idx="1">
+            <a:schemeClr val="accent1"/>
+          </a:lnRef>
+          <a:fillRef idx="0">
+            <a:schemeClr val="accent1"/>
+          </a:fillRef>
+          <a:effectRef idx="0">
+            <a:schemeClr val="accent1"/>
+          </a:effectRef>
+          <a:fontRef idx="minor">
+            <a:schemeClr val="tx1"/>
+          </a:fontRef>
+        </p:style>
+      </p:cxnSp>
+      <p:cxnSp>
+        <p:nvCxnSpPr>
+          <p:cNvPr id="7" name="직선 연결선 6">
+            <a:extLst>
+              <a:ext uri="{FF2B5EF4-FFF2-40B4-BE49-F238E27FC236}">
+                <a16:creationId xmlns:a16="http://schemas.microsoft.com/office/drawing/2014/main" id="{9FF08141-38ED-4F86-86A9-757547A2479E}"/>
+              </a:ext>
+            </a:extLst>
+          </p:cNvPr>
+          <p:cNvCxnSpPr>
+            <a:cxnSpLocks/>
+          </p:cNvCxnSpPr>
+          <p:nvPr/>
+        </p:nvCxnSpPr>
+        <p:spPr>
+          <a:xfrm>
+            <a:off x="4672208" y="1565753"/>
+            <a:ext cx="1402915" cy="0"/>
+          </a:xfrm>
+          <a:prstGeom prst="line">
+            <a:avLst/>
+          </a:prstGeom>
+          <a:ln w="57150">
+            <a:solidFill>
+              <a:schemeClr val="accent4">
+                <a:lumMod val="75000"/>
+              </a:schemeClr>
+            </a:solidFill>
+          </a:ln>
+        </p:spPr>
+        <p:style>
+          <a:lnRef idx="1">
+            <a:schemeClr val="accent1"/>
+          </a:lnRef>
+          <a:fillRef idx="0">
+            <a:schemeClr val="accent1"/>
+          </a:fillRef>
+          <a:effectRef idx="0">
+            <a:schemeClr val="accent1"/>
+          </a:effectRef>
+          <a:fontRef idx="minor">
+            <a:schemeClr val="tx1"/>
+          </a:fontRef>
+        </p:style>
+      </p:cxnSp>
+      <p:cxnSp>
+        <p:nvCxnSpPr>
+          <p:cNvPr id="8" name="직선 연결선 7">
+            <a:extLst>
+              <a:ext uri="{FF2B5EF4-FFF2-40B4-BE49-F238E27FC236}">
+                <a16:creationId xmlns:a16="http://schemas.microsoft.com/office/drawing/2014/main" id="{62A6EC5E-008F-4227-A299-34A564C6B4DE}"/>
+              </a:ext>
+            </a:extLst>
+          </p:cNvPr>
+          <p:cNvCxnSpPr>
+            <a:cxnSpLocks/>
+          </p:cNvCxnSpPr>
+          <p:nvPr/>
+        </p:nvCxnSpPr>
+        <p:spPr>
+          <a:xfrm>
+            <a:off x="6075123" y="1565753"/>
+            <a:ext cx="1402915" cy="0"/>
+          </a:xfrm>
+          <a:prstGeom prst="line">
+            <a:avLst/>
+          </a:prstGeom>
+          <a:ln w="57150">
+            <a:solidFill>
+              <a:srgbClr val="FF0000"/>
+            </a:solidFill>
+          </a:ln>
+        </p:spPr>
+        <p:style>
+          <a:lnRef idx="1">
+            <a:schemeClr val="accent1"/>
+          </a:lnRef>
+          <a:fillRef idx="0">
+            <a:schemeClr val="accent1"/>
+          </a:fillRef>
+          <a:effectRef idx="0">
+            <a:schemeClr val="accent1"/>
+          </a:effectRef>
+          <a:fontRef idx="minor">
+            <a:schemeClr val="tx1"/>
+          </a:fontRef>
+        </p:style>
+      </p:cxnSp>
+      <p:cxnSp>
+        <p:nvCxnSpPr>
+          <p:cNvPr id="9" name="직선 연결선 8">
+            <a:extLst>
+              <a:ext uri="{FF2B5EF4-FFF2-40B4-BE49-F238E27FC236}">
+                <a16:creationId xmlns:a16="http://schemas.microsoft.com/office/drawing/2014/main" id="{73BE4EC4-D5AB-43B6-99B8-20CC507C817B}"/>
+              </a:ext>
+            </a:extLst>
+          </p:cNvPr>
+          <p:cNvCxnSpPr>
+            <a:cxnSpLocks/>
+          </p:cNvCxnSpPr>
+          <p:nvPr/>
+        </p:nvCxnSpPr>
+        <p:spPr>
+          <a:xfrm>
+            <a:off x="7478038" y="1565753"/>
+            <a:ext cx="1402915" cy="0"/>
+          </a:xfrm>
+          <a:prstGeom prst="line">
+            <a:avLst/>
+          </a:prstGeom>
+          <a:ln w="57150">
+            <a:solidFill>
+              <a:srgbClr val="92D050"/>
+            </a:solidFill>
+          </a:ln>
+        </p:spPr>
+        <p:style>
+          <a:lnRef idx="1">
+            <a:schemeClr val="accent1"/>
+          </a:lnRef>
+          <a:fillRef idx="0">
+            <a:schemeClr val="accent1"/>
+          </a:fillRef>
+          <a:effectRef idx="0">
+            <a:schemeClr val="accent1"/>
+          </a:effectRef>
+          <a:fontRef idx="minor">
+            <a:schemeClr val="tx1"/>
+          </a:fontRef>
+        </p:style>
+      </p:cxnSp>
+      <p:cxnSp>
+        <p:nvCxnSpPr>
+          <p:cNvPr id="10" name="직선 연결선 9">
+            <a:extLst>
+              <a:ext uri="{FF2B5EF4-FFF2-40B4-BE49-F238E27FC236}">
+                <a16:creationId xmlns:a16="http://schemas.microsoft.com/office/drawing/2014/main" id="{D23B7696-E162-4DC6-9E5C-29744AE86C94}"/>
+              </a:ext>
+            </a:extLst>
+          </p:cNvPr>
+          <p:cNvCxnSpPr>
+            <a:cxnSpLocks/>
+          </p:cNvCxnSpPr>
+          <p:nvPr/>
+        </p:nvCxnSpPr>
+        <p:spPr>
+          <a:xfrm>
+            <a:off x="8880953" y="1565753"/>
+            <a:ext cx="1402915" cy="0"/>
+          </a:xfrm>
+          <a:prstGeom prst="line">
+            <a:avLst/>
+          </a:prstGeom>
+          <a:ln w="57150">
+            <a:solidFill>
+              <a:schemeClr val="bg2">
+                <a:lumMod val="50000"/>
+              </a:schemeClr>
+            </a:solidFill>
+          </a:ln>
+        </p:spPr>
+        <p:style>
+          <a:lnRef idx="1">
+            <a:schemeClr val="accent1"/>
+          </a:lnRef>
+          <a:fillRef idx="0">
+            <a:schemeClr val="accent1"/>
+          </a:fillRef>
+          <a:effectRef idx="0">
+            <a:schemeClr val="accent1"/>
+          </a:effectRef>
+          <a:fontRef idx="minor">
+            <a:schemeClr val="tx1"/>
+          </a:fontRef>
+        </p:style>
+      </p:cxnSp>
+      <p:cxnSp>
+        <p:nvCxnSpPr>
+          <p:cNvPr id="11" name="직선 연결선 10">
+            <a:extLst>
+              <a:ext uri="{FF2B5EF4-FFF2-40B4-BE49-F238E27FC236}">
+                <a16:creationId xmlns:a16="http://schemas.microsoft.com/office/drawing/2014/main" id="{AD5A1D01-4DAC-4236-AC37-43914BEDECF3}"/>
+              </a:ext>
+            </a:extLst>
+          </p:cNvPr>
+          <p:cNvCxnSpPr>
+            <a:cxnSpLocks/>
+          </p:cNvCxnSpPr>
+          <p:nvPr/>
+        </p:nvCxnSpPr>
+        <p:spPr>
+          <a:xfrm>
+            <a:off x="10283868" y="1565753"/>
+            <a:ext cx="1402915" cy="0"/>
+          </a:xfrm>
+          <a:prstGeom prst="line">
+            <a:avLst/>
+          </a:prstGeom>
+          <a:ln w="57150">
+            <a:solidFill>
+              <a:schemeClr val="bg1">
+                <a:lumMod val="85000"/>
+              </a:schemeClr>
+            </a:solidFill>
+          </a:ln>
+        </p:spPr>
+        <p:style>
+          <a:lnRef idx="1">
+            <a:schemeClr val="accent1"/>
+          </a:lnRef>
+          <a:fillRef idx="0">
+            <a:schemeClr val="accent1"/>
+          </a:fillRef>
+          <a:effectRef idx="0">
+            <a:schemeClr val="accent1"/>
+          </a:effectRef>
+          <a:fontRef idx="minor">
+            <a:schemeClr val="tx1"/>
+          </a:fontRef>
+        </p:style>
+      </p:cxnSp>
+      <p:pic>
+        <p:nvPicPr>
+          <p:cNvPr id="13" name="그림 12">
+            <a:extLst>
+              <a:ext uri="{FF2B5EF4-FFF2-40B4-BE49-F238E27FC236}">
+                <a16:creationId xmlns:a16="http://schemas.microsoft.com/office/drawing/2014/main" id="{93909A77-26E9-47C2-BD8D-EBBF1479FBB8}"/>
+              </a:ext>
+            </a:extLst>
+          </p:cNvPr>
+          <p:cNvPicPr>
+            <a:picLocks noChangeAspect="1"/>
+          </p:cNvPicPr>
+          <p:nvPr/>
+        </p:nvPicPr>
+        <p:blipFill>
+          <a:blip r:embed="rId3"/>
+          <a:stretch>
+            <a:fillRect/>
+          </a:stretch>
+        </p:blipFill>
+        <p:spPr>
+          <a:xfrm>
+            <a:off x="7139835" y="1895953"/>
+            <a:ext cx="4551123" cy="4096010"/>
+          </a:xfrm>
+          <a:prstGeom prst="rect">
+            <a:avLst/>
+          </a:prstGeom>
+        </p:spPr>
+      </p:pic>
+    </p:spTree>
+    <p:extLst>
+      <p:ext uri="{BB962C8B-B14F-4D97-AF65-F5344CB8AC3E}">
+        <p14:creationId xmlns:p14="http://schemas.microsoft.com/office/powerpoint/2010/main" val="2511142432"/>
+      </p:ext>
+    </p:extLst>
+  </p:cSld>
+  <p:clrMapOvr>
+    <a:masterClrMapping/>
+  </p:clrMapOvr>
+</p:sld>
+</file>
+
+<file path=ppt/slides/slide14.xml><?xml version="1.0" encoding="utf-8"?>
+<p:sld xmlns:a="http://schemas.openxmlformats.org/drawingml/2006/main" xmlns:r="http://schemas.openxmlformats.org/officeDocument/2006/relationships" xmlns:p="http://schemas.openxmlformats.org/presentationml/2006/main">
+  <p:cSld>
+    <p:spTree>
+      <p:nvGrpSpPr>
+        <p:cNvPr id="1" name=""/>
+        <p:cNvGrpSpPr/>
+        <p:nvPr/>
+      </p:nvGrpSpPr>
+      <p:grpSpPr>
+        <a:xfrm>
+          <a:off x="0" y="0"/>
+          <a:ext cx="0" cy="0"/>
+          <a:chOff x="0" y="0"/>
+          <a:chExt cx="0" cy="0"/>
+        </a:xfrm>
+      </p:grpSpPr>
+      <p:sp>
+        <p:nvSpPr>
+          <p:cNvPr id="2" name="제목 1">
+            <a:extLst>
+              <a:ext uri="{FF2B5EF4-FFF2-40B4-BE49-F238E27FC236}">
+                <a16:creationId xmlns:a16="http://schemas.microsoft.com/office/drawing/2014/main" id="{0BBD75FB-0799-4EB1-9AD7-C68E11797971}"/>
+              </a:ext>
+            </a:extLst>
+          </p:cNvPr>
+          <p:cNvSpPr>
+            <a:spLocks noGrp="1"/>
+          </p:cNvSpPr>
+          <p:nvPr>
+            <p:ph type="title"/>
+          </p:nvPr>
+        </p:nvSpPr>
+        <p:spPr/>
+        <p:txBody>
+          <a:bodyPr/>
+          <a:lstStyle/>
+          <a:p>
+            <a:r>
+              <a:rPr lang="en-US" altLang="ko-KR" b="1" dirty="0"/>
+              <a:t>Minetest – </a:t>
+            </a:r>
+            <a:r>
+              <a:rPr lang="ko-KR" altLang="en-US" b="1" dirty="0"/>
+              <a:t>플레이어의 중력을 설정</a:t>
+            </a:r>
           </a:p>
         </p:txBody>
       </p:sp>
@@ -4205,7 +6183,38 @@
           <a:bodyPr/>
           <a:lstStyle/>
           <a:p>
-            <a:endParaRPr lang="ko-KR" altLang="en-US"/>
+            <a:r>
+              <a:rPr lang="ko-KR" altLang="en-US" dirty="0"/>
+              <a:t>기본값은 </a:t>
+            </a:r>
+            <a:r>
+              <a:rPr lang="en-US" altLang="ko-KR" dirty="0"/>
+              <a:t>1</a:t>
+            </a:r>
+          </a:p>
+          <a:p>
+            <a:r>
+              <a:rPr lang="ko-KR" altLang="en-US" dirty="0"/>
+              <a:t>높은 곳에서 떨어져도 중력이 낮으면 죽지 않고</a:t>
+            </a:r>
+            <a:r>
+              <a:rPr lang="en-US" altLang="ko-KR" dirty="0"/>
+              <a:t>, </a:t>
+            </a:r>
+            <a:r>
+              <a:rPr lang="ko-KR" altLang="en-US" dirty="0"/>
+              <a:t>반대로 중력이 높으면 점프로 계단 등을 올라갈 수 없음</a:t>
+            </a:r>
+            <a:r>
+              <a:rPr lang="en-US" altLang="ko-KR" dirty="0"/>
+              <a:t>.</a:t>
+            </a:r>
+          </a:p>
+          <a:p>
+            <a:pPr marL="0" indent="0">
+              <a:buNone/>
+            </a:pPr>
+            <a:endParaRPr lang="ko-KR" altLang="en-US" dirty="0"/>
           </a:p>
         </p:txBody>
       </p:sp>
@@ -4561,10 +6570,2250 @@
           </a:fontRef>
         </p:style>
       </p:cxnSp>
+      <p:pic>
+        <p:nvPicPr>
+          <p:cNvPr id="12" name="그림 11">
+            <a:extLst>
+              <a:ext uri="{FF2B5EF4-FFF2-40B4-BE49-F238E27FC236}">
+                <a16:creationId xmlns:a16="http://schemas.microsoft.com/office/drawing/2014/main" id="{6CE1E4F5-D3C6-4961-A00D-68215E637936}"/>
+              </a:ext>
+            </a:extLst>
+          </p:cNvPr>
+          <p:cNvPicPr>
+            <a:picLocks noChangeAspect="1"/>
+          </p:cNvPicPr>
+          <p:nvPr/>
+        </p:nvPicPr>
+        <p:blipFill>
+          <a:blip r:embed="rId2"/>
+          <a:stretch>
+            <a:fillRect/>
+          </a:stretch>
+        </p:blipFill>
+        <p:spPr>
+          <a:xfrm>
+            <a:off x="1916014" y="3429000"/>
+            <a:ext cx="8318217" cy="2763044"/>
+          </a:xfrm>
+          <a:prstGeom prst="rect">
+            <a:avLst/>
+          </a:prstGeom>
+          <a:ln w="38100" cap="sq">
+            <a:solidFill>
+              <a:srgbClr val="000000"/>
+            </a:solidFill>
+            <a:prstDash val="solid"/>
+            <a:miter lim="800000"/>
+          </a:ln>
+          <a:effectLst>
+            <a:outerShdw blurRad="50800" dist="38100" dir="2700000" algn="tl" rotWithShape="0">
+              <a:srgbClr val="000000">
+                <a:alpha val="43000"/>
+              </a:srgbClr>
+            </a:outerShdw>
+          </a:effectLst>
+        </p:spPr>
+      </p:pic>
     </p:spTree>
     <p:extLst>
       <p:ext uri="{BB962C8B-B14F-4D97-AF65-F5344CB8AC3E}">
-        <p14:creationId xmlns:p14="http://schemas.microsoft.com/office/powerpoint/2010/main" val="2004272052"/>
+        <p14:creationId xmlns:p14="http://schemas.microsoft.com/office/powerpoint/2010/main" val="3022602227"/>
+      </p:ext>
+    </p:extLst>
+  </p:cSld>
+  <p:clrMapOvr>
+    <a:masterClrMapping/>
+  </p:clrMapOvr>
+</p:sld>
+</file>
+
+<file path=ppt/slides/slide15.xml><?xml version="1.0" encoding="utf-8"?>
+<p:sld xmlns:a="http://schemas.openxmlformats.org/drawingml/2006/main" xmlns:r="http://schemas.openxmlformats.org/officeDocument/2006/relationships" xmlns:p="http://schemas.openxmlformats.org/presentationml/2006/main">
+  <p:cSld>
+    <p:spTree>
+      <p:nvGrpSpPr>
+        <p:cNvPr id="1" name=""/>
+        <p:cNvGrpSpPr/>
+        <p:nvPr/>
+      </p:nvGrpSpPr>
+      <p:grpSpPr>
+        <a:xfrm>
+          <a:off x="0" y="0"/>
+          <a:ext cx="0" cy="0"/>
+          <a:chOff x="0" y="0"/>
+          <a:chExt cx="0" cy="0"/>
+        </a:xfrm>
+      </p:grpSpPr>
+      <p:sp>
+        <p:nvSpPr>
+          <p:cNvPr id="2" name="제목 1">
+            <a:extLst>
+              <a:ext uri="{FF2B5EF4-FFF2-40B4-BE49-F238E27FC236}">
+                <a16:creationId xmlns:a16="http://schemas.microsoft.com/office/drawing/2014/main" id="{0BBD75FB-0799-4EB1-9AD7-C68E11797971}"/>
+              </a:ext>
+            </a:extLst>
+          </p:cNvPr>
+          <p:cNvSpPr>
+            <a:spLocks noGrp="1"/>
+          </p:cNvSpPr>
+          <p:nvPr>
+            <p:ph type="title"/>
+          </p:nvPr>
+        </p:nvSpPr>
+        <p:spPr/>
+        <p:txBody>
+          <a:bodyPr/>
+          <a:lstStyle/>
+          <a:p>
+            <a:r>
+              <a:rPr lang="en-US" altLang="ko-KR" b="1" dirty="0"/>
+              <a:t>Minetest – </a:t>
+            </a:r>
+            <a:r>
+              <a:rPr lang="ko-KR" altLang="en-US" sz="3600" b="1" dirty="0"/>
+              <a:t>체력 수를 </a:t>
+            </a:r>
+            <a:r>
+              <a:rPr lang="en-US" altLang="ko-KR" sz="3600" b="1" dirty="0"/>
+              <a:t>0</a:t>
+            </a:r>
+            <a:r>
+              <a:rPr lang="ko-KR" altLang="en-US" sz="3600" b="1" dirty="0"/>
+              <a:t>에서 </a:t>
+            </a:r>
+            <a:r>
+              <a:rPr lang="en-US" altLang="ko-KR" sz="3600" b="1" dirty="0"/>
+              <a:t>20 </a:t>
+            </a:r>
+            <a:r>
+              <a:rPr lang="ko-KR" altLang="en-US" sz="3600" b="1" dirty="0"/>
+              <a:t>사이로 설정</a:t>
+            </a:r>
+            <a:r>
+              <a:rPr lang="en-US" altLang="ko-KR" sz="3600" b="1" dirty="0"/>
+              <a:t> </a:t>
+            </a:r>
+            <a:endParaRPr lang="ko-KR" altLang="en-US" b="1" dirty="0"/>
+          </a:p>
+        </p:txBody>
+      </p:sp>
+      <p:sp>
+        <p:nvSpPr>
+          <p:cNvPr id="3" name="내용 개체 틀 2">
+            <a:extLst>
+              <a:ext uri="{FF2B5EF4-FFF2-40B4-BE49-F238E27FC236}">
+                <a16:creationId xmlns:a16="http://schemas.microsoft.com/office/drawing/2014/main" id="{E9D22F1E-049A-4FEB-AEF1-C90B1011EA69}"/>
+              </a:ext>
+            </a:extLst>
+          </p:cNvPr>
+          <p:cNvSpPr>
+            <a:spLocks noGrp="1"/>
+          </p:cNvSpPr>
+          <p:nvPr>
+            <p:ph idx="1"/>
+          </p:nvPr>
+        </p:nvSpPr>
+        <p:spPr/>
+        <p:txBody>
+          <a:bodyPr/>
+          <a:lstStyle/>
+          <a:p>
+            <a:endParaRPr lang="ko-KR" altLang="en-US"/>
+          </a:p>
+        </p:txBody>
+      </p:sp>
+      <p:cxnSp>
+        <p:nvCxnSpPr>
+          <p:cNvPr id="4" name="직선 연결선 3">
+            <a:extLst>
+              <a:ext uri="{FF2B5EF4-FFF2-40B4-BE49-F238E27FC236}">
+                <a16:creationId xmlns:a16="http://schemas.microsoft.com/office/drawing/2014/main" id="{EE01682E-4EC3-491F-A46B-0EACC9713D73}"/>
+              </a:ext>
+            </a:extLst>
+          </p:cNvPr>
+          <p:cNvCxnSpPr>
+            <a:cxnSpLocks/>
+          </p:cNvCxnSpPr>
+          <p:nvPr/>
+        </p:nvCxnSpPr>
+        <p:spPr>
+          <a:xfrm>
+            <a:off x="463463" y="1565753"/>
+            <a:ext cx="1402915" cy="0"/>
+          </a:xfrm>
+          <a:prstGeom prst="line">
+            <a:avLst/>
+          </a:prstGeom>
+          <a:ln w="57150">
+            <a:solidFill>
+              <a:srgbClr val="00B050"/>
+            </a:solidFill>
+          </a:ln>
+        </p:spPr>
+        <p:style>
+          <a:lnRef idx="1">
+            <a:schemeClr val="accent1"/>
+          </a:lnRef>
+          <a:fillRef idx="0">
+            <a:schemeClr val="accent1"/>
+          </a:fillRef>
+          <a:effectRef idx="0">
+            <a:schemeClr val="accent1"/>
+          </a:effectRef>
+          <a:fontRef idx="minor">
+            <a:schemeClr val="tx1"/>
+          </a:fontRef>
+        </p:style>
+      </p:cxnSp>
+      <p:cxnSp>
+        <p:nvCxnSpPr>
+          <p:cNvPr id="5" name="직선 연결선 4">
+            <a:extLst>
+              <a:ext uri="{FF2B5EF4-FFF2-40B4-BE49-F238E27FC236}">
+                <a16:creationId xmlns:a16="http://schemas.microsoft.com/office/drawing/2014/main" id="{ABC6680E-470B-45C4-B289-7A0EF67ED7E0}"/>
+              </a:ext>
+            </a:extLst>
+          </p:cNvPr>
+          <p:cNvCxnSpPr>
+            <a:cxnSpLocks/>
+          </p:cNvCxnSpPr>
+          <p:nvPr/>
+        </p:nvCxnSpPr>
+        <p:spPr>
+          <a:xfrm>
+            <a:off x="1866378" y="1565753"/>
+            <a:ext cx="1402915" cy="0"/>
+          </a:xfrm>
+          <a:prstGeom prst="line">
+            <a:avLst/>
+          </a:prstGeom>
+          <a:ln w="57150">
+            <a:solidFill>
+              <a:schemeClr val="accent2">
+                <a:lumMod val="75000"/>
+              </a:schemeClr>
+            </a:solidFill>
+          </a:ln>
+        </p:spPr>
+        <p:style>
+          <a:lnRef idx="1">
+            <a:schemeClr val="accent1"/>
+          </a:lnRef>
+          <a:fillRef idx="0">
+            <a:schemeClr val="accent1"/>
+          </a:fillRef>
+          <a:effectRef idx="0">
+            <a:schemeClr val="accent1"/>
+          </a:effectRef>
+          <a:fontRef idx="minor">
+            <a:schemeClr val="tx1"/>
+          </a:fontRef>
+        </p:style>
+      </p:cxnSp>
+      <p:cxnSp>
+        <p:nvCxnSpPr>
+          <p:cNvPr id="6" name="직선 연결선 5">
+            <a:extLst>
+              <a:ext uri="{FF2B5EF4-FFF2-40B4-BE49-F238E27FC236}">
+                <a16:creationId xmlns:a16="http://schemas.microsoft.com/office/drawing/2014/main" id="{3678CCF4-4AC3-4139-92E5-55722C3E7751}"/>
+              </a:ext>
+            </a:extLst>
+          </p:cNvPr>
+          <p:cNvCxnSpPr>
+            <a:cxnSpLocks/>
+          </p:cNvCxnSpPr>
+          <p:nvPr/>
+        </p:nvCxnSpPr>
+        <p:spPr>
+          <a:xfrm>
+            <a:off x="3269293" y="1565753"/>
+            <a:ext cx="1402915" cy="0"/>
+          </a:xfrm>
+          <a:prstGeom prst="line">
+            <a:avLst/>
+          </a:prstGeom>
+          <a:ln w="57150">
+            <a:solidFill>
+              <a:srgbClr val="FFC000"/>
+            </a:solidFill>
+          </a:ln>
+        </p:spPr>
+        <p:style>
+          <a:lnRef idx="1">
+            <a:schemeClr val="accent1"/>
+          </a:lnRef>
+          <a:fillRef idx="0">
+            <a:schemeClr val="accent1"/>
+          </a:fillRef>
+          <a:effectRef idx="0">
+            <a:schemeClr val="accent1"/>
+          </a:effectRef>
+          <a:fontRef idx="minor">
+            <a:schemeClr val="tx1"/>
+          </a:fontRef>
+        </p:style>
+      </p:cxnSp>
+      <p:cxnSp>
+        <p:nvCxnSpPr>
+          <p:cNvPr id="7" name="직선 연결선 6">
+            <a:extLst>
+              <a:ext uri="{FF2B5EF4-FFF2-40B4-BE49-F238E27FC236}">
+                <a16:creationId xmlns:a16="http://schemas.microsoft.com/office/drawing/2014/main" id="{9FF08141-38ED-4F86-86A9-757547A2479E}"/>
+              </a:ext>
+            </a:extLst>
+          </p:cNvPr>
+          <p:cNvCxnSpPr>
+            <a:cxnSpLocks/>
+          </p:cNvCxnSpPr>
+          <p:nvPr/>
+        </p:nvCxnSpPr>
+        <p:spPr>
+          <a:xfrm>
+            <a:off x="4672208" y="1565753"/>
+            <a:ext cx="1402915" cy="0"/>
+          </a:xfrm>
+          <a:prstGeom prst="line">
+            <a:avLst/>
+          </a:prstGeom>
+          <a:ln w="57150">
+            <a:solidFill>
+              <a:schemeClr val="accent4">
+                <a:lumMod val="75000"/>
+              </a:schemeClr>
+            </a:solidFill>
+          </a:ln>
+        </p:spPr>
+        <p:style>
+          <a:lnRef idx="1">
+            <a:schemeClr val="accent1"/>
+          </a:lnRef>
+          <a:fillRef idx="0">
+            <a:schemeClr val="accent1"/>
+          </a:fillRef>
+          <a:effectRef idx="0">
+            <a:schemeClr val="accent1"/>
+          </a:effectRef>
+          <a:fontRef idx="minor">
+            <a:schemeClr val="tx1"/>
+          </a:fontRef>
+        </p:style>
+      </p:cxnSp>
+      <p:cxnSp>
+        <p:nvCxnSpPr>
+          <p:cNvPr id="8" name="직선 연결선 7">
+            <a:extLst>
+              <a:ext uri="{FF2B5EF4-FFF2-40B4-BE49-F238E27FC236}">
+                <a16:creationId xmlns:a16="http://schemas.microsoft.com/office/drawing/2014/main" id="{62A6EC5E-008F-4227-A299-34A564C6B4DE}"/>
+              </a:ext>
+            </a:extLst>
+          </p:cNvPr>
+          <p:cNvCxnSpPr>
+            <a:cxnSpLocks/>
+          </p:cNvCxnSpPr>
+          <p:nvPr/>
+        </p:nvCxnSpPr>
+        <p:spPr>
+          <a:xfrm>
+            <a:off x="6075123" y="1565753"/>
+            <a:ext cx="1402915" cy="0"/>
+          </a:xfrm>
+          <a:prstGeom prst="line">
+            <a:avLst/>
+          </a:prstGeom>
+          <a:ln w="57150">
+            <a:solidFill>
+              <a:srgbClr val="FF0000"/>
+            </a:solidFill>
+          </a:ln>
+        </p:spPr>
+        <p:style>
+          <a:lnRef idx="1">
+            <a:schemeClr val="accent1"/>
+          </a:lnRef>
+          <a:fillRef idx="0">
+            <a:schemeClr val="accent1"/>
+          </a:fillRef>
+          <a:effectRef idx="0">
+            <a:schemeClr val="accent1"/>
+          </a:effectRef>
+          <a:fontRef idx="minor">
+            <a:schemeClr val="tx1"/>
+          </a:fontRef>
+        </p:style>
+      </p:cxnSp>
+      <p:cxnSp>
+        <p:nvCxnSpPr>
+          <p:cNvPr id="9" name="직선 연결선 8">
+            <a:extLst>
+              <a:ext uri="{FF2B5EF4-FFF2-40B4-BE49-F238E27FC236}">
+                <a16:creationId xmlns:a16="http://schemas.microsoft.com/office/drawing/2014/main" id="{73BE4EC4-D5AB-43B6-99B8-20CC507C817B}"/>
+              </a:ext>
+            </a:extLst>
+          </p:cNvPr>
+          <p:cNvCxnSpPr>
+            <a:cxnSpLocks/>
+          </p:cNvCxnSpPr>
+          <p:nvPr/>
+        </p:nvCxnSpPr>
+        <p:spPr>
+          <a:xfrm>
+            <a:off x="7478038" y="1565753"/>
+            <a:ext cx="1402915" cy="0"/>
+          </a:xfrm>
+          <a:prstGeom prst="line">
+            <a:avLst/>
+          </a:prstGeom>
+          <a:ln w="57150">
+            <a:solidFill>
+              <a:srgbClr val="92D050"/>
+            </a:solidFill>
+          </a:ln>
+        </p:spPr>
+        <p:style>
+          <a:lnRef idx="1">
+            <a:schemeClr val="accent1"/>
+          </a:lnRef>
+          <a:fillRef idx="0">
+            <a:schemeClr val="accent1"/>
+          </a:fillRef>
+          <a:effectRef idx="0">
+            <a:schemeClr val="accent1"/>
+          </a:effectRef>
+          <a:fontRef idx="minor">
+            <a:schemeClr val="tx1"/>
+          </a:fontRef>
+        </p:style>
+      </p:cxnSp>
+      <p:cxnSp>
+        <p:nvCxnSpPr>
+          <p:cNvPr id="10" name="직선 연결선 9">
+            <a:extLst>
+              <a:ext uri="{FF2B5EF4-FFF2-40B4-BE49-F238E27FC236}">
+                <a16:creationId xmlns:a16="http://schemas.microsoft.com/office/drawing/2014/main" id="{D23B7696-E162-4DC6-9E5C-29744AE86C94}"/>
+              </a:ext>
+            </a:extLst>
+          </p:cNvPr>
+          <p:cNvCxnSpPr>
+            <a:cxnSpLocks/>
+          </p:cNvCxnSpPr>
+          <p:nvPr/>
+        </p:nvCxnSpPr>
+        <p:spPr>
+          <a:xfrm>
+            <a:off x="8880953" y="1565753"/>
+            <a:ext cx="1402915" cy="0"/>
+          </a:xfrm>
+          <a:prstGeom prst="line">
+            <a:avLst/>
+          </a:prstGeom>
+          <a:ln w="57150">
+            <a:solidFill>
+              <a:schemeClr val="bg2">
+                <a:lumMod val="50000"/>
+              </a:schemeClr>
+            </a:solidFill>
+          </a:ln>
+        </p:spPr>
+        <p:style>
+          <a:lnRef idx="1">
+            <a:schemeClr val="accent1"/>
+          </a:lnRef>
+          <a:fillRef idx="0">
+            <a:schemeClr val="accent1"/>
+          </a:fillRef>
+          <a:effectRef idx="0">
+            <a:schemeClr val="accent1"/>
+          </a:effectRef>
+          <a:fontRef idx="minor">
+            <a:schemeClr val="tx1"/>
+          </a:fontRef>
+        </p:style>
+      </p:cxnSp>
+      <p:cxnSp>
+        <p:nvCxnSpPr>
+          <p:cNvPr id="11" name="직선 연결선 10">
+            <a:extLst>
+              <a:ext uri="{FF2B5EF4-FFF2-40B4-BE49-F238E27FC236}">
+                <a16:creationId xmlns:a16="http://schemas.microsoft.com/office/drawing/2014/main" id="{AD5A1D01-4DAC-4236-AC37-43914BEDECF3}"/>
+              </a:ext>
+            </a:extLst>
+          </p:cNvPr>
+          <p:cNvCxnSpPr>
+            <a:cxnSpLocks/>
+          </p:cNvCxnSpPr>
+          <p:nvPr/>
+        </p:nvCxnSpPr>
+        <p:spPr>
+          <a:xfrm>
+            <a:off x="10283868" y="1565753"/>
+            <a:ext cx="1402915" cy="0"/>
+          </a:xfrm>
+          <a:prstGeom prst="line">
+            <a:avLst/>
+          </a:prstGeom>
+          <a:ln w="57150">
+            <a:solidFill>
+              <a:schemeClr val="bg1">
+                <a:lumMod val="85000"/>
+              </a:schemeClr>
+            </a:solidFill>
+          </a:ln>
+        </p:spPr>
+        <p:style>
+          <a:lnRef idx="1">
+            <a:schemeClr val="accent1"/>
+          </a:lnRef>
+          <a:fillRef idx="0">
+            <a:schemeClr val="accent1"/>
+          </a:fillRef>
+          <a:effectRef idx="0">
+            <a:schemeClr val="accent1"/>
+          </a:effectRef>
+          <a:fontRef idx="minor">
+            <a:schemeClr val="tx1"/>
+          </a:fontRef>
+        </p:style>
+      </p:cxnSp>
+    </p:spTree>
+    <p:extLst>
+      <p:ext uri="{BB962C8B-B14F-4D97-AF65-F5344CB8AC3E}">
+        <p14:creationId xmlns:p14="http://schemas.microsoft.com/office/powerpoint/2010/main" val="2046032947"/>
+      </p:ext>
+    </p:extLst>
+  </p:cSld>
+  <p:clrMapOvr>
+    <a:masterClrMapping/>
+  </p:clrMapOvr>
+</p:sld>
+</file>
+
+<file path=ppt/slides/slide16.xml><?xml version="1.0" encoding="utf-8"?>
+<p:sld xmlns:a="http://schemas.openxmlformats.org/drawingml/2006/main" xmlns:r="http://schemas.openxmlformats.org/officeDocument/2006/relationships" xmlns:p="http://schemas.openxmlformats.org/presentationml/2006/main">
+  <p:cSld>
+    <p:spTree>
+      <p:nvGrpSpPr>
+        <p:cNvPr id="1" name=""/>
+        <p:cNvGrpSpPr/>
+        <p:nvPr/>
+      </p:nvGrpSpPr>
+      <p:grpSpPr>
+        <a:xfrm>
+          <a:off x="0" y="0"/>
+          <a:ext cx="0" cy="0"/>
+          <a:chOff x="0" y="0"/>
+          <a:chExt cx="0" cy="0"/>
+        </a:xfrm>
+      </p:grpSpPr>
+      <p:sp>
+        <p:nvSpPr>
+          <p:cNvPr id="2" name="제목 1">
+            <a:extLst>
+              <a:ext uri="{FF2B5EF4-FFF2-40B4-BE49-F238E27FC236}">
+                <a16:creationId xmlns:a16="http://schemas.microsoft.com/office/drawing/2014/main" id="{0BBD75FB-0799-4EB1-9AD7-C68E11797971}"/>
+              </a:ext>
+            </a:extLst>
+          </p:cNvPr>
+          <p:cNvSpPr>
+            <a:spLocks noGrp="1"/>
+          </p:cNvSpPr>
+          <p:nvPr>
+            <p:ph type="title"/>
+          </p:nvPr>
+        </p:nvSpPr>
+        <p:spPr/>
+        <p:txBody>
+          <a:bodyPr/>
+          <a:lstStyle/>
+          <a:p>
+            <a:r>
+              <a:rPr lang="en-US" altLang="ko-KR" b="1" dirty="0"/>
+              <a:t>Minetest - </a:t>
+            </a:r>
+            <a:endParaRPr lang="ko-KR" altLang="en-US" b="1" dirty="0"/>
+          </a:p>
+        </p:txBody>
+      </p:sp>
+      <p:sp>
+        <p:nvSpPr>
+          <p:cNvPr id="3" name="내용 개체 틀 2">
+            <a:extLst>
+              <a:ext uri="{FF2B5EF4-FFF2-40B4-BE49-F238E27FC236}">
+                <a16:creationId xmlns:a16="http://schemas.microsoft.com/office/drawing/2014/main" id="{E9D22F1E-049A-4FEB-AEF1-C90B1011EA69}"/>
+              </a:ext>
+            </a:extLst>
+          </p:cNvPr>
+          <p:cNvSpPr>
+            <a:spLocks noGrp="1"/>
+          </p:cNvSpPr>
+          <p:nvPr>
+            <p:ph idx="1"/>
+          </p:nvPr>
+        </p:nvSpPr>
+        <p:spPr/>
+        <p:txBody>
+          <a:bodyPr/>
+          <a:lstStyle/>
+          <a:p>
+            <a:endParaRPr lang="ko-KR" altLang="en-US"/>
+          </a:p>
+        </p:txBody>
+      </p:sp>
+      <p:cxnSp>
+        <p:nvCxnSpPr>
+          <p:cNvPr id="4" name="직선 연결선 3">
+            <a:extLst>
+              <a:ext uri="{FF2B5EF4-FFF2-40B4-BE49-F238E27FC236}">
+                <a16:creationId xmlns:a16="http://schemas.microsoft.com/office/drawing/2014/main" id="{EE01682E-4EC3-491F-A46B-0EACC9713D73}"/>
+              </a:ext>
+            </a:extLst>
+          </p:cNvPr>
+          <p:cNvCxnSpPr>
+            <a:cxnSpLocks/>
+          </p:cNvCxnSpPr>
+          <p:nvPr/>
+        </p:nvCxnSpPr>
+        <p:spPr>
+          <a:xfrm>
+            <a:off x="463463" y="1565753"/>
+            <a:ext cx="1402915" cy="0"/>
+          </a:xfrm>
+          <a:prstGeom prst="line">
+            <a:avLst/>
+          </a:prstGeom>
+          <a:ln w="57150">
+            <a:solidFill>
+              <a:srgbClr val="00B050"/>
+            </a:solidFill>
+          </a:ln>
+        </p:spPr>
+        <p:style>
+          <a:lnRef idx="1">
+            <a:schemeClr val="accent1"/>
+          </a:lnRef>
+          <a:fillRef idx="0">
+            <a:schemeClr val="accent1"/>
+          </a:fillRef>
+          <a:effectRef idx="0">
+            <a:schemeClr val="accent1"/>
+          </a:effectRef>
+          <a:fontRef idx="minor">
+            <a:schemeClr val="tx1"/>
+          </a:fontRef>
+        </p:style>
+      </p:cxnSp>
+      <p:cxnSp>
+        <p:nvCxnSpPr>
+          <p:cNvPr id="5" name="직선 연결선 4">
+            <a:extLst>
+              <a:ext uri="{FF2B5EF4-FFF2-40B4-BE49-F238E27FC236}">
+                <a16:creationId xmlns:a16="http://schemas.microsoft.com/office/drawing/2014/main" id="{ABC6680E-470B-45C4-B289-7A0EF67ED7E0}"/>
+              </a:ext>
+            </a:extLst>
+          </p:cNvPr>
+          <p:cNvCxnSpPr>
+            <a:cxnSpLocks/>
+          </p:cNvCxnSpPr>
+          <p:nvPr/>
+        </p:nvCxnSpPr>
+        <p:spPr>
+          <a:xfrm>
+            <a:off x="1866378" y="1565753"/>
+            <a:ext cx="1402915" cy="0"/>
+          </a:xfrm>
+          <a:prstGeom prst="line">
+            <a:avLst/>
+          </a:prstGeom>
+          <a:ln w="57150">
+            <a:solidFill>
+              <a:schemeClr val="accent2">
+                <a:lumMod val="75000"/>
+              </a:schemeClr>
+            </a:solidFill>
+          </a:ln>
+        </p:spPr>
+        <p:style>
+          <a:lnRef idx="1">
+            <a:schemeClr val="accent1"/>
+          </a:lnRef>
+          <a:fillRef idx="0">
+            <a:schemeClr val="accent1"/>
+          </a:fillRef>
+          <a:effectRef idx="0">
+            <a:schemeClr val="accent1"/>
+          </a:effectRef>
+          <a:fontRef idx="minor">
+            <a:schemeClr val="tx1"/>
+          </a:fontRef>
+        </p:style>
+      </p:cxnSp>
+      <p:cxnSp>
+        <p:nvCxnSpPr>
+          <p:cNvPr id="6" name="직선 연결선 5">
+            <a:extLst>
+              <a:ext uri="{FF2B5EF4-FFF2-40B4-BE49-F238E27FC236}">
+                <a16:creationId xmlns:a16="http://schemas.microsoft.com/office/drawing/2014/main" id="{3678CCF4-4AC3-4139-92E5-55722C3E7751}"/>
+              </a:ext>
+            </a:extLst>
+          </p:cNvPr>
+          <p:cNvCxnSpPr>
+            <a:cxnSpLocks/>
+          </p:cNvCxnSpPr>
+          <p:nvPr/>
+        </p:nvCxnSpPr>
+        <p:spPr>
+          <a:xfrm>
+            <a:off x="3269293" y="1565753"/>
+            <a:ext cx="1402915" cy="0"/>
+          </a:xfrm>
+          <a:prstGeom prst="line">
+            <a:avLst/>
+          </a:prstGeom>
+          <a:ln w="57150">
+            <a:solidFill>
+              <a:srgbClr val="FFC000"/>
+            </a:solidFill>
+          </a:ln>
+        </p:spPr>
+        <p:style>
+          <a:lnRef idx="1">
+            <a:schemeClr val="accent1"/>
+          </a:lnRef>
+          <a:fillRef idx="0">
+            <a:schemeClr val="accent1"/>
+          </a:fillRef>
+          <a:effectRef idx="0">
+            <a:schemeClr val="accent1"/>
+          </a:effectRef>
+          <a:fontRef idx="minor">
+            <a:schemeClr val="tx1"/>
+          </a:fontRef>
+        </p:style>
+      </p:cxnSp>
+      <p:cxnSp>
+        <p:nvCxnSpPr>
+          <p:cNvPr id="7" name="직선 연결선 6">
+            <a:extLst>
+              <a:ext uri="{FF2B5EF4-FFF2-40B4-BE49-F238E27FC236}">
+                <a16:creationId xmlns:a16="http://schemas.microsoft.com/office/drawing/2014/main" id="{9FF08141-38ED-4F86-86A9-757547A2479E}"/>
+              </a:ext>
+            </a:extLst>
+          </p:cNvPr>
+          <p:cNvCxnSpPr>
+            <a:cxnSpLocks/>
+          </p:cNvCxnSpPr>
+          <p:nvPr/>
+        </p:nvCxnSpPr>
+        <p:spPr>
+          <a:xfrm>
+            <a:off x="4672208" y="1565753"/>
+            <a:ext cx="1402915" cy="0"/>
+          </a:xfrm>
+          <a:prstGeom prst="line">
+            <a:avLst/>
+          </a:prstGeom>
+          <a:ln w="57150">
+            <a:solidFill>
+              <a:schemeClr val="accent4">
+                <a:lumMod val="75000"/>
+              </a:schemeClr>
+            </a:solidFill>
+          </a:ln>
+        </p:spPr>
+        <p:style>
+          <a:lnRef idx="1">
+            <a:schemeClr val="accent1"/>
+          </a:lnRef>
+          <a:fillRef idx="0">
+            <a:schemeClr val="accent1"/>
+          </a:fillRef>
+          <a:effectRef idx="0">
+            <a:schemeClr val="accent1"/>
+          </a:effectRef>
+          <a:fontRef idx="minor">
+            <a:schemeClr val="tx1"/>
+          </a:fontRef>
+        </p:style>
+      </p:cxnSp>
+      <p:cxnSp>
+        <p:nvCxnSpPr>
+          <p:cNvPr id="8" name="직선 연결선 7">
+            <a:extLst>
+              <a:ext uri="{FF2B5EF4-FFF2-40B4-BE49-F238E27FC236}">
+                <a16:creationId xmlns:a16="http://schemas.microsoft.com/office/drawing/2014/main" id="{62A6EC5E-008F-4227-A299-34A564C6B4DE}"/>
+              </a:ext>
+            </a:extLst>
+          </p:cNvPr>
+          <p:cNvCxnSpPr>
+            <a:cxnSpLocks/>
+          </p:cNvCxnSpPr>
+          <p:nvPr/>
+        </p:nvCxnSpPr>
+        <p:spPr>
+          <a:xfrm>
+            <a:off x="6075123" y="1565753"/>
+            <a:ext cx="1402915" cy="0"/>
+          </a:xfrm>
+          <a:prstGeom prst="line">
+            <a:avLst/>
+          </a:prstGeom>
+          <a:ln w="57150">
+            <a:solidFill>
+              <a:srgbClr val="FF0000"/>
+            </a:solidFill>
+          </a:ln>
+        </p:spPr>
+        <p:style>
+          <a:lnRef idx="1">
+            <a:schemeClr val="accent1"/>
+          </a:lnRef>
+          <a:fillRef idx="0">
+            <a:schemeClr val="accent1"/>
+          </a:fillRef>
+          <a:effectRef idx="0">
+            <a:schemeClr val="accent1"/>
+          </a:effectRef>
+          <a:fontRef idx="minor">
+            <a:schemeClr val="tx1"/>
+          </a:fontRef>
+        </p:style>
+      </p:cxnSp>
+      <p:cxnSp>
+        <p:nvCxnSpPr>
+          <p:cNvPr id="9" name="직선 연결선 8">
+            <a:extLst>
+              <a:ext uri="{FF2B5EF4-FFF2-40B4-BE49-F238E27FC236}">
+                <a16:creationId xmlns:a16="http://schemas.microsoft.com/office/drawing/2014/main" id="{73BE4EC4-D5AB-43B6-99B8-20CC507C817B}"/>
+              </a:ext>
+            </a:extLst>
+          </p:cNvPr>
+          <p:cNvCxnSpPr>
+            <a:cxnSpLocks/>
+          </p:cNvCxnSpPr>
+          <p:nvPr/>
+        </p:nvCxnSpPr>
+        <p:spPr>
+          <a:xfrm>
+            <a:off x="7478038" y="1565753"/>
+            <a:ext cx="1402915" cy="0"/>
+          </a:xfrm>
+          <a:prstGeom prst="line">
+            <a:avLst/>
+          </a:prstGeom>
+          <a:ln w="57150">
+            <a:solidFill>
+              <a:srgbClr val="92D050"/>
+            </a:solidFill>
+          </a:ln>
+        </p:spPr>
+        <p:style>
+          <a:lnRef idx="1">
+            <a:schemeClr val="accent1"/>
+          </a:lnRef>
+          <a:fillRef idx="0">
+            <a:schemeClr val="accent1"/>
+          </a:fillRef>
+          <a:effectRef idx="0">
+            <a:schemeClr val="accent1"/>
+          </a:effectRef>
+          <a:fontRef idx="minor">
+            <a:schemeClr val="tx1"/>
+          </a:fontRef>
+        </p:style>
+      </p:cxnSp>
+      <p:cxnSp>
+        <p:nvCxnSpPr>
+          <p:cNvPr id="10" name="직선 연결선 9">
+            <a:extLst>
+              <a:ext uri="{FF2B5EF4-FFF2-40B4-BE49-F238E27FC236}">
+                <a16:creationId xmlns:a16="http://schemas.microsoft.com/office/drawing/2014/main" id="{D23B7696-E162-4DC6-9E5C-29744AE86C94}"/>
+              </a:ext>
+            </a:extLst>
+          </p:cNvPr>
+          <p:cNvCxnSpPr>
+            <a:cxnSpLocks/>
+          </p:cNvCxnSpPr>
+          <p:nvPr/>
+        </p:nvCxnSpPr>
+        <p:spPr>
+          <a:xfrm>
+            <a:off x="8880953" y="1565753"/>
+            <a:ext cx="1402915" cy="0"/>
+          </a:xfrm>
+          <a:prstGeom prst="line">
+            <a:avLst/>
+          </a:prstGeom>
+          <a:ln w="57150">
+            <a:solidFill>
+              <a:schemeClr val="bg2">
+                <a:lumMod val="50000"/>
+              </a:schemeClr>
+            </a:solidFill>
+          </a:ln>
+        </p:spPr>
+        <p:style>
+          <a:lnRef idx="1">
+            <a:schemeClr val="accent1"/>
+          </a:lnRef>
+          <a:fillRef idx="0">
+            <a:schemeClr val="accent1"/>
+          </a:fillRef>
+          <a:effectRef idx="0">
+            <a:schemeClr val="accent1"/>
+          </a:effectRef>
+          <a:fontRef idx="minor">
+            <a:schemeClr val="tx1"/>
+          </a:fontRef>
+        </p:style>
+      </p:cxnSp>
+      <p:cxnSp>
+        <p:nvCxnSpPr>
+          <p:cNvPr id="11" name="직선 연결선 10">
+            <a:extLst>
+              <a:ext uri="{FF2B5EF4-FFF2-40B4-BE49-F238E27FC236}">
+                <a16:creationId xmlns:a16="http://schemas.microsoft.com/office/drawing/2014/main" id="{AD5A1D01-4DAC-4236-AC37-43914BEDECF3}"/>
+              </a:ext>
+            </a:extLst>
+          </p:cNvPr>
+          <p:cNvCxnSpPr>
+            <a:cxnSpLocks/>
+          </p:cNvCxnSpPr>
+          <p:nvPr/>
+        </p:nvCxnSpPr>
+        <p:spPr>
+          <a:xfrm>
+            <a:off x="10283868" y="1565753"/>
+            <a:ext cx="1402915" cy="0"/>
+          </a:xfrm>
+          <a:prstGeom prst="line">
+            <a:avLst/>
+          </a:prstGeom>
+          <a:ln w="57150">
+            <a:solidFill>
+              <a:schemeClr val="bg1">
+                <a:lumMod val="85000"/>
+              </a:schemeClr>
+            </a:solidFill>
+          </a:ln>
+        </p:spPr>
+        <p:style>
+          <a:lnRef idx="1">
+            <a:schemeClr val="accent1"/>
+          </a:lnRef>
+          <a:fillRef idx="0">
+            <a:schemeClr val="accent1"/>
+          </a:fillRef>
+          <a:effectRef idx="0">
+            <a:schemeClr val="accent1"/>
+          </a:effectRef>
+          <a:fontRef idx="minor">
+            <a:schemeClr val="tx1"/>
+          </a:fontRef>
+        </p:style>
+      </p:cxnSp>
+    </p:spTree>
+    <p:extLst>
+      <p:ext uri="{BB962C8B-B14F-4D97-AF65-F5344CB8AC3E}">
+        <p14:creationId xmlns:p14="http://schemas.microsoft.com/office/powerpoint/2010/main" val="4075691299"/>
+      </p:ext>
+    </p:extLst>
+  </p:cSld>
+  <p:clrMapOvr>
+    <a:masterClrMapping/>
+  </p:clrMapOvr>
+</p:sld>
+</file>
+
+<file path=ppt/slides/slide17.xml><?xml version="1.0" encoding="utf-8"?>
+<p:sld xmlns:a="http://schemas.openxmlformats.org/drawingml/2006/main" xmlns:r="http://schemas.openxmlformats.org/officeDocument/2006/relationships" xmlns:p="http://schemas.openxmlformats.org/presentationml/2006/main">
+  <p:cSld>
+    <p:spTree>
+      <p:nvGrpSpPr>
+        <p:cNvPr id="1" name=""/>
+        <p:cNvGrpSpPr/>
+        <p:nvPr/>
+      </p:nvGrpSpPr>
+      <p:grpSpPr>
+        <a:xfrm>
+          <a:off x="0" y="0"/>
+          <a:ext cx="0" cy="0"/>
+          <a:chOff x="0" y="0"/>
+          <a:chExt cx="0" cy="0"/>
+        </a:xfrm>
+      </p:grpSpPr>
+      <p:sp>
+        <p:nvSpPr>
+          <p:cNvPr id="2" name="제목 1">
+            <a:extLst>
+              <a:ext uri="{FF2B5EF4-FFF2-40B4-BE49-F238E27FC236}">
+                <a16:creationId xmlns:a16="http://schemas.microsoft.com/office/drawing/2014/main" id="{0BBD75FB-0799-4EB1-9AD7-C68E11797971}"/>
+              </a:ext>
+            </a:extLst>
+          </p:cNvPr>
+          <p:cNvSpPr>
+            <a:spLocks noGrp="1"/>
+          </p:cNvSpPr>
+          <p:nvPr>
+            <p:ph type="title"/>
+          </p:nvPr>
+        </p:nvSpPr>
+        <p:spPr/>
+        <p:txBody>
+          <a:bodyPr/>
+          <a:lstStyle/>
+          <a:p>
+            <a:r>
+              <a:rPr lang="en-US" altLang="ko-KR" b="1" dirty="0"/>
+              <a:t>Minetest - </a:t>
+            </a:r>
+            <a:endParaRPr lang="ko-KR" altLang="en-US" b="1" dirty="0"/>
+          </a:p>
+        </p:txBody>
+      </p:sp>
+      <p:sp>
+        <p:nvSpPr>
+          <p:cNvPr id="3" name="내용 개체 틀 2">
+            <a:extLst>
+              <a:ext uri="{FF2B5EF4-FFF2-40B4-BE49-F238E27FC236}">
+                <a16:creationId xmlns:a16="http://schemas.microsoft.com/office/drawing/2014/main" id="{E9D22F1E-049A-4FEB-AEF1-C90B1011EA69}"/>
+              </a:ext>
+            </a:extLst>
+          </p:cNvPr>
+          <p:cNvSpPr>
+            <a:spLocks noGrp="1"/>
+          </p:cNvSpPr>
+          <p:nvPr>
+            <p:ph idx="1"/>
+          </p:nvPr>
+        </p:nvSpPr>
+        <p:spPr/>
+        <p:txBody>
+          <a:bodyPr/>
+          <a:lstStyle/>
+          <a:p>
+            <a:endParaRPr lang="ko-KR" altLang="en-US"/>
+          </a:p>
+        </p:txBody>
+      </p:sp>
+      <p:cxnSp>
+        <p:nvCxnSpPr>
+          <p:cNvPr id="4" name="직선 연결선 3">
+            <a:extLst>
+              <a:ext uri="{FF2B5EF4-FFF2-40B4-BE49-F238E27FC236}">
+                <a16:creationId xmlns:a16="http://schemas.microsoft.com/office/drawing/2014/main" id="{EE01682E-4EC3-491F-A46B-0EACC9713D73}"/>
+              </a:ext>
+            </a:extLst>
+          </p:cNvPr>
+          <p:cNvCxnSpPr>
+            <a:cxnSpLocks/>
+          </p:cNvCxnSpPr>
+          <p:nvPr/>
+        </p:nvCxnSpPr>
+        <p:spPr>
+          <a:xfrm>
+            <a:off x="463463" y="1565753"/>
+            <a:ext cx="1402915" cy="0"/>
+          </a:xfrm>
+          <a:prstGeom prst="line">
+            <a:avLst/>
+          </a:prstGeom>
+          <a:ln w="57150">
+            <a:solidFill>
+              <a:srgbClr val="00B050"/>
+            </a:solidFill>
+          </a:ln>
+        </p:spPr>
+        <p:style>
+          <a:lnRef idx="1">
+            <a:schemeClr val="accent1"/>
+          </a:lnRef>
+          <a:fillRef idx="0">
+            <a:schemeClr val="accent1"/>
+          </a:fillRef>
+          <a:effectRef idx="0">
+            <a:schemeClr val="accent1"/>
+          </a:effectRef>
+          <a:fontRef idx="minor">
+            <a:schemeClr val="tx1"/>
+          </a:fontRef>
+        </p:style>
+      </p:cxnSp>
+      <p:cxnSp>
+        <p:nvCxnSpPr>
+          <p:cNvPr id="5" name="직선 연결선 4">
+            <a:extLst>
+              <a:ext uri="{FF2B5EF4-FFF2-40B4-BE49-F238E27FC236}">
+                <a16:creationId xmlns:a16="http://schemas.microsoft.com/office/drawing/2014/main" id="{ABC6680E-470B-45C4-B289-7A0EF67ED7E0}"/>
+              </a:ext>
+            </a:extLst>
+          </p:cNvPr>
+          <p:cNvCxnSpPr>
+            <a:cxnSpLocks/>
+          </p:cNvCxnSpPr>
+          <p:nvPr/>
+        </p:nvCxnSpPr>
+        <p:spPr>
+          <a:xfrm>
+            <a:off x="1866378" y="1565753"/>
+            <a:ext cx="1402915" cy="0"/>
+          </a:xfrm>
+          <a:prstGeom prst="line">
+            <a:avLst/>
+          </a:prstGeom>
+          <a:ln w="57150">
+            <a:solidFill>
+              <a:schemeClr val="accent2">
+                <a:lumMod val="75000"/>
+              </a:schemeClr>
+            </a:solidFill>
+          </a:ln>
+        </p:spPr>
+        <p:style>
+          <a:lnRef idx="1">
+            <a:schemeClr val="accent1"/>
+          </a:lnRef>
+          <a:fillRef idx="0">
+            <a:schemeClr val="accent1"/>
+          </a:fillRef>
+          <a:effectRef idx="0">
+            <a:schemeClr val="accent1"/>
+          </a:effectRef>
+          <a:fontRef idx="minor">
+            <a:schemeClr val="tx1"/>
+          </a:fontRef>
+        </p:style>
+      </p:cxnSp>
+      <p:cxnSp>
+        <p:nvCxnSpPr>
+          <p:cNvPr id="6" name="직선 연결선 5">
+            <a:extLst>
+              <a:ext uri="{FF2B5EF4-FFF2-40B4-BE49-F238E27FC236}">
+                <a16:creationId xmlns:a16="http://schemas.microsoft.com/office/drawing/2014/main" id="{3678CCF4-4AC3-4139-92E5-55722C3E7751}"/>
+              </a:ext>
+            </a:extLst>
+          </p:cNvPr>
+          <p:cNvCxnSpPr>
+            <a:cxnSpLocks/>
+          </p:cNvCxnSpPr>
+          <p:nvPr/>
+        </p:nvCxnSpPr>
+        <p:spPr>
+          <a:xfrm>
+            <a:off x="3269293" y="1565753"/>
+            <a:ext cx="1402915" cy="0"/>
+          </a:xfrm>
+          <a:prstGeom prst="line">
+            <a:avLst/>
+          </a:prstGeom>
+          <a:ln w="57150">
+            <a:solidFill>
+              <a:srgbClr val="FFC000"/>
+            </a:solidFill>
+          </a:ln>
+        </p:spPr>
+        <p:style>
+          <a:lnRef idx="1">
+            <a:schemeClr val="accent1"/>
+          </a:lnRef>
+          <a:fillRef idx="0">
+            <a:schemeClr val="accent1"/>
+          </a:fillRef>
+          <a:effectRef idx="0">
+            <a:schemeClr val="accent1"/>
+          </a:effectRef>
+          <a:fontRef idx="minor">
+            <a:schemeClr val="tx1"/>
+          </a:fontRef>
+        </p:style>
+      </p:cxnSp>
+      <p:cxnSp>
+        <p:nvCxnSpPr>
+          <p:cNvPr id="7" name="직선 연결선 6">
+            <a:extLst>
+              <a:ext uri="{FF2B5EF4-FFF2-40B4-BE49-F238E27FC236}">
+                <a16:creationId xmlns:a16="http://schemas.microsoft.com/office/drawing/2014/main" id="{9FF08141-38ED-4F86-86A9-757547A2479E}"/>
+              </a:ext>
+            </a:extLst>
+          </p:cNvPr>
+          <p:cNvCxnSpPr>
+            <a:cxnSpLocks/>
+          </p:cNvCxnSpPr>
+          <p:nvPr/>
+        </p:nvCxnSpPr>
+        <p:spPr>
+          <a:xfrm>
+            <a:off x="4672208" y="1565753"/>
+            <a:ext cx="1402915" cy="0"/>
+          </a:xfrm>
+          <a:prstGeom prst="line">
+            <a:avLst/>
+          </a:prstGeom>
+          <a:ln w="57150">
+            <a:solidFill>
+              <a:schemeClr val="accent4">
+                <a:lumMod val="75000"/>
+              </a:schemeClr>
+            </a:solidFill>
+          </a:ln>
+        </p:spPr>
+        <p:style>
+          <a:lnRef idx="1">
+            <a:schemeClr val="accent1"/>
+          </a:lnRef>
+          <a:fillRef idx="0">
+            <a:schemeClr val="accent1"/>
+          </a:fillRef>
+          <a:effectRef idx="0">
+            <a:schemeClr val="accent1"/>
+          </a:effectRef>
+          <a:fontRef idx="minor">
+            <a:schemeClr val="tx1"/>
+          </a:fontRef>
+        </p:style>
+      </p:cxnSp>
+      <p:cxnSp>
+        <p:nvCxnSpPr>
+          <p:cNvPr id="8" name="직선 연결선 7">
+            <a:extLst>
+              <a:ext uri="{FF2B5EF4-FFF2-40B4-BE49-F238E27FC236}">
+                <a16:creationId xmlns:a16="http://schemas.microsoft.com/office/drawing/2014/main" id="{62A6EC5E-008F-4227-A299-34A564C6B4DE}"/>
+              </a:ext>
+            </a:extLst>
+          </p:cNvPr>
+          <p:cNvCxnSpPr>
+            <a:cxnSpLocks/>
+          </p:cNvCxnSpPr>
+          <p:nvPr/>
+        </p:nvCxnSpPr>
+        <p:spPr>
+          <a:xfrm>
+            <a:off x="6075123" y="1565753"/>
+            <a:ext cx="1402915" cy="0"/>
+          </a:xfrm>
+          <a:prstGeom prst="line">
+            <a:avLst/>
+          </a:prstGeom>
+          <a:ln w="57150">
+            <a:solidFill>
+              <a:srgbClr val="FF0000"/>
+            </a:solidFill>
+          </a:ln>
+        </p:spPr>
+        <p:style>
+          <a:lnRef idx="1">
+            <a:schemeClr val="accent1"/>
+          </a:lnRef>
+          <a:fillRef idx="0">
+            <a:schemeClr val="accent1"/>
+          </a:fillRef>
+          <a:effectRef idx="0">
+            <a:schemeClr val="accent1"/>
+          </a:effectRef>
+          <a:fontRef idx="minor">
+            <a:schemeClr val="tx1"/>
+          </a:fontRef>
+        </p:style>
+      </p:cxnSp>
+      <p:cxnSp>
+        <p:nvCxnSpPr>
+          <p:cNvPr id="9" name="직선 연결선 8">
+            <a:extLst>
+              <a:ext uri="{FF2B5EF4-FFF2-40B4-BE49-F238E27FC236}">
+                <a16:creationId xmlns:a16="http://schemas.microsoft.com/office/drawing/2014/main" id="{73BE4EC4-D5AB-43B6-99B8-20CC507C817B}"/>
+              </a:ext>
+            </a:extLst>
+          </p:cNvPr>
+          <p:cNvCxnSpPr>
+            <a:cxnSpLocks/>
+          </p:cNvCxnSpPr>
+          <p:nvPr/>
+        </p:nvCxnSpPr>
+        <p:spPr>
+          <a:xfrm>
+            <a:off x="7478038" y="1565753"/>
+            <a:ext cx="1402915" cy="0"/>
+          </a:xfrm>
+          <a:prstGeom prst="line">
+            <a:avLst/>
+          </a:prstGeom>
+          <a:ln w="57150">
+            <a:solidFill>
+              <a:srgbClr val="92D050"/>
+            </a:solidFill>
+          </a:ln>
+        </p:spPr>
+        <p:style>
+          <a:lnRef idx="1">
+            <a:schemeClr val="accent1"/>
+          </a:lnRef>
+          <a:fillRef idx="0">
+            <a:schemeClr val="accent1"/>
+          </a:fillRef>
+          <a:effectRef idx="0">
+            <a:schemeClr val="accent1"/>
+          </a:effectRef>
+          <a:fontRef idx="minor">
+            <a:schemeClr val="tx1"/>
+          </a:fontRef>
+        </p:style>
+      </p:cxnSp>
+      <p:cxnSp>
+        <p:nvCxnSpPr>
+          <p:cNvPr id="10" name="직선 연결선 9">
+            <a:extLst>
+              <a:ext uri="{FF2B5EF4-FFF2-40B4-BE49-F238E27FC236}">
+                <a16:creationId xmlns:a16="http://schemas.microsoft.com/office/drawing/2014/main" id="{D23B7696-E162-4DC6-9E5C-29744AE86C94}"/>
+              </a:ext>
+            </a:extLst>
+          </p:cNvPr>
+          <p:cNvCxnSpPr>
+            <a:cxnSpLocks/>
+          </p:cNvCxnSpPr>
+          <p:nvPr/>
+        </p:nvCxnSpPr>
+        <p:spPr>
+          <a:xfrm>
+            <a:off x="8880953" y="1565753"/>
+            <a:ext cx="1402915" cy="0"/>
+          </a:xfrm>
+          <a:prstGeom prst="line">
+            <a:avLst/>
+          </a:prstGeom>
+          <a:ln w="57150">
+            <a:solidFill>
+              <a:schemeClr val="bg2">
+                <a:lumMod val="50000"/>
+              </a:schemeClr>
+            </a:solidFill>
+          </a:ln>
+        </p:spPr>
+        <p:style>
+          <a:lnRef idx="1">
+            <a:schemeClr val="accent1"/>
+          </a:lnRef>
+          <a:fillRef idx="0">
+            <a:schemeClr val="accent1"/>
+          </a:fillRef>
+          <a:effectRef idx="0">
+            <a:schemeClr val="accent1"/>
+          </a:effectRef>
+          <a:fontRef idx="minor">
+            <a:schemeClr val="tx1"/>
+          </a:fontRef>
+        </p:style>
+      </p:cxnSp>
+      <p:cxnSp>
+        <p:nvCxnSpPr>
+          <p:cNvPr id="11" name="직선 연결선 10">
+            <a:extLst>
+              <a:ext uri="{FF2B5EF4-FFF2-40B4-BE49-F238E27FC236}">
+                <a16:creationId xmlns:a16="http://schemas.microsoft.com/office/drawing/2014/main" id="{AD5A1D01-4DAC-4236-AC37-43914BEDECF3}"/>
+              </a:ext>
+            </a:extLst>
+          </p:cNvPr>
+          <p:cNvCxnSpPr>
+            <a:cxnSpLocks/>
+          </p:cNvCxnSpPr>
+          <p:nvPr/>
+        </p:nvCxnSpPr>
+        <p:spPr>
+          <a:xfrm>
+            <a:off x="10283868" y="1565753"/>
+            <a:ext cx="1402915" cy="0"/>
+          </a:xfrm>
+          <a:prstGeom prst="line">
+            <a:avLst/>
+          </a:prstGeom>
+          <a:ln w="57150">
+            <a:solidFill>
+              <a:schemeClr val="bg1">
+                <a:lumMod val="85000"/>
+              </a:schemeClr>
+            </a:solidFill>
+          </a:ln>
+        </p:spPr>
+        <p:style>
+          <a:lnRef idx="1">
+            <a:schemeClr val="accent1"/>
+          </a:lnRef>
+          <a:fillRef idx="0">
+            <a:schemeClr val="accent1"/>
+          </a:fillRef>
+          <a:effectRef idx="0">
+            <a:schemeClr val="accent1"/>
+          </a:effectRef>
+          <a:fontRef idx="minor">
+            <a:schemeClr val="tx1"/>
+          </a:fontRef>
+        </p:style>
+      </p:cxnSp>
+    </p:spTree>
+    <p:extLst>
+      <p:ext uri="{BB962C8B-B14F-4D97-AF65-F5344CB8AC3E}">
+        <p14:creationId xmlns:p14="http://schemas.microsoft.com/office/powerpoint/2010/main" val="2308697001"/>
+      </p:ext>
+    </p:extLst>
+  </p:cSld>
+  <p:clrMapOvr>
+    <a:masterClrMapping/>
+  </p:clrMapOvr>
+</p:sld>
+</file>
+
+<file path=ppt/slides/slide18.xml><?xml version="1.0" encoding="utf-8"?>
+<p:sld xmlns:a="http://schemas.openxmlformats.org/drawingml/2006/main" xmlns:r="http://schemas.openxmlformats.org/officeDocument/2006/relationships" xmlns:p="http://schemas.openxmlformats.org/presentationml/2006/main">
+  <p:cSld>
+    <p:spTree>
+      <p:nvGrpSpPr>
+        <p:cNvPr id="1" name=""/>
+        <p:cNvGrpSpPr/>
+        <p:nvPr/>
+      </p:nvGrpSpPr>
+      <p:grpSpPr>
+        <a:xfrm>
+          <a:off x="0" y="0"/>
+          <a:ext cx="0" cy="0"/>
+          <a:chOff x="0" y="0"/>
+          <a:chExt cx="0" cy="0"/>
+        </a:xfrm>
+      </p:grpSpPr>
+      <p:sp>
+        <p:nvSpPr>
+          <p:cNvPr id="2" name="제목 1">
+            <a:extLst>
+              <a:ext uri="{FF2B5EF4-FFF2-40B4-BE49-F238E27FC236}">
+                <a16:creationId xmlns:a16="http://schemas.microsoft.com/office/drawing/2014/main" id="{0BBD75FB-0799-4EB1-9AD7-C68E11797971}"/>
+              </a:ext>
+            </a:extLst>
+          </p:cNvPr>
+          <p:cNvSpPr>
+            <a:spLocks noGrp="1"/>
+          </p:cNvSpPr>
+          <p:nvPr>
+            <p:ph type="title"/>
+          </p:nvPr>
+        </p:nvSpPr>
+        <p:spPr/>
+        <p:txBody>
+          <a:bodyPr/>
+          <a:lstStyle/>
+          <a:p>
+            <a:endParaRPr lang="ko-KR" altLang="en-US" b="1" dirty="0"/>
+          </a:p>
+        </p:txBody>
+      </p:sp>
+      <p:sp>
+        <p:nvSpPr>
+          <p:cNvPr id="3" name="내용 개체 틀 2">
+            <a:extLst>
+              <a:ext uri="{FF2B5EF4-FFF2-40B4-BE49-F238E27FC236}">
+                <a16:creationId xmlns:a16="http://schemas.microsoft.com/office/drawing/2014/main" id="{E9D22F1E-049A-4FEB-AEF1-C90B1011EA69}"/>
+              </a:ext>
+            </a:extLst>
+          </p:cNvPr>
+          <p:cNvSpPr>
+            <a:spLocks noGrp="1"/>
+          </p:cNvSpPr>
+          <p:nvPr>
+            <p:ph idx="1"/>
+          </p:nvPr>
+        </p:nvSpPr>
+        <p:spPr/>
+        <p:txBody>
+          <a:bodyPr/>
+          <a:lstStyle/>
+          <a:p>
+            <a:endParaRPr lang="ko-KR" altLang="en-US"/>
+          </a:p>
+        </p:txBody>
+      </p:sp>
+      <p:cxnSp>
+        <p:nvCxnSpPr>
+          <p:cNvPr id="4" name="직선 연결선 3">
+            <a:extLst>
+              <a:ext uri="{FF2B5EF4-FFF2-40B4-BE49-F238E27FC236}">
+                <a16:creationId xmlns:a16="http://schemas.microsoft.com/office/drawing/2014/main" id="{EE01682E-4EC3-491F-A46B-0EACC9713D73}"/>
+              </a:ext>
+            </a:extLst>
+          </p:cNvPr>
+          <p:cNvCxnSpPr>
+            <a:cxnSpLocks/>
+          </p:cNvCxnSpPr>
+          <p:nvPr/>
+        </p:nvCxnSpPr>
+        <p:spPr>
+          <a:xfrm>
+            <a:off x="463463" y="1565753"/>
+            <a:ext cx="1402915" cy="0"/>
+          </a:xfrm>
+          <a:prstGeom prst="line">
+            <a:avLst/>
+          </a:prstGeom>
+          <a:ln w="57150">
+            <a:solidFill>
+              <a:srgbClr val="00B050"/>
+            </a:solidFill>
+          </a:ln>
+        </p:spPr>
+        <p:style>
+          <a:lnRef idx="1">
+            <a:schemeClr val="accent1"/>
+          </a:lnRef>
+          <a:fillRef idx="0">
+            <a:schemeClr val="accent1"/>
+          </a:fillRef>
+          <a:effectRef idx="0">
+            <a:schemeClr val="accent1"/>
+          </a:effectRef>
+          <a:fontRef idx="minor">
+            <a:schemeClr val="tx1"/>
+          </a:fontRef>
+        </p:style>
+      </p:cxnSp>
+      <p:cxnSp>
+        <p:nvCxnSpPr>
+          <p:cNvPr id="5" name="직선 연결선 4">
+            <a:extLst>
+              <a:ext uri="{FF2B5EF4-FFF2-40B4-BE49-F238E27FC236}">
+                <a16:creationId xmlns:a16="http://schemas.microsoft.com/office/drawing/2014/main" id="{ABC6680E-470B-45C4-B289-7A0EF67ED7E0}"/>
+              </a:ext>
+            </a:extLst>
+          </p:cNvPr>
+          <p:cNvCxnSpPr>
+            <a:cxnSpLocks/>
+          </p:cNvCxnSpPr>
+          <p:nvPr/>
+        </p:nvCxnSpPr>
+        <p:spPr>
+          <a:xfrm>
+            <a:off x="1866378" y="1565753"/>
+            <a:ext cx="1402915" cy="0"/>
+          </a:xfrm>
+          <a:prstGeom prst="line">
+            <a:avLst/>
+          </a:prstGeom>
+          <a:ln w="57150">
+            <a:solidFill>
+              <a:schemeClr val="accent2">
+                <a:lumMod val="75000"/>
+              </a:schemeClr>
+            </a:solidFill>
+          </a:ln>
+        </p:spPr>
+        <p:style>
+          <a:lnRef idx="1">
+            <a:schemeClr val="accent1"/>
+          </a:lnRef>
+          <a:fillRef idx="0">
+            <a:schemeClr val="accent1"/>
+          </a:fillRef>
+          <a:effectRef idx="0">
+            <a:schemeClr val="accent1"/>
+          </a:effectRef>
+          <a:fontRef idx="minor">
+            <a:schemeClr val="tx1"/>
+          </a:fontRef>
+        </p:style>
+      </p:cxnSp>
+      <p:cxnSp>
+        <p:nvCxnSpPr>
+          <p:cNvPr id="6" name="직선 연결선 5">
+            <a:extLst>
+              <a:ext uri="{FF2B5EF4-FFF2-40B4-BE49-F238E27FC236}">
+                <a16:creationId xmlns:a16="http://schemas.microsoft.com/office/drawing/2014/main" id="{3678CCF4-4AC3-4139-92E5-55722C3E7751}"/>
+              </a:ext>
+            </a:extLst>
+          </p:cNvPr>
+          <p:cNvCxnSpPr>
+            <a:cxnSpLocks/>
+          </p:cNvCxnSpPr>
+          <p:nvPr/>
+        </p:nvCxnSpPr>
+        <p:spPr>
+          <a:xfrm>
+            <a:off x="3269293" y="1565753"/>
+            <a:ext cx="1402915" cy="0"/>
+          </a:xfrm>
+          <a:prstGeom prst="line">
+            <a:avLst/>
+          </a:prstGeom>
+          <a:ln w="57150">
+            <a:solidFill>
+              <a:srgbClr val="FFC000"/>
+            </a:solidFill>
+          </a:ln>
+        </p:spPr>
+        <p:style>
+          <a:lnRef idx="1">
+            <a:schemeClr val="accent1"/>
+          </a:lnRef>
+          <a:fillRef idx="0">
+            <a:schemeClr val="accent1"/>
+          </a:fillRef>
+          <a:effectRef idx="0">
+            <a:schemeClr val="accent1"/>
+          </a:effectRef>
+          <a:fontRef idx="minor">
+            <a:schemeClr val="tx1"/>
+          </a:fontRef>
+        </p:style>
+      </p:cxnSp>
+      <p:cxnSp>
+        <p:nvCxnSpPr>
+          <p:cNvPr id="7" name="직선 연결선 6">
+            <a:extLst>
+              <a:ext uri="{FF2B5EF4-FFF2-40B4-BE49-F238E27FC236}">
+                <a16:creationId xmlns:a16="http://schemas.microsoft.com/office/drawing/2014/main" id="{9FF08141-38ED-4F86-86A9-757547A2479E}"/>
+              </a:ext>
+            </a:extLst>
+          </p:cNvPr>
+          <p:cNvCxnSpPr>
+            <a:cxnSpLocks/>
+          </p:cNvCxnSpPr>
+          <p:nvPr/>
+        </p:nvCxnSpPr>
+        <p:spPr>
+          <a:xfrm>
+            <a:off x="4672208" y="1565753"/>
+            <a:ext cx="1402915" cy="0"/>
+          </a:xfrm>
+          <a:prstGeom prst="line">
+            <a:avLst/>
+          </a:prstGeom>
+          <a:ln w="57150">
+            <a:solidFill>
+              <a:schemeClr val="accent4">
+                <a:lumMod val="75000"/>
+              </a:schemeClr>
+            </a:solidFill>
+          </a:ln>
+        </p:spPr>
+        <p:style>
+          <a:lnRef idx="1">
+            <a:schemeClr val="accent1"/>
+          </a:lnRef>
+          <a:fillRef idx="0">
+            <a:schemeClr val="accent1"/>
+          </a:fillRef>
+          <a:effectRef idx="0">
+            <a:schemeClr val="accent1"/>
+          </a:effectRef>
+          <a:fontRef idx="minor">
+            <a:schemeClr val="tx1"/>
+          </a:fontRef>
+        </p:style>
+      </p:cxnSp>
+      <p:cxnSp>
+        <p:nvCxnSpPr>
+          <p:cNvPr id="8" name="직선 연결선 7">
+            <a:extLst>
+              <a:ext uri="{FF2B5EF4-FFF2-40B4-BE49-F238E27FC236}">
+                <a16:creationId xmlns:a16="http://schemas.microsoft.com/office/drawing/2014/main" id="{62A6EC5E-008F-4227-A299-34A564C6B4DE}"/>
+              </a:ext>
+            </a:extLst>
+          </p:cNvPr>
+          <p:cNvCxnSpPr>
+            <a:cxnSpLocks/>
+          </p:cNvCxnSpPr>
+          <p:nvPr/>
+        </p:nvCxnSpPr>
+        <p:spPr>
+          <a:xfrm>
+            <a:off x="6075123" y="1565753"/>
+            <a:ext cx="1402915" cy="0"/>
+          </a:xfrm>
+          <a:prstGeom prst="line">
+            <a:avLst/>
+          </a:prstGeom>
+          <a:ln w="57150">
+            <a:solidFill>
+              <a:srgbClr val="FF0000"/>
+            </a:solidFill>
+          </a:ln>
+        </p:spPr>
+        <p:style>
+          <a:lnRef idx="1">
+            <a:schemeClr val="accent1"/>
+          </a:lnRef>
+          <a:fillRef idx="0">
+            <a:schemeClr val="accent1"/>
+          </a:fillRef>
+          <a:effectRef idx="0">
+            <a:schemeClr val="accent1"/>
+          </a:effectRef>
+          <a:fontRef idx="minor">
+            <a:schemeClr val="tx1"/>
+          </a:fontRef>
+        </p:style>
+      </p:cxnSp>
+      <p:cxnSp>
+        <p:nvCxnSpPr>
+          <p:cNvPr id="9" name="직선 연결선 8">
+            <a:extLst>
+              <a:ext uri="{FF2B5EF4-FFF2-40B4-BE49-F238E27FC236}">
+                <a16:creationId xmlns:a16="http://schemas.microsoft.com/office/drawing/2014/main" id="{73BE4EC4-D5AB-43B6-99B8-20CC507C817B}"/>
+              </a:ext>
+            </a:extLst>
+          </p:cNvPr>
+          <p:cNvCxnSpPr>
+            <a:cxnSpLocks/>
+          </p:cNvCxnSpPr>
+          <p:nvPr/>
+        </p:nvCxnSpPr>
+        <p:spPr>
+          <a:xfrm>
+            <a:off x="7478038" y="1565753"/>
+            <a:ext cx="1402915" cy="0"/>
+          </a:xfrm>
+          <a:prstGeom prst="line">
+            <a:avLst/>
+          </a:prstGeom>
+          <a:ln w="57150">
+            <a:solidFill>
+              <a:srgbClr val="92D050"/>
+            </a:solidFill>
+          </a:ln>
+        </p:spPr>
+        <p:style>
+          <a:lnRef idx="1">
+            <a:schemeClr val="accent1"/>
+          </a:lnRef>
+          <a:fillRef idx="0">
+            <a:schemeClr val="accent1"/>
+          </a:fillRef>
+          <a:effectRef idx="0">
+            <a:schemeClr val="accent1"/>
+          </a:effectRef>
+          <a:fontRef idx="minor">
+            <a:schemeClr val="tx1"/>
+          </a:fontRef>
+        </p:style>
+      </p:cxnSp>
+      <p:cxnSp>
+        <p:nvCxnSpPr>
+          <p:cNvPr id="10" name="직선 연결선 9">
+            <a:extLst>
+              <a:ext uri="{FF2B5EF4-FFF2-40B4-BE49-F238E27FC236}">
+                <a16:creationId xmlns:a16="http://schemas.microsoft.com/office/drawing/2014/main" id="{D23B7696-E162-4DC6-9E5C-29744AE86C94}"/>
+              </a:ext>
+            </a:extLst>
+          </p:cNvPr>
+          <p:cNvCxnSpPr>
+            <a:cxnSpLocks/>
+          </p:cNvCxnSpPr>
+          <p:nvPr/>
+        </p:nvCxnSpPr>
+        <p:spPr>
+          <a:xfrm>
+            <a:off x="8880953" y="1565753"/>
+            <a:ext cx="1402915" cy="0"/>
+          </a:xfrm>
+          <a:prstGeom prst="line">
+            <a:avLst/>
+          </a:prstGeom>
+          <a:ln w="57150">
+            <a:solidFill>
+              <a:schemeClr val="bg2">
+                <a:lumMod val="50000"/>
+              </a:schemeClr>
+            </a:solidFill>
+          </a:ln>
+        </p:spPr>
+        <p:style>
+          <a:lnRef idx="1">
+            <a:schemeClr val="accent1"/>
+          </a:lnRef>
+          <a:fillRef idx="0">
+            <a:schemeClr val="accent1"/>
+          </a:fillRef>
+          <a:effectRef idx="0">
+            <a:schemeClr val="accent1"/>
+          </a:effectRef>
+          <a:fontRef idx="minor">
+            <a:schemeClr val="tx1"/>
+          </a:fontRef>
+        </p:style>
+      </p:cxnSp>
+      <p:cxnSp>
+        <p:nvCxnSpPr>
+          <p:cNvPr id="11" name="직선 연결선 10">
+            <a:extLst>
+              <a:ext uri="{FF2B5EF4-FFF2-40B4-BE49-F238E27FC236}">
+                <a16:creationId xmlns:a16="http://schemas.microsoft.com/office/drawing/2014/main" id="{AD5A1D01-4DAC-4236-AC37-43914BEDECF3}"/>
+              </a:ext>
+            </a:extLst>
+          </p:cNvPr>
+          <p:cNvCxnSpPr>
+            <a:cxnSpLocks/>
+          </p:cNvCxnSpPr>
+          <p:nvPr/>
+        </p:nvCxnSpPr>
+        <p:spPr>
+          <a:xfrm>
+            <a:off x="10283868" y="1565753"/>
+            <a:ext cx="1402915" cy="0"/>
+          </a:xfrm>
+          <a:prstGeom prst="line">
+            <a:avLst/>
+          </a:prstGeom>
+          <a:ln w="57150">
+            <a:solidFill>
+              <a:schemeClr val="bg1">
+                <a:lumMod val="85000"/>
+              </a:schemeClr>
+            </a:solidFill>
+          </a:ln>
+        </p:spPr>
+        <p:style>
+          <a:lnRef idx="1">
+            <a:schemeClr val="accent1"/>
+          </a:lnRef>
+          <a:fillRef idx="0">
+            <a:schemeClr val="accent1"/>
+          </a:fillRef>
+          <a:effectRef idx="0">
+            <a:schemeClr val="accent1"/>
+          </a:effectRef>
+          <a:fontRef idx="minor">
+            <a:schemeClr val="tx1"/>
+          </a:fontRef>
+        </p:style>
+      </p:cxnSp>
+    </p:spTree>
+    <p:extLst>
+      <p:ext uri="{BB962C8B-B14F-4D97-AF65-F5344CB8AC3E}">
+        <p14:creationId xmlns:p14="http://schemas.microsoft.com/office/powerpoint/2010/main" val="229252169"/>
+      </p:ext>
+    </p:extLst>
+  </p:cSld>
+  <p:clrMapOvr>
+    <a:masterClrMapping/>
+  </p:clrMapOvr>
+</p:sld>
+</file>
+
+<file path=ppt/slides/slide19.xml><?xml version="1.0" encoding="utf-8"?>
+<p:sld xmlns:a="http://schemas.openxmlformats.org/drawingml/2006/main" xmlns:r="http://schemas.openxmlformats.org/officeDocument/2006/relationships" xmlns:p="http://schemas.openxmlformats.org/presentationml/2006/main">
+  <p:cSld>
+    <p:spTree>
+      <p:nvGrpSpPr>
+        <p:cNvPr id="1" name=""/>
+        <p:cNvGrpSpPr/>
+        <p:nvPr/>
+      </p:nvGrpSpPr>
+      <p:grpSpPr>
+        <a:xfrm>
+          <a:off x="0" y="0"/>
+          <a:ext cx="0" cy="0"/>
+          <a:chOff x="0" y="0"/>
+          <a:chExt cx="0" cy="0"/>
+        </a:xfrm>
+      </p:grpSpPr>
+      <p:sp>
+        <p:nvSpPr>
+          <p:cNvPr id="2" name="제목 1">
+            <a:extLst>
+              <a:ext uri="{FF2B5EF4-FFF2-40B4-BE49-F238E27FC236}">
+                <a16:creationId xmlns:a16="http://schemas.microsoft.com/office/drawing/2014/main" id="{0BBD75FB-0799-4EB1-9AD7-C68E11797971}"/>
+              </a:ext>
+            </a:extLst>
+          </p:cNvPr>
+          <p:cNvSpPr>
+            <a:spLocks noGrp="1"/>
+          </p:cNvSpPr>
+          <p:nvPr>
+            <p:ph type="title"/>
+          </p:nvPr>
+        </p:nvSpPr>
+        <p:spPr/>
+        <p:txBody>
+          <a:bodyPr/>
+          <a:lstStyle/>
+          <a:p>
+            <a:endParaRPr lang="ko-KR" altLang="en-US" b="1" dirty="0"/>
+          </a:p>
+        </p:txBody>
+      </p:sp>
+      <p:sp>
+        <p:nvSpPr>
+          <p:cNvPr id="3" name="내용 개체 틀 2">
+            <a:extLst>
+              <a:ext uri="{FF2B5EF4-FFF2-40B4-BE49-F238E27FC236}">
+                <a16:creationId xmlns:a16="http://schemas.microsoft.com/office/drawing/2014/main" id="{E9D22F1E-049A-4FEB-AEF1-C90B1011EA69}"/>
+              </a:ext>
+            </a:extLst>
+          </p:cNvPr>
+          <p:cNvSpPr>
+            <a:spLocks noGrp="1"/>
+          </p:cNvSpPr>
+          <p:nvPr>
+            <p:ph idx="1"/>
+          </p:nvPr>
+        </p:nvSpPr>
+        <p:spPr/>
+        <p:txBody>
+          <a:bodyPr/>
+          <a:lstStyle/>
+          <a:p>
+            <a:endParaRPr lang="ko-KR" altLang="en-US"/>
+          </a:p>
+        </p:txBody>
+      </p:sp>
+      <p:cxnSp>
+        <p:nvCxnSpPr>
+          <p:cNvPr id="4" name="직선 연결선 3">
+            <a:extLst>
+              <a:ext uri="{FF2B5EF4-FFF2-40B4-BE49-F238E27FC236}">
+                <a16:creationId xmlns:a16="http://schemas.microsoft.com/office/drawing/2014/main" id="{EE01682E-4EC3-491F-A46B-0EACC9713D73}"/>
+              </a:ext>
+            </a:extLst>
+          </p:cNvPr>
+          <p:cNvCxnSpPr>
+            <a:cxnSpLocks/>
+          </p:cNvCxnSpPr>
+          <p:nvPr/>
+        </p:nvCxnSpPr>
+        <p:spPr>
+          <a:xfrm>
+            <a:off x="463463" y="1565753"/>
+            <a:ext cx="1402915" cy="0"/>
+          </a:xfrm>
+          <a:prstGeom prst="line">
+            <a:avLst/>
+          </a:prstGeom>
+          <a:ln w="57150">
+            <a:solidFill>
+              <a:srgbClr val="00B050"/>
+            </a:solidFill>
+          </a:ln>
+        </p:spPr>
+        <p:style>
+          <a:lnRef idx="1">
+            <a:schemeClr val="accent1"/>
+          </a:lnRef>
+          <a:fillRef idx="0">
+            <a:schemeClr val="accent1"/>
+          </a:fillRef>
+          <a:effectRef idx="0">
+            <a:schemeClr val="accent1"/>
+          </a:effectRef>
+          <a:fontRef idx="minor">
+            <a:schemeClr val="tx1"/>
+          </a:fontRef>
+        </p:style>
+      </p:cxnSp>
+      <p:cxnSp>
+        <p:nvCxnSpPr>
+          <p:cNvPr id="5" name="직선 연결선 4">
+            <a:extLst>
+              <a:ext uri="{FF2B5EF4-FFF2-40B4-BE49-F238E27FC236}">
+                <a16:creationId xmlns:a16="http://schemas.microsoft.com/office/drawing/2014/main" id="{ABC6680E-470B-45C4-B289-7A0EF67ED7E0}"/>
+              </a:ext>
+            </a:extLst>
+          </p:cNvPr>
+          <p:cNvCxnSpPr>
+            <a:cxnSpLocks/>
+          </p:cNvCxnSpPr>
+          <p:nvPr/>
+        </p:nvCxnSpPr>
+        <p:spPr>
+          <a:xfrm>
+            <a:off x="1866378" y="1565753"/>
+            <a:ext cx="1402915" cy="0"/>
+          </a:xfrm>
+          <a:prstGeom prst="line">
+            <a:avLst/>
+          </a:prstGeom>
+          <a:ln w="57150">
+            <a:solidFill>
+              <a:schemeClr val="accent2">
+                <a:lumMod val="75000"/>
+              </a:schemeClr>
+            </a:solidFill>
+          </a:ln>
+        </p:spPr>
+        <p:style>
+          <a:lnRef idx="1">
+            <a:schemeClr val="accent1"/>
+          </a:lnRef>
+          <a:fillRef idx="0">
+            <a:schemeClr val="accent1"/>
+          </a:fillRef>
+          <a:effectRef idx="0">
+            <a:schemeClr val="accent1"/>
+          </a:effectRef>
+          <a:fontRef idx="minor">
+            <a:schemeClr val="tx1"/>
+          </a:fontRef>
+        </p:style>
+      </p:cxnSp>
+      <p:cxnSp>
+        <p:nvCxnSpPr>
+          <p:cNvPr id="6" name="직선 연결선 5">
+            <a:extLst>
+              <a:ext uri="{FF2B5EF4-FFF2-40B4-BE49-F238E27FC236}">
+                <a16:creationId xmlns:a16="http://schemas.microsoft.com/office/drawing/2014/main" id="{3678CCF4-4AC3-4139-92E5-55722C3E7751}"/>
+              </a:ext>
+            </a:extLst>
+          </p:cNvPr>
+          <p:cNvCxnSpPr>
+            <a:cxnSpLocks/>
+          </p:cNvCxnSpPr>
+          <p:nvPr/>
+        </p:nvCxnSpPr>
+        <p:spPr>
+          <a:xfrm>
+            <a:off x="3269293" y="1565753"/>
+            <a:ext cx="1402915" cy="0"/>
+          </a:xfrm>
+          <a:prstGeom prst="line">
+            <a:avLst/>
+          </a:prstGeom>
+          <a:ln w="57150">
+            <a:solidFill>
+              <a:srgbClr val="FFC000"/>
+            </a:solidFill>
+          </a:ln>
+        </p:spPr>
+        <p:style>
+          <a:lnRef idx="1">
+            <a:schemeClr val="accent1"/>
+          </a:lnRef>
+          <a:fillRef idx="0">
+            <a:schemeClr val="accent1"/>
+          </a:fillRef>
+          <a:effectRef idx="0">
+            <a:schemeClr val="accent1"/>
+          </a:effectRef>
+          <a:fontRef idx="minor">
+            <a:schemeClr val="tx1"/>
+          </a:fontRef>
+        </p:style>
+      </p:cxnSp>
+      <p:cxnSp>
+        <p:nvCxnSpPr>
+          <p:cNvPr id="7" name="직선 연결선 6">
+            <a:extLst>
+              <a:ext uri="{FF2B5EF4-FFF2-40B4-BE49-F238E27FC236}">
+                <a16:creationId xmlns:a16="http://schemas.microsoft.com/office/drawing/2014/main" id="{9FF08141-38ED-4F86-86A9-757547A2479E}"/>
+              </a:ext>
+            </a:extLst>
+          </p:cNvPr>
+          <p:cNvCxnSpPr>
+            <a:cxnSpLocks/>
+          </p:cNvCxnSpPr>
+          <p:nvPr/>
+        </p:nvCxnSpPr>
+        <p:spPr>
+          <a:xfrm>
+            <a:off x="4672208" y="1565753"/>
+            <a:ext cx="1402915" cy="0"/>
+          </a:xfrm>
+          <a:prstGeom prst="line">
+            <a:avLst/>
+          </a:prstGeom>
+          <a:ln w="57150">
+            <a:solidFill>
+              <a:schemeClr val="accent4">
+                <a:lumMod val="75000"/>
+              </a:schemeClr>
+            </a:solidFill>
+          </a:ln>
+        </p:spPr>
+        <p:style>
+          <a:lnRef idx="1">
+            <a:schemeClr val="accent1"/>
+          </a:lnRef>
+          <a:fillRef idx="0">
+            <a:schemeClr val="accent1"/>
+          </a:fillRef>
+          <a:effectRef idx="0">
+            <a:schemeClr val="accent1"/>
+          </a:effectRef>
+          <a:fontRef idx="minor">
+            <a:schemeClr val="tx1"/>
+          </a:fontRef>
+        </p:style>
+      </p:cxnSp>
+      <p:cxnSp>
+        <p:nvCxnSpPr>
+          <p:cNvPr id="8" name="직선 연결선 7">
+            <a:extLst>
+              <a:ext uri="{FF2B5EF4-FFF2-40B4-BE49-F238E27FC236}">
+                <a16:creationId xmlns:a16="http://schemas.microsoft.com/office/drawing/2014/main" id="{62A6EC5E-008F-4227-A299-34A564C6B4DE}"/>
+              </a:ext>
+            </a:extLst>
+          </p:cNvPr>
+          <p:cNvCxnSpPr>
+            <a:cxnSpLocks/>
+          </p:cNvCxnSpPr>
+          <p:nvPr/>
+        </p:nvCxnSpPr>
+        <p:spPr>
+          <a:xfrm>
+            <a:off x="6075123" y="1565753"/>
+            <a:ext cx="1402915" cy="0"/>
+          </a:xfrm>
+          <a:prstGeom prst="line">
+            <a:avLst/>
+          </a:prstGeom>
+          <a:ln w="57150">
+            <a:solidFill>
+              <a:srgbClr val="FF0000"/>
+            </a:solidFill>
+          </a:ln>
+        </p:spPr>
+        <p:style>
+          <a:lnRef idx="1">
+            <a:schemeClr val="accent1"/>
+          </a:lnRef>
+          <a:fillRef idx="0">
+            <a:schemeClr val="accent1"/>
+          </a:fillRef>
+          <a:effectRef idx="0">
+            <a:schemeClr val="accent1"/>
+          </a:effectRef>
+          <a:fontRef idx="minor">
+            <a:schemeClr val="tx1"/>
+          </a:fontRef>
+        </p:style>
+      </p:cxnSp>
+      <p:cxnSp>
+        <p:nvCxnSpPr>
+          <p:cNvPr id="9" name="직선 연결선 8">
+            <a:extLst>
+              <a:ext uri="{FF2B5EF4-FFF2-40B4-BE49-F238E27FC236}">
+                <a16:creationId xmlns:a16="http://schemas.microsoft.com/office/drawing/2014/main" id="{73BE4EC4-D5AB-43B6-99B8-20CC507C817B}"/>
+              </a:ext>
+            </a:extLst>
+          </p:cNvPr>
+          <p:cNvCxnSpPr>
+            <a:cxnSpLocks/>
+          </p:cNvCxnSpPr>
+          <p:nvPr/>
+        </p:nvCxnSpPr>
+        <p:spPr>
+          <a:xfrm>
+            <a:off x="7478038" y="1565753"/>
+            <a:ext cx="1402915" cy="0"/>
+          </a:xfrm>
+          <a:prstGeom prst="line">
+            <a:avLst/>
+          </a:prstGeom>
+          <a:ln w="57150">
+            <a:solidFill>
+              <a:srgbClr val="92D050"/>
+            </a:solidFill>
+          </a:ln>
+        </p:spPr>
+        <p:style>
+          <a:lnRef idx="1">
+            <a:schemeClr val="accent1"/>
+          </a:lnRef>
+          <a:fillRef idx="0">
+            <a:schemeClr val="accent1"/>
+          </a:fillRef>
+          <a:effectRef idx="0">
+            <a:schemeClr val="accent1"/>
+          </a:effectRef>
+          <a:fontRef idx="minor">
+            <a:schemeClr val="tx1"/>
+          </a:fontRef>
+        </p:style>
+      </p:cxnSp>
+      <p:cxnSp>
+        <p:nvCxnSpPr>
+          <p:cNvPr id="10" name="직선 연결선 9">
+            <a:extLst>
+              <a:ext uri="{FF2B5EF4-FFF2-40B4-BE49-F238E27FC236}">
+                <a16:creationId xmlns:a16="http://schemas.microsoft.com/office/drawing/2014/main" id="{D23B7696-E162-4DC6-9E5C-29744AE86C94}"/>
+              </a:ext>
+            </a:extLst>
+          </p:cNvPr>
+          <p:cNvCxnSpPr>
+            <a:cxnSpLocks/>
+          </p:cNvCxnSpPr>
+          <p:nvPr/>
+        </p:nvCxnSpPr>
+        <p:spPr>
+          <a:xfrm>
+            <a:off x="8880953" y="1565753"/>
+            <a:ext cx="1402915" cy="0"/>
+          </a:xfrm>
+          <a:prstGeom prst="line">
+            <a:avLst/>
+          </a:prstGeom>
+          <a:ln w="57150">
+            <a:solidFill>
+              <a:schemeClr val="bg2">
+                <a:lumMod val="50000"/>
+              </a:schemeClr>
+            </a:solidFill>
+          </a:ln>
+        </p:spPr>
+        <p:style>
+          <a:lnRef idx="1">
+            <a:schemeClr val="accent1"/>
+          </a:lnRef>
+          <a:fillRef idx="0">
+            <a:schemeClr val="accent1"/>
+          </a:fillRef>
+          <a:effectRef idx="0">
+            <a:schemeClr val="accent1"/>
+          </a:effectRef>
+          <a:fontRef idx="minor">
+            <a:schemeClr val="tx1"/>
+          </a:fontRef>
+        </p:style>
+      </p:cxnSp>
+      <p:cxnSp>
+        <p:nvCxnSpPr>
+          <p:cNvPr id="11" name="직선 연결선 10">
+            <a:extLst>
+              <a:ext uri="{FF2B5EF4-FFF2-40B4-BE49-F238E27FC236}">
+                <a16:creationId xmlns:a16="http://schemas.microsoft.com/office/drawing/2014/main" id="{AD5A1D01-4DAC-4236-AC37-43914BEDECF3}"/>
+              </a:ext>
+            </a:extLst>
+          </p:cNvPr>
+          <p:cNvCxnSpPr>
+            <a:cxnSpLocks/>
+          </p:cNvCxnSpPr>
+          <p:nvPr/>
+        </p:nvCxnSpPr>
+        <p:spPr>
+          <a:xfrm>
+            <a:off x="10283868" y="1565753"/>
+            <a:ext cx="1402915" cy="0"/>
+          </a:xfrm>
+          <a:prstGeom prst="line">
+            <a:avLst/>
+          </a:prstGeom>
+          <a:ln w="57150">
+            <a:solidFill>
+              <a:schemeClr val="bg1">
+                <a:lumMod val="85000"/>
+              </a:schemeClr>
+            </a:solidFill>
+          </a:ln>
+        </p:spPr>
+        <p:style>
+          <a:lnRef idx="1">
+            <a:schemeClr val="accent1"/>
+          </a:lnRef>
+          <a:fillRef idx="0">
+            <a:schemeClr val="accent1"/>
+          </a:fillRef>
+          <a:effectRef idx="0">
+            <a:schemeClr val="accent1"/>
+          </a:effectRef>
+          <a:fontRef idx="minor">
+            <a:schemeClr val="tx1"/>
+          </a:fontRef>
+        </p:style>
+      </p:cxnSp>
+    </p:spTree>
+    <p:extLst>
+      <p:ext uri="{BB962C8B-B14F-4D97-AF65-F5344CB8AC3E}">
+        <p14:creationId xmlns:p14="http://schemas.microsoft.com/office/powerpoint/2010/main" val="1786130159"/>
       </p:ext>
     </p:extLst>
   </p:cSld>
@@ -5115,13 +9364,3030 @@
   <p:clrMapOvr>
     <a:masterClrMapping/>
   </p:clrMapOvr>
-  <p:timing>
-    <p:tnLst>
-      <p:par>
-        <p:cTn id="1" dur="indefinite" restart="never" nodeType="tmRoot"/>
-      </p:par>
-    </p:tnLst>
-  </p:timing>
+</p:sld>
+</file>
+
+<file path=ppt/slides/slide20.xml><?xml version="1.0" encoding="utf-8"?>
+<p:sld xmlns:a="http://schemas.openxmlformats.org/drawingml/2006/main" xmlns:r="http://schemas.openxmlformats.org/officeDocument/2006/relationships" xmlns:p="http://schemas.openxmlformats.org/presentationml/2006/main">
+  <p:cSld>
+    <p:spTree>
+      <p:nvGrpSpPr>
+        <p:cNvPr id="1" name=""/>
+        <p:cNvGrpSpPr/>
+        <p:nvPr/>
+      </p:nvGrpSpPr>
+      <p:grpSpPr>
+        <a:xfrm>
+          <a:off x="0" y="0"/>
+          <a:ext cx="0" cy="0"/>
+          <a:chOff x="0" y="0"/>
+          <a:chExt cx="0" cy="0"/>
+        </a:xfrm>
+      </p:grpSpPr>
+      <p:sp>
+        <p:nvSpPr>
+          <p:cNvPr id="2" name="제목 1">
+            <a:extLst>
+              <a:ext uri="{FF2B5EF4-FFF2-40B4-BE49-F238E27FC236}">
+                <a16:creationId xmlns:a16="http://schemas.microsoft.com/office/drawing/2014/main" id="{0BBD75FB-0799-4EB1-9AD7-C68E11797971}"/>
+              </a:ext>
+            </a:extLst>
+          </p:cNvPr>
+          <p:cNvSpPr>
+            <a:spLocks noGrp="1"/>
+          </p:cNvSpPr>
+          <p:nvPr>
+            <p:ph type="title"/>
+          </p:nvPr>
+        </p:nvSpPr>
+        <p:spPr/>
+        <p:txBody>
+          <a:bodyPr/>
+          <a:lstStyle/>
+          <a:p>
+            <a:endParaRPr lang="ko-KR" altLang="en-US" b="1" dirty="0"/>
+          </a:p>
+        </p:txBody>
+      </p:sp>
+      <p:sp>
+        <p:nvSpPr>
+          <p:cNvPr id="3" name="내용 개체 틀 2">
+            <a:extLst>
+              <a:ext uri="{FF2B5EF4-FFF2-40B4-BE49-F238E27FC236}">
+                <a16:creationId xmlns:a16="http://schemas.microsoft.com/office/drawing/2014/main" id="{E9D22F1E-049A-4FEB-AEF1-C90B1011EA69}"/>
+              </a:ext>
+            </a:extLst>
+          </p:cNvPr>
+          <p:cNvSpPr>
+            <a:spLocks noGrp="1"/>
+          </p:cNvSpPr>
+          <p:nvPr>
+            <p:ph idx="1"/>
+          </p:nvPr>
+        </p:nvSpPr>
+        <p:spPr/>
+        <p:txBody>
+          <a:bodyPr/>
+          <a:lstStyle/>
+          <a:p>
+            <a:endParaRPr lang="ko-KR" altLang="en-US"/>
+          </a:p>
+        </p:txBody>
+      </p:sp>
+      <p:cxnSp>
+        <p:nvCxnSpPr>
+          <p:cNvPr id="4" name="직선 연결선 3">
+            <a:extLst>
+              <a:ext uri="{FF2B5EF4-FFF2-40B4-BE49-F238E27FC236}">
+                <a16:creationId xmlns:a16="http://schemas.microsoft.com/office/drawing/2014/main" id="{EE01682E-4EC3-491F-A46B-0EACC9713D73}"/>
+              </a:ext>
+            </a:extLst>
+          </p:cNvPr>
+          <p:cNvCxnSpPr>
+            <a:cxnSpLocks/>
+          </p:cNvCxnSpPr>
+          <p:nvPr/>
+        </p:nvCxnSpPr>
+        <p:spPr>
+          <a:xfrm>
+            <a:off x="463463" y="1565753"/>
+            <a:ext cx="1402915" cy="0"/>
+          </a:xfrm>
+          <a:prstGeom prst="line">
+            <a:avLst/>
+          </a:prstGeom>
+          <a:ln w="57150">
+            <a:solidFill>
+              <a:srgbClr val="00B050"/>
+            </a:solidFill>
+          </a:ln>
+        </p:spPr>
+        <p:style>
+          <a:lnRef idx="1">
+            <a:schemeClr val="accent1"/>
+          </a:lnRef>
+          <a:fillRef idx="0">
+            <a:schemeClr val="accent1"/>
+          </a:fillRef>
+          <a:effectRef idx="0">
+            <a:schemeClr val="accent1"/>
+          </a:effectRef>
+          <a:fontRef idx="minor">
+            <a:schemeClr val="tx1"/>
+          </a:fontRef>
+        </p:style>
+      </p:cxnSp>
+      <p:cxnSp>
+        <p:nvCxnSpPr>
+          <p:cNvPr id="5" name="직선 연결선 4">
+            <a:extLst>
+              <a:ext uri="{FF2B5EF4-FFF2-40B4-BE49-F238E27FC236}">
+                <a16:creationId xmlns:a16="http://schemas.microsoft.com/office/drawing/2014/main" id="{ABC6680E-470B-45C4-B289-7A0EF67ED7E0}"/>
+              </a:ext>
+            </a:extLst>
+          </p:cNvPr>
+          <p:cNvCxnSpPr>
+            <a:cxnSpLocks/>
+          </p:cNvCxnSpPr>
+          <p:nvPr/>
+        </p:nvCxnSpPr>
+        <p:spPr>
+          <a:xfrm>
+            <a:off x="1866378" y="1565753"/>
+            <a:ext cx="1402915" cy="0"/>
+          </a:xfrm>
+          <a:prstGeom prst="line">
+            <a:avLst/>
+          </a:prstGeom>
+          <a:ln w="57150">
+            <a:solidFill>
+              <a:schemeClr val="accent2">
+                <a:lumMod val="75000"/>
+              </a:schemeClr>
+            </a:solidFill>
+          </a:ln>
+        </p:spPr>
+        <p:style>
+          <a:lnRef idx="1">
+            <a:schemeClr val="accent1"/>
+          </a:lnRef>
+          <a:fillRef idx="0">
+            <a:schemeClr val="accent1"/>
+          </a:fillRef>
+          <a:effectRef idx="0">
+            <a:schemeClr val="accent1"/>
+          </a:effectRef>
+          <a:fontRef idx="minor">
+            <a:schemeClr val="tx1"/>
+          </a:fontRef>
+        </p:style>
+      </p:cxnSp>
+      <p:cxnSp>
+        <p:nvCxnSpPr>
+          <p:cNvPr id="6" name="직선 연결선 5">
+            <a:extLst>
+              <a:ext uri="{FF2B5EF4-FFF2-40B4-BE49-F238E27FC236}">
+                <a16:creationId xmlns:a16="http://schemas.microsoft.com/office/drawing/2014/main" id="{3678CCF4-4AC3-4139-92E5-55722C3E7751}"/>
+              </a:ext>
+            </a:extLst>
+          </p:cNvPr>
+          <p:cNvCxnSpPr>
+            <a:cxnSpLocks/>
+          </p:cNvCxnSpPr>
+          <p:nvPr/>
+        </p:nvCxnSpPr>
+        <p:spPr>
+          <a:xfrm>
+            <a:off x="3269293" y="1565753"/>
+            <a:ext cx="1402915" cy="0"/>
+          </a:xfrm>
+          <a:prstGeom prst="line">
+            <a:avLst/>
+          </a:prstGeom>
+          <a:ln w="57150">
+            <a:solidFill>
+              <a:srgbClr val="FFC000"/>
+            </a:solidFill>
+          </a:ln>
+        </p:spPr>
+        <p:style>
+          <a:lnRef idx="1">
+            <a:schemeClr val="accent1"/>
+          </a:lnRef>
+          <a:fillRef idx="0">
+            <a:schemeClr val="accent1"/>
+          </a:fillRef>
+          <a:effectRef idx="0">
+            <a:schemeClr val="accent1"/>
+          </a:effectRef>
+          <a:fontRef idx="minor">
+            <a:schemeClr val="tx1"/>
+          </a:fontRef>
+        </p:style>
+      </p:cxnSp>
+      <p:cxnSp>
+        <p:nvCxnSpPr>
+          <p:cNvPr id="7" name="직선 연결선 6">
+            <a:extLst>
+              <a:ext uri="{FF2B5EF4-FFF2-40B4-BE49-F238E27FC236}">
+                <a16:creationId xmlns:a16="http://schemas.microsoft.com/office/drawing/2014/main" id="{9FF08141-38ED-4F86-86A9-757547A2479E}"/>
+              </a:ext>
+            </a:extLst>
+          </p:cNvPr>
+          <p:cNvCxnSpPr>
+            <a:cxnSpLocks/>
+          </p:cNvCxnSpPr>
+          <p:nvPr/>
+        </p:nvCxnSpPr>
+        <p:spPr>
+          <a:xfrm>
+            <a:off x="4672208" y="1565753"/>
+            <a:ext cx="1402915" cy="0"/>
+          </a:xfrm>
+          <a:prstGeom prst="line">
+            <a:avLst/>
+          </a:prstGeom>
+          <a:ln w="57150">
+            <a:solidFill>
+              <a:schemeClr val="accent4">
+                <a:lumMod val="75000"/>
+              </a:schemeClr>
+            </a:solidFill>
+          </a:ln>
+        </p:spPr>
+        <p:style>
+          <a:lnRef idx="1">
+            <a:schemeClr val="accent1"/>
+          </a:lnRef>
+          <a:fillRef idx="0">
+            <a:schemeClr val="accent1"/>
+          </a:fillRef>
+          <a:effectRef idx="0">
+            <a:schemeClr val="accent1"/>
+          </a:effectRef>
+          <a:fontRef idx="minor">
+            <a:schemeClr val="tx1"/>
+          </a:fontRef>
+        </p:style>
+      </p:cxnSp>
+      <p:cxnSp>
+        <p:nvCxnSpPr>
+          <p:cNvPr id="8" name="직선 연결선 7">
+            <a:extLst>
+              <a:ext uri="{FF2B5EF4-FFF2-40B4-BE49-F238E27FC236}">
+                <a16:creationId xmlns:a16="http://schemas.microsoft.com/office/drawing/2014/main" id="{62A6EC5E-008F-4227-A299-34A564C6B4DE}"/>
+              </a:ext>
+            </a:extLst>
+          </p:cNvPr>
+          <p:cNvCxnSpPr>
+            <a:cxnSpLocks/>
+          </p:cNvCxnSpPr>
+          <p:nvPr/>
+        </p:nvCxnSpPr>
+        <p:spPr>
+          <a:xfrm>
+            <a:off x="6075123" y="1565753"/>
+            <a:ext cx="1402915" cy="0"/>
+          </a:xfrm>
+          <a:prstGeom prst="line">
+            <a:avLst/>
+          </a:prstGeom>
+          <a:ln w="57150">
+            <a:solidFill>
+              <a:srgbClr val="FF0000"/>
+            </a:solidFill>
+          </a:ln>
+        </p:spPr>
+        <p:style>
+          <a:lnRef idx="1">
+            <a:schemeClr val="accent1"/>
+          </a:lnRef>
+          <a:fillRef idx="0">
+            <a:schemeClr val="accent1"/>
+          </a:fillRef>
+          <a:effectRef idx="0">
+            <a:schemeClr val="accent1"/>
+          </a:effectRef>
+          <a:fontRef idx="minor">
+            <a:schemeClr val="tx1"/>
+          </a:fontRef>
+        </p:style>
+      </p:cxnSp>
+      <p:cxnSp>
+        <p:nvCxnSpPr>
+          <p:cNvPr id="9" name="직선 연결선 8">
+            <a:extLst>
+              <a:ext uri="{FF2B5EF4-FFF2-40B4-BE49-F238E27FC236}">
+                <a16:creationId xmlns:a16="http://schemas.microsoft.com/office/drawing/2014/main" id="{73BE4EC4-D5AB-43B6-99B8-20CC507C817B}"/>
+              </a:ext>
+            </a:extLst>
+          </p:cNvPr>
+          <p:cNvCxnSpPr>
+            <a:cxnSpLocks/>
+          </p:cNvCxnSpPr>
+          <p:nvPr/>
+        </p:nvCxnSpPr>
+        <p:spPr>
+          <a:xfrm>
+            <a:off x="7478038" y="1565753"/>
+            <a:ext cx="1402915" cy="0"/>
+          </a:xfrm>
+          <a:prstGeom prst="line">
+            <a:avLst/>
+          </a:prstGeom>
+          <a:ln w="57150">
+            <a:solidFill>
+              <a:srgbClr val="92D050"/>
+            </a:solidFill>
+          </a:ln>
+        </p:spPr>
+        <p:style>
+          <a:lnRef idx="1">
+            <a:schemeClr val="accent1"/>
+          </a:lnRef>
+          <a:fillRef idx="0">
+            <a:schemeClr val="accent1"/>
+          </a:fillRef>
+          <a:effectRef idx="0">
+            <a:schemeClr val="accent1"/>
+          </a:effectRef>
+          <a:fontRef idx="minor">
+            <a:schemeClr val="tx1"/>
+          </a:fontRef>
+        </p:style>
+      </p:cxnSp>
+      <p:cxnSp>
+        <p:nvCxnSpPr>
+          <p:cNvPr id="10" name="직선 연결선 9">
+            <a:extLst>
+              <a:ext uri="{FF2B5EF4-FFF2-40B4-BE49-F238E27FC236}">
+                <a16:creationId xmlns:a16="http://schemas.microsoft.com/office/drawing/2014/main" id="{D23B7696-E162-4DC6-9E5C-29744AE86C94}"/>
+              </a:ext>
+            </a:extLst>
+          </p:cNvPr>
+          <p:cNvCxnSpPr>
+            <a:cxnSpLocks/>
+          </p:cNvCxnSpPr>
+          <p:nvPr/>
+        </p:nvCxnSpPr>
+        <p:spPr>
+          <a:xfrm>
+            <a:off x="8880953" y="1565753"/>
+            <a:ext cx="1402915" cy="0"/>
+          </a:xfrm>
+          <a:prstGeom prst="line">
+            <a:avLst/>
+          </a:prstGeom>
+          <a:ln w="57150">
+            <a:solidFill>
+              <a:schemeClr val="bg2">
+                <a:lumMod val="50000"/>
+              </a:schemeClr>
+            </a:solidFill>
+          </a:ln>
+        </p:spPr>
+        <p:style>
+          <a:lnRef idx="1">
+            <a:schemeClr val="accent1"/>
+          </a:lnRef>
+          <a:fillRef idx="0">
+            <a:schemeClr val="accent1"/>
+          </a:fillRef>
+          <a:effectRef idx="0">
+            <a:schemeClr val="accent1"/>
+          </a:effectRef>
+          <a:fontRef idx="minor">
+            <a:schemeClr val="tx1"/>
+          </a:fontRef>
+        </p:style>
+      </p:cxnSp>
+      <p:cxnSp>
+        <p:nvCxnSpPr>
+          <p:cNvPr id="11" name="직선 연결선 10">
+            <a:extLst>
+              <a:ext uri="{FF2B5EF4-FFF2-40B4-BE49-F238E27FC236}">
+                <a16:creationId xmlns:a16="http://schemas.microsoft.com/office/drawing/2014/main" id="{AD5A1D01-4DAC-4236-AC37-43914BEDECF3}"/>
+              </a:ext>
+            </a:extLst>
+          </p:cNvPr>
+          <p:cNvCxnSpPr>
+            <a:cxnSpLocks/>
+          </p:cNvCxnSpPr>
+          <p:nvPr/>
+        </p:nvCxnSpPr>
+        <p:spPr>
+          <a:xfrm>
+            <a:off x="10283868" y="1565753"/>
+            <a:ext cx="1402915" cy="0"/>
+          </a:xfrm>
+          <a:prstGeom prst="line">
+            <a:avLst/>
+          </a:prstGeom>
+          <a:ln w="57150">
+            <a:solidFill>
+              <a:schemeClr val="bg1">
+                <a:lumMod val="85000"/>
+              </a:schemeClr>
+            </a:solidFill>
+          </a:ln>
+        </p:spPr>
+        <p:style>
+          <a:lnRef idx="1">
+            <a:schemeClr val="accent1"/>
+          </a:lnRef>
+          <a:fillRef idx="0">
+            <a:schemeClr val="accent1"/>
+          </a:fillRef>
+          <a:effectRef idx="0">
+            <a:schemeClr val="accent1"/>
+          </a:effectRef>
+          <a:fontRef idx="minor">
+            <a:schemeClr val="tx1"/>
+          </a:fontRef>
+        </p:style>
+      </p:cxnSp>
+    </p:spTree>
+    <p:extLst>
+      <p:ext uri="{BB962C8B-B14F-4D97-AF65-F5344CB8AC3E}">
+        <p14:creationId xmlns:p14="http://schemas.microsoft.com/office/powerpoint/2010/main" val="977785539"/>
+      </p:ext>
+    </p:extLst>
+  </p:cSld>
+  <p:clrMapOvr>
+    <a:masterClrMapping/>
+  </p:clrMapOvr>
+</p:sld>
+</file>
+
+<file path=ppt/slides/slide21.xml><?xml version="1.0" encoding="utf-8"?>
+<p:sld xmlns:a="http://schemas.openxmlformats.org/drawingml/2006/main" xmlns:r="http://schemas.openxmlformats.org/officeDocument/2006/relationships" xmlns:p="http://schemas.openxmlformats.org/presentationml/2006/main">
+  <p:cSld>
+    <p:spTree>
+      <p:nvGrpSpPr>
+        <p:cNvPr id="1" name=""/>
+        <p:cNvGrpSpPr/>
+        <p:nvPr/>
+      </p:nvGrpSpPr>
+      <p:grpSpPr>
+        <a:xfrm>
+          <a:off x="0" y="0"/>
+          <a:ext cx="0" cy="0"/>
+          <a:chOff x="0" y="0"/>
+          <a:chExt cx="0" cy="0"/>
+        </a:xfrm>
+      </p:grpSpPr>
+      <p:sp>
+        <p:nvSpPr>
+          <p:cNvPr id="2" name="제목 1">
+            <a:extLst>
+              <a:ext uri="{FF2B5EF4-FFF2-40B4-BE49-F238E27FC236}">
+                <a16:creationId xmlns:a16="http://schemas.microsoft.com/office/drawing/2014/main" id="{0BBD75FB-0799-4EB1-9AD7-C68E11797971}"/>
+              </a:ext>
+            </a:extLst>
+          </p:cNvPr>
+          <p:cNvSpPr>
+            <a:spLocks noGrp="1"/>
+          </p:cNvSpPr>
+          <p:nvPr>
+            <p:ph type="title"/>
+          </p:nvPr>
+        </p:nvSpPr>
+        <p:spPr/>
+        <p:txBody>
+          <a:bodyPr/>
+          <a:lstStyle/>
+          <a:p>
+            <a:endParaRPr lang="ko-KR" altLang="en-US" b="1" dirty="0"/>
+          </a:p>
+        </p:txBody>
+      </p:sp>
+      <p:sp>
+        <p:nvSpPr>
+          <p:cNvPr id="3" name="내용 개체 틀 2">
+            <a:extLst>
+              <a:ext uri="{FF2B5EF4-FFF2-40B4-BE49-F238E27FC236}">
+                <a16:creationId xmlns:a16="http://schemas.microsoft.com/office/drawing/2014/main" id="{E9D22F1E-049A-4FEB-AEF1-C90B1011EA69}"/>
+              </a:ext>
+            </a:extLst>
+          </p:cNvPr>
+          <p:cNvSpPr>
+            <a:spLocks noGrp="1"/>
+          </p:cNvSpPr>
+          <p:nvPr>
+            <p:ph idx="1"/>
+          </p:nvPr>
+        </p:nvSpPr>
+        <p:spPr/>
+        <p:txBody>
+          <a:bodyPr/>
+          <a:lstStyle/>
+          <a:p>
+            <a:endParaRPr lang="ko-KR" altLang="en-US"/>
+          </a:p>
+        </p:txBody>
+      </p:sp>
+      <p:cxnSp>
+        <p:nvCxnSpPr>
+          <p:cNvPr id="4" name="직선 연결선 3">
+            <a:extLst>
+              <a:ext uri="{FF2B5EF4-FFF2-40B4-BE49-F238E27FC236}">
+                <a16:creationId xmlns:a16="http://schemas.microsoft.com/office/drawing/2014/main" id="{EE01682E-4EC3-491F-A46B-0EACC9713D73}"/>
+              </a:ext>
+            </a:extLst>
+          </p:cNvPr>
+          <p:cNvCxnSpPr>
+            <a:cxnSpLocks/>
+          </p:cNvCxnSpPr>
+          <p:nvPr/>
+        </p:nvCxnSpPr>
+        <p:spPr>
+          <a:xfrm>
+            <a:off x="463463" y="1565753"/>
+            <a:ext cx="1402915" cy="0"/>
+          </a:xfrm>
+          <a:prstGeom prst="line">
+            <a:avLst/>
+          </a:prstGeom>
+          <a:ln w="57150">
+            <a:solidFill>
+              <a:srgbClr val="00B050"/>
+            </a:solidFill>
+          </a:ln>
+        </p:spPr>
+        <p:style>
+          <a:lnRef idx="1">
+            <a:schemeClr val="accent1"/>
+          </a:lnRef>
+          <a:fillRef idx="0">
+            <a:schemeClr val="accent1"/>
+          </a:fillRef>
+          <a:effectRef idx="0">
+            <a:schemeClr val="accent1"/>
+          </a:effectRef>
+          <a:fontRef idx="minor">
+            <a:schemeClr val="tx1"/>
+          </a:fontRef>
+        </p:style>
+      </p:cxnSp>
+      <p:cxnSp>
+        <p:nvCxnSpPr>
+          <p:cNvPr id="5" name="직선 연결선 4">
+            <a:extLst>
+              <a:ext uri="{FF2B5EF4-FFF2-40B4-BE49-F238E27FC236}">
+                <a16:creationId xmlns:a16="http://schemas.microsoft.com/office/drawing/2014/main" id="{ABC6680E-470B-45C4-B289-7A0EF67ED7E0}"/>
+              </a:ext>
+            </a:extLst>
+          </p:cNvPr>
+          <p:cNvCxnSpPr>
+            <a:cxnSpLocks/>
+          </p:cNvCxnSpPr>
+          <p:nvPr/>
+        </p:nvCxnSpPr>
+        <p:spPr>
+          <a:xfrm>
+            <a:off x="1866378" y="1565753"/>
+            <a:ext cx="1402915" cy="0"/>
+          </a:xfrm>
+          <a:prstGeom prst="line">
+            <a:avLst/>
+          </a:prstGeom>
+          <a:ln w="57150">
+            <a:solidFill>
+              <a:schemeClr val="accent2">
+                <a:lumMod val="75000"/>
+              </a:schemeClr>
+            </a:solidFill>
+          </a:ln>
+        </p:spPr>
+        <p:style>
+          <a:lnRef idx="1">
+            <a:schemeClr val="accent1"/>
+          </a:lnRef>
+          <a:fillRef idx="0">
+            <a:schemeClr val="accent1"/>
+          </a:fillRef>
+          <a:effectRef idx="0">
+            <a:schemeClr val="accent1"/>
+          </a:effectRef>
+          <a:fontRef idx="minor">
+            <a:schemeClr val="tx1"/>
+          </a:fontRef>
+        </p:style>
+      </p:cxnSp>
+      <p:cxnSp>
+        <p:nvCxnSpPr>
+          <p:cNvPr id="6" name="직선 연결선 5">
+            <a:extLst>
+              <a:ext uri="{FF2B5EF4-FFF2-40B4-BE49-F238E27FC236}">
+                <a16:creationId xmlns:a16="http://schemas.microsoft.com/office/drawing/2014/main" id="{3678CCF4-4AC3-4139-92E5-55722C3E7751}"/>
+              </a:ext>
+            </a:extLst>
+          </p:cNvPr>
+          <p:cNvCxnSpPr>
+            <a:cxnSpLocks/>
+          </p:cNvCxnSpPr>
+          <p:nvPr/>
+        </p:nvCxnSpPr>
+        <p:spPr>
+          <a:xfrm>
+            <a:off x="3269293" y="1565753"/>
+            <a:ext cx="1402915" cy="0"/>
+          </a:xfrm>
+          <a:prstGeom prst="line">
+            <a:avLst/>
+          </a:prstGeom>
+          <a:ln w="57150">
+            <a:solidFill>
+              <a:srgbClr val="FFC000"/>
+            </a:solidFill>
+          </a:ln>
+        </p:spPr>
+        <p:style>
+          <a:lnRef idx="1">
+            <a:schemeClr val="accent1"/>
+          </a:lnRef>
+          <a:fillRef idx="0">
+            <a:schemeClr val="accent1"/>
+          </a:fillRef>
+          <a:effectRef idx="0">
+            <a:schemeClr val="accent1"/>
+          </a:effectRef>
+          <a:fontRef idx="minor">
+            <a:schemeClr val="tx1"/>
+          </a:fontRef>
+        </p:style>
+      </p:cxnSp>
+      <p:cxnSp>
+        <p:nvCxnSpPr>
+          <p:cNvPr id="7" name="직선 연결선 6">
+            <a:extLst>
+              <a:ext uri="{FF2B5EF4-FFF2-40B4-BE49-F238E27FC236}">
+                <a16:creationId xmlns:a16="http://schemas.microsoft.com/office/drawing/2014/main" id="{9FF08141-38ED-4F86-86A9-757547A2479E}"/>
+              </a:ext>
+            </a:extLst>
+          </p:cNvPr>
+          <p:cNvCxnSpPr>
+            <a:cxnSpLocks/>
+          </p:cNvCxnSpPr>
+          <p:nvPr/>
+        </p:nvCxnSpPr>
+        <p:spPr>
+          <a:xfrm>
+            <a:off x="4672208" y="1565753"/>
+            <a:ext cx="1402915" cy="0"/>
+          </a:xfrm>
+          <a:prstGeom prst="line">
+            <a:avLst/>
+          </a:prstGeom>
+          <a:ln w="57150">
+            <a:solidFill>
+              <a:schemeClr val="accent4">
+                <a:lumMod val="75000"/>
+              </a:schemeClr>
+            </a:solidFill>
+          </a:ln>
+        </p:spPr>
+        <p:style>
+          <a:lnRef idx="1">
+            <a:schemeClr val="accent1"/>
+          </a:lnRef>
+          <a:fillRef idx="0">
+            <a:schemeClr val="accent1"/>
+          </a:fillRef>
+          <a:effectRef idx="0">
+            <a:schemeClr val="accent1"/>
+          </a:effectRef>
+          <a:fontRef idx="minor">
+            <a:schemeClr val="tx1"/>
+          </a:fontRef>
+        </p:style>
+      </p:cxnSp>
+      <p:cxnSp>
+        <p:nvCxnSpPr>
+          <p:cNvPr id="8" name="직선 연결선 7">
+            <a:extLst>
+              <a:ext uri="{FF2B5EF4-FFF2-40B4-BE49-F238E27FC236}">
+                <a16:creationId xmlns:a16="http://schemas.microsoft.com/office/drawing/2014/main" id="{62A6EC5E-008F-4227-A299-34A564C6B4DE}"/>
+              </a:ext>
+            </a:extLst>
+          </p:cNvPr>
+          <p:cNvCxnSpPr>
+            <a:cxnSpLocks/>
+          </p:cNvCxnSpPr>
+          <p:nvPr/>
+        </p:nvCxnSpPr>
+        <p:spPr>
+          <a:xfrm>
+            <a:off x="6075123" y="1565753"/>
+            <a:ext cx="1402915" cy="0"/>
+          </a:xfrm>
+          <a:prstGeom prst="line">
+            <a:avLst/>
+          </a:prstGeom>
+          <a:ln w="57150">
+            <a:solidFill>
+              <a:srgbClr val="FF0000"/>
+            </a:solidFill>
+          </a:ln>
+        </p:spPr>
+        <p:style>
+          <a:lnRef idx="1">
+            <a:schemeClr val="accent1"/>
+          </a:lnRef>
+          <a:fillRef idx="0">
+            <a:schemeClr val="accent1"/>
+          </a:fillRef>
+          <a:effectRef idx="0">
+            <a:schemeClr val="accent1"/>
+          </a:effectRef>
+          <a:fontRef idx="minor">
+            <a:schemeClr val="tx1"/>
+          </a:fontRef>
+        </p:style>
+      </p:cxnSp>
+      <p:cxnSp>
+        <p:nvCxnSpPr>
+          <p:cNvPr id="9" name="직선 연결선 8">
+            <a:extLst>
+              <a:ext uri="{FF2B5EF4-FFF2-40B4-BE49-F238E27FC236}">
+                <a16:creationId xmlns:a16="http://schemas.microsoft.com/office/drawing/2014/main" id="{73BE4EC4-D5AB-43B6-99B8-20CC507C817B}"/>
+              </a:ext>
+            </a:extLst>
+          </p:cNvPr>
+          <p:cNvCxnSpPr>
+            <a:cxnSpLocks/>
+          </p:cNvCxnSpPr>
+          <p:nvPr/>
+        </p:nvCxnSpPr>
+        <p:spPr>
+          <a:xfrm>
+            <a:off x="7478038" y="1565753"/>
+            <a:ext cx="1402915" cy="0"/>
+          </a:xfrm>
+          <a:prstGeom prst="line">
+            <a:avLst/>
+          </a:prstGeom>
+          <a:ln w="57150">
+            <a:solidFill>
+              <a:srgbClr val="92D050"/>
+            </a:solidFill>
+          </a:ln>
+        </p:spPr>
+        <p:style>
+          <a:lnRef idx="1">
+            <a:schemeClr val="accent1"/>
+          </a:lnRef>
+          <a:fillRef idx="0">
+            <a:schemeClr val="accent1"/>
+          </a:fillRef>
+          <a:effectRef idx="0">
+            <a:schemeClr val="accent1"/>
+          </a:effectRef>
+          <a:fontRef idx="minor">
+            <a:schemeClr val="tx1"/>
+          </a:fontRef>
+        </p:style>
+      </p:cxnSp>
+      <p:cxnSp>
+        <p:nvCxnSpPr>
+          <p:cNvPr id="10" name="직선 연결선 9">
+            <a:extLst>
+              <a:ext uri="{FF2B5EF4-FFF2-40B4-BE49-F238E27FC236}">
+                <a16:creationId xmlns:a16="http://schemas.microsoft.com/office/drawing/2014/main" id="{D23B7696-E162-4DC6-9E5C-29744AE86C94}"/>
+              </a:ext>
+            </a:extLst>
+          </p:cNvPr>
+          <p:cNvCxnSpPr>
+            <a:cxnSpLocks/>
+          </p:cNvCxnSpPr>
+          <p:nvPr/>
+        </p:nvCxnSpPr>
+        <p:spPr>
+          <a:xfrm>
+            <a:off x="8880953" y="1565753"/>
+            <a:ext cx="1402915" cy="0"/>
+          </a:xfrm>
+          <a:prstGeom prst="line">
+            <a:avLst/>
+          </a:prstGeom>
+          <a:ln w="57150">
+            <a:solidFill>
+              <a:schemeClr val="bg2">
+                <a:lumMod val="50000"/>
+              </a:schemeClr>
+            </a:solidFill>
+          </a:ln>
+        </p:spPr>
+        <p:style>
+          <a:lnRef idx="1">
+            <a:schemeClr val="accent1"/>
+          </a:lnRef>
+          <a:fillRef idx="0">
+            <a:schemeClr val="accent1"/>
+          </a:fillRef>
+          <a:effectRef idx="0">
+            <a:schemeClr val="accent1"/>
+          </a:effectRef>
+          <a:fontRef idx="minor">
+            <a:schemeClr val="tx1"/>
+          </a:fontRef>
+        </p:style>
+      </p:cxnSp>
+      <p:cxnSp>
+        <p:nvCxnSpPr>
+          <p:cNvPr id="11" name="직선 연결선 10">
+            <a:extLst>
+              <a:ext uri="{FF2B5EF4-FFF2-40B4-BE49-F238E27FC236}">
+                <a16:creationId xmlns:a16="http://schemas.microsoft.com/office/drawing/2014/main" id="{AD5A1D01-4DAC-4236-AC37-43914BEDECF3}"/>
+              </a:ext>
+            </a:extLst>
+          </p:cNvPr>
+          <p:cNvCxnSpPr>
+            <a:cxnSpLocks/>
+          </p:cNvCxnSpPr>
+          <p:nvPr/>
+        </p:nvCxnSpPr>
+        <p:spPr>
+          <a:xfrm>
+            <a:off x="10283868" y="1565753"/>
+            <a:ext cx="1402915" cy="0"/>
+          </a:xfrm>
+          <a:prstGeom prst="line">
+            <a:avLst/>
+          </a:prstGeom>
+          <a:ln w="57150">
+            <a:solidFill>
+              <a:schemeClr val="bg1">
+                <a:lumMod val="85000"/>
+              </a:schemeClr>
+            </a:solidFill>
+          </a:ln>
+        </p:spPr>
+        <p:style>
+          <a:lnRef idx="1">
+            <a:schemeClr val="accent1"/>
+          </a:lnRef>
+          <a:fillRef idx="0">
+            <a:schemeClr val="accent1"/>
+          </a:fillRef>
+          <a:effectRef idx="0">
+            <a:schemeClr val="accent1"/>
+          </a:effectRef>
+          <a:fontRef idx="minor">
+            <a:schemeClr val="tx1"/>
+          </a:fontRef>
+        </p:style>
+      </p:cxnSp>
+    </p:spTree>
+    <p:extLst>
+      <p:ext uri="{BB962C8B-B14F-4D97-AF65-F5344CB8AC3E}">
+        <p14:creationId xmlns:p14="http://schemas.microsoft.com/office/powerpoint/2010/main" val="3804466198"/>
+      </p:ext>
+    </p:extLst>
+  </p:cSld>
+  <p:clrMapOvr>
+    <a:masterClrMapping/>
+  </p:clrMapOvr>
+</p:sld>
+</file>
+
+<file path=ppt/slides/slide22.xml><?xml version="1.0" encoding="utf-8"?>
+<p:sld xmlns:a="http://schemas.openxmlformats.org/drawingml/2006/main" xmlns:r="http://schemas.openxmlformats.org/officeDocument/2006/relationships" xmlns:p="http://schemas.openxmlformats.org/presentationml/2006/main">
+  <p:cSld>
+    <p:spTree>
+      <p:nvGrpSpPr>
+        <p:cNvPr id="1" name=""/>
+        <p:cNvGrpSpPr/>
+        <p:nvPr/>
+      </p:nvGrpSpPr>
+      <p:grpSpPr>
+        <a:xfrm>
+          <a:off x="0" y="0"/>
+          <a:ext cx="0" cy="0"/>
+          <a:chOff x="0" y="0"/>
+          <a:chExt cx="0" cy="0"/>
+        </a:xfrm>
+      </p:grpSpPr>
+      <p:sp>
+        <p:nvSpPr>
+          <p:cNvPr id="2" name="제목 1">
+            <a:extLst>
+              <a:ext uri="{FF2B5EF4-FFF2-40B4-BE49-F238E27FC236}">
+                <a16:creationId xmlns:a16="http://schemas.microsoft.com/office/drawing/2014/main" id="{0BBD75FB-0799-4EB1-9AD7-C68E11797971}"/>
+              </a:ext>
+            </a:extLst>
+          </p:cNvPr>
+          <p:cNvSpPr>
+            <a:spLocks noGrp="1"/>
+          </p:cNvSpPr>
+          <p:nvPr>
+            <p:ph type="title"/>
+          </p:nvPr>
+        </p:nvSpPr>
+        <p:spPr/>
+        <p:txBody>
+          <a:bodyPr/>
+          <a:lstStyle/>
+          <a:p>
+            <a:endParaRPr lang="ko-KR" altLang="en-US" b="1" dirty="0"/>
+          </a:p>
+        </p:txBody>
+      </p:sp>
+      <p:sp>
+        <p:nvSpPr>
+          <p:cNvPr id="3" name="내용 개체 틀 2">
+            <a:extLst>
+              <a:ext uri="{FF2B5EF4-FFF2-40B4-BE49-F238E27FC236}">
+                <a16:creationId xmlns:a16="http://schemas.microsoft.com/office/drawing/2014/main" id="{E9D22F1E-049A-4FEB-AEF1-C90B1011EA69}"/>
+              </a:ext>
+            </a:extLst>
+          </p:cNvPr>
+          <p:cNvSpPr>
+            <a:spLocks noGrp="1"/>
+          </p:cNvSpPr>
+          <p:nvPr>
+            <p:ph idx="1"/>
+          </p:nvPr>
+        </p:nvSpPr>
+        <p:spPr/>
+        <p:txBody>
+          <a:bodyPr/>
+          <a:lstStyle/>
+          <a:p>
+            <a:endParaRPr lang="ko-KR" altLang="en-US"/>
+          </a:p>
+        </p:txBody>
+      </p:sp>
+      <p:cxnSp>
+        <p:nvCxnSpPr>
+          <p:cNvPr id="4" name="직선 연결선 3">
+            <a:extLst>
+              <a:ext uri="{FF2B5EF4-FFF2-40B4-BE49-F238E27FC236}">
+                <a16:creationId xmlns:a16="http://schemas.microsoft.com/office/drawing/2014/main" id="{EE01682E-4EC3-491F-A46B-0EACC9713D73}"/>
+              </a:ext>
+            </a:extLst>
+          </p:cNvPr>
+          <p:cNvCxnSpPr>
+            <a:cxnSpLocks/>
+          </p:cNvCxnSpPr>
+          <p:nvPr/>
+        </p:nvCxnSpPr>
+        <p:spPr>
+          <a:xfrm>
+            <a:off x="463463" y="1565753"/>
+            <a:ext cx="1402915" cy="0"/>
+          </a:xfrm>
+          <a:prstGeom prst="line">
+            <a:avLst/>
+          </a:prstGeom>
+          <a:ln w="57150">
+            <a:solidFill>
+              <a:srgbClr val="00B050"/>
+            </a:solidFill>
+          </a:ln>
+        </p:spPr>
+        <p:style>
+          <a:lnRef idx="1">
+            <a:schemeClr val="accent1"/>
+          </a:lnRef>
+          <a:fillRef idx="0">
+            <a:schemeClr val="accent1"/>
+          </a:fillRef>
+          <a:effectRef idx="0">
+            <a:schemeClr val="accent1"/>
+          </a:effectRef>
+          <a:fontRef idx="minor">
+            <a:schemeClr val="tx1"/>
+          </a:fontRef>
+        </p:style>
+      </p:cxnSp>
+      <p:cxnSp>
+        <p:nvCxnSpPr>
+          <p:cNvPr id="5" name="직선 연결선 4">
+            <a:extLst>
+              <a:ext uri="{FF2B5EF4-FFF2-40B4-BE49-F238E27FC236}">
+                <a16:creationId xmlns:a16="http://schemas.microsoft.com/office/drawing/2014/main" id="{ABC6680E-470B-45C4-B289-7A0EF67ED7E0}"/>
+              </a:ext>
+            </a:extLst>
+          </p:cNvPr>
+          <p:cNvCxnSpPr>
+            <a:cxnSpLocks/>
+          </p:cNvCxnSpPr>
+          <p:nvPr/>
+        </p:nvCxnSpPr>
+        <p:spPr>
+          <a:xfrm>
+            <a:off x="1866378" y="1565753"/>
+            <a:ext cx="1402915" cy="0"/>
+          </a:xfrm>
+          <a:prstGeom prst="line">
+            <a:avLst/>
+          </a:prstGeom>
+          <a:ln w="57150">
+            <a:solidFill>
+              <a:schemeClr val="accent2">
+                <a:lumMod val="75000"/>
+              </a:schemeClr>
+            </a:solidFill>
+          </a:ln>
+        </p:spPr>
+        <p:style>
+          <a:lnRef idx="1">
+            <a:schemeClr val="accent1"/>
+          </a:lnRef>
+          <a:fillRef idx="0">
+            <a:schemeClr val="accent1"/>
+          </a:fillRef>
+          <a:effectRef idx="0">
+            <a:schemeClr val="accent1"/>
+          </a:effectRef>
+          <a:fontRef idx="minor">
+            <a:schemeClr val="tx1"/>
+          </a:fontRef>
+        </p:style>
+      </p:cxnSp>
+      <p:cxnSp>
+        <p:nvCxnSpPr>
+          <p:cNvPr id="6" name="직선 연결선 5">
+            <a:extLst>
+              <a:ext uri="{FF2B5EF4-FFF2-40B4-BE49-F238E27FC236}">
+                <a16:creationId xmlns:a16="http://schemas.microsoft.com/office/drawing/2014/main" id="{3678CCF4-4AC3-4139-92E5-55722C3E7751}"/>
+              </a:ext>
+            </a:extLst>
+          </p:cNvPr>
+          <p:cNvCxnSpPr>
+            <a:cxnSpLocks/>
+          </p:cNvCxnSpPr>
+          <p:nvPr/>
+        </p:nvCxnSpPr>
+        <p:spPr>
+          <a:xfrm>
+            <a:off x="3269293" y="1565753"/>
+            <a:ext cx="1402915" cy="0"/>
+          </a:xfrm>
+          <a:prstGeom prst="line">
+            <a:avLst/>
+          </a:prstGeom>
+          <a:ln w="57150">
+            <a:solidFill>
+              <a:srgbClr val="FFC000"/>
+            </a:solidFill>
+          </a:ln>
+        </p:spPr>
+        <p:style>
+          <a:lnRef idx="1">
+            <a:schemeClr val="accent1"/>
+          </a:lnRef>
+          <a:fillRef idx="0">
+            <a:schemeClr val="accent1"/>
+          </a:fillRef>
+          <a:effectRef idx="0">
+            <a:schemeClr val="accent1"/>
+          </a:effectRef>
+          <a:fontRef idx="minor">
+            <a:schemeClr val="tx1"/>
+          </a:fontRef>
+        </p:style>
+      </p:cxnSp>
+      <p:cxnSp>
+        <p:nvCxnSpPr>
+          <p:cNvPr id="7" name="직선 연결선 6">
+            <a:extLst>
+              <a:ext uri="{FF2B5EF4-FFF2-40B4-BE49-F238E27FC236}">
+                <a16:creationId xmlns:a16="http://schemas.microsoft.com/office/drawing/2014/main" id="{9FF08141-38ED-4F86-86A9-757547A2479E}"/>
+              </a:ext>
+            </a:extLst>
+          </p:cNvPr>
+          <p:cNvCxnSpPr>
+            <a:cxnSpLocks/>
+          </p:cNvCxnSpPr>
+          <p:nvPr/>
+        </p:nvCxnSpPr>
+        <p:spPr>
+          <a:xfrm>
+            <a:off x="4672208" y="1565753"/>
+            <a:ext cx="1402915" cy="0"/>
+          </a:xfrm>
+          <a:prstGeom prst="line">
+            <a:avLst/>
+          </a:prstGeom>
+          <a:ln w="57150">
+            <a:solidFill>
+              <a:schemeClr val="accent4">
+                <a:lumMod val="75000"/>
+              </a:schemeClr>
+            </a:solidFill>
+          </a:ln>
+        </p:spPr>
+        <p:style>
+          <a:lnRef idx="1">
+            <a:schemeClr val="accent1"/>
+          </a:lnRef>
+          <a:fillRef idx="0">
+            <a:schemeClr val="accent1"/>
+          </a:fillRef>
+          <a:effectRef idx="0">
+            <a:schemeClr val="accent1"/>
+          </a:effectRef>
+          <a:fontRef idx="minor">
+            <a:schemeClr val="tx1"/>
+          </a:fontRef>
+        </p:style>
+      </p:cxnSp>
+      <p:cxnSp>
+        <p:nvCxnSpPr>
+          <p:cNvPr id="8" name="직선 연결선 7">
+            <a:extLst>
+              <a:ext uri="{FF2B5EF4-FFF2-40B4-BE49-F238E27FC236}">
+                <a16:creationId xmlns:a16="http://schemas.microsoft.com/office/drawing/2014/main" id="{62A6EC5E-008F-4227-A299-34A564C6B4DE}"/>
+              </a:ext>
+            </a:extLst>
+          </p:cNvPr>
+          <p:cNvCxnSpPr>
+            <a:cxnSpLocks/>
+          </p:cNvCxnSpPr>
+          <p:nvPr/>
+        </p:nvCxnSpPr>
+        <p:spPr>
+          <a:xfrm>
+            <a:off x="6075123" y="1565753"/>
+            <a:ext cx="1402915" cy="0"/>
+          </a:xfrm>
+          <a:prstGeom prst="line">
+            <a:avLst/>
+          </a:prstGeom>
+          <a:ln w="57150">
+            <a:solidFill>
+              <a:srgbClr val="FF0000"/>
+            </a:solidFill>
+          </a:ln>
+        </p:spPr>
+        <p:style>
+          <a:lnRef idx="1">
+            <a:schemeClr val="accent1"/>
+          </a:lnRef>
+          <a:fillRef idx="0">
+            <a:schemeClr val="accent1"/>
+          </a:fillRef>
+          <a:effectRef idx="0">
+            <a:schemeClr val="accent1"/>
+          </a:effectRef>
+          <a:fontRef idx="minor">
+            <a:schemeClr val="tx1"/>
+          </a:fontRef>
+        </p:style>
+      </p:cxnSp>
+      <p:cxnSp>
+        <p:nvCxnSpPr>
+          <p:cNvPr id="9" name="직선 연결선 8">
+            <a:extLst>
+              <a:ext uri="{FF2B5EF4-FFF2-40B4-BE49-F238E27FC236}">
+                <a16:creationId xmlns:a16="http://schemas.microsoft.com/office/drawing/2014/main" id="{73BE4EC4-D5AB-43B6-99B8-20CC507C817B}"/>
+              </a:ext>
+            </a:extLst>
+          </p:cNvPr>
+          <p:cNvCxnSpPr>
+            <a:cxnSpLocks/>
+          </p:cNvCxnSpPr>
+          <p:nvPr/>
+        </p:nvCxnSpPr>
+        <p:spPr>
+          <a:xfrm>
+            <a:off x="7478038" y="1565753"/>
+            <a:ext cx="1402915" cy="0"/>
+          </a:xfrm>
+          <a:prstGeom prst="line">
+            <a:avLst/>
+          </a:prstGeom>
+          <a:ln w="57150">
+            <a:solidFill>
+              <a:srgbClr val="92D050"/>
+            </a:solidFill>
+          </a:ln>
+        </p:spPr>
+        <p:style>
+          <a:lnRef idx="1">
+            <a:schemeClr val="accent1"/>
+          </a:lnRef>
+          <a:fillRef idx="0">
+            <a:schemeClr val="accent1"/>
+          </a:fillRef>
+          <a:effectRef idx="0">
+            <a:schemeClr val="accent1"/>
+          </a:effectRef>
+          <a:fontRef idx="minor">
+            <a:schemeClr val="tx1"/>
+          </a:fontRef>
+        </p:style>
+      </p:cxnSp>
+      <p:cxnSp>
+        <p:nvCxnSpPr>
+          <p:cNvPr id="10" name="직선 연결선 9">
+            <a:extLst>
+              <a:ext uri="{FF2B5EF4-FFF2-40B4-BE49-F238E27FC236}">
+                <a16:creationId xmlns:a16="http://schemas.microsoft.com/office/drawing/2014/main" id="{D23B7696-E162-4DC6-9E5C-29744AE86C94}"/>
+              </a:ext>
+            </a:extLst>
+          </p:cNvPr>
+          <p:cNvCxnSpPr>
+            <a:cxnSpLocks/>
+          </p:cNvCxnSpPr>
+          <p:nvPr/>
+        </p:nvCxnSpPr>
+        <p:spPr>
+          <a:xfrm>
+            <a:off x="8880953" y="1565753"/>
+            <a:ext cx="1402915" cy="0"/>
+          </a:xfrm>
+          <a:prstGeom prst="line">
+            <a:avLst/>
+          </a:prstGeom>
+          <a:ln w="57150">
+            <a:solidFill>
+              <a:schemeClr val="bg2">
+                <a:lumMod val="50000"/>
+              </a:schemeClr>
+            </a:solidFill>
+          </a:ln>
+        </p:spPr>
+        <p:style>
+          <a:lnRef idx="1">
+            <a:schemeClr val="accent1"/>
+          </a:lnRef>
+          <a:fillRef idx="0">
+            <a:schemeClr val="accent1"/>
+          </a:fillRef>
+          <a:effectRef idx="0">
+            <a:schemeClr val="accent1"/>
+          </a:effectRef>
+          <a:fontRef idx="minor">
+            <a:schemeClr val="tx1"/>
+          </a:fontRef>
+        </p:style>
+      </p:cxnSp>
+      <p:cxnSp>
+        <p:nvCxnSpPr>
+          <p:cNvPr id="11" name="직선 연결선 10">
+            <a:extLst>
+              <a:ext uri="{FF2B5EF4-FFF2-40B4-BE49-F238E27FC236}">
+                <a16:creationId xmlns:a16="http://schemas.microsoft.com/office/drawing/2014/main" id="{AD5A1D01-4DAC-4236-AC37-43914BEDECF3}"/>
+              </a:ext>
+            </a:extLst>
+          </p:cNvPr>
+          <p:cNvCxnSpPr>
+            <a:cxnSpLocks/>
+          </p:cNvCxnSpPr>
+          <p:nvPr/>
+        </p:nvCxnSpPr>
+        <p:spPr>
+          <a:xfrm>
+            <a:off x="10283868" y="1565753"/>
+            <a:ext cx="1402915" cy="0"/>
+          </a:xfrm>
+          <a:prstGeom prst="line">
+            <a:avLst/>
+          </a:prstGeom>
+          <a:ln w="57150">
+            <a:solidFill>
+              <a:schemeClr val="bg1">
+                <a:lumMod val="85000"/>
+              </a:schemeClr>
+            </a:solidFill>
+          </a:ln>
+        </p:spPr>
+        <p:style>
+          <a:lnRef idx="1">
+            <a:schemeClr val="accent1"/>
+          </a:lnRef>
+          <a:fillRef idx="0">
+            <a:schemeClr val="accent1"/>
+          </a:fillRef>
+          <a:effectRef idx="0">
+            <a:schemeClr val="accent1"/>
+          </a:effectRef>
+          <a:fontRef idx="minor">
+            <a:schemeClr val="tx1"/>
+          </a:fontRef>
+        </p:style>
+      </p:cxnSp>
+    </p:spTree>
+    <p:extLst>
+      <p:ext uri="{BB962C8B-B14F-4D97-AF65-F5344CB8AC3E}">
+        <p14:creationId xmlns:p14="http://schemas.microsoft.com/office/powerpoint/2010/main" val="2818670221"/>
+      </p:ext>
+    </p:extLst>
+  </p:cSld>
+  <p:clrMapOvr>
+    <a:masterClrMapping/>
+  </p:clrMapOvr>
+</p:sld>
+</file>
+
+<file path=ppt/slides/slide23.xml><?xml version="1.0" encoding="utf-8"?>
+<p:sld xmlns:a="http://schemas.openxmlformats.org/drawingml/2006/main" xmlns:r="http://schemas.openxmlformats.org/officeDocument/2006/relationships" xmlns:p="http://schemas.openxmlformats.org/presentationml/2006/main">
+  <p:cSld>
+    <p:spTree>
+      <p:nvGrpSpPr>
+        <p:cNvPr id="1" name=""/>
+        <p:cNvGrpSpPr/>
+        <p:nvPr/>
+      </p:nvGrpSpPr>
+      <p:grpSpPr>
+        <a:xfrm>
+          <a:off x="0" y="0"/>
+          <a:ext cx="0" cy="0"/>
+          <a:chOff x="0" y="0"/>
+          <a:chExt cx="0" cy="0"/>
+        </a:xfrm>
+      </p:grpSpPr>
+      <p:sp>
+        <p:nvSpPr>
+          <p:cNvPr id="2" name="제목 1">
+            <a:extLst>
+              <a:ext uri="{FF2B5EF4-FFF2-40B4-BE49-F238E27FC236}">
+                <a16:creationId xmlns:a16="http://schemas.microsoft.com/office/drawing/2014/main" id="{0BBD75FB-0799-4EB1-9AD7-C68E11797971}"/>
+              </a:ext>
+            </a:extLst>
+          </p:cNvPr>
+          <p:cNvSpPr>
+            <a:spLocks noGrp="1"/>
+          </p:cNvSpPr>
+          <p:nvPr>
+            <p:ph type="title"/>
+          </p:nvPr>
+        </p:nvSpPr>
+        <p:spPr/>
+        <p:txBody>
+          <a:bodyPr/>
+          <a:lstStyle/>
+          <a:p>
+            <a:endParaRPr lang="ko-KR" altLang="en-US" b="1" dirty="0"/>
+          </a:p>
+        </p:txBody>
+      </p:sp>
+      <p:sp>
+        <p:nvSpPr>
+          <p:cNvPr id="3" name="내용 개체 틀 2">
+            <a:extLst>
+              <a:ext uri="{FF2B5EF4-FFF2-40B4-BE49-F238E27FC236}">
+                <a16:creationId xmlns:a16="http://schemas.microsoft.com/office/drawing/2014/main" id="{E9D22F1E-049A-4FEB-AEF1-C90B1011EA69}"/>
+              </a:ext>
+            </a:extLst>
+          </p:cNvPr>
+          <p:cNvSpPr>
+            <a:spLocks noGrp="1"/>
+          </p:cNvSpPr>
+          <p:nvPr>
+            <p:ph idx="1"/>
+          </p:nvPr>
+        </p:nvSpPr>
+        <p:spPr/>
+        <p:txBody>
+          <a:bodyPr/>
+          <a:lstStyle/>
+          <a:p>
+            <a:endParaRPr lang="ko-KR" altLang="en-US"/>
+          </a:p>
+        </p:txBody>
+      </p:sp>
+      <p:cxnSp>
+        <p:nvCxnSpPr>
+          <p:cNvPr id="4" name="직선 연결선 3">
+            <a:extLst>
+              <a:ext uri="{FF2B5EF4-FFF2-40B4-BE49-F238E27FC236}">
+                <a16:creationId xmlns:a16="http://schemas.microsoft.com/office/drawing/2014/main" id="{EE01682E-4EC3-491F-A46B-0EACC9713D73}"/>
+              </a:ext>
+            </a:extLst>
+          </p:cNvPr>
+          <p:cNvCxnSpPr>
+            <a:cxnSpLocks/>
+          </p:cNvCxnSpPr>
+          <p:nvPr/>
+        </p:nvCxnSpPr>
+        <p:spPr>
+          <a:xfrm>
+            <a:off x="463463" y="1565753"/>
+            <a:ext cx="1402915" cy="0"/>
+          </a:xfrm>
+          <a:prstGeom prst="line">
+            <a:avLst/>
+          </a:prstGeom>
+          <a:ln w="57150">
+            <a:solidFill>
+              <a:srgbClr val="00B050"/>
+            </a:solidFill>
+          </a:ln>
+        </p:spPr>
+        <p:style>
+          <a:lnRef idx="1">
+            <a:schemeClr val="accent1"/>
+          </a:lnRef>
+          <a:fillRef idx="0">
+            <a:schemeClr val="accent1"/>
+          </a:fillRef>
+          <a:effectRef idx="0">
+            <a:schemeClr val="accent1"/>
+          </a:effectRef>
+          <a:fontRef idx="minor">
+            <a:schemeClr val="tx1"/>
+          </a:fontRef>
+        </p:style>
+      </p:cxnSp>
+      <p:cxnSp>
+        <p:nvCxnSpPr>
+          <p:cNvPr id="5" name="직선 연결선 4">
+            <a:extLst>
+              <a:ext uri="{FF2B5EF4-FFF2-40B4-BE49-F238E27FC236}">
+                <a16:creationId xmlns:a16="http://schemas.microsoft.com/office/drawing/2014/main" id="{ABC6680E-470B-45C4-B289-7A0EF67ED7E0}"/>
+              </a:ext>
+            </a:extLst>
+          </p:cNvPr>
+          <p:cNvCxnSpPr>
+            <a:cxnSpLocks/>
+          </p:cNvCxnSpPr>
+          <p:nvPr/>
+        </p:nvCxnSpPr>
+        <p:spPr>
+          <a:xfrm>
+            <a:off x="1866378" y="1565753"/>
+            <a:ext cx="1402915" cy="0"/>
+          </a:xfrm>
+          <a:prstGeom prst="line">
+            <a:avLst/>
+          </a:prstGeom>
+          <a:ln w="57150">
+            <a:solidFill>
+              <a:schemeClr val="accent2">
+                <a:lumMod val="75000"/>
+              </a:schemeClr>
+            </a:solidFill>
+          </a:ln>
+        </p:spPr>
+        <p:style>
+          <a:lnRef idx="1">
+            <a:schemeClr val="accent1"/>
+          </a:lnRef>
+          <a:fillRef idx="0">
+            <a:schemeClr val="accent1"/>
+          </a:fillRef>
+          <a:effectRef idx="0">
+            <a:schemeClr val="accent1"/>
+          </a:effectRef>
+          <a:fontRef idx="minor">
+            <a:schemeClr val="tx1"/>
+          </a:fontRef>
+        </p:style>
+      </p:cxnSp>
+      <p:cxnSp>
+        <p:nvCxnSpPr>
+          <p:cNvPr id="6" name="직선 연결선 5">
+            <a:extLst>
+              <a:ext uri="{FF2B5EF4-FFF2-40B4-BE49-F238E27FC236}">
+                <a16:creationId xmlns:a16="http://schemas.microsoft.com/office/drawing/2014/main" id="{3678CCF4-4AC3-4139-92E5-55722C3E7751}"/>
+              </a:ext>
+            </a:extLst>
+          </p:cNvPr>
+          <p:cNvCxnSpPr>
+            <a:cxnSpLocks/>
+          </p:cNvCxnSpPr>
+          <p:nvPr/>
+        </p:nvCxnSpPr>
+        <p:spPr>
+          <a:xfrm>
+            <a:off x="3269293" y="1565753"/>
+            <a:ext cx="1402915" cy="0"/>
+          </a:xfrm>
+          <a:prstGeom prst="line">
+            <a:avLst/>
+          </a:prstGeom>
+          <a:ln w="57150">
+            <a:solidFill>
+              <a:srgbClr val="FFC000"/>
+            </a:solidFill>
+          </a:ln>
+        </p:spPr>
+        <p:style>
+          <a:lnRef idx="1">
+            <a:schemeClr val="accent1"/>
+          </a:lnRef>
+          <a:fillRef idx="0">
+            <a:schemeClr val="accent1"/>
+          </a:fillRef>
+          <a:effectRef idx="0">
+            <a:schemeClr val="accent1"/>
+          </a:effectRef>
+          <a:fontRef idx="minor">
+            <a:schemeClr val="tx1"/>
+          </a:fontRef>
+        </p:style>
+      </p:cxnSp>
+      <p:cxnSp>
+        <p:nvCxnSpPr>
+          <p:cNvPr id="7" name="직선 연결선 6">
+            <a:extLst>
+              <a:ext uri="{FF2B5EF4-FFF2-40B4-BE49-F238E27FC236}">
+                <a16:creationId xmlns:a16="http://schemas.microsoft.com/office/drawing/2014/main" id="{9FF08141-38ED-4F86-86A9-757547A2479E}"/>
+              </a:ext>
+            </a:extLst>
+          </p:cNvPr>
+          <p:cNvCxnSpPr>
+            <a:cxnSpLocks/>
+          </p:cNvCxnSpPr>
+          <p:nvPr/>
+        </p:nvCxnSpPr>
+        <p:spPr>
+          <a:xfrm>
+            <a:off x="4672208" y="1565753"/>
+            <a:ext cx="1402915" cy="0"/>
+          </a:xfrm>
+          <a:prstGeom prst="line">
+            <a:avLst/>
+          </a:prstGeom>
+          <a:ln w="57150">
+            <a:solidFill>
+              <a:schemeClr val="accent4">
+                <a:lumMod val="75000"/>
+              </a:schemeClr>
+            </a:solidFill>
+          </a:ln>
+        </p:spPr>
+        <p:style>
+          <a:lnRef idx="1">
+            <a:schemeClr val="accent1"/>
+          </a:lnRef>
+          <a:fillRef idx="0">
+            <a:schemeClr val="accent1"/>
+          </a:fillRef>
+          <a:effectRef idx="0">
+            <a:schemeClr val="accent1"/>
+          </a:effectRef>
+          <a:fontRef idx="minor">
+            <a:schemeClr val="tx1"/>
+          </a:fontRef>
+        </p:style>
+      </p:cxnSp>
+      <p:cxnSp>
+        <p:nvCxnSpPr>
+          <p:cNvPr id="8" name="직선 연결선 7">
+            <a:extLst>
+              <a:ext uri="{FF2B5EF4-FFF2-40B4-BE49-F238E27FC236}">
+                <a16:creationId xmlns:a16="http://schemas.microsoft.com/office/drawing/2014/main" id="{62A6EC5E-008F-4227-A299-34A564C6B4DE}"/>
+              </a:ext>
+            </a:extLst>
+          </p:cNvPr>
+          <p:cNvCxnSpPr>
+            <a:cxnSpLocks/>
+          </p:cNvCxnSpPr>
+          <p:nvPr/>
+        </p:nvCxnSpPr>
+        <p:spPr>
+          <a:xfrm>
+            <a:off x="6075123" y="1565753"/>
+            <a:ext cx="1402915" cy="0"/>
+          </a:xfrm>
+          <a:prstGeom prst="line">
+            <a:avLst/>
+          </a:prstGeom>
+          <a:ln w="57150">
+            <a:solidFill>
+              <a:srgbClr val="FF0000"/>
+            </a:solidFill>
+          </a:ln>
+        </p:spPr>
+        <p:style>
+          <a:lnRef idx="1">
+            <a:schemeClr val="accent1"/>
+          </a:lnRef>
+          <a:fillRef idx="0">
+            <a:schemeClr val="accent1"/>
+          </a:fillRef>
+          <a:effectRef idx="0">
+            <a:schemeClr val="accent1"/>
+          </a:effectRef>
+          <a:fontRef idx="minor">
+            <a:schemeClr val="tx1"/>
+          </a:fontRef>
+        </p:style>
+      </p:cxnSp>
+      <p:cxnSp>
+        <p:nvCxnSpPr>
+          <p:cNvPr id="9" name="직선 연결선 8">
+            <a:extLst>
+              <a:ext uri="{FF2B5EF4-FFF2-40B4-BE49-F238E27FC236}">
+                <a16:creationId xmlns:a16="http://schemas.microsoft.com/office/drawing/2014/main" id="{73BE4EC4-D5AB-43B6-99B8-20CC507C817B}"/>
+              </a:ext>
+            </a:extLst>
+          </p:cNvPr>
+          <p:cNvCxnSpPr>
+            <a:cxnSpLocks/>
+          </p:cNvCxnSpPr>
+          <p:nvPr/>
+        </p:nvCxnSpPr>
+        <p:spPr>
+          <a:xfrm>
+            <a:off x="7478038" y="1565753"/>
+            <a:ext cx="1402915" cy="0"/>
+          </a:xfrm>
+          <a:prstGeom prst="line">
+            <a:avLst/>
+          </a:prstGeom>
+          <a:ln w="57150">
+            <a:solidFill>
+              <a:srgbClr val="92D050"/>
+            </a:solidFill>
+          </a:ln>
+        </p:spPr>
+        <p:style>
+          <a:lnRef idx="1">
+            <a:schemeClr val="accent1"/>
+          </a:lnRef>
+          <a:fillRef idx="0">
+            <a:schemeClr val="accent1"/>
+          </a:fillRef>
+          <a:effectRef idx="0">
+            <a:schemeClr val="accent1"/>
+          </a:effectRef>
+          <a:fontRef idx="minor">
+            <a:schemeClr val="tx1"/>
+          </a:fontRef>
+        </p:style>
+      </p:cxnSp>
+      <p:cxnSp>
+        <p:nvCxnSpPr>
+          <p:cNvPr id="10" name="직선 연결선 9">
+            <a:extLst>
+              <a:ext uri="{FF2B5EF4-FFF2-40B4-BE49-F238E27FC236}">
+                <a16:creationId xmlns:a16="http://schemas.microsoft.com/office/drawing/2014/main" id="{D23B7696-E162-4DC6-9E5C-29744AE86C94}"/>
+              </a:ext>
+            </a:extLst>
+          </p:cNvPr>
+          <p:cNvCxnSpPr>
+            <a:cxnSpLocks/>
+          </p:cNvCxnSpPr>
+          <p:nvPr/>
+        </p:nvCxnSpPr>
+        <p:spPr>
+          <a:xfrm>
+            <a:off x="8880953" y="1565753"/>
+            <a:ext cx="1402915" cy="0"/>
+          </a:xfrm>
+          <a:prstGeom prst="line">
+            <a:avLst/>
+          </a:prstGeom>
+          <a:ln w="57150">
+            <a:solidFill>
+              <a:schemeClr val="bg2">
+                <a:lumMod val="50000"/>
+              </a:schemeClr>
+            </a:solidFill>
+          </a:ln>
+        </p:spPr>
+        <p:style>
+          <a:lnRef idx="1">
+            <a:schemeClr val="accent1"/>
+          </a:lnRef>
+          <a:fillRef idx="0">
+            <a:schemeClr val="accent1"/>
+          </a:fillRef>
+          <a:effectRef idx="0">
+            <a:schemeClr val="accent1"/>
+          </a:effectRef>
+          <a:fontRef idx="minor">
+            <a:schemeClr val="tx1"/>
+          </a:fontRef>
+        </p:style>
+      </p:cxnSp>
+      <p:cxnSp>
+        <p:nvCxnSpPr>
+          <p:cNvPr id="11" name="직선 연결선 10">
+            <a:extLst>
+              <a:ext uri="{FF2B5EF4-FFF2-40B4-BE49-F238E27FC236}">
+                <a16:creationId xmlns:a16="http://schemas.microsoft.com/office/drawing/2014/main" id="{AD5A1D01-4DAC-4236-AC37-43914BEDECF3}"/>
+              </a:ext>
+            </a:extLst>
+          </p:cNvPr>
+          <p:cNvCxnSpPr>
+            <a:cxnSpLocks/>
+          </p:cNvCxnSpPr>
+          <p:nvPr/>
+        </p:nvCxnSpPr>
+        <p:spPr>
+          <a:xfrm>
+            <a:off x="10283868" y="1565753"/>
+            <a:ext cx="1402915" cy="0"/>
+          </a:xfrm>
+          <a:prstGeom prst="line">
+            <a:avLst/>
+          </a:prstGeom>
+          <a:ln w="57150">
+            <a:solidFill>
+              <a:schemeClr val="bg1">
+                <a:lumMod val="85000"/>
+              </a:schemeClr>
+            </a:solidFill>
+          </a:ln>
+        </p:spPr>
+        <p:style>
+          <a:lnRef idx="1">
+            <a:schemeClr val="accent1"/>
+          </a:lnRef>
+          <a:fillRef idx="0">
+            <a:schemeClr val="accent1"/>
+          </a:fillRef>
+          <a:effectRef idx="0">
+            <a:schemeClr val="accent1"/>
+          </a:effectRef>
+          <a:fontRef idx="minor">
+            <a:schemeClr val="tx1"/>
+          </a:fontRef>
+        </p:style>
+      </p:cxnSp>
+    </p:spTree>
+    <p:extLst>
+      <p:ext uri="{BB962C8B-B14F-4D97-AF65-F5344CB8AC3E}">
+        <p14:creationId xmlns:p14="http://schemas.microsoft.com/office/powerpoint/2010/main" val="2626788151"/>
+      </p:ext>
+    </p:extLst>
+  </p:cSld>
+  <p:clrMapOvr>
+    <a:masterClrMapping/>
+  </p:clrMapOvr>
+</p:sld>
+</file>
+
+<file path=ppt/slides/slide24.xml><?xml version="1.0" encoding="utf-8"?>
+<p:sld xmlns:a="http://schemas.openxmlformats.org/drawingml/2006/main" xmlns:r="http://schemas.openxmlformats.org/officeDocument/2006/relationships" xmlns:p="http://schemas.openxmlformats.org/presentationml/2006/main">
+  <p:cSld>
+    <p:spTree>
+      <p:nvGrpSpPr>
+        <p:cNvPr id="1" name=""/>
+        <p:cNvGrpSpPr/>
+        <p:nvPr/>
+      </p:nvGrpSpPr>
+      <p:grpSpPr>
+        <a:xfrm>
+          <a:off x="0" y="0"/>
+          <a:ext cx="0" cy="0"/>
+          <a:chOff x="0" y="0"/>
+          <a:chExt cx="0" cy="0"/>
+        </a:xfrm>
+      </p:grpSpPr>
+      <p:sp>
+        <p:nvSpPr>
+          <p:cNvPr id="2" name="제목 1">
+            <a:extLst>
+              <a:ext uri="{FF2B5EF4-FFF2-40B4-BE49-F238E27FC236}">
+                <a16:creationId xmlns:a16="http://schemas.microsoft.com/office/drawing/2014/main" id="{0BBD75FB-0799-4EB1-9AD7-C68E11797971}"/>
+              </a:ext>
+            </a:extLst>
+          </p:cNvPr>
+          <p:cNvSpPr>
+            <a:spLocks noGrp="1"/>
+          </p:cNvSpPr>
+          <p:nvPr>
+            <p:ph type="title"/>
+          </p:nvPr>
+        </p:nvSpPr>
+        <p:spPr/>
+        <p:txBody>
+          <a:bodyPr/>
+          <a:lstStyle/>
+          <a:p>
+            <a:endParaRPr lang="ko-KR" altLang="en-US" b="1" dirty="0"/>
+          </a:p>
+        </p:txBody>
+      </p:sp>
+      <p:sp>
+        <p:nvSpPr>
+          <p:cNvPr id="3" name="내용 개체 틀 2">
+            <a:extLst>
+              <a:ext uri="{FF2B5EF4-FFF2-40B4-BE49-F238E27FC236}">
+                <a16:creationId xmlns:a16="http://schemas.microsoft.com/office/drawing/2014/main" id="{E9D22F1E-049A-4FEB-AEF1-C90B1011EA69}"/>
+              </a:ext>
+            </a:extLst>
+          </p:cNvPr>
+          <p:cNvSpPr>
+            <a:spLocks noGrp="1"/>
+          </p:cNvSpPr>
+          <p:nvPr>
+            <p:ph idx="1"/>
+          </p:nvPr>
+        </p:nvSpPr>
+        <p:spPr/>
+        <p:txBody>
+          <a:bodyPr/>
+          <a:lstStyle/>
+          <a:p>
+            <a:endParaRPr lang="ko-KR" altLang="en-US"/>
+          </a:p>
+        </p:txBody>
+      </p:sp>
+      <p:cxnSp>
+        <p:nvCxnSpPr>
+          <p:cNvPr id="4" name="직선 연결선 3">
+            <a:extLst>
+              <a:ext uri="{FF2B5EF4-FFF2-40B4-BE49-F238E27FC236}">
+                <a16:creationId xmlns:a16="http://schemas.microsoft.com/office/drawing/2014/main" id="{EE01682E-4EC3-491F-A46B-0EACC9713D73}"/>
+              </a:ext>
+            </a:extLst>
+          </p:cNvPr>
+          <p:cNvCxnSpPr>
+            <a:cxnSpLocks/>
+          </p:cNvCxnSpPr>
+          <p:nvPr/>
+        </p:nvCxnSpPr>
+        <p:spPr>
+          <a:xfrm>
+            <a:off x="463463" y="1565753"/>
+            <a:ext cx="1402915" cy="0"/>
+          </a:xfrm>
+          <a:prstGeom prst="line">
+            <a:avLst/>
+          </a:prstGeom>
+          <a:ln w="57150">
+            <a:solidFill>
+              <a:srgbClr val="00B050"/>
+            </a:solidFill>
+          </a:ln>
+        </p:spPr>
+        <p:style>
+          <a:lnRef idx="1">
+            <a:schemeClr val="accent1"/>
+          </a:lnRef>
+          <a:fillRef idx="0">
+            <a:schemeClr val="accent1"/>
+          </a:fillRef>
+          <a:effectRef idx="0">
+            <a:schemeClr val="accent1"/>
+          </a:effectRef>
+          <a:fontRef idx="minor">
+            <a:schemeClr val="tx1"/>
+          </a:fontRef>
+        </p:style>
+      </p:cxnSp>
+      <p:cxnSp>
+        <p:nvCxnSpPr>
+          <p:cNvPr id="5" name="직선 연결선 4">
+            <a:extLst>
+              <a:ext uri="{FF2B5EF4-FFF2-40B4-BE49-F238E27FC236}">
+                <a16:creationId xmlns:a16="http://schemas.microsoft.com/office/drawing/2014/main" id="{ABC6680E-470B-45C4-B289-7A0EF67ED7E0}"/>
+              </a:ext>
+            </a:extLst>
+          </p:cNvPr>
+          <p:cNvCxnSpPr>
+            <a:cxnSpLocks/>
+          </p:cNvCxnSpPr>
+          <p:nvPr/>
+        </p:nvCxnSpPr>
+        <p:spPr>
+          <a:xfrm>
+            <a:off x="1866378" y="1565753"/>
+            <a:ext cx="1402915" cy="0"/>
+          </a:xfrm>
+          <a:prstGeom prst="line">
+            <a:avLst/>
+          </a:prstGeom>
+          <a:ln w="57150">
+            <a:solidFill>
+              <a:schemeClr val="accent2">
+                <a:lumMod val="75000"/>
+              </a:schemeClr>
+            </a:solidFill>
+          </a:ln>
+        </p:spPr>
+        <p:style>
+          <a:lnRef idx="1">
+            <a:schemeClr val="accent1"/>
+          </a:lnRef>
+          <a:fillRef idx="0">
+            <a:schemeClr val="accent1"/>
+          </a:fillRef>
+          <a:effectRef idx="0">
+            <a:schemeClr val="accent1"/>
+          </a:effectRef>
+          <a:fontRef idx="minor">
+            <a:schemeClr val="tx1"/>
+          </a:fontRef>
+        </p:style>
+      </p:cxnSp>
+      <p:cxnSp>
+        <p:nvCxnSpPr>
+          <p:cNvPr id="6" name="직선 연결선 5">
+            <a:extLst>
+              <a:ext uri="{FF2B5EF4-FFF2-40B4-BE49-F238E27FC236}">
+                <a16:creationId xmlns:a16="http://schemas.microsoft.com/office/drawing/2014/main" id="{3678CCF4-4AC3-4139-92E5-55722C3E7751}"/>
+              </a:ext>
+            </a:extLst>
+          </p:cNvPr>
+          <p:cNvCxnSpPr>
+            <a:cxnSpLocks/>
+          </p:cNvCxnSpPr>
+          <p:nvPr/>
+        </p:nvCxnSpPr>
+        <p:spPr>
+          <a:xfrm>
+            <a:off x="3269293" y="1565753"/>
+            <a:ext cx="1402915" cy="0"/>
+          </a:xfrm>
+          <a:prstGeom prst="line">
+            <a:avLst/>
+          </a:prstGeom>
+          <a:ln w="57150">
+            <a:solidFill>
+              <a:srgbClr val="FFC000"/>
+            </a:solidFill>
+          </a:ln>
+        </p:spPr>
+        <p:style>
+          <a:lnRef idx="1">
+            <a:schemeClr val="accent1"/>
+          </a:lnRef>
+          <a:fillRef idx="0">
+            <a:schemeClr val="accent1"/>
+          </a:fillRef>
+          <a:effectRef idx="0">
+            <a:schemeClr val="accent1"/>
+          </a:effectRef>
+          <a:fontRef idx="minor">
+            <a:schemeClr val="tx1"/>
+          </a:fontRef>
+        </p:style>
+      </p:cxnSp>
+      <p:cxnSp>
+        <p:nvCxnSpPr>
+          <p:cNvPr id="7" name="직선 연결선 6">
+            <a:extLst>
+              <a:ext uri="{FF2B5EF4-FFF2-40B4-BE49-F238E27FC236}">
+                <a16:creationId xmlns:a16="http://schemas.microsoft.com/office/drawing/2014/main" id="{9FF08141-38ED-4F86-86A9-757547A2479E}"/>
+              </a:ext>
+            </a:extLst>
+          </p:cNvPr>
+          <p:cNvCxnSpPr>
+            <a:cxnSpLocks/>
+          </p:cNvCxnSpPr>
+          <p:nvPr/>
+        </p:nvCxnSpPr>
+        <p:spPr>
+          <a:xfrm>
+            <a:off x="4672208" y="1565753"/>
+            <a:ext cx="1402915" cy="0"/>
+          </a:xfrm>
+          <a:prstGeom prst="line">
+            <a:avLst/>
+          </a:prstGeom>
+          <a:ln w="57150">
+            <a:solidFill>
+              <a:schemeClr val="accent4">
+                <a:lumMod val="75000"/>
+              </a:schemeClr>
+            </a:solidFill>
+          </a:ln>
+        </p:spPr>
+        <p:style>
+          <a:lnRef idx="1">
+            <a:schemeClr val="accent1"/>
+          </a:lnRef>
+          <a:fillRef idx="0">
+            <a:schemeClr val="accent1"/>
+          </a:fillRef>
+          <a:effectRef idx="0">
+            <a:schemeClr val="accent1"/>
+          </a:effectRef>
+          <a:fontRef idx="minor">
+            <a:schemeClr val="tx1"/>
+          </a:fontRef>
+        </p:style>
+      </p:cxnSp>
+      <p:cxnSp>
+        <p:nvCxnSpPr>
+          <p:cNvPr id="8" name="직선 연결선 7">
+            <a:extLst>
+              <a:ext uri="{FF2B5EF4-FFF2-40B4-BE49-F238E27FC236}">
+                <a16:creationId xmlns:a16="http://schemas.microsoft.com/office/drawing/2014/main" id="{62A6EC5E-008F-4227-A299-34A564C6B4DE}"/>
+              </a:ext>
+            </a:extLst>
+          </p:cNvPr>
+          <p:cNvCxnSpPr>
+            <a:cxnSpLocks/>
+          </p:cNvCxnSpPr>
+          <p:nvPr/>
+        </p:nvCxnSpPr>
+        <p:spPr>
+          <a:xfrm>
+            <a:off x="6075123" y="1565753"/>
+            <a:ext cx="1402915" cy="0"/>
+          </a:xfrm>
+          <a:prstGeom prst="line">
+            <a:avLst/>
+          </a:prstGeom>
+          <a:ln w="57150">
+            <a:solidFill>
+              <a:srgbClr val="FF0000"/>
+            </a:solidFill>
+          </a:ln>
+        </p:spPr>
+        <p:style>
+          <a:lnRef idx="1">
+            <a:schemeClr val="accent1"/>
+          </a:lnRef>
+          <a:fillRef idx="0">
+            <a:schemeClr val="accent1"/>
+          </a:fillRef>
+          <a:effectRef idx="0">
+            <a:schemeClr val="accent1"/>
+          </a:effectRef>
+          <a:fontRef idx="minor">
+            <a:schemeClr val="tx1"/>
+          </a:fontRef>
+        </p:style>
+      </p:cxnSp>
+      <p:cxnSp>
+        <p:nvCxnSpPr>
+          <p:cNvPr id="9" name="직선 연결선 8">
+            <a:extLst>
+              <a:ext uri="{FF2B5EF4-FFF2-40B4-BE49-F238E27FC236}">
+                <a16:creationId xmlns:a16="http://schemas.microsoft.com/office/drawing/2014/main" id="{73BE4EC4-D5AB-43B6-99B8-20CC507C817B}"/>
+              </a:ext>
+            </a:extLst>
+          </p:cNvPr>
+          <p:cNvCxnSpPr>
+            <a:cxnSpLocks/>
+          </p:cNvCxnSpPr>
+          <p:nvPr/>
+        </p:nvCxnSpPr>
+        <p:spPr>
+          <a:xfrm>
+            <a:off x="7478038" y="1565753"/>
+            <a:ext cx="1402915" cy="0"/>
+          </a:xfrm>
+          <a:prstGeom prst="line">
+            <a:avLst/>
+          </a:prstGeom>
+          <a:ln w="57150">
+            <a:solidFill>
+              <a:srgbClr val="92D050"/>
+            </a:solidFill>
+          </a:ln>
+        </p:spPr>
+        <p:style>
+          <a:lnRef idx="1">
+            <a:schemeClr val="accent1"/>
+          </a:lnRef>
+          <a:fillRef idx="0">
+            <a:schemeClr val="accent1"/>
+          </a:fillRef>
+          <a:effectRef idx="0">
+            <a:schemeClr val="accent1"/>
+          </a:effectRef>
+          <a:fontRef idx="minor">
+            <a:schemeClr val="tx1"/>
+          </a:fontRef>
+        </p:style>
+      </p:cxnSp>
+      <p:cxnSp>
+        <p:nvCxnSpPr>
+          <p:cNvPr id="10" name="직선 연결선 9">
+            <a:extLst>
+              <a:ext uri="{FF2B5EF4-FFF2-40B4-BE49-F238E27FC236}">
+                <a16:creationId xmlns:a16="http://schemas.microsoft.com/office/drawing/2014/main" id="{D23B7696-E162-4DC6-9E5C-29744AE86C94}"/>
+              </a:ext>
+            </a:extLst>
+          </p:cNvPr>
+          <p:cNvCxnSpPr>
+            <a:cxnSpLocks/>
+          </p:cNvCxnSpPr>
+          <p:nvPr/>
+        </p:nvCxnSpPr>
+        <p:spPr>
+          <a:xfrm>
+            <a:off x="8880953" y="1565753"/>
+            <a:ext cx="1402915" cy="0"/>
+          </a:xfrm>
+          <a:prstGeom prst="line">
+            <a:avLst/>
+          </a:prstGeom>
+          <a:ln w="57150">
+            <a:solidFill>
+              <a:schemeClr val="bg2">
+                <a:lumMod val="50000"/>
+              </a:schemeClr>
+            </a:solidFill>
+          </a:ln>
+        </p:spPr>
+        <p:style>
+          <a:lnRef idx="1">
+            <a:schemeClr val="accent1"/>
+          </a:lnRef>
+          <a:fillRef idx="0">
+            <a:schemeClr val="accent1"/>
+          </a:fillRef>
+          <a:effectRef idx="0">
+            <a:schemeClr val="accent1"/>
+          </a:effectRef>
+          <a:fontRef idx="minor">
+            <a:schemeClr val="tx1"/>
+          </a:fontRef>
+        </p:style>
+      </p:cxnSp>
+      <p:cxnSp>
+        <p:nvCxnSpPr>
+          <p:cNvPr id="11" name="직선 연결선 10">
+            <a:extLst>
+              <a:ext uri="{FF2B5EF4-FFF2-40B4-BE49-F238E27FC236}">
+                <a16:creationId xmlns:a16="http://schemas.microsoft.com/office/drawing/2014/main" id="{AD5A1D01-4DAC-4236-AC37-43914BEDECF3}"/>
+              </a:ext>
+            </a:extLst>
+          </p:cNvPr>
+          <p:cNvCxnSpPr>
+            <a:cxnSpLocks/>
+          </p:cNvCxnSpPr>
+          <p:nvPr/>
+        </p:nvCxnSpPr>
+        <p:spPr>
+          <a:xfrm>
+            <a:off x="10283868" y="1565753"/>
+            <a:ext cx="1402915" cy="0"/>
+          </a:xfrm>
+          <a:prstGeom prst="line">
+            <a:avLst/>
+          </a:prstGeom>
+          <a:ln w="57150">
+            <a:solidFill>
+              <a:schemeClr val="bg1">
+                <a:lumMod val="85000"/>
+              </a:schemeClr>
+            </a:solidFill>
+          </a:ln>
+        </p:spPr>
+        <p:style>
+          <a:lnRef idx="1">
+            <a:schemeClr val="accent1"/>
+          </a:lnRef>
+          <a:fillRef idx="0">
+            <a:schemeClr val="accent1"/>
+          </a:fillRef>
+          <a:effectRef idx="0">
+            <a:schemeClr val="accent1"/>
+          </a:effectRef>
+          <a:fontRef idx="minor">
+            <a:schemeClr val="tx1"/>
+          </a:fontRef>
+        </p:style>
+      </p:cxnSp>
+    </p:spTree>
+    <p:extLst>
+      <p:ext uri="{BB962C8B-B14F-4D97-AF65-F5344CB8AC3E}">
+        <p14:creationId xmlns:p14="http://schemas.microsoft.com/office/powerpoint/2010/main" val="1232133334"/>
+      </p:ext>
+    </p:extLst>
+  </p:cSld>
+  <p:clrMapOvr>
+    <a:masterClrMapping/>
+  </p:clrMapOvr>
+</p:sld>
+</file>
+
+<file path=ppt/slides/slide25.xml><?xml version="1.0" encoding="utf-8"?>
+<p:sld xmlns:a="http://schemas.openxmlformats.org/drawingml/2006/main" xmlns:r="http://schemas.openxmlformats.org/officeDocument/2006/relationships" xmlns:p="http://schemas.openxmlformats.org/presentationml/2006/main">
+  <p:cSld>
+    <p:spTree>
+      <p:nvGrpSpPr>
+        <p:cNvPr id="1" name=""/>
+        <p:cNvGrpSpPr/>
+        <p:nvPr/>
+      </p:nvGrpSpPr>
+      <p:grpSpPr>
+        <a:xfrm>
+          <a:off x="0" y="0"/>
+          <a:ext cx="0" cy="0"/>
+          <a:chOff x="0" y="0"/>
+          <a:chExt cx="0" cy="0"/>
+        </a:xfrm>
+      </p:grpSpPr>
+      <p:sp>
+        <p:nvSpPr>
+          <p:cNvPr id="2" name="제목 1">
+            <a:extLst>
+              <a:ext uri="{FF2B5EF4-FFF2-40B4-BE49-F238E27FC236}">
+                <a16:creationId xmlns:a16="http://schemas.microsoft.com/office/drawing/2014/main" id="{0BBD75FB-0799-4EB1-9AD7-C68E11797971}"/>
+              </a:ext>
+            </a:extLst>
+          </p:cNvPr>
+          <p:cNvSpPr>
+            <a:spLocks noGrp="1"/>
+          </p:cNvSpPr>
+          <p:nvPr>
+            <p:ph type="title"/>
+          </p:nvPr>
+        </p:nvSpPr>
+        <p:spPr/>
+        <p:txBody>
+          <a:bodyPr/>
+          <a:lstStyle/>
+          <a:p>
+            <a:endParaRPr lang="ko-KR" altLang="en-US" b="1" dirty="0"/>
+          </a:p>
+        </p:txBody>
+      </p:sp>
+      <p:sp>
+        <p:nvSpPr>
+          <p:cNvPr id="3" name="내용 개체 틀 2">
+            <a:extLst>
+              <a:ext uri="{FF2B5EF4-FFF2-40B4-BE49-F238E27FC236}">
+                <a16:creationId xmlns:a16="http://schemas.microsoft.com/office/drawing/2014/main" id="{E9D22F1E-049A-4FEB-AEF1-C90B1011EA69}"/>
+              </a:ext>
+            </a:extLst>
+          </p:cNvPr>
+          <p:cNvSpPr>
+            <a:spLocks noGrp="1"/>
+          </p:cNvSpPr>
+          <p:nvPr>
+            <p:ph idx="1"/>
+          </p:nvPr>
+        </p:nvSpPr>
+        <p:spPr/>
+        <p:txBody>
+          <a:bodyPr/>
+          <a:lstStyle/>
+          <a:p>
+            <a:endParaRPr lang="ko-KR" altLang="en-US"/>
+          </a:p>
+        </p:txBody>
+      </p:sp>
+      <p:cxnSp>
+        <p:nvCxnSpPr>
+          <p:cNvPr id="4" name="직선 연결선 3">
+            <a:extLst>
+              <a:ext uri="{FF2B5EF4-FFF2-40B4-BE49-F238E27FC236}">
+                <a16:creationId xmlns:a16="http://schemas.microsoft.com/office/drawing/2014/main" id="{EE01682E-4EC3-491F-A46B-0EACC9713D73}"/>
+              </a:ext>
+            </a:extLst>
+          </p:cNvPr>
+          <p:cNvCxnSpPr>
+            <a:cxnSpLocks/>
+          </p:cNvCxnSpPr>
+          <p:nvPr/>
+        </p:nvCxnSpPr>
+        <p:spPr>
+          <a:xfrm>
+            <a:off x="463463" y="1565753"/>
+            <a:ext cx="1402915" cy="0"/>
+          </a:xfrm>
+          <a:prstGeom prst="line">
+            <a:avLst/>
+          </a:prstGeom>
+          <a:ln w="57150">
+            <a:solidFill>
+              <a:srgbClr val="00B050"/>
+            </a:solidFill>
+          </a:ln>
+        </p:spPr>
+        <p:style>
+          <a:lnRef idx="1">
+            <a:schemeClr val="accent1"/>
+          </a:lnRef>
+          <a:fillRef idx="0">
+            <a:schemeClr val="accent1"/>
+          </a:fillRef>
+          <a:effectRef idx="0">
+            <a:schemeClr val="accent1"/>
+          </a:effectRef>
+          <a:fontRef idx="minor">
+            <a:schemeClr val="tx1"/>
+          </a:fontRef>
+        </p:style>
+      </p:cxnSp>
+      <p:cxnSp>
+        <p:nvCxnSpPr>
+          <p:cNvPr id="5" name="직선 연결선 4">
+            <a:extLst>
+              <a:ext uri="{FF2B5EF4-FFF2-40B4-BE49-F238E27FC236}">
+                <a16:creationId xmlns:a16="http://schemas.microsoft.com/office/drawing/2014/main" id="{ABC6680E-470B-45C4-B289-7A0EF67ED7E0}"/>
+              </a:ext>
+            </a:extLst>
+          </p:cNvPr>
+          <p:cNvCxnSpPr>
+            <a:cxnSpLocks/>
+          </p:cNvCxnSpPr>
+          <p:nvPr/>
+        </p:nvCxnSpPr>
+        <p:spPr>
+          <a:xfrm>
+            <a:off x="1866378" y="1565753"/>
+            <a:ext cx="1402915" cy="0"/>
+          </a:xfrm>
+          <a:prstGeom prst="line">
+            <a:avLst/>
+          </a:prstGeom>
+          <a:ln w="57150">
+            <a:solidFill>
+              <a:schemeClr val="accent2">
+                <a:lumMod val="75000"/>
+              </a:schemeClr>
+            </a:solidFill>
+          </a:ln>
+        </p:spPr>
+        <p:style>
+          <a:lnRef idx="1">
+            <a:schemeClr val="accent1"/>
+          </a:lnRef>
+          <a:fillRef idx="0">
+            <a:schemeClr val="accent1"/>
+          </a:fillRef>
+          <a:effectRef idx="0">
+            <a:schemeClr val="accent1"/>
+          </a:effectRef>
+          <a:fontRef idx="minor">
+            <a:schemeClr val="tx1"/>
+          </a:fontRef>
+        </p:style>
+      </p:cxnSp>
+      <p:cxnSp>
+        <p:nvCxnSpPr>
+          <p:cNvPr id="6" name="직선 연결선 5">
+            <a:extLst>
+              <a:ext uri="{FF2B5EF4-FFF2-40B4-BE49-F238E27FC236}">
+                <a16:creationId xmlns:a16="http://schemas.microsoft.com/office/drawing/2014/main" id="{3678CCF4-4AC3-4139-92E5-55722C3E7751}"/>
+              </a:ext>
+            </a:extLst>
+          </p:cNvPr>
+          <p:cNvCxnSpPr>
+            <a:cxnSpLocks/>
+          </p:cNvCxnSpPr>
+          <p:nvPr/>
+        </p:nvCxnSpPr>
+        <p:spPr>
+          <a:xfrm>
+            <a:off x="3269293" y="1565753"/>
+            <a:ext cx="1402915" cy="0"/>
+          </a:xfrm>
+          <a:prstGeom prst="line">
+            <a:avLst/>
+          </a:prstGeom>
+          <a:ln w="57150">
+            <a:solidFill>
+              <a:srgbClr val="FFC000"/>
+            </a:solidFill>
+          </a:ln>
+        </p:spPr>
+        <p:style>
+          <a:lnRef idx="1">
+            <a:schemeClr val="accent1"/>
+          </a:lnRef>
+          <a:fillRef idx="0">
+            <a:schemeClr val="accent1"/>
+          </a:fillRef>
+          <a:effectRef idx="0">
+            <a:schemeClr val="accent1"/>
+          </a:effectRef>
+          <a:fontRef idx="minor">
+            <a:schemeClr val="tx1"/>
+          </a:fontRef>
+        </p:style>
+      </p:cxnSp>
+      <p:cxnSp>
+        <p:nvCxnSpPr>
+          <p:cNvPr id="7" name="직선 연결선 6">
+            <a:extLst>
+              <a:ext uri="{FF2B5EF4-FFF2-40B4-BE49-F238E27FC236}">
+                <a16:creationId xmlns:a16="http://schemas.microsoft.com/office/drawing/2014/main" id="{9FF08141-38ED-4F86-86A9-757547A2479E}"/>
+              </a:ext>
+            </a:extLst>
+          </p:cNvPr>
+          <p:cNvCxnSpPr>
+            <a:cxnSpLocks/>
+          </p:cNvCxnSpPr>
+          <p:nvPr/>
+        </p:nvCxnSpPr>
+        <p:spPr>
+          <a:xfrm>
+            <a:off x="4672208" y="1565753"/>
+            <a:ext cx="1402915" cy="0"/>
+          </a:xfrm>
+          <a:prstGeom prst="line">
+            <a:avLst/>
+          </a:prstGeom>
+          <a:ln w="57150">
+            <a:solidFill>
+              <a:schemeClr val="accent4">
+                <a:lumMod val="75000"/>
+              </a:schemeClr>
+            </a:solidFill>
+          </a:ln>
+        </p:spPr>
+        <p:style>
+          <a:lnRef idx="1">
+            <a:schemeClr val="accent1"/>
+          </a:lnRef>
+          <a:fillRef idx="0">
+            <a:schemeClr val="accent1"/>
+          </a:fillRef>
+          <a:effectRef idx="0">
+            <a:schemeClr val="accent1"/>
+          </a:effectRef>
+          <a:fontRef idx="minor">
+            <a:schemeClr val="tx1"/>
+          </a:fontRef>
+        </p:style>
+      </p:cxnSp>
+      <p:cxnSp>
+        <p:nvCxnSpPr>
+          <p:cNvPr id="8" name="직선 연결선 7">
+            <a:extLst>
+              <a:ext uri="{FF2B5EF4-FFF2-40B4-BE49-F238E27FC236}">
+                <a16:creationId xmlns:a16="http://schemas.microsoft.com/office/drawing/2014/main" id="{62A6EC5E-008F-4227-A299-34A564C6B4DE}"/>
+              </a:ext>
+            </a:extLst>
+          </p:cNvPr>
+          <p:cNvCxnSpPr>
+            <a:cxnSpLocks/>
+          </p:cNvCxnSpPr>
+          <p:nvPr/>
+        </p:nvCxnSpPr>
+        <p:spPr>
+          <a:xfrm>
+            <a:off x="6075123" y="1565753"/>
+            <a:ext cx="1402915" cy="0"/>
+          </a:xfrm>
+          <a:prstGeom prst="line">
+            <a:avLst/>
+          </a:prstGeom>
+          <a:ln w="57150">
+            <a:solidFill>
+              <a:srgbClr val="FF0000"/>
+            </a:solidFill>
+          </a:ln>
+        </p:spPr>
+        <p:style>
+          <a:lnRef idx="1">
+            <a:schemeClr val="accent1"/>
+          </a:lnRef>
+          <a:fillRef idx="0">
+            <a:schemeClr val="accent1"/>
+          </a:fillRef>
+          <a:effectRef idx="0">
+            <a:schemeClr val="accent1"/>
+          </a:effectRef>
+          <a:fontRef idx="minor">
+            <a:schemeClr val="tx1"/>
+          </a:fontRef>
+        </p:style>
+      </p:cxnSp>
+      <p:cxnSp>
+        <p:nvCxnSpPr>
+          <p:cNvPr id="9" name="직선 연결선 8">
+            <a:extLst>
+              <a:ext uri="{FF2B5EF4-FFF2-40B4-BE49-F238E27FC236}">
+                <a16:creationId xmlns:a16="http://schemas.microsoft.com/office/drawing/2014/main" id="{73BE4EC4-D5AB-43B6-99B8-20CC507C817B}"/>
+              </a:ext>
+            </a:extLst>
+          </p:cNvPr>
+          <p:cNvCxnSpPr>
+            <a:cxnSpLocks/>
+          </p:cNvCxnSpPr>
+          <p:nvPr/>
+        </p:nvCxnSpPr>
+        <p:spPr>
+          <a:xfrm>
+            <a:off x="7478038" y="1565753"/>
+            <a:ext cx="1402915" cy="0"/>
+          </a:xfrm>
+          <a:prstGeom prst="line">
+            <a:avLst/>
+          </a:prstGeom>
+          <a:ln w="57150">
+            <a:solidFill>
+              <a:srgbClr val="92D050"/>
+            </a:solidFill>
+          </a:ln>
+        </p:spPr>
+        <p:style>
+          <a:lnRef idx="1">
+            <a:schemeClr val="accent1"/>
+          </a:lnRef>
+          <a:fillRef idx="0">
+            <a:schemeClr val="accent1"/>
+          </a:fillRef>
+          <a:effectRef idx="0">
+            <a:schemeClr val="accent1"/>
+          </a:effectRef>
+          <a:fontRef idx="minor">
+            <a:schemeClr val="tx1"/>
+          </a:fontRef>
+        </p:style>
+      </p:cxnSp>
+      <p:cxnSp>
+        <p:nvCxnSpPr>
+          <p:cNvPr id="10" name="직선 연결선 9">
+            <a:extLst>
+              <a:ext uri="{FF2B5EF4-FFF2-40B4-BE49-F238E27FC236}">
+                <a16:creationId xmlns:a16="http://schemas.microsoft.com/office/drawing/2014/main" id="{D23B7696-E162-4DC6-9E5C-29744AE86C94}"/>
+              </a:ext>
+            </a:extLst>
+          </p:cNvPr>
+          <p:cNvCxnSpPr>
+            <a:cxnSpLocks/>
+          </p:cNvCxnSpPr>
+          <p:nvPr/>
+        </p:nvCxnSpPr>
+        <p:spPr>
+          <a:xfrm>
+            <a:off x="8880953" y="1565753"/>
+            <a:ext cx="1402915" cy="0"/>
+          </a:xfrm>
+          <a:prstGeom prst="line">
+            <a:avLst/>
+          </a:prstGeom>
+          <a:ln w="57150">
+            <a:solidFill>
+              <a:schemeClr val="bg2">
+                <a:lumMod val="50000"/>
+              </a:schemeClr>
+            </a:solidFill>
+          </a:ln>
+        </p:spPr>
+        <p:style>
+          <a:lnRef idx="1">
+            <a:schemeClr val="accent1"/>
+          </a:lnRef>
+          <a:fillRef idx="0">
+            <a:schemeClr val="accent1"/>
+          </a:fillRef>
+          <a:effectRef idx="0">
+            <a:schemeClr val="accent1"/>
+          </a:effectRef>
+          <a:fontRef idx="minor">
+            <a:schemeClr val="tx1"/>
+          </a:fontRef>
+        </p:style>
+      </p:cxnSp>
+      <p:cxnSp>
+        <p:nvCxnSpPr>
+          <p:cNvPr id="11" name="직선 연결선 10">
+            <a:extLst>
+              <a:ext uri="{FF2B5EF4-FFF2-40B4-BE49-F238E27FC236}">
+                <a16:creationId xmlns:a16="http://schemas.microsoft.com/office/drawing/2014/main" id="{AD5A1D01-4DAC-4236-AC37-43914BEDECF3}"/>
+              </a:ext>
+            </a:extLst>
+          </p:cNvPr>
+          <p:cNvCxnSpPr>
+            <a:cxnSpLocks/>
+          </p:cNvCxnSpPr>
+          <p:nvPr/>
+        </p:nvCxnSpPr>
+        <p:spPr>
+          <a:xfrm>
+            <a:off x="10283868" y="1565753"/>
+            <a:ext cx="1402915" cy="0"/>
+          </a:xfrm>
+          <a:prstGeom prst="line">
+            <a:avLst/>
+          </a:prstGeom>
+          <a:ln w="57150">
+            <a:solidFill>
+              <a:schemeClr val="bg1">
+                <a:lumMod val="85000"/>
+              </a:schemeClr>
+            </a:solidFill>
+          </a:ln>
+        </p:spPr>
+        <p:style>
+          <a:lnRef idx="1">
+            <a:schemeClr val="accent1"/>
+          </a:lnRef>
+          <a:fillRef idx="0">
+            <a:schemeClr val="accent1"/>
+          </a:fillRef>
+          <a:effectRef idx="0">
+            <a:schemeClr val="accent1"/>
+          </a:effectRef>
+          <a:fontRef idx="minor">
+            <a:schemeClr val="tx1"/>
+          </a:fontRef>
+        </p:style>
+      </p:cxnSp>
+    </p:spTree>
+    <p:extLst>
+      <p:ext uri="{BB962C8B-B14F-4D97-AF65-F5344CB8AC3E}">
+        <p14:creationId xmlns:p14="http://schemas.microsoft.com/office/powerpoint/2010/main" val="3730429721"/>
+      </p:ext>
+    </p:extLst>
+  </p:cSld>
+  <p:clrMapOvr>
+    <a:masterClrMapping/>
+  </p:clrMapOvr>
+</p:sld>
+</file>
+
+<file path=ppt/slides/slide26.xml><?xml version="1.0" encoding="utf-8"?>
+<p:sld xmlns:a="http://schemas.openxmlformats.org/drawingml/2006/main" xmlns:r="http://schemas.openxmlformats.org/officeDocument/2006/relationships" xmlns:p="http://schemas.openxmlformats.org/presentationml/2006/main">
+  <p:cSld>
+    <p:spTree>
+      <p:nvGrpSpPr>
+        <p:cNvPr id="1" name=""/>
+        <p:cNvGrpSpPr/>
+        <p:nvPr/>
+      </p:nvGrpSpPr>
+      <p:grpSpPr>
+        <a:xfrm>
+          <a:off x="0" y="0"/>
+          <a:ext cx="0" cy="0"/>
+          <a:chOff x="0" y="0"/>
+          <a:chExt cx="0" cy="0"/>
+        </a:xfrm>
+      </p:grpSpPr>
+      <p:sp>
+        <p:nvSpPr>
+          <p:cNvPr id="2" name="제목 1">
+            <a:extLst>
+              <a:ext uri="{FF2B5EF4-FFF2-40B4-BE49-F238E27FC236}">
+                <a16:creationId xmlns:a16="http://schemas.microsoft.com/office/drawing/2014/main" id="{0BBD75FB-0799-4EB1-9AD7-C68E11797971}"/>
+              </a:ext>
+            </a:extLst>
+          </p:cNvPr>
+          <p:cNvSpPr>
+            <a:spLocks noGrp="1"/>
+          </p:cNvSpPr>
+          <p:nvPr>
+            <p:ph type="title"/>
+          </p:nvPr>
+        </p:nvSpPr>
+        <p:spPr/>
+        <p:txBody>
+          <a:bodyPr/>
+          <a:lstStyle/>
+          <a:p>
+            <a:endParaRPr lang="ko-KR" altLang="en-US" b="1" dirty="0"/>
+          </a:p>
+        </p:txBody>
+      </p:sp>
+      <p:sp>
+        <p:nvSpPr>
+          <p:cNvPr id="3" name="내용 개체 틀 2">
+            <a:extLst>
+              <a:ext uri="{FF2B5EF4-FFF2-40B4-BE49-F238E27FC236}">
+                <a16:creationId xmlns:a16="http://schemas.microsoft.com/office/drawing/2014/main" id="{E9D22F1E-049A-4FEB-AEF1-C90B1011EA69}"/>
+              </a:ext>
+            </a:extLst>
+          </p:cNvPr>
+          <p:cNvSpPr>
+            <a:spLocks noGrp="1"/>
+          </p:cNvSpPr>
+          <p:nvPr>
+            <p:ph idx="1"/>
+          </p:nvPr>
+        </p:nvSpPr>
+        <p:spPr/>
+        <p:txBody>
+          <a:bodyPr/>
+          <a:lstStyle/>
+          <a:p>
+            <a:endParaRPr lang="ko-KR" altLang="en-US"/>
+          </a:p>
+        </p:txBody>
+      </p:sp>
+      <p:cxnSp>
+        <p:nvCxnSpPr>
+          <p:cNvPr id="4" name="직선 연결선 3">
+            <a:extLst>
+              <a:ext uri="{FF2B5EF4-FFF2-40B4-BE49-F238E27FC236}">
+                <a16:creationId xmlns:a16="http://schemas.microsoft.com/office/drawing/2014/main" id="{EE01682E-4EC3-491F-A46B-0EACC9713D73}"/>
+              </a:ext>
+            </a:extLst>
+          </p:cNvPr>
+          <p:cNvCxnSpPr>
+            <a:cxnSpLocks/>
+          </p:cNvCxnSpPr>
+          <p:nvPr/>
+        </p:nvCxnSpPr>
+        <p:spPr>
+          <a:xfrm>
+            <a:off x="463463" y="1565753"/>
+            <a:ext cx="1402915" cy="0"/>
+          </a:xfrm>
+          <a:prstGeom prst="line">
+            <a:avLst/>
+          </a:prstGeom>
+          <a:ln w="57150">
+            <a:solidFill>
+              <a:srgbClr val="00B050"/>
+            </a:solidFill>
+          </a:ln>
+        </p:spPr>
+        <p:style>
+          <a:lnRef idx="1">
+            <a:schemeClr val="accent1"/>
+          </a:lnRef>
+          <a:fillRef idx="0">
+            <a:schemeClr val="accent1"/>
+          </a:fillRef>
+          <a:effectRef idx="0">
+            <a:schemeClr val="accent1"/>
+          </a:effectRef>
+          <a:fontRef idx="minor">
+            <a:schemeClr val="tx1"/>
+          </a:fontRef>
+        </p:style>
+      </p:cxnSp>
+      <p:cxnSp>
+        <p:nvCxnSpPr>
+          <p:cNvPr id="5" name="직선 연결선 4">
+            <a:extLst>
+              <a:ext uri="{FF2B5EF4-FFF2-40B4-BE49-F238E27FC236}">
+                <a16:creationId xmlns:a16="http://schemas.microsoft.com/office/drawing/2014/main" id="{ABC6680E-470B-45C4-B289-7A0EF67ED7E0}"/>
+              </a:ext>
+            </a:extLst>
+          </p:cNvPr>
+          <p:cNvCxnSpPr>
+            <a:cxnSpLocks/>
+          </p:cNvCxnSpPr>
+          <p:nvPr/>
+        </p:nvCxnSpPr>
+        <p:spPr>
+          <a:xfrm>
+            <a:off x="1866378" y="1565753"/>
+            <a:ext cx="1402915" cy="0"/>
+          </a:xfrm>
+          <a:prstGeom prst="line">
+            <a:avLst/>
+          </a:prstGeom>
+          <a:ln w="57150">
+            <a:solidFill>
+              <a:schemeClr val="accent2">
+                <a:lumMod val="75000"/>
+              </a:schemeClr>
+            </a:solidFill>
+          </a:ln>
+        </p:spPr>
+        <p:style>
+          <a:lnRef idx="1">
+            <a:schemeClr val="accent1"/>
+          </a:lnRef>
+          <a:fillRef idx="0">
+            <a:schemeClr val="accent1"/>
+          </a:fillRef>
+          <a:effectRef idx="0">
+            <a:schemeClr val="accent1"/>
+          </a:effectRef>
+          <a:fontRef idx="minor">
+            <a:schemeClr val="tx1"/>
+          </a:fontRef>
+        </p:style>
+      </p:cxnSp>
+      <p:cxnSp>
+        <p:nvCxnSpPr>
+          <p:cNvPr id="6" name="직선 연결선 5">
+            <a:extLst>
+              <a:ext uri="{FF2B5EF4-FFF2-40B4-BE49-F238E27FC236}">
+                <a16:creationId xmlns:a16="http://schemas.microsoft.com/office/drawing/2014/main" id="{3678CCF4-4AC3-4139-92E5-55722C3E7751}"/>
+              </a:ext>
+            </a:extLst>
+          </p:cNvPr>
+          <p:cNvCxnSpPr>
+            <a:cxnSpLocks/>
+          </p:cNvCxnSpPr>
+          <p:nvPr/>
+        </p:nvCxnSpPr>
+        <p:spPr>
+          <a:xfrm>
+            <a:off x="3269293" y="1565753"/>
+            <a:ext cx="1402915" cy="0"/>
+          </a:xfrm>
+          <a:prstGeom prst="line">
+            <a:avLst/>
+          </a:prstGeom>
+          <a:ln w="57150">
+            <a:solidFill>
+              <a:srgbClr val="FFC000"/>
+            </a:solidFill>
+          </a:ln>
+        </p:spPr>
+        <p:style>
+          <a:lnRef idx="1">
+            <a:schemeClr val="accent1"/>
+          </a:lnRef>
+          <a:fillRef idx="0">
+            <a:schemeClr val="accent1"/>
+          </a:fillRef>
+          <a:effectRef idx="0">
+            <a:schemeClr val="accent1"/>
+          </a:effectRef>
+          <a:fontRef idx="minor">
+            <a:schemeClr val="tx1"/>
+          </a:fontRef>
+        </p:style>
+      </p:cxnSp>
+      <p:cxnSp>
+        <p:nvCxnSpPr>
+          <p:cNvPr id="7" name="직선 연결선 6">
+            <a:extLst>
+              <a:ext uri="{FF2B5EF4-FFF2-40B4-BE49-F238E27FC236}">
+                <a16:creationId xmlns:a16="http://schemas.microsoft.com/office/drawing/2014/main" id="{9FF08141-38ED-4F86-86A9-757547A2479E}"/>
+              </a:ext>
+            </a:extLst>
+          </p:cNvPr>
+          <p:cNvCxnSpPr>
+            <a:cxnSpLocks/>
+          </p:cNvCxnSpPr>
+          <p:nvPr/>
+        </p:nvCxnSpPr>
+        <p:spPr>
+          <a:xfrm>
+            <a:off x="4672208" y="1565753"/>
+            <a:ext cx="1402915" cy="0"/>
+          </a:xfrm>
+          <a:prstGeom prst="line">
+            <a:avLst/>
+          </a:prstGeom>
+          <a:ln w="57150">
+            <a:solidFill>
+              <a:schemeClr val="accent4">
+                <a:lumMod val="75000"/>
+              </a:schemeClr>
+            </a:solidFill>
+          </a:ln>
+        </p:spPr>
+        <p:style>
+          <a:lnRef idx="1">
+            <a:schemeClr val="accent1"/>
+          </a:lnRef>
+          <a:fillRef idx="0">
+            <a:schemeClr val="accent1"/>
+          </a:fillRef>
+          <a:effectRef idx="0">
+            <a:schemeClr val="accent1"/>
+          </a:effectRef>
+          <a:fontRef idx="minor">
+            <a:schemeClr val="tx1"/>
+          </a:fontRef>
+        </p:style>
+      </p:cxnSp>
+      <p:cxnSp>
+        <p:nvCxnSpPr>
+          <p:cNvPr id="8" name="직선 연결선 7">
+            <a:extLst>
+              <a:ext uri="{FF2B5EF4-FFF2-40B4-BE49-F238E27FC236}">
+                <a16:creationId xmlns:a16="http://schemas.microsoft.com/office/drawing/2014/main" id="{62A6EC5E-008F-4227-A299-34A564C6B4DE}"/>
+              </a:ext>
+            </a:extLst>
+          </p:cNvPr>
+          <p:cNvCxnSpPr>
+            <a:cxnSpLocks/>
+          </p:cNvCxnSpPr>
+          <p:nvPr/>
+        </p:nvCxnSpPr>
+        <p:spPr>
+          <a:xfrm>
+            <a:off x="6075123" y="1565753"/>
+            <a:ext cx="1402915" cy="0"/>
+          </a:xfrm>
+          <a:prstGeom prst="line">
+            <a:avLst/>
+          </a:prstGeom>
+          <a:ln w="57150">
+            <a:solidFill>
+              <a:srgbClr val="FF0000"/>
+            </a:solidFill>
+          </a:ln>
+        </p:spPr>
+        <p:style>
+          <a:lnRef idx="1">
+            <a:schemeClr val="accent1"/>
+          </a:lnRef>
+          <a:fillRef idx="0">
+            <a:schemeClr val="accent1"/>
+          </a:fillRef>
+          <a:effectRef idx="0">
+            <a:schemeClr val="accent1"/>
+          </a:effectRef>
+          <a:fontRef idx="minor">
+            <a:schemeClr val="tx1"/>
+          </a:fontRef>
+        </p:style>
+      </p:cxnSp>
+      <p:cxnSp>
+        <p:nvCxnSpPr>
+          <p:cNvPr id="9" name="직선 연결선 8">
+            <a:extLst>
+              <a:ext uri="{FF2B5EF4-FFF2-40B4-BE49-F238E27FC236}">
+                <a16:creationId xmlns:a16="http://schemas.microsoft.com/office/drawing/2014/main" id="{73BE4EC4-D5AB-43B6-99B8-20CC507C817B}"/>
+              </a:ext>
+            </a:extLst>
+          </p:cNvPr>
+          <p:cNvCxnSpPr>
+            <a:cxnSpLocks/>
+          </p:cNvCxnSpPr>
+          <p:nvPr/>
+        </p:nvCxnSpPr>
+        <p:spPr>
+          <a:xfrm>
+            <a:off x="7478038" y="1565753"/>
+            <a:ext cx="1402915" cy="0"/>
+          </a:xfrm>
+          <a:prstGeom prst="line">
+            <a:avLst/>
+          </a:prstGeom>
+          <a:ln w="57150">
+            <a:solidFill>
+              <a:srgbClr val="92D050"/>
+            </a:solidFill>
+          </a:ln>
+        </p:spPr>
+        <p:style>
+          <a:lnRef idx="1">
+            <a:schemeClr val="accent1"/>
+          </a:lnRef>
+          <a:fillRef idx="0">
+            <a:schemeClr val="accent1"/>
+          </a:fillRef>
+          <a:effectRef idx="0">
+            <a:schemeClr val="accent1"/>
+          </a:effectRef>
+          <a:fontRef idx="minor">
+            <a:schemeClr val="tx1"/>
+          </a:fontRef>
+        </p:style>
+      </p:cxnSp>
+      <p:cxnSp>
+        <p:nvCxnSpPr>
+          <p:cNvPr id="10" name="직선 연결선 9">
+            <a:extLst>
+              <a:ext uri="{FF2B5EF4-FFF2-40B4-BE49-F238E27FC236}">
+                <a16:creationId xmlns:a16="http://schemas.microsoft.com/office/drawing/2014/main" id="{D23B7696-E162-4DC6-9E5C-29744AE86C94}"/>
+              </a:ext>
+            </a:extLst>
+          </p:cNvPr>
+          <p:cNvCxnSpPr>
+            <a:cxnSpLocks/>
+          </p:cNvCxnSpPr>
+          <p:nvPr/>
+        </p:nvCxnSpPr>
+        <p:spPr>
+          <a:xfrm>
+            <a:off x="8880953" y="1565753"/>
+            <a:ext cx="1402915" cy="0"/>
+          </a:xfrm>
+          <a:prstGeom prst="line">
+            <a:avLst/>
+          </a:prstGeom>
+          <a:ln w="57150">
+            <a:solidFill>
+              <a:schemeClr val="bg2">
+                <a:lumMod val="50000"/>
+              </a:schemeClr>
+            </a:solidFill>
+          </a:ln>
+        </p:spPr>
+        <p:style>
+          <a:lnRef idx="1">
+            <a:schemeClr val="accent1"/>
+          </a:lnRef>
+          <a:fillRef idx="0">
+            <a:schemeClr val="accent1"/>
+          </a:fillRef>
+          <a:effectRef idx="0">
+            <a:schemeClr val="accent1"/>
+          </a:effectRef>
+          <a:fontRef idx="minor">
+            <a:schemeClr val="tx1"/>
+          </a:fontRef>
+        </p:style>
+      </p:cxnSp>
+      <p:cxnSp>
+        <p:nvCxnSpPr>
+          <p:cNvPr id="11" name="직선 연결선 10">
+            <a:extLst>
+              <a:ext uri="{FF2B5EF4-FFF2-40B4-BE49-F238E27FC236}">
+                <a16:creationId xmlns:a16="http://schemas.microsoft.com/office/drawing/2014/main" id="{AD5A1D01-4DAC-4236-AC37-43914BEDECF3}"/>
+              </a:ext>
+            </a:extLst>
+          </p:cNvPr>
+          <p:cNvCxnSpPr>
+            <a:cxnSpLocks/>
+          </p:cNvCxnSpPr>
+          <p:nvPr/>
+        </p:nvCxnSpPr>
+        <p:spPr>
+          <a:xfrm>
+            <a:off x="10283868" y="1565753"/>
+            <a:ext cx="1402915" cy="0"/>
+          </a:xfrm>
+          <a:prstGeom prst="line">
+            <a:avLst/>
+          </a:prstGeom>
+          <a:ln w="57150">
+            <a:solidFill>
+              <a:schemeClr val="bg1">
+                <a:lumMod val="85000"/>
+              </a:schemeClr>
+            </a:solidFill>
+          </a:ln>
+        </p:spPr>
+        <p:style>
+          <a:lnRef idx="1">
+            <a:schemeClr val="accent1"/>
+          </a:lnRef>
+          <a:fillRef idx="0">
+            <a:schemeClr val="accent1"/>
+          </a:fillRef>
+          <a:effectRef idx="0">
+            <a:schemeClr val="accent1"/>
+          </a:effectRef>
+          <a:fontRef idx="minor">
+            <a:schemeClr val="tx1"/>
+          </a:fontRef>
+        </p:style>
+      </p:cxnSp>
+    </p:spTree>
+    <p:extLst>
+      <p:ext uri="{BB962C8B-B14F-4D97-AF65-F5344CB8AC3E}">
+        <p14:creationId xmlns:p14="http://schemas.microsoft.com/office/powerpoint/2010/main" val="668250681"/>
+      </p:ext>
+    </p:extLst>
+  </p:cSld>
+  <p:clrMapOvr>
+    <a:masterClrMapping/>
+  </p:clrMapOvr>
 </p:sld>
 </file>
 
@@ -5610,13 +12876,6 @@
   <p:clrMapOvr>
     <a:masterClrMapping/>
   </p:clrMapOvr>
-  <p:timing>
-    <p:tnLst>
-      <p:par>
-        <p:cTn id="1" dur="indefinite" restart="never" nodeType="tmRoot"/>
-      </p:par>
-    </p:tnLst>
-  </p:timing>
 </p:sld>
 </file>
 

--- a/Minetest와 함께하는 프로그래밍 입문.pptx
+++ b/Minetest와 함께하는 프로그래밍 입문.pptx
@@ -10,27 +10,28 @@
     <p:sldId id="258" r:id="rId4"/>
     <p:sldId id="263" r:id="rId5"/>
     <p:sldId id="259" r:id="rId6"/>
-    <p:sldId id="260" r:id="rId7"/>
-    <p:sldId id="261" r:id="rId8"/>
-    <p:sldId id="262" r:id="rId9"/>
-    <p:sldId id="264" r:id="rId10"/>
-    <p:sldId id="265" r:id="rId11"/>
-    <p:sldId id="266" r:id="rId12"/>
-    <p:sldId id="267" r:id="rId13"/>
-    <p:sldId id="268" r:id="rId14"/>
-    <p:sldId id="269" r:id="rId15"/>
-    <p:sldId id="279" r:id="rId16"/>
-    <p:sldId id="280" r:id="rId17"/>
-    <p:sldId id="281" r:id="rId18"/>
-    <p:sldId id="270" r:id="rId19"/>
-    <p:sldId id="271" r:id="rId20"/>
-    <p:sldId id="272" r:id="rId21"/>
-    <p:sldId id="273" r:id="rId22"/>
-    <p:sldId id="274" r:id="rId23"/>
-    <p:sldId id="275" r:id="rId24"/>
-    <p:sldId id="276" r:id="rId25"/>
-    <p:sldId id="277" r:id="rId26"/>
-    <p:sldId id="278" r:id="rId27"/>
+    <p:sldId id="282" r:id="rId7"/>
+    <p:sldId id="260" r:id="rId8"/>
+    <p:sldId id="261" r:id="rId9"/>
+    <p:sldId id="262" r:id="rId10"/>
+    <p:sldId id="264" r:id="rId11"/>
+    <p:sldId id="265" r:id="rId12"/>
+    <p:sldId id="266" r:id="rId13"/>
+    <p:sldId id="267" r:id="rId14"/>
+    <p:sldId id="268" r:id="rId15"/>
+    <p:sldId id="269" r:id="rId16"/>
+    <p:sldId id="279" r:id="rId17"/>
+    <p:sldId id="280" r:id="rId18"/>
+    <p:sldId id="281" r:id="rId19"/>
+    <p:sldId id="270" r:id="rId20"/>
+    <p:sldId id="271" r:id="rId21"/>
+    <p:sldId id="272" r:id="rId22"/>
+    <p:sldId id="273" r:id="rId23"/>
+    <p:sldId id="274" r:id="rId24"/>
+    <p:sldId id="275" r:id="rId25"/>
+    <p:sldId id="276" r:id="rId26"/>
+    <p:sldId id="277" r:id="rId27"/>
+    <p:sldId id="278" r:id="rId28"/>
   </p:sldIdLst>
   <p:sldSz cx="12192000" cy="6858000"/>
   <p:notesSz cx="6858000" cy="9144000"/>
@@ -4191,23 +4192,47 @@
           <a:p>
             <a:r>
               <a:rPr lang="en-US" altLang="ko-KR" b="1" dirty="0"/>
-              <a:t>Minetest – </a:t>
+              <a:t>Minetest – chat </a:t>
             </a:r>
             <a:r>
               <a:rPr lang="ko-KR" altLang="en-US" b="1" dirty="0"/>
-              <a:t>모든 </a:t>
-            </a:r>
-            <a:r>
-              <a:rPr lang="en-US" altLang="ko-KR" b="1" dirty="0"/>
-              <a:t>Player </a:t>
-            </a:r>
-            <a:r>
-              <a:rPr lang="ko-KR" altLang="en-US" b="1" dirty="0"/>
-              <a:t>이름 출력</a:t>
+              <a:t>기능</a:t>
             </a:r>
           </a:p>
         </p:txBody>
       </p:sp>
+      <p:pic>
+        <p:nvPicPr>
+          <p:cNvPr id="12" name="내용 개체 틀 11">
+            <a:extLst>
+              <a:ext uri="{FF2B5EF4-FFF2-40B4-BE49-F238E27FC236}">
+                <a16:creationId xmlns:a16="http://schemas.microsoft.com/office/drawing/2014/main" id="{C2FCB0C9-7844-4053-9517-C4330E48FD94}"/>
+              </a:ext>
+            </a:extLst>
+          </p:cNvPr>
+          <p:cNvPicPr>
+            <a:picLocks noGrp="1" noChangeAspect="1"/>
+          </p:cNvPicPr>
+          <p:nvPr>
+            <p:ph idx="1"/>
+          </p:nvPr>
+        </p:nvPicPr>
+        <p:blipFill>
+          <a:blip r:embed="rId2"/>
+          <a:stretch>
+            <a:fillRect/>
+          </a:stretch>
+        </p:blipFill>
+        <p:spPr>
+          <a:xfrm>
+            <a:off x="475989" y="1775239"/>
+            <a:ext cx="5242326" cy="4351338"/>
+          </a:xfrm>
+          <a:prstGeom prst="rect">
+            <a:avLst/>
+          </a:prstGeom>
+        </p:spPr>
+      </p:pic>
       <p:cxnSp>
         <p:nvCxnSpPr>
           <p:cNvPr id="4" name="직선 연결선 3">
@@ -4560,12 +4585,64 @@
           </a:fontRef>
         </p:style>
       </p:cxnSp>
+      <p:sp>
+        <p:nvSpPr>
+          <p:cNvPr id="13" name="사각형: 둥근 모서리 12">
+            <a:extLst>
+              <a:ext uri="{FF2B5EF4-FFF2-40B4-BE49-F238E27FC236}">
+                <a16:creationId xmlns:a16="http://schemas.microsoft.com/office/drawing/2014/main" id="{5C88955F-F894-4DB9-B9F8-8F5605F4BA76}"/>
+              </a:ext>
+            </a:extLst>
+          </p:cNvPr>
+          <p:cNvSpPr/>
+          <p:nvPr/>
+        </p:nvSpPr>
+        <p:spPr>
+          <a:xfrm>
+            <a:off x="463463" y="1922094"/>
+            <a:ext cx="989556" cy="307532"/>
+          </a:xfrm>
+          <a:prstGeom prst="roundRect">
+            <a:avLst/>
+          </a:prstGeom>
+          <a:noFill/>
+          <a:ln w="38100">
+            <a:solidFill>
+              <a:srgbClr val="FF0000"/>
+            </a:solidFill>
+          </a:ln>
+        </p:spPr>
+        <p:style>
+          <a:lnRef idx="2">
+            <a:schemeClr val="accent1">
+              <a:shade val="50000"/>
+            </a:schemeClr>
+          </a:lnRef>
+          <a:fillRef idx="1">
+            <a:schemeClr val="accent1"/>
+          </a:fillRef>
+          <a:effectRef idx="0">
+            <a:schemeClr val="accent1"/>
+          </a:effectRef>
+          <a:fontRef idx="minor">
+            <a:schemeClr val="lt1"/>
+          </a:fontRef>
+        </p:style>
+        <p:txBody>
+          <a:bodyPr rtlCol="0" anchor="ctr"/>
+          <a:lstStyle/>
+          <a:p>
+            <a:pPr algn="ctr"/>
+            <a:endParaRPr lang="ko-KR" altLang="en-US" dirty="0"/>
+          </a:p>
+        </p:txBody>
+      </p:sp>
       <p:pic>
         <p:nvPicPr>
-          <p:cNvPr id="12" name="그림 11">
-            <a:extLst>
-              <a:ext uri="{FF2B5EF4-FFF2-40B4-BE49-F238E27FC236}">
-                <a16:creationId xmlns:a16="http://schemas.microsoft.com/office/drawing/2014/main" id="{3691A322-430D-443D-ACB0-626DE5887B33}"/>
+          <p:cNvPr id="14" name="그림 13">
+            <a:extLst>
+              <a:ext uri="{FF2B5EF4-FFF2-40B4-BE49-F238E27FC236}">
+                <a16:creationId xmlns:a16="http://schemas.microsoft.com/office/drawing/2014/main" id="{88DC4D63-0C1A-496A-BB66-9C8905D063B5}"/>
               </a:ext>
             </a:extLst>
           </p:cNvPr>
@@ -4575,14 +4652,14 @@
           <p:nvPr/>
         </p:nvPicPr>
         <p:blipFill rotWithShape="1">
-          <a:blip r:embed="rId2"/>
-          <a:srcRect l="1025"/>
+          <a:blip r:embed="rId3"/>
+          <a:srcRect l="636"/>
           <a:stretch/>
         </p:blipFill>
         <p:spPr>
           <a:xfrm>
-            <a:off x="2379684" y="1767219"/>
-            <a:ext cx="7432631" cy="3323562"/>
+            <a:off x="5962388" y="1922093"/>
+            <a:ext cx="5724395" cy="2662430"/>
           </a:xfrm>
           <a:prstGeom prst="rect">
             <a:avLst/>
@@ -4603,53 +4680,10 @@
           </a:effectLst>
         </p:spPr>
       </p:pic>
-      <p:pic>
-        <p:nvPicPr>
-          <p:cNvPr id="13" name="그림 12">
-            <a:extLst>
-              <a:ext uri="{FF2B5EF4-FFF2-40B4-BE49-F238E27FC236}">
-                <a16:creationId xmlns:a16="http://schemas.microsoft.com/office/drawing/2014/main" id="{31F9A91C-0792-40E7-90F1-62F6174377A2}"/>
-              </a:ext>
-            </a:extLst>
-          </p:cNvPr>
-          <p:cNvPicPr>
-            <a:picLocks noChangeAspect="1"/>
-          </p:cNvPicPr>
-          <p:nvPr/>
-        </p:nvPicPr>
-        <p:blipFill rotWithShape="1">
-          <a:blip r:embed="rId3"/>
-          <a:srcRect t="-18572" r="27988" b="1"/>
-          <a:stretch/>
-        </p:blipFill>
-        <p:spPr>
-          <a:xfrm>
-            <a:off x="1631506" y="5442559"/>
-            <a:ext cx="9722294" cy="790541"/>
-          </a:xfrm>
-          <a:prstGeom prst="rect">
-            <a:avLst/>
-          </a:prstGeom>
-          <a:ln w="38100" cap="sq">
-            <a:solidFill>
-              <a:srgbClr val="000000"/>
-            </a:solidFill>
-            <a:prstDash val="solid"/>
-            <a:miter lim="800000"/>
-          </a:ln>
-          <a:effectLst>
-            <a:outerShdw blurRad="50800" dist="38100" dir="2700000" algn="tl" rotWithShape="0">
-              <a:srgbClr val="000000">
-                <a:alpha val="43000"/>
-              </a:srgbClr>
-            </a:outerShdw>
-          </a:effectLst>
-        </p:spPr>
-      </p:pic>
     </p:spTree>
     <p:extLst>
       <p:ext uri="{BB962C8B-B14F-4D97-AF65-F5344CB8AC3E}">
-        <p14:creationId xmlns:p14="http://schemas.microsoft.com/office/powerpoint/2010/main" val="2004272052"/>
+        <p14:creationId xmlns:p14="http://schemas.microsoft.com/office/powerpoint/2010/main" val="1323932814"/>
       </p:ext>
     </p:extLst>
   </p:cSld>
@@ -4703,36 +4737,394 @@
             </a:r>
             <a:r>
               <a:rPr lang="ko-KR" altLang="en-US" b="1" dirty="0"/>
-              <a:t>도구 목록 출력</a:t>
+              <a:t>모든 </a:t>
+            </a:r>
+            <a:r>
+              <a:rPr lang="en-US" altLang="ko-KR" b="1" dirty="0"/>
+              <a:t>Player </a:t>
+            </a:r>
+            <a:r>
+              <a:rPr lang="ko-KR" altLang="en-US" b="1" dirty="0"/>
+              <a:t>이름 출력</a:t>
             </a:r>
           </a:p>
         </p:txBody>
       </p:sp>
+      <p:cxnSp>
+        <p:nvCxnSpPr>
+          <p:cNvPr id="4" name="직선 연결선 3">
+            <a:extLst>
+              <a:ext uri="{FF2B5EF4-FFF2-40B4-BE49-F238E27FC236}">
+                <a16:creationId xmlns:a16="http://schemas.microsoft.com/office/drawing/2014/main" id="{EE01682E-4EC3-491F-A46B-0EACC9713D73}"/>
+              </a:ext>
+            </a:extLst>
+          </p:cNvPr>
+          <p:cNvCxnSpPr>
+            <a:cxnSpLocks/>
+          </p:cNvCxnSpPr>
+          <p:nvPr/>
+        </p:nvCxnSpPr>
+        <p:spPr>
+          <a:xfrm>
+            <a:off x="463463" y="1565753"/>
+            <a:ext cx="1402915" cy="0"/>
+          </a:xfrm>
+          <a:prstGeom prst="line">
+            <a:avLst/>
+          </a:prstGeom>
+          <a:ln w="57150">
+            <a:solidFill>
+              <a:srgbClr val="00B050"/>
+            </a:solidFill>
+          </a:ln>
+        </p:spPr>
+        <p:style>
+          <a:lnRef idx="1">
+            <a:schemeClr val="accent1"/>
+          </a:lnRef>
+          <a:fillRef idx="0">
+            <a:schemeClr val="accent1"/>
+          </a:fillRef>
+          <a:effectRef idx="0">
+            <a:schemeClr val="accent1"/>
+          </a:effectRef>
+          <a:fontRef idx="minor">
+            <a:schemeClr val="tx1"/>
+          </a:fontRef>
+        </p:style>
+      </p:cxnSp>
+      <p:cxnSp>
+        <p:nvCxnSpPr>
+          <p:cNvPr id="5" name="직선 연결선 4">
+            <a:extLst>
+              <a:ext uri="{FF2B5EF4-FFF2-40B4-BE49-F238E27FC236}">
+                <a16:creationId xmlns:a16="http://schemas.microsoft.com/office/drawing/2014/main" id="{ABC6680E-470B-45C4-B289-7A0EF67ED7E0}"/>
+              </a:ext>
+            </a:extLst>
+          </p:cNvPr>
+          <p:cNvCxnSpPr>
+            <a:cxnSpLocks/>
+          </p:cNvCxnSpPr>
+          <p:nvPr/>
+        </p:nvCxnSpPr>
+        <p:spPr>
+          <a:xfrm>
+            <a:off x="1866378" y="1565753"/>
+            <a:ext cx="1402915" cy="0"/>
+          </a:xfrm>
+          <a:prstGeom prst="line">
+            <a:avLst/>
+          </a:prstGeom>
+          <a:ln w="57150">
+            <a:solidFill>
+              <a:schemeClr val="accent2">
+                <a:lumMod val="75000"/>
+              </a:schemeClr>
+            </a:solidFill>
+          </a:ln>
+        </p:spPr>
+        <p:style>
+          <a:lnRef idx="1">
+            <a:schemeClr val="accent1"/>
+          </a:lnRef>
+          <a:fillRef idx="0">
+            <a:schemeClr val="accent1"/>
+          </a:fillRef>
+          <a:effectRef idx="0">
+            <a:schemeClr val="accent1"/>
+          </a:effectRef>
+          <a:fontRef idx="minor">
+            <a:schemeClr val="tx1"/>
+          </a:fontRef>
+        </p:style>
+      </p:cxnSp>
+      <p:cxnSp>
+        <p:nvCxnSpPr>
+          <p:cNvPr id="6" name="직선 연결선 5">
+            <a:extLst>
+              <a:ext uri="{FF2B5EF4-FFF2-40B4-BE49-F238E27FC236}">
+                <a16:creationId xmlns:a16="http://schemas.microsoft.com/office/drawing/2014/main" id="{3678CCF4-4AC3-4139-92E5-55722C3E7751}"/>
+              </a:ext>
+            </a:extLst>
+          </p:cNvPr>
+          <p:cNvCxnSpPr>
+            <a:cxnSpLocks/>
+          </p:cNvCxnSpPr>
+          <p:nvPr/>
+        </p:nvCxnSpPr>
+        <p:spPr>
+          <a:xfrm>
+            <a:off x="3269293" y="1565753"/>
+            <a:ext cx="1402915" cy="0"/>
+          </a:xfrm>
+          <a:prstGeom prst="line">
+            <a:avLst/>
+          </a:prstGeom>
+          <a:ln w="57150">
+            <a:solidFill>
+              <a:srgbClr val="FFC000"/>
+            </a:solidFill>
+          </a:ln>
+        </p:spPr>
+        <p:style>
+          <a:lnRef idx="1">
+            <a:schemeClr val="accent1"/>
+          </a:lnRef>
+          <a:fillRef idx="0">
+            <a:schemeClr val="accent1"/>
+          </a:fillRef>
+          <a:effectRef idx="0">
+            <a:schemeClr val="accent1"/>
+          </a:effectRef>
+          <a:fontRef idx="minor">
+            <a:schemeClr val="tx1"/>
+          </a:fontRef>
+        </p:style>
+      </p:cxnSp>
+      <p:cxnSp>
+        <p:nvCxnSpPr>
+          <p:cNvPr id="7" name="직선 연결선 6">
+            <a:extLst>
+              <a:ext uri="{FF2B5EF4-FFF2-40B4-BE49-F238E27FC236}">
+                <a16:creationId xmlns:a16="http://schemas.microsoft.com/office/drawing/2014/main" id="{9FF08141-38ED-4F86-86A9-757547A2479E}"/>
+              </a:ext>
+            </a:extLst>
+          </p:cNvPr>
+          <p:cNvCxnSpPr>
+            <a:cxnSpLocks/>
+          </p:cNvCxnSpPr>
+          <p:nvPr/>
+        </p:nvCxnSpPr>
+        <p:spPr>
+          <a:xfrm>
+            <a:off x="4672208" y="1565753"/>
+            <a:ext cx="1402915" cy="0"/>
+          </a:xfrm>
+          <a:prstGeom prst="line">
+            <a:avLst/>
+          </a:prstGeom>
+          <a:ln w="57150">
+            <a:solidFill>
+              <a:schemeClr val="accent4">
+                <a:lumMod val="75000"/>
+              </a:schemeClr>
+            </a:solidFill>
+          </a:ln>
+        </p:spPr>
+        <p:style>
+          <a:lnRef idx="1">
+            <a:schemeClr val="accent1"/>
+          </a:lnRef>
+          <a:fillRef idx="0">
+            <a:schemeClr val="accent1"/>
+          </a:fillRef>
+          <a:effectRef idx="0">
+            <a:schemeClr val="accent1"/>
+          </a:effectRef>
+          <a:fontRef idx="minor">
+            <a:schemeClr val="tx1"/>
+          </a:fontRef>
+        </p:style>
+      </p:cxnSp>
+      <p:cxnSp>
+        <p:nvCxnSpPr>
+          <p:cNvPr id="8" name="직선 연결선 7">
+            <a:extLst>
+              <a:ext uri="{FF2B5EF4-FFF2-40B4-BE49-F238E27FC236}">
+                <a16:creationId xmlns:a16="http://schemas.microsoft.com/office/drawing/2014/main" id="{62A6EC5E-008F-4227-A299-34A564C6B4DE}"/>
+              </a:ext>
+            </a:extLst>
+          </p:cNvPr>
+          <p:cNvCxnSpPr>
+            <a:cxnSpLocks/>
+          </p:cNvCxnSpPr>
+          <p:nvPr/>
+        </p:nvCxnSpPr>
+        <p:spPr>
+          <a:xfrm>
+            <a:off x="6075123" y="1565753"/>
+            <a:ext cx="1402915" cy="0"/>
+          </a:xfrm>
+          <a:prstGeom prst="line">
+            <a:avLst/>
+          </a:prstGeom>
+          <a:ln w="57150">
+            <a:solidFill>
+              <a:srgbClr val="FF0000"/>
+            </a:solidFill>
+          </a:ln>
+        </p:spPr>
+        <p:style>
+          <a:lnRef idx="1">
+            <a:schemeClr val="accent1"/>
+          </a:lnRef>
+          <a:fillRef idx="0">
+            <a:schemeClr val="accent1"/>
+          </a:fillRef>
+          <a:effectRef idx="0">
+            <a:schemeClr val="accent1"/>
+          </a:effectRef>
+          <a:fontRef idx="minor">
+            <a:schemeClr val="tx1"/>
+          </a:fontRef>
+        </p:style>
+      </p:cxnSp>
+      <p:cxnSp>
+        <p:nvCxnSpPr>
+          <p:cNvPr id="9" name="직선 연결선 8">
+            <a:extLst>
+              <a:ext uri="{FF2B5EF4-FFF2-40B4-BE49-F238E27FC236}">
+                <a16:creationId xmlns:a16="http://schemas.microsoft.com/office/drawing/2014/main" id="{73BE4EC4-D5AB-43B6-99B8-20CC507C817B}"/>
+              </a:ext>
+            </a:extLst>
+          </p:cNvPr>
+          <p:cNvCxnSpPr>
+            <a:cxnSpLocks/>
+          </p:cNvCxnSpPr>
+          <p:nvPr/>
+        </p:nvCxnSpPr>
+        <p:spPr>
+          <a:xfrm>
+            <a:off x="7478038" y="1565753"/>
+            <a:ext cx="1402915" cy="0"/>
+          </a:xfrm>
+          <a:prstGeom prst="line">
+            <a:avLst/>
+          </a:prstGeom>
+          <a:ln w="57150">
+            <a:solidFill>
+              <a:srgbClr val="92D050"/>
+            </a:solidFill>
+          </a:ln>
+        </p:spPr>
+        <p:style>
+          <a:lnRef idx="1">
+            <a:schemeClr val="accent1"/>
+          </a:lnRef>
+          <a:fillRef idx="0">
+            <a:schemeClr val="accent1"/>
+          </a:fillRef>
+          <a:effectRef idx="0">
+            <a:schemeClr val="accent1"/>
+          </a:effectRef>
+          <a:fontRef idx="minor">
+            <a:schemeClr val="tx1"/>
+          </a:fontRef>
+        </p:style>
+      </p:cxnSp>
+      <p:cxnSp>
+        <p:nvCxnSpPr>
+          <p:cNvPr id="10" name="직선 연결선 9">
+            <a:extLst>
+              <a:ext uri="{FF2B5EF4-FFF2-40B4-BE49-F238E27FC236}">
+                <a16:creationId xmlns:a16="http://schemas.microsoft.com/office/drawing/2014/main" id="{D23B7696-E162-4DC6-9E5C-29744AE86C94}"/>
+              </a:ext>
+            </a:extLst>
+          </p:cNvPr>
+          <p:cNvCxnSpPr>
+            <a:cxnSpLocks/>
+          </p:cNvCxnSpPr>
+          <p:nvPr/>
+        </p:nvCxnSpPr>
+        <p:spPr>
+          <a:xfrm>
+            <a:off x="8880953" y="1565753"/>
+            <a:ext cx="1402915" cy="0"/>
+          </a:xfrm>
+          <a:prstGeom prst="line">
+            <a:avLst/>
+          </a:prstGeom>
+          <a:ln w="57150">
+            <a:solidFill>
+              <a:schemeClr val="bg2">
+                <a:lumMod val="50000"/>
+              </a:schemeClr>
+            </a:solidFill>
+          </a:ln>
+        </p:spPr>
+        <p:style>
+          <a:lnRef idx="1">
+            <a:schemeClr val="accent1"/>
+          </a:lnRef>
+          <a:fillRef idx="0">
+            <a:schemeClr val="accent1"/>
+          </a:fillRef>
+          <a:effectRef idx="0">
+            <a:schemeClr val="accent1"/>
+          </a:effectRef>
+          <a:fontRef idx="minor">
+            <a:schemeClr val="tx1"/>
+          </a:fontRef>
+        </p:style>
+      </p:cxnSp>
+      <p:cxnSp>
+        <p:nvCxnSpPr>
+          <p:cNvPr id="11" name="직선 연결선 10">
+            <a:extLst>
+              <a:ext uri="{FF2B5EF4-FFF2-40B4-BE49-F238E27FC236}">
+                <a16:creationId xmlns:a16="http://schemas.microsoft.com/office/drawing/2014/main" id="{AD5A1D01-4DAC-4236-AC37-43914BEDECF3}"/>
+              </a:ext>
+            </a:extLst>
+          </p:cNvPr>
+          <p:cNvCxnSpPr>
+            <a:cxnSpLocks/>
+          </p:cNvCxnSpPr>
+          <p:nvPr/>
+        </p:nvCxnSpPr>
+        <p:spPr>
+          <a:xfrm>
+            <a:off x="10283868" y="1565753"/>
+            <a:ext cx="1402915" cy="0"/>
+          </a:xfrm>
+          <a:prstGeom prst="line">
+            <a:avLst/>
+          </a:prstGeom>
+          <a:ln w="57150">
+            <a:solidFill>
+              <a:schemeClr val="bg1">
+                <a:lumMod val="85000"/>
+              </a:schemeClr>
+            </a:solidFill>
+          </a:ln>
+        </p:spPr>
+        <p:style>
+          <a:lnRef idx="1">
+            <a:schemeClr val="accent1"/>
+          </a:lnRef>
+          <a:fillRef idx="0">
+            <a:schemeClr val="accent1"/>
+          </a:fillRef>
+          <a:effectRef idx="0">
+            <a:schemeClr val="accent1"/>
+          </a:effectRef>
+          <a:fontRef idx="minor">
+            <a:schemeClr val="tx1"/>
+          </a:fontRef>
+        </p:style>
+      </p:cxnSp>
       <p:pic>
         <p:nvPicPr>
-          <p:cNvPr id="12" name="내용 개체 틀 11">
-            <a:extLst>
-              <a:ext uri="{FF2B5EF4-FFF2-40B4-BE49-F238E27FC236}">
-                <a16:creationId xmlns:a16="http://schemas.microsoft.com/office/drawing/2014/main" id="{0F3E58B3-1045-4F83-8860-19C70CCA6E68}"/>
+          <p:cNvPr id="12" name="그림 11">
+            <a:extLst>
+              <a:ext uri="{FF2B5EF4-FFF2-40B4-BE49-F238E27FC236}">
+                <a16:creationId xmlns:a16="http://schemas.microsoft.com/office/drawing/2014/main" id="{3691A322-430D-443D-ACB0-626DE5887B33}"/>
               </a:ext>
             </a:extLst>
           </p:cNvPr>
           <p:cNvPicPr>
-            <a:picLocks noGrp="1" noChangeAspect="1"/>
+            <a:picLocks noChangeAspect="1"/>
           </p:cNvPicPr>
-          <p:nvPr>
-            <p:ph idx="1"/>
-          </p:nvPr>
+          <p:nvPr/>
         </p:nvPicPr>
         <p:blipFill rotWithShape="1">
           <a:blip r:embed="rId2"/>
-          <a:srcRect l="1277" t="13358"/>
+          <a:srcRect l="1025"/>
           <a:stretch/>
         </p:blipFill>
         <p:spPr>
           <a:xfrm>
-            <a:off x="838200" y="2016689"/>
-            <a:ext cx="6855912" cy="3023587"/>
+            <a:off x="2379684" y="1767219"/>
+            <a:ext cx="7432631" cy="3323562"/>
           </a:xfrm>
           <a:prstGeom prst="rect">
             <a:avLst/>
@@ -4753,319 +5145,12 @@
           </a:effectLst>
         </p:spPr>
       </p:pic>
-      <p:cxnSp>
-        <p:nvCxnSpPr>
-          <p:cNvPr id="4" name="직선 연결선 3">
-            <a:extLst>
-              <a:ext uri="{FF2B5EF4-FFF2-40B4-BE49-F238E27FC236}">
-                <a16:creationId xmlns:a16="http://schemas.microsoft.com/office/drawing/2014/main" id="{EE01682E-4EC3-491F-A46B-0EACC9713D73}"/>
-              </a:ext>
-            </a:extLst>
-          </p:cNvPr>
-          <p:cNvCxnSpPr>
-            <a:cxnSpLocks/>
-          </p:cNvCxnSpPr>
-          <p:nvPr/>
-        </p:nvCxnSpPr>
-        <p:spPr>
-          <a:xfrm>
-            <a:off x="463463" y="1565753"/>
-            <a:ext cx="1402915" cy="0"/>
-          </a:xfrm>
-          <a:prstGeom prst="line">
-            <a:avLst/>
-          </a:prstGeom>
-          <a:ln w="57150">
-            <a:solidFill>
-              <a:srgbClr val="00B050"/>
-            </a:solidFill>
-          </a:ln>
-        </p:spPr>
-        <p:style>
-          <a:lnRef idx="1">
-            <a:schemeClr val="accent1"/>
-          </a:lnRef>
-          <a:fillRef idx="0">
-            <a:schemeClr val="accent1"/>
-          </a:fillRef>
-          <a:effectRef idx="0">
-            <a:schemeClr val="accent1"/>
-          </a:effectRef>
-          <a:fontRef idx="minor">
-            <a:schemeClr val="tx1"/>
-          </a:fontRef>
-        </p:style>
-      </p:cxnSp>
-      <p:cxnSp>
-        <p:nvCxnSpPr>
-          <p:cNvPr id="5" name="직선 연결선 4">
-            <a:extLst>
-              <a:ext uri="{FF2B5EF4-FFF2-40B4-BE49-F238E27FC236}">
-                <a16:creationId xmlns:a16="http://schemas.microsoft.com/office/drawing/2014/main" id="{ABC6680E-470B-45C4-B289-7A0EF67ED7E0}"/>
-              </a:ext>
-            </a:extLst>
-          </p:cNvPr>
-          <p:cNvCxnSpPr>
-            <a:cxnSpLocks/>
-          </p:cNvCxnSpPr>
-          <p:nvPr/>
-        </p:nvCxnSpPr>
-        <p:spPr>
-          <a:xfrm>
-            <a:off x="1866378" y="1565753"/>
-            <a:ext cx="1402915" cy="0"/>
-          </a:xfrm>
-          <a:prstGeom prst="line">
-            <a:avLst/>
-          </a:prstGeom>
-          <a:ln w="57150">
-            <a:solidFill>
-              <a:schemeClr val="accent2">
-                <a:lumMod val="75000"/>
-              </a:schemeClr>
-            </a:solidFill>
-          </a:ln>
-        </p:spPr>
-        <p:style>
-          <a:lnRef idx="1">
-            <a:schemeClr val="accent1"/>
-          </a:lnRef>
-          <a:fillRef idx="0">
-            <a:schemeClr val="accent1"/>
-          </a:fillRef>
-          <a:effectRef idx="0">
-            <a:schemeClr val="accent1"/>
-          </a:effectRef>
-          <a:fontRef idx="minor">
-            <a:schemeClr val="tx1"/>
-          </a:fontRef>
-        </p:style>
-      </p:cxnSp>
-      <p:cxnSp>
-        <p:nvCxnSpPr>
-          <p:cNvPr id="6" name="직선 연결선 5">
-            <a:extLst>
-              <a:ext uri="{FF2B5EF4-FFF2-40B4-BE49-F238E27FC236}">
-                <a16:creationId xmlns:a16="http://schemas.microsoft.com/office/drawing/2014/main" id="{3678CCF4-4AC3-4139-92E5-55722C3E7751}"/>
-              </a:ext>
-            </a:extLst>
-          </p:cNvPr>
-          <p:cNvCxnSpPr>
-            <a:cxnSpLocks/>
-          </p:cNvCxnSpPr>
-          <p:nvPr/>
-        </p:nvCxnSpPr>
-        <p:spPr>
-          <a:xfrm>
-            <a:off x="3269293" y="1565753"/>
-            <a:ext cx="1402915" cy="0"/>
-          </a:xfrm>
-          <a:prstGeom prst="line">
-            <a:avLst/>
-          </a:prstGeom>
-          <a:ln w="57150">
-            <a:solidFill>
-              <a:srgbClr val="FFC000"/>
-            </a:solidFill>
-          </a:ln>
-        </p:spPr>
-        <p:style>
-          <a:lnRef idx="1">
-            <a:schemeClr val="accent1"/>
-          </a:lnRef>
-          <a:fillRef idx="0">
-            <a:schemeClr val="accent1"/>
-          </a:fillRef>
-          <a:effectRef idx="0">
-            <a:schemeClr val="accent1"/>
-          </a:effectRef>
-          <a:fontRef idx="minor">
-            <a:schemeClr val="tx1"/>
-          </a:fontRef>
-        </p:style>
-      </p:cxnSp>
-      <p:cxnSp>
-        <p:nvCxnSpPr>
-          <p:cNvPr id="7" name="직선 연결선 6">
-            <a:extLst>
-              <a:ext uri="{FF2B5EF4-FFF2-40B4-BE49-F238E27FC236}">
-                <a16:creationId xmlns:a16="http://schemas.microsoft.com/office/drawing/2014/main" id="{9FF08141-38ED-4F86-86A9-757547A2479E}"/>
-              </a:ext>
-            </a:extLst>
-          </p:cNvPr>
-          <p:cNvCxnSpPr>
-            <a:cxnSpLocks/>
-          </p:cNvCxnSpPr>
-          <p:nvPr/>
-        </p:nvCxnSpPr>
-        <p:spPr>
-          <a:xfrm>
-            <a:off x="4672208" y="1565753"/>
-            <a:ext cx="1402915" cy="0"/>
-          </a:xfrm>
-          <a:prstGeom prst="line">
-            <a:avLst/>
-          </a:prstGeom>
-          <a:ln w="57150">
-            <a:solidFill>
-              <a:schemeClr val="accent4">
-                <a:lumMod val="75000"/>
-              </a:schemeClr>
-            </a:solidFill>
-          </a:ln>
-        </p:spPr>
-        <p:style>
-          <a:lnRef idx="1">
-            <a:schemeClr val="accent1"/>
-          </a:lnRef>
-          <a:fillRef idx="0">
-            <a:schemeClr val="accent1"/>
-          </a:fillRef>
-          <a:effectRef idx="0">
-            <a:schemeClr val="accent1"/>
-          </a:effectRef>
-          <a:fontRef idx="minor">
-            <a:schemeClr val="tx1"/>
-          </a:fontRef>
-        </p:style>
-      </p:cxnSp>
-      <p:cxnSp>
-        <p:nvCxnSpPr>
-          <p:cNvPr id="8" name="직선 연결선 7">
-            <a:extLst>
-              <a:ext uri="{FF2B5EF4-FFF2-40B4-BE49-F238E27FC236}">
-                <a16:creationId xmlns:a16="http://schemas.microsoft.com/office/drawing/2014/main" id="{62A6EC5E-008F-4227-A299-34A564C6B4DE}"/>
-              </a:ext>
-            </a:extLst>
-          </p:cNvPr>
-          <p:cNvCxnSpPr>
-            <a:cxnSpLocks/>
-          </p:cNvCxnSpPr>
-          <p:nvPr/>
-        </p:nvCxnSpPr>
-        <p:spPr>
-          <a:xfrm>
-            <a:off x="6075123" y="1565753"/>
-            <a:ext cx="1402915" cy="0"/>
-          </a:xfrm>
-          <a:prstGeom prst="line">
-            <a:avLst/>
-          </a:prstGeom>
-          <a:ln w="57150">
-            <a:solidFill>
-              <a:srgbClr val="FF0000"/>
-            </a:solidFill>
-          </a:ln>
-        </p:spPr>
-        <p:style>
-          <a:lnRef idx="1">
-            <a:schemeClr val="accent1"/>
-          </a:lnRef>
-          <a:fillRef idx="0">
-            <a:schemeClr val="accent1"/>
-          </a:fillRef>
-          <a:effectRef idx="0">
-            <a:schemeClr val="accent1"/>
-          </a:effectRef>
-          <a:fontRef idx="minor">
-            <a:schemeClr val="tx1"/>
-          </a:fontRef>
-        </p:style>
-      </p:cxnSp>
-      <p:cxnSp>
-        <p:nvCxnSpPr>
-          <p:cNvPr id="9" name="직선 연결선 8">
-            <a:extLst>
-              <a:ext uri="{FF2B5EF4-FFF2-40B4-BE49-F238E27FC236}">
-                <a16:creationId xmlns:a16="http://schemas.microsoft.com/office/drawing/2014/main" id="{73BE4EC4-D5AB-43B6-99B8-20CC507C817B}"/>
-              </a:ext>
-            </a:extLst>
-          </p:cNvPr>
-          <p:cNvCxnSpPr>
-            <a:cxnSpLocks/>
-          </p:cNvCxnSpPr>
-          <p:nvPr/>
-        </p:nvCxnSpPr>
-        <p:spPr>
-          <a:xfrm>
-            <a:off x="7478038" y="1565753"/>
-            <a:ext cx="1402915" cy="0"/>
-          </a:xfrm>
-          <a:prstGeom prst="line">
-            <a:avLst/>
-          </a:prstGeom>
-          <a:ln w="57150">
-            <a:solidFill>
-              <a:srgbClr val="92D050"/>
-            </a:solidFill>
-          </a:ln>
-        </p:spPr>
-        <p:style>
-          <a:lnRef idx="1">
-            <a:schemeClr val="accent1"/>
-          </a:lnRef>
-          <a:fillRef idx="0">
-            <a:schemeClr val="accent1"/>
-          </a:fillRef>
-          <a:effectRef idx="0">
-            <a:schemeClr val="accent1"/>
-          </a:effectRef>
-          <a:fontRef idx="minor">
-            <a:schemeClr val="tx1"/>
-          </a:fontRef>
-        </p:style>
-      </p:cxnSp>
-      <p:cxnSp>
-        <p:nvCxnSpPr>
-          <p:cNvPr id="10" name="직선 연결선 9">
-            <a:extLst>
-              <a:ext uri="{FF2B5EF4-FFF2-40B4-BE49-F238E27FC236}">
-                <a16:creationId xmlns:a16="http://schemas.microsoft.com/office/drawing/2014/main" id="{D23B7696-E162-4DC6-9E5C-29744AE86C94}"/>
-              </a:ext>
-            </a:extLst>
-          </p:cNvPr>
-          <p:cNvCxnSpPr>
-            <a:cxnSpLocks/>
-          </p:cNvCxnSpPr>
-          <p:nvPr/>
-        </p:nvCxnSpPr>
-        <p:spPr>
-          <a:xfrm>
-            <a:off x="8880953" y="1565753"/>
-            <a:ext cx="1402915" cy="0"/>
-          </a:xfrm>
-          <a:prstGeom prst="line">
-            <a:avLst/>
-          </a:prstGeom>
-          <a:ln w="57150">
-            <a:solidFill>
-              <a:schemeClr val="bg2">
-                <a:lumMod val="50000"/>
-              </a:schemeClr>
-            </a:solidFill>
-          </a:ln>
-        </p:spPr>
-        <p:style>
-          <a:lnRef idx="1">
-            <a:schemeClr val="accent1"/>
-          </a:lnRef>
-          <a:fillRef idx="0">
-            <a:schemeClr val="accent1"/>
-          </a:fillRef>
-          <a:effectRef idx="0">
-            <a:schemeClr val="accent1"/>
-          </a:effectRef>
-          <a:fontRef idx="minor">
-            <a:schemeClr val="tx1"/>
-          </a:fontRef>
-        </p:style>
-      </p:cxnSp>
       <p:pic>
         <p:nvPicPr>
           <p:cNvPr id="13" name="그림 12">
             <a:extLst>
               <a:ext uri="{FF2B5EF4-FFF2-40B4-BE49-F238E27FC236}">
-                <a16:creationId xmlns:a16="http://schemas.microsoft.com/office/drawing/2014/main" id="{2726CB69-5CD2-42EA-ADF6-9A2A45A6882F}"/>
+                <a16:creationId xmlns:a16="http://schemas.microsoft.com/office/drawing/2014/main" id="{31F9A91C-0792-40E7-90F1-62F6174377A2}"/>
               </a:ext>
             </a:extLst>
           </p:cNvPr>
@@ -5074,16 +5159,15 @@
           </p:cNvPicPr>
           <p:nvPr/>
         </p:nvPicPr>
-        <p:blipFill>
+        <p:blipFill rotWithShape="1">
           <a:blip r:embed="rId3"/>
-          <a:stretch>
-            <a:fillRect/>
-          </a:stretch>
+          <a:srcRect t="-18572" r="27988" b="1"/>
+          <a:stretch/>
         </p:blipFill>
         <p:spPr>
           <a:xfrm>
-            <a:off x="8880953" y="365125"/>
-            <a:ext cx="2472847" cy="6284584"/>
+            <a:off x="1631506" y="5442559"/>
+            <a:ext cx="9722294" cy="790541"/>
           </a:xfrm>
           <a:prstGeom prst="rect">
             <a:avLst/>
@@ -5107,7 +5191,7 @@
     </p:spTree>
     <p:extLst>
       <p:ext uri="{BB962C8B-B14F-4D97-AF65-F5344CB8AC3E}">
-        <p14:creationId xmlns:p14="http://schemas.microsoft.com/office/powerpoint/2010/main" val="2752702739"/>
+        <p14:creationId xmlns:p14="http://schemas.microsoft.com/office/powerpoint/2010/main" val="2004272052"/>
       </p:ext>
     </p:extLst>
   </p:cSld>
@@ -5161,7 +5245,7 @@
             </a:r>
             <a:r>
               <a:rPr lang="ko-KR" altLang="en-US" b="1" dirty="0"/>
-              <a:t>인벤토리에 아이템 추가</a:t>
+              <a:t>도구 목록 출력</a:t>
             </a:r>
           </a:p>
         </p:txBody>
@@ -5171,7 +5255,7 @@
           <p:cNvPr id="12" name="내용 개체 틀 11">
             <a:extLst>
               <a:ext uri="{FF2B5EF4-FFF2-40B4-BE49-F238E27FC236}">
-                <a16:creationId xmlns:a16="http://schemas.microsoft.com/office/drawing/2014/main" id="{BE0C4840-607F-48F5-8117-E31A1FE88A5E}"/>
+                <a16:creationId xmlns:a16="http://schemas.microsoft.com/office/drawing/2014/main" id="{0F3E58B3-1045-4F83-8860-19C70CCA6E68}"/>
               </a:ext>
             </a:extLst>
           </p:cNvPr>
@@ -5182,16 +5266,15 @@
             <p:ph idx="1"/>
           </p:nvPr>
         </p:nvPicPr>
-        <p:blipFill>
+        <p:blipFill rotWithShape="1">
           <a:blip r:embed="rId2"/>
-          <a:stretch>
-            <a:fillRect/>
-          </a:stretch>
+          <a:srcRect l="1277" t="13358"/>
+          <a:stretch/>
         </p:blipFill>
         <p:spPr>
           <a:xfrm>
-            <a:off x="1202519" y="1751491"/>
-            <a:ext cx="8342292" cy="2758202"/>
+            <a:off x="838200" y="2016689"/>
+            <a:ext cx="6855912" cy="3023587"/>
           </a:xfrm>
           <a:prstGeom prst="rect">
             <a:avLst/>
@@ -5519,57 +5602,12 @@
           </a:fontRef>
         </p:style>
       </p:cxnSp>
-      <p:cxnSp>
-        <p:nvCxnSpPr>
-          <p:cNvPr id="11" name="직선 연결선 10">
-            <a:extLst>
-              <a:ext uri="{FF2B5EF4-FFF2-40B4-BE49-F238E27FC236}">
-                <a16:creationId xmlns:a16="http://schemas.microsoft.com/office/drawing/2014/main" id="{AD5A1D01-4DAC-4236-AC37-43914BEDECF3}"/>
-              </a:ext>
-            </a:extLst>
-          </p:cNvPr>
-          <p:cNvCxnSpPr>
-            <a:cxnSpLocks/>
-          </p:cNvCxnSpPr>
-          <p:nvPr/>
-        </p:nvCxnSpPr>
-        <p:spPr>
-          <a:xfrm>
-            <a:off x="10283868" y="1565753"/>
-            <a:ext cx="1402915" cy="0"/>
-          </a:xfrm>
-          <a:prstGeom prst="line">
-            <a:avLst/>
-          </a:prstGeom>
-          <a:ln w="57150">
-            <a:solidFill>
-              <a:schemeClr val="bg1">
-                <a:lumMod val="85000"/>
-              </a:schemeClr>
-            </a:solidFill>
-          </a:ln>
-        </p:spPr>
-        <p:style>
-          <a:lnRef idx="1">
-            <a:schemeClr val="accent1"/>
-          </a:lnRef>
-          <a:fillRef idx="0">
-            <a:schemeClr val="accent1"/>
-          </a:fillRef>
-          <a:effectRef idx="0">
-            <a:schemeClr val="accent1"/>
-          </a:effectRef>
-          <a:fontRef idx="minor">
-            <a:schemeClr val="tx1"/>
-          </a:fontRef>
-        </p:style>
-      </p:cxnSp>
       <p:pic>
         <p:nvPicPr>
           <p:cNvPr id="13" name="그림 12">
             <a:extLst>
               <a:ext uri="{FF2B5EF4-FFF2-40B4-BE49-F238E27FC236}">
-                <a16:creationId xmlns:a16="http://schemas.microsoft.com/office/drawing/2014/main" id="{AEA699F3-643C-42F7-B38B-769216C8B61C}"/>
+                <a16:creationId xmlns:a16="http://schemas.microsoft.com/office/drawing/2014/main" id="{2726CB69-5CD2-42EA-ADF6-9A2A45A6882F}"/>
               </a:ext>
             </a:extLst>
           </p:cNvPr>
@@ -5586,18 +5624,32 @@
         </p:blipFill>
         <p:spPr>
           <a:xfrm>
-            <a:off x="1866378" y="4648846"/>
-            <a:ext cx="7058025" cy="2047875"/>
+            <a:off x="8880953" y="365125"/>
+            <a:ext cx="2472847" cy="6284584"/>
           </a:xfrm>
           <a:prstGeom prst="rect">
             <a:avLst/>
           </a:prstGeom>
+          <a:ln w="38100" cap="sq">
+            <a:solidFill>
+              <a:srgbClr val="000000"/>
+            </a:solidFill>
+            <a:prstDash val="solid"/>
+            <a:miter lim="800000"/>
+          </a:ln>
+          <a:effectLst>
+            <a:outerShdw blurRad="50800" dist="38100" dir="2700000" algn="tl" rotWithShape="0">
+              <a:srgbClr val="000000">
+                <a:alpha val="43000"/>
+              </a:srgbClr>
+            </a:outerShdw>
+          </a:effectLst>
         </p:spPr>
       </p:pic>
     </p:spTree>
     <p:extLst>
       <p:ext uri="{BB962C8B-B14F-4D97-AF65-F5344CB8AC3E}">
-        <p14:creationId xmlns:p14="http://schemas.microsoft.com/office/powerpoint/2010/main" val="3392884648"/>
+        <p14:creationId xmlns:p14="http://schemas.microsoft.com/office/powerpoint/2010/main" val="2752702739"/>
       </p:ext>
     </p:extLst>
   </p:cSld>
@@ -5647,27 +5699,11 @@
           <a:p>
             <a:r>
               <a:rPr lang="en-US" altLang="ko-KR" b="1" dirty="0"/>
-              <a:t>Minetest</a:t>
+              <a:t>Minetest – </a:t>
             </a:r>
             <a:r>
               <a:rPr lang="ko-KR" altLang="en-US" b="1" dirty="0"/>
-              <a:t> </a:t>
-            </a:r>
-            <a:r>
-              <a:rPr lang="en-US" altLang="ko-KR" b="1" dirty="0"/>
-              <a:t>–</a:t>
-            </a:r>
-            <a:r>
-              <a:rPr lang="ko-KR" altLang="en-US" b="1" dirty="0"/>
-              <a:t> </a:t>
-            </a:r>
-            <a:r>
-              <a:rPr lang="en-US" altLang="ko-KR" b="1" dirty="0"/>
-              <a:t>fly </a:t>
-            </a:r>
-            <a:r>
-              <a:rPr lang="ko-KR" altLang="en-US" b="1" dirty="0"/>
-              <a:t>권한 부여</a:t>
+              <a:t>인벤토리에 아이템 추가</a:t>
             </a:r>
           </a:p>
         </p:txBody>
@@ -5677,7 +5713,7 @@
           <p:cNvPr id="12" name="내용 개체 틀 11">
             <a:extLst>
               <a:ext uri="{FF2B5EF4-FFF2-40B4-BE49-F238E27FC236}">
-                <a16:creationId xmlns:a16="http://schemas.microsoft.com/office/drawing/2014/main" id="{7D245234-E4FD-47CA-92AC-AC3CD23C6E86}"/>
+                <a16:creationId xmlns:a16="http://schemas.microsoft.com/office/drawing/2014/main" id="{BE0C4840-607F-48F5-8117-E31A1FE88A5E}"/>
               </a:ext>
             </a:extLst>
           </p:cNvPr>
@@ -5696,8 +5732,8 @@
         </p:blipFill>
         <p:spPr>
           <a:xfrm>
-            <a:off x="463463" y="1895952"/>
-            <a:ext cx="6400800" cy="4095991"/>
+            <a:off x="1202519" y="1751491"/>
+            <a:ext cx="8342292" cy="2758202"/>
           </a:xfrm>
           <a:prstGeom prst="rect">
             <a:avLst/>
@@ -6075,7 +6111,7 @@
           <p:cNvPr id="13" name="그림 12">
             <a:extLst>
               <a:ext uri="{FF2B5EF4-FFF2-40B4-BE49-F238E27FC236}">
-                <a16:creationId xmlns:a16="http://schemas.microsoft.com/office/drawing/2014/main" id="{93909A77-26E9-47C2-BD8D-EBBF1479FBB8}"/>
+                <a16:creationId xmlns:a16="http://schemas.microsoft.com/office/drawing/2014/main" id="{AEA699F3-643C-42F7-B38B-769216C8B61C}"/>
               </a:ext>
             </a:extLst>
           </p:cNvPr>
@@ -6092,8 +6128,8 @@
         </p:blipFill>
         <p:spPr>
           <a:xfrm>
-            <a:off x="7139835" y="1895953"/>
-            <a:ext cx="4551123" cy="4096010"/>
+            <a:off x="1866378" y="4648846"/>
+            <a:ext cx="7058025" cy="2047875"/>
           </a:xfrm>
           <a:prstGeom prst="rect">
             <a:avLst/>
@@ -6103,7 +6139,7 @@
     </p:spTree>
     <p:extLst>
       <p:ext uri="{BB962C8B-B14F-4D97-AF65-F5344CB8AC3E}">
-        <p14:creationId xmlns:p14="http://schemas.microsoft.com/office/powerpoint/2010/main" val="2511142432"/>
+        <p14:creationId xmlns:p14="http://schemas.microsoft.com/office/powerpoint/2010/main" val="3392884648"/>
       </p:ext>
     </p:extLst>
   </p:cSld>
@@ -6153,436 +6189,46 @@
           <a:p>
             <a:r>
               <a:rPr lang="en-US" altLang="ko-KR" b="1" dirty="0"/>
-              <a:t>Minetest – </a:t>
+              <a:t>Minetest</a:t>
             </a:r>
             <a:r>
               <a:rPr lang="ko-KR" altLang="en-US" b="1" dirty="0"/>
-              <a:t>플레이어의 중력을 설정</a:t>
+              <a:t> </a:t>
+            </a:r>
+            <a:r>
+              <a:rPr lang="en-US" altLang="ko-KR" b="1" dirty="0"/>
+              <a:t>–</a:t>
+            </a:r>
+            <a:r>
+              <a:rPr lang="ko-KR" altLang="en-US" b="1" dirty="0"/>
+              <a:t> </a:t>
+            </a:r>
+            <a:r>
+              <a:rPr lang="en-US" altLang="ko-KR" b="1" dirty="0"/>
+              <a:t>fly </a:t>
+            </a:r>
+            <a:r>
+              <a:rPr lang="ko-KR" altLang="en-US" b="1" dirty="0"/>
+              <a:t>권한 부여</a:t>
             </a:r>
           </a:p>
         </p:txBody>
       </p:sp>
-      <p:sp>
-        <p:nvSpPr>
-          <p:cNvPr id="3" name="내용 개체 틀 2">
-            <a:extLst>
-              <a:ext uri="{FF2B5EF4-FFF2-40B4-BE49-F238E27FC236}">
-                <a16:creationId xmlns:a16="http://schemas.microsoft.com/office/drawing/2014/main" id="{E9D22F1E-049A-4FEB-AEF1-C90B1011EA69}"/>
-              </a:ext>
-            </a:extLst>
-          </p:cNvPr>
-          <p:cNvSpPr>
-            <a:spLocks noGrp="1"/>
-          </p:cNvSpPr>
+      <p:pic>
+        <p:nvPicPr>
+          <p:cNvPr id="12" name="내용 개체 틀 11">
+            <a:extLst>
+              <a:ext uri="{FF2B5EF4-FFF2-40B4-BE49-F238E27FC236}">
+                <a16:creationId xmlns:a16="http://schemas.microsoft.com/office/drawing/2014/main" id="{7D245234-E4FD-47CA-92AC-AC3CD23C6E86}"/>
+              </a:ext>
+            </a:extLst>
+          </p:cNvPr>
+          <p:cNvPicPr>
+            <a:picLocks noGrp="1" noChangeAspect="1"/>
+          </p:cNvPicPr>
           <p:nvPr>
             <p:ph idx="1"/>
           </p:nvPr>
-        </p:nvSpPr>
-        <p:spPr/>
-        <p:txBody>
-          <a:bodyPr/>
-          <a:lstStyle/>
-          <a:p>
-            <a:r>
-              <a:rPr lang="ko-KR" altLang="en-US" dirty="0"/>
-              <a:t>기본값은 </a:t>
-            </a:r>
-            <a:r>
-              <a:rPr lang="en-US" altLang="ko-KR" dirty="0"/>
-              <a:t>1</a:t>
-            </a:r>
-          </a:p>
-          <a:p>
-            <a:r>
-              <a:rPr lang="ko-KR" altLang="en-US" dirty="0"/>
-              <a:t>높은 곳에서 떨어져도 중력이 낮으면 죽지 않고</a:t>
-            </a:r>
-            <a:r>
-              <a:rPr lang="en-US" altLang="ko-KR" dirty="0"/>
-              <a:t>, </a:t>
-            </a:r>
-            <a:r>
-              <a:rPr lang="ko-KR" altLang="en-US" dirty="0"/>
-              <a:t>반대로 중력이 높으면 점프로 계단 등을 올라갈 수 없음</a:t>
-            </a:r>
-            <a:r>
-              <a:rPr lang="en-US" altLang="ko-KR" dirty="0"/>
-              <a:t>.</a:t>
-            </a:r>
-          </a:p>
-          <a:p>
-            <a:pPr marL="0" indent="0">
-              <a:buNone/>
-            </a:pPr>
-            <a:endParaRPr lang="ko-KR" altLang="en-US" dirty="0"/>
-          </a:p>
-        </p:txBody>
-      </p:sp>
-      <p:cxnSp>
-        <p:nvCxnSpPr>
-          <p:cNvPr id="4" name="직선 연결선 3">
-            <a:extLst>
-              <a:ext uri="{FF2B5EF4-FFF2-40B4-BE49-F238E27FC236}">
-                <a16:creationId xmlns:a16="http://schemas.microsoft.com/office/drawing/2014/main" id="{EE01682E-4EC3-491F-A46B-0EACC9713D73}"/>
-              </a:ext>
-            </a:extLst>
-          </p:cNvPr>
-          <p:cNvCxnSpPr>
-            <a:cxnSpLocks/>
-          </p:cNvCxnSpPr>
-          <p:nvPr/>
-        </p:nvCxnSpPr>
-        <p:spPr>
-          <a:xfrm>
-            <a:off x="463463" y="1565753"/>
-            <a:ext cx="1402915" cy="0"/>
-          </a:xfrm>
-          <a:prstGeom prst="line">
-            <a:avLst/>
-          </a:prstGeom>
-          <a:ln w="57150">
-            <a:solidFill>
-              <a:srgbClr val="00B050"/>
-            </a:solidFill>
-          </a:ln>
-        </p:spPr>
-        <p:style>
-          <a:lnRef idx="1">
-            <a:schemeClr val="accent1"/>
-          </a:lnRef>
-          <a:fillRef idx="0">
-            <a:schemeClr val="accent1"/>
-          </a:fillRef>
-          <a:effectRef idx="0">
-            <a:schemeClr val="accent1"/>
-          </a:effectRef>
-          <a:fontRef idx="minor">
-            <a:schemeClr val="tx1"/>
-          </a:fontRef>
-        </p:style>
-      </p:cxnSp>
-      <p:cxnSp>
-        <p:nvCxnSpPr>
-          <p:cNvPr id="5" name="직선 연결선 4">
-            <a:extLst>
-              <a:ext uri="{FF2B5EF4-FFF2-40B4-BE49-F238E27FC236}">
-                <a16:creationId xmlns:a16="http://schemas.microsoft.com/office/drawing/2014/main" id="{ABC6680E-470B-45C4-B289-7A0EF67ED7E0}"/>
-              </a:ext>
-            </a:extLst>
-          </p:cNvPr>
-          <p:cNvCxnSpPr>
-            <a:cxnSpLocks/>
-          </p:cNvCxnSpPr>
-          <p:nvPr/>
-        </p:nvCxnSpPr>
-        <p:spPr>
-          <a:xfrm>
-            <a:off x="1866378" y="1565753"/>
-            <a:ext cx="1402915" cy="0"/>
-          </a:xfrm>
-          <a:prstGeom prst="line">
-            <a:avLst/>
-          </a:prstGeom>
-          <a:ln w="57150">
-            <a:solidFill>
-              <a:schemeClr val="accent2">
-                <a:lumMod val="75000"/>
-              </a:schemeClr>
-            </a:solidFill>
-          </a:ln>
-        </p:spPr>
-        <p:style>
-          <a:lnRef idx="1">
-            <a:schemeClr val="accent1"/>
-          </a:lnRef>
-          <a:fillRef idx="0">
-            <a:schemeClr val="accent1"/>
-          </a:fillRef>
-          <a:effectRef idx="0">
-            <a:schemeClr val="accent1"/>
-          </a:effectRef>
-          <a:fontRef idx="minor">
-            <a:schemeClr val="tx1"/>
-          </a:fontRef>
-        </p:style>
-      </p:cxnSp>
-      <p:cxnSp>
-        <p:nvCxnSpPr>
-          <p:cNvPr id="6" name="직선 연결선 5">
-            <a:extLst>
-              <a:ext uri="{FF2B5EF4-FFF2-40B4-BE49-F238E27FC236}">
-                <a16:creationId xmlns:a16="http://schemas.microsoft.com/office/drawing/2014/main" id="{3678CCF4-4AC3-4139-92E5-55722C3E7751}"/>
-              </a:ext>
-            </a:extLst>
-          </p:cNvPr>
-          <p:cNvCxnSpPr>
-            <a:cxnSpLocks/>
-          </p:cNvCxnSpPr>
-          <p:nvPr/>
-        </p:nvCxnSpPr>
-        <p:spPr>
-          <a:xfrm>
-            <a:off x="3269293" y="1565753"/>
-            <a:ext cx="1402915" cy="0"/>
-          </a:xfrm>
-          <a:prstGeom prst="line">
-            <a:avLst/>
-          </a:prstGeom>
-          <a:ln w="57150">
-            <a:solidFill>
-              <a:srgbClr val="FFC000"/>
-            </a:solidFill>
-          </a:ln>
-        </p:spPr>
-        <p:style>
-          <a:lnRef idx="1">
-            <a:schemeClr val="accent1"/>
-          </a:lnRef>
-          <a:fillRef idx="0">
-            <a:schemeClr val="accent1"/>
-          </a:fillRef>
-          <a:effectRef idx="0">
-            <a:schemeClr val="accent1"/>
-          </a:effectRef>
-          <a:fontRef idx="minor">
-            <a:schemeClr val="tx1"/>
-          </a:fontRef>
-        </p:style>
-      </p:cxnSp>
-      <p:cxnSp>
-        <p:nvCxnSpPr>
-          <p:cNvPr id="7" name="직선 연결선 6">
-            <a:extLst>
-              <a:ext uri="{FF2B5EF4-FFF2-40B4-BE49-F238E27FC236}">
-                <a16:creationId xmlns:a16="http://schemas.microsoft.com/office/drawing/2014/main" id="{9FF08141-38ED-4F86-86A9-757547A2479E}"/>
-              </a:ext>
-            </a:extLst>
-          </p:cNvPr>
-          <p:cNvCxnSpPr>
-            <a:cxnSpLocks/>
-          </p:cNvCxnSpPr>
-          <p:nvPr/>
-        </p:nvCxnSpPr>
-        <p:spPr>
-          <a:xfrm>
-            <a:off x="4672208" y="1565753"/>
-            <a:ext cx="1402915" cy="0"/>
-          </a:xfrm>
-          <a:prstGeom prst="line">
-            <a:avLst/>
-          </a:prstGeom>
-          <a:ln w="57150">
-            <a:solidFill>
-              <a:schemeClr val="accent4">
-                <a:lumMod val="75000"/>
-              </a:schemeClr>
-            </a:solidFill>
-          </a:ln>
-        </p:spPr>
-        <p:style>
-          <a:lnRef idx="1">
-            <a:schemeClr val="accent1"/>
-          </a:lnRef>
-          <a:fillRef idx="0">
-            <a:schemeClr val="accent1"/>
-          </a:fillRef>
-          <a:effectRef idx="0">
-            <a:schemeClr val="accent1"/>
-          </a:effectRef>
-          <a:fontRef idx="minor">
-            <a:schemeClr val="tx1"/>
-          </a:fontRef>
-        </p:style>
-      </p:cxnSp>
-      <p:cxnSp>
-        <p:nvCxnSpPr>
-          <p:cNvPr id="8" name="직선 연결선 7">
-            <a:extLst>
-              <a:ext uri="{FF2B5EF4-FFF2-40B4-BE49-F238E27FC236}">
-                <a16:creationId xmlns:a16="http://schemas.microsoft.com/office/drawing/2014/main" id="{62A6EC5E-008F-4227-A299-34A564C6B4DE}"/>
-              </a:ext>
-            </a:extLst>
-          </p:cNvPr>
-          <p:cNvCxnSpPr>
-            <a:cxnSpLocks/>
-          </p:cNvCxnSpPr>
-          <p:nvPr/>
-        </p:nvCxnSpPr>
-        <p:spPr>
-          <a:xfrm>
-            <a:off x="6075123" y="1565753"/>
-            <a:ext cx="1402915" cy="0"/>
-          </a:xfrm>
-          <a:prstGeom prst="line">
-            <a:avLst/>
-          </a:prstGeom>
-          <a:ln w="57150">
-            <a:solidFill>
-              <a:srgbClr val="FF0000"/>
-            </a:solidFill>
-          </a:ln>
-        </p:spPr>
-        <p:style>
-          <a:lnRef idx="1">
-            <a:schemeClr val="accent1"/>
-          </a:lnRef>
-          <a:fillRef idx="0">
-            <a:schemeClr val="accent1"/>
-          </a:fillRef>
-          <a:effectRef idx="0">
-            <a:schemeClr val="accent1"/>
-          </a:effectRef>
-          <a:fontRef idx="minor">
-            <a:schemeClr val="tx1"/>
-          </a:fontRef>
-        </p:style>
-      </p:cxnSp>
-      <p:cxnSp>
-        <p:nvCxnSpPr>
-          <p:cNvPr id="9" name="직선 연결선 8">
-            <a:extLst>
-              <a:ext uri="{FF2B5EF4-FFF2-40B4-BE49-F238E27FC236}">
-                <a16:creationId xmlns:a16="http://schemas.microsoft.com/office/drawing/2014/main" id="{73BE4EC4-D5AB-43B6-99B8-20CC507C817B}"/>
-              </a:ext>
-            </a:extLst>
-          </p:cNvPr>
-          <p:cNvCxnSpPr>
-            <a:cxnSpLocks/>
-          </p:cNvCxnSpPr>
-          <p:nvPr/>
-        </p:nvCxnSpPr>
-        <p:spPr>
-          <a:xfrm>
-            <a:off x="7478038" y="1565753"/>
-            <a:ext cx="1402915" cy="0"/>
-          </a:xfrm>
-          <a:prstGeom prst="line">
-            <a:avLst/>
-          </a:prstGeom>
-          <a:ln w="57150">
-            <a:solidFill>
-              <a:srgbClr val="92D050"/>
-            </a:solidFill>
-          </a:ln>
-        </p:spPr>
-        <p:style>
-          <a:lnRef idx="1">
-            <a:schemeClr val="accent1"/>
-          </a:lnRef>
-          <a:fillRef idx="0">
-            <a:schemeClr val="accent1"/>
-          </a:fillRef>
-          <a:effectRef idx="0">
-            <a:schemeClr val="accent1"/>
-          </a:effectRef>
-          <a:fontRef idx="minor">
-            <a:schemeClr val="tx1"/>
-          </a:fontRef>
-        </p:style>
-      </p:cxnSp>
-      <p:cxnSp>
-        <p:nvCxnSpPr>
-          <p:cNvPr id="10" name="직선 연결선 9">
-            <a:extLst>
-              <a:ext uri="{FF2B5EF4-FFF2-40B4-BE49-F238E27FC236}">
-                <a16:creationId xmlns:a16="http://schemas.microsoft.com/office/drawing/2014/main" id="{D23B7696-E162-4DC6-9E5C-29744AE86C94}"/>
-              </a:ext>
-            </a:extLst>
-          </p:cNvPr>
-          <p:cNvCxnSpPr>
-            <a:cxnSpLocks/>
-          </p:cNvCxnSpPr>
-          <p:nvPr/>
-        </p:nvCxnSpPr>
-        <p:spPr>
-          <a:xfrm>
-            <a:off x="8880953" y="1565753"/>
-            <a:ext cx="1402915" cy="0"/>
-          </a:xfrm>
-          <a:prstGeom prst="line">
-            <a:avLst/>
-          </a:prstGeom>
-          <a:ln w="57150">
-            <a:solidFill>
-              <a:schemeClr val="bg2">
-                <a:lumMod val="50000"/>
-              </a:schemeClr>
-            </a:solidFill>
-          </a:ln>
-        </p:spPr>
-        <p:style>
-          <a:lnRef idx="1">
-            <a:schemeClr val="accent1"/>
-          </a:lnRef>
-          <a:fillRef idx="0">
-            <a:schemeClr val="accent1"/>
-          </a:fillRef>
-          <a:effectRef idx="0">
-            <a:schemeClr val="accent1"/>
-          </a:effectRef>
-          <a:fontRef idx="minor">
-            <a:schemeClr val="tx1"/>
-          </a:fontRef>
-        </p:style>
-      </p:cxnSp>
-      <p:cxnSp>
-        <p:nvCxnSpPr>
-          <p:cNvPr id="11" name="직선 연결선 10">
-            <a:extLst>
-              <a:ext uri="{FF2B5EF4-FFF2-40B4-BE49-F238E27FC236}">
-                <a16:creationId xmlns:a16="http://schemas.microsoft.com/office/drawing/2014/main" id="{AD5A1D01-4DAC-4236-AC37-43914BEDECF3}"/>
-              </a:ext>
-            </a:extLst>
-          </p:cNvPr>
-          <p:cNvCxnSpPr>
-            <a:cxnSpLocks/>
-          </p:cNvCxnSpPr>
-          <p:nvPr/>
-        </p:nvCxnSpPr>
-        <p:spPr>
-          <a:xfrm>
-            <a:off x="10283868" y="1565753"/>
-            <a:ext cx="1402915" cy="0"/>
-          </a:xfrm>
-          <a:prstGeom prst="line">
-            <a:avLst/>
-          </a:prstGeom>
-          <a:ln w="57150">
-            <a:solidFill>
-              <a:schemeClr val="bg1">
-                <a:lumMod val="85000"/>
-              </a:schemeClr>
-            </a:solidFill>
-          </a:ln>
-        </p:spPr>
-        <p:style>
-          <a:lnRef idx="1">
-            <a:schemeClr val="accent1"/>
-          </a:lnRef>
-          <a:fillRef idx="0">
-            <a:schemeClr val="accent1"/>
-          </a:fillRef>
-          <a:effectRef idx="0">
-            <a:schemeClr val="accent1"/>
-          </a:effectRef>
-          <a:fontRef idx="minor">
-            <a:schemeClr val="tx1"/>
-          </a:fontRef>
-        </p:style>
-      </p:cxnSp>
-      <p:pic>
-        <p:nvPicPr>
-          <p:cNvPr id="12" name="그림 11">
-            <a:extLst>
-              <a:ext uri="{FF2B5EF4-FFF2-40B4-BE49-F238E27FC236}">
-                <a16:creationId xmlns:a16="http://schemas.microsoft.com/office/drawing/2014/main" id="{6CE1E4F5-D3C6-4961-A00D-68215E637936}"/>
-              </a:ext>
-            </a:extLst>
-          </p:cNvPr>
-          <p:cNvPicPr>
-            <a:picLocks noChangeAspect="1"/>
-          </p:cNvPicPr>
-          <p:nvPr/>
         </p:nvPicPr>
         <p:blipFill>
           <a:blip r:embed="rId2"/>
@@ -6592,8 +6238,8 @@
         </p:blipFill>
         <p:spPr>
           <a:xfrm>
-            <a:off x="1916014" y="3429000"/>
-            <a:ext cx="8318217" cy="2763044"/>
+            <a:off x="463463" y="1895952"/>
+            <a:ext cx="6400800" cy="4095991"/>
           </a:xfrm>
           <a:prstGeom prst="rect">
             <a:avLst/>
@@ -6614,10 +6260,392 @@
           </a:effectLst>
         </p:spPr>
       </p:pic>
+      <p:cxnSp>
+        <p:nvCxnSpPr>
+          <p:cNvPr id="4" name="직선 연결선 3">
+            <a:extLst>
+              <a:ext uri="{FF2B5EF4-FFF2-40B4-BE49-F238E27FC236}">
+                <a16:creationId xmlns:a16="http://schemas.microsoft.com/office/drawing/2014/main" id="{EE01682E-4EC3-491F-A46B-0EACC9713D73}"/>
+              </a:ext>
+            </a:extLst>
+          </p:cNvPr>
+          <p:cNvCxnSpPr>
+            <a:cxnSpLocks/>
+          </p:cNvCxnSpPr>
+          <p:nvPr/>
+        </p:nvCxnSpPr>
+        <p:spPr>
+          <a:xfrm>
+            <a:off x="463463" y="1565753"/>
+            <a:ext cx="1402915" cy="0"/>
+          </a:xfrm>
+          <a:prstGeom prst="line">
+            <a:avLst/>
+          </a:prstGeom>
+          <a:ln w="57150">
+            <a:solidFill>
+              <a:srgbClr val="00B050"/>
+            </a:solidFill>
+          </a:ln>
+        </p:spPr>
+        <p:style>
+          <a:lnRef idx="1">
+            <a:schemeClr val="accent1"/>
+          </a:lnRef>
+          <a:fillRef idx="0">
+            <a:schemeClr val="accent1"/>
+          </a:fillRef>
+          <a:effectRef idx="0">
+            <a:schemeClr val="accent1"/>
+          </a:effectRef>
+          <a:fontRef idx="minor">
+            <a:schemeClr val="tx1"/>
+          </a:fontRef>
+        </p:style>
+      </p:cxnSp>
+      <p:cxnSp>
+        <p:nvCxnSpPr>
+          <p:cNvPr id="5" name="직선 연결선 4">
+            <a:extLst>
+              <a:ext uri="{FF2B5EF4-FFF2-40B4-BE49-F238E27FC236}">
+                <a16:creationId xmlns:a16="http://schemas.microsoft.com/office/drawing/2014/main" id="{ABC6680E-470B-45C4-B289-7A0EF67ED7E0}"/>
+              </a:ext>
+            </a:extLst>
+          </p:cNvPr>
+          <p:cNvCxnSpPr>
+            <a:cxnSpLocks/>
+          </p:cNvCxnSpPr>
+          <p:nvPr/>
+        </p:nvCxnSpPr>
+        <p:spPr>
+          <a:xfrm>
+            <a:off x="1866378" y="1565753"/>
+            <a:ext cx="1402915" cy="0"/>
+          </a:xfrm>
+          <a:prstGeom prst="line">
+            <a:avLst/>
+          </a:prstGeom>
+          <a:ln w="57150">
+            <a:solidFill>
+              <a:schemeClr val="accent2">
+                <a:lumMod val="75000"/>
+              </a:schemeClr>
+            </a:solidFill>
+          </a:ln>
+        </p:spPr>
+        <p:style>
+          <a:lnRef idx="1">
+            <a:schemeClr val="accent1"/>
+          </a:lnRef>
+          <a:fillRef idx="0">
+            <a:schemeClr val="accent1"/>
+          </a:fillRef>
+          <a:effectRef idx="0">
+            <a:schemeClr val="accent1"/>
+          </a:effectRef>
+          <a:fontRef idx="minor">
+            <a:schemeClr val="tx1"/>
+          </a:fontRef>
+        </p:style>
+      </p:cxnSp>
+      <p:cxnSp>
+        <p:nvCxnSpPr>
+          <p:cNvPr id="6" name="직선 연결선 5">
+            <a:extLst>
+              <a:ext uri="{FF2B5EF4-FFF2-40B4-BE49-F238E27FC236}">
+                <a16:creationId xmlns:a16="http://schemas.microsoft.com/office/drawing/2014/main" id="{3678CCF4-4AC3-4139-92E5-55722C3E7751}"/>
+              </a:ext>
+            </a:extLst>
+          </p:cNvPr>
+          <p:cNvCxnSpPr>
+            <a:cxnSpLocks/>
+          </p:cNvCxnSpPr>
+          <p:nvPr/>
+        </p:nvCxnSpPr>
+        <p:spPr>
+          <a:xfrm>
+            <a:off x="3269293" y="1565753"/>
+            <a:ext cx="1402915" cy="0"/>
+          </a:xfrm>
+          <a:prstGeom prst="line">
+            <a:avLst/>
+          </a:prstGeom>
+          <a:ln w="57150">
+            <a:solidFill>
+              <a:srgbClr val="FFC000"/>
+            </a:solidFill>
+          </a:ln>
+        </p:spPr>
+        <p:style>
+          <a:lnRef idx="1">
+            <a:schemeClr val="accent1"/>
+          </a:lnRef>
+          <a:fillRef idx="0">
+            <a:schemeClr val="accent1"/>
+          </a:fillRef>
+          <a:effectRef idx="0">
+            <a:schemeClr val="accent1"/>
+          </a:effectRef>
+          <a:fontRef idx="minor">
+            <a:schemeClr val="tx1"/>
+          </a:fontRef>
+        </p:style>
+      </p:cxnSp>
+      <p:cxnSp>
+        <p:nvCxnSpPr>
+          <p:cNvPr id="7" name="직선 연결선 6">
+            <a:extLst>
+              <a:ext uri="{FF2B5EF4-FFF2-40B4-BE49-F238E27FC236}">
+                <a16:creationId xmlns:a16="http://schemas.microsoft.com/office/drawing/2014/main" id="{9FF08141-38ED-4F86-86A9-757547A2479E}"/>
+              </a:ext>
+            </a:extLst>
+          </p:cNvPr>
+          <p:cNvCxnSpPr>
+            <a:cxnSpLocks/>
+          </p:cNvCxnSpPr>
+          <p:nvPr/>
+        </p:nvCxnSpPr>
+        <p:spPr>
+          <a:xfrm>
+            <a:off x="4672208" y="1565753"/>
+            <a:ext cx="1402915" cy="0"/>
+          </a:xfrm>
+          <a:prstGeom prst="line">
+            <a:avLst/>
+          </a:prstGeom>
+          <a:ln w="57150">
+            <a:solidFill>
+              <a:schemeClr val="accent4">
+                <a:lumMod val="75000"/>
+              </a:schemeClr>
+            </a:solidFill>
+          </a:ln>
+        </p:spPr>
+        <p:style>
+          <a:lnRef idx="1">
+            <a:schemeClr val="accent1"/>
+          </a:lnRef>
+          <a:fillRef idx="0">
+            <a:schemeClr val="accent1"/>
+          </a:fillRef>
+          <a:effectRef idx="0">
+            <a:schemeClr val="accent1"/>
+          </a:effectRef>
+          <a:fontRef idx="minor">
+            <a:schemeClr val="tx1"/>
+          </a:fontRef>
+        </p:style>
+      </p:cxnSp>
+      <p:cxnSp>
+        <p:nvCxnSpPr>
+          <p:cNvPr id="8" name="직선 연결선 7">
+            <a:extLst>
+              <a:ext uri="{FF2B5EF4-FFF2-40B4-BE49-F238E27FC236}">
+                <a16:creationId xmlns:a16="http://schemas.microsoft.com/office/drawing/2014/main" id="{62A6EC5E-008F-4227-A299-34A564C6B4DE}"/>
+              </a:ext>
+            </a:extLst>
+          </p:cNvPr>
+          <p:cNvCxnSpPr>
+            <a:cxnSpLocks/>
+          </p:cNvCxnSpPr>
+          <p:nvPr/>
+        </p:nvCxnSpPr>
+        <p:spPr>
+          <a:xfrm>
+            <a:off x="6075123" y="1565753"/>
+            <a:ext cx="1402915" cy="0"/>
+          </a:xfrm>
+          <a:prstGeom prst="line">
+            <a:avLst/>
+          </a:prstGeom>
+          <a:ln w="57150">
+            <a:solidFill>
+              <a:srgbClr val="FF0000"/>
+            </a:solidFill>
+          </a:ln>
+        </p:spPr>
+        <p:style>
+          <a:lnRef idx="1">
+            <a:schemeClr val="accent1"/>
+          </a:lnRef>
+          <a:fillRef idx="0">
+            <a:schemeClr val="accent1"/>
+          </a:fillRef>
+          <a:effectRef idx="0">
+            <a:schemeClr val="accent1"/>
+          </a:effectRef>
+          <a:fontRef idx="minor">
+            <a:schemeClr val="tx1"/>
+          </a:fontRef>
+        </p:style>
+      </p:cxnSp>
+      <p:cxnSp>
+        <p:nvCxnSpPr>
+          <p:cNvPr id="9" name="직선 연결선 8">
+            <a:extLst>
+              <a:ext uri="{FF2B5EF4-FFF2-40B4-BE49-F238E27FC236}">
+                <a16:creationId xmlns:a16="http://schemas.microsoft.com/office/drawing/2014/main" id="{73BE4EC4-D5AB-43B6-99B8-20CC507C817B}"/>
+              </a:ext>
+            </a:extLst>
+          </p:cNvPr>
+          <p:cNvCxnSpPr>
+            <a:cxnSpLocks/>
+          </p:cNvCxnSpPr>
+          <p:nvPr/>
+        </p:nvCxnSpPr>
+        <p:spPr>
+          <a:xfrm>
+            <a:off x="7478038" y="1565753"/>
+            <a:ext cx="1402915" cy="0"/>
+          </a:xfrm>
+          <a:prstGeom prst="line">
+            <a:avLst/>
+          </a:prstGeom>
+          <a:ln w="57150">
+            <a:solidFill>
+              <a:srgbClr val="92D050"/>
+            </a:solidFill>
+          </a:ln>
+        </p:spPr>
+        <p:style>
+          <a:lnRef idx="1">
+            <a:schemeClr val="accent1"/>
+          </a:lnRef>
+          <a:fillRef idx="0">
+            <a:schemeClr val="accent1"/>
+          </a:fillRef>
+          <a:effectRef idx="0">
+            <a:schemeClr val="accent1"/>
+          </a:effectRef>
+          <a:fontRef idx="minor">
+            <a:schemeClr val="tx1"/>
+          </a:fontRef>
+        </p:style>
+      </p:cxnSp>
+      <p:cxnSp>
+        <p:nvCxnSpPr>
+          <p:cNvPr id="10" name="직선 연결선 9">
+            <a:extLst>
+              <a:ext uri="{FF2B5EF4-FFF2-40B4-BE49-F238E27FC236}">
+                <a16:creationId xmlns:a16="http://schemas.microsoft.com/office/drawing/2014/main" id="{D23B7696-E162-4DC6-9E5C-29744AE86C94}"/>
+              </a:ext>
+            </a:extLst>
+          </p:cNvPr>
+          <p:cNvCxnSpPr>
+            <a:cxnSpLocks/>
+          </p:cNvCxnSpPr>
+          <p:nvPr/>
+        </p:nvCxnSpPr>
+        <p:spPr>
+          <a:xfrm>
+            <a:off x="8880953" y="1565753"/>
+            <a:ext cx="1402915" cy="0"/>
+          </a:xfrm>
+          <a:prstGeom prst="line">
+            <a:avLst/>
+          </a:prstGeom>
+          <a:ln w="57150">
+            <a:solidFill>
+              <a:schemeClr val="bg2">
+                <a:lumMod val="50000"/>
+              </a:schemeClr>
+            </a:solidFill>
+          </a:ln>
+        </p:spPr>
+        <p:style>
+          <a:lnRef idx="1">
+            <a:schemeClr val="accent1"/>
+          </a:lnRef>
+          <a:fillRef idx="0">
+            <a:schemeClr val="accent1"/>
+          </a:fillRef>
+          <a:effectRef idx="0">
+            <a:schemeClr val="accent1"/>
+          </a:effectRef>
+          <a:fontRef idx="minor">
+            <a:schemeClr val="tx1"/>
+          </a:fontRef>
+        </p:style>
+      </p:cxnSp>
+      <p:cxnSp>
+        <p:nvCxnSpPr>
+          <p:cNvPr id="11" name="직선 연결선 10">
+            <a:extLst>
+              <a:ext uri="{FF2B5EF4-FFF2-40B4-BE49-F238E27FC236}">
+                <a16:creationId xmlns:a16="http://schemas.microsoft.com/office/drawing/2014/main" id="{AD5A1D01-4DAC-4236-AC37-43914BEDECF3}"/>
+              </a:ext>
+            </a:extLst>
+          </p:cNvPr>
+          <p:cNvCxnSpPr>
+            <a:cxnSpLocks/>
+          </p:cNvCxnSpPr>
+          <p:nvPr/>
+        </p:nvCxnSpPr>
+        <p:spPr>
+          <a:xfrm>
+            <a:off x="10283868" y="1565753"/>
+            <a:ext cx="1402915" cy="0"/>
+          </a:xfrm>
+          <a:prstGeom prst="line">
+            <a:avLst/>
+          </a:prstGeom>
+          <a:ln w="57150">
+            <a:solidFill>
+              <a:schemeClr val="bg1">
+                <a:lumMod val="85000"/>
+              </a:schemeClr>
+            </a:solidFill>
+          </a:ln>
+        </p:spPr>
+        <p:style>
+          <a:lnRef idx="1">
+            <a:schemeClr val="accent1"/>
+          </a:lnRef>
+          <a:fillRef idx="0">
+            <a:schemeClr val="accent1"/>
+          </a:fillRef>
+          <a:effectRef idx="0">
+            <a:schemeClr val="accent1"/>
+          </a:effectRef>
+          <a:fontRef idx="minor">
+            <a:schemeClr val="tx1"/>
+          </a:fontRef>
+        </p:style>
+      </p:cxnSp>
+      <p:pic>
+        <p:nvPicPr>
+          <p:cNvPr id="13" name="그림 12">
+            <a:extLst>
+              <a:ext uri="{FF2B5EF4-FFF2-40B4-BE49-F238E27FC236}">
+                <a16:creationId xmlns:a16="http://schemas.microsoft.com/office/drawing/2014/main" id="{93909A77-26E9-47C2-BD8D-EBBF1479FBB8}"/>
+              </a:ext>
+            </a:extLst>
+          </p:cNvPr>
+          <p:cNvPicPr>
+            <a:picLocks noChangeAspect="1"/>
+          </p:cNvPicPr>
+          <p:nvPr/>
+        </p:nvPicPr>
+        <p:blipFill>
+          <a:blip r:embed="rId3"/>
+          <a:stretch>
+            <a:fillRect/>
+          </a:stretch>
+        </p:blipFill>
+        <p:spPr>
+          <a:xfrm>
+            <a:off x="7139835" y="1895953"/>
+            <a:ext cx="4551123" cy="4096010"/>
+          </a:xfrm>
+          <a:prstGeom prst="rect">
+            <a:avLst/>
+          </a:prstGeom>
+        </p:spPr>
+      </p:pic>
     </p:spTree>
     <p:extLst>
       <p:ext uri="{BB962C8B-B14F-4D97-AF65-F5344CB8AC3E}">
-        <p14:creationId xmlns:p14="http://schemas.microsoft.com/office/powerpoint/2010/main" val="3022602227"/>
+        <p14:creationId xmlns:p14="http://schemas.microsoft.com/office/powerpoint/2010/main" val="2511142432"/>
       </p:ext>
     </p:extLst>
   </p:cSld>
@@ -6670,30 +6698,9 @@
               <a:t>Minetest – </a:t>
             </a:r>
             <a:r>
-              <a:rPr lang="ko-KR" altLang="en-US" sz="3600" b="1" dirty="0"/>
-              <a:t>체력 수를 </a:t>
-            </a:r>
-            <a:r>
-              <a:rPr lang="en-US" altLang="ko-KR" sz="3600" b="1" dirty="0"/>
-              <a:t>0</a:t>
-            </a:r>
-            <a:r>
-              <a:rPr lang="ko-KR" altLang="en-US" sz="3600" b="1" dirty="0"/>
-              <a:t>에서 </a:t>
-            </a:r>
-            <a:r>
-              <a:rPr lang="en-US" altLang="ko-KR" sz="3600" b="1" dirty="0"/>
-              <a:t>20 </a:t>
-            </a:r>
-            <a:r>
-              <a:rPr lang="ko-KR" altLang="en-US" sz="3600" b="1" dirty="0"/>
-              <a:t>사이로 설정</a:t>
-            </a:r>
-            <a:r>
-              <a:rPr lang="en-US" altLang="ko-KR" sz="3600" b="1" dirty="0"/>
-              <a:t> </a:t>
-            </a:r>
-            <a:endParaRPr lang="ko-KR" altLang="en-US" b="1" dirty="0"/>
+              <a:rPr lang="ko-KR" altLang="en-US" b="1" dirty="0"/>
+              <a:t>플레이어의 중력을 설정</a:t>
+            </a:r>
           </a:p>
         </p:txBody>
       </p:sp>
@@ -6718,7 +6725,38 @@
           <a:bodyPr/>
           <a:lstStyle/>
           <a:p>
-            <a:endParaRPr lang="ko-KR" altLang="en-US"/>
+            <a:r>
+              <a:rPr lang="ko-KR" altLang="en-US" dirty="0"/>
+              <a:t>기본값은 </a:t>
+            </a:r>
+            <a:r>
+              <a:rPr lang="en-US" altLang="ko-KR" dirty="0"/>
+              <a:t>1</a:t>
+            </a:r>
+          </a:p>
+          <a:p>
+            <a:r>
+              <a:rPr lang="ko-KR" altLang="en-US" dirty="0"/>
+              <a:t>높은 곳에서 떨어져도 중력이 낮으면 죽지 않고</a:t>
+            </a:r>
+            <a:r>
+              <a:rPr lang="en-US" altLang="ko-KR" dirty="0"/>
+              <a:t>, </a:t>
+            </a:r>
+            <a:r>
+              <a:rPr lang="ko-KR" altLang="en-US" dirty="0"/>
+              <a:t>반대로 중력이 높으면 점프로 계단 등을 올라갈 수 없음</a:t>
+            </a:r>
+            <a:r>
+              <a:rPr lang="en-US" altLang="ko-KR" dirty="0"/>
+              <a:t>.</a:t>
+            </a:r>
+          </a:p>
+          <a:p>
+            <a:pPr marL="0" indent="0">
+              <a:buNone/>
+            </a:pPr>
+            <a:endParaRPr lang="ko-KR" altLang="en-US" dirty="0"/>
           </a:p>
         </p:txBody>
       </p:sp>
@@ -7074,10 +7112,54 @@
           </a:fontRef>
         </p:style>
       </p:cxnSp>
+      <p:pic>
+        <p:nvPicPr>
+          <p:cNvPr id="12" name="그림 11">
+            <a:extLst>
+              <a:ext uri="{FF2B5EF4-FFF2-40B4-BE49-F238E27FC236}">
+                <a16:creationId xmlns:a16="http://schemas.microsoft.com/office/drawing/2014/main" id="{6CE1E4F5-D3C6-4961-A00D-68215E637936}"/>
+              </a:ext>
+            </a:extLst>
+          </p:cNvPr>
+          <p:cNvPicPr>
+            <a:picLocks noChangeAspect="1"/>
+          </p:cNvPicPr>
+          <p:nvPr/>
+        </p:nvPicPr>
+        <p:blipFill>
+          <a:blip r:embed="rId2"/>
+          <a:stretch>
+            <a:fillRect/>
+          </a:stretch>
+        </p:blipFill>
+        <p:spPr>
+          <a:xfrm>
+            <a:off x="1916014" y="3429000"/>
+            <a:ext cx="8318217" cy="2763044"/>
+          </a:xfrm>
+          <a:prstGeom prst="rect">
+            <a:avLst/>
+          </a:prstGeom>
+          <a:ln w="38100" cap="sq">
+            <a:solidFill>
+              <a:srgbClr val="000000"/>
+            </a:solidFill>
+            <a:prstDash val="solid"/>
+            <a:miter lim="800000"/>
+          </a:ln>
+          <a:effectLst>
+            <a:outerShdw blurRad="50800" dist="38100" dir="2700000" algn="tl" rotWithShape="0">
+              <a:srgbClr val="000000">
+                <a:alpha val="43000"/>
+              </a:srgbClr>
+            </a:outerShdw>
+          </a:effectLst>
+        </p:spPr>
+      </p:pic>
     </p:spTree>
     <p:extLst>
       <p:ext uri="{BB962C8B-B14F-4D97-AF65-F5344CB8AC3E}">
-        <p14:creationId xmlns:p14="http://schemas.microsoft.com/office/powerpoint/2010/main" val="2046032947"/>
+        <p14:creationId xmlns:p14="http://schemas.microsoft.com/office/powerpoint/2010/main" val="3022602227"/>
       </p:ext>
     </p:extLst>
   </p:cSld>
@@ -7127,7 +7209,31 @@
           <a:p>
             <a:r>
               <a:rPr lang="en-US" altLang="ko-KR" b="1" dirty="0"/>
-              <a:t>Minetest - </a:t>
+              <a:t>Minetest – </a:t>
+            </a:r>
+            <a:r>
+              <a:rPr lang="ko-KR" altLang="en-US" sz="3600" b="1" dirty="0"/>
+              <a:t>체력 수를 </a:t>
+            </a:r>
+            <a:r>
+              <a:rPr lang="en-US" altLang="ko-KR" sz="3600" b="1" dirty="0"/>
+              <a:t>0</a:t>
+            </a:r>
+            <a:r>
+              <a:rPr lang="ko-KR" altLang="en-US" sz="3600" b="1" dirty="0"/>
+              <a:t>에서 </a:t>
+            </a:r>
+            <a:r>
+              <a:rPr lang="en-US" altLang="ko-KR" sz="3600" b="1" dirty="0"/>
+              <a:t>20 </a:t>
+            </a:r>
+            <a:r>
+              <a:rPr lang="ko-KR" altLang="en-US" sz="3600" b="1" dirty="0"/>
+              <a:t>사이로 설정</a:t>
+            </a:r>
+            <a:r>
+              <a:rPr lang="en-US" altLang="ko-KR" sz="3600" b="1" dirty="0"/>
+              <a:t> </a:t>
             </a:r>
             <a:endParaRPr lang="ko-KR" altLang="en-US" b="1" dirty="0"/>
           </a:p>
@@ -7513,7 +7619,7 @@
     </p:spTree>
     <p:extLst>
       <p:ext uri="{BB962C8B-B14F-4D97-AF65-F5344CB8AC3E}">
-        <p14:creationId xmlns:p14="http://schemas.microsoft.com/office/powerpoint/2010/main" val="4075691299"/>
+        <p14:creationId xmlns:p14="http://schemas.microsoft.com/office/powerpoint/2010/main" val="2046032947"/>
       </p:ext>
     </p:extLst>
   </p:cSld>
@@ -7949,7 +8055,7 @@
     </p:spTree>
     <p:extLst>
       <p:ext uri="{BB962C8B-B14F-4D97-AF65-F5344CB8AC3E}">
-        <p14:creationId xmlns:p14="http://schemas.microsoft.com/office/powerpoint/2010/main" val="2308697001"/>
+        <p14:creationId xmlns:p14="http://schemas.microsoft.com/office/powerpoint/2010/main" val="4075691299"/>
       </p:ext>
     </p:extLst>
   </p:cSld>
@@ -7997,6 +8103,10 @@
           <a:bodyPr/>
           <a:lstStyle/>
           <a:p>
+            <a:r>
+              <a:rPr lang="en-US" altLang="ko-KR" b="1" dirty="0"/>
+              <a:t>Minetest - </a:t>
+            </a:r>
             <a:endParaRPr lang="ko-KR" altLang="en-US" b="1" dirty="0"/>
           </a:p>
         </p:txBody>
@@ -8381,7 +8491,7 @@
     </p:spTree>
     <p:extLst>
       <p:ext uri="{BB962C8B-B14F-4D97-AF65-F5344CB8AC3E}">
-        <p14:creationId xmlns:p14="http://schemas.microsoft.com/office/powerpoint/2010/main" val="229252169"/>
+        <p14:creationId xmlns:p14="http://schemas.microsoft.com/office/powerpoint/2010/main" val="2308697001"/>
       </p:ext>
     </p:extLst>
   </p:cSld>
@@ -8813,7 +8923,7 @@
     </p:spTree>
     <p:extLst>
       <p:ext uri="{BB962C8B-B14F-4D97-AF65-F5344CB8AC3E}">
-        <p14:creationId xmlns:p14="http://schemas.microsoft.com/office/powerpoint/2010/main" val="1786130159"/>
+        <p14:creationId xmlns:p14="http://schemas.microsoft.com/office/powerpoint/2010/main" val="229252169"/>
       </p:ext>
     </p:extLst>
   </p:cSld>
@@ -9789,7 +9899,7 @@
     </p:spTree>
     <p:extLst>
       <p:ext uri="{BB962C8B-B14F-4D97-AF65-F5344CB8AC3E}">
-        <p14:creationId xmlns:p14="http://schemas.microsoft.com/office/powerpoint/2010/main" val="977785539"/>
+        <p14:creationId xmlns:p14="http://schemas.microsoft.com/office/powerpoint/2010/main" val="1786130159"/>
       </p:ext>
     </p:extLst>
   </p:cSld>
@@ -10221,7 +10331,7 @@
     </p:spTree>
     <p:extLst>
       <p:ext uri="{BB962C8B-B14F-4D97-AF65-F5344CB8AC3E}">
-        <p14:creationId xmlns:p14="http://schemas.microsoft.com/office/powerpoint/2010/main" val="3804466198"/>
+        <p14:creationId xmlns:p14="http://schemas.microsoft.com/office/powerpoint/2010/main" val="977785539"/>
       </p:ext>
     </p:extLst>
   </p:cSld>
@@ -10653,7 +10763,7 @@
     </p:spTree>
     <p:extLst>
       <p:ext uri="{BB962C8B-B14F-4D97-AF65-F5344CB8AC3E}">
-        <p14:creationId xmlns:p14="http://schemas.microsoft.com/office/powerpoint/2010/main" val="2818670221"/>
+        <p14:creationId xmlns:p14="http://schemas.microsoft.com/office/powerpoint/2010/main" val="3804466198"/>
       </p:ext>
     </p:extLst>
   </p:cSld>
@@ -11085,7 +11195,7 @@
     </p:spTree>
     <p:extLst>
       <p:ext uri="{BB962C8B-B14F-4D97-AF65-F5344CB8AC3E}">
-        <p14:creationId xmlns:p14="http://schemas.microsoft.com/office/powerpoint/2010/main" val="2626788151"/>
+        <p14:creationId xmlns:p14="http://schemas.microsoft.com/office/powerpoint/2010/main" val="2818670221"/>
       </p:ext>
     </p:extLst>
   </p:cSld>
@@ -11517,7 +11627,7 @@
     </p:spTree>
     <p:extLst>
       <p:ext uri="{BB962C8B-B14F-4D97-AF65-F5344CB8AC3E}">
-        <p14:creationId xmlns:p14="http://schemas.microsoft.com/office/powerpoint/2010/main" val="1232133334"/>
+        <p14:creationId xmlns:p14="http://schemas.microsoft.com/office/powerpoint/2010/main" val="2626788151"/>
       </p:ext>
     </p:extLst>
   </p:cSld>
@@ -11949,6 +12059,438 @@
     </p:spTree>
     <p:extLst>
       <p:ext uri="{BB962C8B-B14F-4D97-AF65-F5344CB8AC3E}">
+        <p14:creationId xmlns:p14="http://schemas.microsoft.com/office/powerpoint/2010/main" val="1232133334"/>
+      </p:ext>
+    </p:extLst>
+  </p:cSld>
+  <p:clrMapOvr>
+    <a:masterClrMapping/>
+  </p:clrMapOvr>
+</p:sld>
+</file>
+
+<file path=ppt/slides/slide26.xml><?xml version="1.0" encoding="utf-8"?>
+<p:sld xmlns:a="http://schemas.openxmlformats.org/drawingml/2006/main" xmlns:r="http://schemas.openxmlformats.org/officeDocument/2006/relationships" xmlns:p="http://schemas.openxmlformats.org/presentationml/2006/main">
+  <p:cSld>
+    <p:spTree>
+      <p:nvGrpSpPr>
+        <p:cNvPr id="1" name=""/>
+        <p:cNvGrpSpPr/>
+        <p:nvPr/>
+      </p:nvGrpSpPr>
+      <p:grpSpPr>
+        <a:xfrm>
+          <a:off x="0" y="0"/>
+          <a:ext cx="0" cy="0"/>
+          <a:chOff x="0" y="0"/>
+          <a:chExt cx="0" cy="0"/>
+        </a:xfrm>
+      </p:grpSpPr>
+      <p:sp>
+        <p:nvSpPr>
+          <p:cNvPr id="2" name="제목 1">
+            <a:extLst>
+              <a:ext uri="{FF2B5EF4-FFF2-40B4-BE49-F238E27FC236}">
+                <a16:creationId xmlns:a16="http://schemas.microsoft.com/office/drawing/2014/main" id="{0BBD75FB-0799-4EB1-9AD7-C68E11797971}"/>
+              </a:ext>
+            </a:extLst>
+          </p:cNvPr>
+          <p:cNvSpPr>
+            <a:spLocks noGrp="1"/>
+          </p:cNvSpPr>
+          <p:nvPr>
+            <p:ph type="title"/>
+          </p:nvPr>
+        </p:nvSpPr>
+        <p:spPr/>
+        <p:txBody>
+          <a:bodyPr/>
+          <a:lstStyle/>
+          <a:p>
+            <a:endParaRPr lang="ko-KR" altLang="en-US" b="1" dirty="0"/>
+          </a:p>
+        </p:txBody>
+      </p:sp>
+      <p:sp>
+        <p:nvSpPr>
+          <p:cNvPr id="3" name="내용 개체 틀 2">
+            <a:extLst>
+              <a:ext uri="{FF2B5EF4-FFF2-40B4-BE49-F238E27FC236}">
+                <a16:creationId xmlns:a16="http://schemas.microsoft.com/office/drawing/2014/main" id="{E9D22F1E-049A-4FEB-AEF1-C90B1011EA69}"/>
+              </a:ext>
+            </a:extLst>
+          </p:cNvPr>
+          <p:cNvSpPr>
+            <a:spLocks noGrp="1"/>
+          </p:cNvSpPr>
+          <p:nvPr>
+            <p:ph idx="1"/>
+          </p:nvPr>
+        </p:nvSpPr>
+        <p:spPr/>
+        <p:txBody>
+          <a:bodyPr/>
+          <a:lstStyle/>
+          <a:p>
+            <a:endParaRPr lang="ko-KR" altLang="en-US"/>
+          </a:p>
+        </p:txBody>
+      </p:sp>
+      <p:cxnSp>
+        <p:nvCxnSpPr>
+          <p:cNvPr id="4" name="직선 연결선 3">
+            <a:extLst>
+              <a:ext uri="{FF2B5EF4-FFF2-40B4-BE49-F238E27FC236}">
+                <a16:creationId xmlns:a16="http://schemas.microsoft.com/office/drawing/2014/main" id="{EE01682E-4EC3-491F-A46B-0EACC9713D73}"/>
+              </a:ext>
+            </a:extLst>
+          </p:cNvPr>
+          <p:cNvCxnSpPr>
+            <a:cxnSpLocks/>
+          </p:cNvCxnSpPr>
+          <p:nvPr/>
+        </p:nvCxnSpPr>
+        <p:spPr>
+          <a:xfrm>
+            <a:off x="463463" y="1565753"/>
+            <a:ext cx="1402915" cy="0"/>
+          </a:xfrm>
+          <a:prstGeom prst="line">
+            <a:avLst/>
+          </a:prstGeom>
+          <a:ln w="57150">
+            <a:solidFill>
+              <a:srgbClr val="00B050"/>
+            </a:solidFill>
+          </a:ln>
+        </p:spPr>
+        <p:style>
+          <a:lnRef idx="1">
+            <a:schemeClr val="accent1"/>
+          </a:lnRef>
+          <a:fillRef idx="0">
+            <a:schemeClr val="accent1"/>
+          </a:fillRef>
+          <a:effectRef idx="0">
+            <a:schemeClr val="accent1"/>
+          </a:effectRef>
+          <a:fontRef idx="minor">
+            <a:schemeClr val="tx1"/>
+          </a:fontRef>
+        </p:style>
+      </p:cxnSp>
+      <p:cxnSp>
+        <p:nvCxnSpPr>
+          <p:cNvPr id="5" name="직선 연결선 4">
+            <a:extLst>
+              <a:ext uri="{FF2B5EF4-FFF2-40B4-BE49-F238E27FC236}">
+                <a16:creationId xmlns:a16="http://schemas.microsoft.com/office/drawing/2014/main" id="{ABC6680E-470B-45C4-B289-7A0EF67ED7E0}"/>
+              </a:ext>
+            </a:extLst>
+          </p:cNvPr>
+          <p:cNvCxnSpPr>
+            <a:cxnSpLocks/>
+          </p:cNvCxnSpPr>
+          <p:nvPr/>
+        </p:nvCxnSpPr>
+        <p:spPr>
+          <a:xfrm>
+            <a:off x="1866378" y="1565753"/>
+            <a:ext cx="1402915" cy="0"/>
+          </a:xfrm>
+          <a:prstGeom prst="line">
+            <a:avLst/>
+          </a:prstGeom>
+          <a:ln w="57150">
+            <a:solidFill>
+              <a:schemeClr val="accent2">
+                <a:lumMod val="75000"/>
+              </a:schemeClr>
+            </a:solidFill>
+          </a:ln>
+        </p:spPr>
+        <p:style>
+          <a:lnRef idx="1">
+            <a:schemeClr val="accent1"/>
+          </a:lnRef>
+          <a:fillRef idx="0">
+            <a:schemeClr val="accent1"/>
+          </a:fillRef>
+          <a:effectRef idx="0">
+            <a:schemeClr val="accent1"/>
+          </a:effectRef>
+          <a:fontRef idx="minor">
+            <a:schemeClr val="tx1"/>
+          </a:fontRef>
+        </p:style>
+      </p:cxnSp>
+      <p:cxnSp>
+        <p:nvCxnSpPr>
+          <p:cNvPr id="6" name="직선 연결선 5">
+            <a:extLst>
+              <a:ext uri="{FF2B5EF4-FFF2-40B4-BE49-F238E27FC236}">
+                <a16:creationId xmlns:a16="http://schemas.microsoft.com/office/drawing/2014/main" id="{3678CCF4-4AC3-4139-92E5-55722C3E7751}"/>
+              </a:ext>
+            </a:extLst>
+          </p:cNvPr>
+          <p:cNvCxnSpPr>
+            <a:cxnSpLocks/>
+          </p:cNvCxnSpPr>
+          <p:nvPr/>
+        </p:nvCxnSpPr>
+        <p:spPr>
+          <a:xfrm>
+            <a:off x="3269293" y="1565753"/>
+            <a:ext cx="1402915" cy="0"/>
+          </a:xfrm>
+          <a:prstGeom prst="line">
+            <a:avLst/>
+          </a:prstGeom>
+          <a:ln w="57150">
+            <a:solidFill>
+              <a:srgbClr val="FFC000"/>
+            </a:solidFill>
+          </a:ln>
+        </p:spPr>
+        <p:style>
+          <a:lnRef idx="1">
+            <a:schemeClr val="accent1"/>
+          </a:lnRef>
+          <a:fillRef idx="0">
+            <a:schemeClr val="accent1"/>
+          </a:fillRef>
+          <a:effectRef idx="0">
+            <a:schemeClr val="accent1"/>
+          </a:effectRef>
+          <a:fontRef idx="minor">
+            <a:schemeClr val="tx1"/>
+          </a:fontRef>
+        </p:style>
+      </p:cxnSp>
+      <p:cxnSp>
+        <p:nvCxnSpPr>
+          <p:cNvPr id="7" name="직선 연결선 6">
+            <a:extLst>
+              <a:ext uri="{FF2B5EF4-FFF2-40B4-BE49-F238E27FC236}">
+                <a16:creationId xmlns:a16="http://schemas.microsoft.com/office/drawing/2014/main" id="{9FF08141-38ED-4F86-86A9-757547A2479E}"/>
+              </a:ext>
+            </a:extLst>
+          </p:cNvPr>
+          <p:cNvCxnSpPr>
+            <a:cxnSpLocks/>
+          </p:cNvCxnSpPr>
+          <p:nvPr/>
+        </p:nvCxnSpPr>
+        <p:spPr>
+          <a:xfrm>
+            <a:off x="4672208" y="1565753"/>
+            <a:ext cx="1402915" cy="0"/>
+          </a:xfrm>
+          <a:prstGeom prst="line">
+            <a:avLst/>
+          </a:prstGeom>
+          <a:ln w="57150">
+            <a:solidFill>
+              <a:schemeClr val="accent4">
+                <a:lumMod val="75000"/>
+              </a:schemeClr>
+            </a:solidFill>
+          </a:ln>
+        </p:spPr>
+        <p:style>
+          <a:lnRef idx="1">
+            <a:schemeClr val="accent1"/>
+          </a:lnRef>
+          <a:fillRef idx="0">
+            <a:schemeClr val="accent1"/>
+          </a:fillRef>
+          <a:effectRef idx="0">
+            <a:schemeClr val="accent1"/>
+          </a:effectRef>
+          <a:fontRef idx="minor">
+            <a:schemeClr val="tx1"/>
+          </a:fontRef>
+        </p:style>
+      </p:cxnSp>
+      <p:cxnSp>
+        <p:nvCxnSpPr>
+          <p:cNvPr id="8" name="직선 연결선 7">
+            <a:extLst>
+              <a:ext uri="{FF2B5EF4-FFF2-40B4-BE49-F238E27FC236}">
+                <a16:creationId xmlns:a16="http://schemas.microsoft.com/office/drawing/2014/main" id="{62A6EC5E-008F-4227-A299-34A564C6B4DE}"/>
+              </a:ext>
+            </a:extLst>
+          </p:cNvPr>
+          <p:cNvCxnSpPr>
+            <a:cxnSpLocks/>
+          </p:cNvCxnSpPr>
+          <p:nvPr/>
+        </p:nvCxnSpPr>
+        <p:spPr>
+          <a:xfrm>
+            <a:off x="6075123" y="1565753"/>
+            <a:ext cx="1402915" cy="0"/>
+          </a:xfrm>
+          <a:prstGeom prst="line">
+            <a:avLst/>
+          </a:prstGeom>
+          <a:ln w="57150">
+            <a:solidFill>
+              <a:srgbClr val="FF0000"/>
+            </a:solidFill>
+          </a:ln>
+        </p:spPr>
+        <p:style>
+          <a:lnRef idx="1">
+            <a:schemeClr val="accent1"/>
+          </a:lnRef>
+          <a:fillRef idx="0">
+            <a:schemeClr val="accent1"/>
+          </a:fillRef>
+          <a:effectRef idx="0">
+            <a:schemeClr val="accent1"/>
+          </a:effectRef>
+          <a:fontRef idx="minor">
+            <a:schemeClr val="tx1"/>
+          </a:fontRef>
+        </p:style>
+      </p:cxnSp>
+      <p:cxnSp>
+        <p:nvCxnSpPr>
+          <p:cNvPr id="9" name="직선 연결선 8">
+            <a:extLst>
+              <a:ext uri="{FF2B5EF4-FFF2-40B4-BE49-F238E27FC236}">
+                <a16:creationId xmlns:a16="http://schemas.microsoft.com/office/drawing/2014/main" id="{73BE4EC4-D5AB-43B6-99B8-20CC507C817B}"/>
+              </a:ext>
+            </a:extLst>
+          </p:cNvPr>
+          <p:cNvCxnSpPr>
+            <a:cxnSpLocks/>
+          </p:cNvCxnSpPr>
+          <p:nvPr/>
+        </p:nvCxnSpPr>
+        <p:spPr>
+          <a:xfrm>
+            <a:off x="7478038" y="1565753"/>
+            <a:ext cx="1402915" cy="0"/>
+          </a:xfrm>
+          <a:prstGeom prst="line">
+            <a:avLst/>
+          </a:prstGeom>
+          <a:ln w="57150">
+            <a:solidFill>
+              <a:srgbClr val="92D050"/>
+            </a:solidFill>
+          </a:ln>
+        </p:spPr>
+        <p:style>
+          <a:lnRef idx="1">
+            <a:schemeClr val="accent1"/>
+          </a:lnRef>
+          <a:fillRef idx="0">
+            <a:schemeClr val="accent1"/>
+          </a:fillRef>
+          <a:effectRef idx="0">
+            <a:schemeClr val="accent1"/>
+          </a:effectRef>
+          <a:fontRef idx="minor">
+            <a:schemeClr val="tx1"/>
+          </a:fontRef>
+        </p:style>
+      </p:cxnSp>
+      <p:cxnSp>
+        <p:nvCxnSpPr>
+          <p:cNvPr id="10" name="직선 연결선 9">
+            <a:extLst>
+              <a:ext uri="{FF2B5EF4-FFF2-40B4-BE49-F238E27FC236}">
+                <a16:creationId xmlns:a16="http://schemas.microsoft.com/office/drawing/2014/main" id="{D23B7696-E162-4DC6-9E5C-29744AE86C94}"/>
+              </a:ext>
+            </a:extLst>
+          </p:cNvPr>
+          <p:cNvCxnSpPr>
+            <a:cxnSpLocks/>
+          </p:cNvCxnSpPr>
+          <p:nvPr/>
+        </p:nvCxnSpPr>
+        <p:spPr>
+          <a:xfrm>
+            <a:off x="8880953" y="1565753"/>
+            <a:ext cx="1402915" cy="0"/>
+          </a:xfrm>
+          <a:prstGeom prst="line">
+            <a:avLst/>
+          </a:prstGeom>
+          <a:ln w="57150">
+            <a:solidFill>
+              <a:schemeClr val="bg2">
+                <a:lumMod val="50000"/>
+              </a:schemeClr>
+            </a:solidFill>
+          </a:ln>
+        </p:spPr>
+        <p:style>
+          <a:lnRef idx="1">
+            <a:schemeClr val="accent1"/>
+          </a:lnRef>
+          <a:fillRef idx="0">
+            <a:schemeClr val="accent1"/>
+          </a:fillRef>
+          <a:effectRef idx="0">
+            <a:schemeClr val="accent1"/>
+          </a:effectRef>
+          <a:fontRef idx="minor">
+            <a:schemeClr val="tx1"/>
+          </a:fontRef>
+        </p:style>
+      </p:cxnSp>
+      <p:cxnSp>
+        <p:nvCxnSpPr>
+          <p:cNvPr id="11" name="직선 연결선 10">
+            <a:extLst>
+              <a:ext uri="{FF2B5EF4-FFF2-40B4-BE49-F238E27FC236}">
+                <a16:creationId xmlns:a16="http://schemas.microsoft.com/office/drawing/2014/main" id="{AD5A1D01-4DAC-4236-AC37-43914BEDECF3}"/>
+              </a:ext>
+            </a:extLst>
+          </p:cNvPr>
+          <p:cNvCxnSpPr>
+            <a:cxnSpLocks/>
+          </p:cNvCxnSpPr>
+          <p:nvPr/>
+        </p:nvCxnSpPr>
+        <p:spPr>
+          <a:xfrm>
+            <a:off x="10283868" y="1565753"/>
+            <a:ext cx="1402915" cy="0"/>
+          </a:xfrm>
+          <a:prstGeom prst="line">
+            <a:avLst/>
+          </a:prstGeom>
+          <a:ln w="57150">
+            <a:solidFill>
+              <a:schemeClr val="bg1">
+                <a:lumMod val="85000"/>
+              </a:schemeClr>
+            </a:solidFill>
+          </a:ln>
+        </p:spPr>
+        <p:style>
+          <a:lnRef idx="1">
+            <a:schemeClr val="accent1"/>
+          </a:lnRef>
+          <a:fillRef idx="0">
+            <a:schemeClr val="accent1"/>
+          </a:fillRef>
+          <a:effectRef idx="0">
+            <a:schemeClr val="accent1"/>
+          </a:effectRef>
+          <a:fontRef idx="minor">
+            <a:schemeClr val="tx1"/>
+          </a:fontRef>
+        </p:style>
+      </p:cxnSp>
+    </p:spTree>
+    <p:extLst>
+      <p:ext uri="{BB962C8B-B14F-4D97-AF65-F5344CB8AC3E}">
         <p14:creationId xmlns:p14="http://schemas.microsoft.com/office/powerpoint/2010/main" val="3730429721"/>
       </p:ext>
     </p:extLst>
@@ -11959,7 +12501,7 @@
 </p:sld>
 </file>
 
-<file path=ppt/slides/slide26.xml><?xml version="1.0" encoding="utf-8"?>
+<file path=ppt/slides/slide27.xml><?xml version="1.0" encoding="utf-8"?>
 <p:sld xmlns:a="http://schemas.openxmlformats.org/drawingml/2006/main" xmlns:r="http://schemas.openxmlformats.org/officeDocument/2006/relationships" xmlns:p="http://schemas.openxmlformats.org/presentationml/2006/main">
   <p:cSld>
     <p:spTree>
@@ -14059,12 +14601,119 @@
           <a:p>
             <a:r>
               <a:rPr lang="en-US" altLang="ko-KR" b="1" dirty="0"/>
-              <a:t>Minetest </a:t>
+              <a:t>Minetest  - </a:t>
             </a:r>
             <a:r>
               <a:rPr lang="ko-KR" altLang="en-US" b="1" dirty="0"/>
-              <a:t>기본 조작</a:t>
-            </a:r>
+              <a:t>한글 설정</a:t>
+            </a:r>
+          </a:p>
+        </p:txBody>
+      </p:sp>
+      <p:sp>
+        <p:nvSpPr>
+          <p:cNvPr id="3" name="내용 개체 틀 2">
+            <a:extLst>
+              <a:ext uri="{FF2B5EF4-FFF2-40B4-BE49-F238E27FC236}">
+                <a16:creationId xmlns:a16="http://schemas.microsoft.com/office/drawing/2014/main" id="{E9D22F1E-049A-4FEB-AEF1-C90B1011EA69}"/>
+              </a:ext>
+            </a:extLst>
+          </p:cNvPr>
+          <p:cNvSpPr>
+            <a:spLocks noGrp="1"/>
+          </p:cNvSpPr>
+          <p:nvPr>
+            <p:ph idx="1"/>
+          </p:nvPr>
+        </p:nvSpPr>
+        <p:spPr/>
+        <p:txBody>
+          <a:bodyPr/>
+          <a:lstStyle/>
+          <a:p>
+            <a:r>
+              <a:rPr lang="en-US" altLang="ko-KR" dirty="0"/>
+              <a:t>ko.zip</a:t>
+            </a:r>
+            <a:r>
+              <a:rPr lang="ko-KR" altLang="en-US" dirty="0"/>
+              <a:t>  다운로드</a:t>
+            </a:r>
+            <a:endParaRPr lang="en-US" altLang="ko-KR" dirty="0"/>
+          </a:p>
+          <a:p>
+            <a:pPr lvl="1"/>
+            <a:r>
+              <a:rPr lang="en-US" altLang="ko-KR" dirty="0">
+                <a:hlinkClick r:id="rId2"/>
+              </a:rPr>
+              <a:t>GitHub - kig2929kig/</a:t>
+            </a:r>
+            <a:r>
+              <a:rPr lang="en-US" altLang="ko-KR" dirty="0" err="1">
+                <a:hlinkClick r:id="rId2"/>
+              </a:rPr>
+              <a:t>minetest</a:t>
+            </a:r>
+            <a:endParaRPr lang="en-US" altLang="ko-KR" dirty="0"/>
+          </a:p>
+          <a:p>
+            <a:endParaRPr lang="en-US" altLang="ko-KR" dirty="0"/>
+          </a:p>
+          <a:p>
+            <a:r>
+              <a:rPr lang="en-US" altLang="ko-KR" dirty="0"/>
+              <a:t>Minetest</a:t>
+            </a:r>
+            <a:r>
+              <a:rPr lang="ko-KR" altLang="en-US" dirty="0"/>
+              <a:t>의 폴더에서 </a:t>
+            </a:r>
+            <a:r>
+              <a:rPr lang="en-US" altLang="ko-KR" dirty="0"/>
+              <a:t>locale </a:t>
+            </a:r>
+            <a:r>
+              <a:rPr lang="ko-KR" altLang="en-US" dirty="0"/>
+              <a:t>폴더에 </a:t>
+            </a:r>
+            <a:r>
+              <a:rPr lang="en-US" altLang="ko-KR" dirty="0"/>
+              <a:t>ko </a:t>
+            </a:r>
+            <a:r>
+              <a:rPr lang="ko-KR" altLang="en-US" dirty="0"/>
+              <a:t>추가</a:t>
+            </a:r>
+            <a:endParaRPr lang="en-US" altLang="ko-KR" dirty="0"/>
+          </a:p>
+          <a:p>
+            <a:endParaRPr lang="en-US" altLang="ko-KR" dirty="0"/>
+          </a:p>
+          <a:p>
+            <a:r>
+              <a:rPr lang="en-US" altLang="ko-KR" dirty="0"/>
+              <a:t>minetest.conf </a:t>
+            </a:r>
+            <a:r>
+              <a:rPr lang="ko-KR" altLang="en-US" dirty="0"/>
+              <a:t>편집 </a:t>
+            </a:r>
+            <a:r>
+              <a:rPr lang="en-US" altLang="ko-KR" dirty="0"/>
+              <a:t>-&gt; </a:t>
+            </a:r>
+            <a:r>
+              <a:rPr lang="ko-KR" altLang="en-US" dirty="0"/>
+              <a:t>아래 내용 추가</a:t>
+            </a:r>
+            <a:endParaRPr lang="en-US" altLang="ko-KR" dirty="0"/>
+          </a:p>
+          <a:p>
+            <a:endParaRPr lang="en-US" altLang="ko-KR" dirty="0"/>
+          </a:p>
+          <a:p>
+            <a:endParaRPr lang="ko-KR" altLang="en-US" dirty="0"/>
           </a:p>
         </p:txBody>
       </p:sp>
@@ -14422,10 +15071,10 @@
       </p:cxnSp>
       <p:pic>
         <p:nvPicPr>
-          <p:cNvPr id="13" name="그림 12">
-            <a:extLst>
-              <a:ext uri="{FF2B5EF4-FFF2-40B4-BE49-F238E27FC236}">
-                <a16:creationId xmlns:a16="http://schemas.microsoft.com/office/drawing/2014/main" id="{ED7EC77F-D200-40C1-A052-93802E0D81DB}"/>
+          <p:cNvPr id="14" name="그림 13">
+            <a:extLst>
+              <a:ext uri="{FF2B5EF4-FFF2-40B4-BE49-F238E27FC236}">
+                <a16:creationId xmlns:a16="http://schemas.microsoft.com/office/drawing/2014/main" id="{FEF7505B-124F-489F-B221-45DCAE4C45C2}"/>
               </a:ext>
             </a:extLst>
           </p:cNvPr>
@@ -14434,173 +15083,25 @@
           </p:cNvPicPr>
           <p:nvPr/>
         </p:nvPicPr>
-        <p:blipFill>
-          <a:blip r:embed="rId2"/>
-          <a:stretch>
-            <a:fillRect/>
-          </a:stretch>
-        </p:blipFill>
-        <p:spPr>
-          <a:xfrm>
-            <a:off x="832171" y="1885300"/>
-            <a:ext cx="7205319" cy="4580788"/>
-          </a:xfrm>
-          <a:prstGeom prst="rect">
-            <a:avLst/>
-          </a:prstGeom>
-          <a:ln w="38100" cap="sq">
-            <a:solidFill>
-              <a:srgbClr val="000000"/>
-            </a:solidFill>
-            <a:prstDash val="solid"/>
-            <a:miter lim="800000"/>
-          </a:ln>
-          <a:effectLst>
-            <a:outerShdw blurRad="50800" dist="38100" dir="2700000" algn="tl" rotWithShape="0">
-              <a:srgbClr val="000000">
-                <a:alpha val="43000"/>
-              </a:srgbClr>
-            </a:outerShdw>
-          </a:effectLst>
-        </p:spPr>
-      </p:pic>
-      <p:pic>
-        <p:nvPicPr>
-          <p:cNvPr id="15" name="그림 14">
-            <a:extLst>
-              <a:ext uri="{FF2B5EF4-FFF2-40B4-BE49-F238E27FC236}">
-                <a16:creationId xmlns:a16="http://schemas.microsoft.com/office/drawing/2014/main" id="{07F65479-91AD-43E3-B97F-F5A8143794D0}"/>
-              </a:ext>
-            </a:extLst>
-          </p:cNvPr>
-          <p:cNvPicPr>
-            <a:picLocks noChangeAspect="1"/>
-          </p:cNvPicPr>
-          <p:nvPr/>
-        </p:nvPicPr>
-        <p:blipFill>
+        <p:blipFill rotWithShape="1">
           <a:blip r:embed="rId3"/>
-          <a:stretch>
-            <a:fillRect/>
-          </a:stretch>
-        </p:blipFill>
-        <p:spPr>
-          <a:xfrm>
-            <a:off x="8179495" y="3993159"/>
-            <a:ext cx="2880288" cy="2472933"/>
-          </a:xfrm>
-          <a:prstGeom prst="rect">
-            <a:avLst/>
-          </a:prstGeom>
-          <a:ln w="38100" cap="sq">
-            <a:solidFill>
-              <a:srgbClr val="000000"/>
-            </a:solidFill>
-            <a:prstDash val="solid"/>
-            <a:miter lim="800000"/>
-          </a:ln>
-          <a:effectLst>
-            <a:outerShdw blurRad="50800" dist="38100" dir="2700000" algn="tl" rotWithShape="0">
-              <a:srgbClr val="000000">
-                <a:alpha val="43000"/>
-              </a:srgbClr>
-            </a:outerShdw>
-          </a:effectLst>
-        </p:spPr>
-      </p:pic>
-      <p:pic>
-        <p:nvPicPr>
-          <p:cNvPr id="12" name="내용 개체 틀 11">
-            <a:extLst>
-              <a:ext uri="{FF2B5EF4-FFF2-40B4-BE49-F238E27FC236}">
-                <a16:creationId xmlns:a16="http://schemas.microsoft.com/office/drawing/2014/main" id="{D2431B63-34B2-4B9F-BE54-5A4F01BC2121}"/>
-              </a:ext>
-            </a:extLst>
-          </p:cNvPr>
-          <p:cNvPicPr>
-            <a:picLocks noGrp="1" noChangeAspect="1"/>
-          </p:cNvPicPr>
-          <p:nvPr>
-            <p:ph idx="1"/>
-          </p:nvPr>
-        </p:nvPicPr>
-        <p:blipFill>
-          <a:blip r:embed="rId4"/>
-          <a:stretch>
-            <a:fillRect/>
-          </a:stretch>
-        </p:blipFill>
-        <p:spPr>
-          <a:xfrm>
-            <a:off x="8179494" y="1759626"/>
-            <a:ext cx="2880288" cy="2129196"/>
-          </a:xfrm>
-          <a:prstGeom prst="rect">
-            <a:avLst/>
-          </a:prstGeom>
-          <a:ln w="38100" cap="sq">
-            <a:solidFill>
-              <a:srgbClr val="000000"/>
-            </a:solidFill>
-            <a:prstDash val="solid"/>
-            <a:miter lim="800000"/>
-          </a:ln>
-          <a:effectLst>
-            <a:outerShdw blurRad="50800" dist="38100" dir="2700000" algn="tl" rotWithShape="0">
-              <a:srgbClr val="000000">
-                <a:alpha val="43000"/>
-              </a:srgbClr>
-            </a:outerShdw>
-          </a:effectLst>
-        </p:spPr>
-      </p:pic>
-      <p:pic>
-        <p:nvPicPr>
-          <p:cNvPr id="16" name="그림 15">
-            <a:extLst>
-              <a:ext uri="{FF2B5EF4-FFF2-40B4-BE49-F238E27FC236}">
-                <a16:creationId xmlns:a16="http://schemas.microsoft.com/office/drawing/2014/main" id="{83C8405E-4AC6-41B3-B5E5-5770649994FF}"/>
-              </a:ext>
-            </a:extLst>
-          </p:cNvPr>
-          <p:cNvPicPr>
-            <a:picLocks noChangeAspect="1"/>
-          </p:cNvPicPr>
-          <p:nvPr/>
-        </p:nvPicPr>
-        <p:blipFill rotWithShape="1">
-          <a:blip r:embed="rId5"/>
-          <a:srcRect l="1" t="7861" r="2011"/>
+          <a:srcRect l="1140" b="13909"/>
           <a:stretch/>
         </p:blipFill>
         <p:spPr>
           <a:xfrm>
-            <a:off x="5948022" y="2302876"/>
-            <a:ext cx="1941352" cy="509019"/>
+            <a:off x="1383285" y="4843537"/>
+            <a:ext cx="9383675" cy="656116"/>
           </a:xfrm>
           <a:prstGeom prst="rect">
             <a:avLst/>
           </a:prstGeom>
-          <a:ln w="38100" cap="sq">
-            <a:solidFill>
-              <a:srgbClr val="000000"/>
-            </a:solidFill>
-            <a:prstDash val="solid"/>
-            <a:miter lim="800000"/>
-          </a:ln>
-          <a:effectLst>
-            <a:outerShdw blurRad="50800" dist="38100" dir="2700000" algn="tl" rotWithShape="0">
-              <a:srgbClr val="000000">
-                <a:alpha val="43000"/>
-              </a:srgbClr>
-            </a:outerShdw>
-          </a:effectLst>
         </p:spPr>
       </p:pic>
     </p:spTree>
     <p:extLst>
       <p:ext uri="{BB962C8B-B14F-4D97-AF65-F5344CB8AC3E}">
-        <p14:creationId xmlns:p14="http://schemas.microsoft.com/office/powerpoint/2010/main" val="2655932682"/>
+        <p14:creationId xmlns:p14="http://schemas.microsoft.com/office/powerpoint/2010/main" val="3952383737"/>
       </p:ext>
     </p:extLst>
   </p:cSld>
@@ -14650,146 +15151,11 @@
           <a:p>
             <a:r>
               <a:rPr lang="en-US" altLang="ko-KR" b="1" dirty="0"/>
-              <a:t>Minetest - </a:t>
+              <a:t>Minetest </a:t>
             </a:r>
             <a:r>
               <a:rPr lang="ko-KR" altLang="en-US" b="1" dirty="0"/>
-              <a:t>시간 설정</a:t>
-            </a:r>
-          </a:p>
-        </p:txBody>
-      </p:sp>
-      <p:sp>
-        <p:nvSpPr>
-          <p:cNvPr id="3" name="내용 개체 틀 2">
-            <a:extLst>
-              <a:ext uri="{FF2B5EF4-FFF2-40B4-BE49-F238E27FC236}">
-                <a16:creationId xmlns:a16="http://schemas.microsoft.com/office/drawing/2014/main" id="{E9D22F1E-049A-4FEB-AEF1-C90B1011EA69}"/>
-              </a:ext>
-            </a:extLst>
-          </p:cNvPr>
-          <p:cNvSpPr>
-            <a:spLocks noGrp="1"/>
-          </p:cNvSpPr>
-          <p:nvPr>
-            <p:ph idx="1"/>
-          </p:nvPr>
-        </p:nvSpPr>
-        <p:spPr/>
-        <p:txBody>
-          <a:bodyPr/>
-          <a:lstStyle/>
-          <a:p>
-            <a:r>
-              <a:rPr lang="en-US" altLang="ko-KR" dirty="0"/>
-              <a:t>mt.time_of_day</a:t>
-            </a:r>
-          </a:p>
-          <a:p>
-            <a:pPr lvl="1"/>
-            <a:r>
-              <a:rPr lang="en-US" altLang="ko-KR" dirty="0"/>
-              <a:t>Minetest </a:t>
-            </a:r>
-            <a:r>
-              <a:rPr lang="ko-KR" altLang="en-US" dirty="0"/>
-              <a:t>게임 내의 현재 시간을 나타냄</a:t>
-            </a:r>
-            <a:r>
-              <a:rPr lang="en-US" altLang="ko-KR" dirty="0"/>
-              <a:t>.</a:t>
-            </a:r>
-          </a:p>
-          <a:p>
-            <a:pPr lvl="1"/>
-            <a:r>
-              <a:rPr lang="en-US" altLang="ko-KR" dirty="0"/>
-              <a:t>0.0</a:t>
-            </a:r>
-            <a:r>
-              <a:rPr lang="ko-KR" altLang="en-US" dirty="0"/>
-              <a:t>에서</a:t>
-            </a:r>
-            <a:r>
-              <a:rPr lang="en-US" altLang="ko-KR" dirty="0"/>
-              <a:t> 1.0 </a:t>
-            </a:r>
-            <a:r>
-              <a:rPr lang="ko-KR" altLang="en-US" dirty="0"/>
-              <a:t>사이의</a:t>
-            </a:r>
-            <a:r>
-              <a:rPr lang="en-US" altLang="ko-KR" dirty="0"/>
-              <a:t> </a:t>
-            </a:r>
-            <a:r>
-              <a:rPr lang="ko-KR" altLang="en-US" dirty="0"/>
-              <a:t>실수 값</a:t>
-            </a:r>
-            <a:endParaRPr lang="en-US" altLang="ko-KR" dirty="0"/>
-          </a:p>
-          <a:p>
-            <a:pPr lvl="1"/>
-            <a:r>
-              <a:rPr lang="en-US" altLang="ko-KR" dirty="0"/>
-              <a:t>0.0</a:t>
-            </a:r>
-            <a:r>
-              <a:rPr lang="ko-KR" altLang="en-US" dirty="0"/>
-              <a:t>은 자정</a:t>
-            </a:r>
-            <a:r>
-              <a:rPr lang="en-US" altLang="ko-KR" dirty="0"/>
-              <a:t>(00:00)</a:t>
-            </a:r>
-          </a:p>
-          <a:p>
-            <a:pPr lvl="1"/>
-            <a:r>
-              <a:rPr lang="en-US" altLang="ko-KR" dirty="0"/>
-              <a:t>1.0</a:t>
-            </a:r>
-            <a:r>
-              <a:rPr lang="ko-KR" altLang="en-US" dirty="0"/>
-              <a:t>은</a:t>
-            </a:r>
-            <a:r>
-              <a:rPr lang="en-US" altLang="ko-KR" dirty="0"/>
-              <a:t> </a:t>
-            </a:r>
-            <a:r>
-              <a:rPr lang="ko-KR" altLang="en-US" dirty="0"/>
-              <a:t>다음날 자정</a:t>
-            </a:r>
-            <a:r>
-              <a:rPr lang="en-US" altLang="ko-KR" dirty="0"/>
-              <a:t>(24:00)</a:t>
-            </a:r>
-          </a:p>
-          <a:p>
-            <a:pPr lvl="1"/>
-            <a:r>
-              <a:rPr lang="en-US" altLang="ko-KR" dirty="0"/>
-              <a:t>0.5</a:t>
-            </a:r>
-            <a:r>
-              <a:rPr lang="ko-KR" altLang="en-US" dirty="0"/>
-              <a:t>는 정오</a:t>
-            </a:r>
-            <a:r>
-              <a:rPr lang="en-US" altLang="ko-KR" dirty="0"/>
-              <a:t>(12:00)</a:t>
-            </a:r>
-          </a:p>
-          <a:p>
-            <a:pPr lvl="1"/>
-            <a:endParaRPr lang="en-US" altLang="ko-KR" dirty="0"/>
-          </a:p>
-          <a:p>
-            <a:pPr lvl="1"/>
-            <a:r>
-              <a:rPr lang="ko-KR" altLang="en-US" dirty="0"/>
-              <a:t>게임 내의 시간을 빨리 앞당기거나 늦추는 등의 효과를 구현</a:t>
+              <a:t>기본 조작</a:t>
             </a:r>
           </a:p>
         </p:txBody>
@@ -15148,10 +15514,10 @@
       </p:cxnSp>
       <p:pic>
         <p:nvPicPr>
-          <p:cNvPr id="12" name="그림 11">
-            <a:extLst>
-              <a:ext uri="{FF2B5EF4-FFF2-40B4-BE49-F238E27FC236}">
-                <a16:creationId xmlns:a16="http://schemas.microsoft.com/office/drawing/2014/main" id="{8771B941-24B1-4C17-9E87-A670E7E1BA80}"/>
+          <p:cNvPr id="13" name="그림 12">
+            <a:extLst>
+              <a:ext uri="{FF2B5EF4-FFF2-40B4-BE49-F238E27FC236}">
+                <a16:creationId xmlns:a16="http://schemas.microsoft.com/office/drawing/2014/main" id="{ED7EC77F-D200-40C1-A052-93802E0D81DB}"/>
               </a:ext>
             </a:extLst>
           </p:cNvPr>
@@ -15160,15 +15526,16 @@
           </p:cNvPicPr>
           <p:nvPr/>
         </p:nvPicPr>
-        <p:blipFill rotWithShape="1">
+        <p:blipFill>
           <a:blip r:embed="rId2"/>
-          <a:srcRect l="2345" t="25206" b="1542"/>
-          <a:stretch/>
+          <a:stretch>
+            <a:fillRect/>
+          </a:stretch>
         </p:blipFill>
         <p:spPr>
           <a:xfrm>
-            <a:off x="7400007" y="1888740"/>
-            <a:ext cx="4286776" cy="1755284"/>
+            <a:off x="832171" y="1885300"/>
+            <a:ext cx="7205319" cy="4580788"/>
           </a:xfrm>
           <a:prstGeom prst="rect">
             <a:avLst/>
@@ -15189,62 +15556,143 @@
           </a:effectLst>
         </p:spPr>
       </p:pic>
-      <p:sp>
-        <p:nvSpPr>
-          <p:cNvPr id="13" name="사각형: 둥근 모서리 12">
-            <a:extLst>
-              <a:ext uri="{FF2B5EF4-FFF2-40B4-BE49-F238E27FC236}">
-                <a16:creationId xmlns:a16="http://schemas.microsoft.com/office/drawing/2014/main" id="{3FB3D58D-3E6C-43B2-B339-7940B7EBAAEE}"/>
-              </a:ext>
-            </a:extLst>
-          </p:cNvPr>
-          <p:cNvSpPr/>
-          <p:nvPr/>
-        </p:nvSpPr>
-        <p:spPr>
-          <a:xfrm>
-            <a:off x="7400005" y="3330429"/>
-            <a:ext cx="3027511" cy="313595"/>
-          </a:xfrm>
-          <a:prstGeom prst="roundRect">
-            <a:avLst/>
-          </a:prstGeom>
-          <a:noFill/>
-          <a:ln w="38100">
-            <a:solidFill>
-              <a:srgbClr val="FF0000"/>
-            </a:solidFill>
-          </a:ln>
-        </p:spPr>
-        <p:style>
-          <a:lnRef idx="2">
-            <a:schemeClr val="accent1">
-              <a:shade val="50000"/>
-            </a:schemeClr>
-          </a:lnRef>
-          <a:fillRef idx="1">
-            <a:schemeClr val="accent1"/>
-          </a:fillRef>
-          <a:effectRef idx="0">
-            <a:schemeClr val="accent1"/>
-          </a:effectRef>
-          <a:fontRef idx="minor">
-            <a:schemeClr val="lt1"/>
-          </a:fontRef>
-        </p:style>
-        <p:txBody>
-          <a:bodyPr rtlCol="0" anchor="ctr"/>
-          <a:lstStyle/>
-          <a:p>
-            <a:pPr algn="ctr"/>
-            <a:endParaRPr lang="ko-KR" altLang="en-US" dirty="0"/>
-          </a:p>
-        </p:txBody>
-      </p:sp>
+      <p:pic>
+        <p:nvPicPr>
+          <p:cNvPr id="15" name="그림 14">
+            <a:extLst>
+              <a:ext uri="{FF2B5EF4-FFF2-40B4-BE49-F238E27FC236}">
+                <a16:creationId xmlns:a16="http://schemas.microsoft.com/office/drawing/2014/main" id="{07F65479-91AD-43E3-B97F-F5A8143794D0}"/>
+              </a:ext>
+            </a:extLst>
+          </p:cNvPr>
+          <p:cNvPicPr>
+            <a:picLocks noChangeAspect="1"/>
+          </p:cNvPicPr>
+          <p:nvPr/>
+        </p:nvPicPr>
+        <p:blipFill>
+          <a:blip r:embed="rId3"/>
+          <a:stretch>
+            <a:fillRect/>
+          </a:stretch>
+        </p:blipFill>
+        <p:spPr>
+          <a:xfrm>
+            <a:off x="8179495" y="3993159"/>
+            <a:ext cx="2880288" cy="2472933"/>
+          </a:xfrm>
+          <a:prstGeom prst="rect">
+            <a:avLst/>
+          </a:prstGeom>
+          <a:ln w="38100" cap="sq">
+            <a:solidFill>
+              <a:srgbClr val="000000"/>
+            </a:solidFill>
+            <a:prstDash val="solid"/>
+            <a:miter lim="800000"/>
+          </a:ln>
+          <a:effectLst>
+            <a:outerShdw blurRad="50800" dist="38100" dir="2700000" algn="tl" rotWithShape="0">
+              <a:srgbClr val="000000">
+                <a:alpha val="43000"/>
+              </a:srgbClr>
+            </a:outerShdw>
+          </a:effectLst>
+        </p:spPr>
+      </p:pic>
+      <p:pic>
+        <p:nvPicPr>
+          <p:cNvPr id="12" name="내용 개체 틀 11">
+            <a:extLst>
+              <a:ext uri="{FF2B5EF4-FFF2-40B4-BE49-F238E27FC236}">
+                <a16:creationId xmlns:a16="http://schemas.microsoft.com/office/drawing/2014/main" id="{D2431B63-34B2-4B9F-BE54-5A4F01BC2121}"/>
+              </a:ext>
+            </a:extLst>
+          </p:cNvPr>
+          <p:cNvPicPr>
+            <a:picLocks noGrp="1" noChangeAspect="1"/>
+          </p:cNvPicPr>
+          <p:nvPr>
+            <p:ph idx="1"/>
+          </p:nvPr>
+        </p:nvPicPr>
+        <p:blipFill>
+          <a:blip r:embed="rId4"/>
+          <a:stretch>
+            <a:fillRect/>
+          </a:stretch>
+        </p:blipFill>
+        <p:spPr>
+          <a:xfrm>
+            <a:off x="8179494" y="1759626"/>
+            <a:ext cx="2880288" cy="2129196"/>
+          </a:xfrm>
+          <a:prstGeom prst="rect">
+            <a:avLst/>
+          </a:prstGeom>
+          <a:ln w="38100" cap="sq">
+            <a:solidFill>
+              <a:srgbClr val="000000"/>
+            </a:solidFill>
+            <a:prstDash val="solid"/>
+            <a:miter lim="800000"/>
+          </a:ln>
+          <a:effectLst>
+            <a:outerShdw blurRad="50800" dist="38100" dir="2700000" algn="tl" rotWithShape="0">
+              <a:srgbClr val="000000">
+                <a:alpha val="43000"/>
+              </a:srgbClr>
+            </a:outerShdw>
+          </a:effectLst>
+        </p:spPr>
+      </p:pic>
+      <p:pic>
+        <p:nvPicPr>
+          <p:cNvPr id="16" name="그림 15">
+            <a:extLst>
+              <a:ext uri="{FF2B5EF4-FFF2-40B4-BE49-F238E27FC236}">
+                <a16:creationId xmlns:a16="http://schemas.microsoft.com/office/drawing/2014/main" id="{83C8405E-4AC6-41B3-B5E5-5770649994FF}"/>
+              </a:ext>
+            </a:extLst>
+          </p:cNvPr>
+          <p:cNvPicPr>
+            <a:picLocks noChangeAspect="1"/>
+          </p:cNvPicPr>
+          <p:nvPr/>
+        </p:nvPicPr>
+        <p:blipFill rotWithShape="1">
+          <a:blip r:embed="rId5"/>
+          <a:srcRect l="1" t="7861" r="2011"/>
+          <a:stretch/>
+        </p:blipFill>
+        <p:spPr>
+          <a:xfrm>
+            <a:off x="5948022" y="2302876"/>
+            <a:ext cx="1941352" cy="509019"/>
+          </a:xfrm>
+          <a:prstGeom prst="rect">
+            <a:avLst/>
+          </a:prstGeom>
+          <a:ln w="38100" cap="sq">
+            <a:solidFill>
+              <a:srgbClr val="000000"/>
+            </a:solidFill>
+            <a:prstDash val="solid"/>
+            <a:miter lim="800000"/>
+          </a:ln>
+          <a:effectLst>
+            <a:outerShdw blurRad="50800" dist="38100" dir="2700000" algn="tl" rotWithShape="0">
+              <a:srgbClr val="000000">
+                <a:alpha val="43000"/>
+              </a:srgbClr>
+            </a:outerShdw>
+          </a:effectLst>
+        </p:spPr>
+      </p:pic>
     </p:spTree>
     <p:extLst>
       <p:ext uri="{BB962C8B-B14F-4D97-AF65-F5344CB8AC3E}">
-        <p14:creationId xmlns:p14="http://schemas.microsoft.com/office/powerpoint/2010/main" val="3888731501"/>
+        <p14:creationId xmlns:p14="http://schemas.microsoft.com/office/powerpoint/2010/main" val="2655932682"/>
       </p:ext>
     </p:extLst>
   </p:cSld>
@@ -15294,11 +15742,11 @@
           <a:p>
             <a:r>
               <a:rPr lang="en-US" altLang="ko-KR" b="1" dirty="0"/>
-              <a:t>Minetest - Player </a:t>
+              <a:t>Minetest - </a:t>
             </a:r>
             <a:r>
               <a:rPr lang="ko-KR" altLang="en-US" b="1" dirty="0"/>
-              <a:t>이동 속도 설정</a:t>
+              <a:t>시간 설정</a:t>
             </a:r>
           </a:p>
         </p:txBody>
@@ -15326,70 +15774,114 @@
           <a:p>
             <a:r>
               <a:rPr lang="en-US" altLang="ko-KR" dirty="0"/>
-              <a:t>mt.player.MyPlayername.speed</a:t>
+              <a:t>mt.time_of_day</a:t>
             </a:r>
           </a:p>
           <a:p>
             <a:pPr lvl="1"/>
             <a:r>
               <a:rPr lang="en-US" altLang="ko-KR" dirty="0"/>
-              <a:t>Player</a:t>
+              <a:t>Minetest </a:t>
             </a:r>
             <a:r>
               <a:rPr lang="ko-KR" altLang="en-US" dirty="0"/>
-              <a:t>의 이동 속도를 설정</a:t>
+              <a:t>게임 내의 현재 시간을 나타냄</a:t>
+            </a:r>
+            <a:r>
+              <a:rPr lang="en-US" altLang="ko-KR" dirty="0"/>
+              <a:t>.</a:t>
+            </a:r>
+          </a:p>
+          <a:p>
+            <a:pPr lvl="1"/>
+            <a:r>
+              <a:rPr lang="en-US" altLang="ko-KR" dirty="0"/>
+              <a:t>0.0</a:t>
+            </a:r>
+            <a:r>
+              <a:rPr lang="ko-KR" altLang="en-US" dirty="0"/>
+              <a:t>에서</a:t>
+            </a:r>
+            <a:r>
+              <a:rPr lang="en-US" altLang="ko-KR" dirty="0"/>
+              <a:t> 1.0 </a:t>
+            </a:r>
+            <a:r>
+              <a:rPr lang="ko-KR" altLang="en-US" dirty="0"/>
+              <a:t>사이의</a:t>
+            </a:r>
+            <a:r>
+              <a:rPr lang="en-US" altLang="ko-KR" dirty="0"/>
+              <a:t> </a:t>
+            </a:r>
+            <a:r>
+              <a:rPr lang="ko-KR" altLang="en-US" dirty="0"/>
+              <a:t>실수 값</a:t>
             </a:r>
             <a:endParaRPr lang="en-US" altLang="ko-KR" dirty="0"/>
           </a:p>
           <a:p>
             <a:pPr lvl="1"/>
             <a:r>
+              <a:rPr lang="en-US" altLang="ko-KR" dirty="0"/>
+              <a:t>0.0</a:t>
+            </a:r>
+            <a:r>
               <a:rPr lang="ko-KR" altLang="en-US" dirty="0"/>
-              <a:t>값은 </a:t>
+              <a:t>은 자정</a:t>
             </a:r>
             <a:r>
               <a:rPr lang="en-US" altLang="ko-KR" dirty="0"/>
-              <a:t>1</a:t>
+              <a:t>(00:00)</a:t>
+            </a:r>
+          </a:p>
+          <a:p>
+            <a:pPr lvl="1"/>
+            <a:r>
+              <a:rPr lang="en-US" altLang="ko-KR" dirty="0"/>
+              <a:t>1.0</a:t>
             </a:r>
             <a:r>
               <a:rPr lang="ko-KR" altLang="en-US" dirty="0"/>
-              <a:t>이상의 정수로 설정</a:t>
-            </a:r>
+              <a:t>은</a:t>
+            </a:r>
+            <a:r>
+              <a:rPr lang="en-US" altLang="ko-KR" dirty="0"/>
+              <a:t> </a:t>
+            </a:r>
+            <a:r>
+              <a:rPr lang="ko-KR" altLang="en-US" dirty="0"/>
+              <a:t>다음날 자정</a:t>
+            </a:r>
+            <a:r>
+              <a:rPr lang="en-US" altLang="ko-KR" dirty="0"/>
+              <a:t>(24:00)</a:t>
+            </a:r>
+          </a:p>
+          <a:p>
+            <a:pPr lvl="1"/>
+            <a:r>
+              <a:rPr lang="en-US" altLang="ko-KR" dirty="0"/>
+              <a:t>0.5</a:t>
+            </a:r>
+            <a:r>
+              <a:rPr lang="ko-KR" altLang="en-US" dirty="0"/>
+              <a:t>는 정오</a:t>
+            </a:r>
+            <a:r>
+              <a:rPr lang="en-US" altLang="ko-KR" dirty="0"/>
+              <a:t>(12:00)</a:t>
+            </a:r>
+          </a:p>
+          <a:p>
+            <a:pPr lvl="1"/>
             <a:endParaRPr lang="en-US" altLang="ko-KR" dirty="0"/>
           </a:p>
           <a:p>
             <a:pPr lvl="1"/>
             <a:r>
               <a:rPr lang="ko-KR" altLang="en-US" dirty="0"/>
-              <a:t>값이 클수록 </a:t>
-            </a:r>
-            <a:r>
-              <a:rPr lang="en-US" altLang="ko-KR" dirty="0"/>
-              <a:t>Player</a:t>
-            </a:r>
-            <a:r>
-              <a:rPr lang="ko-KR" altLang="en-US" dirty="0"/>
-              <a:t>의 이동속도가 빨라 짐</a:t>
-            </a:r>
-            <a:endParaRPr lang="en-US" altLang="ko-KR" dirty="0"/>
-          </a:p>
-          <a:p>
-            <a:pPr lvl="1"/>
-            <a:r>
-              <a:rPr lang="en-US" altLang="ko-KR" dirty="0"/>
-              <a:t>Player</a:t>
-            </a:r>
-            <a:r>
-              <a:rPr lang="ko-KR" altLang="en-US" dirty="0"/>
-              <a:t>의 이동 속도는 기본값인 </a:t>
-            </a:r>
-            <a:r>
-              <a:rPr lang="en-US" altLang="ko-KR" dirty="0"/>
-              <a:t>1</a:t>
-            </a:r>
-            <a:r>
-              <a:rPr lang="ko-KR" altLang="en-US" dirty="0"/>
-              <a:t>로 설정</a:t>
+              <a:t>게임 내의 시간을 빨리 앞당기거나 늦추는 등의 효과를 구현</a:t>
             </a:r>
           </a:p>
         </p:txBody>
@@ -15751,7 +16243,7 @@
           <p:cNvPr id="12" name="그림 11">
             <a:extLst>
               <a:ext uri="{FF2B5EF4-FFF2-40B4-BE49-F238E27FC236}">
-                <a16:creationId xmlns:a16="http://schemas.microsoft.com/office/drawing/2014/main" id="{3D59A371-D506-4A75-B285-3C5BF7E31C1E}"/>
+                <a16:creationId xmlns:a16="http://schemas.microsoft.com/office/drawing/2014/main" id="{8771B941-24B1-4C17-9E87-A670E7E1BA80}"/>
               </a:ext>
             </a:extLst>
           </p:cNvPr>
@@ -15762,13 +16254,13 @@
         </p:nvPicPr>
         <p:blipFill rotWithShape="1">
           <a:blip r:embed="rId2"/>
-          <a:srcRect l="1515" r="6312"/>
+          <a:srcRect l="2345" t="25206" b="1542"/>
           <a:stretch/>
         </p:blipFill>
         <p:spPr>
           <a:xfrm>
-            <a:off x="8291818" y="1700691"/>
-            <a:ext cx="3061982" cy="1880948"/>
+            <a:off x="7400007" y="1888740"/>
+            <a:ext cx="4286776" cy="1755284"/>
           </a:xfrm>
           <a:prstGeom prst="rect">
             <a:avLst/>
@@ -15791,10 +16283,10 @@
       </p:pic>
       <p:sp>
         <p:nvSpPr>
-          <p:cNvPr id="14" name="사각형: 둥근 모서리 13">
-            <a:extLst>
-              <a:ext uri="{FF2B5EF4-FFF2-40B4-BE49-F238E27FC236}">
-                <a16:creationId xmlns:a16="http://schemas.microsoft.com/office/drawing/2014/main" id="{40D9AAF0-D6EE-4E24-9F87-01D1A41585CE}"/>
+          <p:cNvPr id="13" name="사각형: 둥근 모서리 12">
+            <a:extLst>
+              <a:ext uri="{FF2B5EF4-FFF2-40B4-BE49-F238E27FC236}">
+                <a16:creationId xmlns:a16="http://schemas.microsoft.com/office/drawing/2014/main" id="{3FB3D58D-3E6C-43B2-B339-7940B7EBAAEE}"/>
               </a:ext>
             </a:extLst>
           </p:cNvPr>
@@ -15803,14 +16295,14 @@
         </p:nvSpPr>
         <p:spPr>
           <a:xfrm>
-            <a:off x="9387281" y="3254928"/>
-            <a:ext cx="570451" cy="254873"/>
+            <a:off x="7400005" y="3330429"/>
+            <a:ext cx="3027511" cy="313595"/>
           </a:xfrm>
           <a:prstGeom prst="roundRect">
             <a:avLst/>
           </a:prstGeom>
           <a:noFill/>
-          <a:ln w="9525">
+          <a:ln w="38100">
             <a:solidFill>
               <a:srgbClr val="FF0000"/>
             </a:solidFill>
@@ -15841,88 +16333,10 @@
           </a:p>
         </p:txBody>
       </p:sp>
-      <p:sp>
-        <p:nvSpPr>
-          <p:cNvPr id="15" name="TextBox 14">
-            <a:extLst>
-              <a:ext uri="{FF2B5EF4-FFF2-40B4-BE49-F238E27FC236}">
-                <a16:creationId xmlns:a16="http://schemas.microsoft.com/office/drawing/2014/main" id="{D00895FF-2698-483C-BCD0-EAE386EC41C1}"/>
-              </a:ext>
-            </a:extLst>
-          </p:cNvPr>
-          <p:cNvSpPr txBox="1"/>
-          <p:nvPr/>
-        </p:nvSpPr>
-        <p:spPr>
-          <a:xfrm>
-            <a:off x="9076888" y="4001294"/>
-            <a:ext cx="1283878" cy="369332"/>
-          </a:xfrm>
-          <a:prstGeom prst="rect">
-            <a:avLst/>
-          </a:prstGeom>
-          <a:noFill/>
-        </p:spPr>
-        <p:txBody>
-          <a:bodyPr wrap="none" rtlCol="0">
-            <a:spAutoFit/>
-          </a:bodyPr>
-          <a:lstStyle/>
-          <a:p>
-            <a:r>
-              <a:rPr lang="en-US" altLang="ko-KR" dirty="0"/>
-              <a:t>username </a:t>
-            </a:r>
-            <a:endParaRPr lang="ko-KR" altLang="en-US" dirty="0"/>
-          </a:p>
-        </p:txBody>
-      </p:sp>
-      <p:cxnSp>
-        <p:nvCxnSpPr>
-          <p:cNvPr id="17" name="직선 화살표 연결선 16">
-            <a:extLst>
-              <a:ext uri="{FF2B5EF4-FFF2-40B4-BE49-F238E27FC236}">
-                <a16:creationId xmlns:a16="http://schemas.microsoft.com/office/drawing/2014/main" id="{441228FF-5405-4CA3-959E-186BBA8EB990}"/>
-              </a:ext>
-            </a:extLst>
-          </p:cNvPr>
-          <p:cNvCxnSpPr>
-            <a:stCxn id="14" idx="2"/>
-            <a:endCxn id="15" idx="0"/>
-          </p:cNvCxnSpPr>
-          <p:nvPr/>
-        </p:nvCxnSpPr>
-        <p:spPr>
-          <a:xfrm>
-            <a:off x="9672507" y="3509801"/>
-            <a:ext cx="46320" cy="491493"/>
-          </a:xfrm>
-          <a:prstGeom prst="straightConnector1">
-            <a:avLst/>
-          </a:prstGeom>
-          <a:ln>
-            <a:tailEnd type="triangle"/>
-          </a:ln>
-        </p:spPr>
-        <p:style>
-          <a:lnRef idx="1">
-            <a:schemeClr val="accent1"/>
-          </a:lnRef>
-          <a:fillRef idx="0">
-            <a:schemeClr val="accent1"/>
-          </a:fillRef>
-          <a:effectRef idx="0">
-            <a:schemeClr val="accent1"/>
-          </a:effectRef>
-          <a:fontRef idx="minor">
-            <a:schemeClr val="tx1"/>
-          </a:fontRef>
-        </p:style>
-      </p:cxnSp>
     </p:spTree>
     <p:extLst>
       <p:ext uri="{BB962C8B-B14F-4D97-AF65-F5344CB8AC3E}">
-        <p14:creationId xmlns:p14="http://schemas.microsoft.com/office/powerpoint/2010/main" val="1812924011"/>
+        <p14:creationId xmlns:p14="http://schemas.microsoft.com/office/powerpoint/2010/main" val="3888731501"/>
       </p:ext>
     </p:extLst>
   </p:cSld>
@@ -15972,47 +16386,106 @@
           <a:p>
             <a:r>
               <a:rPr lang="en-US" altLang="ko-KR" b="1" dirty="0"/>
-              <a:t>Minetest – chat </a:t>
+              <a:t>Minetest - Player </a:t>
             </a:r>
             <a:r>
               <a:rPr lang="ko-KR" altLang="en-US" b="1" dirty="0"/>
-              <a:t>기능</a:t>
+              <a:t>이동 속도 설정</a:t>
             </a:r>
           </a:p>
         </p:txBody>
       </p:sp>
-      <p:pic>
-        <p:nvPicPr>
-          <p:cNvPr id="12" name="내용 개체 틀 11">
-            <a:extLst>
-              <a:ext uri="{FF2B5EF4-FFF2-40B4-BE49-F238E27FC236}">
-                <a16:creationId xmlns:a16="http://schemas.microsoft.com/office/drawing/2014/main" id="{C2FCB0C9-7844-4053-9517-C4330E48FD94}"/>
-              </a:ext>
-            </a:extLst>
-          </p:cNvPr>
-          <p:cNvPicPr>
-            <a:picLocks noGrp="1" noChangeAspect="1"/>
-          </p:cNvPicPr>
+      <p:sp>
+        <p:nvSpPr>
+          <p:cNvPr id="3" name="내용 개체 틀 2">
+            <a:extLst>
+              <a:ext uri="{FF2B5EF4-FFF2-40B4-BE49-F238E27FC236}">
+                <a16:creationId xmlns:a16="http://schemas.microsoft.com/office/drawing/2014/main" id="{E9D22F1E-049A-4FEB-AEF1-C90B1011EA69}"/>
+              </a:ext>
+            </a:extLst>
+          </p:cNvPr>
+          <p:cNvSpPr>
+            <a:spLocks noGrp="1"/>
+          </p:cNvSpPr>
           <p:nvPr>
             <p:ph idx="1"/>
           </p:nvPr>
-        </p:nvPicPr>
-        <p:blipFill>
-          <a:blip r:embed="rId2"/>
-          <a:stretch>
-            <a:fillRect/>
-          </a:stretch>
-        </p:blipFill>
-        <p:spPr>
-          <a:xfrm>
-            <a:off x="475989" y="1775239"/>
-            <a:ext cx="5242326" cy="4351338"/>
-          </a:xfrm>
-          <a:prstGeom prst="rect">
-            <a:avLst/>
-          </a:prstGeom>
-        </p:spPr>
-      </p:pic>
+        </p:nvSpPr>
+        <p:spPr/>
+        <p:txBody>
+          <a:bodyPr/>
+          <a:lstStyle/>
+          <a:p>
+            <a:r>
+              <a:rPr lang="en-US" altLang="ko-KR" dirty="0"/>
+              <a:t>mt.player.MyPlayername.speed</a:t>
+            </a:r>
+          </a:p>
+          <a:p>
+            <a:pPr lvl="1"/>
+            <a:r>
+              <a:rPr lang="en-US" altLang="ko-KR" dirty="0"/>
+              <a:t>Player</a:t>
+            </a:r>
+            <a:r>
+              <a:rPr lang="ko-KR" altLang="en-US" dirty="0"/>
+              <a:t>의 이동 속도를 설정</a:t>
+            </a:r>
+            <a:endParaRPr lang="en-US" altLang="ko-KR" dirty="0"/>
+          </a:p>
+          <a:p>
+            <a:pPr lvl="1"/>
+            <a:r>
+              <a:rPr lang="ko-KR" altLang="en-US" dirty="0"/>
+              <a:t>값은 </a:t>
+            </a:r>
+            <a:r>
+              <a:rPr lang="en-US" altLang="ko-KR" dirty="0"/>
+              <a:t>1</a:t>
+            </a:r>
+            <a:r>
+              <a:rPr lang="ko-KR" altLang="en-US" dirty="0"/>
+              <a:t>이상의 정수로 설정</a:t>
+            </a:r>
+            <a:endParaRPr lang="en-US" altLang="ko-KR" dirty="0"/>
+          </a:p>
+          <a:p>
+            <a:pPr lvl="1"/>
+            <a:r>
+              <a:rPr lang="ko-KR" altLang="en-US" dirty="0"/>
+              <a:t>값이 클수록 </a:t>
+            </a:r>
+            <a:r>
+              <a:rPr lang="en-US" altLang="ko-KR" dirty="0"/>
+              <a:t>Player</a:t>
+            </a:r>
+            <a:r>
+              <a:rPr lang="ko-KR" altLang="en-US" dirty="0"/>
+              <a:t>의 이동속도가 빨라 짐</a:t>
+            </a:r>
+            <a:endParaRPr lang="en-US" altLang="ko-KR" dirty="0"/>
+          </a:p>
+          <a:p>
+            <a:pPr lvl="1"/>
+            <a:r>
+              <a:rPr lang="en-US" altLang="ko-KR" dirty="0"/>
+              <a:t>Player</a:t>
+            </a:r>
+            <a:r>
+              <a:rPr lang="ko-KR" altLang="en-US" dirty="0"/>
+              <a:t>의 이동 속도는 기본값인 </a:t>
+            </a:r>
+            <a:r>
+              <a:rPr lang="en-US" altLang="ko-KR" dirty="0"/>
+              <a:t>1</a:t>
+            </a:r>
+            <a:r>
+              <a:rPr lang="ko-KR" altLang="en-US" dirty="0"/>
+              <a:t>로 설정</a:t>
+            </a:r>
+          </a:p>
+        </p:txBody>
+      </p:sp>
       <p:cxnSp>
         <p:nvCxnSpPr>
           <p:cNvPr id="4" name="직선 연결선 3">
@@ -16365,64 +16838,12 @@
           </a:fontRef>
         </p:style>
       </p:cxnSp>
-      <p:sp>
-        <p:nvSpPr>
-          <p:cNvPr id="13" name="사각형: 둥근 모서리 12">
-            <a:extLst>
-              <a:ext uri="{FF2B5EF4-FFF2-40B4-BE49-F238E27FC236}">
-                <a16:creationId xmlns:a16="http://schemas.microsoft.com/office/drawing/2014/main" id="{5C88955F-F894-4DB9-B9F8-8F5605F4BA76}"/>
-              </a:ext>
-            </a:extLst>
-          </p:cNvPr>
-          <p:cNvSpPr/>
-          <p:nvPr/>
-        </p:nvSpPr>
-        <p:spPr>
-          <a:xfrm>
-            <a:off x="463463" y="1922094"/>
-            <a:ext cx="989556" cy="307532"/>
-          </a:xfrm>
-          <a:prstGeom prst="roundRect">
-            <a:avLst/>
-          </a:prstGeom>
-          <a:noFill/>
-          <a:ln w="38100">
-            <a:solidFill>
-              <a:srgbClr val="FF0000"/>
-            </a:solidFill>
-          </a:ln>
-        </p:spPr>
-        <p:style>
-          <a:lnRef idx="2">
-            <a:schemeClr val="accent1">
-              <a:shade val="50000"/>
-            </a:schemeClr>
-          </a:lnRef>
-          <a:fillRef idx="1">
-            <a:schemeClr val="accent1"/>
-          </a:fillRef>
-          <a:effectRef idx="0">
-            <a:schemeClr val="accent1"/>
-          </a:effectRef>
-          <a:fontRef idx="minor">
-            <a:schemeClr val="lt1"/>
-          </a:fontRef>
-        </p:style>
-        <p:txBody>
-          <a:bodyPr rtlCol="0" anchor="ctr"/>
-          <a:lstStyle/>
-          <a:p>
-            <a:pPr algn="ctr"/>
-            <a:endParaRPr lang="ko-KR" altLang="en-US" dirty="0"/>
-          </a:p>
-        </p:txBody>
-      </p:sp>
       <p:pic>
         <p:nvPicPr>
-          <p:cNvPr id="14" name="그림 13">
-            <a:extLst>
-              <a:ext uri="{FF2B5EF4-FFF2-40B4-BE49-F238E27FC236}">
-                <a16:creationId xmlns:a16="http://schemas.microsoft.com/office/drawing/2014/main" id="{88DC4D63-0C1A-496A-BB66-9C8905D063B5}"/>
+          <p:cNvPr id="12" name="그림 11">
+            <a:extLst>
+              <a:ext uri="{FF2B5EF4-FFF2-40B4-BE49-F238E27FC236}">
+                <a16:creationId xmlns:a16="http://schemas.microsoft.com/office/drawing/2014/main" id="{3D59A371-D506-4A75-B285-3C5BF7E31C1E}"/>
               </a:ext>
             </a:extLst>
           </p:cNvPr>
@@ -16432,14 +16853,14 @@
           <p:nvPr/>
         </p:nvPicPr>
         <p:blipFill rotWithShape="1">
-          <a:blip r:embed="rId3"/>
-          <a:srcRect l="636"/>
+          <a:blip r:embed="rId2"/>
+          <a:srcRect l="1515" r="6312"/>
           <a:stretch/>
         </p:blipFill>
         <p:spPr>
           <a:xfrm>
-            <a:off x="5962388" y="1922093"/>
-            <a:ext cx="5724395" cy="2662430"/>
+            <a:off x="8291818" y="1700691"/>
+            <a:ext cx="3061982" cy="1880948"/>
           </a:xfrm>
           <a:prstGeom prst="rect">
             <a:avLst/>
@@ -16460,10 +16881,140 @@
           </a:effectLst>
         </p:spPr>
       </p:pic>
+      <p:sp>
+        <p:nvSpPr>
+          <p:cNvPr id="14" name="사각형: 둥근 모서리 13">
+            <a:extLst>
+              <a:ext uri="{FF2B5EF4-FFF2-40B4-BE49-F238E27FC236}">
+                <a16:creationId xmlns:a16="http://schemas.microsoft.com/office/drawing/2014/main" id="{40D9AAF0-D6EE-4E24-9F87-01D1A41585CE}"/>
+              </a:ext>
+            </a:extLst>
+          </p:cNvPr>
+          <p:cNvSpPr/>
+          <p:nvPr/>
+        </p:nvSpPr>
+        <p:spPr>
+          <a:xfrm>
+            <a:off x="9387281" y="3254928"/>
+            <a:ext cx="570451" cy="254873"/>
+          </a:xfrm>
+          <a:prstGeom prst="roundRect">
+            <a:avLst/>
+          </a:prstGeom>
+          <a:noFill/>
+          <a:ln w="9525">
+            <a:solidFill>
+              <a:srgbClr val="FF0000"/>
+            </a:solidFill>
+          </a:ln>
+        </p:spPr>
+        <p:style>
+          <a:lnRef idx="2">
+            <a:schemeClr val="accent1">
+              <a:shade val="50000"/>
+            </a:schemeClr>
+          </a:lnRef>
+          <a:fillRef idx="1">
+            <a:schemeClr val="accent1"/>
+          </a:fillRef>
+          <a:effectRef idx="0">
+            <a:schemeClr val="accent1"/>
+          </a:effectRef>
+          <a:fontRef idx="minor">
+            <a:schemeClr val="lt1"/>
+          </a:fontRef>
+        </p:style>
+        <p:txBody>
+          <a:bodyPr rtlCol="0" anchor="ctr"/>
+          <a:lstStyle/>
+          <a:p>
+            <a:pPr algn="ctr"/>
+            <a:endParaRPr lang="ko-KR" altLang="en-US" dirty="0"/>
+          </a:p>
+        </p:txBody>
+      </p:sp>
+      <p:sp>
+        <p:nvSpPr>
+          <p:cNvPr id="15" name="TextBox 14">
+            <a:extLst>
+              <a:ext uri="{FF2B5EF4-FFF2-40B4-BE49-F238E27FC236}">
+                <a16:creationId xmlns:a16="http://schemas.microsoft.com/office/drawing/2014/main" id="{D00895FF-2698-483C-BCD0-EAE386EC41C1}"/>
+              </a:ext>
+            </a:extLst>
+          </p:cNvPr>
+          <p:cNvSpPr txBox="1"/>
+          <p:nvPr/>
+        </p:nvSpPr>
+        <p:spPr>
+          <a:xfrm>
+            <a:off x="9076888" y="4001294"/>
+            <a:ext cx="1283878" cy="369332"/>
+          </a:xfrm>
+          <a:prstGeom prst="rect">
+            <a:avLst/>
+          </a:prstGeom>
+          <a:noFill/>
+        </p:spPr>
+        <p:txBody>
+          <a:bodyPr wrap="none" rtlCol="0">
+            <a:spAutoFit/>
+          </a:bodyPr>
+          <a:lstStyle/>
+          <a:p>
+            <a:r>
+              <a:rPr lang="en-US" altLang="ko-KR" dirty="0"/>
+              <a:t>username </a:t>
+            </a:r>
+            <a:endParaRPr lang="ko-KR" altLang="en-US" dirty="0"/>
+          </a:p>
+        </p:txBody>
+      </p:sp>
+      <p:cxnSp>
+        <p:nvCxnSpPr>
+          <p:cNvPr id="17" name="직선 화살표 연결선 16">
+            <a:extLst>
+              <a:ext uri="{FF2B5EF4-FFF2-40B4-BE49-F238E27FC236}">
+                <a16:creationId xmlns:a16="http://schemas.microsoft.com/office/drawing/2014/main" id="{441228FF-5405-4CA3-959E-186BBA8EB990}"/>
+              </a:ext>
+            </a:extLst>
+          </p:cNvPr>
+          <p:cNvCxnSpPr>
+            <a:stCxn id="14" idx="2"/>
+            <a:endCxn id="15" idx="0"/>
+          </p:cNvCxnSpPr>
+          <p:nvPr/>
+        </p:nvCxnSpPr>
+        <p:spPr>
+          <a:xfrm>
+            <a:off x="9672507" y="3509801"/>
+            <a:ext cx="46320" cy="491493"/>
+          </a:xfrm>
+          <a:prstGeom prst="straightConnector1">
+            <a:avLst/>
+          </a:prstGeom>
+          <a:ln>
+            <a:tailEnd type="triangle"/>
+          </a:ln>
+        </p:spPr>
+        <p:style>
+          <a:lnRef idx="1">
+            <a:schemeClr val="accent1"/>
+          </a:lnRef>
+          <a:fillRef idx="0">
+            <a:schemeClr val="accent1"/>
+          </a:fillRef>
+          <a:effectRef idx="0">
+            <a:schemeClr val="accent1"/>
+          </a:effectRef>
+          <a:fontRef idx="minor">
+            <a:schemeClr val="tx1"/>
+          </a:fontRef>
+        </p:style>
+      </p:cxnSp>
     </p:spTree>
     <p:extLst>
       <p:ext uri="{BB962C8B-B14F-4D97-AF65-F5344CB8AC3E}">
-        <p14:creationId xmlns:p14="http://schemas.microsoft.com/office/powerpoint/2010/main" val="1323932814"/>
+        <p14:creationId xmlns:p14="http://schemas.microsoft.com/office/powerpoint/2010/main" val="1812924011"/>
       </p:ext>
     </p:extLst>
   </p:cSld>

--- a/Minetest와 함께하는 프로그래밍 입문.pptx
+++ b/Minetest와 함께하는 프로그래밍 입문.pptx
@@ -285,7 +285,7 @@
           <a:p>
             <a:fld id="{74B9FC48-D3CB-49FE-AC95-319B44839FF2}" type="datetimeFigureOut">
               <a:rPr lang="ko-KR" altLang="en-US" smtClean="0"/>
-              <a:t>2024-06-14</a:t>
+              <a:t>2024-06-17</a:t>
             </a:fld>
             <a:endParaRPr lang="ko-KR" altLang="en-US"/>
           </a:p>
@@ -483,7 +483,7 @@
           <a:p>
             <a:fld id="{74B9FC48-D3CB-49FE-AC95-319B44839FF2}" type="datetimeFigureOut">
               <a:rPr lang="ko-KR" altLang="en-US" smtClean="0"/>
-              <a:t>2024-06-14</a:t>
+              <a:t>2024-06-17</a:t>
             </a:fld>
             <a:endParaRPr lang="ko-KR" altLang="en-US"/>
           </a:p>
@@ -691,7 +691,7 @@
           <a:p>
             <a:fld id="{74B9FC48-D3CB-49FE-AC95-319B44839FF2}" type="datetimeFigureOut">
               <a:rPr lang="ko-KR" altLang="en-US" smtClean="0"/>
-              <a:t>2024-06-14</a:t>
+              <a:t>2024-06-17</a:t>
             </a:fld>
             <a:endParaRPr lang="ko-KR" altLang="en-US"/>
           </a:p>
@@ -889,7 +889,7 @@
           <a:p>
             <a:fld id="{74B9FC48-D3CB-49FE-AC95-319B44839FF2}" type="datetimeFigureOut">
               <a:rPr lang="ko-KR" altLang="en-US" smtClean="0"/>
-              <a:t>2024-06-14</a:t>
+              <a:t>2024-06-17</a:t>
             </a:fld>
             <a:endParaRPr lang="ko-KR" altLang="en-US"/>
           </a:p>
@@ -1164,7 +1164,7 @@
           <a:p>
             <a:fld id="{74B9FC48-D3CB-49FE-AC95-319B44839FF2}" type="datetimeFigureOut">
               <a:rPr lang="ko-KR" altLang="en-US" smtClean="0"/>
-              <a:t>2024-06-14</a:t>
+              <a:t>2024-06-17</a:t>
             </a:fld>
             <a:endParaRPr lang="ko-KR" altLang="en-US"/>
           </a:p>
@@ -1429,7 +1429,7 @@
           <a:p>
             <a:fld id="{74B9FC48-D3CB-49FE-AC95-319B44839FF2}" type="datetimeFigureOut">
               <a:rPr lang="ko-KR" altLang="en-US" smtClean="0"/>
-              <a:t>2024-06-14</a:t>
+              <a:t>2024-06-17</a:t>
             </a:fld>
             <a:endParaRPr lang="ko-KR" altLang="en-US"/>
           </a:p>
@@ -1841,7 +1841,7 @@
           <a:p>
             <a:fld id="{74B9FC48-D3CB-49FE-AC95-319B44839FF2}" type="datetimeFigureOut">
               <a:rPr lang="ko-KR" altLang="en-US" smtClean="0"/>
-              <a:t>2024-06-14</a:t>
+              <a:t>2024-06-17</a:t>
             </a:fld>
             <a:endParaRPr lang="ko-KR" altLang="en-US"/>
           </a:p>
@@ -1982,7 +1982,7 @@
           <a:p>
             <a:fld id="{74B9FC48-D3CB-49FE-AC95-319B44839FF2}" type="datetimeFigureOut">
               <a:rPr lang="ko-KR" altLang="en-US" smtClean="0"/>
-              <a:t>2024-06-14</a:t>
+              <a:t>2024-06-17</a:t>
             </a:fld>
             <a:endParaRPr lang="ko-KR" altLang="en-US"/>
           </a:p>
@@ -2095,7 +2095,7 @@
           <a:p>
             <a:fld id="{74B9FC48-D3CB-49FE-AC95-319B44839FF2}" type="datetimeFigureOut">
               <a:rPr lang="ko-KR" altLang="en-US" smtClean="0"/>
-              <a:t>2024-06-14</a:t>
+              <a:t>2024-06-17</a:t>
             </a:fld>
             <a:endParaRPr lang="ko-KR" altLang="en-US"/>
           </a:p>
@@ -2406,7 +2406,7 @@
           <a:p>
             <a:fld id="{74B9FC48-D3CB-49FE-AC95-319B44839FF2}" type="datetimeFigureOut">
               <a:rPr lang="ko-KR" altLang="en-US" smtClean="0"/>
-              <a:t>2024-06-14</a:t>
+              <a:t>2024-06-17</a:t>
             </a:fld>
             <a:endParaRPr lang="ko-KR" altLang="en-US"/>
           </a:p>
@@ -2694,7 +2694,7 @@
           <a:p>
             <a:fld id="{74B9FC48-D3CB-49FE-AC95-319B44839FF2}" type="datetimeFigureOut">
               <a:rPr lang="ko-KR" altLang="en-US" smtClean="0"/>
-              <a:t>2024-06-14</a:t>
+              <a:t>2024-06-17</a:t>
             </a:fld>
             <a:endParaRPr lang="ko-KR" altLang="en-US"/>
           </a:p>
@@ -2935,7 +2935,7 @@
           <a:p>
             <a:fld id="{74B9FC48-D3CB-49FE-AC95-319B44839FF2}" type="datetimeFigureOut">
               <a:rPr lang="ko-KR" altLang="en-US" smtClean="0"/>
-              <a:t>2024-06-14</a:t>
+              <a:t>2024-06-17</a:t>
             </a:fld>
             <a:endParaRPr lang="ko-KR" altLang="en-US"/>
           </a:p>
@@ -7669,37 +7669,66 @@
           <a:p>
             <a:r>
               <a:rPr lang="en-US" altLang="ko-KR" b="1" dirty="0"/>
-              <a:t>Minetest - </a:t>
+              <a:t>Minetest - Player  </a:t>
+            </a:r>
+            <a:r>
+              <a:rPr lang="ko-KR" altLang="en-US" b="1" dirty="0"/>
+              <a:t>현재 위치</a:t>
+            </a:r>
+            <a:r>
+              <a:rPr lang="en-US" altLang="ko-KR" b="1" dirty="0"/>
+              <a:t> </a:t>
             </a:r>
             <a:endParaRPr lang="ko-KR" altLang="en-US" b="1" dirty="0"/>
           </a:p>
         </p:txBody>
       </p:sp>
-      <p:sp>
-        <p:nvSpPr>
-          <p:cNvPr id="3" name="내용 개체 틀 2">
-            <a:extLst>
-              <a:ext uri="{FF2B5EF4-FFF2-40B4-BE49-F238E27FC236}">
-                <a16:creationId xmlns:a16="http://schemas.microsoft.com/office/drawing/2014/main" id="{E9D22F1E-049A-4FEB-AEF1-C90B1011EA69}"/>
-              </a:ext>
-            </a:extLst>
-          </p:cNvPr>
-          <p:cNvSpPr>
-            <a:spLocks noGrp="1"/>
-          </p:cNvSpPr>
+      <p:pic>
+        <p:nvPicPr>
+          <p:cNvPr id="12" name="내용 개체 틀 11">
+            <a:extLst>
+              <a:ext uri="{FF2B5EF4-FFF2-40B4-BE49-F238E27FC236}">
+                <a16:creationId xmlns:a16="http://schemas.microsoft.com/office/drawing/2014/main" id="{7404231C-37F8-439B-AD02-C078476196EA}"/>
+              </a:ext>
+            </a:extLst>
+          </p:cNvPr>
+          <p:cNvPicPr>
+            <a:picLocks noGrp="1" noChangeAspect="1"/>
+          </p:cNvPicPr>
           <p:nvPr>
             <p:ph idx="1"/>
           </p:nvPr>
-        </p:nvSpPr>
-        <p:spPr/>
-        <p:txBody>
-          <a:bodyPr/>
-          <a:lstStyle/>
-          <a:p>
-            <a:endParaRPr lang="ko-KR" altLang="en-US"/>
-          </a:p>
-        </p:txBody>
-      </p:sp>
+        </p:nvPicPr>
+        <p:blipFill>
+          <a:blip r:embed="rId2"/>
+          <a:stretch>
+            <a:fillRect/>
+          </a:stretch>
+        </p:blipFill>
+        <p:spPr>
+          <a:xfrm>
+            <a:off x="504582" y="2163300"/>
+            <a:ext cx="11141082" cy="3727125"/>
+          </a:xfrm>
+          <a:prstGeom prst="rect">
+            <a:avLst/>
+          </a:prstGeom>
+          <a:ln w="38100" cap="sq">
+            <a:solidFill>
+              <a:srgbClr val="000000"/>
+            </a:solidFill>
+            <a:prstDash val="solid"/>
+            <a:miter lim="800000"/>
+          </a:ln>
+          <a:effectLst>
+            <a:outerShdw blurRad="50800" dist="38100" dir="2700000" algn="tl" rotWithShape="0">
+              <a:srgbClr val="000000">
+                <a:alpha val="43000"/>
+              </a:srgbClr>
+            </a:outerShdw>
+          </a:effectLst>
+        </p:spPr>
+      </p:pic>
       <p:cxnSp>
         <p:nvCxnSpPr>
           <p:cNvPr id="4" name="직선 연결선 3">

--- a/Minetest와 함께하는 프로그래밍 입문.pptx
+++ b/Minetest와 함께하는 프로그래밍 입문.pptx
@@ -10,8 +10,8 @@
     <p:sldId id="258" r:id="rId4"/>
     <p:sldId id="263" r:id="rId5"/>
     <p:sldId id="259" r:id="rId6"/>
-    <p:sldId id="282" r:id="rId7"/>
-    <p:sldId id="260" r:id="rId8"/>
+    <p:sldId id="260" r:id="rId7"/>
+    <p:sldId id="283" r:id="rId8"/>
     <p:sldId id="261" r:id="rId9"/>
     <p:sldId id="262" r:id="rId10"/>
     <p:sldId id="264" r:id="rId11"/>
@@ -20,18 +20,21 @@
     <p:sldId id="267" r:id="rId14"/>
     <p:sldId id="268" r:id="rId15"/>
     <p:sldId id="269" r:id="rId16"/>
-    <p:sldId id="279" r:id="rId17"/>
-    <p:sldId id="280" r:id="rId18"/>
-    <p:sldId id="281" r:id="rId19"/>
-    <p:sldId id="270" r:id="rId20"/>
-    <p:sldId id="271" r:id="rId21"/>
-    <p:sldId id="272" r:id="rId22"/>
-    <p:sldId id="273" r:id="rId23"/>
-    <p:sldId id="274" r:id="rId24"/>
-    <p:sldId id="275" r:id="rId25"/>
-    <p:sldId id="276" r:id="rId26"/>
-    <p:sldId id="277" r:id="rId27"/>
+    <p:sldId id="286" r:id="rId17"/>
+    <p:sldId id="279" r:id="rId18"/>
+    <p:sldId id="280" r:id="rId19"/>
+    <p:sldId id="285" r:id="rId20"/>
+    <p:sldId id="281" r:id="rId21"/>
+    <p:sldId id="270" r:id="rId22"/>
+    <p:sldId id="271" r:id="rId23"/>
+    <p:sldId id="272" r:id="rId24"/>
+    <p:sldId id="273" r:id="rId25"/>
+    <p:sldId id="274" r:id="rId26"/>
+    <p:sldId id="275" r:id="rId27"/>
     <p:sldId id="278" r:id="rId28"/>
+    <p:sldId id="277" r:id="rId29"/>
+    <p:sldId id="276" r:id="rId30"/>
+    <p:sldId id="284" r:id="rId31"/>
   </p:sldIdLst>
   <p:sldSz cx="12192000" cy="6858000"/>
   <p:notesSz cx="6858000" cy="9144000"/>
@@ -285,7 +288,7 @@
           <a:p>
             <a:fld id="{74B9FC48-D3CB-49FE-AC95-319B44839FF2}" type="datetimeFigureOut">
               <a:rPr lang="ko-KR" altLang="en-US" smtClean="0"/>
-              <a:t>2024-06-17</a:t>
+              <a:t>2024-06-21</a:t>
             </a:fld>
             <a:endParaRPr lang="ko-KR" altLang="en-US"/>
           </a:p>
@@ -483,7 +486,7 @@
           <a:p>
             <a:fld id="{74B9FC48-D3CB-49FE-AC95-319B44839FF2}" type="datetimeFigureOut">
               <a:rPr lang="ko-KR" altLang="en-US" smtClean="0"/>
-              <a:t>2024-06-17</a:t>
+              <a:t>2024-06-21</a:t>
             </a:fld>
             <a:endParaRPr lang="ko-KR" altLang="en-US"/>
           </a:p>
@@ -691,7 +694,7 @@
           <a:p>
             <a:fld id="{74B9FC48-D3CB-49FE-AC95-319B44839FF2}" type="datetimeFigureOut">
               <a:rPr lang="ko-KR" altLang="en-US" smtClean="0"/>
-              <a:t>2024-06-17</a:t>
+              <a:t>2024-06-21</a:t>
             </a:fld>
             <a:endParaRPr lang="ko-KR" altLang="en-US"/>
           </a:p>
@@ -889,7 +892,7 @@
           <a:p>
             <a:fld id="{74B9FC48-D3CB-49FE-AC95-319B44839FF2}" type="datetimeFigureOut">
               <a:rPr lang="ko-KR" altLang="en-US" smtClean="0"/>
-              <a:t>2024-06-17</a:t>
+              <a:t>2024-06-21</a:t>
             </a:fld>
             <a:endParaRPr lang="ko-KR" altLang="en-US"/>
           </a:p>
@@ -1164,7 +1167,7 @@
           <a:p>
             <a:fld id="{74B9FC48-D3CB-49FE-AC95-319B44839FF2}" type="datetimeFigureOut">
               <a:rPr lang="ko-KR" altLang="en-US" smtClean="0"/>
-              <a:t>2024-06-17</a:t>
+              <a:t>2024-06-21</a:t>
             </a:fld>
             <a:endParaRPr lang="ko-KR" altLang="en-US"/>
           </a:p>
@@ -1429,7 +1432,7 @@
           <a:p>
             <a:fld id="{74B9FC48-D3CB-49FE-AC95-319B44839FF2}" type="datetimeFigureOut">
               <a:rPr lang="ko-KR" altLang="en-US" smtClean="0"/>
-              <a:t>2024-06-17</a:t>
+              <a:t>2024-06-21</a:t>
             </a:fld>
             <a:endParaRPr lang="ko-KR" altLang="en-US"/>
           </a:p>
@@ -1841,7 +1844,7 @@
           <a:p>
             <a:fld id="{74B9FC48-D3CB-49FE-AC95-319B44839FF2}" type="datetimeFigureOut">
               <a:rPr lang="ko-KR" altLang="en-US" smtClean="0"/>
-              <a:t>2024-06-17</a:t>
+              <a:t>2024-06-21</a:t>
             </a:fld>
             <a:endParaRPr lang="ko-KR" altLang="en-US"/>
           </a:p>
@@ -1982,7 +1985,7 @@
           <a:p>
             <a:fld id="{74B9FC48-D3CB-49FE-AC95-319B44839FF2}" type="datetimeFigureOut">
               <a:rPr lang="ko-KR" altLang="en-US" smtClean="0"/>
-              <a:t>2024-06-17</a:t>
+              <a:t>2024-06-21</a:t>
             </a:fld>
             <a:endParaRPr lang="ko-KR" altLang="en-US"/>
           </a:p>
@@ -2095,7 +2098,7 @@
           <a:p>
             <a:fld id="{74B9FC48-D3CB-49FE-AC95-319B44839FF2}" type="datetimeFigureOut">
               <a:rPr lang="ko-KR" altLang="en-US" smtClean="0"/>
-              <a:t>2024-06-17</a:t>
+              <a:t>2024-06-21</a:t>
             </a:fld>
             <a:endParaRPr lang="ko-KR" altLang="en-US"/>
           </a:p>
@@ -2406,7 +2409,7 @@
           <a:p>
             <a:fld id="{74B9FC48-D3CB-49FE-AC95-319B44839FF2}" type="datetimeFigureOut">
               <a:rPr lang="ko-KR" altLang="en-US" smtClean="0"/>
-              <a:t>2024-06-17</a:t>
+              <a:t>2024-06-21</a:t>
             </a:fld>
             <a:endParaRPr lang="ko-KR" altLang="en-US"/>
           </a:p>
@@ -2694,7 +2697,7 @@
           <a:p>
             <a:fld id="{74B9FC48-D3CB-49FE-AC95-319B44839FF2}" type="datetimeFigureOut">
               <a:rPr lang="ko-KR" altLang="en-US" smtClean="0"/>
-              <a:t>2024-06-17</a:t>
+              <a:t>2024-06-21</a:t>
             </a:fld>
             <a:endParaRPr lang="ko-KR" altLang="en-US"/>
           </a:p>
@@ -2935,7 +2938,7 @@
           <a:p>
             <a:fld id="{74B9FC48-D3CB-49FE-AC95-319B44839FF2}" type="datetimeFigureOut">
               <a:rPr lang="ko-KR" altLang="en-US" smtClean="0"/>
-              <a:t>2024-06-17</a:t>
+              <a:t>2024-06-21</a:t>
             </a:fld>
             <a:endParaRPr lang="ko-KR" altLang="en-US"/>
           </a:p>
@@ -4112,8 +4115,8 @@
         </p:nvCxnSpPr>
         <p:spPr>
           <a:xfrm flipV="1">
-            <a:off x="10660109" y="1864715"/>
-            <a:ext cx="0" cy="1767887"/>
+            <a:off x="10660109" y="2786856"/>
+            <a:ext cx="0" cy="845747"/>
           </a:xfrm>
           <a:prstGeom prst="line">
             <a:avLst/>
@@ -7209,31 +7212,7 @@
           <a:p>
             <a:r>
               <a:rPr lang="en-US" altLang="ko-KR" b="1" dirty="0"/>
-              <a:t>Minetest – </a:t>
-            </a:r>
-            <a:r>
-              <a:rPr lang="ko-KR" altLang="en-US" sz="3600" b="1" dirty="0"/>
-              <a:t>체력 수를 </a:t>
-            </a:r>
-            <a:r>
-              <a:rPr lang="en-US" altLang="ko-KR" sz="3600" b="1" dirty="0"/>
-              <a:t>0</a:t>
-            </a:r>
-            <a:r>
-              <a:rPr lang="ko-KR" altLang="en-US" sz="3600" b="1" dirty="0"/>
-              <a:t>에서 </a:t>
-            </a:r>
-            <a:r>
-              <a:rPr lang="en-US" altLang="ko-KR" sz="3600" b="1" dirty="0"/>
-              <a:t>20 </a:t>
-            </a:r>
-            <a:r>
-              <a:rPr lang="ko-KR" altLang="en-US" sz="3600" b="1" dirty="0"/>
-              <a:t>사이로 설정</a:t>
-            </a:r>
-            <a:r>
-              <a:rPr lang="en-US" altLang="ko-KR" sz="3600" b="1" dirty="0"/>
-              <a:t> </a:t>
+              <a:t>Minetest - </a:t>
             </a:r>
             <a:endParaRPr lang="ko-KR" altLang="en-US" b="1" dirty="0"/>
           </a:p>
@@ -7619,7 +7598,7 @@
     </p:spTree>
     <p:extLst>
       <p:ext uri="{BB962C8B-B14F-4D97-AF65-F5344CB8AC3E}">
-        <p14:creationId xmlns:p14="http://schemas.microsoft.com/office/powerpoint/2010/main" val="2046032947"/>
+        <p14:creationId xmlns:p14="http://schemas.microsoft.com/office/powerpoint/2010/main" val="1982447420"/>
       </p:ext>
     </p:extLst>
   </p:cSld>
@@ -7669,46 +7648,446 @@
           <a:p>
             <a:r>
               <a:rPr lang="en-US" altLang="ko-KR" b="1" dirty="0"/>
-              <a:t>Minetest - Player  </a:t>
-            </a:r>
-            <a:r>
-              <a:rPr lang="ko-KR" altLang="en-US" b="1" dirty="0"/>
-              <a:t>현재 위치</a:t>
-            </a:r>
-            <a:r>
-              <a:rPr lang="en-US" altLang="ko-KR" b="1" dirty="0"/>
-              <a:t> </a:t>
+              <a:t>Minetest – node</a:t>
             </a:r>
             <a:endParaRPr lang="ko-KR" altLang="en-US" b="1" dirty="0"/>
           </a:p>
         </p:txBody>
       </p:sp>
-      <p:pic>
-        <p:nvPicPr>
-          <p:cNvPr id="12" name="내용 개체 틀 11">
-            <a:extLst>
-              <a:ext uri="{FF2B5EF4-FFF2-40B4-BE49-F238E27FC236}">
-                <a16:creationId xmlns:a16="http://schemas.microsoft.com/office/drawing/2014/main" id="{7404231C-37F8-439B-AD02-C078476196EA}"/>
-              </a:ext>
-            </a:extLst>
-          </p:cNvPr>
-          <p:cNvPicPr>
-            <a:picLocks noGrp="1" noChangeAspect="1"/>
-          </p:cNvPicPr>
+      <p:sp>
+        <p:nvSpPr>
+          <p:cNvPr id="3" name="내용 개체 틀 2">
+            <a:extLst>
+              <a:ext uri="{FF2B5EF4-FFF2-40B4-BE49-F238E27FC236}">
+                <a16:creationId xmlns:a16="http://schemas.microsoft.com/office/drawing/2014/main" id="{E9D22F1E-049A-4FEB-AEF1-C90B1011EA69}"/>
+              </a:ext>
+            </a:extLst>
+          </p:cNvPr>
+          <p:cNvSpPr>
+            <a:spLocks noGrp="1"/>
+          </p:cNvSpPr>
           <p:nvPr>
             <p:ph idx="1"/>
           </p:nvPr>
+        </p:nvSpPr>
+        <p:spPr>
+          <a:xfrm>
+            <a:off x="838200" y="1825625"/>
+            <a:ext cx="10515600" cy="4351338"/>
+          </a:xfrm>
+        </p:spPr>
+        <p:txBody>
+          <a:bodyPr/>
+          <a:lstStyle/>
+          <a:p>
+            <a:r>
+              <a:rPr lang="ko-KR" altLang="en-US" dirty="0"/>
+              <a:t>노드 타입은 </a:t>
+            </a:r>
+            <a:r>
+              <a:rPr lang="en-US" altLang="ko-KR" dirty="0"/>
+              <a:t>Minetest </a:t>
+            </a:r>
+            <a:r>
+              <a:rPr lang="ko-KR" altLang="en-US" dirty="0"/>
+              <a:t>게임 내에서 사용되는 기본 블록 유형을 나타냄</a:t>
+            </a:r>
+            <a:r>
+              <a:rPr lang="en-US" altLang="ko-KR" dirty="0"/>
+              <a:t>.</a:t>
+            </a:r>
+          </a:p>
+          <a:p>
+            <a:r>
+              <a:rPr lang="ko-KR" altLang="en-US" dirty="0"/>
+              <a:t>예를 들어 </a:t>
+            </a:r>
+            <a:r>
+              <a:rPr lang="en-US" altLang="ko-KR" dirty="0"/>
+              <a:t>“dirt”, “stone”, “wood” </a:t>
+            </a:r>
+            <a:r>
+              <a:rPr lang="ko-KR" altLang="en-US" dirty="0"/>
+              <a:t>등</a:t>
+            </a:r>
+          </a:p>
+        </p:txBody>
+      </p:sp>
+      <p:cxnSp>
+        <p:nvCxnSpPr>
+          <p:cNvPr id="4" name="직선 연결선 3">
+            <a:extLst>
+              <a:ext uri="{FF2B5EF4-FFF2-40B4-BE49-F238E27FC236}">
+                <a16:creationId xmlns:a16="http://schemas.microsoft.com/office/drawing/2014/main" id="{EE01682E-4EC3-491F-A46B-0EACC9713D73}"/>
+              </a:ext>
+            </a:extLst>
+          </p:cNvPr>
+          <p:cNvCxnSpPr>
+            <a:cxnSpLocks/>
+          </p:cNvCxnSpPr>
+          <p:nvPr/>
+        </p:nvCxnSpPr>
+        <p:spPr>
+          <a:xfrm>
+            <a:off x="463463" y="1565753"/>
+            <a:ext cx="1402915" cy="0"/>
+          </a:xfrm>
+          <a:prstGeom prst="line">
+            <a:avLst/>
+          </a:prstGeom>
+          <a:ln w="57150">
+            <a:solidFill>
+              <a:srgbClr val="00B050"/>
+            </a:solidFill>
+          </a:ln>
+        </p:spPr>
+        <p:style>
+          <a:lnRef idx="1">
+            <a:schemeClr val="accent1"/>
+          </a:lnRef>
+          <a:fillRef idx="0">
+            <a:schemeClr val="accent1"/>
+          </a:fillRef>
+          <a:effectRef idx="0">
+            <a:schemeClr val="accent1"/>
+          </a:effectRef>
+          <a:fontRef idx="minor">
+            <a:schemeClr val="tx1"/>
+          </a:fontRef>
+        </p:style>
+      </p:cxnSp>
+      <p:cxnSp>
+        <p:nvCxnSpPr>
+          <p:cNvPr id="5" name="직선 연결선 4">
+            <a:extLst>
+              <a:ext uri="{FF2B5EF4-FFF2-40B4-BE49-F238E27FC236}">
+                <a16:creationId xmlns:a16="http://schemas.microsoft.com/office/drawing/2014/main" id="{ABC6680E-470B-45C4-B289-7A0EF67ED7E0}"/>
+              </a:ext>
+            </a:extLst>
+          </p:cNvPr>
+          <p:cNvCxnSpPr>
+            <a:cxnSpLocks/>
+          </p:cNvCxnSpPr>
+          <p:nvPr/>
+        </p:nvCxnSpPr>
+        <p:spPr>
+          <a:xfrm>
+            <a:off x="1866378" y="1565753"/>
+            <a:ext cx="1402915" cy="0"/>
+          </a:xfrm>
+          <a:prstGeom prst="line">
+            <a:avLst/>
+          </a:prstGeom>
+          <a:ln w="57150">
+            <a:solidFill>
+              <a:schemeClr val="accent2">
+                <a:lumMod val="75000"/>
+              </a:schemeClr>
+            </a:solidFill>
+          </a:ln>
+        </p:spPr>
+        <p:style>
+          <a:lnRef idx="1">
+            <a:schemeClr val="accent1"/>
+          </a:lnRef>
+          <a:fillRef idx="0">
+            <a:schemeClr val="accent1"/>
+          </a:fillRef>
+          <a:effectRef idx="0">
+            <a:schemeClr val="accent1"/>
+          </a:effectRef>
+          <a:fontRef idx="minor">
+            <a:schemeClr val="tx1"/>
+          </a:fontRef>
+        </p:style>
+      </p:cxnSp>
+      <p:cxnSp>
+        <p:nvCxnSpPr>
+          <p:cNvPr id="6" name="직선 연결선 5">
+            <a:extLst>
+              <a:ext uri="{FF2B5EF4-FFF2-40B4-BE49-F238E27FC236}">
+                <a16:creationId xmlns:a16="http://schemas.microsoft.com/office/drawing/2014/main" id="{3678CCF4-4AC3-4139-92E5-55722C3E7751}"/>
+              </a:ext>
+            </a:extLst>
+          </p:cNvPr>
+          <p:cNvCxnSpPr>
+            <a:cxnSpLocks/>
+          </p:cNvCxnSpPr>
+          <p:nvPr/>
+        </p:nvCxnSpPr>
+        <p:spPr>
+          <a:xfrm>
+            <a:off x="3269293" y="1565753"/>
+            <a:ext cx="1402915" cy="0"/>
+          </a:xfrm>
+          <a:prstGeom prst="line">
+            <a:avLst/>
+          </a:prstGeom>
+          <a:ln w="57150">
+            <a:solidFill>
+              <a:srgbClr val="FFC000"/>
+            </a:solidFill>
+          </a:ln>
+        </p:spPr>
+        <p:style>
+          <a:lnRef idx="1">
+            <a:schemeClr val="accent1"/>
+          </a:lnRef>
+          <a:fillRef idx="0">
+            <a:schemeClr val="accent1"/>
+          </a:fillRef>
+          <a:effectRef idx="0">
+            <a:schemeClr val="accent1"/>
+          </a:effectRef>
+          <a:fontRef idx="minor">
+            <a:schemeClr val="tx1"/>
+          </a:fontRef>
+        </p:style>
+      </p:cxnSp>
+      <p:cxnSp>
+        <p:nvCxnSpPr>
+          <p:cNvPr id="7" name="직선 연결선 6">
+            <a:extLst>
+              <a:ext uri="{FF2B5EF4-FFF2-40B4-BE49-F238E27FC236}">
+                <a16:creationId xmlns:a16="http://schemas.microsoft.com/office/drawing/2014/main" id="{9FF08141-38ED-4F86-86A9-757547A2479E}"/>
+              </a:ext>
+            </a:extLst>
+          </p:cNvPr>
+          <p:cNvCxnSpPr>
+            <a:cxnSpLocks/>
+          </p:cNvCxnSpPr>
+          <p:nvPr/>
+        </p:nvCxnSpPr>
+        <p:spPr>
+          <a:xfrm>
+            <a:off x="4672208" y="1565753"/>
+            <a:ext cx="1402915" cy="0"/>
+          </a:xfrm>
+          <a:prstGeom prst="line">
+            <a:avLst/>
+          </a:prstGeom>
+          <a:ln w="57150">
+            <a:solidFill>
+              <a:schemeClr val="accent4">
+                <a:lumMod val="75000"/>
+              </a:schemeClr>
+            </a:solidFill>
+          </a:ln>
+        </p:spPr>
+        <p:style>
+          <a:lnRef idx="1">
+            <a:schemeClr val="accent1"/>
+          </a:lnRef>
+          <a:fillRef idx="0">
+            <a:schemeClr val="accent1"/>
+          </a:fillRef>
+          <a:effectRef idx="0">
+            <a:schemeClr val="accent1"/>
+          </a:effectRef>
+          <a:fontRef idx="minor">
+            <a:schemeClr val="tx1"/>
+          </a:fontRef>
+        </p:style>
+      </p:cxnSp>
+      <p:cxnSp>
+        <p:nvCxnSpPr>
+          <p:cNvPr id="8" name="직선 연결선 7">
+            <a:extLst>
+              <a:ext uri="{FF2B5EF4-FFF2-40B4-BE49-F238E27FC236}">
+                <a16:creationId xmlns:a16="http://schemas.microsoft.com/office/drawing/2014/main" id="{62A6EC5E-008F-4227-A299-34A564C6B4DE}"/>
+              </a:ext>
+            </a:extLst>
+          </p:cNvPr>
+          <p:cNvCxnSpPr>
+            <a:cxnSpLocks/>
+          </p:cNvCxnSpPr>
+          <p:nvPr/>
+        </p:nvCxnSpPr>
+        <p:spPr>
+          <a:xfrm>
+            <a:off x="6075123" y="1565753"/>
+            <a:ext cx="1402915" cy="0"/>
+          </a:xfrm>
+          <a:prstGeom prst="line">
+            <a:avLst/>
+          </a:prstGeom>
+          <a:ln w="57150">
+            <a:solidFill>
+              <a:srgbClr val="FF0000"/>
+            </a:solidFill>
+          </a:ln>
+        </p:spPr>
+        <p:style>
+          <a:lnRef idx="1">
+            <a:schemeClr val="accent1"/>
+          </a:lnRef>
+          <a:fillRef idx="0">
+            <a:schemeClr val="accent1"/>
+          </a:fillRef>
+          <a:effectRef idx="0">
+            <a:schemeClr val="accent1"/>
+          </a:effectRef>
+          <a:fontRef idx="minor">
+            <a:schemeClr val="tx1"/>
+          </a:fontRef>
+        </p:style>
+      </p:cxnSp>
+      <p:cxnSp>
+        <p:nvCxnSpPr>
+          <p:cNvPr id="9" name="직선 연결선 8">
+            <a:extLst>
+              <a:ext uri="{FF2B5EF4-FFF2-40B4-BE49-F238E27FC236}">
+                <a16:creationId xmlns:a16="http://schemas.microsoft.com/office/drawing/2014/main" id="{73BE4EC4-D5AB-43B6-99B8-20CC507C817B}"/>
+              </a:ext>
+            </a:extLst>
+          </p:cNvPr>
+          <p:cNvCxnSpPr>
+            <a:cxnSpLocks/>
+          </p:cNvCxnSpPr>
+          <p:nvPr/>
+        </p:nvCxnSpPr>
+        <p:spPr>
+          <a:xfrm>
+            <a:off x="7478038" y="1565753"/>
+            <a:ext cx="1402915" cy="0"/>
+          </a:xfrm>
+          <a:prstGeom prst="line">
+            <a:avLst/>
+          </a:prstGeom>
+          <a:ln w="57150">
+            <a:solidFill>
+              <a:srgbClr val="92D050"/>
+            </a:solidFill>
+          </a:ln>
+        </p:spPr>
+        <p:style>
+          <a:lnRef idx="1">
+            <a:schemeClr val="accent1"/>
+          </a:lnRef>
+          <a:fillRef idx="0">
+            <a:schemeClr val="accent1"/>
+          </a:fillRef>
+          <a:effectRef idx="0">
+            <a:schemeClr val="accent1"/>
+          </a:effectRef>
+          <a:fontRef idx="minor">
+            <a:schemeClr val="tx1"/>
+          </a:fontRef>
+        </p:style>
+      </p:cxnSp>
+      <p:cxnSp>
+        <p:nvCxnSpPr>
+          <p:cNvPr id="10" name="직선 연결선 9">
+            <a:extLst>
+              <a:ext uri="{FF2B5EF4-FFF2-40B4-BE49-F238E27FC236}">
+                <a16:creationId xmlns:a16="http://schemas.microsoft.com/office/drawing/2014/main" id="{D23B7696-E162-4DC6-9E5C-29744AE86C94}"/>
+              </a:ext>
+            </a:extLst>
+          </p:cNvPr>
+          <p:cNvCxnSpPr>
+            <a:cxnSpLocks/>
+          </p:cNvCxnSpPr>
+          <p:nvPr/>
+        </p:nvCxnSpPr>
+        <p:spPr>
+          <a:xfrm>
+            <a:off x="8880953" y="1565753"/>
+            <a:ext cx="1402915" cy="0"/>
+          </a:xfrm>
+          <a:prstGeom prst="line">
+            <a:avLst/>
+          </a:prstGeom>
+          <a:ln w="57150">
+            <a:solidFill>
+              <a:schemeClr val="bg2">
+                <a:lumMod val="50000"/>
+              </a:schemeClr>
+            </a:solidFill>
+          </a:ln>
+        </p:spPr>
+        <p:style>
+          <a:lnRef idx="1">
+            <a:schemeClr val="accent1"/>
+          </a:lnRef>
+          <a:fillRef idx="0">
+            <a:schemeClr val="accent1"/>
+          </a:fillRef>
+          <a:effectRef idx="0">
+            <a:schemeClr val="accent1"/>
+          </a:effectRef>
+          <a:fontRef idx="minor">
+            <a:schemeClr val="tx1"/>
+          </a:fontRef>
+        </p:style>
+      </p:cxnSp>
+      <p:cxnSp>
+        <p:nvCxnSpPr>
+          <p:cNvPr id="11" name="직선 연결선 10">
+            <a:extLst>
+              <a:ext uri="{FF2B5EF4-FFF2-40B4-BE49-F238E27FC236}">
+                <a16:creationId xmlns:a16="http://schemas.microsoft.com/office/drawing/2014/main" id="{AD5A1D01-4DAC-4236-AC37-43914BEDECF3}"/>
+              </a:ext>
+            </a:extLst>
+          </p:cNvPr>
+          <p:cNvCxnSpPr>
+            <a:cxnSpLocks/>
+          </p:cNvCxnSpPr>
+          <p:nvPr/>
+        </p:nvCxnSpPr>
+        <p:spPr>
+          <a:xfrm>
+            <a:off x="10283868" y="1565753"/>
+            <a:ext cx="1402915" cy="0"/>
+          </a:xfrm>
+          <a:prstGeom prst="line">
+            <a:avLst/>
+          </a:prstGeom>
+          <a:ln w="57150">
+            <a:solidFill>
+              <a:schemeClr val="bg1">
+                <a:lumMod val="85000"/>
+              </a:schemeClr>
+            </a:solidFill>
+          </a:ln>
+        </p:spPr>
+        <p:style>
+          <a:lnRef idx="1">
+            <a:schemeClr val="accent1"/>
+          </a:lnRef>
+          <a:fillRef idx="0">
+            <a:schemeClr val="accent1"/>
+          </a:fillRef>
+          <a:effectRef idx="0">
+            <a:schemeClr val="accent1"/>
+          </a:effectRef>
+          <a:fontRef idx="minor">
+            <a:schemeClr val="tx1"/>
+          </a:fontRef>
+        </p:style>
+      </p:cxnSp>
+      <p:pic>
+        <p:nvPicPr>
+          <p:cNvPr id="12" name="그림 11">
+            <a:extLst>
+              <a:ext uri="{FF2B5EF4-FFF2-40B4-BE49-F238E27FC236}">
+                <a16:creationId xmlns:a16="http://schemas.microsoft.com/office/drawing/2014/main" id="{24D2FB22-D84E-4A57-B126-1937FE9C5330}"/>
+              </a:ext>
+            </a:extLst>
+          </p:cNvPr>
+          <p:cNvPicPr>
+            <a:picLocks noChangeAspect="1"/>
+          </p:cNvPicPr>
+          <p:nvPr/>
         </p:nvPicPr>
-        <p:blipFill>
+        <p:blipFill rotWithShape="1">
           <a:blip r:embed="rId2"/>
-          <a:stretch>
-            <a:fillRect/>
-          </a:stretch>
+          <a:srcRect b="3885"/>
+          <a:stretch/>
         </p:blipFill>
         <p:spPr>
           <a:xfrm>
-            <a:off x="504582" y="2163300"/>
-            <a:ext cx="11141082" cy="3727125"/>
+            <a:off x="838200" y="3697586"/>
+            <a:ext cx="10001385" cy="2614314"/>
           </a:xfrm>
           <a:prstGeom prst="rect">
             <a:avLst/>
@@ -7729,362 +8108,10 @@
           </a:effectLst>
         </p:spPr>
       </p:pic>
-      <p:cxnSp>
-        <p:nvCxnSpPr>
-          <p:cNvPr id="4" name="직선 연결선 3">
-            <a:extLst>
-              <a:ext uri="{FF2B5EF4-FFF2-40B4-BE49-F238E27FC236}">
-                <a16:creationId xmlns:a16="http://schemas.microsoft.com/office/drawing/2014/main" id="{EE01682E-4EC3-491F-A46B-0EACC9713D73}"/>
-              </a:ext>
-            </a:extLst>
-          </p:cNvPr>
-          <p:cNvCxnSpPr>
-            <a:cxnSpLocks/>
-          </p:cNvCxnSpPr>
-          <p:nvPr/>
-        </p:nvCxnSpPr>
-        <p:spPr>
-          <a:xfrm>
-            <a:off x="463463" y="1565753"/>
-            <a:ext cx="1402915" cy="0"/>
-          </a:xfrm>
-          <a:prstGeom prst="line">
-            <a:avLst/>
-          </a:prstGeom>
-          <a:ln w="57150">
-            <a:solidFill>
-              <a:srgbClr val="00B050"/>
-            </a:solidFill>
-          </a:ln>
-        </p:spPr>
-        <p:style>
-          <a:lnRef idx="1">
-            <a:schemeClr val="accent1"/>
-          </a:lnRef>
-          <a:fillRef idx="0">
-            <a:schemeClr val="accent1"/>
-          </a:fillRef>
-          <a:effectRef idx="0">
-            <a:schemeClr val="accent1"/>
-          </a:effectRef>
-          <a:fontRef idx="minor">
-            <a:schemeClr val="tx1"/>
-          </a:fontRef>
-        </p:style>
-      </p:cxnSp>
-      <p:cxnSp>
-        <p:nvCxnSpPr>
-          <p:cNvPr id="5" name="직선 연결선 4">
-            <a:extLst>
-              <a:ext uri="{FF2B5EF4-FFF2-40B4-BE49-F238E27FC236}">
-                <a16:creationId xmlns:a16="http://schemas.microsoft.com/office/drawing/2014/main" id="{ABC6680E-470B-45C4-B289-7A0EF67ED7E0}"/>
-              </a:ext>
-            </a:extLst>
-          </p:cNvPr>
-          <p:cNvCxnSpPr>
-            <a:cxnSpLocks/>
-          </p:cNvCxnSpPr>
-          <p:nvPr/>
-        </p:nvCxnSpPr>
-        <p:spPr>
-          <a:xfrm>
-            <a:off x="1866378" y="1565753"/>
-            <a:ext cx="1402915" cy="0"/>
-          </a:xfrm>
-          <a:prstGeom prst="line">
-            <a:avLst/>
-          </a:prstGeom>
-          <a:ln w="57150">
-            <a:solidFill>
-              <a:schemeClr val="accent2">
-                <a:lumMod val="75000"/>
-              </a:schemeClr>
-            </a:solidFill>
-          </a:ln>
-        </p:spPr>
-        <p:style>
-          <a:lnRef idx="1">
-            <a:schemeClr val="accent1"/>
-          </a:lnRef>
-          <a:fillRef idx="0">
-            <a:schemeClr val="accent1"/>
-          </a:fillRef>
-          <a:effectRef idx="0">
-            <a:schemeClr val="accent1"/>
-          </a:effectRef>
-          <a:fontRef idx="minor">
-            <a:schemeClr val="tx1"/>
-          </a:fontRef>
-        </p:style>
-      </p:cxnSp>
-      <p:cxnSp>
-        <p:nvCxnSpPr>
-          <p:cNvPr id="6" name="직선 연결선 5">
-            <a:extLst>
-              <a:ext uri="{FF2B5EF4-FFF2-40B4-BE49-F238E27FC236}">
-                <a16:creationId xmlns:a16="http://schemas.microsoft.com/office/drawing/2014/main" id="{3678CCF4-4AC3-4139-92E5-55722C3E7751}"/>
-              </a:ext>
-            </a:extLst>
-          </p:cNvPr>
-          <p:cNvCxnSpPr>
-            <a:cxnSpLocks/>
-          </p:cNvCxnSpPr>
-          <p:nvPr/>
-        </p:nvCxnSpPr>
-        <p:spPr>
-          <a:xfrm>
-            <a:off x="3269293" y="1565753"/>
-            <a:ext cx="1402915" cy="0"/>
-          </a:xfrm>
-          <a:prstGeom prst="line">
-            <a:avLst/>
-          </a:prstGeom>
-          <a:ln w="57150">
-            <a:solidFill>
-              <a:srgbClr val="FFC000"/>
-            </a:solidFill>
-          </a:ln>
-        </p:spPr>
-        <p:style>
-          <a:lnRef idx="1">
-            <a:schemeClr val="accent1"/>
-          </a:lnRef>
-          <a:fillRef idx="0">
-            <a:schemeClr val="accent1"/>
-          </a:fillRef>
-          <a:effectRef idx="0">
-            <a:schemeClr val="accent1"/>
-          </a:effectRef>
-          <a:fontRef idx="minor">
-            <a:schemeClr val="tx1"/>
-          </a:fontRef>
-        </p:style>
-      </p:cxnSp>
-      <p:cxnSp>
-        <p:nvCxnSpPr>
-          <p:cNvPr id="7" name="직선 연결선 6">
-            <a:extLst>
-              <a:ext uri="{FF2B5EF4-FFF2-40B4-BE49-F238E27FC236}">
-                <a16:creationId xmlns:a16="http://schemas.microsoft.com/office/drawing/2014/main" id="{9FF08141-38ED-4F86-86A9-757547A2479E}"/>
-              </a:ext>
-            </a:extLst>
-          </p:cNvPr>
-          <p:cNvCxnSpPr>
-            <a:cxnSpLocks/>
-          </p:cNvCxnSpPr>
-          <p:nvPr/>
-        </p:nvCxnSpPr>
-        <p:spPr>
-          <a:xfrm>
-            <a:off x="4672208" y="1565753"/>
-            <a:ext cx="1402915" cy="0"/>
-          </a:xfrm>
-          <a:prstGeom prst="line">
-            <a:avLst/>
-          </a:prstGeom>
-          <a:ln w="57150">
-            <a:solidFill>
-              <a:schemeClr val="accent4">
-                <a:lumMod val="75000"/>
-              </a:schemeClr>
-            </a:solidFill>
-          </a:ln>
-        </p:spPr>
-        <p:style>
-          <a:lnRef idx="1">
-            <a:schemeClr val="accent1"/>
-          </a:lnRef>
-          <a:fillRef idx="0">
-            <a:schemeClr val="accent1"/>
-          </a:fillRef>
-          <a:effectRef idx="0">
-            <a:schemeClr val="accent1"/>
-          </a:effectRef>
-          <a:fontRef idx="minor">
-            <a:schemeClr val="tx1"/>
-          </a:fontRef>
-        </p:style>
-      </p:cxnSp>
-      <p:cxnSp>
-        <p:nvCxnSpPr>
-          <p:cNvPr id="8" name="직선 연결선 7">
-            <a:extLst>
-              <a:ext uri="{FF2B5EF4-FFF2-40B4-BE49-F238E27FC236}">
-                <a16:creationId xmlns:a16="http://schemas.microsoft.com/office/drawing/2014/main" id="{62A6EC5E-008F-4227-A299-34A564C6B4DE}"/>
-              </a:ext>
-            </a:extLst>
-          </p:cNvPr>
-          <p:cNvCxnSpPr>
-            <a:cxnSpLocks/>
-          </p:cNvCxnSpPr>
-          <p:nvPr/>
-        </p:nvCxnSpPr>
-        <p:spPr>
-          <a:xfrm>
-            <a:off x="6075123" y="1565753"/>
-            <a:ext cx="1402915" cy="0"/>
-          </a:xfrm>
-          <a:prstGeom prst="line">
-            <a:avLst/>
-          </a:prstGeom>
-          <a:ln w="57150">
-            <a:solidFill>
-              <a:srgbClr val="FF0000"/>
-            </a:solidFill>
-          </a:ln>
-        </p:spPr>
-        <p:style>
-          <a:lnRef idx="1">
-            <a:schemeClr val="accent1"/>
-          </a:lnRef>
-          <a:fillRef idx="0">
-            <a:schemeClr val="accent1"/>
-          </a:fillRef>
-          <a:effectRef idx="0">
-            <a:schemeClr val="accent1"/>
-          </a:effectRef>
-          <a:fontRef idx="minor">
-            <a:schemeClr val="tx1"/>
-          </a:fontRef>
-        </p:style>
-      </p:cxnSp>
-      <p:cxnSp>
-        <p:nvCxnSpPr>
-          <p:cNvPr id="9" name="직선 연결선 8">
-            <a:extLst>
-              <a:ext uri="{FF2B5EF4-FFF2-40B4-BE49-F238E27FC236}">
-                <a16:creationId xmlns:a16="http://schemas.microsoft.com/office/drawing/2014/main" id="{73BE4EC4-D5AB-43B6-99B8-20CC507C817B}"/>
-              </a:ext>
-            </a:extLst>
-          </p:cNvPr>
-          <p:cNvCxnSpPr>
-            <a:cxnSpLocks/>
-          </p:cNvCxnSpPr>
-          <p:nvPr/>
-        </p:nvCxnSpPr>
-        <p:spPr>
-          <a:xfrm>
-            <a:off x="7478038" y="1565753"/>
-            <a:ext cx="1402915" cy="0"/>
-          </a:xfrm>
-          <a:prstGeom prst="line">
-            <a:avLst/>
-          </a:prstGeom>
-          <a:ln w="57150">
-            <a:solidFill>
-              <a:srgbClr val="92D050"/>
-            </a:solidFill>
-          </a:ln>
-        </p:spPr>
-        <p:style>
-          <a:lnRef idx="1">
-            <a:schemeClr val="accent1"/>
-          </a:lnRef>
-          <a:fillRef idx="0">
-            <a:schemeClr val="accent1"/>
-          </a:fillRef>
-          <a:effectRef idx="0">
-            <a:schemeClr val="accent1"/>
-          </a:effectRef>
-          <a:fontRef idx="minor">
-            <a:schemeClr val="tx1"/>
-          </a:fontRef>
-        </p:style>
-      </p:cxnSp>
-      <p:cxnSp>
-        <p:nvCxnSpPr>
-          <p:cNvPr id="10" name="직선 연결선 9">
-            <a:extLst>
-              <a:ext uri="{FF2B5EF4-FFF2-40B4-BE49-F238E27FC236}">
-                <a16:creationId xmlns:a16="http://schemas.microsoft.com/office/drawing/2014/main" id="{D23B7696-E162-4DC6-9E5C-29744AE86C94}"/>
-              </a:ext>
-            </a:extLst>
-          </p:cNvPr>
-          <p:cNvCxnSpPr>
-            <a:cxnSpLocks/>
-          </p:cNvCxnSpPr>
-          <p:nvPr/>
-        </p:nvCxnSpPr>
-        <p:spPr>
-          <a:xfrm>
-            <a:off x="8880953" y="1565753"/>
-            <a:ext cx="1402915" cy="0"/>
-          </a:xfrm>
-          <a:prstGeom prst="line">
-            <a:avLst/>
-          </a:prstGeom>
-          <a:ln w="57150">
-            <a:solidFill>
-              <a:schemeClr val="bg2">
-                <a:lumMod val="50000"/>
-              </a:schemeClr>
-            </a:solidFill>
-          </a:ln>
-        </p:spPr>
-        <p:style>
-          <a:lnRef idx="1">
-            <a:schemeClr val="accent1"/>
-          </a:lnRef>
-          <a:fillRef idx="0">
-            <a:schemeClr val="accent1"/>
-          </a:fillRef>
-          <a:effectRef idx="0">
-            <a:schemeClr val="accent1"/>
-          </a:effectRef>
-          <a:fontRef idx="minor">
-            <a:schemeClr val="tx1"/>
-          </a:fontRef>
-        </p:style>
-      </p:cxnSp>
-      <p:cxnSp>
-        <p:nvCxnSpPr>
-          <p:cNvPr id="11" name="직선 연결선 10">
-            <a:extLst>
-              <a:ext uri="{FF2B5EF4-FFF2-40B4-BE49-F238E27FC236}">
-                <a16:creationId xmlns:a16="http://schemas.microsoft.com/office/drawing/2014/main" id="{AD5A1D01-4DAC-4236-AC37-43914BEDECF3}"/>
-              </a:ext>
-            </a:extLst>
-          </p:cNvPr>
-          <p:cNvCxnSpPr>
-            <a:cxnSpLocks/>
-          </p:cNvCxnSpPr>
-          <p:nvPr/>
-        </p:nvCxnSpPr>
-        <p:spPr>
-          <a:xfrm>
-            <a:off x="10283868" y="1565753"/>
-            <a:ext cx="1402915" cy="0"/>
-          </a:xfrm>
-          <a:prstGeom prst="line">
-            <a:avLst/>
-          </a:prstGeom>
-          <a:ln w="57150">
-            <a:solidFill>
-              <a:schemeClr val="bg1">
-                <a:lumMod val="85000"/>
-              </a:schemeClr>
-            </a:solidFill>
-          </a:ln>
-        </p:spPr>
-        <p:style>
-          <a:lnRef idx="1">
-            <a:schemeClr val="accent1"/>
-          </a:lnRef>
-          <a:fillRef idx="0">
-            <a:schemeClr val="accent1"/>
-          </a:fillRef>
-          <a:effectRef idx="0">
-            <a:schemeClr val="accent1"/>
-          </a:effectRef>
-          <a:fontRef idx="minor">
-            <a:schemeClr val="tx1"/>
-          </a:fontRef>
-        </p:style>
-      </p:cxnSp>
     </p:spTree>
     <p:extLst>
       <p:ext uri="{BB962C8B-B14F-4D97-AF65-F5344CB8AC3E}">
-        <p14:creationId xmlns:p14="http://schemas.microsoft.com/office/powerpoint/2010/main" val="4075691299"/>
+        <p14:creationId xmlns:p14="http://schemas.microsoft.com/office/powerpoint/2010/main" val="2046032947"/>
       </p:ext>
     </p:extLst>
   </p:cSld>
@@ -8134,37 +8161,76 @@
           <a:p>
             <a:r>
               <a:rPr lang="en-US" altLang="ko-KR" b="1" dirty="0"/>
-              <a:t>Minetest - </a:t>
-            </a:r>
-            <a:endParaRPr lang="ko-KR" altLang="en-US" b="1" dirty="0"/>
+              <a:t>Minetest – </a:t>
+            </a:r>
+            <a:r>
+              <a:rPr lang="ko-KR" altLang="en-US" b="1" dirty="0"/>
+              <a:t>흙</a:t>
+            </a:r>
+            <a:r>
+              <a:rPr lang="en-US" altLang="ko-KR" b="1" dirty="0"/>
+              <a:t>(dirt)</a:t>
+            </a:r>
+            <a:r>
+              <a:rPr lang="ko-KR" altLang="en-US" b="1" dirty="0"/>
+              <a:t> </a:t>
+            </a:r>
+            <a:r>
+              <a:rPr lang="en-US" altLang="ko-KR" b="1" dirty="0"/>
+              <a:t>99</a:t>
+            </a:r>
+            <a:r>
+              <a:rPr lang="ko-KR" altLang="en-US" b="1" dirty="0"/>
+              <a:t>개 추가</a:t>
+            </a:r>
           </a:p>
         </p:txBody>
       </p:sp>
-      <p:sp>
-        <p:nvSpPr>
-          <p:cNvPr id="3" name="내용 개체 틀 2">
-            <a:extLst>
-              <a:ext uri="{FF2B5EF4-FFF2-40B4-BE49-F238E27FC236}">
-                <a16:creationId xmlns:a16="http://schemas.microsoft.com/office/drawing/2014/main" id="{E9D22F1E-049A-4FEB-AEF1-C90B1011EA69}"/>
-              </a:ext>
-            </a:extLst>
-          </p:cNvPr>
-          <p:cNvSpPr>
-            <a:spLocks noGrp="1"/>
-          </p:cNvSpPr>
+      <p:pic>
+        <p:nvPicPr>
+          <p:cNvPr id="12" name="내용 개체 틀 11">
+            <a:extLst>
+              <a:ext uri="{FF2B5EF4-FFF2-40B4-BE49-F238E27FC236}">
+                <a16:creationId xmlns:a16="http://schemas.microsoft.com/office/drawing/2014/main" id="{AB16BA93-4AFE-47C7-8322-36F2A67421AB}"/>
+              </a:ext>
+            </a:extLst>
+          </p:cNvPr>
+          <p:cNvPicPr>
+            <a:picLocks noGrp="1" noChangeAspect="1"/>
+          </p:cNvPicPr>
           <p:nvPr>
             <p:ph idx="1"/>
           </p:nvPr>
-        </p:nvSpPr>
-        <p:spPr/>
-        <p:txBody>
-          <a:bodyPr/>
-          <a:lstStyle/>
-          <a:p>
-            <a:endParaRPr lang="ko-KR" altLang="en-US"/>
-          </a:p>
-        </p:txBody>
-      </p:sp>
+        </p:nvPicPr>
+        <p:blipFill rotWithShape="1">
+          <a:blip r:embed="rId2"/>
+          <a:srcRect l="1314"/>
+          <a:stretch/>
+        </p:blipFill>
+        <p:spPr>
+          <a:xfrm>
+            <a:off x="463463" y="1983765"/>
+            <a:ext cx="9248312" cy="1815101"/>
+          </a:xfrm>
+          <a:prstGeom prst="rect">
+            <a:avLst/>
+          </a:prstGeom>
+          <a:ln w="38100" cap="sq">
+            <a:solidFill>
+              <a:srgbClr val="000000"/>
+            </a:solidFill>
+            <a:prstDash val="solid"/>
+            <a:miter lim="800000"/>
+          </a:ln>
+          <a:effectLst>
+            <a:outerShdw blurRad="50800" dist="38100" dir="2700000" algn="tl" rotWithShape="0">
+              <a:srgbClr val="000000">
+                <a:alpha val="43000"/>
+              </a:srgbClr>
+            </a:outerShdw>
+          </a:effectLst>
+        </p:spPr>
+      </p:pic>
       <p:cxnSp>
         <p:nvCxnSpPr>
           <p:cNvPr id="4" name="직선 연결선 3">
@@ -8517,10 +8583,40 @@
           </a:fontRef>
         </p:style>
       </p:cxnSp>
+      <p:pic>
+        <p:nvPicPr>
+          <p:cNvPr id="13" name="그림 12">
+            <a:extLst>
+              <a:ext uri="{FF2B5EF4-FFF2-40B4-BE49-F238E27FC236}">
+                <a16:creationId xmlns:a16="http://schemas.microsoft.com/office/drawing/2014/main" id="{202D9208-95DE-4609-B977-2B27A4194732}"/>
+              </a:ext>
+            </a:extLst>
+          </p:cNvPr>
+          <p:cNvPicPr>
+            <a:picLocks noChangeAspect="1"/>
+          </p:cNvPicPr>
+          <p:nvPr/>
+        </p:nvPicPr>
+        <p:blipFill>
+          <a:blip r:embed="rId3"/>
+          <a:stretch>
+            <a:fillRect/>
+          </a:stretch>
+        </p:blipFill>
+        <p:spPr>
+          <a:xfrm>
+            <a:off x="463462" y="4230209"/>
+            <a:ext cx="6851737" cy="2350673"/>
+          </a:xfrm>
+          <a:prstGeom prst="rect">
+            <a:avLst/>
+          </a:prstGeom>
+        </p:spPr>
+      </p:pic>
     </p:spTree>
     <p:extLst>
       <p:ext uri="{BB962C8B-B14F-4D97-AF65-F5344CB8AC3E}">
-        <p14:creationId xmlns:p14="http://schemas.microsoft.com/office/powerpoint/2010/main" val="2308697001"/>
+        <p14:creationId xmlns:p14="http://schemas.microsoft.com/office/powerpoint/2010/main" val="4075691299"/>
       </p:ext>
     </p:extLst>
   </p:cSld>
@@ -8568,35 +8664,68 @@
           <a:bodyPr/>
           <a:lstStyle/>
           <a:p>
+            <a:r>
+              <a:rPr lang="en-US" altLang="ko-KR" b="1" dirty="0"/>
+              <a:t>Minetest - Player  </a:t>
+            </a:r>
+            <a:r>
+              <a:rPr lang="ko-KR" altLang="en-US" b="1" dirty="0"/>
+              <a:t>현재 위치</a:t>
+            </a:r>
+            <a:r>
+              <a:rPr lang="en-US" altLang="ko-KR" b="1" dirty="0"/>
+              <a:t> </a:t>
+            </a:r>
             <a:endParaRPr lang="ko-KR" altLang="en-US" b="1" dirty="0"/>
           </a:p>
         </p:txBody>
       </p:sp>
-      <p:sp>
-        <p:nvSpPr>
-          <p:cNvPr id="3" name="내용 개체 틀 2">
-            <a:extLst>
-              <a:ext uri="{FF2B5EF4-FFF2-40B4-BE49-F238E27FC236}">
-                <a16:creationId xmlns:a16="http://schemas.microsoft.com/office/drawing/2014/main" id="{E9D22F1E-049A-4FEB-AEF1-C90B1011EA69}"/>
-              </a:ext>
-            </a:extLst>
-          </p:cNvPr>
-          <p:cNvSpPr>
-            <a:spLocks noGrp="1"/>
-          </p:cNvSpPr>
+      <p:pic>
+        <p:nvPicPr>
+          <p:cNvPr id="12" name="내용 개체 틀 11">
+            <a:extLst>
+              <a:ext uri="{FF2B5EF4-FFF2-40B4-BE49-F238E27FC236}">
+                <a16:creationId xmlns:a16="http://schemas.microsoft.com/office/drawing/2014/main" id="{7404231C-37F8-439B-AD02-C078476196EA}"/>
+              </a:ext>
+            </a:extLst>
+          </p:cNvPr>
+          <p:cNvPicPr>
+            <a:picLocks noGrp="1" noChangeAspect="1"/>
+          </p:cNvPicPr>
           <p:nvPr>
             <p:ph idx="1"/>
           </p:nvPr>
-        </p:nvSpPr>
-        <p:spPr/>
-        <p:txBody>
-          <a:bodyPr/>
-          <a:lstStyle/>
-          <a:p>
-            <a:endParaRPr lang="ko-KR" altLang="en-US"/>
-          </a:p>
-        </p:txBody>
-      </p:sp>
+        </p:nvPicPr>
+        <p:blipFill>
+          <a:blip r:embed="rId2"/>
+          <a:stretch>
+            <a:fillRect/>
+          </a:stretch>
+        </p:blipFill>
+        <p:spPr>
+          <a:xfrm>
+            <a:off x="504582" y="2163300"/>
+            <a:ext cx="11141082" cy="3727125"/>
+          </a:xfrm>
+          <a:prstGeom prst="rect">
+            <a:avLst/>
+          </a:prstGeom>
+          <a:ln w="38100" cap="sq">
+            <a:solidFill>
+              <a:srgbClr val="000000"/>
+            </a:solidFill>
+            <a:prstDash val="solid"/>
+            <a:miter lim="800000"/>
+          </a:ln>
+          <a:effectLst>
+            <a:outerShdw blurRad="50800" dist="38100" dir="2700000" algn="tl" rotWithShape="0">
+              <a:srgbClr val="000000">
+                <a:alpha val="43000"/>
+              </a:srgbClr>
+            </a:outerShdw>
+          </a:effectLst>
+        </p:spPr>
+      </p:pic>
       <p:cxnSp>
         <p:nvCxnSpPr>
           <p:cNvPr id="4" name="직선 연결선 3">
@@ -8952,7 +9081,7 @@
     </p:spTree>
     <p:extLst>
       <p:ext uri="{BB962C8B-B14F-4D97-AF65-F5344CB8AC3E}">
-        <p14:creationId xmlns:p14="http://schemas.microsoft.com/office/powerpoint/2010/main" val="229252169"/>
+        <p14:creationId xmlns:p14="http://schemas.microsoft.com/office/powerpoint/2010/main" val="2327785716"/>
       </p:ext>
     </p:extLst>
   </p:cSld>
@@ -9544,6 +9673,10 @@
           <a:bodyPr/>
           <a:lstStyle/>
           <a:p>
+            <a:r>
+              <a:rPr lang="en-US" altLang="ko-KR" b="1" dirty="0"/>
+              <a:t>Minetest - </a:t>
+            </a:r>
             <a:endParaRPr lang="ko-KR" altLang="en-US" b="1" dirty="0"/>
           </a:p>
         </p:txBody>
@@ -9928,7 +10061,7 @@
     </p:spTree>
     <p:extLst>
       <p:ext uri="{BB962C8B-B14F-4D97-AF65-F5344CB8AC3E}">
-        <p14:creationId xmlns:p14="http://schemas.microsoft.com/office/powerpoint/2010/main" val="1786130159"/>
+        <p14:creationId xmlns:p14="http://schemas.microsoft.com/office/powerpoint/2010/main" val="2308697001"/>
       </p:ext>
     </p:extLst>
   </p:cSld>
@@ -10360,7 +10493,7 @@
     </p:spTree>
     <p:extLst>
       <p:ext uri="{BB962C8B-B14F-4D97-AF65-F5344CB8AC3E}">
-        <p14:creationId xmlns:p14="http://schemas.microsoft.com/office/powerpoint/2010/main" val="977785539"/>
+        <p14:creationId xmlns:p14="http://schemas.microsoft.com/office/powerpoint/2010/main" val="229252169"/>
       </p:ext>
     </p:extLst>
   </p:cSld>
@@ -10792,7 +10925,7 @@
     </p:spTree>
     <p:extLst>
       <p:ext uri="{BB962C8B-B14F-4D97-AF65-F5344CB8AC3E}">
-        <p14:creationId xmlns:p14="http://schemas.microsoft.com/office/powerpoint/2010/main" val="3804466198"/>
+        <p14:creationId xmlns:p14="http://schemas.microsoft.com/office/powerpoint/2010/main" val="1786130159"/>
       </p:ext>
     </p:extLst>
   </p:cSld>
@@ -11224,7 +11357,7 @@
     </p:spTree>
     <p:extLst>
       <p:ext uri="{BB962C8B-B14F-4D97-AF65-F5344CB8AC3E}">
-        <p14:creationId xmlns:p14="http://schemas.microsoft.com/office/powerpoint/2010/main" val="2818670221"/>
+        <p14:creationId xmlns:p14="http://schemas.microsoft.com/office/powerpoint/2010/main" val="977785539"/>
       </p:ext>
     </p:extLst>
   </p:cSld>
@@ -11656,7 +11789,7 @@
     </p:spTree>
     <p:extLst>
       <p:ext uri="{BB962C8B-B14F-4D97-AF65-F5344CB8AC3E}">
-        <p14:creationId xmlns:p14="http://schemas.microsoft.com/office/powerpoint/2010/main" val="2626788151"/>
+        <p14:creationId xmlns:p14="http://schemas.microsoft.com/office/powerpoint/2010/main" val="3804466198"/>
       </p:ext>
     </p:extLst>
   </p:cSld>
@@ -12088,7 +12221,7 @@
     </p:spTree>
     <p:extLst>
       <p:ext uri="{BB962C8B-B14F-4D97-AF65-F5344CB8AC3E}">
-        <p14:creationId xmlns:p14="http://schemas.microsoft.com/office/powerpoint/2010/main" val="1232133334"/>
+        <p14:creationId xmlns:p14="http://schemas.microsoft.com/office/powerpoint/2010/main" val="2818670221"/>
       </p:ext>
     </p:extLst>
   </p:cSld>
@@ -12520,7 +12653,7 @@
     </p:spTree>
     <p:extLst>
       <p:ext uri="{BB962C8B-B14F-4D97-AF65-F5344CB8AC3E}">
-        <p14:creationId xmlns:p14="http://schemas.microsoft.com/office/powerpoint/2010/main" val="3730429721"/>
+        <p14:creationId xmlns:p14="http://schemas.microsoft.com/office/powerpoint/2010/main" val="2626788151"/>
       </p:ext>
     </p:extLst>
   </p:cSld>
@@ -12568,16 +12701,495 @@
           <a:bodyPr/>
           <a:lstStyle/>
           <a:p>
-            <a:endParaRPr lang="ko-KR" altLang="en-US" b="1" dirty="0"/>
+            <a:r>
+              <a:rPr lang="en-US" altLang="ko-KR" b="1" dirty="0"/>
+              <a:t>Minetest –</a:t>
+            </a:r>
+            <a:r>
+              <a:rPr lang="ko-KR" altLang="en-US" b="1" dirty="0"/>
+              <a:t> 서버 설정</a:t>
+            </a:r>
           </a:p>
         </p:txBody>
       </p:sp>
+      <p:pic>
+        <p:nvPicPr>
+          <p:cNvPr id="12" name="내용 개체 틀 11">
+            <a:extLst>
+              <a:ext uri="{FF2B5EF4-FFF2-40B4-BE49-F238E27FC236}">
+                <a16:creationId xmlns:a16="http://schemas.microsoft.com/office/drawing/2014/main" id="{9DC6AD38-D74F-4024-B23E-94857755803F}"/>
+              </a:ext>
+            </a:extLst>
+          </p:cNvPr>
+          <p:cNvPicPr>
+            <a:picLocks noGrp="1" noChangeAspect="1"/>
+          </p:cNvPicPr>
+          <p:nvPr>
+            <p:ph idx="1"/>
+          </p:nvPr>
+        </p:nvPicPr>
+        <p:blipFill>
+          <a:blip r:embed="rId2"/>
+          <a:stretch>
+            <a:fillRect/>
+          </a:stretch>
+        </p:blipFill>
+        <p:spPr>
+          <a:xfrm>
+            <a:off x="463463" y="2252031"/>
+            <a:ext cx="8744208" cy="1518287"/>
+          </a:xfrm>
+          <a:prstGeom prst="rect">
+            <a:avLst/>
+          </a:prstGeom>
+          <a:ln w="38100" cap="sq">
+            <a:solidFill>
+              <a:srgbClr val="000000"/>
+            </a:solidFill>
+            <a:prstDash val="solid"/>
+            <a:miter lim="800000"/>
+          </a:ln>
+          <a:effectLst>
+            <a:outerShdw blurRad="50800" dist="38100" dir="2700000" algn="tl" rotWithShape="0">
+              <a:srgbClr val="000000">
+                <a:alpha val="43000"/>
+              </a:srgbClr>
+            </a:outerShdw>
+          </a:effectLst>
+        </p:spPr>
+      </p:pic>
+      <p:cxnSp>
+        <p:nvCxnSpPr>
+          <p:cNvPr id="4" name="직선 연결선 3">
+            <a:extLst>
+              <a:ext uri="{FF2B5EF4-FFF2-40B4-BE49-F238E27FC236}">
+                <a16:creationId xmlns:a16="http://schemas.microsoft.com/office/drawing/2014/main" id="{EE01682E-4EC3-491F-A46B-0EACC9713D73}"/>
+              </a:ext>
+            </a:extLst>
+          </p:cNvPr>
+          <p:cNvCxnSpPr>
+            <a:cxnSpLocks/>
+          </p:cNvCxnSpPr>
+          <p:nvPr/>
+        </p:nvCxnSpPr>
+        <p:spPr>
+          <a:xfrm>
+            <a:off x="463463" y="1565753"/>
+            <a:ext cx="1402915" cy="0"/>
+          </a:xfrm>
+          <a:prstGeom prst="line">
+            <a:avLst/>
+          </a:prstGeom>
+          <a:ln w="57150">
+            <a:solidFill>
+              <a:srgbClr val="00B050"/>
+            </a:solidFill>
+          </a:ln>
+        </p:spPr>
+        <p:style>
+          <a:lnRef idx="1">
+            <a:schemeClr val="accent1"/>
+          </a:lnRef>
+          <a:fillRef idx="0">
+            <a:schemeClr val="accent1"/>
+          </a:fillRef>
+          <a:effectRef idx="0">
+            <a:schemeClr val="accent1"/>
+          </a:effectRef>
+          <a:fontRef idx="minor">
+            <a:schemeClr val="tx1"/>
+          </a:fontRef>
+        </p:style>
+      </p:cxnSp>
+      <p:cxnSp>
+        <p:nvCxnSpPr>
+          <p:cNvPr id="5" name="직선 연결선 4">
+            <a:extLst>
+              <a:ext uri="{FF2B5EF4-FFF2-40B4-BE49-F238E27FC236}">
+                <a16:creationId xmlns:a16="http://schemas.microsoft.com/office/drawing/2014/main" id="{ABC6680E-470B-45C4-B289-7A0EF67ED7E0}"/>
+              </a:ext>
+            </a:extLst>
+          </p:cNvPr>
+          <p:cNvCxnSpPr>
+            <a:cxnSpLocks/>
+          </p:cNvCxnSpPr>
+          <p:nvPr/>
+        </p:nvCxnSpPr>
+        <p:spPr>
+          <a:xfrm>
+            <a:off x="1866378" y="1565753"/>
+            <a:ext cx="1402915" cy="0"/>
+          </a:xfrm>
+          <a:prstGeom prst="line">
+            <a:avLst/>
+          </a:prstGeom>
+          <a:ln w="57150">
+            <a:solidFill>
+              <a:schemeClr val="accent2">
+                <a:lumMod val="75000"/>
+              </a:schemeClr>
+            </a:solidFill>
+          </a:ln>
+        </p:spPr>
+        <p:style>
+          <a:lnRef idx="1">
+            <a:schemeClr val="accent1"/>
+          </a:lnRef>
+          <a:fillRef idx="0">
+            <a:schemeClr val="accent1"/>
+          </a:fillRef>
+          <a:effectRef idx="0">
+            <a:schemeClr val="accent1"/>
+          </a:effectRef>
+          <a:fontRef idx="minor">
+            <a:schemeClr val="tx1"/>
+          </a:fontRef>
+        </p:style>
+      </p:cxnSp>
+      <p:cxnSp>
+        <p:nvCxnSpPr>
+          <p:cNvPr id="6" name="직선 연결선 5">
+            <a:extLst>
+              <a:ext uri="{FF2B5EF4-FFF2-40B4-BE49-F238E27FC236}">
+                <a16:creationId xmlns:a16="http://schemas.microsoft.com/office/drawing/2014/main" id="{3678CCF4-4AC3-4139-92E5-55722C3E7751}"/>
+              </a:ext>
+            </a:extLst>
+          </p:cNvPr>
+          <p:cNvCxnSpPr>
+            <a:cxnSpLocks/>
+          </p:cNvCxnSpPr>
+          <p:nvPr/>
+        </p:nvCxnSpPr>
+        <p:spPr>
+          <a:xfrm>
+            <a:off x="3269293" y="1565753"/>
+            <a:ext cx="1402915" cy="0"/>
+          </a:xfrm>
+          <a:prstGeom prst="line">
+            <a:avLst/>
+          </a:prstGeom>
+          <a:ln w="57150">
+            <a:solidFill>
+              <a:srgbClr val="FFC000"/>
+            </a:solidFill>
+          </a:ln>
+        </p:spPr>
+        <p:style>
+          <a:lnRef idx="1">
+            <a:schemeClr val="accent1"/>
+          </a:lnRef>
+          <a:fillRef idx="0">
+            <a:schemeClr val="accent1"/>
+          </a:fillRef>
+          <a:effectRef idx="0">
+            <a:schemeClr val="accent1"/>
+          </a:effectRef>
+          <a:fontRef idx="minor">
+            <a:schemeClr val="tx1"/>
+          </a:fontRef>
+        </p:style>
+      </p:cxnSp>
+      <p:cxnSp>
+        <p:nvCxnSpPr>
+          <p:cNvPr id="7" name="직선 연결선 6">
+            <a:extLst>
+              <a:ext uri="{FF2B5EF4-FFF2-40B4-BE49-F238E27FC236}">
+                <a16:creationId xmlns:a16="http://schemas.microsoft.com/office/drawing/2014/main" id="{9FF08141-38ED-4F86-86A9-757547A2479E}"/>
+              </a:ext>
+            </a:extLst>
+          </p:cNvPr>
+          <p:cNvCxnSpPr>
+            <a:cxnSpLocks/>
+          </p:cNvCxnSpPr>
+          <p:nvPr/>
+        </p:nvCxnSpPr>
+        <p:spPr>
+          <a:xfrm>
+            <a:off x="4672208" y="1565753"/>
+            <a:ext cx="1402915" cy="0"/>
+          </a:xfrm>
+          <a:prstGeom prst="line">
+            <a:avLst/>
+          </a:prstGeom>
+          <a:ln w="57150">
+            <a:solidFill>
+              <a:schemeClr val="accent4">
+                <a:lumMod val="75000"/>
+              </a:schemeClr>
+            </a:solidFill>
+          </a:ln>
+        </p:spPr>
+        <p:style>
+          <a:lnRef idx="1">
+            <a:schemeClr val="accent1"/>
+          </a:lnRef>
+          <a:fillRef idx="0">
+            <a:schemeClr val="accent1"/>
+          </a:fillRef>
+          <a:effectRef idx="0">
+            <a:schemeClr val="accent1"/>
+          </a:effectRef>
+          <a:fontRef idx="minor">
+            <a:schemeClr val="tx1"/>
+          </a:fontRef>
+        </p:style>
+      </p:cxnSp>
+      <p:cxnSp>
+        <p:nvCxnSpPr>
+          <p:cNvPr id="8" name="직선 연결선 7">
+            <a:extLst>
+              <a:ext uri="{FF2B5EF4-FFF2-40B4-BE49-F238E27FC236}">
+                <a16:creationId xmlns:a16="http://schemas.microsoft.com/office/drawing/2014/main" id="{62A6EC5E-008F-4227-A299-34A564C6B4DE}"/>
+              </a:ext>
+            </a:extLst>
+          </p:cNvPr>
+          <p:cNvCxnSpPr>
+            <a:cxnSpLocks/>
+          </p:cNvCxnSpPr>
+          <p:nvPr/>
+        </p:nvCxnSpPr>
+        <p:spPr>
+          <a:xfrm>
+            <a:off x="6075123" y="1565753"/>
+            <a:ext cx="1402915" cy="0"/>
+          </a:xfrm>
+          <a:prstGeom prst="line">
+            <a:avLst/>
+          </a:prstGeom>
+          <a:ln w="57150">
+            <a:solidFill>
+              <a:srgbClr val="FF0000"/>
+            </a:solidFill>
+          </a:ln>
+        </p:spPr>
+        <p:style>
+          <a:lnRef idx="1">
+            <a:schemeClr val="accent1"/>
+          </a:lnRef>
+          <a:fillRef idx="0">
+            <a:schemeClr val="accent1"/>
+          </a:fillRef>
+          <a:effectRef idx="0">
+            <a:schemeClr val="accent1"/>
+          </a:effectRef>
+          <a:fontRef idx="minor">
+            <a:schemeClr val="tx1"/>
+          </a:fontRef>
+        </p:style>
+      </p:cxnSp>
+      <p:cxnSp>
+        <p:nvCxnSpPr>
+          <p:cNvPr id="9" name="직선 연결선 8">
+            <a:extLst>
+              <a:ext uri="{FF2B5EF4-FFF2-40B4-BE49-F238E27FC236}">
+                <a16:creationId xmlns:a16="http://schemas.microsoft.com/office/drawing/2014/main" id="{73BE4EC4-D5AB-43B6-99B8-20CC507C817B}"/>
+              </a:ext>
+            </a:extLst>
+          </p:cNvPr>
+          <p:cNvCxnSpPr>
+            <a:cxnSpLocks/>
+          </p:cNvCxnSpPr>
+          <p:nvPr/>
+        </p:nvCxnSpPr>
+        <p:spPr>
+          <a:xfrm>
+            <a:off x="7478038" y="1565753"/>
+            <a:ext cx="1402915" cy="0"/>
+          </a:xfrm>
+          <a:prstGeom prst="line">
+            <a:avLst/>
+          </a:prstGeom>
+          <a:ln w="57150">
+            <a:solidFill>
+              <a:srgbClr val="92D050"/>
+            </a:solidFill>
+          </a:ln>
+        </p:spPr>
+        <p:style>
+          <a:lnRef idx="1">
+            <a:schemeClr val="accent1"/>
+          </a:lnRef>
+          <a:fillRef idx="0">
+            <a:schemeClr val="accent1"/>
+          </a:fillRef>
+          <a:effectRef idx="0">
+            <a:schemeClr val="accent1"/>
+          </a:effectRef>
+          <a:fontRef idx="minor">
+            <a:schemeClr val="tx1"/>
+          </a:fontRef>
+        </p:style>
+      </p:cxnSp>
+      <p:cxnSp>
+        <p:nvCxnSpPr>
+          <p:cNvPr id="10" name="직선 연결선 9">
+            <a:extLst>
+              <a:ext uri="{FF2B5EF4-FFF2-40B4-BE49-F238E27FC236}">
+                <a16:creationId xmlns:a16="http://schemas.microsoft.com/office/drawing/2014/main" id="{D23B7696-E162-4DC6-9E5C-29744AE86C94}"/>
+              </a:ext>
+            </a:extLst>
+          </p:cNvPr>
+          <p:cNvCxnSpPr>
+            <a:cxnSpLocks/>
+          </p:cNvCxnSpPr>
+          <p:nvPr/>
+        </p:nvCxnSpPr>
+        <p:spPr>
+          <a:xfrm>
+            <a:off x="8880953" y="1565753"/>
+            <a:ext cx="1402915" cy="0"/>
+          </a:xfrm>
+          <a:prstGeom prst="line">
+            <a:avLst/>
+          </a:prstGeom>
+          <a:ln w="57150">
+            <a:solidFill>
+              <a:schemeClr val="bg2">
+                <a:lumMod val="50000"/>
+              </a:schemeClr>
+            </a:solidFill>
+          </a:ln>
+        </p:spPr>
+        <p:style>
+          <a:lnRef idx="1">
+            <a:schemeClr val="accent1"/>
+          </a:lnRef>
+          <a:fillRef idx="0">
+            <a:schemeClr val="accent1"/>
+          </a:fillRef>
+          <a:effectRef idx="0">
+            <a:schemeClr val="accent1"/>
+          </a:effectRef>
+          <a:fontRef idx="minor">
+            <a:schemeClr val="tx1"/>
+          </a:fontRef>
+        </p:style>
+      </p:cxnSp>
+      <p:cxnSp>
+        <p:nvCxnSpPr>
+          <p:cNvPr id="11" name="직선 연결선 10">
+            <a:extLst>
+              <a:ext uri="{FF2B5EF4-FFF2-40B4-BE49-F238E27FC236}">
+                <a16:creationId xmlns:a16="http://schemas.microsoft.com/office/drawing/2014/main" id="{AD5A1D01-4DAC-4236-AC37-43914BEDECF3}"/>
+              </a:ext>
+            </a:extLst>
+          </p:cNvPr>
+          <p:cNvCxnSpPr>
+            <a:cxnSpLocks/>
+          </p:cNvCxnSpPr>
+          <p:nvPr/>
+        </p:nvCxnSpPr>
+        <p:spPr>
+          <a:xfrm>
+            <a:off x="10283868" y="1565753"/>
+            <a:ext cx="1402915" cy="0"/>
+          </a:xfrm>
+          <a:prstGeom prst="line">
+            <a:avLst/>
+          </a:prstGeom>
+          <a:ln w="57150">
+            <a:solidFill>
+              <a:schemeClr val="bg1">
+                <a:lumMod val="85000"/>
+              </a:schemeClr>
+            </a:solidFill>
+          </a:ln>
+        </p:spPr>
+        <p:style>
+          <a:lnRef idx="1">
+            <a:schemeClr val="accent1"/>
+          </a:lnRef>
+          <a:fillRef idx="0">
+            <a:schemeClr val="accent1"/>
+          </a:fillRef>
+          <a:effectRef idx="0">
+            <a:schemeClr val="accent1"/>
+          </a:effectRef>
+          <a:fontRef idx="minor">
+            <a:schemeClr val="tx1"/>
+          </a:fontRef>
+        </p:style>
+      </p:cxnSp>
+      <p:pic>
+        <p:nvPicPr>
+          <p:cNvPr id="13" name="그림 12">
+            <a:extLst>
+              <a:ext uri="{FF2B5EF4-FFF2-40B4-BE49-F238E27FC236}">
+                <a16:creationId xmlns:a16="http://schemas.microsoft.com/office/drawing/2014/main" id="{ED007670-DB1F-41EA-8470-2826C5784CCC}"/>
+              </a:ext>
+            </a:extLst>
+          </p:cNvPr>
+          <p:cNvPicPr>
+            <a:picLocks noChangeAspect="1"/>
+          </p:cNvPicPr>
+          <p:nvPr/>
+        </p:nvPicPr>
+        <p:blipFill>
+          <a:blip r:embed="rId3"/>
+          <a:stretch>
+            <a:fillRect/>
+          </a:stretch>
+        </p:blipFill>
+        <p:spPr>
+          <a:xfrm>
+            <a:off x="5474722" y="3429000"/>
+            <a:ext cx="6353175" cy="3219450"/>
+          </a:xfrm>
+          <a:prstGeom prst="rect">
+            <a:avLst/>
+          </a:prstGeom>
+          <a:ln w="38100" cap="sq">
+            <a:solidFill>
+              <a:srgbClr val="000000"/>
+            </a:solidFill>
+            <a:prstDash val="solid"/>
+            <a:miter lim="800000"/>
+          </a:ln>
+          <a:effectLst>
+            <a:outerShdw blurRad="50800" dist="38100" dir="2700000" algn="tl" rotWithShape="0">
+              <a:srgbClr val="000000">
+                <a:alpha val="43000"/>
+              </a:srgbClr>
+            </a:outerShdw>
+          </a:effectLst>
+        </p:spPr>
+      </p:pic>
+    </p:spTree>
+    <p:extLst>
+      <p:ext uri="{BB962C8B-B14F-4D97-AF65-F5344CB8AC3E}">
+        <p14:creationId xmlns:p14="http://schemas.microsoft.com/office/powerpoint/2010/main" val="668250681"/>
+      </p:ext>
+    </p:extLst>
+  </p:cSld>
+  <p:clrMapOvr>
+    <a:masterClrMapping/>
+  </p:clrMapOvr>
+</p:sld>
+</file>
+
+<file path=ppt/slides/slide28.xml><?xml version="1.0" encoding="utf-8"?>
+<p:sld xmlns:a="http://schemas.openxmlformats.org/drawingml/2006/main" xmlns:r="http://schemas.openxmlformats.org/officeDocument/2006/relationships" xmlns:p="http://schemas.openxmlformats.org/presentationml/2006/main">
+  <p:cSld>
+    <p:spTree>
+      <p:nvGrpSpPr>
+        <p:cNvPr id="1" name=""/>
+        <p:cNvGrpSpPr/>
+        <p:nvPr/>
+      </p:nvGrpSpPr>
+      <p:grpSpPr>
+        <a:xfrm>
+          <a:off x="0" y="0"/>
+          <a:ext cx="0" cy="0"/>
+          <a:chOff x="0" y="0"/>
+          <a:chExt cx="0" cy="0"/>
+        </a:xfrm>
+      </p:grpSpPr>
       <p:sp>
         <p:nvSpPr>
-          <p:cNvPr id="3" name="내용 개체 틀 2">
-            <a:extLst>
-              <a:ext uri="{FF2B5EF4-FFF2-40B4-BE49-F238E27FC236}">
-                <a16:creationId xmlns:a16="http://schemas.microsoft.com/office/drawing/2014/main" id="{E9D22F1E-049A-4FEB-AEF1-C90B1011EA69}"/>
+          <p:cNvPr id="2" name="제목 1">
+            <a:extLst>
+              <a:ext uri="{FF2B5EF4-FFF2-40B4-BE49-F238E27FC236}">
+                <a16:creationId xmlns:a16="http://schemas.microsoft.com/office/drawing/2014/main" id="{0BBD75FB-0799-4EB1-9AD7-C68E11797971}"/>
               </a:ext>
             </a:extLst>
           </p:cNvPr>
@@ -12585,7 +13197,7 @@
             <a:spLocks noGrp="1"/>
           </p:cNvSpPr>
           <p:nvPr>
-            <p:ph idx="1"/>
+            <p:ph type="title"/>
           </p:nvPr>
         </p:nvSpPr>
         <p:spPr/>
@@ -12593,10 +13205,49 @@
           <a:bodyPr/>
           <a:lstStyle/>
           <a:p>
-            <a:endParaRPr lang="ko-KR" altLang="en-US"/>
+            <a:r>
+              <a:rPr lang="en-US" altLang="ko-KR" b="1" dirty="0"/>
+              <a:t>Minetest –</a:t>
+            </a:r>
+            <a:r>
+              <a:rPr lang="ko-KR" altLang="en-US" b="1" dirty="0"/>
+              <a:t> 서버 설정</a:t>
+            </a:r>
           </a:p>
         </p:txBody>
       </p:sp>
+      <p:pic>
+        <p:nvPicPr>
+          <p:cNvPr id="12" name="내용 개체 틀 11">
+            <a:extLst>
+              <a:ext uri="{FF2B5EF4-FFF2-40B4-BE49-F238E27FC236}">
+                <a16:creationId xmlns:a16="http://schemas.microsoft.com/office/drawing/2014/main" id="{120BB3BF-7FD1-452E-B6E2-3D9909F7276B}"/>
+              </a:ext>
+            </a:extLst>
+          </p:cNvPr>
+          <p:cNvPicPr>
+            <a:picLocks noGrp="1" noChangeAspect="1"/>
+          </p:cNvPicPr>
+          <p:nvPr>
+            <p:ph idx="1"/>
+          </p:nvPr>
+        </p:nvPicPr>
+        <p:blipFill>
+          <a:blip r:embed="rId2"/>
+          <a:stretch>
+            <a:fillRect/>
+          </a:stretch>
+        </p:blipFill>
+        <p:spPr>
+          <a:xfrm>
+            <a:off x="838200" y="1917798"/>
+            <a:ext cx="4360101" cy="4267200"/>
+          </a:xfrm>
+          <a:prstGeom prst="rect">
+            <a:avLst/>
+          </a:prstGeom>
+        </p:spPr>
+      </p:pic>
       <p:cxnSp>
         <p:nvCxnSpPr>
           <p:cNvPr id="4" name="직선 연결선 3">
@@ -12949,10 +13600,1375 @@
           </a:fontRef>
         </p:style>
       </p:cxnSp>
+      <p:sp>
+        <p:nvSpPr>
+          <p:cNvPr id="14" name="TextBox 13">
+            <a:extLst>
+              <a:ext uri="{FF2B5EF4-FFF2-40B4-BE49-F238E27FC236}">
+                <a16:creationId xmlns:a16="http://schemas.microsoft.com/office/drawing/2014/main" id="{A4A3CF21-6294-49EC-B650-72AF98CC6A88}"/>
+              </a:ext>
+            </a:extLst>
+          </p:cNvPr>
+          <p:cNvSpPr txBox="1"/>
+          <p:nvPr/>
+        </p:nvSpPr>
+        <p:spPr>
+          <a:xfrm>
+            <a:off x="2317314" y="6308209"/>
+            <a:ext cx="840808" cy="369332"/>
+          </a:xfrm>
+          <a:prstGeom prst="rect">
+            <a:avLst/>
+          </a:prstGeom>
+          <a:noFill/>
+        </p:spPr>
+        <p:txBody>
+          <a:bodyPr wrap="none" rtlCol="0">
+            <a:spAutoFit/>
+          </a:bodyPr>
+          <a:lstStyle/>
+          <a:p>
+            <a:r>
+              <a:rPr lang="en-US" altLang="ko-KR" dirty="0"/>
+              <a:t>Server</a:t>
+            </a:r>
+            <a:endParaRPr lang="ko-KR" altLang="en-US" dirty="0"/>
+          </a:p>
+        </p:txBody>
+      </p:sp>
+      <p:sp>
+        <p:nvSpPr>
+          <p:cNvPr id="15" name="사각형: 둥근 모서리 14">
+            <a:extLst>
+              <a:ext uri="{FF2B5EF4-FFF2-40B4-BE49-F238E27FC236}">
+                <a16:creationId xmlns:a16="http://schemas.microsoft.com/office/drawing/2014/main" id="{15776662-BDBE-4DE9-BBFD-0618FEEE20CA}"/>
+              </a:ext>
+            </a:extLst>
+          </p:cNvPr>
+          <p:cNvSpPr/>
+          <p:nvPr/>
+        </p:nvSpPr>
+        <p:spPr>
+          <a:xfrm>
+            <a:off x="838200" y="3231715"/>
+            <a:ext cx="1479114" cy="2354893"/>
+          </a:xfrm>
+          <a:prstGeom prst="roundRect">
+            <a:avLst/>
+          </a:prstGeom>
+          <a:noFill/>
+          <a:ln w="28575">
+            <a:solidFill>
+              <a:srgbClr val="FF0000"/>
+            </a:solidFill>
+          </a:ln>
+        </p:spPr>
+        <p:style>
+          <a:lnRef idx="2">
+            <a:schemeClr val="accent1">
+              <a:shade val="50000"/>
+            </a:schemeClr>
+          </a:lnRef>
+          <a:fillRef idx="1">
+            <a:schemeClr val="accent1"/>
+          </a:fillRef>
+          <a:effectRef idx="0">
+            <a:schemeClr val="accent1"/>
+          </a:effectRef>
+          <a:fontRef idx="minor">
+            <a:schemeClr val="lt1"/>
+          </a:fontRef>
+        </p:style>
+        <p:txBody>
+          <a:bodyPr rtlCol="0" anchor="ctr"/>
+          <a:lstStyle/>
+          <a:p>
+            <a:pPr algn="ctr"/>
+            <a:endParaRPr lang="ko-KR" altLang="en-US" dirty="0"/>
+          </a:p>
+        </p:txBody>
+      </p:sp>
+      <p:sp>
+        <p:nvSpPr>
+          <p:cNvPr id="16" name="사각형: 둥근 모서리 15">
+            <a:extLst>
+              <a:ext uri="{FF2B5EF4-FFF2-40B4-BE49-F238E27FC236}">
+                <a16:creationId xmlns:a16="http://schemas.microsoft.com/office/drawing/2014/main" id="{A413B0F8-9BF2-4E30-A1ED-851962707D03}"/>
+              </a:ext>
+            </a:extLst>
+          </p:cNvPr>
+          <p:cNvSpPr/>
+          <p:nvPr/>
+        </p:nvSpPr>
+        <p:spPr>
+          <a:xfrm>
+            <a:off x="3158122" y="4822522"/>
+            <a:ext cx="1063149" cy="407096"/>
+          </a:xfrm>
+          <a:prstGeom prst="roundRect">
+            <a:avLst/>
+          </a:prstGeom>
+          <a:noFill/>
+          <a:ln w="28575">
+            <a:solidFill>
+              <a:srgbClr val="FF0000"/>
+            </a:solidFill>
+          </a:ln>
+        </p:spPr>
+        <p:style>
+          <a:lnRef idx="2">
+            <a:schemeClr val="accent1">
+              <a:shade val="50000"/>
+            </a:schemeClr>
+          </a:lnRef>
+          <a:fillRef idx="1">
+            <a:schemeClr val="accent1"/>
+          </a:fillRef>
+          <a:effectRef idx="0">
+            <a:schemeClr val="accent1"/>
+          </a:effectRef>
+          <a:fontRef idx="minor">
+            <a:schemeClr val="lt1"/>
+          </a:fontRef>
+        </p:style>
+        <p:txBody>
+          <a:bodyPr rtlCol="0" anchor="ctr"/>
+          <a:lstStyle/>
+          <a:p>
+            <a:pPr algn="ctr"/>
+            <a:endParaRPr lang="ko-KR" altLang="en-US" dirty="0"/>
+          </a:p>
+        </p:txBody>
+      </p:sp>
+      <p:pic>
+        <p:nvPicPr>
+          <p:cNvPr id="17" name="그림 16">
+            <a:extLst>
+              <a:ext uri="{FF2B5EF4-FFF2-40B4-BE49-F238E27FC236}">
+                <a16:creationId xmlns:a16="http://schemas.microsoft.com/office/drawing/2014/main" id="{B8D641E1-1B93-4AFF-A420-3A60DAF4BF34}"/>
+              </a:ext>
+            </a:extLst>
+          </p:cNvPr>
+          <p:cNvPicPr>
+            <a:picLocks noChangeAspect="1"/>
+          </p:cNvPicPr>
+          <p:nvPr/>
+        </p:nvPicPr>
+        <p:blipFill>
+          <a:blip r:embed="rId3"/>
+          <a:stretch>
+            <a:fillRect/>
+          </a:stretch>
+        </p:blipFill>
+        <p:spPr>
+          <a:xfrm>
+            <a:off x="5373665" y="1917798"/>
+            <a:ext cx="3231716" cy="1145571"/>
+          </a:xfrm>
+          <a:prstGeom prst="rect">
+            <a:avLst/>
+          </a:prstGeom>
+        </p:spPr>
+      </p:pic>
+      <p:sp>
+        <p:nvSpPr>
+          <p:cNvPr id="18" name="사각형: 둥근 모서리 17">
+            <a:extLst>
+              <a:ext uri="{FF2B5EF4-FFF2-40B4-BE49-F238E27FC236}">
+                <a16:creationId xmlns:a16="http://schemas.microsoft.com/office/drawing/2014/main" id="{33DBEAC3-4E68-40D8-B232-A84237B314D5}"/>
+              </a:ext>
+            </a:extLst>
+          </p:cNvPr>
+          <p:cNvSpPr/>
+          <p:nvPr/>
+        </p:nvSpPr>
+        <p:spPr>
+          <a:xfrm>
+            <a:off x="3945698" y="5212918"/>
+            <a:ext cx="1091329" cy="407096"/>
+          </a:xfrm>
+          <a:prstGeom prst="roundRect">
+            <a:avLst/>
+          </a:prstGeom>
+          <a:noFill/>
+          <a:ln w="28575">
+            <a:solidFill>
+              <a:srgbClr val="FF0000"/>
+            </a:solidFill>
+          </a:ln>
+        </p:spPr>
+        <p:style>
+          <a:lnRef idx="2">
+            <a:schemeClr val="accent1">
+              <a:shade val="50000"/>
+            </a:schemeClr>
+          </a:lnRef>
+          <a:fillRef idx="1">
+            <a:schemeClr val="accent1"/>
+          </a:fillRef>
+          <a:effectRef idx="0">
+            <a:schemeClr val="accent1"/>
+          </a:effectRef>
+          <a:fontRef idx="minor">
+            <a:schemeClr val="lt1"/>
+          </a:fontRef>
+        </p:style>
+        <p:txBody>
+          <a:bodyPr rtlCol="0" anchor="ctr"/>
+          <a:lstStyle/>
+          <a:p>
+            <a:pPr algn="ctr"/>
+            <a:endParaRPr lang="ko-KR" altLang="en-US" dirty="0"/>
+          </a:p>
+        </p:txBody>
+      </p:sp>
+      <p:sp>
+        <p:nvSpPr>
+          <p:cNvPr id="19" name="TextBox 18">
+            <a:extLst>
+              <a:ext uri="{FF2B5EF4-FFF2-40B4-BE49-F238E27FC236}">
+                <a16:creationId xmlns:a16="http://schemas.microsoft.com/office/drawing/2014/main" id="{EB181981-16DE-42D5-A1EC-5DB3C7DBC8EC}"/>
+              </a:ext>
+            </a:extLst>
+          </p:cNvPr>
+          <p:cNvSpPr txBox="1"/>
+          <p:nvPr/>
+        </p:nvSpPr>
+        <p:spPr>
+          <a:xfrm>
+            <a:off x="801667" y="2743201"/>
+            <a:ext cx="543739" cy="1815882"/>
+          </a:xfrm>
+          <a:prstGeom prst="rect">
+            <a:avLst/>
+          </a:prstGeom>
+          <a:noFill/>
+        </p:spPr>
+        <p:txBody>
+          <a:bodyPr wrap="none" rtlCol="0">
+            <a:spAutoFit/>
+          </a:bodyPr>
+          <a:lstStyle/>
+          <a:p>
+            <a:r>
+              <a:rPr lang="ko-KR" altLang="en-US" sz="2800" b="1" dirty="0">
+                <a:solidFill>
+                  <a:srgbClr val="FF0000"/>
+                </a:solidFill>
+              </a:rPr>
+              <a:t>②</a:t>
+            </a:r>
+          </a:p>
+          <a:p>
+            <a:endParaRPr lang="ko-KR" altLang="en-US" sz="2800" b="1" dirty="0">
+              <a:solidFill>
+                <a:srgbClr val="FF0000"/>
+              </a:solidFill>
+            </a:endParaRPr>
+          </a:p>
+          <a:p>
+            <a:endParaRPr lang="ko-KR" altLang="en-US" sz="2800" b="1" dirty="0">
+              <a:solidFill>
+                <a:srgbClr val="FF0000"/>
+              </a:solidFill>
+            </a:endParaRPr>
+          </a:p>
+          <a:p>
+            <a:endParaRPr lang="ko-KR" altLang="en-US" sz="2800" b="1" dirty="0">
+              <a:solidFill>
+                <a:srgbClr val="FF0000"/>
+              </a:solidFill>
+            </a:endParaRPr>
+          </a:p>
+        </p:txBody>
+      </p:sp>
+      <p:sp>
+        <p:nvSpPr>
+          <p:cNvPr id="20" name="TextBox 19">
+            <a:extLst>
+              <a:ext uri="{FF2B5EF4-FFF2-40B4-BE49-F238E27FC236}">
+                <a16:creationId xmlns:a16="http://schemas.microsoft.com/office/drawing/2014/main" id="{93E54747-52A9-4F4D-A06D-97756A4D2565}"/>
+              </a:ext>
+            </a:extLst>
+          </p:cNvPr>
+          <p:cNvSpPr txBox="1"/>
+          <p:nvPr/>
+        </p:nvSpPr>
+        <p:spPr>
+          <a:xfrm>
+            <a:off x="2997423" y="4235019"/>
+            <a:ext cx="543739" cy="1384995"/>
+          </a:xfrm>
+          <a:prstGeom prst="rect">
+            <a:avLst/>
+          </a:prstGeom>
+          <a:noFill/>
+        </p:spPr>
+        <p:txBody>
+          <a:bodyPr wrap="none" rtlCol="0">
+            <a:spAutoFit/>
+          </a:bodyPr>
+          <a:lstStyle/>
+          <a:p>
+            <a:r>
+              <a:rPr lang="ko-KR" altLang="en-US" sz="2800" b="1" dirty="0">
+                <a:solidFill>
+                  <a:srgbClr val="FF0000"/>
+                </a:solidFill>
+              </a:rPr>
+              <a:t>①</a:t>
+            </a:r>
+          </a:p>
+          <a:p>
+            <a:endParaRPr lang="ko-KR" altLang="en-US" sz="2800" b="1" dirty="0">
+              <a:solidFill>
+                <a:srgbClr val="FF0000"/>
+              </a:solidFill>
+            </a:endParaRPr>
+          </a:p>
+          <a:p>
+            <a:endParaRPr lang="ko-KR" altLang="en-US" sz="2800" b="1" dirty="0">
+              <a:solidFill>
+                <a:srgbClr val="FF0000"/>
+              </a:solidFill>
+            </a:endParaRPr>
+          </a:p>
+        </p:txBody>
+      </p:sp>
+      <p:cxnSp>
+        <p:nvCxnSpPr>
+          <p:cNvPr id="22" name="직선 화살표 연결선 21">
+            <a:extLst>
+              <a:ext uri="{FF2B5EF4-FFF2-40B4-BE49-F238E27FC236}">
+                <a16:creationId xmlns:a16="http://schemas.microsoft.com/office/drawing/2014/main" id="{E3A54032-95E6-41B9-9394-8E4DE1CAC7E0}"/>
+              </a:ext>
+            </a:extLst>
+          </p:cNvPr>
+          <p:cNvCxnSpPr>
+            <a:stCxn id="16" idx="0"/>
+          </p:cNvCxnSpPr>
+          <p:nvPr/>
+        </p:nvCxnSpPr>
+        <p:spPr>
+          <a:xfrm flipV="1">
+            <a:off x="3689697" y="2179529"/>
+            <a:ext cx="1871859" cy="2642993"/>
+          </a:xfrm>
+          <a:prstGeom prst="straightConnector1">
+            <a:avLst/>
+          </a:prstGeom>
+          <a:ln w="28575">
+            <a:solidFill>
+              <a:srgbClr val="FF0000"/>
+            </a:solidFill>
+            <a:tailEnd type="triangle"/>
+          </a:ln>
+        </p:spPr>
+        <p:style>
+          <a:lnRef idx="1">
+            <a:schemeClr val="accent2"/>
+          </a:lnRef>
+          <a:fillRef idx="0">
+            <a:schemeClr val="accent2"/>
+          </a:fillRef>
+          <a:effectRef idx="0">
+            <a:schemeClr val="accent2"/>
+          </a:effectRef>
+          <a:fontRef idx="minor">
+            <a:schemeClr val="tx1"/>
+          </a:fontRef>
+        </p:style>
+      </p:cxnSp>
+      <p:sp>
+        <p:nvSpPr>
+          <p:cNvPr id="23" name="사각형: 둥근 모서리 22">
+            <a:extLst>
+              <a:ext uri="{FF2B5EF4-FFF2-40B4-BE49-F238E27FC236}">
+                <a16:creationId xmlns:a16="http://schemas.microsoft.com/office/drawing/2014/main" id="{DFAD0D76-84FA-400D-908D-8DF0CE9AE5B1}"/>
+              </a:ext>
+            </a:extLst>
+          </p:cNvPr>
+          <p:cNvSpPr/>
+          <p:nvPr/>
+        </p:nvSpPr>
+        <p:spPr>
+          <a:xfrm>
+            <a:off x="5573299" y="1947894"/>
+            <a:ext cx="1871859" cy="818488"/>
+          </a:xfrm>
+          <a:prstGeom prst="roundRect">
+            <a:avLst/>
+          </a:prstGeom>
+          <a:noFill/>
+          <a:ln w="28575">
+            <a:solidFill>
+              <a:srgbClr val="FF0000"/>
+            </a:solidFill>
+          </a:ln>
+        </p:spPr>
+        <p:style>
+          <a:lnRef idx="2">
+            <a:schemeClr val="accent1">
+              <a:shade val="50000"/>
+            </a:schemeClr>
+          </a:lnRef>
+          <a:fillRef idx="1">
+            <a:schemeClr val="accent1"/>
+          </a:fillRef>
+          <a:effectRef idx="0">
+            <a:schemeClr val="accent1"/>
+          </a:effectRef>
+          <a:fontRef idx="minor">
+            <a:schemeClr val="lt1"/>
+          </a:fontRef>
+        </p:style>
+        <p:txBody>
+          <a:bodyPr rtlCol="0" anchor="ctr"/>
+          <a:lstStyle/>
+          <a:p>
+            <a:pPr algn="ctr"/>
+            <a:endParaRPr lang="ko-KR" altLang="en-US" dirty="0"/>
+          </a:p>
+        </p:txBody>
+      </p:sp>
+      <p:sp>
+        <p:nvSpPr>
+          <p:cNvPr id="24" name="TextBox 23">
+            <a:extLst>
+              <a:ext uri="{FF2B5EF4-FFF2-40B4-BE49-F238E27FC236}">
+                <a16:creationId xmlns:a16="http://schemas.microsoft.com/office/drawing/2014/main" id="{6CBABE4D-4D1E-4ADD-BED1-B86084CD370C}"/>
+              </a:ext>
+            </a:extLst>
+          </p:cNvPr>
+          <p:cNvSpPr txBox="1"/>
+          <p:nvPr/>
+        </p:nvSpPr>
+        <p:spPr>
+          <a:xfrm>
+            <a:off x="3450920" y="5160293"/>
+            <a:ext cx="543739" cy="2369880"/>
+          </a:xfrm>
+          <a:prstGeom prst="rect">
+            <a:avLst/>
+          </a:prstGeom>
+          <a:noFill/>
+        </p:spPr>
+        <p:txBody>
+          <a:bodyPr wrap="none" rtlCol="0">
+            <a:spAutoFit/>
+          </a:bodyPr>
+          <a:lstStyle/>
+          <a:p>
+            <a:r>
+              <a:rPr lang="ko-KR" altLang="en-US" sz="2800" b="1" dirty="0">
+                <a:solidFill>
+                  <a:srgbClr val="FF0000"/>
+                </a:solidFill>
+              </a:rPr>
+              <a:t>③</a:t>
+            </a:r>
+          </a:p>
+          <a:p>
+            <a:endParaRPr lang="ko-KR" altLang="en-US" sz="4000" b="1" dirty="0">
+              <a:solidFill>
+                <a:srgbClr val="FF0000"/>
+              </a:solidFill>
+            </a:endParaRPr>
+          </a:p>
+          <a:p>
+            <a:endParaRPr lang="ko-KR" altLang="en-US" sz="4000" b="1" dirty="0">
+              <a:solidFill>
+                <a:srgbClr val="FF0000"/>
+              </a:solidFill>
+            </a:endParaRPr>
+          </a:p>
+          <a:p>
+            <a:endParaRPr lang="ko-KR" altLang="en-US" sz="4000" b="1" dirty="0">
+              <a:solidFill>
+                <a:srgbClr val="FF0000"/>
+              </a:solidFill>
+            </a:endParaRPr>
+          </a:p>
+        </p:txBody>
+      </p:sp>
+      <p:sp>
+        <p:nvSpPr>
+          <p:cNvPr id="25" name="TextBox 24">
+            <a:extLst>
+              <a:ext uri="{FF2B5EF4-FFF2-40B4-BE49-F238E27FC236}">
+                <a16:creationId xmlns:a16="http://schemas.microsoft.com/office/drawing/2014/main" id="{B07DCF60-EC2F-4C9A-BEC2-E0EC38EB00F7}"/>
+              </a:ext>
+            </a:extLst>
+          </p:cNvPr>
+          <p:cNvSpPr txBox="1"/>
+          <p:nvPr/>
+        </p:nvSpPr>
+        <p:spPr>
+          <a:xfrm>
+            <a:off x="5394488" y="3325100"/>
+            <a:ext cx="1361270" cy="646331"/>
+          </a:xfrm>
+          <a:prstGeom prst="rect">
+            <a:avLst/>
+          </a:prstGeom>
+          <a:noFill/>
+        </p:spPr>
+        <p:txBody>
+          <a:bodyPr wrap="none" rtlCol="0">
+            <a:spAutoFit/>
+          </a:bodyPr>
+          <a:lstStyle/>
+          <a:p>
+            <a:r>
+              <a:rPr lang="ko-KR" altLang="en-US" dirty="0"/>
+              <a:t>서버 포트 </a:t>
+            </a:r>
+            <a:endParaRPr lang="en-US" altLang="ko-KR" dirty="0"/>
+          </a:p>
+          <a:p>
+            <a:r>
+              <a:rPr lang="en-US" altLang="ko-KR" dirty="0"/>
+              <a:t>29999 </a:t>
+            </a:r>
+            <a:r>
+              <a:rPr lang="ko-KR" altLang="en-US" dirty="0"/>
+              <a:t>변경</a:t>
+            </a:r>
+          </a:p>
+        </p:txBody>
+      </p:sp>
     </p:spTree>
     <p:extLst>
       <p:ext uri="{BB962C8B-B14F-4D97-AF65-F5344CB8AC3E}">
-        <p14:creationId xmlns:p14="http://schemas.microsoft.com/office/powerpoint/2010/main" val="668250681"/>
+        <p14:creationId xmlns:p14="http://schemas.microsoft.com/office/powerpoint/2010/main" val="3730429721"/>
+      </p:ext>
+    </p:extLst>
+  </p:cSld>
+  <p:clrMapOvr>
+    <a:masterClrMapping/>
+  </p:clrMapOvr>
+</p:sld>
+</file>
+
+<file path=ppt/slides/slide29.xml><?xml version="1.0" encoding="utf-8"?>
+<p:sld xmlns:a="http://schemas.openxmlformats.org/drawingml/2006/main" xmlns:r="http://schemas.openxmlformats.org/officeDocument/2006/relationships" xmlns:p="http://schemas.openxmlformats.org/presentationml/2006/main">
+  <p:cSld>
+    <p:spTree>
+      <p:nvGrpSpPr>
+        <p:cNvPr id="1" name=""/>
+        <p:cNvGrpSpPr/>
+        <p:nvPr/>
+      </p:nvGrpSpPr>
+      <p:grpSpPr>
+        <a:xfrm>
+          <a:off x="0" y="0"/>
+          <a:ext cx="0" cy="0"/>
+          <a:chOff x="0" y="0"/>
+          <a:chExt cx="0" cy="0"/>
+        </a:xfrm>
+      </p:grpSpPr>
+      <p:sp>
+        <p:nvSpPr>
+          <p:cNvPr id="2" name="제목 1">
+            <a:extLst>
+              <a:ext uri="{FF2B5EF4-FFF2-40B4-BE49-F238E27FC236}">
+                <a16:creationId xmlns:a16="http://schemas.microsoft.com/office/drawing/2014/main" id="{0BBD75FB-0799-4EB1-9AD7-C68E11797971}"/>
+              </a:ext>
+            </a:extLst>
+          </p:cNvPr>
+          <p:cNvSpPr>
+            <a:spLocks noGrp="1"/>
+          </p:cNvSpPr>
+          <p:nvPr>
+            <p:ph type="title"/>
+          </p:nvPr>
+        </p:nvSpPr>
+        <p:spPr/>
+        <p:txBody>
+          <a:bodyPr/>
+          <a:lstStyle/>
+          <a:p>
+            <a:r>
+              <a:rPr lang="en-US" altLang="ko-KR" b="1" dirty="0"/>
+              <a:t>Minetest –</a:t>
+            </a:r>
+            <a:r>
+              <a:rPr lang="ko-KR" altLang="en-US" b="1" dirty="0"/>
+              <a:t> 클라이언트 접속 설정</a:t>
+            </a:r>
+          </a:p>
+        </p:txBody>
+      </p:sp>
+      <p:cxnSp>
+        <p:nvCxnSpPr>
+          <p:cNvPr id="4" name="직선 연결선 3">
+            <a:extLst>
+              <a:ext uri="{FF2B5EF4-FFF2-40B4-BE49-F238E27FC236}">
+                <a16:creationId xmlns:a16="http://schemas.microsoft.com/office/drawing/2014/main" id="{EE01682E-4EC3-491F-A46B-0EACC9713D73}"/>
+              </a:ext>
+            </a:extLst>
+          </p:cNvPr>
+          <p:cNvCxnSpPr>
+            <a:cxnSpLocks/>
+          </p:cNvCxnSpPr>
+          <p:nvPr/>
+        </p:nvCxnSpPr>
+        <p:spPr>
+          <a:xfrm>
+            <a:off x="463463" y="1565753"/>
+            <a:ext cx="1402915" cy="0"/>
+          </a:xfrm>
+          <a:prstGeom prst="line">
+            <a:avLst/>
+          </a:prstGeom>
+          <a:ln w="57150">
+            <a:solidFill>
+              <a:srgbClr val="00B050"/>
+            </a:solidFill>
+          </a:ln>
+        </p:spPr>
+        <p:style>
+          <a:lnRef idx="1">
+            <a:schemeClr val="accent1"/>
+          </a:lnRef>
+          <a:fillRef idx="0">
+            <a:schemeClr val="accent1"/>
+          </a:fillRef>
+          <a:effectRef idx="0">
+            <a:schemeClr val="accent1"/>
+          </a:effectRef>
+          <a:fontRef idx="minor">
+            <a:schemeClr val="tx1"/>
+          </a:fontRef>
+        </p:style>
+      </p:cxnSp>
+      <p:cxnSp>
+        <p:nvCxnSpPr>
+          <p:cNvPr id="5" name="직선 연결선 4">
+            <a:extLst>
+              <a:ext uri="{FF2B5EF4-FFF2-40B4-BE49-F238E27FC236}">
+                <a16:creationId xmlns:a16="http://schemas.microsoft.com/office/drawing/2014/main" id="{ABC6680E-470B-45C4-B289-7A0EF67ED7E0}"/>
+              </a:ext>
+            </a:extLst>
+          </p:cNvPr>
+          <p:cNvCxnSpPr>
+            <a:cxnSpLocks/>
+          </p:cNvCxnSpPr>
+          <p:nvPr/>
+        </p:nvCxnSpPr>
+        <p:spPr>
+          <a:xfrm>
+            <a:off x="1866378" y="1565753"/>
+            <a:ext cx="1402915" cy="0"/>
+          </a:xfrm>
+          <a:prstGeom prst="line">
+            <a:avLst/>
+          </a:prstGeom>
+          <a:ln w="57150">
+            <a:solidFill>
+              <a:schemeClr val="accent2">
+                <a:lumMod val="75000"/>
+              </a:schemeClr>
+            </a:solidFill>
+          </a:ln>
+        </p:spPr>
+        <p:style>
+          <a:lnRef idx="1">
+            <a:schemeClr val="accent1"/>
+          </a:lnRef>
+          <a:fillRef idx="0">
+            <a:schemeClr val="accent1"/>
+          </a:fillRef>
+          <a:effectRef idx="0">
+            <a:schemeClr val="accent1"/>
+          </a:effectRef>
+          <a:fontRef idx="minor">
+            <a:schemeClr val="tx1"/>
+          </a:fontRef>
+        </p:style>
+      </p:cxnSp>
+      <p:cxnSp>
+        <p:nvCxnSpPr>
+          <p:cNvPr id="6" name="직선 연결선 5">
+            <a:extLst>
+              <a:ext uri="{FF2B5EF4-FFF2-40B4-BE49-F238E27FC236}">
+                <a16:creationId xmlns:a16="http://schemas.microsoft.com/office/drawing/2014/main" id="{3678CCF4-4AC3-4139-92E5-55722C3E7751}"/>
+              </a:ext>
+            </a:extLst>
+          </p:cNvPr>
+          <p:cNvCxnSpPr>
+            <a:cxnSpLocks/>
+          </p:cNvCxnSpPr>
+          <p:nvPr/>
+        </p:nvCxnSpPr>
+        <p:spPr>
+          <a:xfrm>
+            <a:off x="3269293" y="1565753"/>
+            <a:ext cx="1402915" cy="0"/>
+          </a:xfrm>
+          <a:prstGeom prst="line">
+            <a:avLst/>
+          </a:prstGeom>
+          <a:ln w="57150">
+            <a:solidFill>
+              <a:srgbClr val="FFC000"/>
+            </a:solidFill>
+          </a:ln>
+        </p:spPr>
+        <p:style>
+          <a:lnRef idx="1">
+            <a:schemeClr val="accent1"/>
+          </a:lnRef>
+          <a:fillRef idx="0">
+            <a:schemeClr val="accent1"/>
+          </a:fillRef>
+          <a:effectRef idx="0">
+            <a:schemeClr val="accent1"/>
+          </a:effectRef>
+          <a:fontRef idx="minor">
+            <a:schemeClr val="tx1"/>
+          </a:fontRef>
+        </p:style>
+      </p:cxnSp>
+      <p:cxnSp>
+        <p:nvCxnSpPr>
+          <p:cNvPr id="7" name="직선 연결선 6">
+            <a:extLst>
+              <a:ext uri="{FF2B5EF4-FFF2-40B4-BE49-F238E27FC236}">
+                <a16:creationId xmlns:a16="http://schemas.microsoft.com/office/drawing/2014/main" id="{9FF08141-38ED-4F86-86A9-757547A2479E}"/>
+              </a:ext>
+            </a:extLst>
+          </p:cNvPr>
+          <p:cNvCxnSpPr>
+            <a:cxnSpLocks/>
+          </p:cNvCxnSpPr>
+          <p:nvPr/>
+        </p:nvCxnSpPr>
+        <p:spPr>
+          <a:xfrm>
+            <a:off x="4672208" y="1565753"/>
+            <a:ext cx="1402915" cy="0"/>
+          </a:xfrm>
+          <a:prstGeom prst="line">
+            <a:avLst/>
+          </a:prstGeom>
+          <a:ln w="57150">
+            <a:solidFill>
+              <a:schemeClr val="accent4">
+                <a:lumMod val="75000"/>
+              </a:schemeClr>
+            </a:solidFill>
+          </a:ln>
+        </p:spPr>
+        <p:style>
+          <a:lnRef idx="1">
+            <a:schemeClr val="accent1"/>
+          </a:lnRef>
+          <a:fillRef idx="0">
+            <a:schemeClr val="accent1"/>
+          </a:fillRef>
+          <a:effectRef idx="0">
+            <a:schemeClr val="accent1"/>
+          </a:effectRef>
+          <a:fontRef idx="minor">
+            <a:schemeClr val="tx1"/>
+          </a:fontRef>
+        </p:style>
+      </p:cxnSp>
+      <p:cxnSp>
+        <p:nvCxnSpPr>
+          <p:cNvPr id="8" name="직선 연결선 7">
+            <a:extLst>
+              <a:ext uri="{FF2B5EF4-FFF2-40B4-BE49-F238E27FC236}">
+                <a16:creationId xmlns:a16="http://schemas.microsoft.com/office/drawing/2014/main" id="{62A6EC5E-008F-4227-A299-34A564C6B4DE}"/>
+              </a:ext>
+            </a:extLst>
+          </p:cNvPr>
+          <p:cNvCxnSpPr>
+            <a:cxnSpLocks/>
+          </p:cNvCxnSpPr>
+          <p:nvPr/>
+        </p:nvCxnSpPr>
+        <p:spPr>
+          <a:xfrm>
+            <a:off x="6075123" y="1565753"/>
+            <a:ext cx="1402915" cy="0"/>
+          </a:xfrm>
+          <a:prstGeom prst="line">
+            <a:avLst/>
+          </a:prstGeom>
+          <a:ln w="57150">
+            <a:solidFill>
+              <a:srgbClr val="FF0000"/>
+            </a:solidFill>
+          </a:ln>
+        </p:spPr>
+        <p:style>
+          <a:lnRef idx="1">
+            <a:schemeClr val="accent1"/>
+          </a:lnRef>
+          <a:fillRef idx="0">
+            <a:schemeClr val="accent1"/>
+          </a:fillRef>
+          <a:effectRef idx="0">
+            <a:schemeClr val="accent1"/>
+          </a:effectRef>
+          <a:fontRef idx="minor">
+            <a:schemeClr val="tx1"/>
+          </a:fontRef>
+        </p:style>
+      </p:cxnSp>
+      <p:cxnSp>
+        <p:nvCxnSpPr>
+          <p:cNvPr id="9" name="직선 연결선 8">
+            <a:extLst>
+              <a:ext uri="{FF2B5EF4-FFF2-40B4-BE49-F238E27FC236}">
+                <a16:creationId xmlns:a16="http://schemas.microsoft.com/office/drawing/2014/main" id="{73BE4EC4-D5AB-43B6-99B8-20CC507C817B}"/>
+              </a:ext>
+            </a:extLst>
+          </p:cNvPr>
+          <p:cNvCxnSpPr>
+            <a:cxnSpLocks/>
+          </p:cNvCxnSpPr>
+          <p:nvPr/>
+        </p:nvCxnSpPr>
+        <p:spPr>
+          <a:xfrm>
+            <a:off x="7478038" y="1565753"/>
+            <a:ext cx="1402915" cy="0"/>
+          </a:xfrm>
+          <a:prstGeom prst="line">
+            <a:avLst/>
+          </a:prstGeom>
+          <a:ln w="57150">
+            <a:solidFill>
+              <a:srgbClr val="92D050"/>
+            </a:solidFill>
+          </a:ln>
+        </p:spPr>
+        <p:style>
+          <a:lnRef idx="1">
+            <a:schemeClr val="accent1"/>
+          </a:lnRef>
+          <a:fillRef idx="0">
+            <a:schemeClr val="accent1"/>
+          </a:fillRef>
+          <a:effectRef idx="0">
+            <a:schemeClr val="accent1"/>
+          </a:effectRef>
+          <a:fontRef idx="minor">
+            <a:schemeClr val="tx1"/>
+          </a:fontRef>
+        </p:style>
+      </p:cxnSp>
+      <p:cxnSp>
+        <p:nvCxnSpPr>
+          <p:cNvPr id="10" name="직선 연결선 9">
+            <a:extLst>
+              <a:ext uri="{FF2B5EF4-FFF2-40B4-BE49-F238E27FC236}">
+                <a16:creationId xmlns:a16="http://schemas.microsoft.com/office/drawing/2014/main" id="{D23B7696-E162-4DC6-9E5C-29744AE86C94}"/>
+              </a:ext>
+            </a:extLst>
+          </p:cNvPr>
+          <p:cNvCxnSpPr>
+            <a:cxnSpLocks/>
+          </p:cNvCxnSpPr>
+          <p:nvPr/>
+        </p:nvCxnSpPr>
+        <p:spPr>
+          <a:xfrm>
+            <a:off x="8880953" y="1565753"/>
+            <a:ext cx="1402915" cy="0"/>
+          </a:xfrm>
+          <a:prstGeom prst="line">
+            <a:avLst/>
+          </a:prstGeom>
+          <a:ln w="57150">
+            <a:solidFill>
+              <a:schemeClr val="bg2">
+                <a:lumMod val="50000"/>
+              </a:schemeClr>
+            </a:solidFill>
+          </a:ln>
+        </p:spPr>
+        <p:style>
+          <a:lnRef idx="1">
+            <a:schemeClr val="accent1"/>
+          </a:lnRef>
+          <a:fillRef idx="0">
+            <a:schemeClr val="accent1"/>
+          </a:fillRef>
+          <a:effectRef idx="0">
+            <a:schemeClr val="accent1"/>
+          </a:effectRef>
+          <a:fontRef idx="minor">
+            <a:schemeClr val="tx1"/>
+          </a:fontRef>
+        </p:style>
+      </p:cxnSp>
+      <p:cxnSp>
+        <p:nvCxnSpPr>
+          <p:cNvPr id="11" name="직선 연결선 10">
+            <a:extLst>
+              <a:ext uri="{FF2B5EF4-FFF2-40B4-BE49-F238E27FC236}">
+                <a16:creationId xmlns:a16="http://schemas.microsoft.com/office/drawing/2014/main" id="{AD5A1D01-4DAC-4236-AC37-43914BEDECF3}"/>
+              </a:ext>
+            </a:extLst>
+          </p:cNvPr>
+          <p:cNvCxnSpPr>
+            <a:cxnSpLocks/>
+          </p:cNvCxnSpPr>
+          <p:nvPr/>
+        </p:nvCxnSpPr>
+        <p:spPr>
+          <a:xfrm>
+            <a:off x="10283868" y="1565753"/>
+            <a:ext cx="1402915" cy="0"/>
+          </a:xfrm>
+          <a:prstGeom prst="line">
+            <a:avLst/>
+          </a:prstGeom>
+          <a:ln w="57150">
+            <a:solidFill>
+              <a:schemeClr val="bg1">
+                <a:lumMod val="85000"/>
+              </a:schemeClr>
+            </a:solidFill>
+          </a:ln>
+        </p:spPr>
+        <p:style>
+          <a:lnRef idx="1">
+            <a:schemeClr val="accent1"/>
+          </a:lnRef>
+          <a:fillRef idx="0">
+            <a:schemeClr val="accent1"/>
+          </a:fillRef>
+          <a:effectRef idx="0">
+            <a:schemeClr val="accent1"/>
+          </a:effectRef>
+          <a:fontRef idx="minor">
+            <a:schemeClr val="tx1"/>
+          </a:fontRef>
+        </p:style>
+      </p:cxnSp>
+      <p:pic>
+        <p:nvPicPr>
+          <p:cNvPr id="16" name="내용 개체 틀 15">
+            <a:extLst>
+              <a:ext uri="{FF2B5EF4-FFF2-40B4-BE49-F238E27FC236}">
+                <a16:creationId xmlns:a16="http://schemas.microsoft.com/office/drawing/2014/main" id="{61634E3E-1F11-4849-B169-4E2C2FF930BB}"/>
+              </a:ext>
+            </a:extLst>
+          </p:cNvPr>
+          <p:cNvPicPr>
+            <a:picLocks noGrp="1" noChangeAspect="1"/>
+          </p:cNvPicPr>
+          <p:nvPr>
+            <p:ph idx="1"/>
+          </p:nvPr>
+        </p:nvPicPr>
+        <p:blipFill>
+          <a:blip r:embed="rId2"/>
+          <a:stretch>
+            <a:fillRect/>
+          </a:stretch>
+        </p:blipFill>
+        <p:spPr>
+          <a:xfrm>
+            <a:off x="838199" y="2031119"/>
+            <a:ext cx="8528397" cy="4332100"/>
+          </a:xfrm>
+          <a:prstGeom prst="rect">
+            <a:avLst/>
+          </a:prstGeom>
+        </p:spPr>
+      </p:pic>
+      <p:sp>
+        <p:nvSpPr>
+          <p:cNvPr id="17" name="사각형: 둥근 모서리 16">
+            <a:extLst>
+              <a:ext uri="{FF2B5EF4-FFF2-40B4-BE49-F238E27FC236}">
+                <a16:creationId xmlns:a16="http://schemas.microsoft.com/office/drawing/2014/main" id="{A3C7AD16-67EE-4AB9-BDDF-721A27192D7C}"/>
+              </a:ext>
+            </a:extLst>
+          </p:cNvPr>
+          <p:cNvSpPr/>
+          <p:nvPr/>
+        </p:nvSpPr>
+        <p:spPr>
+          <a:xfrm>
+            <a:off x="2181092" y="2105948"/>
+            <a:ext cx="1213461" cy="486939"/>
+          </a:xfrm>
+          <a:prstGeom prst="roundRect">
+            <a:avLst/>
+          </a:prstGeom>
+          <a:noFill/>
+          <a:ln w="28575">
+            <a:solidFill>
+              <a:srgbClr val="FF0000"/>
+            </a:solidFill>
+          </a:ln>
+        </p:spPr>
+        <p:style>
+          <a:lnRef idx="2">
+            <a:schemeClr val="accent1">
+              <a:shade val="50000"/>
+            </a:schemeClr>
+          </a:lnRef>
+          <a:fillRef idx="1">
+            <a:schemeClr val="accent1"/>
+          </a:fillRef>
+          <a:effectRef idx="0">
+            <a:schemeClr val="accent1"/>
+          </a:effectRef>
+          <a:fontRef idx="minor">
+            <a:schemeClr val="lt1"/>
+          </a:fontRef>
+        </p:style>
+        <p:txBody>
+          <a:bodyPr rtlCol="0" anchor="ctr"/>
+          <a:lstStyle/>
+          <a:p>
+            <a:pPr algn="ctr"/>
+            <a:endParaRPr lang="ko-KR" altLang="en-US" dirty="0"/>
+          </a:p>
+        </p:txBody>
+      </p:sp>
+      <p:sp>
+        <p:nvSpPr>
+          <p:cNvPr id="18" name="사각형: 둥근 모서리 17">
+            <a:extLst>
+              <a:ext uri="{FF2B5EF4-FFF2-40B4-BE49-F238E27FC236}">
+                <a16:creationId xmlns:a16="http://schemas.microsoft.com/office/drawing/2014/main" id="{0EF364AC-4B71-4B3E-A91E-CADAE941D226}"/>
+              </a:ext>
+            </a:extLst>
+          </p:cNvPr>
+          <p:cNvSpPr/>
+          <p:nvPr/>
+        </p:nvSpPr>
+        <p:spPr>
+          <a:xfrm>
+            <a:off x="6226999" y="2780995"/>
+            <a:ext cx="3255204" cy="648005"/>
+          </a:xfrm>
+          <a:prstGeom prst="roundRect">
+            <a:avLst/>
+          </a:prstGeom>
+          <a:noFill/>
+          <a:ln w="28575">
+            <a:solidFill>
+              <a:srgbClr val="FF0000"/>
+            </a:solidFill>
+          </a:ln>
+        </p:spPr>
+        <p:style>
+          <a:lnRef idx="2">
+            <a:schemeClr val="accent1">
+              <a:shade val="50000"/>
+            </a:schemeClr>
+          </a:lnRef>
+          <a:fillRef idx="1">
+            <a:schemeClr val="accent1"/>
+          </a:fillRef>
+          <a:effectRef idx="0">
+            <a:schemeClr val="accent1"/>
+          </a:effectRef>
+          <a:fontRef idx="minor">
+            <a:schemeClr val="lt1"/>
+          </a:fontRef>
+        </p:style>
+        <p:txBody>
+          <a:bodyPr rtlCol="0" anchor="ctr"/>
+          <a:lstStyle/>
+          <a:p>
+            <a:pPr algn="ctr"/>
+            <a:endParaRPr lang="ko-KR" altLang="en-US" dirty="0"/>
+          </a:p>
+        </p:txBody>
+      </p:sp>
+      <p:sp>
+        <p:nvSpPr>
+          <p:cNvPr id="19" name="TextBox 18">
+            <a:extLst>
+              <a:ext uri="{FF2B5EF4-FFF2-40B4-BE49-F238E27FC236}">
+                <a16:creationId xmlns:a16="http://schemas.microsoft.com/office/drawing/2014/main" id="{D65E87FD-A838-4A5C-BAE0-9FD182C2D180}"/>
+              </a:ext>
+            </a:extLst>
+          </p:cNvPr>
+          <p:cNvSpPr txBox="1"/>
+          <p:nvPr/>
+        </p:nvSpPr>
+        <p:spPr>
+          <a:xfrm>
+            <a:off x="9695145" y="2051175"/>
+            <a:ext cx="1465466" cy="369332"/>
+          </a:xfrm>
+          <a:prstGeom prst="rect">
+            <a:avLst/>
+          </a:prstGeom>
+          <a:noFill/>
+        </p:spPr>
+        <p:txBody>
+          <a:bodyPr wrap="none" rtlCol="0">
+            <a:spAutoFit/>
+          </a:bodyPr>
+          <a:lstStyle/>
+          <a:p>
+            <a:r>
+              <a:rPr lang="ko-KR" altLang="en-US" dirty="0"/>
+              <a:t>서버 </a:t>
+            </a:r>
+            <a:r>
+              <a:rPr lang="en-US" altLang="ko-KR" dirty="0"/>
+              <a:t>IP </a:t>
+            </a:r>
+            <a:r>
+              <a:rPr lang="ko-KR" altLang="en-US" dirty="0"/>
+              <a:t>주소</a:t>
+            </a:r>
+          </a:p>
+        </p:txBody>
+      </p:sp>
+      <p:cxnSp>
+        <p:nvCxnSpPr>
+          <p:cNvPr id="21" name="직선 화살표 연결선 20">
+            <a:extLst>
+              <a:ext uri="{FF2B5EF4-FFF2-40B4-BE49-F238E27FC236}">
+                <a16:creationId xmlns:a16="http://schemas.microsoft.com/office/drawing/2014/main" id="{9246AA29-4081-4C95-8A84-2E3220DFD11A}"/>
+              </a:ext>
+            </a:extLst>
+          </p:cNvPr>
+          <p:cNvCxnSpPr>
+            <a:stCxn id="19" idx="1"/>
+          </p:cNvCxnSpPr>
+          <p:nvPr/>
+        </p:nvCxnSpPr>
+        <p:spPr>
+          <a:xfrm flipH="1">
+            <a:off x="7854601" y="2235841"/>
+            <a:ext cx="1840544" cy="545154"/>
+          </a:xfrm>
+          <a:prstGeom prst="straightConnector1">
+            <a:avLst/>
+          </a:prstGeom>
+          <a:ln w="38100">
+            <a:solidFill>
+              <a:srgbClr val="FF0000"/>
+            </a:solidFill>
+            <a:tailEnd type="triangle"/>
+          </a:ln>
+        </p:spPr>
+        <p:style>
+          <a:lnRef idx="1">
+            <a:schemeClr val="accent1"/>
+          </a:lnRef>
+          <a:fillRef idx="0">
+            <a:schemeClr val="accent1"/>
+          </a:fillRef>
+          <a:effectRef idx="0">
+            <a:schemeClr val="accent1"/>
+          </a:effectRef>
+          <a:fontRef idx="minor">
+            <a:schemeClr val="tx1"/>
+          </a:fontRef>
+        </p:style>
+      </p:cxnSp>
+      <p:sp>
+        <p:nvSpPr>
+          <p:cNvPr id="22" name="사각형: 둥근 모서리 21">
+            <a:extLst>
+              <a:ext uri="{FF2B5EF4-FFF2-40B4-BE49-F238E27FC236}">
+                <a16:creationId xmlns:a16="http://schemas.microsoft.com/office/drawing/2014/main" id="{CCF54C58-3DDC-42E0-842C-A11F83C6DABC}"/>
+              </a:ext>
+            </a:extLst>
+          </p:cNvPr>
+          <p:cNvSpPr/>
+          <p:nvPr/>
+        </p:nvSpPr>
+        <p:spPr>
+          <a:xfrm>
+            <a:off x="6226999" y="3549164"/>
+            <a:ext cx="3255204" cy="648005"/>
+          </a:xfrm>
+          <a:prstGeom prst="roundRect">
+            <a:avLst/>
+          </a:prstGeom>
+          <a:noFill/>
+          <a:ln w="28575">
+            <a:solidFill>
+              <a:srgbClr val="FF0000"/>
+            </a:solidFill>
+          </a:ln>
+        </p:spPr>
+        <p:style>
+          <a:lnRef idx="2">
+            <a:schemeClr val="accent1">
+              <a:shade val="50000"/>
+            </a:schemeClr>
+          </a:lnRef>
+          <a:fillRef idx="1">
+            <a:schemeClr val="accent1"/>
+          </a:fillRef>
+          <a:effectRef idx="0">
+            <a:schemeClr val="accent1"/>
+          </a:effectRef>
+          <a:fontRef idx="minor">
+            <a:schemeClr val="lt1"/>
+          </a:fontRef>
+        </p:style>
+        <p:txBody>
+          <a:bodyPr rtlCol="0" anchor="ctr"/>
+          <a:lstStyle/>
+          <a:p>
+            <a:pPr algn="ctr"/>
+            <a:endParaRPr lang="ko-KR" altLang="en-US" dirty="0"/>
+          </a:p>
+        </p:txBody>
+      </p:sp>
+      <p:sp>
+        <p:nvSpPr>
+          <p:cNvPr id="23" name="TextBox 22">
+            <a:extLst>
+              <a:ext uri="{FF2B5EF4-FFF2-40B4-BE49-F238E27FC236}">
+                <a16:creationId xmlns:a16="http://schemas.microsoft.com/office/drawing/2014/main" id="{7458BF5E-C796-432B-BA10-832FF8918DE8}"/>
+              </a:ext>
+            </a:extLst>
+          </p:cNvPr>
+          <p:cNvSpPr txBox="1"/>
+          <p:nvPr/>
+        </p:nvSpPr>
+        <p:spPr>
+          <a:xfrm>
+            <a:off x="9812913" y="3561689"/>
+            <a:ext cx="2191626" cy="369332"/>
+          </a:xfrm>
+          <a:prstGeom prst="rect">
+            <a:avLst/>
+          </a:prstGeom>
+          <a:noFill/>
+        </p:spPr>
+        <p:txBody>
+          <a:bodyPr wrap="none" rtlCol="0">
+            <a:spAutoFit/>
+          </a:bodyPr>
+          <a:lstStyle/>
+          <a:p>
+            <a:r>
+              <a:rPr lang="ko-KR" altLang="en-US" dirty="0"/>
+              <a:t>개인 </a:t>
+            </a:r>
+            <a:r>
+              <a:rPr lang="en-US" altLang="ko-KR" dirty="0"/>
+              <a:t>ID</a:t>
+            </a:r>
+            <a:r>
+              <a:rPr lang="ko-KR" altLang="en-US" dirty="0"/>
+              <a:t>와 패스워드</a:t>
+            </a:r>
+          </a:p>
+        </p:txBody>
+      </p:sp>
+      <p:cxnSp>
+        <p:nvCxnSpPr>
+          <p:cNvPr id="24" name="직선 화살표 연결선 23">
+            <a:extLst>
+              <a:ext uri="{FF2B5EF4-FFF2-40B4-BE49-F238E27FC236}">
+                <a16:creationId xmlns:a16="http://schemas.microsoft.com/office/drawing/2014/main" id="{2864AAA7-8479-45B6-9EFC-7AC0DC7A0C64}"/>
+              </a:ext>
+            </a:extLst>
+          </p:cNvPr>
+          <p:cNvCxnSpPr>
+            <a:cxnSpLocks/>
+          </p:cNvCxnSpPr>
+          <p:nvPr/>
+        </p:nvCxnSpPr>
+        <p:spPr>
+          <a:xfrm flipH="1">
+            <a:off x="9256734" y="3746355"/>
+            <a:ext cx="544491" cy="126811"/>
+          </a:xfrm>
+          <a:prstGeom prst="straightConnector1">
+            <a:avLst/>
+          </a:prstGeom>
+          <a:ln w="38100">
+            <a:solidFill>
+              <a:srgbClr val="FF0000"/>
+            </a:solidFill>
+            <a:tailEnd type="triangle"/>
+          </a:ln>
+        </p:spPr>
+        <p:style>
+          <a:lnRef idx="1">
+            <a:schemeClr val="accent1"/>
+          </a:lnRef>
+          <a:fillRef idx="0">
+            <a:schemeClr val="accent1"/>
+          </a:fillRef>
+          <a:effectRef idx="0">
+            <a:schemeClr val="accent1"/>
+          </a:effectRef>
+          <a:fontRef idx="minor">
+            <a:schemeClr val="tx1"/>
+          </a:fontRef>
+        </p:style>
+      </p:cxnSp>
+      <p:sp>
+        <p:nvSpPr>
+          <p:cNvPr id="26" name="사각형: 둥근 모서리 25">
+            <a:extLst>
+              <a:ext uri="{FF2B5EF4-FFF2-40B4-BE49-F238E27FC236}">
+                <a16:creationId xmlns:a16="http://schemas.microsoft.com/office/drawing/2014/main" id="{EA10FECD-58D6-4951-A791-0776533CAB7A}"/>
+              </a:ext>
+            </a:extLst>
+          </p:cNvPr>
+          <p:cNvSpPr/>
+          <p:nvPr/>
+        </p:nvSpPr>
+        <p:spPr>
+          <a:xfrm>
+            <a:off x="7629132" y="5806179"/>
+            <a:ext cx="1737464" cy="648005"/>
+          </a:xfrm>
+          <a:prstGeom prst="roundRect">
+            <a:avLst/>
+          </a:prstGeom>
+          <a:noFill/>
+          <a:ln w="28575">
+            <a:solidFill>
+              <a:srgbClr val="FF0000"/>
+            </a:solidFill>
+          </a:ln>
+        </p:spPr>
+        <p:style>
+          <a:lnRef idx="2">
+            <a:schemeClr val="accent1">
+              <a:shade val="50000"/>
+            </a:schemeClr>
+          </a:lnRef>
+          <a:fillRef idx="1">
+            <a:schemeClr val="accent1"/>
+          </a:fillRef>
+          <a:effectRef idx="0">
+            <a:schemeClr val="accent1"/>
+          </a:effectRef>
+          <a:fontRef idx="minor">
+            <a:schemeClr val="lt1"/>
+          </a:fontRef>
+        </p:style>
+        <p:txBody>
+          <a:bodyPr rtlCol="0" anchor="ctr"/>
+          <a:lstStyle/>
+          <a:p>
+            <a:pPr algn="ctr"/>
+            <a:endParaRPr lang="ko-KR" altLang="en-US" dirty="0"/>
+          </a:p>
+        </p:txBody>
+      </p:sp>
+    </p:spTree>
+    <p:extLst>
+      <p:ext uri="{BB962C8B-B14F-4D97-AF65-F5344CB8AC3E}">
+        <p14:creationId xmlns:p14="http://schemas.microsoft.com/office/powerpoint/2010/main" val="1232133334"/>
       </p:ext>
     </p:extLst>
   </p:cSld>
@@ -13441,6 +15457,812 @@
     <p:extLst>
       <p:ext uri="{BB962C8B-B14F-4D97-AF65-F5344CB8AC3E}">
         <p14:creationId xmlns:p14="http://schemas.microsoft.com/office/powerpoint/2010/main" val="1899876447"/>
+      </p:ext>
+    </p:extLst>
+  </p:cSld>
+  <p:clrMapOvr>
+    <a:masterClrMapping/>
+  </p:clrMapOvr>
+</p:sld>
+</file>
+
+<file path=ppt/slides/slide30.xml><?xml version="1.0" encoding="utf-8"?>
+<p:sld xmlns:a="http://schemas.openxmlformats.org/drawingml/2006/main" xmlns:r="http://schemas.openxmlformats.org/officeDocument/2006/relationships" xmlns:p="http://schemas.openxmlformats.org/presentationml/2006/main">
+  <p:cSld>
+    <p:spTree>
+      <p:nvGrpSpPr>
+        <p:cNvPr id="1" name=""/>
+        <p:cNvGrpSpPr/>
+        <p:nvPr/>
+      </p:nvGrpSpPr>
+      <p:grpSpPr>
+        <a:xfrm>
+          <a:off x="0" y="0"/>
+          <a:ext cx="0" cy="0"/>
+          <a:chOff x="0" y="0"/>
+          <a:chExt cx="0" cy="0"/>
+        </a:xfrm>
+      </p:grpSpPr>
+      <p:sp>
+        <p:nvSpPr>
+          <p:cNvPr id="2" name="제목 1">
+            <a:extLst>
+              <a:ext uri="{FF2B5EF4-FFF2-40B4-BE49-F238E27FC236}">
+                <a16:creationId xmlns:a16="http://schemas.microsoft.com/office/drawing/2014/main" id="{0BBD75FB-0799-4EB1-9AD7-C68E11797971}"/>
+              </a:ext>
+            </a:extLst>
+          </p:cNvPr>
+          <p:cNvSpPr>
+            <a:spLocks noGrp="1"/>
+          </p:cNvSpPr>
+          <p:nvPr>
+            <p:ph type="title"/>
+          </p:nvPr>
+        </p:nvSpPr>
+        <p:spPr/>
+        <p:txBody>
+          <a:bodyPr/>
+          <a:lstStyle/>
+          <a:p>
+            <a:r>
+              <a:rPr lang="en-US" altLang="ko-KR" b="1" dirty="0"/>
+              <a:t>Minetest – </a:t>
+            </a:r>
+            <a:r>
+              <a:rPr lang="ko-KR" altLang="en-US" b="1" dirty="0"/>
+              <a:t>클라이언트 </a:t>
+            </a:r>
+            <a:r>
+              <a:rPr lang="en-US" altLang="ko-KR" b="1" dirty="0"/>
+              <a:t>miney </a:t>
+            </a:r>
+            <a:r>
+              <a:rPr lang="ko-KR" altLang="en-US" b="1" dirty="0"/>
+              <a:t>접속</a:t>
+            </a:r>
+          </a:p>
+        </p:txBody>
+      </p:sp>
+      <p:pic>
+        <p:nvPicPr>
+          <p:cNvPr id="12" name="내용 개체 틀 11">
+            <a:extLst>
+              <a:ext uri="{FF2B5EF4-FFF2-40B4-BE49-F238E27FC236}">
+                <a16:creationId xmlns:a16="http://schemas.microsoft.com/office/drawing/2014/main" id="{8B54A563-EA23-4835-BD22-91BA25807696}"/>
+              </a:ext>
+            </a:extLst>
+          </p:cNvPr>
+          <p:cNvPicPr>
+            <a:picLocks noGrp="1" noChangeAspect="1"/>
+          </p:cNvPicPr>
+          <p:nvPr>
+            <p:ph idx="1"/>
+          </p:nvPr>
+        </p:nvPicPr>
+        <p:blipFill>
+          <a:blip r:embed="rId2"/>
+          <a:stretch>
+            <a:fillRect/>
+          </a:stretch>
+        </p:blipFill>
+        <p:spPr>
+          <a:xfrm>
+            <a:off x="1206847" y="2031775"/>
+            <a:ext cx="9736552" cy="2177913"/>
+          </a:xfrm>
+          <a:prstGeom prst="rect">
+            <a:avLst/>
+          </a:prstGeom>
+        </p:spPr>
+      </p:pic>
+      <p:cxnSp>
+        <p:nvCxnSpPr>
+          <p:cNvPr id="4" name="직선 연결선 3">
+            <a:extLst>
+              <a:ext uri="{FF2B5EF4-FFF2-40B4-BE49-F238E27FC236}">
+                <a16:creationId xmlns:a16="http://schemas.microsoft.com/office/drawing/2014/main" id="{EE01682E-4EC3-491F-A46B-0EACC9713D73}"/>
+              </a:ext>
+            </a:extLst>
+          </p:cNvPr>
+          <p:cNvCxnSpPr>
+            <a:cxnSpLocks/>
+          </p:cNvCxnSpPr>
+          <p:nvPr/>
+        </p:nvCxnSpPr>
+        <p:spPr>
+          <a:xfrm>
+            <a:off x="463463" y="1565753"/>
+            <a:ext cx="1402915" cy="0"/>
+          </a:xfrm>
+          <a:prstGeom prst="line">
+            <a:avLst/>
+          </a:prstGeom>
+          <a:ln w="57150">
+            <a:solidFill>
+              <a:srgbClr val="00B050"/>
+            </a:solidFill>
+          </a:ln>
+        </p:spPr>
+        <p:style>
+          <a:lnRef idx="1">
+            <a:schemeClr val="accent1"/>
+          </a:lnRef>
+          <a:fillRef idx="0">
+            <a:schemeClr val="accent1"/>
+          </a:fillRef>
+          <a:effectRef idx="0">
+            <a:schemeClr val="accent1"/>
+          </a:effectRef>
+          <a:fontRef idx="minor">
+            <a:schemeClr val="tx1"/>
+          </a:fontRef>
+        </p:style>
+      </p:cxnSp>
+      <p:cxnSp>
+        <p:nvCxnSpPr>
+          <p:cNvPr id="5" name="직선 연결선 4">
+            <a:extLst>
+              <a:ext uri="{FF2B5EF4-FFF2-40B4-BE49-F238E27FC236}">
+                <a16:creationId xmlns:a16="http://schemas.microsoft.com/office/drawing/2014/main" id="{ABC6680E-470B-45C4-B289-7A0EF67ED7E0}"/>
+              </a:ext>
+            </a:extLst>
+          </p:cNvPr>
+          <p:cNvCxnSpPr>
+            <a:cxnSpLocks/>
+          </p:cNvCxnSpPr>
+          <p:nvPr/>
+        </p:nvCxnSpPr>
+        <p:spPr>
+          <a:xfrm>
+            <a:off x="1866378" y="1565753"/>
+            <a:ext cx="1402915" cy="0"/>
+          </a:xfrm>
+          <a:prstGeom prst="line">
+            <a:avLst/>
+          </a:prstGeom>
+          <a:ln w="57150">
+            <a:solidFill>
+              <a:schemeClr val="accent2">
+                <a:lumMod val="75000"/>
+              </a:schemeClr>
+            </a:solidFill>
+          </a:ln>
+        </p:spPr>
+        <p:style>
+          <a:lnRef idx="1">
+            <a:schemeClr val="accent1"/>
+          </a:lnRef>
+          <a:fillRef idx="0">
+            <a:schemeClr val="accent1"/>
+          </a:fillRef>
+          <a:effectRef idx="0">
+            <a:schemeClr val="accent1"/>
+          </a:effectRef>
+          <a:fontRef idx="minor">
+            <a:schemeClr val="tx1"/>
+          </a:fontRef>
+        </p:style>
+      </p:cxnSp>
+      <p:cxnSp>
+        <p:nvCxnSpPr>
+          <p:cNvPr id="6" name="직선 연결선 5">
+            <a:extLst>
+              <a:ext uri="{FF2B5EF4-FFF2-40B4-BE49-F238E27FC236}">
+                <a16:creationId xmlns:a16="http://schemas.microsoft.com/office/drawing/2014/main" id="{3678CCF4-4AC3-4139-92E5-55722C3E7751}"/>
+              </a:ext>
+            </a:extLst>
+          </p:cNvPr>
+          <p:cNvCxnSpPr>
+            <a:cxnSpLocks/>
+          </p:cNvCxnSpPr>
+          <p:nvPr/>
+        </p:nvCxnSpPr>
+        <p:spPr>
+          <a:xfrm>
+            <a:off x="3269293" y="1565753"/>
+            <a:ext cx="1402915" cy="0"/>
+          </a:xfrm>
+          <a:prstGeom prst="line">
+            <a:avLst/>
+          </a:prstGeom>
+          <a:ln w="57150">
+            <a:solidFill>
+              <a:srgbClr val="FFC000"/>
+            </a:solidFill>
+          </a:ln>
+        </p:spPr>
+        <p:style>
+          <a:lnRef idx="1">
+            <a:schemeClr val="accent1"/>
+          </a:lnRef>
+          <a:fillRef idx="0">
+            <a:schemeClr val="accent1"/>
+          </a:fillRef>
+          <a:effectRef idx="0">
+            <a:schemeClr val="accent1"/>
+          </a:effectRef>
+          <a:fontRef idx="minor">
+            <a:schemeClr val="tx1"/>
+          </a:fontRef>
+        </p:style>
+      </p:cxnSp>
+      <p:cxnSp>
+        <p:nvCxnSpPr>
+          <p:cNvPr id="7" name="직선 연결선 6">
+            <a:extLst>
+              <a:ext uri="{FF2B5EF4-FFF2-40B4-BE49-F238E27FC236}">
+                <a16:creationId xmlns:a16="http://schemas.microsoft.com/office/drawing/2014/main" id="{9FF08141-38ED-4F86-86A9-757547A2479E}"/>
+              </a:ext>
+            </a:extLst>
+          </p:cNvPr>
+          <p:cNvCxnSpPr>
+            <a:cxnSpLocks/>
+          </p:cNvCxnSpPr>
+          <p:nvPr/>
+        </p:nvCxnSpPr>
+        <p:spPr>
+          <a:xfrm>
+            <a:off x="4672208" y="1565753"/>
+            <a:ext cx="1402915" cy="0"/>
+          </a:xfrm>
+          <a:prstGeom prst="line">
+            <a:avLst/>
+          </a:prstGeom>
+          <a:ln w="57150">
+            <a:solidFill>
+              <a:schemeClr val="accent4">
+                <a:lumMod val="75000"/>
+              </a:schemeClr>
+            </a:solidFill>
+          </a:ln>
+        </p:spPr>
+        <p:style>
+          <a:lnRef idx="1">
+            <a:schemeClr val="accent1"/>
+          </a:lnRef>
+          <a:fillRef idx="0">
+            <a:schemeClr val="accent1"/>
+          </a:fillRef>
+          <a:effectRef idx="0">
+            <a:schemeClr val="accent1"/>
+          </a:effectRef>
+          <a:fontRef idx="minor">
+            <a:schemeClr val="tx1"/>
+          </a:fontRef>
+        </p:style>
+      </p:cxnSp>
+      <p:cxnSp>
+        <p:nvCxnSpPr>
+          <p:cNvPr id="8" name="직선 연결선 7">
+            <a:extLst>
+              <a:ext uri="{FF2B5EF4-FFF2-40B4-BE49-F238E27FC236}">
+                <a16:creationId xmlns:a16="http://schemas.microsoft.com/office/drawing/2014/main" id="{62A6EC5E-008F-4227-A299-34A564C6B4DE}"/>
+              </a:ext>
+            </a:extLst>
+          </p:cNvPr>
+          <p:cNvCxnSpPr>
+            <a:cxnSpLocks/>
+          </p:cNvCxnSpPr>
+          <p:nvPr/>
+        </p:nvCxnSpPr>
+        <p:spPr>
+          <a:xfrm>
+            <a:off x="6075123" y="1565753"/>
+            <a:ext cx="1402915" cy="0"/>
+          </a:xfrm>
+          <a:prstGeom prst="line">
+            <a:avLst/>
+          </a:prstGeom>
+          <a:ln w="57150">
+            <a:solidFill>
+              <a:srgbClr val="FF0000"/>
+            </a:solidFill>
+          </a:ln>
+        </p:spPr>
+        <p:style>
+          <a:lnRef idx="1">
+            <a:schemeClr val="accent1"/>
+          </a:lnRef>
+          <a:fillRef idx="0">
+            <a:schemeClr val="accent1"/>
+          </a:fillRef>
+          <a:effectRef idx="0">
+            <a:schemeClr val="accent1"/>
+          </a:effectRef>
+          <a:fontRef idx="minor">
+            <a:schemeClr val="tx1"/>
+          </a:fontRef>
+        </p:style>
+      </p:cxnSp>
+      <p:cxnSp>
+        <p:nvCxnSpPr>
+          <p:cNvPr id="9" name="직선 연결선 8">
+            <a:extLst>
+              <a:ext uri="{FF2B5EF4-FFF2-40B4-BE49-F238E27FC236}">
+                <a16:creationId xmlns:a16="http://schemas.microsoft.com/office/drawing/2014/main" id="{73BE4EC4-D5AB-43B6-99B8-20CC507C817B}"/>
+              </a:ext>
+            </a:extLst>
+          </p:cNvPr>
+          <p:cNvCxnSpPr>
+            <a:cxnSpLocks/>
+          </p:cNvCxnSpPr>
+          <p:nvPr/>
+        </p:nvCxnSpPr>
+        <p:spPr>
+          <a:xfrm>
+            <a:off x="7478038" y="1565753"/>
+            <a:ext cx="1402915" cy="0"/>
+          </a:xfrm>
+          <a:prstGeom prst="line">
+            <a:avLst/>
+          </a:prstGeom>
+          <a:ln w="57150">
+            <a:solidFill>
+              <a:srgbClr val="92D050"/>
+            </a:solidFill>
+          </a:ln>
+        </p:spPr>
+        <p:style>
+          <a:lnRef idx="1">
+            <a:schemeClr val="accent1"/>
+          </a:lnRef>
+          <a:fillRef idx="0">
+            <a:schemeClr val="accent1"/>
+          </a:fillRef>
+          <a:effectRef idx="0">
+            <a:schemeClr val="accent1"/>
+          </a:effectRef>
+          <a:fontRef idx="minor">
+            <a:schemeClr val="tx1"/>
+          </a:fontRef>
+        </p:style>
+      </p:cxnSp>
+      <p:cxnSp>
+        <p:nvCxnSpPr>
+          <p:cNvPr id="10" name="직선 연결선 9">
+            <a:extLst>
+              <a:ext uri="{FF2B5EF4-FFF2-40B4-BE49-F238E27FC236}">
+                <a16:creationId xmlns:a16="http://schemas.microsoft.com/office/drawing/2014/main" id="{D23B7696-E162-4DC6-9E5C-29744AE86C94}"/>
+              </a:ext>
+            </a:extLst>
+          </p:cNvPr>
+          <p:cNvCxnSpPr>
+            <a:cxnSpLocks/>
+          </p:cNvCxnSpPr>
+          <p:nvPr/>
+        </p:nvCxnSpPr>
+        <p:spPr>
+          <a:xfrm>
+            <a:off x="8880953" y="1565753"/>
+            <a:ext cx="1402915" cy="0"/>
+          </a:xfrm>
+          <a:prstGeom prst="line">
+            <a:avLst/>
+          </a:prstGeom>
+          <a:ln w="57150">
+            <a:solidFill>
+              <a:schemeClr val="bg2">
+                <a:lumMod val="50000"/>
+              </a:schemeClr>
+            </a:solidFill>
+          </a:ln>
+        </p:spPr>
+        <p:style>
+          <a:lnRef idx="1">
+            <a:schemeClr val="accent1"/>
+          </a:lnRef>
+          <a:fillRef idx="0">
+            <a:schemeClr val="accent1"/>
+          </a:fillRef>
+          <a:effectRef idx="0">
+            <a:schemeClr val="accent1"/>
+          </a:effectRef>
+          <a:fontRef idx="minor">
+            <a:schemeClr val="tx1"/>
+          </a:fontRef>
+        </p:style>
+      </p:cxnSp>
+      <p:cxnSp>
+        <p:nvCxnSpPr>
+          <p:cNvPr id="11" name="직선 연결선 10">
+            <a:extLst>
+              <a:ext uri="{FF2B5EF4-FFF2-40B4-BE49-F238E27FC236}">
+                <a16:creationId xmlns:a16="http://schemas.microsoft.com/office/drawing/2014/main" id="{AD5A1D01-4DAC-4236-AC37-43914BEDECF3}"/>
+              </a:ext>
+            </a:extLst>
+          </p:cNvPr>
+          <p:cNvCxnSpPr>
+            <a:cxnSpLocks/>
+          </p:cNvCxnSpPr>
+          <p:nvPr/>
+        </p:nvCxnSpPr>
+        <p:spPr>
+          <a:xfrm>
+            <a:off x="10283868" y="1565753"/>
+            <a:ext cx="1402915" cy="0"/>
+          </a:xfrm>
+          <a:prstGeom prst="line">
+            <a:avLst/>
+          </a:prstGeom>
+          <a:ln w="57150">
+            <a:solidFill>
+              <a:schemeClr val="bg1">
+                <a:lumMod val="85000"/>
+              </a:schemeClr>
+            </a:solidFill>
+          </a:ln>
+        </p:spPr>
+        <p:style>
+          <a:lnRef idx="1">
+            <a:schemeClr val="accent1"/>
+          </a:lnRef>
+          <a:fillRef idx="0">
+            <a:schemeClr val="accent1"/>
+          </a:fillRef>
+          <a:effectRef idx="0">
+            <a:schemeClr val="accent1"/>
+          </a:effectRef>
+          <a:fontRef idx="minor">
+            <a:schemeClr val="tx1"/>
+          </a:fontRef>
+        </p:style>
+      </p:cxnSp>
+      <p:cxnSp>
+        <p:nvCxnSpPr>
+          <p:cNvPr id="14" name="직선 연결선 13">
+            <a:extLst>
+              <a:ext uri="{FF2B5EF4-FFF2-40B4-BE49-F238E27FC236}">
+                <a16:creationId xmlns:a16="http://schemas.microsoft.com/office/drawing/2014/main" id="{695E6868-ABC2-4A9F-88AB-FBA4BDFD5F0F}"/>
+              </a:ext>
+            </a:extLst>
+          </p:cNvPr>
+          <p:cNvCxnSpPr/>
+          <p:nvPr/>
+        </p:nvCxnSpPr>
+        <p:spPr>
+          <a:xfrm>
+            <a:off x="4399472" y="4209688"/>
+            <a:ext cx="2139351" cy="0"/>
+          </a:xfrm>
+          <a:prstGeom prst="line">
+            <a:avLst/>
+          </a:prstGeom>
+        </p:spPr>
+        <p:style>
+          <a:lnRef idx="1">
+            <a:schemeClr val="accent1"/>
+          </a:lnRef>
+          <a:fillRef idx="0">
+            <a:schemeClr val="accent1"/>
+          </a:fillRef>
+          <a:effectRef idx="0">
+            <a:schemeClr val="accent1"/>
+          </a:effectRef>
+          <a:fontRef idx="minor">
+            <a:schemeClr val="tx1"/>
+          </a:fontRef>
+        </p:style>
+      </p:cxnSp>
+      <p:sp>
+        <p:nvSpPr>
+          <p:cNvPr id="15" name="TextBox 14">
+            <a:extLst>
+              <a:ext uri="{FF2B5EF4-FFF2-40B4-BE49-F238E27FC236}">
+                <a16:creationId xmlns:a16="http://schemas.microsoft.com/office/drawing/2014/main" id="{961C4550-DAAF-4101-B375-F3FD5CDDC2EA}"/>
+              </a:ext>
+            </a:extLst>
+          </p:cNvPr>
+          <p:cNvSpPr txBox="1"/>
+          <p:nvPr/>
+        </p:nvSpPr>
+        <p:spPr>
+          <a:xfrm>
+            <a:off x="4637702" y="4726354"/>
+            <a:ext cx="1465466" cy="369332"/>
+          </a:xfrm>
+          <a:prstGeom prst="rect">
+            <a:avLst/>
+          </a:prstGeom>
+          <a:noFill/>
+        </p:spPr>
+        <p:txBody>
+          <a:bodyPr wrap="none" rtlCol="0">
+            <a:spAutoFit/>
+          </a:bodyPr>
+          <a:lstStyle/>
+          <a:p>
+            <a:r>
+              <a:rPr lang="ko-KR" altLang="en-US" dirty="0"/>
+              <a:t>서버 </a:t>
+            </a:r>
+            <a:r>
+              <a:rPr lang="en-US" altLang="ko-KR" dirty="0"/>
+              <a:t>IP </a:t>
+            </a:r>
+            <a:r>
+              <a:rPr lang="ko-KR" altLang="en-US" dirty="0"/>
+              <a:t>주소</a:t>
+            </a:r>
+          </a:p>
+        </p:txBody>
+      </p:sp>
+      <p:cxnSp>
+        <p:nvCxnSpPr>
+          <p:cNvPr id="17" name="직선 연결선 16">
+            <a:extLst>
+              <a:ext uri="{FF2B5EF4-FFF2-40B4-BE49-F238E27FC236}">
+                <a16:creationId xmlns:a16="http://schemas.microsoft.com/office/drawing/2014/main" id="{94722192-9F16-4DAB-BC9B-8915A30E00DC}"/>
+              </a:ext>
+            </a:extLst>
+          </p:cNvPr>
+          <p:cNvCxnSpPr/>
+          <p:nvPr/>
+        </p:nvCxnSpPr>
+        <p:spPr>
+          <a:xfrm>
+            <a:off x="7108166" y="4366109"/>
+            <a:ext cx="1071329" cy="0"/>
+          </a:xfrm>
+          <a:prstGeom prst="line">
+            <a:avLst/>
+          </a:prstGeom>
+        </p:spPr>
+        <p:style>
+          <a:lnRef idx="1">
+            <a:schemeClr val="accent1"/>
+          </a:lnRef>
+          <a:fillRef idx="0">
+            <a:schemeClr val="accent1"/>
+          </a:fillRef>
+          <a:effectRef idx="0">
+            <a:schemeClr val="accent1"/>
+          </a:effectRef>
+          <a:fontRef idx="minor">
+            <a:schemeClr val="tx1"/>
+          </a:fontRef>
+        </p:style>
+      </p:cxnSp>
+      <p:sp>
+        <p:nvSpPr>
+          <p:cNvPr id="18" name="TextBox 17">
+            <a:extLst>
+              <a:ext uri="{FF2B5EF4-FFF2-40B4-BE49-F238E27FC236}">
+                <a16:creationId xmlns:a16="http://schemas.microsoft.com/office/drawing/2014/main" id="{26AE82CC-E013-43A2-9E38-978129DFDAE3}"/>
+              </a:ext>
+            </a:extLst>
+          </p:cNvPr>
+          <p:cNvSpPr txBox="1"/>
+          <p:nvPr/>
+        </p:nvSpPr>
+        <p:spPr>
+          <a:xfrm>
+            <a:off x="6778849" y="4735441"/>
+            <a:ext cx="1729961" cy="369332"/>
+          </a:xfrm>
+          <a:prstGeom prst="rect">
+            <a:avLst/>
+          </a:prstGeom>
+          <a:noFill/>
+        </p:spPr>
+        <p:txBody>
+          <a:bodyPr wrap="none" rtlCol="0">
+            <a:spAutoFit/>
+          </a:bodyPr>
+          <a:lstStyle/>
+          <a:p>
+            <a:r>
+              <a:rPr lang="ko-KR" altLang="en-US" dirty="0"/>
+              <a:t>서버 관리자 </a:t>
+            </a:r>
+            <a:r>
+              <a:rPr lang="en-US" altLang="ko-KR" dirty="0"/>
+              <a:t>ID</a:t>
+            </a:r>
+            <a:endParaRPr lang="ko-KR" altLang="en-US" dirty="0"/>
+          </a:p>
+        </p:txBody>
+      </p:sp>
+      <p:cxnSp>
+        <p:nvCxnSpPr>
+          <p:cNvPr id="20" name="직선 화살표 연결선 19">
+            <a:extLst>
+              <a:ext uri="{FF2B5EF4-FFF2-40B4-BE49-F238E27FC236}">
+                <a16:creationId xmlns:a16="http://schemas.microsoft.com/office/drawing/2014/main" id="{0A421367-C268-4F4F-93FE-7AF51BD424E2}"/>
+              </a:ext>
+            </a:extLst>
+          </p:cNvPr>
+          <p:cNvCxnSpPr>
+            <a:endCxn id="18" idx="0"/>
+          </p:cNvCxnSpPr>
+          <p:nvPr/>
+        </p:nvCxnSpPr>
+        <p:spPr>
+          <a:xfrm>
+            <a:off x="7643829" y="4366109"/>
+            <a:ext cx="1" cy="369332"/>
+          </a:xfrm>
+          <a:prstGeom prst="straightConnector1">
+            <a:avLst/>
+          </a:prstGeom>
+          <a:ln>
+            <a:tailEnd type="triangle"/>
+          </a:ln>
+        </p:spPr>
+        <p:style>
+          <a:lnRef idx="1">
+            <a:schemeClr val="accent1"/>
+          </a:lnRef>
+          <a:fillRef idx="0">
+            <a:schemeClr val="accent1"/>
+          </a:fillRef>
+          <a:effectRef idx="0">
+            <a:schemeClr val="accent1"/>
+          </a:effectRef>
+          <a:fontRef idx="minor">
+            <a:schemeClr val="tx1"/>
+          </a:fontRef>
+        </p:style>
+      </p:cxnSp>
+      <p:cxnSp>
+        <p:nvCxnSpPr>
+          <p:cNvPr id="22" name="직선 화살표 연결선 21">
+            <a:extLst>
+              <a:ext uri="{FF2B5EF4-FFF2-40B4-BE49-F238E27FC236}">
+                <a16:creationId xmlns:a16="http://schemas.microsoft.com/office/drawing/2014/main" id="{68FAA751-85BB-42F6-82FC-415C7A8897BF}"/>
+              </a:ext>
+            </a:extLst>
+          </p:cNvPr>
+          <p:cNvCxnSpPr>
+            <a:cxnSpLocks/>
+            <a:endCxn id="15" idx="0"/>
+          </p:cNvCxnSpPr>
+          <p:nvPr/>
+        </p:nvCxnSpPr>
+        <p:spPr>
+          <a:xfrm>
+            <a:off x="5370435" y="4366109"/>
+            <a:ext cx="0" cy="360245"/>
+          </a:xfrm>
+          <a:prstGeom prst="straightConnector1">
+            <a:avLst/>
+          </a:prstGeom>
+          <a:ln>
+            <a:tailEnd type="triangle"/>
+          </a:ln>
+        </p:spPr>
+        <p:style>
+          <a:lnRef idx="1">
+            <a:schemeClr val="accent1"/>
+          </a:lnRef>
+          <a:fillRef idx="0">
+            <a:schemeClr val="accent1"/>
+          </a:fillRef>
+          <a:effectRef idx="0">
+            <a:schemeClr val="accent1"/>
+          </a:effectRef>
+          <a:fontRef idx="minor">
+            <a:schemeClr val="tx1"/>
+          </a:fontRef>
+        </p:style>
+      </p:cxnSp>
+      <p:cxnSp>
+        <p:nvCxnSpPr>
+          <p:cNvPr id="24" name="직선 연결선 23">
+            <a:extLst>
+              <a:ext uri="{FF2B5EF4-FFF2-40B4-BE49-F238E27FC236}">
+                <a16:creationId xmlns:a16="http://schemas.microsoft.com/office/drawing/2014/main" id="{683EDC92-04EA-451A-B2F3-59D751A06A65}"/>
+              </a:ext>
+            </a:extLst>
+          </p:cNvPr>
+          <p:cNvCxnSpPr>
+            <a:cxnSpLocks/>
+          </p:cNvCxnSpPr>
+          <p:nvPr/>
+        </p:nvCxnSpPr>
+        <p:spPr>
+          <a:xfrm>
+            <a:off x="8880953" y="4364041"/>
+            <a:ext cx="677115" cy="0"/>
+          </a:xfrm>
+          <a:prstGeom prst="line">
+            <a:avLst/>
+          </a:prstGeom>
+        </p:spPr>
+        <p:style>
+          <a:lnRef idx="1">
+            <a:schemeClr val="accent1"/>
+          </a:lnRef>
+          <a:fillRef idx="0">
+            <a:schemeClr val="accent1"/>
+          </a:fillRef>
+          <a:effectRef idx="0">
+            <a:schemeClr val="accent1"/>
+          </a:effectRef>
+          <a:fontRef idx="minor">
+            <a:schemeClr val="tx1"/>
+          </a:fontRef>
+        </p:style>
+      </p:cxnSp>
+      <p:cxnSp>
+        <p:nvCxnSpPr>
+          <p:cNvPr id="25" name="직선 화살표 연결선 24">
+            <a:extLst>
+              <a:ext uri="{FF2B5EF4-FFF2-40B4-BE49-F238E27FC236}">
+                <a16:creationId xmlns:a16="http://schemas.microsoft.com/office/drawing/2014/main" id="{8B759A82-C011-4022-B9B6-B06E712E0AFE}"/>
+              </a:ext>
+            </a:extLst>
+          </p:cNvPr>
+          <p:cNvCxnSpPr>
+            <a:cxnSpLocks/>
+          </p:cNvCxnSpPr>
+          <p:nvPr/>
+        </p:nvCxnSpPr>
+        <p:spPr>
+          <a:xfrm>
+            <a:off x="9250821" y="4364041"/>
+            <a:ext cx="0" cy="556065"/>
+          </a:xfrm>
+          <a:prstGeom prst="straightConnector1">
+            <a:avLst/>
+          </a:prstGeom>
+          <a:ln>
+            <a:tailEnd type="triangle"/>
+          </a:ln>
+        </p:spPr>
+        <p:style>
+          <a:lnRef idx="1">
+            <a:schemeClr val="accent1"/>
+          </a:lnRef>
+          <a:fillRef idx="0">
+            <a:schemeClr val="accent1"/>
+          </a:fillRef>
+          <a:effectRef idx="0">
+            <a:schemeClr val="accent1"/>
+          </a:effectRef>
+          <a:fontRef idx="minor">
+            <a:schemeClr val="tx1"/>
+          </a:fontRef>
+        </p:style>
+      </p:cxnSp>
+      <p:sp>
+        <p:nvSpPr>
+          <p:cNvPr id="28" name="TextBox 27">
+            <a:extLst>
+              <a:ext uri="{FF2B5EF4-FFF2-40B4-BE49-F238E27FC236}">
+                <a16:creationId xmlns:a16="http://schemas.microsoft.com/office/drawing/2014/main" id="{D3D383A3-8D08-4068-AAA8-2DCBEA2D747E}"/>
+              </a:ext>
+            </a:extLst>
+          </p:cNvPr>
+          <p:cNvSpPr txBox="1"/>
+          <p:nvPr/>
+        </p:nvSpPr>
+        <p:spPr>
+          <a:xfrm>
+            <a:off x="8508810" y="5074460"/>
+            <a:ext cx="1651414" cy="369332"/>
+          </a:xfrm>
+          <a:prstGeom prst="rect">
+            <a:avLst/>
+          </a:prstGeom>
+          <a:noFill/>
+        </p:spPr>
+        <p:txBody>
+          <a:bodyPr wrap="none" rtlCol="0">
+            <a:spAutoFit/>
+          </a:bodyPr>
+          <a:lstStyle/>
+          <a:p>
+            <a:r>
+              <a:rPr lang="ko-KR" altLang="en-US" dirty="0"/>
+              <a:t>서버 패스워드</a:t>
+            </a:r>
+          </a:p>
+        </p:txBody>
+      </p:sp>
+    </p:spTree>
+    <p:extLst>
+      <p:ext uri="{BB962C8B-B14F-4D97-AF65-F5344CB8AC3E}">
+        <p14:creationId xmlns:p14="http://schemas.microsoft.com/office/powerpoint/2010/main" val="442883906"/>
       </p:ext>
     </p:extLst>
   </p:cSld>
@@ -14630,480 +17452,507 @@
           <a:p>
             <a:r>
               <a:rPr lang="en-US" altLang="ko-KR" b="1" dirty="0"/>
-              <a:t>Minetest  - </a:t>
+              <a:t>Minetest </a:t>
             </a:r>
             <a:r>
               <a:rPr lang="ko-KR" altLang="en-US" b="1" dirty="0"/>
-              <a:t>한글 설정</a:t>
+              <a:t>기본 조작</a:t>
             </a:r>
           </a:p>
         </p:txBody>
       </p:sp>
-      <p:sp>
-        <p:nvSpPr>
-          <p:cNvPr id="3" name="내용 개체 틀 2">
-            <a:extLst>
-              <a:ext uri="{FF2B5EF4-FFF2-40B4-BE49-F238E27FC236}">
-                <a16:creationId xmlns:a16="http://schemas.microsoft.com/office/drawing/2014/main" id="{E9D22F1E-049A-4FEB-AEF1-C90B1011EA69}"/>
-              </a:ext>
-            </a:extLst>
-          </p:cNvPr>
-          <p:cNvSpPr>
-            <a:spLocks noGrp="1"/>
-          </p:cNvSpPr>
+      <p:cxnSp>
+        <p:nvCxnSpPr>
+          <p:cNvPr id="4" name="직선 연결선 3">
+            <a:extLst>
+              <a:ext uri="{FF2B5EF4-FFF2-40B4-BE49-F238E27FC236}">
+                <a16:creationId xmlns:a16="http://schemas.microsoft.com/office/drawing/2014/main" id="{EE01682E-4EC3-491F-A46B-0EACC9713D73}"/>
+              </a:ext>
+            </a:extLst>
+          </p:cNvPr>
+          <p:cNvCxnSpPr>
+            <a:cxnSpLocks/>
+          </p:cNvCxnSpPr>
+          <p:nvPr/>
+        </p:nvCxnSpPr>
+        <p:spPr>
+          <a:xfrm>
+            <a:off x="463463" y="1565753"/>
+            <a:ext cx="1402915" cy="0"/>
+          </a:xfrm>
+          <a:prstGeom prst="line">
+            <a:avLst/>
+          </a:prstGeom>
+          <a:ln w="57150">
+            <a:solidFill>
+              <a:srgbClr val="00B050"/>
+            </a:solidFill>
+          </a:ln>
+        </p:spPr>
+        <p:style>
+          <a:lnRef idx="1">
+            <a:schemeClr val="accent1"/>
+          </a:lnRef>
+          <a:fillRef idx="0">
+            <a:schemeClr val="accent1"/>
+          </a:fillRef>
+          <a:effectRef idx="0">
+            <a:schemeClr val="accent1"/>
+          </a:effectRef>
+          <a:fontRef idx="minor">
+            <a:schemeClr val="tx1"/>
+          </a:fontRef>
+        </p:style>
+      </p:cxnSp>
+      <p:cxnSp>
+        <p:nvCxnSpPr>
+          <p:cNvPr id="5" name="직선 연결선 4">
+            <a:extLst>
+              <a:ext uri="{FF2B5EF4-FFF2-40B4-BE49-F238E27FC236}">
+                <a16:creationId xmlns:a16="http://schemas.microsoft.com/office/drawing/2014/main" id="{ABC6680E-470B-45C4-B289-7A0EF67ED7E0}"/>
+              </a:ext>
+            </a:extLst>
+          </p:cNvPr>
+          <p:cNvCxnSpPr>
+            <a:cxnSpLocks/>
+          </p:cNvCxnSpPr>
+          <p:nvPr/>
+        </p:nvCxnSpPr>
+        <p:spPr>
+          <a:xfrm>
+            <a:off x="1866378" y="1565753"/>
+            <a:ext cx="1402915" cy="0"/>
+          </a:xfrm>
+          <a:prstGeom prst="line">
+            <a:avLst/>
+          </a:prstGeom>
+          <a:ln w="57150">
+            <a:solidFill>
+              <a:schemeClr val="accent2">
+                <a:lumMod val="75000"/>
+              </a:schemeClr>
+            </a:solidFill>
+          </a:ln>
+        </p:spPr>
+        <p:style>
+          <a:lnRef idx="1">
+            <a:schemeClr val="accent1"/>
+          </a:lnRef>
+          <a:fillRef idx="0">
+            <a:schemeClr val="accent1"/>
+          </a:fillRef>
+          <a:effectRef idx="0">
+            <a:schemeClr val="accent1"/>
+          </a:effectRef>
+          <a:fontRef idx="minor">
+            <a:schemeClr val="tx1"/>
+          </a:fontRef>
+        </p:style>
+      </p:cxnSp>
+      <p:cxnSp>
+        <p:nvCxnSpPr>
+          <p:cNvPr id="6" name="직선 연결선 5">
+            <a:extLst>
+              <a:ext uri="{FF2B5EF4-FFF2-40B4-BE49-F238E27FC236}">
+                <a16:creationId xmlns:a16="http://schemas.microsoft.com/office/drawing/2014/main" id="{3678CCF4-4AC3-4139-92E5-55722C3E7751}"/>
+              </a:ext>
+            </a:extLst>
+          </p:cNvPr>
+          <p:cNvCxnSpPr>
+            <a:cxnSpLocks/>
+          </p:cNvCxnSpPr>
+          <p:nvPr/>
+        </p:nvCxnSpPr>
+        <p:spPr>
+          <a:xfrm>
+            <a:off x="3269293" y="1565753"/>
+            <a:ext cx="1402915" cy="0"/>
+          </a:xfrm>
+          <a:prstGeom prst="line">
+            <a:avLst/>
+          </a:prstGeom>
+          <a:ln w="57150">
+            <a:solidFill>
+              <a:srgbClr val="FFC000"/>
+            </a:solidFill>
+          </a:ln>
+        </p:spPr>
+        <p:style>
+          <a:lnRef idx="1">
+            <a:schemeClr val="accent1"/>
+          </a:lnRef>
+          <a:fillRef idx="0">
+            <a:schemeClr val="accent1"/>
+          </a:fillRef>
+          <a:effectRef idx="0">
+            <a:schemeClr val="accent1"/>
+          </a:effectRef>
+          <a:fontRef idx="minor">
+            <a:schemeClr val="tx1"/>
+          </a:fontRef>
+        </p:style>
+      </p:cxnSp>
+      <p:cxnSp>
+        <p:nvCxnSpPr>
+          <p:cNvPr id="7" name="직선 연결선 6">
+            <a:extLst>
+              <a:ext uri="{FF2B5EF4-FFF2-40B4-BE49-F238E27FC236}">
+                <a16:creationId xmlns:a16="http://schemas.microsoft.com/office/drawing/2014/main" id="{9FF08141-38ED-4F86-86A9-757547A2479E}"/>
+              </a:ext>
+            </a:extLst>
+          </p:cNvPr>
+          <p:cNvCxnSpPr>
+            <a:cxnSpLocks/>
+          </p:cNvCxnSpPr>
+          <p:nvPr/>
+        </p:nvCxnSpPr>
+        <p:spPr>
+          <a:xfrm>
+            <a:off x="4672208" y="1565753"/>
+            <a:ext cx="1402915" cy="0"/>
+          </a:xfrm>
+          <a:prstGeom prst="line">
+            <a:avLst/>
+          </a:prstGeom>
+          <a:ln w="57150">
+            <a:solidFill>
+              <a:schemeClr val="accent4">
+                <a:lumMod val="75000"/>
+              </a:schemeClr>
+            </a:solidFill>
+          </a:ln>
+        </p:spPr>
+        <p:style>
+          <a:lnRef idx="1">
+            <a:schemeClr val="accent1"/>
+          </a:lnRef>
+          <a:fillRef idx="0">
+            <a:schemeClr val="accent1"/>
+          </a:fillRef>
+          <a:effectRef idx="0">
+            <a:schemeClr val="accent1"/>
+          </a:effectRef>
+          <a:fontRef idx="minor">
+            <a:schemeClr val="tx1"/>
+          </a:fontRef>
+        </p:style>
+      </p:cxnSp>
+      <p:cxnSp>
+        <p:nvCxnSpPr>
+          <p:cNvPr id="8" name="직선 연결선 7">
+            <a:extLst>
+              <a:ext uri="{FF2B5EF4-FFF2-40B4-BE49-F238E27FC236}">
+                <a16:creationId xmlns:a16="http://schemas.microsoft.com/office/drawing/2014/main" id="{62A6EC5E-008F-4227-A299-34A564C6B4DE}"/>
+              </a:ext>
+            </a:extLst>
+          </p:cNvPr>
+          <p:cNvCxnSpPr>
+            <a:cxnSpLocks/>
+          </p:cNvCxnSpPr>
+          <p:nvPr/>
+        </p:nvCxnSpPr>
+        <p:spPr>
+          <a:xfrm>
+            <a:off x="6075123" y="1565753"/>
+            <a:ext cx="1402915" cy="0"/>
+          </a:xfrm>
+          <a:prstGeom prst="line">
+            <a:avLst/>
+          </a:prstGeom>
+          <a:ln w="57150">
+            <a:solidFill>
+              <a:srgbClr val="FF0000"/>
+            </a:solidFill>
+          </a:ln>
+        </p:spPr>
+        <p:style>
+          <a:lnRef idx="1">
+            <a:schemeClr val="accent1"/>
+          </a:lnRef>
+          <a:fillRef idx="0">
+            <a:schemeClr val="accent1"/>
+          </a:fillRef>
+          <a:effectRef idx="0">
+            <a:schemeClr val="accent1"/>
+          </a:effectRef>
+          <a:fontRef idx="minor">
+            <a:schemeClr val="tx1"/>
+          </a:fontRef>
+        </p:style>
+      </p:cxnSp>
+      <p:cxnSp>
+        <p:nvCxnSpPr>
+          <p:cNvPr id="9" name="직선 연결선 8">
+            <a:extLst>
+              <a:ext uri="{FF2B5EF4-FFF2-40B4-BE49-F238E27FC236}">
+                <a16:creationId xmlns:a16="http://schemas.microsoft.com/office/drawing/2014/main" id="{73BE4EC4-D5AB-43B6-99B8-20CC507C817B}"/>
+              </a:ext>
+            </a:extLst>
+          </p:cNvPr>
+          <p:cNvCxnSpPr>
+            <a:cxnSpLocks/>
+          </p:cNvCxnSpPr>
+          <p:nvPr/>
+        </p:nvCxnSpPr>
+        <p:spPr>
+          <a:xfrm>
+            <a:off x="7478038" y="1565753"/>
+            <a:ext cx="1402915" cy="0"/>
+          </a:xfrm>
+          <a:prstGeom prst="line">
+            <a:avLst/>
+          </a:prstGeom>
+          <a:ln w="57150">
+            <a:solidFill>
+              <a:srgbClr val="92D050"/>
+            </a:solidFill>
+          </a:ln>
+        </p:spPr>
+        <p:style>
+          <a:lnRef idx="1">
+            <a:schemeClr val="accent1"/>
+          </a:lnRef>
+          <a:fillRef idx="0">
+            <a:schemeClr val="accent1"/>
+          </a:fillRef>
+          <a:effectRef idx="0">
+            <a:schemeClr val="accent1"/>
+          </a:effectRef>
+          <a:fontRef idx="minor">
+            <a:schemeClr val="tx1"/>
+          </a:fontRef>
+        </p:style>
+      </p:cxnSp>
+      <p:cxnSp>
+        <p:nvCxnSpPr>
+          <p:cNvPr id="10" name="직선 연결선 9">
+            <a:extLst>
+              <a:ext uri="{FF2B5EF4-FFF2-40B4-BE49-F238E27FC236}">
+                <a16:creationId xmlns:a16="http://schemas.microsoft.com/office/drawing/2014/main" id="{D23B7696-E162-4DC6-9E5C-29744AE86C94}"/>
+              </a:ext>
+            </a:extLst>
+          </p:cNvPr>
+          <p:cNvCxnSpPr>
+            <a:cxnSpLocks/>
+          </p:cNvCxnSpPr>
+          <p:nvPr/>
+        </p:nvCxnSpPr>
+        <p:spPr>
+          <a:xfrm>
+            <a:off x="8880953" y="1565753"/>
+            <a:ext cx="1402915" cy="0"/>
+          </a:xfrm>
+          <a:prstGeom prst="line">
+            <a:avLst/>
+          </a:prstGeom>
+          <a:ln w="57150">
+            <a:solidFill>
+              <a:schemeClr val="bg2">
+                <a:lumMod val="50000"/>
+              </a:schemeClr>
+            </a:solidFill>
+          </a:ln>
+        </p:spPr>
+        <p:style>
+          <a:lnRef idx="1">
+            <a:schemeClr val="accent1"/>
+          </a:lnRef>
+          <a:fillRef idx="0">
+            <a:schemeClr val="accent1"/>
+          </a:fillRef>
+          <a:effectRef idx="0">
+            <a:schemeClr val="accent1"/>
+          </a:effectRef>
+          <a:fontRef idx="minor">
+            <a:schemeClr val="tx1"/>
+          </a:fontRef>
+        </p:style>
+      </p:cxnSp>
+      <p:cxnSp>
+        <p:nvCxnSpPr>
+          <p:cNvPr id="11" name="직선 연결선 10">
+            <a:extLst>
+              <a:ext uri="{FF2B5EF4-FFF2-40B4-BE49-F238E27FC236}">
+                <a16:creationId xmlns:a16="http://schemas.microsoft.com/office/drawing/2014/main" id="{AD5A1D01-4DAC-4236-AC37-43914BEDECF3}"/>
+              </a:ext>
+            </a:extLst>
+          </p:cNvPr>
+          <p:cNvCxnSpPr>
+            <a:cxnSpLocks/>
+          </p:cNvCxnSpPr>
+          <p:nvPr/>
+        </p:nvCxnSpPr>
+        <p:spPr>
+          <a:xfrm>
+            <a:off x="10283868" y="1565753"/>
+            <a:ext cx="1402915" cy="0"/>
+          </a:xfrm>
+          <a:prstGeom prst="line">
+            <a:avLst/>
+          </a:prstGeom>
+          <a:ln w="57150">
+            <a:solidFill>
+              <a:schemeClr val="bg1">
+                <a:lumMod val="85000"/>
+              </a:schemeClr>
+            </a:solidFill>
+          </a:ln>
+        </p:spPr>
+        <p:style>
+          <a:lnRef idx="1">
+            <a:schemeClr val="accent1"/>
+          </a:lnRef>
+          <a:fillRef idx="0">
+            <a:schemeClr val="accent1"/>
+          </a:fillRef>
+          <a:effectRef idx="0">
+            <a:schemeClr val="accent1"/>
+          </a:effectRef>
+          <a:fontRef idx="minor">
+            <a:schemeClr val="tx1"/>
+          </a:fontRef>
+        </p:style>
+      </p:cxnSp>
+      <p:pic>
+        <p:nvPicPr>
+          <p:cNvPr id="13" name="그림 12">
+            <a:extLst>
+              <a:ext uri="{FF2B5EF4-FFF2-40B4-BE49-F238E27FC236}">
+                <a16:creationId xmlns:a16="http://schemas.microsoft.com/office/drawing/2014/main" id="{ED7EC77F-D200-40C1-A052-93802E0D81DB}"/>
+              </a:ext>
+            </a:extLst>
+          </p:cNvPr>
+          <p:cNvPicPr>
+            <a:picLocks noChangeAspect="1"/>
+          </p:cNvPicPr>
+          <p:nvPr/>
+        </p:nvPicPr>
+        <p:blipFill>
+          <a:blip r:embed="rId2"/>
+          <a:stretch>
+            <a:fillRect/>
+          </a:stretch>
+        </p:blipFill>
+        <p:spPr>
+          <a:xfrm>
+            <a:off x="832171" y="1885300"/>
+            <a:ext cx="7205319" cy="4580788"/>
+          </a:xfrm>
+          <a:prstGeom prst="rect">
+            <a:avLst/>
+          </a:prstGeom>
+          <a:ln w="38100" cap="sq">
+            <a:solidFill>
+              <a:srgbClr val="000000"/>
+            </a:solidFill>
+            <a:prstDash val="solid"/>
+            <a:miter lim="800000"/>
+          </a:ln>
+          <a:effectLst>
+            <a:outerShdw blurRad="50800" dist="38100" dir="2700000" algn="tl" rotWithShape="0">
+              <a:srgbClr val="000000">
+                <a:alpha val="43000"/>
+              </a:srgbClr>
+            </a:outerShdw>
+          </a:effectLst>
+        </p:spPr>
+      </p:pic>
+      <p:pic>
+        <p:nvPicPr>
+          <p:cNvPr id="15" name="그림 14">
+            <a:extLst>
+              <a:ext uri="{FF2B5EF4-FFF2-40B4-BE49-F238E27FC236}">
+                <a16:creationId xmlns:a16="http://schemas.microsoft.com/office/drawing/2014/main" id="{07F65479-91AD-43E3-B97F-F5A8143794D0}"/>
+              </a:ext>
+            </a:extLst>
+          </p:cNvPr>
+          <p:cNvPicPr>
+            <a:picLocks noChangeAspect="1"/>
+          </p:cNvPicPr>
+          <p:nvPr/>
+        </p:nvPicPr>
+        <p:blipFill>
+          <a:blip r:embed="rId3"/>
+          <a:stretch>
+            <a:fillRect/>
+          </a:stretch>
+        </p:blipFill>
+        <p:spPr>
+          <a:xfrm>
+            <a:off x="8179495" y="3993159"/>
+            <a:ext cx="2880288" cy="2472933"/>
+          </a:xfrm>
+          <a:prstGeom prst="rect">
+            <a:avLst/>
+          </a:prstGeom>
+          <a:ln w="38100" cap="sq">
+            <a:solidFill>
+              <a:srgbClr val="000000"/>
+            </a:solidFill>
+            <a:prstDash val="solid"/>
+            <a:miter lim="800000"/>
+          </a:ln>
+          <a:effectLst>
+            <a:outerShdw blurRad="50800" dist="38100" dir="2700000" algn="tl" rotWithShape="0">
+              <a:srgbClr val="000000">
+                <a:alpha val="43000"/>
+              </a:srgbClr>
+            </a:outerShdw>
+          </a:effectLst>
+        </p:spPr>
+      </p:pic>
+      <p:pic>
+        <p:nvPicPr>
+          <p:cNvPr id="12" name="내용 개체 틀 11">
+            <a:extLst>
+              <a:ext uri="{FF2B5EF4-FFF2-40B4-BE49-F238E27FC236}">
+                <a16:creationId xmlns:a16="http://schemas.microsoft.com/office/drawing/2014/main" id="{D2431B63-34B2-4B9F-BE54-5A4F01BC2121}"/>
+              </a:ext>
+            </a:extLst>
+          </p:cNvPr>
+          <p:cNvPicPr>
+            <a:picLocks noGrp="1" noChangeAspect="1"/>
+          </p:cNvPicPr>
           <p:nvPr>
             <p:ph idx="1"/>
           </p:nvPr>
-        </p:nvSpPr>
-        <p:spPr/>
-        <p:txBody>
-          <a:bodyPr/>
-          <a:lstStyle/>
-          <a:p>
-            <a:r>
-              <a:rPr lang="en-US" altLang="ko-KR" dirty="0"/>
-              <a:t>ko.zip</a:t>
-            </a:r>
-            <a:r>
-              <a:rPr lang="ko-KR" altLang="en-US" dirty="0"/>
-              <a:t>  다운로드</a:t>
-            </a:r>
-            <a:endParaRPr lang="en-US" altLang="ko-KR" dirty="0"/>
-          </a:p>
-          <a:p>
-            <a:pPr lvl="1"/>
-            <a:r>
-              <a:rPr lang="en-US" altLang="ko-KR" dirty="0">
-                <a:hlinkClick r:id="rId2"/>
-              </a:rPr>
-              <a:t>GitHub - kig2929kig/</a:t>
-            </a:r>
-            <a:r>
-              <a:rPr lang="en-US" altLang="ko-KR" dirty="0" err="1">
-                <a:hlinkClick r:id="rId2"/>
-              </a:rPr>
-              <a:t>minetest</a:t>
-            </a:r>
-            <a:endParaRPr lang="en-US" altLang="ko-KR" dirty="0"/>
-          </a:p>
-          <a:p>
-            <a:endParaRPr lang="en-US" altLang="ko-KR" dirty="0"/>
-          </a:p>
-          <a:p>
-            <a:r>
-              <a:rPr lang="en-US" altLang="ko-KR" dirty="0"/>
-              <a:t>Minetest</a:t>
-            </a:r>
-            <a:r>
-              <a:rPr lang="ko-KR" altLang="en-US" dirty="0"/>
-              <a:t>의 폴더에서 </a:t>
-            </a:r>
-            <a:r>
-              <a:rPr lang="en-US" altLang="ko-KR" dirty="0"/>
-              <a:t>locale </a:t>
-            </a:r>
-            <a:r>
-              <a:rPr lang="ko-KR" altLang="en-US" dirty="0"/>
-              <a:t>폴더에 </a:t>
-            </a:r>
-            <a:r>
-              <a:rPr lang="en-US" altLang="ko-KR" dirty="0"/>
-              <a:t>ko </a:t>
-            </a:r>
-            <a:r>
-              <a:rPr lang="ko-KR" altLang="en-US" dirty="0"/>
-              <a:t>추가</a:t>
-            </a:r>
-            <a:endParaRPr lang="en-US" altLang="ko-KR" dirty="0"/>
-          </a:p>
-          <a:p>
-            <a:endParaRPr lang="en-US" altLang="ko-KR" dirty="0"/>
-          </a:p>
-          <a:p>
-            <a:r>
-              <a:rPr lang="en-US" altLang="ko-KR" dirty="0"/>
-              <a:t>minetest.conf </a:t>
-            </a:r>
-            <a:r>
-              <a:rPr lang="ko-KR" altLang="en-US" dirty="0"/>
-              <a:t>편집 </a:t>
-            </a:r>
-            <a:r>
-              <a:rPr lang="en-US" altLang="ko-KR" dirty="0"/>
-              <a:t>-&gt; </a:t>
-            </a:r>
-            <a:r>
-              <a:rPr lang="ko-KR" altLang="en-US" dirty="0"/>
-              <a:t>아래 내용 추가</a:t>
-            </a:r>
-            <a:endParaRPr lang="en-US" altLang="ko-KR" dirty="0"/>
-          </a:p>
-          <a:p>
-            <a:endParaRPr lang="en-US" altLang="ko-KR" dirty="0"/>
-          </a:p>
-          <a:p>
-            <a:endParaRPr lang="ko-KR" altLang="en-US" dirty="0"/>
-          </a:p>
-        </p:txBody>
-      </p:sp>
-      <p:cxnSp>
-        <p:nvCxnSpPr>
-          <p:cNvPr id="4" name="직선 연결선 3">
-            <a:extLst>
-              <a:ext uri="{FF2B5EF4-FFF2-40B4-BE49-F238E27FC236}">
-                <a16:creationId xmlns:a16="http://schemas.microsoft.com/office/drawing/2014/main" id="{EE01682E-4EC3-491F-A46B-0EACC9713D73}"/>
-              </a:ext>
-            </a:extLst>
-          </p:cNvPr>
-          <p:cNvCxnSpPr>
-            <a:cxnSpLocks/>
-          </p:cNvCxnSpPr>
-          <p:nvPr/>
-        </p:nvCxnSpPr>
-        <p:spPr>
-          <a:xfrm>
-            <a:off x="463463" y="1565753"/>
-            <a:ext cx="1402915" cy="0"/>
-          </a:xfrm>
-          <a:prstGeom prst="line">
-            <a:avLst/>
-          </a:prstGeom>
-          <a:ln w="57150">
-            <a:solidFill>
-              <a:srgbClr val="00B050"/>
-            </a:solidFill>
-          </a:ln>
-        </p:spPr>
-        <p:style>
-          <a:lnRef idx="1">
-            <a:schemeClr val="accent1"/>
-          </a:lnRef>
-          <a:fillRef idx="0">
-            <a:schemeClr val="accent1"/>
-          </a:fillRef>
-          <a:effectRef idx="0">
-            <a:schemeClr val="accent1"/>
-          </a:effectRef>
-          <a:fontRef idx="minor">
-            <a:schemeClr val="tx1"/>
-          </a:fontRef>
-        </p:style>
-      </p:cxnSp>
-      <p:cxnSp>
-        <p:nvCxnSpPr>
-          <p:cNvPr id="5" name="직선 연결선 4">
-            <a:extLst>
-              <a:ext uri="{FF2B5EF4-FFF2-40B4-BE49-F238E27FC236}">
-                <a16:creationId xmlns:a16="http://schemas.microsoft.com/office/drawing/2014/main" id="{ABC6680E-470B-45C4-B289-7A0EF67ED7E0}"/>
-              </a:ext>
-            </a:extLst>
-          </p:cNvPr>
-          <p:cNvCxnSpPr>
-            <a:cxnSpLocks/>
-          </p:cNvCxnSpPr>
-          <p:nvPr/>
-        </p:nvCxnSpPr>
-        <p:spPr>
-          <a:xfrm>
-            <a:off x="1866378" y="1565753"/>
-            <a:ext cx="1402915" cy="0"/>
-          </a:xfrm>
-          <a:prstGeom prst="line">
-            <a:avLst/>
-          </a:prstGeom>
-          <a:ln w="57150">
-            <a:solidFill>
-              <a:schemeClr val="accent2">
-                <a:lumMod val="75000"/>
-              </a:schemeClr>
-            </a:solidFill>
-          </a:ln>
-        </p:spPr>
-        <p:style>
-          <a:lnRef idx="1">
-            <a:schemeClr val="accent1"/>
-          </a:lnRef>
-          <a:fillRef idx="0">
-            <a:schemeClr val="accent1"/>
-          </a:fillRef>
-          <a:effectRef idx="0">
-            <a:schemeClr val="accent1"/>
-          </a:effectRef>
-          <a:fontRef idx="minor">
-            <a:schemeClr val="tx1"/>
-          </a:fontRef>
-        </p:style>
-      </p:cxnSp>
-      <p:cxnSp>
-        <p:nvCxnSpPr>
-          <p:cNvPr id="6" name="직선 연결선 5">
-            <a:extLst>
-              <a:ext uri="{FF2B5EF4-FFF2-40B4-BE49-F238E27FC236}">
-                <a16:creationId xmlns:a16="http://schemas.microsoft.com/office/drawing/2014/main" id="{3678CCF4-4AC3-4139-92E5-55722C3E7751}"/>
-              </a:ext>
-            </a:extLst>
-          </p:cNvPr>
-          <p:cNvCxnSpPr>
-            <a:cxnSpLocks/>
-          </p:cNvCxnSpPr>
-          <p:nvPr/>
-        </p:nvCxnSpPr>
-        <p:spPr>
-          <a:xfrm>
-            <a:off x="3269293" y="1565753"/>
-            <a:ext cx="1402915" cy="0"/>
-          </a:xfrm>
-          <a:prstGeom prst="line">
-            <a:avLst/>
-          </a:prstGeom>
-          <a:ln w="57150">
-            <a:solidFill>
-              <a:srgbClr val="FFC000"/>
-            </a:solidFill>
-          </a:ln>
-        </p:spPr>
-        <p:style>
-          <a:lnRef idx="1">
-            <a:schemeClr val="accent1"/>
-          </a:lnRef>
-          <a:fillRef idx="0">
-            <a:schemeClr val="accent1"/>
-          </a:fillRef>
-          <a:effectRef idx="0">
-            <a:schemeClr val="accent1"/>
-          </a:effectRef>
-          <a:fontRef idx="minor">
-            <a:schemeClr val="tx1"/>
-          </a:fontRef>
-        </p:style>
-      </p:cxnSp>
-      <p:cxnSp>
-        <p:nvCxnSpPr>
-          <p:cNvPr id="7" name="직선 연결선 6">
-            <a:extLst>
-              <a:ext uri="{FF2B5EF4-FFF2-40B4-BE49-F238E27FC236}">
-                <a16:creationId xmlns:a16="http://schemas.microsoft.com/office/drawing/2014/main" id="{9FF08141-38ED-4F86-86A9-757547A2479E}"/>
-              </a:ext>
-            </a:extLst>
-          </p:cNvPr>
-          <p:cNvCxnSpPr>
-            <a:cxnSpLocks/>
-          </p:cNvCxnSpPr>
-          <p:nvPr/>
-        </p:nvCxnSpPr>
-        <p:spPr>
-          <a:xfrm>
-            <a:off x="4672208" y="1565753"/>
-            <a:ext cx="1402915" cy="0"/>
-          </a:xfrm>
-          <a:prstGeom prst="line">
-            <a:avLst/>
-          </a:prstGeom>
-          <a:ln w="57150">
-            <a:solidFill>
-              <a:schemeClr val="accent4">
-                <a:lumMod val="75000"/>
-              </a:schemeClr>
-            </a:solidFill>
-          </a:ln>
-        </p:spPr>
-        <p:style>
-          <a:lnRef idx="1">
-            <a:schemeClr val="accent1"/>
-          </a:lnRef>
-          <a:fillRef idx="0">
-            <a:schemeClr val="accent1"/>
-          </a:fillRef>
-          <a:effectRef idx="0">
-            <a:schemeClr val="accent1"/>
-          </a:effectRef>
-          <a:fontRef idx="minor">
-            <a:schemeClr val="tx1"/>
-          </a:fontRef>
-        </p:style>
-      </p:cxnSp>
-      <p:cxnSp>
-        <p:nvCxnSpPr>
-          <p:cNvPr id="8" name="직선 연결선 7">
-            <a:extLst>
-              <a:ext uri="{FF2B5EF4-FFF2-40B4-BE49-F238E27FC236}">
-                <a16:creationId xmlns:a16="http://schemas.microsoft.com/office/drawing/2014/main" id="{62A6EC5E-008F-4227-A299-34A564C6B4DE}"/>
-              </a:ext>
-            </a:extLst>
-          </p:cNvPr>
-          <p:cNvCxnSpPr>
-            <a:cxnSpLocks/>
-          </p:cNvCxnSpPr>
-          <p:nvPr/>
-        </p:nvCxnSpPr>
-        <p:spPr>
-          <a:xfrm>
-            <a:off x="6075123" y="1565753"/>
-            <a:ext cx="1402915" cy="0"/>
-          </a:xfrm>
-          <a:prstGeom prst="line">
-            <a:avLst/>
-          </a:prstGeom>
-          <a:ln w="57150">
-            <a:solidFill>
-              <a:srgbClr val="FF0000"/>
-            </a:solidFill>
-          </a:ln>
-        </p:spPr>
-        <p:style>
-          <a:lnRef idx="1">
-            <a:schemeClr val="accent1"/>
-          </a:lnRef>
-          <a:fillRef idx="0">
-            <a:schemeClr val="accent1"/>
-          </a:fillRef>
-          <a:effectRef idx="0">
-            <a:schemeClr val="accent1"/>
-          </a:effectRef>
-          <a:fontRef idx="minor">
-            <a:schemeClr val="tx1"/>
-          </a:fontRef>
-        </p:style>
-      </p:cxnSp>
-      <p:cxnSp>
-        <p:nvCxnSpPr>
-          <p:cNvPr id="9" name="직선 연결선 8">
-            <a:extLst>
-              <a:ext uri="{FF2B5EF4-FFF2-40B4-BE49-F238E27FC236}">
-                <a16:creationId xmlns:a16="http://schemas.microsoft.com/office/drawing/2014/main" id="{73BE4EC4-D5AB-43B6-99B8-20CC507C817B}"/>
-              </a:ext>
-            </a:extLst>
-          </p:cNvPr>
-          <p:cNvCxnSpPr>
-            <a:cxnSpLocks/>
-          </p:cNvCxnSpPr>
-          <p:nvPr/>
-        </p:nvCxnSpPr>
-        <p:spPr>
-          <a:xfrm>
-            <a:off x="7478038" y="1565753"/>
-            <a:ext cx="1402915" cy="0"/>
-          </a:xfrm>
-          <a:prstGeom prst="line">
-            <a:avLst/>
-          </a:prstGeom>
-          <a:ln w="57150">
-            <a:solidFill>
-              <a:srgbClr val="92D050"/>
-            </a:solidFill>
-          </a:ln>
-        </p:spPr>
-        <p:style>
-          <a:lnRef idx="1">
-            <a:schemeClr val="accent1"/>
-          </a:lnRef>
-          <a:fillRef idx="0">
-            <a:schemeClr val="accent1"/>
-          </a:fillRef>
-          <a:effectRef idx="0">
-            <a:schemeClr val="accent1"/>
-          </a:effectRef>
-          <a:fontRef idx="minor">
-            <a:schemeClr val="tx1"/>
-          </a:fontRef>
-        </p:style>
-      </p:cxnSp>
-      <p:cxnSp>
-        <p:nvCxnSpPr>
-          <p:cNvPr id="10" name="직선 연결선 9">
-            <a:extLst>
-              <a:ext uri="{FF2B5EF4-FFF2-40B4-BE49-F238E27FC236}">
-                <a16:creationId xmlns:a16="http://schemas.microsoft.com/office/drawing/2014/main" id="{D23B7696-E162-4DC6-9E5C-29744AE86C94}"/>
-              </a:ext>
-            </a:extLst>
-          </p:cNvPr>
-          <p:cNvCxnSpPr>
-            <a:cxnSpLocks/>
-          </p:cNvCxnSpPr>
-          <p:nvPr/>
-        </p:nvCxnSpPr>
-        <p:spPr>
-          <a:xfrm>
-            <a:off x="8880953" y="1565753"/>
-            <a:ext cx="1402915" cy="0"/>
-          </a:xfrm>
-          <a:prstGeom prst="line">
-            <a:avLst/>
-          </a:prstGeom>
-          <a:ln w="57150">
-            <a:solidFill>
-              <a:schemeClr val="bg2">
-                <a:lumMod val="50000"/>
-              </a:schemeClr>
-            </a:solidFill>
-          </a:ln>
-        </p:spPr>
-        <p:style>
-          <a:lnRef idx="1">
-            <a:schemeClr val="accent1"/>
-          </a:lnRef>
-          <a:fillRef idx="0">
-            <a:schemeClr val="accent1"/>
-          </a:fillRef>
-          <a:effectRef idx="0">
-            <a:schemeClr val="accent1"/>
-          </a:effectRef>
-          <a:fontRef idx="minor">
-            <a:schemeClr val="tx1"/>
-          </a:fontRef>
-        </p:style>
-      </p:cxnSp>
-      <p:cxnSp>
-        <p:nvCxnSpPr>
-          <p:cNvPr id="11" name="직선 연결선 10">
-            <a:extLst>
-              <a:ext uri="{FF2B5EF4-FFF2-40B4-BE49-F238E27FC236}">
-                <a16:creationId xmlns:a16="http://schemas.microsoft.com/office/drawing/2014/main" id="{AD5A1D01-4DAC-4236-AC37-43914BEDECF3}"/>
-              </a:ext>
-            </a:extLst>
-          </p:cNvPr>
-          <p:cNvCxnSpPr>
-            <a:cxnSpLocks/>
-          </p:cNvCxnSpPr>
-          <p:nvPr/>
-        </p:nvCxnSpPr>
-        <p:spPr>
-          <a:xfrm>
-            <a:off x="10283868" y="1565753"/>
-            <a:ext cx="1402915" cy="0"/>
-          </a:xfrm>
-          <a:prstGeom prst="line">
-            <a:avLst/>
-          </a:prstGeom>
-          <a:ln w="57150">
-            <a:solidFill>
-              <a:schemeClr val="bg1">
-                <a:lumMod val="85000"/>
-              </a:schemeClr>
-            </a:solidFill>
-          </a:ln>
-        </p:spPr>
-        <p:style>
-          <a:lnRef idx="1">
-            <a:schemeClr val="accent1"/>
-          </a:lnRef>
-          <a:fillRef idx="0">
-            <a:schemeClr val="accent1"/>
-          </a:fillRef>
-          <a:effectRef idx="0">
-            <a:schemeClr val="accent1"/>
-          </a:effectRef>
-          <a:fontRef idx="minor">
-            <a:schemeClr val="tx1"/>
-          </a:fontRef>
-        </p:style>
-      </p:cxnSp>
+        </p:nvPicPr>
+        <p:blipFill>
+          <a:blip r:embed="rId4"/>
+          <a:stretch>
+            <a:fillRect/>
+          </a:stretch>
+        </p:blipFill>
+        <p:spPr>
+          <a:xfrm>
+            <a:off x="8179494" y="1759626"/>
+            <a:ext cx="2880288" cy="2129196"/>
+          </a:xfrm>
+          <a:prstGeom prst="rect">
+            <a:avLst/>
+          </a:prstGeom>
+          <a:ln w="38100" cap="sq">
+            <a:solidFill>
+              <a:srgbClr val="000000"/>
+            </a:solidFill>
+            <a:prstDash val="solid"/>
+            <a:miter lim="800000"/>
+          </a:ln>
+          <a:effectLst>
+            <a:outerShdw blurRad="50800" dist="38100" dir="2700000" algn="tl" rotWithShape="0">
+              <a:srgbClr val="000000">
+                <a:alpha val="43000"/>
+              </a:srgbClr>
+            </a:outerShdw>
+          </a:effectLst>
+        </p:spPr>
+      </p:pic>
       <p:pic>
         <p:nvPicPr>
-          <p:cNvPr id="14" name="그림 13">
-            <a:extLst>
-              <a:ext uri="{FF2B5EF4-FFF2-40B4-BE49-F238E27FC236}">
-                <a16:creationId xmlns:a16="http://schemas.microsoft.com/office/drawing/2014/main" id="{FEF7505B-124F-489F-B221-45DCAE4C45C2}"/>
+          <p:cNvPr id="16" name="그림 15">
+            <a:extLst>
+              <a:ext uri="{FF2B5EF4-FFF2-40B4-BE49-F238E27FC236}">
+                <a16:creationId xmlns:a16="http://schemas.microsoft.com/office/drawing/2014/main" id="{83C8405E-4AC6-41B3-B5E5-5770649994FF}"/>
               </a:ext>
             </a:extLst>
           </p:cNvPr>
@@ -15113,24 +17962,38 @@
           <p:nvPr/>
         </p:nvPicPr>
         <p:blipFill rotWithShape="1">
-          <a:blip r:embed="rId3"/>
-          <a:srcRect l="1140" b="13909"/>
+          <a:blip r:embed="rId5"/>
+          <a:srcRect l="1" t="7861" r="2011"/>
           <a:stretch/>
         </p:blipFill>
         <p:spPr>
           <a:xfrm>
-            <a:off x="1383285" y="4843537"/>
-            <a:ext cx="9383675" cy="656116"/>
+            <a:off x="5948022" y="2302876"/>
+            <a:ext cx="1941352" cy="509019"/>
           </a:xfrm>
           <a:prstGeom prst="rect">
             <a:avLst/>
           </a:prstGeom>
+          <a:ln w="38100" cap="sq">
+            <a:solidFill>
+              <a:srgbClr val="000000"/>
+            </a:solidFill>
+            <a:prstDash val="solid"/>
+            <a:miter lim="800000"/>
+          </a:ln>
+          <a:effectLst>
+            <a:outerShdw blurRad="50800" dist="38100" dir="2700000" algn="tl" rotWithShape="0">
+              <a:srgbClr val="000000">
+                <a:alpha val="43000"/>
+              </a:srgbClr>
+            </a:outerShdw>
+          </a:effectLst>
         </p:spPr>
       </p:pic>
     </p:spTree>
     <p:extLst>
       <p:ext uri="{BB962C8B-B14F-4D97-AF65-F5344CB8AC3E}">
-        <p14:creationId xmlns:p14="http://schemas.microsoft.com/office/powerpoint/2010/main" val="3952383737"/>
+        <p14:creationId xmlns:p14="http://schemas.microsoft.com/office/powerpoint/2010/main" val="2655932682"/>
       </p:ext>
     </p:extLst>
   </p:cSld>
@@ -15180,12 +18043,53 @@
           <a:p>
             <a:r>
               <a:rPr lang="en-US" altLang="ko-KR" b="1" dirty="0"/>
-              <a:t>Minetest </a:t>
+              <a:t>Minetest - </a:t>
             </a:r>
             <a:r>
               <a:rPr lang="ko-KR" altLang="en-US" b="1" dirty="0"/>
-              <a:t>기본 조작</a:t>
-            </a:r>
+              <a:t>한글설정</a:t>
+            </a:r>
+          </a:p>
+        </p:txBody>
+      </p:sp>
+      <p:sp>
+        <p:nvSpPr>
+          <p:cNvPr id="3" name="내용 개체 틀 2">
+            <a:extLst>
+              <a:ext uri="{FF2B5EF4-FFF2-40B4-BE49-F238E27FC236}">
+                <a16:creationId xmlns:a16="http://schemas.microsoft.com/office/drawing/2014/main" id="{E9D22F1E-049A-4FEB-AEF1-C90B1011EA69}"/>
+              </a:ext>
+            </a:extLst>
+          </p:cNvPr>
+          <p:cNvSpPr>
+            <a:spLocks noGrp="1"/>
+          </p:cNvSpPr>
+          <p:nvPr>
+            <p:ph idx="1"/>
+          </p:nvPr>
+        </p:nvSpPr>
+        <p:spPr/>
+        <p:txBody>
+          <a:bodyPr/>
+          <a:lstStyle/>
+          <a:p>
+            <a:r>
+              <a:rPr lang="en-US" altLang="ko-KR" dirty="0"/>
+              <a:t>ko </a:t>
+            </a:r>
+            <a:r>
+              <a:rPr lang="ko-KR" altLang="en-US" dirty="0"/>
+              <a:t>설정 파일 다운로드</a:t>
+            </a:r>
+            <a:endParaRPr lang="en-US" altLang="ko-KR" dirty="0"/>
+          </a:p>
+          <a:p>
+            <a:pPr lvl="1"/>
+            <a:r>
+              <a:rPr lang="en-US" altLang="ko-KR" dirty="0"/>
+              <a:t>https://github.com/kig2929kig/minetest/blob/main/ko.zip</a:t>
+            </a:r>
+            <a:endParaRPr lang="ko-KR" altLang="en-US" dirty="0"/>
           </a:p>
         </p:txBody>
       </p:sp>
@@ -15543,10 +18447,10 @@
       </p:cxnSp>
       <p:pic>
         <p:nvPicPr>
-          <p:cNvPr id="13" name="그림 12">
-            <a:extLst>
-              <a:ext uri="{FF2B5EF4-FFF2-40B4-BE49-F238E27FC236}">
-                <a16:creationId xmlns:a16="http://schemas.microsoft.com/office/drawing/2014/main" id="{ED7EC77F-D200-40C1-A052-93802E0D81DB}"/>
+          <p:cNvPr id="12" name="그림 11">
+            <a:extLst>
+              <a:ext uri="{FF2B5EF4-FFF2-40B4-BE49-F238E27FC236}">
+                <a16:creationId xmlns:a16="http://schemas.microsoft.com/office/drawing/2014/main" id="{47E6A11A-1C51-48B5-B1A6-EF1C53411C19}"/>
               </a:ext>
             </a:extLst>
           </p:cNvPr>
@@ -15563,8 +18467,8 @@
         </p:blipFill>
         <p:spPr>
           <a:xfrm>
-            <a:off x="832171" y="1885300"/>
-            <a:ext cx="7205319" cy="4580788"/>
+            <a:off x="838200" y="3315493"/>
+            <a:ext cx="3761322" cy="1976753"/>
           </a:xfrm>
           <a:prstGeom prst="rect">
             <a:avLst/>
@@ -15585,12 +18489,86 @@
           </a:effectLst>
         </p:spPr>
       </p:pic>
+      <p:sp>
+        <p:nvSpPr>
+          <p:cNvPr id="13" name="TextBox 12">
+            <a:extLst>
+              <a:ext uri="{FF2B5EF4-FFF2-40B4-BE49-F238E27FC236}">
+                <a16:creationId xmlns:a16="http://schemas.microsoft.com/office/drawing/2014/main" id="{58339C0F-7355-4525-BDF1-BF1873C118FF}"/>
+              </a:ext>
+            </a:extLst>
+          </p:cNvPr>
+          <p:cNvSpPr txBox="1"/>
+          <p:nvPr/>
+        </p:nvSpPr>
+        <p:spPr>
+          <a:xfrm>
+            <a:off x="4922729" y="3315493"/>
+            <a:ext cx="4723729" cy="646331"/>
+          </a:xfrm>
+          <a:prstGeom prst="rect">
+            <a:avLst/>
+          </a:prstGeom>
+          <a:noFill/>
+        </p:spPr>
+        <p:txBody>
+          <a:bodyPr wrap="none" rtlCol="0">
+            <a:spAutoFit/>
+          </a:bodyPr>
+          <a:lstStyle/>
+          <a:p>
+            <a:pPr marL="285750" indent="-285750">
+              <a:buFont typeface="Arial" panose="020B0604020202020204" pitchFamily="34" charset="0"/>
+              <a:buChar char="•"/>
+            </a:pPr>
+            <a:r>
+              <a:rPr lang="en-US" altLang="ko-KR" dirty="0"/>
+              <a:t>Minetest </a:t>
+            </a:r>
+            <a:r>
+              <a:rPr lang="ko-KR" altLang="en-US" dirty="0"/>
+              <a:t>폴더 아래 </a:t>
+            </a:r>
+            <a:r>
+              <a:rPr lang="en-US" altLang="ko-KR" dirty="0"/>
+              <a:t>locale</a:t>
+            </a:r>
+            <a:r>
+              <a:rPr lang="ko-KR" altLang="en-US" dirty="0"/>
+              <a:t>폴더에 복사</a:t>
+            </a:r>
+            <a:endParaRPr lang="en-US" altLang="ko-KR" dirty="0"/>
+          </a:p>
+          <a:p>
+            <a:pPr marL="285750" indent="-285750">
+              <a:buFont typeface="Arial" panose="020B0604020202020204" pitchFamily="34" charset="0"/>
+              <a:buChar char="•"/>
+            </a:pPr>
+            <a:r>
+              <a:rPr lang="en-US" altLang="ko-KR" dirty="0"/>
+              <a:t>Minetest</a:t>
+            </a:r>
+            <a:r>
+              <a:rPr lang="ko-KR" altLang="en-US" dirty="0"/>
+              <a:t> 폴더에 </a:t>
+            </a:r>
+            <a:r>
+              <a:rPr lang="en-US" altLang="ko-KR" dirty="0" err="1"/>
+              <a:t>minetest.conf</a:t>
+            </a:r>
+            <a:r>
+              <a:rPr lang="ko-KR" altLang="en-US" dirty="0"/>
+              <a:t> 파일 편집</a:t>
+            </a:r>
+          </a:p>
+        </p:txBody>
+      </p:sp>
       <p:pic>
         <p:nvPicPr>
-          <p:cNvPr id="15" name="그림 14">
-            <a:extLst>
-              <a:ext uri="{FF2B5EF4-FFF2-40B4-BE49-F238E27FC236}">
-                <a16:creationId xmlns:a16="http://schemas.microsoft.com/office/drawing/2014/main" id="{07F65479-91AD-43E3-B97F-F5A8143794D0}"/>
+          <p:cNvPr id="14" name="그림 13">
+            <a:extLst>
+              <a:ext uri="{FF2B5EF4-FFF2-40B4-BE49-F238E27FC236}">
+                <a16:creationId xmlns:a16="http://schemas.microsoft.com/office/drawing/2014/main" id="{6B1EBEB4-4CF6-469E-9674-931CFBF04266}"/>
               </a:ext>
             </a:extLst>
           </p:cNvPr>
@@ -15607,8 +18585,8 @@
         </p:blipFill>
         <p:spPr>
           <a:xfrm>
-            <a:off x="8179495" y="3993159"/>
-            <a:ext cx="2880288" cy="2472933"/>
+            <a:off x="4992083" y="4303869"/>
+            <a:ext cx="5291785" cy="1345369"/>
           </a:xfrm>
           <a:prstGeom prst="rect">
             <a:avLst/>
@@ -15629,99 +18607,10 @@
           </a:effectLst>
         </p:spPr>
       </p:pic>
-      <p:pic>
-        <p:nvPicPr>
-          <p:cNvPr id="12" name="내용 개체 틀 11">
-            <a:extLst>
-              <a:ext uri="{FF2B5EF4-FFF2-40B4-BE49-F238E27FC236}">
-                <a16:creationId xmlns:a16="http://schemas.microsoft.com/office/drawing/2014/main" id="{D2431B63-34B2-4B9F-BE54-5A4F01BC2121}"/>
-              </a:ext>
-            </a:extLst>
-          </p:cNvPr>
-          <p:cNvPicPr>
-            <a:picLocks noGrp="1" noChangeAspect="1"/>
-          </p:cNvPicPr>
-          <p:nvPr>
-            <p:ph idx="1"/>
-          </p:nvPr>
-        </p:nvPicPr>
-        <p:blipFill>
-          <a:blip r:embed="rId4"/>
-          <a:stretch>
-            <a:fillRect/>
-          </a:stretch>
-        </p:blipFill>
-        <p:spPr>
-          <a:xfrm>
-            <a:off x="8179494" y="1759626"/>
-            <a:ext cx="2880288" cy="2129196"/>
-          </a:xfrm>
-          <a:prstGeom prst="rect">
-            <a:avLst/>
-          </a:prstGeom>
-          <a:ln w="38100" cap="sq">
-            <a:solidFill>
-              <a:srgbClr val="000000"/>
-            </a:solidFill>
-            <a:prstDash val="solid"/>
-            <a:miter lim="800000"/>
-          </a:ln>
-          <a:effectLst>
-            <a:outerShdw blurRad="50800" dist="38100" dir="2700000" algn="tl" rotWithShape="0">
-              <a:srgbClr val="000000">
-                <a:alpha val="43000"/>
-              </a:srgbClr>
-            </a:outerShdw>
-          </a:effectLst>
-        </p:spPr>
-      </p:pic>
-      <p:pic>
-        <p:nvPicPr>
-          <p:cNvPr id="16" name="그림 15">
-            <a:extLst>
-              <a:ext uri="{FF2B5EF4-FFF2-40B4-BE49-F238E27FC236}">
-                <a16:creationId xmlns:a16="http://schemas.microsoft.com/office/drawing/2014/main" id="{83C8405E-4AC6-41B3-B5E5-5770649994FF}"/>
-              </a:ext>
-            </a:extLst>
-          </p:cNvPr>
-          <p:cNvPicPr>
-            <a:picLocks noChangeAspect="1"/>
-          </p:cNvPicPr>
-          <p:nvPr/>
-        </p:nvPicPr>
-        <p:blipFill rotWithShape="1">
-          <a:blip r:embed="rId5"/>
-          <a:srcRect l="1" t="7861" r="2011"/>
-          <a:stretch/>
-        </p:blipFill>
-        <p:spPr>
-          <a:xfrm>
-            <a:off x="5948022" y="2302876"/>
-            <a:ext cx="1941352" cy="509019"/>
-          </a:xfrm>
-          <a:prstGeom prst="rect">
-            <a:avLst/>
-          </a:prstGeom>
-          <a:ln w="38100" cap="sq">
-            <a:solidFill>
-              <a:srgbClr val="000000"/>
-            </a:solidFill>
-            <a:prstDash val="solid"/>
-            <a:miter lim="800000"/>
-          </a:ln>
-          <a:effectLst>
-            <a:outerShdw blurRad="50800" dist="38100" dir="2700000" algn="tl" rotWithShape="0">
-              <a:srgbClr val="000000">
-                <a:alpha val="43000"/>
-              </a:srgbClr>
-            </a:outerShdw>
-          </a:effectLst>
-        </p:spPr>
-      </p:pic>
     </p:spTree>
     <p:extLst>
       <p:ext uri="{BB962C8B-B14F-4D97-AF65-F5344CB8AC3E}">
-        <p14:creationId xmlns:p14="http://schemas.microsoft.com/office/powerpoint/2010/main" val="2655932682"/>
+        <p14:creationId xmlns:p14="http://schemas.microsoft.com/office/powerpoint/2010/main" val="1697879683"/>
       </p:ext>
     </p:extLst>
   </p:cSld>

--- a/Minetest와 함께하는 프로그래밍 입문.pptx
+++ b/Minetest와 함께하는 프로그래밍 입문.pptx
@@ -20,21 +20,23 @@
     <p:sldId id="267" r:id="rId14"/>
     <p:sldId id="268" r:id="rId15"/>
     <p:sldId id="269" r:id="rId16"/>
-    <p:sldId id="286" r:id="rId17"/>
-    <p:sldId id="279" r:id="rId18"/>
-    <p:sldId id="280" r:id="rId19"/>
-    <p:sldId id="285" r:id="rId20"/>
-    <p:sldId id="281" r:id="rId21"/>
-    <p:sldId id="270" r:id="rId22"/>
-    <p:sldId id="271" r:id="rId23"/>
-    <p:sldId id="272" r:id="rId24"/>
-    <p:sldId id="273" r:id="rId25"/>
-    <p:sldId id="274" r:id="rId26"/>
-    <p:sldId id="275" r:id="rId27"/>
-    <p:sldId id="278" r:id="rId28"/>
-    <p:sldId id="277" r:id="rId29"/>
-    <p:sldId id="276" r:id="rId30"/>
-    <p:sldId id="284" r:id="rId31"/>
+    <p:sldId id="279" r:id="rId17"/>
+    <p:sldId id="280" r:id="rId18"/>
+    <p:sldId id="285" r:id="rId19"/>
+    <p:sldId id="281" r:id="rId20"/>
+    <p:sldId id="270" r:id="rId21"/>
+    <p:sldId id="271" r:id="rId22"/>
+    <p:sldId id="272" r:id="rId23"/>
+    <p:sldId id="273" r:id="rId24"/>
+    <p:sldId id="274" r:id="rId25"/>
+    <p:sldId id="275" r:id="rId26"/>
+    <p:sldId id="286" r:id="rId27"/>
+    <p:sldId id="288" r:id="rId28"/>
+    <p:sldId id="287" r:id="rId29"/>
+    <p:sldId id="278" r:id="rId30"/>
+    <p:sldId id="277" r:id="rId31"/>
+    <p:sldId id="276" r:id="rId32"/>
+    <p:sldId id="284" r:id="rId33"/>
   </p:sldIdLst>
   <p:sldSz cx="12192000" cy="6858000"/>
   <p:notesSz cx="6858000" cy="9144000"/>
@@ -288,7 +290,7 @@
           <a:p>
             <a:fld id="{74B9FC48-D3CB-49FE-AC95-319B44839FF2}" type="datetimeFigureOut">
               <a:rPr lang="ko-KR" altLang="en-US" smtClean="0"/>
-              <a:t>2024-06-21</a:t>
+              <a:t>2024-06-27</a:t>
             </a:fld>
             <a:endParaRPr lang="ko-KR" altLang="en-US"/>
           </a:p>
@@ -486,7 +488,7 @@
           <a:p>
             <a:fld id="{74B9FC48-D3CB-49FE-AC95-319B44839FF2}" type="datetimeFigureOut">
               <a:rPr lang="ko-KR" altLang="en-US" smtClean="0"/>
-              <a:t>2024-06-21</a:t>
+              <a:t>2024-06-27</a:t>
             </a:fld>
             <a:endParaRPr lang="ko-KR" altLang="en-US"/>
           </a:p>
@@ -694,7 +696,7 @@
           <a:p>
             <a:fld id="{74B9FC48-D3CB-49FE-AC95-319B44839FF2}" type="datetimeFigureOut">
               <a:rPr lang="ko-KR" altLang="en-US" smtClean="0"/>
-              <a:t>2024-06-21</a:t>
+              <a:t>2024-06-27</a:t>
             </a:fld>
             <a:endParaRPr lang="ko-KR" altLang="en-US"/>
           </a:p>
@@ -892,7 +894,7 @@
           <a:p>
             <a:fld id="{74B9FC48-D3CB-49FE-AC95-319B44839FF2}" type="datetimeFigureOut">
               <a:rPr lang="ko-KR" altLang="en-US" smtClean="0"/>
-              <a:t>2024-06-21</a:t>
+              <a:t>2024-06-27</a:t>
             </a:fld>
             <a:endParaRPr lang="ko-KR" altLang="en-US"/>
           </a:p>
@@ -1167,7 +1169,7 @@
           <a:p>
             <a:fld id="{74B9FC48-D3CB-49FE-AC95-319B44839FF2}" type="datetimeFigureOut">
               <a:rPr lang="ko-KR" altLang="en-US" smtClean="0"/>
-              <a:t>2024-06-21</a:t>
+              <a:t>2024-06-27</a:t>
             </a:fld>
             <a:endParaRPr lang="ko-KR" altLang="en-US"/>
           </a:p>
@@ -1432,7 +1434,7 @@
           <a:p>
             <a:fld id="{74B9FC48-D3CB-49FE-AC95-319B44839FF2}" type="datetimeFigureOut">
               <a:rPr lang="ko-KR" altLang="en-US" smtClean="0"/>
-              <a:t>2024-06-21</a:t>
+              <a:t>2024-06-27</a:t>
             </a:fld>
             <a:endParaRPr lang="ko-KR" altLang="en-US"/>
           </a:p>
@@ -1844,7 +1846,7 @@
           <a:p>
             <a:fld id="{74B9FC48-D3CB-49FE-AC95-319B44839FF2}" type="datetimeFigureOut">
               <a:rPr lang="ko-KR" altLang="en-US" smtClean="0"/>
-              <a:t>2024-06-21</a:t>
+              <a:t>2024-06-27</a:t>
             </a:fld>
             <a:endParaRPr lang="ko-KR" altLang="en-US"/>
           </a:p>
@@ -1985,7 +1987,7 @@
           <a:p>
             <a:fld id="{74B9FC48-D3CB-49FE-AC95-319B44839FF2}" type="datetimeFigureOut">
               <a:rPr lang="ko-KR" altLang="en-US" smtClean="0"/>
-              <a:t>2024-06-21</a:t>
+              <a:t>2024-06-27</a:t>
             </a:fld>
             <a:endParaRPr lang="ko-KR" altLang="en-US"/>
           </a:p>
@@ -2098,7 +2100,7 @@
           <a:p>
             <a:fld id="{74B9FC48-D3CB-49FE-AC95-319B44839FF2}" type="datetimeFigureOut">
               <a:rPr lang="ko-KR" altLang="en-US" smtClean="0"/>
-              <a:t>2024-06-21</a:t>
+              <a:t>2024-06-27</a:t>
             </a:fld>
             <a:endParaRPr lang="ko-KR" altLang="en-US"/>
           </a:p>
@@ -2409,7 +2411,7 @@
           <a:p>
             <a:fld id="{74B9FC48-D3CB-49FE-AC95-319B44839FF2}" type="datetimeFigureOut">
               <a:rPr lang="ko-KR" altLang="en-US" smtClean="0"/>
-              <a:t>2024-06-21</a:t>
+              <a:t>2024-06-27</a:t>
             </a:fld>
             <a:endParaRPr lang="ko-KR" altLang="en-US"/>
           </a:p>
@@ -2697,7 +2699,7 @@
           <a:p>
             <a:fld id="{74B9FC48-D3CB-49FE-AC95-319B44839FF2}" type="datetimeFigureOut">
               <a:rPr lang="ko-KR" altLang="en-US" smtClean="0"/>
-              <a:t>2024-06-21</a:t>
+              <a:t>2024-06-27</a:t>
             </a:fld>
             <a:endParaRPr lang="ko-KR" altLang="en-US"/>
           </a:p>
@@ -2938,7 +2940,7 @@
           <a:p>
             <a:fld id="{74B9FC48-D3CB-49FE-AC95-319B44839FF2}" type="datetimeFigureOut">
               <a:rPr lang="ko-KR" altLang="en-US" smtClean="0"/>
-              <a:t>2024-06-21</a:t>
+              <a:t>2024-06-27</a:t>
             </a:fld>
             <a:endParaRPr lang="ko-KR" altLang="en-US"/>
           </a:p>
@@ -3484,22 +3486,36 @@
         </p:nvSpPr>
         <p:spPr>
           <a:xfrm>
-            <a:off x="1524000" y="3738384"/>
-            <a:ext cx="9144000" cy="1519416"/>
+            <a:off x="4430684" y="3738384"/>
+            <a:ext cx="6237316" cy="1519416"/>
           </a:xfrm>
         </p:spPr>
         <p:txBody>
           <a:bodyPr/>
           <a:lstStyle/>
           <a:p>
-            <a:r>
-              <a:rPr lang="en-US" altLang="ko-KR" dirty="0"/>
-              <a:t>1. Minetest </a:t>
-            </a:r>
-            <a:r>
-              <a:rPr lang="ko-KR" altLang="en-US" dirty="0"/>
-              <a:t>시작하기 </a:t>
-            </a:r>
+            <a:pPr marL="457200" indent="-457200" algn="l">
+              <a:buAutoNum type="arabicPeriod"/>
+            </a:pPr>
+            <a:r>
+              <a:rPr lang="en-US" altLang="ko-KR" dirty="0" smtClean="0"/>
+              <a:t>Minetest </a:t>
+            </a:r>
+            <a:r>
+              <a:rPr lang="ko-KR" altLang="en-US" dirty="0" smtClean="0"/>
+              <a:t>시작하기</a:t>
+            </a:r>
+            <a:endParaRPr lang="en-US" altLang="ko-KR" dirty="0" smtClean="0"/>
+          </a:p>
+          <a:p>
+            <a:pPr marL="457200" indent="-457200" algn="l">
+              <a:buAutoNum type="arabicPeriod"/>
+            </a:pPr>
+            <a:r>
+              <a:rPr lang="ko-KR" altLang="en-US" dirty="0" smtClean="0"/>
+              <a:t>간단한 구조물 만들기</a:t>
+            </a:r>
+            <a:endParaRPr lang="ko-KR" altLang="en-US" dirty="0"/>
           </a:p>
         </p:txBody>
       </p:sp>
@@ -7212,7 +7228,7 @@
           <a:p>
             <a:r>
               <a:rPr lang="en-US" altLang="ko-KR" b="1" dirty="0"/>
-              <a:t>Minetest - </a:t>
+              <a:t>Minetest – node</a:t>
             </a:r>
             <a:endParaRPr lang="ko-KR" altLang="en-US" b="1" dirty="0"/>
           </a:p>
@@ -7234,12 +7250,46 @@
             <p:ph idx="1"/>
           </p:nvPr>
         </p:nvSpPr>
-        <p:spPr/>
+        <p:spPr>
+          <a:xfrm>
+            <a:off x="838200" y="1825625"/>
+            <a:ext cx="10515600" cy="4351338"/>
+          </a:xfrm>
+        </p:spPr>
         <p:txBody>
           <a:bodyPr/>
           <a:lstStyle/>
           <a:p>
-            <a:endParaRPr lang="ko-KR" altLang="en-US"/>
+            <a:r>
+              <a:rPr lang="ko-KR" altLang="en-US" dirty="0"/>
+              <a:t>노드 타입은 </a:t>
+            </a:r>
+            <a:r>
+              <a:rPr lang="en-US" altLang="ko-KR" dirty="0"/>
+              <a:t>Minetest </a:t>
+            </a:r>
+            <a:r>
+              <a:rPr lang="ko-KR" altLang="en-US" dirty="0"/>
+              <a:t>게임 내에서 사용되는 기본 블록 유형을 나타냄</a:t>
+            </a:r>
+            <a:r>
+              <a:rPr lang="en-US" altLang="ko-KR" dirty="0"/>
+              <a:t>.</a:t>
+            </a:r>
+          </a:p>
+          <a:p>
+            <a:r>
+              <a:rPr lang="ko-KR" altLang="en-US" dirty="0"/>
+              <a:t>예를 들어 </a:t>
+            </a:r>
+            <a:r>
+              <a:rPr lang="en-US" altLang="ko-KR" dirty="0"/>
+              <a:t>“dirt”, “stone”, “wood” </a:t>
+            </a:r>
+            <a:r>
+              <a:rPr lang="ko-KR" altLang="en-US" dirty="0"/>
+              <a:t>등</a:t>
+            </a:r>
           </a:p>
         </p:txBody>
       </p:sp>
@@ -7595,10 +7645,53 @@
           </a:fontRef>
         </p:style>
       </p:cxnSp>
+      <p:pic>
+        <p:nvPicPr>
+          <p:cNvPr id="12" name="그림 11">
+            <a:extLst>
+              <a:ext uri="{FF2B5EF4-FFF2-40B4-BE49-F238E27FC236}">
+                <a16:creationId xmlns:a16="http://schemas.microsoft.com/office/drawing/2014/main" id="{24D2FB22-D84E-4A57-B126-1937FE9C5330}"/>
+              </a:ext>
+            </a:extLst>
+          </p:cNvPr>
+          <p:cNvPicPr>
+            <a:picLocks noChangeAspect="1"/>
+          </p:cNvPicPr>
+          <p:nvPr/>
+        </p:nvPicPr>
+        <p:blipFill rotWithShape="1">
+          <a:blip r:embed="rId2"/>
+          <a:srcRect b="3885"/>
+          <a:stretch/>
+        </p:blipFill>
+        <p:spPr>
+          <a:xfrm>
+            <a:off x="838200" y="3697586"/>
+            <a:ext cx="10001385" cy="2614314"/>
+          </a:xfrm>
+          <a:prstGeom prst="rect">
+            <a:avLst/>
+          </a:prstGeom>
+          <a:ln w="38100" cap="sq">
+            <a:solidFill>
+              <a:srgbClr val="000000"/>
+            </a:solidFill>
+            <a:prstDash val="solid"/>
+            <a:miter lim="800000"/>
+          </a:ln>
+          <a:effectLst>
+            <a:outerShdw blurRad="50800" dist="38100" dir="2700000" algn="tl" rotWithShape="0">
+              <a:srgbClr val="000000">
+                <a:alpha val="43000"/>
+              </a:srgbClr>
+            </a:outerShdw>
+          </a:effectLst>
+        </p:spPr>
+      </p:pic>
     </p:spTree>
     <p:extLst>
       <p:ext uri="{BB962C8B-B14F-4D97-AF65-F5344CB8AC3E}">
-        <p14:creationId xmlns:p14="http://schemas.microsoft.com/office/powerpoint/2010/main" val="1982447420"/>
+        <p14:creationId xmlns:p14="http://schemas.microsoft.com/office/powerpoint/2010/main" val="2046032947"/>
       </p:ext>
     </p:extLst>
   </p:cSld>
@@ -7648,446 +7741,56 @@
           <a:p>
             <a:r>
               <a:rPr lang="en-US" altLang="ko-KR" b="1" dirty="0"/>
-              <a:t>Minetest – node</a:t>
-            </a:r>
-            <a:endParaRPr lang="ko-KR" altLang="en-US" b="1" dirty="0"/>
+              <a:t>Minetest – </a:t>
+            </a:r>
+            <a:r>
+              <a:rPr lang="ko-KR" altLang="en-US" b="1" dirty="0"/>
+              <a:t>흙</a:t>
+            </a:r>
+            <a:r>
+              <a:rPr lang="en-US" altLang="ko-KR" b="1" dirty="0"/>
+              <a:t>(dirt)</a:t>
+            </a:r>
+            <a:r>
+              <a:rPr lang="ko-KR" altLang="en-US" b="1" dirty="0"/>
+              <a:t> </a:t>
+            </a:r>
+            <a:r>
+              <a:rPr lang="en-US" altLang="ko-KR" b="1" dirty="0"/>
+              <a:t>99</a:t>
+            </a:r>
+            <a:r>
+              <a:rPr lang="ko-KR" altLang="en-US" b="1" dirty="0"/>
+              <a:t>개 추가</a:t>
+            </a:r>
           </a:p>
         </p:txBody>
       </p:sp>
-      <p:sp>
-        <p:nvSpPr>
-          <p:cNvPr id="3" name="내용 개체 틀 2">
-            <a:extLst>
-              <a:ext uri="{FF2B5EF4-FFF2-40B4-BE49-F238E27FC236}">
-                <a16:creationId xmlns:a16="http://schemas.microsoft.com/office/drawing/2014/main" id="{E9D22F1E-049A-4FEB-AEF1-C90B1011EA69}"/>
-              </a:ext>
-            </a:extLst>
-          </p:cNvPr>
-          <p:cNvSpPr>
-            <a:spLocks noGrp="1"/>
-          </p:cNvSpPr>
+      <p:pic>
+        <p:nvPicPr>
+          <p:cNvPr id="12" name="내용 개체 틀 11">
+            <a:extLst>
+              <a:ext uri="{FF2B5EF4-FFF2-40B4-BE49-F238E27FC236}">
+                <a16:creationId xmlns:a16="http://schemas.microsoft.com/office/drawing/2014/main" id="{AB16BA93-4AFE-47C7-8322-36F2A67421AB}"/>
+              </a:ext>
+            </a:extLst>
+          </p:cNvPr>
+          <p:cNvPicPr>
+            <a:picLocks noGrp="1" noChangeAspect="1"/>
+          </p:cNvPicPr>
           <p:nvPr>
             <p:ph idx="1"/>
           </p:nvPr>
-        </p:nvSpPr>
-        <p:spPr>
-          <a:xfrm>
-            <a:off x="838200" y="1825625"/>
-            <a:ext cx="10515600" cy="4351338"/>
-          </a:xfrm>
-        </p:spPr>
-        <p:txBody>
-          <a:bodyPr/>
-          <a:lstStyle/>
-          <a:p>
-            <a:r>
-              <a:rPr lang="ko-KR" altLang="en-US" dirty="0"/>
-              <a:t>노드 타입은 </a:t>
-            </a:r>
-            <a:r>
-              <a:rPr lang="en-US" altLang="ko-KR" dirty="0"/>
-              <a:t>Minetest </a:t>
-            </a:r>
-            <a:r>
-              <a:rPr lang="ko-KR" altLang="en-US" dirty="0"/>
-              <a:t>게임 내에서 사용되는 기본 블록 유형을 나타냄</a:t>
-            </a:r>
-            <a:r>
-              <a:rPr lang="en-US" altLang="ko-KR" dirty="0"/>
-              <a:t>.</a:t>
-            </a:r>
-          </a:p>
-          <a:p>
-            <a:r>
-              <a:rPr lang="ko-KR" altLang="en-US" dirty="0"/>
-              <a:t>예를 들어 </a:t>
-            </a:r>
-            <a:r>
-              <a:rPr lang="en-US" altLang="ko-KR" dirty="0"/>
-              <a:t>“dirt”, “stone”, “wood” </a:t>
-            </a:r>
-            <a:r>
-              <a:rPr lang="ko-KR" altLang="en-US" dirty="0"/>
-              <a:t>등</a:t>
-            </a:r>
-          </a:p>
-        </p:txBody>
-      </p:sp>
-      <p:cxnSp>
-        <p:nvCxnSpPr>
-          <p:cNvPr id="4" name="직선 연결선 3">
-            <a:extLst>
-              <a:ext uri="{FF2B5EF4-FFF2-40B4-BE49-F238E27FC236}">
-                <a16:creationId xmlns:a16="http://schemas.microsoft.com/office/drawing/2014/main" id="{EE01682E-4EC3-491F-A46B-0EACC9713D73}"/>
-              </a:ext>
-            </a:extLst>
-          </p:cNvPr>
-          <p:cNvCxnSpPr>
-            <a:cxnSpLocks/>
-          </p:cNvCxnSpPr>
-          <p:nvPr/>
-        </p:nvCxnSpPr>
-        <p:spPr>
-          <a:xfrm>
-            <a:off x="463463" y="1565753"/>
-            <a:ext cx="1402915" cy="0"/>
-          </a:xfrm>
-          <a:prstGeom prst="line">
-            <a:avLst/>
-          </a:prstGeom>
-          <a:ln w="57150">
-            <a:solidFill>
-              <a:srgbClr val="00B050"/>
-            </a:solidFill>
-          </a:ln>
-        </p:spPr>
-        <p:style>
-          <a:lnRef idx="1">
-            <a:schemeClr val="accent1"/>
-          </a:lnRef>
-          <a:fillRef idx="0">
-            <a:schemeClr val="accent1"/>
-          </a:fillRef>
-          <a:effectRef idx="0">
-            <a:schemeClr val="accent1"/>
-          </a:effectRef>
-          <a:fontRef idx="minor">
-            <a:schemeClr val="tx1"/>
-          </a:fontRef>
-        </p:style>
-      </p:cxnSp>
-      <p:cxnSp>
-        <p:nvCxnSpPr>
-          <p:cNvPr id="5" name="직선 연결선 4">
-            <a:extLst>
-              <a:ext uri="{FF2B5EF4-FFF2-40B4-BE49-F238E27FC236}">
-                <a16:creationId xmlns:a16="http://schemas.microsoft.com/office/drawing/2014/main" id="{ABC6680E-470B-45C4-B289-7A0EF67ED7E0}"/>
-              </a:ext>
-            </a:extLst>
-          </p:cNvPr>
-          <p:cNvCxnSpPr>
-            <a:cxnSpLocks/>
-          </p:cNvCxnSpPr>
-          <p:nvPr/>
-        </p:nvCxnSpPr>
-        <p:spPr>
-          <a:xfrm>
-            <a:off x="1866378" y="1565753"/>
-            <a:ext cx="1402915" cy="0"/>
-          </a:xfrm>
-          <a:prstGeom prst="line">
-            <a:avLst/>
-          </a:prstGeom>
-          <a:ln w="57150">
-            <a:solidFill>
-              <a:schemeClr val="accent2">
-                <a:lumMod val="75000"/>
-              </a:schemeClr>
-            </a:solidFill>
-          </a:ln>
-        </p:spPr>
-        <p:style>
-          <a:lnRef idx="1">
-            <a:schemeClr val="accent1"/>
-          </a:lnRef>
-          <a:fillRef idx="0">
-            <a:schemeClr val="accent1"/>
-          </a:fillRef>
-          <a:effectRef idx="0">
-            <a:schemeClr val="accent1"/>
-          </a:effectRef>
-          <a:fontRef idx="minor">
-            <a:schemeClr val="tx1"/>
-          </a:fontRef>
-        </p:style>
-      </p:cxnSp>
-      <p:cxnSp>
-        <p:nvCxnSpPr>
-          <p:cNvPr id="6" name="직선 연결선 5">
-            <a:extLst>
-              <a:ext uri="{FF2B5EF4-FFF2-40B4-BE49-F238E27FC236}">
-                <a16:creationId xmlns:a16="http://schemas.microsoft.com/office/drawing/2014/main" id="{3678CCF4-4AC3-4139-92E5-55722C3E7751}"/>
-              </a:ext>
-            </a:extLst>
-          </p:cNvPr>
-          <p:cNvCxnSpPr>
-            <a:cxnSpLocks/>
-          </p:cNvCxnSpPr>
-          <p:nvPr/>
-        </p:nvCxnSpPr>
-        <p:spPr>
-          <a:xfrm>
-            <a:off x="3269293" y="1565753"/>
-            <a:ext cx="1402915" cy="0"/>
-          </a:xfrm>
-          <a:prstGeom prst="line">
-            <a:avLst/>
-          </a:prstGeom>
-          <a:ln w="57150">
-            <a:solidFill>
-              <a:srgbClr val="FFC000"/>
-            </a:solidFill>
-          </a:ln>
-        </p:spPr>
-        <p:style>
-          <a:lnRef idx="1">
-            <a:schemeClr val="accent1"/>
-          </a:lnRef>
-          <a:fillRef idx="0">
-            <a:schemeClr val="accent1"/>
-          </a:fillRef>
-          <a:effectRef idx="0">
-            <a:schemeClr val="accent1"/>
-          </a:effectRef>
-          <a:fontRef idx="minor">
-            <a:schemeClr val="tx1"/>
-          </a:fontRef>
-        </p:style>
-      </p:cxnSp>
-      <p:cxnSp>
-        <p:nvCxnSpPr>
-          <p:cNvPr id="7" name="직선 연결선 6">
-            <a:extLst>
-              <a:ext uri="{FF2B5EF4-FFF2-40B4-BE49-F238E27FC236}">
-                <a16:creationId xmlns:a16="http://schemas.microsoft.com/office/drawing/2014/main" id="{9FF08141-38ED-4F86-86A9-757547A2479E}"/>
-              </a:ext>
-            </a:extLst>
-          </p:cNvPr>
-          <p:cNvCxnSpPr>
-            <a:cxnSpLocks/>
-          </p:cNvCxnSpPr>
-          <p:nvPr/>
-        </p:nvCxnSpPr>
-        <p:spPr>
-          <a:xfrm>
-            <a:off x="4672208" y="1565753"/>
-            <a:ext cx="1402915" cy="0"/>
-          </a:xfrm>
-          <a:prstGeom prst="line">
-            <a:avLst/>
-          </a:prstGeom>
-          <a:ln w="57150">
-            <a:solidFill>
-              <a:schemeClr val="accent4">
-                <a:lumMod val="75000"/>
-              </a:schemeClr>
-            </a:solidFill>
-          </a:ln>
-        </p:spPr>
-        <p:style>
-          <a:lnRef idx="1">
-            <a:schemeClr val="accent1"/>
-          </a:lnRef>
-          <a:fillRef idx="0">
-            <a:schemeClr val="accent1"/>
-          </a:fillRef>
-          <a:effectRef idx="0">
-            <a:schemeClr val="accent1"/>
-          </a:effectRef>
-          <a:fontRef idx="minor">
-            <a:schemeClr val="tx1"/>
-          </a:fontRef>
-        </p:style>
-      </p:cxnSp>
-      <p:cxnSp>
-        <p:nvCxnSpPr>
-          <p:cNvPr id="8" name="직선 연결선 7">
-            <a:extLst>
-              <a:ext uri="{FF2B5EF4-FFF2-40B4-BE49-F238E27FC236}">
-                <a16:creationId xmlns:a16="http://schemas.microsoft.com/office/drawing/2014/main" id="{62A6EC5E-008F-4227-A299-34A564C6B4DE}"/>
-              </a:ext>
-            </a:extLst>
-          </p:cNvPr>
-          <p:cNvCxnSpPr>
-            <a:cxnSpLocks/>
-          </p:cNvCxnSpPr>
-          <p:nvPr/>
-        </p:nvCxnSpPr>
-        <p:spPr>
-          <a:xfrm>
-            <a:off x="6075123" y="1565753"/>
-            <a:ext cx="1402915" cy="0"/>
-          </a:xfrm>
-          <a:prstGeom prst="line">
-            <a:avLst/>
-          </a:prstGeom>
-          <a:ln w="57150">
-            <a:solidFill>
-              <a:srgbClr val="FF0000"/>
-            </a:solidFill>
-          </a:ln>
-        </p:spPr>
-        <p:style>
-          <a:lnRef idx="1">
-            <a:schemeClr val="accent1"/>
-          </a:lnRef>
-          <a:fillRef idx="0">
-            <a:schemeClr val="accent1"/>
-          </a:fillRef>
-          <a:effectRef idx="0">
-            <a:schemeClr val="accent1"/>
-          </a:effectRef>
-          <a:fontRef idx="minor">
-            <a:schemeClr val="tx1"/>
-          </a:fontRef>
-        </p:style>
-      </p:cxnSp>
-      <p:cxnSp>
-        <p:nvCxnSpPr>
-          <p:cNvPr id="9" name="직선 연결선 8">
-            <a:extLst>
-              <a:ext uri="{FF2B5EF4-FFF2-40B4-BE49-F238E27FC236}">
-                <a16:creationId xmlns:a16="http://schemas.microsoft.com/office/drawing/2014/main" id="{73BE4EC4-D5AB-43B6-99B8-20CC507C817B}"/>
-              </a:ext>
-            </a:extLst>
-          </p:cNvPr>
-          <p:cNvCxnSpPr>
-            <a:cxnSpLocks/>
-          </p:cNvCxnSpPr>
-          <p:nvPr/>
-        </p:nvCxnSpPr>
-        <p:spPr>
-          <a:xfrm>
-            <a:off x="7478038" y="1565753"/>
-            <a:ext cx="1402915" cy="0"/>
-          </a:xfrm>
-          <a:prstGeom prst="line">
-            <a:avLst/>
-          </a:prstGeom>
-          <a:ln w="57150">
-            <a:solidFill>
-              <a:srgbClr val="92D050"/>
-            </a:solidFill>
-          </a:ln>
-        </p:spPr>
-        <p:style>
-          <a:lnRef idx="1">
-            <a:schemeClr val="accent1"/>
-          </a:lnRef>
-          <a:fillRef idx="0">
-            <a:schemeClr val="accent1"/>
-          </a:fillRef>
-          <a:effectRef idx="0">
-            <a:schemeClr val="accent1"/>
-          </a:effectRef>
-          <a:fontRef idx="minor">
-            <a:schemeClr val="tx1"/>
-          </a:fontRef>
-        </p:style>
-      </p:cxnSp>
-      <p:cxnSp>
-        <p:nvCxnSpPr>
-          <p:cNvPr id="10" name="직선 연결선 9">
-            <a:extLst>
-              <a:ext uri="{FF2B5EF4-FFF2-40B4-BE49-F238E27FC236}">
-                <a16:creationId xmlns:a16="http://schemas.microsoft.com/office/drawing/2014/main" id="{D23B7696-E162-4DC6-9E5C-29744AE86C94}"/>
-              </a:ext>
-            </a:extLst>
-          </p:cNvPr>
-          <p:cNvCxnSpPr>
-            <a:cxnSpLocks/>
-          </p:cNvCxnSpPr>
-          <p:nvPr/>
-        </p:nvCxnSpPr>
-        <p:spPr>
-          <a:xfrm>
-            <a:off x="8880953" y="1565753"/>
-            <a:ext cx="1402915" cy="0"/>
-          </a:xfrm>
-          <a:prstGeom prst="line">
-            <a:avLst/>
-          </a:prstGeom>
-          <a:ln w="57150">
-            <a:solidFill>
-              <a:schemeClr val="bg2">
-                <a:lumMod val="50000"/>
-              </a:schemeClr>
-            </a:solidFill>
-          </a:ln>
-        </p:spPr>
-        <p:style>
-          <a:lnRef idx="1">
-            <a:schemeClr val="accent1"/>
-          </a:lnRef>
-          <a:fillRef idx="0">
-            <a:schemeClr val="accent1"/>
-          </a:fillRef>
-          <a:effectRef idx="0">
-            <a:schemeClr val="accent1"/>
-          </a:effectRef>
-          <a:fontRef idx="minor">
-            <a:schemeClr val="tx1"/>
-          </a:fontRef>
-        </p:style>
-      </p:cxnSp>
-      <p:cxnSp>
-        <p:nvCxnSpPr>
-          <p:cNvPr id="11" name="직선 연결선 10">
-            <a:extLst>
-              <a:ext uri="{FF2B5EF4-FFF2-40B4-BE49-F238E27FC236}">
-                <a16:creationId xmlns:a16="http://schemas.microsoft.com/office/drawing/2014/main" id="{AD5A1D01-4DAC-4236-AC37-43914BEDECF3}"/>
-              </a:ext>
-            </a:extLst>
-          </p:cNvPr>
-          <p:cNvCxnSpPr>
-            <a:cxnSpLocks/>
-          </p:cNvCxnSpPr>
-          <p:nvPr/>
-        </p:nvCxnSpPr>
-        <p:spPr>
-          <a:xfrm>
-            <a:off x="10283868" y="1565753"/>
-            <a:ext cx="1402915" cy="0"/>
-          </a:xfrm>
-          <a:prstGeom prst="line">
-            <a:avLst/>
-          </a:prstGeom>
-          <a:ln w="57150">
-            <a:solidFill>
-              <a:schemeClr val="bg1">
-                <a:lumMod val="85000"/>
-              </a:schemeClr>
-            </a:solidFill>
-          </a:ln>
-        </p:spPr>
-        <p:style>
-          <a:lnRef idx="1">
-            <a:schemeClr val="accent1"/>
-          </a:lnRef>
-          <a:fillRef idx="0">
-            <a:schemeClr val="accent1"/>
-          </a:fillRef>
-          <a:effectRef idx="0">
-            <a:schemeClr val="accent1"/>
-          </a:effectRef>
-          <a:fontRef idx="minor">
-            <a:schemeClr val="tx1"/>
-          </a:fontRef>
-        </p:style>
-      </p:cxnSp>
-      <p:pic>
-        <p:nvPicPr>
-          <p:cNvPr id="12" name="그림 11">
-            <a:extLst>
-              <a:ext uri="{FF2B5EF4-FFF2-40B4-BE49-F238E27FC236}">
-                <a16:creationId xmlns:a16="http://schemas.microsoft.com/office/drawing/2014/main" id="{24D2FB22-D84E-4A57-B126-1937FE9C5330}"/>
-              </a:ext>
-            </a:extLst>
-          </p:cNvPr>
-          <p:cNvPicPr>
-            <a:picLocks noChangeAspect="1"/>
-          </p:cNvPicPr>
-          <p:nvPr/>
         </p:nvPicPr>
         <p:blipFill rotWithShape="1">
           <a:blip r:embed="rId2"/>
-          <a:srcRect b="3885"/>
+          <a:srcRect l="1314"/>
           <a:stretch/>
         </p:blipFill>
         <p:spPr>
           <a:xfrm>
-            <a:off x="838200" y="3697586"/>
-            <a:ext cx="10001385" cy="2614314"/>
+            <a:off x="463463" y="1983765"/>
+            <a:ext cx="9248312" cy="1815101"/>
           </a:xfrm>
           <a:prstGeom prst="rect">
             <a:avLst/>
@@ -8108,10 +7811,392 @@
           </a:effectLst>
         </p:spPr>
       </p:pic>
+      <p:cxnSp>
+        <p:nvCxnSpPr>
+          <p:cNvPr id="4" name="직선 연결선 3">
+            <a:extLst>
+              <a:ext uri="{FF2B5EF4-FFF2-40B4-BE49-F238E27FC236}">
+                <a16:creationId xmlns:a16="http://schemas.microsoft.com/office/drawing/2014/main" id="{EE01682E-4EC3-491F-A46B-0EACC9713D73}"/>
+              </a:ext>
+            </a:extLst>
+          </p:cNvPr>
+          <p:cNvCxnSpPr>
+            <a:cxnSpLocks/>
+          </p:cNvCxnSpPr>
+          <p:nvPr/>
+        </p:nvCxnSpPr>
+        <p:spPr>
+          <a:xfrm>
+            <a:off x="463463" y="1565753"/>
+            <a:ext cx="1402915" cy="0"/>
+          </a:xfrm>
+          <a:prstGeom prst="line">
+            <a:avLst/>
+          </a:prstGeom>
+          <a:ln w="57150">
+            <a:solidFill>
+              <a:srgbClr val="00B050"/>
+            </a:solidFill>
+          </a:ln>
+        </p:spPr>
+        <p:style>
+          <a:lnRef idx="1">
+            <a:schemeClr val="accent1"/>
+          </a:lnRef>
+          <a:fillRef idx="0">
+            <a:schemeClr val="accent1"/>
+          </a:fillRef>
+          <a:effectRef idx="0">
+            <a:schemeClr val="accent1"/>
+          </a:effectRef>
+          <a:fontRef idx="minor">
+            <a:schemeClr val="tx1"/>
+          </a:fontRef>
+        </p:style>
+      </p:cxnSp>
+      <p:cxnSp>
+        <p:nvCxnSpPr>
+          <p:cNvPr id="5" name="직선 연결선 4">
+            <a:extLst>
+              <a:ext uri="{FF2B5EF4-FFF2-40B4-BE49-F238E27FC236}">
+                <a16:creationId xmlns:a16="http://schemas.microsoft.com/office/drawing/2014/main" id="{ABC6680E-470B-45C4-B289-7A0EF67ED7E0}"/>
+              </a:ext>
+            </a:extLst>
+          </p:cNvPr>
+          <p:cNvCxnSpPr>
+            <a:cxnSpLocks/>
+          </p:cNvCxnSpPr>
+          <p:nvPr/>
+        </p:nvCxnSpPr>
+        <p:spPr>
+          <a:xfrm>
+            <a:off x="1866378" y="1565753"/>
+            <a:ext cx="1402915" cy="0"/>
+          </a:xfrm>
+          <a:prstGeom prst="line">
+            <a:avLst/>
+          </a:prstGeom>
+          <a:ln w="57150">
+            <a:solidFill>
+              <a:schemeClr val="accent2">
+                <a:lumMod val="75000"/>
+              </a:schemeClr>
+            </a:solidFill>
+          </a:ln>
+        </p:spPr>
+        <p:style>
+          <a:lnRef idx="1">
+            <a:schemeClr val="accent1"/>
+          </a:lnRef>
+          <a:fillRef idx="0">
+            <a:schemeClr val="accent1"/>
+          </a:fillRef>
+          <a:effectRef idx="0">
+            <a:schemeClr val="accent1"/>
+          </a:effectRef>
+          <a:fontRef idx="minor">
+            <a:schemeClr val="tx1"/>
+          </a:fontRef>
+        </p:style>
+      </p:cxnSp>
+      <p:cxnSp>
+        <p:nvCxnSpPr>
+          <p:cNvPr id="6" name="직선 연결선 5">
+            <a:extLst>
+              <a:ext uri="{FF2B5EF4-FFF2-40B4-BE49-F238E27FC236}">
+                <a16:creationId xmlns:a16="http://schemas.microsoft.com/office/drawing/2014/main" id="{3678CCF4-4AC3-4139-92E5-55722C3E7751}"/>
+              </a:ext>
+            </a:extLst>
+          </p:cNvPr>
+          <p:cNvCxnSpPr>
+            <a:cxnSpLocks/>
+          </p:cNvCxnSpPr>
+          <p:nvPr/>
+        </p:nvCxnSpPr>
+        <p:spPr>
+          <a:xfrm>
+            <a:off x="3269293" y="1565753"/>
+            <a:ext cx="1402915" cy="0"/>
+          </a:xfrm>
+          <a:prstGeom prst="line">
+            <a:avLst/>
+          </a:prstGeom>
+          <a:ln w="57150">
+            <a:solidFill>
+              <a:srgbClr val="FFC000"/>
+            </a:solidFill>
+          </a:ln>
+        </p:spPr>
+        <p:style>
+          <a:lnRef idx="1">
+            <a:schemeClr val="accent1"/>
+          </a:lnRef>
+          <a:fillRef idx="0">
+            <a:schemeClr val="accent1"/>
+          </a:fillRef>
+          <a:effectRef idx="0">
+            <a:schemeClr val="accent1"/>
+          </a:effectRef>
+          <a:fontRef idx="minor">
+            <a:schemeClr val="tx1"/>
+          </a:fontRef>
+        </p:style>
+      </p:cxnSp>
+      <p:cxnSp>
+        <p:nvCxnSpPr>
+          <p:cNvPr id="7" name="직선 연결선 6">
+            <a:extLst>
+              <a:ext uri="{FF2B5EF4-FFF2-40B4-BE49-F238E27FC236}">
+                <a16:creationId xmlns:a16="http://schemas.microsoft.com/office/drawing/2014/main" id="{9FF08141-38ED-4F86-86A9-757547A2479E}"/>
+              </a:ext>
+            </a:extLst>
+          </p:cNvPr>
+          <p:cNvCxnSpPr>
+            <a:cxnSpLocks/>
+          </p:cNvCxnSpPr>
+          <p:nvPr/>
+        </p:nvCxnSpPr>
+        <p:spPr>
+          <a:xfrm>
+            <a:off x="4672208" y="1565753"/>
+            <a:ext cx="1402915" cy="0"/>
+          </a:xfrm>
+          <a:prstGeom prst="line">
+            <a:avLst/>
+          </a:prstGeom>
+          <a:ln w="57150">
+            <a:solidFill>
+              <a:schemeClr val="accent4">
+                <a:lumMod val="75000"/>
+              </a:schemeClr>
+            </a:solidFill>
+          </a:ln>
+        </p:spPr>
+        <p:style>
+          <a:lnRef idx="1">
+            <a:schemeClr val="accent1"/>
+          </a:lnRef>
+          <a:fillRef idx="0">
+            <a:schemeClr val="accent1"/>
+          </a:fillRef>
+          <a:effectRef idx="0">
+            <a:schemeClr val="accent1"/>
+          </a:effectRef>
+          <a:fontRef idx="minor">
+            <a:schemeClr val="tx1"/>
+          </a:fontRef>
+        </p:style>
+      </p:cxnSp>
+      <p:cxnSp>
+        <p:nvCxnSpPr>
+          <p:cNvPr id="8" name="직선 연결선 7">
+            <a:extLst>
+              <a:ext uri="{FF2B5EF4-FFF2-40B4-BE49-F238E27FC236}">
+                <a16:creationId xmlns:a16="http://schemas.microsoft.com/office/drawing/2014/main" id="{62A6EC5E-008F-4227-A299-34A564C6B4DE}"/>
+              </a:ext>
+            </a:extLst>
+          </p:cNvPr>
+          <p:cNvCxnSpPr>
+            <a:cxnSpLocks/>
+          </p:cNvCxnSpPr>
+          <p:nvPr/>
+        </p:nvCxnSpPr>
+        <p:spPr>
+          <a:xfrm>
+            <a:off x="6075123" y="1565753"/>
+            <a:ext cx="1402915" cy="0"/>
+          </a:xfrm>
+          <a:prstGeom prst="line">
+            <a:avLst/>
+          </a:prstGeom>
+          <a:ln w="57150">
+            <a:solidFill>
+              <a:srgbClr val="FF0000"/>
+            </a:solidFill>
+          </a:ln>
+        </p:spPr>
+        <p:style>
+          <a:lnRef idx="1">
+            <a:schemeClr val="accent1"/>
+          </a:lnRef>
+          <a:fillRef idx="0">
+            <a:schemeClr val="accent1"/>
+          </a:fillRef>
+          <a:effectRef idx="0">
+            <a:schemeClr val="accent1"/>
+          </a:effectRef>
+          <a:fontRef idx="minor">
+            <a:schemeClr val="tx1"/>
+          </a:fontRef>
+        </p:style>
+      </p:cxnSp>
+      <p:cxnSp>
+        <p:nvCxnSpPr>
+          <p:cNvPr id="9" name="직선 연결선 8">
+            <a:extLst>
+              <a:ext uri="{FF2B5EF4-FFF2-40B4-BE49-F238E27FC236}">
+                <a16:creationId xmlns:a16="http://schemas.microsoft.com/office/drawing/2014/main" id="{73BE4EC4-D5AB-43B6-99B8-20CC507C817B}"/>
+              </a:ext>
+            </a:extLst>
+          </p:cNvPr>
+          <p:cNvCxnSpPr>
+            <a:cxnSpLocks/>
+          </p:cNvCxnSpPr>
+          <p:nvPr/>
+        </p:nvCxnSpPr>
+        <p:spPr>
+          <a:xfrm>
+            <a:off x="7478038" y="1565753"/>
+            <a:ext cx="1402915" cy="0"/>
+          </a:xfrm>
+          <a:prstGeom prst="line">
+            <a:avLst/>
+          </a:prstGeom>
+          <a:ln w="57150">
+            <a:solidFill>
+              <a:srgbClr val="92D050"/>
+            </a:solidFill>
+          </a:ln>
+        </p:spPr>
+        <p:style>
+          <a:lnRef idx="1">
+            <a:schemeClr val="accent1"/>
+          </a:lnRef>
+          <a:fillRef idx="0">
+            <a:schemeClr val="accent1"/>
+          </a:fillRef>
+          <a:effectRef idx="0">
+            <a:schemeClr val="accent1"/>
+          </a:effectRef>
+          <a:fontRef idx="minor">
+            <a:schemeClr val="tx1"/>
+          </a:fontRef>
+        </p:style>
+      </p:cxnSp>
+      <p:cxnSp>
+        <p:nvCxnSpPr>
+          <p:cNvPr id="10" name="직선 연결선 9">
+            <a:extLst>
+              <a:ext uri="{FF2B5EF4-FFF2-40B4-BE49-F238E27FC236}">
+                <a16:creationId xmlns:a16="http://schemas.microsoft.com/office/drawing/2014/main" id="{D23B7696-E162-4DC6-9E5C-29744AE86C94}"/>
+              </a:ext>
+            </a:extLst>
+          </p:cNvPr>
+          <p:cNvCxnSpPr>
+            <a:cxnSpLocks/>
+          </p:cNvCxnSpPr>
+          <p:nvPr/>
+        </p:nvCxnSpPr>
+        <p:spPr>
+          <a:xfrm>
+            <a:off x="8880953" y="1565753"/>
+            <a:ext cx="1402915" cy="0"/>
+          </a:xfrm>
+          <a:prstGeom prst="line">
+            <a:avLst/>
+          </a:prstGeom>
+          <a:ln w="57150">
+            <a:solidFill>
+              <a:schemeClr val="bg2">
+                <a:lumMod val="50000"/>
+              </a:schemeClr>
+            </a:solidFill>
+          </a:ln>
+        </p:spPr>
+        <p:style>
+          <a:lnRef idx="1">
+            <a:schemeClr val="accent1"/>
+          </a:lnRef>
+          <a:fillRef idx="0">
+            <a:schemeClr val="accent1"/>
+          </a:fillRef>
+          <a:effectRef idx="0">
+            <a:schemeClr val="accent1"/>
+          </a:effectRef>
+          <a:fontRef idx="minor">
+            <a:schemeClr val="tx1"/>
+          </a:fontRef>
+        </p:style>
+      </p:cxnSp>
+      <p:cxnSp>
+        <p:nvCxnSpPr>
+          <p:cNvPr id="11" name="직선 연결선 10">
+            <a:extLst>
+              <a:ext uri="{FF2B5EF4-FFF2-40B4-BE49-F238E27FC236}">
+                <a16:creationId xmlns:a16="http://schemas.microsoft.com/office/drawing/2014/main" id="{AD5A1D01-4DAC-4236-AC37-43914BEDECF3}"/>
+              </a:ext>
+            </a:extLst>
+          </p:cNvPr>
+          <p:cNvCxnSpPr>
+            <a:cxnSpLocks/>
+          </p:cNvCxnSpPr>
+          <p:nvPr/>
+        </p:nvCxnSpPr>
+        <p:spPr>
+          <a:xfrm>
+            <a:off x="10283868" y="1565753"/>
+            <a:ext cx="1402915" cy="0"/>
+          </a:xfrm>
+          <a:prstGeom prst="line">
+            <a:avLst/>
+          </a:prstGeom>
+          <a:ln w="57150">
+            <a:solidFill>
+              <a:schemeClr val="bg1">
+                <a:lumMod val="85000"/>
+              </a:schemeClr>
+            </a:solidFill>
+          </a:ln>
+        </p:spPr>
+        <p:style>
+          <a:lnRef idx="1">
+            <a:schemeClr val="accent1"/>
+          </a:lnRef>
+          <a:fillRef idx="0">
+            <a:schemeClr val="accent1"/>
+          </a:fillRef>
+          <a:effectRef idx="0">
+            <a:schemeClr val="accent1"/>
+          </a:effectRef>
+          <a:fontRef idx="minor">
+            <a:schemeClr val="tx1"/>
+          </a:fontRef>
+        </p:style>
+      </p:cxnSp>
+      <p:pic>
+        <p:nvPicPr>
+          <p:cNvPr id="13" name="그림 12">
+            <a:extLst>
+              <a:ext uri="{FF2B5EF4-FFF2-40B4-BE49-F238E27FC236}">
+                <a16:creationId xmlns:a16="http://schemas.microsoft.com/office/drawing/2014/main" id="{202D9208-95DE-4609-B977-2B27A4194732}"/>
+              </a:ext>
+            </a:extLst>
+          </p:cNvPr>
+          <p:cNvPicPr>
+            <a:picLocks noChangeAspect="1"/>
+          </p:cNvPicPr>
+          <p:nvPr/>
+        </p:nvPicPr>
+        <p:blipFill>
+          <a:blip r:embed="rId3"/>
+          <a:stretch>
+            <a:fillRect/>
+          </a:stretch>
+        </p:blipFill>
+        <p:spPr>
+          <a:xfrm>
+            <a:off x="463462" y="4230209"/>
+            <a:ext cx="6851737" cy="2350673"/>
+          </a:xfrm>
+          <a:prstGeom prst="rect">
+            <a:avLst/>
+          </a:prstGeom>
+        </p:spPr>
+      </p:pic>
     </p:spTree>
     <p:extLst>
       <p:ext uri="{BB962C8B-B14F-4D97-AF65-F5344CB8AC3E}">
-        <p14:creationId xmlns:p14="http://schemas.microsoft.com/office/powerpoint/2010/main" val="2046032947"/>
+        <p14:creationId xmlns:p14="http://schemas.microsoft.com/office/powerpoint/2010/main" val="4075691299"/>
       </p:ext>
     </p:extLst>
   </p:cSld>
@@ -8161,28 +8246,17 @@
           <a:p>
             <a:r>
               <a:rPr lang="en-US" altLang="ko-KR" b="1" dirty="0"/>
-              <a:t>Minetest – </a:t>
+              <a:t>Minetest - Player  </a:t>
             </a:r>
             <a:r>
               <a:rPr lang="ko-KR" altLang="en-US" b="1" dirty="0"/>
-              <a:t>흙</a:t>
+              <a:t>현재 위치</a:t>
             </a:r>
             <a:r>
               <a:rPr lang="en-US" altLang="ko-KR" b="1" dirty="0"/>
-              <a:t>(dirt)</a:t>
-            </a:r>
-            <a:r>
-              <a:rPr lang="ko-KR" altLang="en-US" b="1" dirty="0"/>
               <a:t> </a:t>
             </a:r>
-            <a:r>
-              <a:rPr lang="en-US" altLang="ko-KR" b="1" dirty="0"/>
-              <a:t>99</a:t>
-            </a:r>
-            <a:r>
-              <a:rPr lang="ko-KR" altLang="en-US" b="1" dirty="0"/>
-              <a:t>개 추가</a:t>
-            </a:r>
+            <a:endParaRPr lang="ko-KR" altLang="en-US" b="1" dirty="0"/>
           </a:p>
         </p:txBody>
       </p:sp>
@@ -8191,7 +8265,7 @@
           <p:cNvPr id="12" name="내용 개체 틀 11">
             <a:extLst>
               <a:ext uri="{FF2B5EF4-FFF2-40B4-BE49-F238E27FC236}">
-                <a16:creationId xmlns:a16="http://schemas.microsoft.com/office/drawing/2014/main" id="{AB16BA93-4AFE-47C7-8322-36F2A67421AB}"/>
+                <a16:creationId xmlns:a16="http://schemas.microsoft.com/office/drawing/2014/main" id="{7404231C-37F8-439B-AD02-C078476196EA}"/>
               </a:ext>
             </a:extLst>
           </p:cNvPr>
@@ -8202,15 +8276,16 @@
             <p:ph idx="1"/>
           </p:nvPr>
         </p:nvPicPr>
-        <p:blipFill rotWithShape="1">
+        <p:blipFill>
           <a:blip r:embed="rId2"/>
-          <a:srcRect l="1314"/>
-          <a:stretch/>
+          <a:stretch>
+            <a:fillRect/>
+          </a:stretch>
         </p:blipFill>
         <p:spPr>
           <a:xfrm>
-            <a:off x="463463" y="1983765"/>
-            <a:ext cx="9248312" cy="1815101"/>
+            <a:off x="504582" y="2163300"/>
+            <a:ext cx="11141082" cy="3727125"/>
           </a:xfrm>
           <a:prstGeom prst="rect">
             <a:avLst/>
@@ -8583,40 +8658,10 @@
           </a:fontRef>
         </p:style>
       </p:cxnSp>
-      <p:pic>
-        <p:nvPicPr>
-          <p:cNvPr id="13" name="그림 12">
-            <a:extLst>
-              <a:ext uri="{FF2B5EF4-FFF2-40B4-BE49-F238E27FC236}">
-                <a16:creationId xmlns:a16="http://schemas.microsoft.com/office/drawing/2014/main" id="{202D9208-95DE-4609-B977-2B27A4194732}"/>
-              </a:ext>
-            </a:extLst>
-          </p:cNvPr>
-          <p:cNvPicPr>
-            <a:picLocks noChangeAspect="1"/>
-          </p:cNvPicPr>
-          <p:nvPr/>
-        </p:nvPicPr>
-        <p:blipFill>
-          <a:blip r:embed="rId3"/>
-          <a:stretch>
-            <a:fillRect/>
-          </a:stretch>
-        </p:blipFill>
-        <p:spPr>
-          <a:xfrm>
-            <a:off x="463462" y="4230209"/>
-            <a:ext cx="6851737" cy="2350673"/>
-          </a:xfrm>
-          <a:prstGeom prst="rect">
-            <a:avLst/>
-          </a:prstGeom>
-        </p:spPr>
-      </p:pic>
     </p:spTree>
     <p:extLst>
       <p:ext uri="{BB962C8B-B14F-4D97-AF65-F5344CB8AC3E}">
-        <p14:creationId xmlns:p14="http://schemas.microsoft.com/office/powerpoint/2010/main" val="4075691299"/>
+        <p14:creationId xmlns:p14="http://schemas.microsoft.com/office/powerpoint/2010/main" val="2327785716"/>
       </p:ext>
     </p:extLst>
   </p:cSld>
@@ -8666,15 +8711,23 @@
           <a:p>
             <a:r>
               <a:rPr lang="en-US" altLang="ko-KR" b="1" dirty="0"/>
-              <a:t>Minetest - Player  </a:t>
-            </a:r>
-            <a:r>
-              <a:rPr lang="ko-KR" altLang="en-US" b="1" dirty="0"/>
-              <a:t>현재 위치</a:t>
-            </a:r>
-            <a:r>
-              <a:rPr lang="en-US" altLang="ko-KR" b="1" dirty="0"/>
-              <a:t> </a:t>
+              <a:t>Minetest </a:t>
+            </a:r>
+            <a:r>
+              <a:rPr lang="en-US" altLang="ko-KR" b="1" dirty="0" smtClean="0"/>
+              <a:t>– </a:t>
+            </a:r>
+            <a:r>
+              <a:rPr lang="ko-KR" altLang="en-US" b="1" dirty="0" smtClean="0"/>
+              <a:t>흙 블록 </a:t>
+            </a:r>
+            <a:r>
+              <a:rPr lang="en-US" altLang="ko-KR" b="1" dirty="0" smtClean="0"/>
+              <a:t>5</a:t>
+            </a:r>
+            <a:r>
+              <a:rPr lang="ko-KR" altLang="en-US" b="1" dirty="0" smtClean="0"/>
+              <a:t>개 설치</a:t>
             </a:r>
             <a:endParaRPr lang="ko-KR" altLang="en-US" b="1" dirty="0"/>
           </a:p>
@@ -8682,13 +8735,7 @@
       </p:sp>
       <p:pic>
         <p:nvPicPr>
-          <p:cNvPr id="12" name="내용 개체 틀 11">
-            <a:extLst>
-              <a:ext uri="{FF2B5EF4-FFF2-40B4-BE49-F238E27FC236}">
-                <a16:creationId xmlns:a16="http://schemas.microsoft.com/office/drawing/2014/main" id="{7404231C-37F8-439B-AD02-C078476196EA}"/>
-              </a:ext>
-            </a:extLst>
-          </p:cNvPr>
+          <p:cNvPr id="12" name="내용 개체 틀 11"/>
           <p:cNvPicPr>
             <a:picLocks noGrp="1" noChangeAspect="1"/>
           </p:cNvPicPr>
@@ -8704,8 +8751,8 @@
         </p:blipFill>
         <p:spPr>
           <a:xfrm>
-            <a:off x="504582" y="2163300"/>
-            <a:ext cx="11141082" cy="3727125"/>
+            <a:off x="3937819" y="2029464"/>
+            <a:ext cx="7226709" cy="4473564"/>
           </a:xfrm>
           <a:prstGeom prst="rect">
             <a:avLst/>
@@ -9078,10 +9125,34 @@
           </a:fontRef>
         </p:style>
       </p:cxnSp>
+      <p:pic>
+        <p:nvPicPr>
+          <p:cNvPr id="13" name="그림 12"/>
+          <p:cNvPicPr>
+            <a:picLocks noChangeAspect="1"/>
+          </p:cNvPicPr>
+          <p:nvPr/>
+        </p:nvPicPr>
+        <p:blipFill>
+          <a:blip r:embed="rId3"/>
+          <a:stretch>
+            <a:fillRect/>
+          </a:stretch>
+        </p:blipFill>
+        <p:spPr>
+          <a:xfrm>
+            <a:off x="461194" y="2399346"/>
+            <a:ext cx="2808099" cy="3733800"/>
+          </a:xfrm>
+          <a:prstGeom prst="rect">
+            <a:avLst/>
+          </a:prstGeom>
+        </p:spPr>
+      </p:pic>
     </p:spTree>
     <p:extLst>
       <p:ext uri="{BB962C8B-B14F-4D97-AF65-F5344CB8AC3E}">
-        <p14:creationId xmlns:p14="http://schemas.microsoft.com/office/powerpoint/2010/main" val="2327785716"/>
+        <p14:creationId xmlns:p14="http://schemas.microsoft.com/office/powerpoint/2010/main" val="2308697001"/>
       </p:ext>
     </p:extLst>
   </p:cSld>
@@ -9674,10 +9745,18 @@
           <a:lstStyle/>
           <a:p>
             <a:r>
-              <a:rPr lang="en-US" altLang="ko-KR" b="1" dirty="0"/>
-              <a:t>Minetest - </a:t>
-            </a:r>
-            <a:endParaRPr lang="ko-KR" altLang="en-US" b="1" dirty="0"/>
+              <a:rPr lang="en-US" altLang="ko-KR" b="1" dirty="0" smtClean="0"/>
+              <a:t>Minetest – </a:t>
+            </a:r>
+            <a:r>
+              <a:rPr lang="en-US" altLang="ko-KR" sz="4000" b="1" dirty="0" err="1" smtClean="0"/>
+              <a:t>chatGPT</a:t>
+            </a:r>
+            <a:r>
+              <a:rPr lang="ko-KR" altLang="en-US" sz="4000" b="1" dirty="0" smtClean="0"/>
+              <a:t>를 이용해서 집 만들기</a:t>
+            </a:r>
+            <a:endParaRPr lang="ko-KR" altLang="en-US" sz="4000" b="1" dirty="0"/>
           </a:p>
         </p:txBody>
       </p:sp>
@@ -9702,7 +9781,31 @@
           <a:bodyPr/>
           <a:lstStyle/>
           <a:p>
-            <a:endParaRPr lang="ko-KR" altLang="en-US"/>
+            <a:r>
+              <a:rPr lang="ko-KR" altLang="en-US" dirty="0" smtClean="0"/>
+              <a:t>뤼튼</a:t>
+            </a:r>
+            <a:r>
+              <a:rPr lang="en-US" altLang="ko-KR" dirty="0" smtClean="0"/>
+              <a:t>ai : </a:t>
+            </a:r>
+            <a:r>
+              <a:rPr lang="en-US" altLang="ko-KR" dirty="0" smtClean="0">
+                <a:hlinkClick r:id="rId2"/>
+              </a:rPr>
+              <a:t>https://wrtn.ai</a:t>
+            </a:r>
+            <a:endParaRPr lang="en-US" altLang="ko-KR" dirty="0" smtClean="0"/>
+          </a:p>
+          <a:p>
+            <a:endParaRPr lang="en-US" altLang="ko-KR" dirty="0"/>
+          </a:p>
+          <a:p>
+            <a:r>
+              <a:rPr lang="ko-KR" altLang="en-US" dirty="0" smtClean="0"/>
+              <a:t>프롬프트 입력 내용</a:t>
+            </a:r>
+            <a:endParaRPr lang="ko-KR" altLang="en-US" dirty="0"/>
           </a:p>
         </p:txBody>
       </p:sp>
@@ -10058,10 +10161,34 @@
           </a:fontRef>
         </p:style>
       </p:cxnSp>
+      <p:pic>
+        <p:nvPicPr>
+          <p:cNvPr id="12" name="그림 11"/>
+          <p:cNvPicPr>
+            <a:picLocks noChangeAspect="1"/>
+          </p:cNvPicPr>
+          <p:nvPr/>
+        </p:nvPicPr>
+        <p:blipFill>
+          <a:blip r:embed="rId3"/>
+          <a:stretch>
+            <a:fillRect/>
+          </a:stretch>
+        </p:blipFill>
+        <p:spPr>
+          <a:xfrm>
+            <a:off x="1132393" y="3460953"/>
+            <a:ext cx="6587519" cy="2509531"/>
+          </a:xfrm>
+          <a:prstGeom prst="rect">
+            <a:avLst/>
+          </a:prstGeom>
+        </p:spPr>
+      </p:pic>
     </p:spTree>
     <p:extLst>
       <p:ext uri="{BB962C8B-B14F-4D97-AF65-F5344CB8AC3E}">
-        <p14:creationId xmlns:p14="http://schemas.microsoft.com/office/powerpoint/2010/main" val="2308697001"/>
+        <p14:creationId xmlns:p14="http://schemas.microsoft.com/office/powerpoint/2010/main" val="229252169"/>
       </p:ext>
     </p:extLst>
   </p:cSld>
@@ -10109,7 +10236,19 @@
           <a:bodyPr/>
           <a:lstStyle/>
           <a:p>
-            <a:endParaRPr lang="ko-KR" altLang="en-US" b="1" dirty="0"/>
+            <a:r>
+              <a:rPr lang="en-US" altLang="ko-KR" b="1" dirty="0"/>
+              <a:t>Minetest – </a:t>
+            </a:r>
+            <a:r>
+              <a:rPr lang="en-US" altLang="ko-KR" sz="4000" b="1" dirty="0" err="1"/>
+              <a:t>chatGPT</a:t>
+            </a:r>
+            <a:r>
+              <a:rPr lang="ko-KR" altLang="en-US" sz="4000" b="1" dirty="0"/>
+              <a:t>를 이용해서 집 만들기</a:t>
+            </a:r>
+            <a:endParaRPr lang="ko-KR" altLang="en-US" sz="4000" b="1" dirty="0"/>
           </a:p>
         </p:txBody>
       </p:sp>
@@ -10134,7 +10273,19 @@
           <a:bodyPr/>
           <a:lstStyle/>
           <a:p>
-            <a:endParaRPr lang="ko-KR" altLang="en-US"/>
+            <a:r>
+              <a:rPr lang="ko-KR" altLang="en-US" dirty="0" smtClean="0"/>
+              <a:t>뤼튼 </a:t>
+            </a:r>
+            <a:r>
+              <a:rPr lang="en-US" altLang="ko-KR" dirty="0" smtClean="0"/>
+              <a:t>ai </a:t>
+            </a:r>
+            <a:r>
+              <a:rPr lang="ko-KR" altLang="en-US" dirty="0" smtClean="0"/>
+              <a:t>결과</a:t>
+            </a:r>
+            <a:endParaRPr lang="ko-KR" altLang="en-US" dirty="0"/>
           </a:p>
         </p:txBody>
       </p:sp>
@@ -10490,10 +10641,117 @@
           </a:fontRef>
         </p:style>
       </p:cxnSp>
+      <p:pic>
+        <p:nvPicPr>
+          <p:cNvPr id="12" name="그림 11"/>
+          <p:cNvPicPr>
+            <a:picLocks noChangeAspect="1"/>
+          </p:cNvPicPr>
+          <p:nvPr/>
+        </p:nvPicPr>
+        <p:blipFill>
+          <a:blip r:embed="rId2"/>
+          <a:stretch>
+            <a:fillRect/>
+          </a:stretch>
+        </p:blipFill>
+        <p:spPr>
+          <a:xfrm>
+            <a:off x="5222334" y="1690688"/>
+            <a:ext cx="6297957" cy="4976418"/>
+          </a:xfrm>
+          <a:prstGeom prst="rect">
+            <a:avLst/>
+          </a:prstGeom>
+        </p:spPr>
+      </p:pic>
+      <p:sp>
+        <p:nvSpPr>
+          <p:cNvPr id="13" name="TextBox 12"/>
+          <p:cNvSpPr txBox="1"/>
+          <p:nvPr/>
+        </p:nvSpPr>
+        <p:spPr>
+          <a:xfrm>
+            <a:off x="958645" y="2708632"/>
+            <a:ext cx="3713563" cy="2585323"/>
+          </a:xfrm>
+          <a:prstGeom prst="rect">
+            <a:avLst/>
+          </a:prstGeom>
+          <a:noFill/>
+        </p:spPr>
+        <p:txBody>
+          <a:bodyPr wrap="square" rtlCol="0">
+            <a:spAutoFit/>
+          </a:bodyPr>
+          <a:lstStyle/>
+          <a:p>
+            <a:pPr marL="285750" indent="-285750">
+              <a:buFont typeface="Arial" panose="020B0604020202020204" pitchFamily="34" charset="0"/>
+              <a:buChar char="•"/>
+            </a:pPr>
+            <a:r>
+              <a:rPr lang="en-US" altLang="ko-KR" dirty="0" smtClean="0"/>
+              <a:t>mt.node.set() </a:t>
+            </a:r>
+            <a:r>
+              <a:rPr lang="ko-KR" altLang="en-US" dirty="0" smtClean="0"/>
+              <a:t>메소드의 첫번째 인수는 값은 딕셔너리 형태의 자료구조입니다</a:t>
+            </a:r>
+            <a:r>
+              <a:rPr lang="en-US" altLang="ko-KR" dirty="0" smtClean="0"/>
+              <a:t>.</a:t>
+            </a:r>
+          </a:p>
+          <a:p>
+            <a:endParaRPr lang="en-US" altLang="ko-KR" dirty="0"/>
+          </a:p>
+          <a:p>
+            <a:pPr marL="285750" indent="-285750">
+              <a:buFont typeface="Arial" panose="020B0604020202020204" pitchFamily="34" charset="0"/>
+              <a:buChar char="•"/>
+            </a:pPr>
+            <a:r>
+              <a:rPr lang="ko-KR" altLang="en-US" dirty="0" smtClean="0"/>
+              <a:t>뤼튼 </a:t>
+            </a:r>
+            <a:r>
+              <a:rPr lang="en-US" altLang="ko-KR" dirty="0" smtClean="0"/>
+              <a:t>ai </a:t>
+            </a:r>
+            <a:r>
+              <a:rPr lang="ko-KR" altLang="en-US" dirty="0" smtClean="0"/>
+              <a:t>결과로 실행하면 집을 만들 수 없습니다</a:t>
+            </a:r>
+            <a:r>
+              <a:rPr lang="en-US" altLang="ko-KR" dirty="0" smtClean="0"/>
+              <a:t>.</a:t>
+            </a:r>
+          </a:p>
+          <a:p>
+            <a:pPr marL="285750" indent="-285750">
+              <a:buFont typeface="Arial" panose="020B0604020202020204" pitchFamily="34" charset="0"/>
+              <a:buChar char="•"/>
+            </a:pPr>
+            <a:endParaRPr lang="en-US" altLang="ko-KR" dirty="0"/>
+          </a:p>
+          <a:p>
+            <a:pPr marL="285750" indent="-285750">
+              <a:buFont typeface="Arial" panose="020B0604020202020204" pitchFamily="34" charset="0"/>
+              <a:buChar char="•"/>
+            </a:pPr>
+            <a:endParaRPr lang="en-US" altLang="ko-KR" dirty="0" smtClean="0"/>
+          </a:p>
+          <a:p>
+            <a:endParaRPr lang="ko-KR" altLang="en-US" dirty="0"/>
+          </a:p>
+        </p:txBody>
+      </p:sp>
     </p:spTree>
     <p:extLst>
       <p:ext uri="{BB962C8B-B14F-4D97-AF65-F5344CB8AC3E}">
-        <p14:creationId xmlns:p14="http://schemas.microsoft.com/office/powerpoint/2010/main" val="229252169"/>
+        <p14:creationId xmlns:p14="http://schemas.microsoft.com/office/powerpoint/2010/main" val="1786130159"/>
       </p:ext>
     </p:extLst>
   </p:cSld>
@@ -10541,7 +10799,19 @@
           <a:bodyPr/>
           <a:lstStyle/>
           <a:p>
-            <a:endParaRPr lang="ko-KR" altLang="en-US" b="1" dirty="0"/>
+            <a:r>
+              <a:rPr lang="en-US" altLang="ko-KR" b="1" dirty="0"/>
+              <a:t>Minetest – </a:t>
+            </a:r>
+            <a:r>
+              <a:rPr lang="en-US" altLang="ko-KR" sz="4000" b="1" dirty="0" err="1"/>
+              <a:t>chatGPT</a:t>
+            </a:r>
+            <a:r>
+              <a:rPr lang="ko-KR" altLang="en-US" sz="4000" b="1" dirty="0"/>
+              <a:t>를 이용해서 집 만들기</a:t>
+            </a:r>
+            <a:endParaRPr lang="ko-KR" altLang="en-US" sz="4000" b="1" dirty="0"/>
           </a:p>
         </p:txBody>
       </p:sp>
@@ -10566,7 +10836,11 @@
           <a:bodyPr/>
           <a:lstStyle/>
           <a:p>
-            <a:endParaRPr lang="ko-KR" altLang="en-US"/>
+            <a:r>
+              <a:rPr lang="ko-KR" altLang="en-US" dirty="0" smtClean="0"/>
+              <a:t>프롬프트 입력</a:t>
+            </a:r>
+            <a:endParaRPr lang="ko-KR" altLang="en-US" dirty="0"/>
           </a:p>
         </p:txBody>
       </p:sp>
@@ -10922,10 +11196,34 @@
           </a:fontRef>
         </p:style>
       </p:cxnSp>
+      <p:pic>
+        <p:nvPicPr>
+          <p:cNvPr id="12" name="그림 11"/>
+          <p:cNvPicPr>
+            <a:picLocks noChangeAspect="1"/>
+          </p:cNvPicPr>
+          <p:nvPr/>
+        </p:nvPicPr>
+        <p:blipFill>
+          <a:blip r:embed="rId2"/>
+          <a:stretch>
+            <a:fillRect/>
+          </a:stretch>
+        </p:blipFill>
+        <p:spPr>
+          <a:xfrm>
+            <a:off x="1017435" y="2522298"/>
+            <a:ext cx="9846305" cy="987817"/>
+          </a:xfrm>
+          <a:prstGeom prst="rect">
+            <a:avLst/>
+          </a:prstGeom>
+        </p:spPr>
+      </p:pic>
     </p:spTree>
     <p:extLst>
       <p:ext uri="{BB962C8B-B14F-4D97-AF65-F5344CB8AC3E}">
-        <p14:creationId xmlns:p14="http://schemas.microsoft.com/office/powerpoint/2010/main" val="1786130159"/>
+        <p14:creationId xmlns:p14="http://schemas.microsoft.com/office/powerpoint/2010/main" val="977785539"/>
       </p:ext>
     </p:extLst>
   </p:cSld>
@@ -10973,35 +11271,48 @@
           <a:bodyPr/>
           <a:lstStyle/>
           <a:p>
-            <a:endParaRPr lang="ko-KR" altLang="en-US" b="1" dirty="0"/>
+            <a:r>
+              <a:rPr lang="en-US" altLang="ko-KR" b="1" dirty="0"/>
+              <a:t>Minetest – </a:t>
+            </a:r>
+            <a:r>
+              <a:rPr lang="en-US" altLang="ko-KR" sz="4000" b="1" dirty="0" err="1"/>
+              <a:t>chatGPT</a:t>
+            </a:r>
+            <a:r>
+              <a:rPr lang="ko-KR" altLang="en-US" sz="4000" b="1" dirty="0"/>
+              <a:t>를 이용해서 집 만들기</a:t>
+            </a:r>
+            <a:endParaRPr lang="ko-KR" altLang="en-US" sz="4000" b="1" dirty="0"/>
           </a:p>
         </p:txBody>
       </p:sp>
-      <p:sp>
-        <p:nvSpPr>
-          <p:cNvPr id="3" name="내용 개체 틀 2">
-            <a:extLst>
-              <a:ext uri="{FF2B5EF4-FFF2-40B4-BE49-F238E27FC236}">
-                <a16:creationId xmlns:a16="http://schemas.microsoft.com/office/drawing/2014/main" id="{E9D22F1E-049A-4FEB-AEF1-C90B1011EA69}"/>
-              </a:ext>
-            </a:extLst>
-          </p:cNvPr>
-          <p:cNvSpPr>
-            <a:spLocks noGrp="1"/>
-          </p:cNvSpPr>
+      <p:pic>
+        <p:nvPicPr>
+          <p:cNvPr id="12" name="내용 개체 틀 11"/>
+          <p:cNvPicPr>
+            <a:picLocks noGrp="1" noChangeAspect="1"/>
+          </p:cNvPicPr>
           <p:nvPr>
             <p:ph idx="1"/>
           </p:nvPr>
-        </p:nvSpPr>
-        <p:spPr/>
-        <p:txBody>
-          <a:bodyPr/>
-          <a:lstStyle/>
-          <a:p>
-            <a:endParaRPr lang="ko-KR" altLang="en-US"/>
-          </a:p>
-        </p:txBody>
-      </p:sp>
+        </p:nvPicPr>
+        <p:blipFill>
+          <a:blip r:embed="rId2"/>
+          <a:stretch>
+            <a:fillRect/>
+          </a:stretch>
+        </p:blipFill>
+        <p:spPr>
+          <a:xfrm>
+            <a:off x="4881717" y="1840373"/>
+            <a:ext cx="6587418" cy="4702523"/>
+          </a:xfrm>
+          <a:prstGeom prst="rect">
+            <a:avLst/>
+          </a:prstGeom>
+        </p:spPr>
+      </p:pic>
       <p:cxnSp>
         <p:nvCxnSpPr>
           <p:cNvPr id="4" name="직선 연결선 3">
@@ -11354,10 +11665,51 @@
           </a:fontRef>
         </p:style>
       </p:cxnSp>
+      <p:sp>
+        <p:nvSpPr>
+          <p:cNvPr id="13" name="직사각형 12"/>
+          <p:cNvSpPr/>
+          <p:nvPr/>
+        </p:nvSpPr>
+        <p:spPr>
+          <a:xfrm>
+            <a:off x="463463" y="1961224"/>
+            <a:ext cx="3164640" cy="523220"/>
+          </a:xfrm>
+          <a:prstGeom prst="rect">
+            <a:avLst/>
+          </a:prstGeom>
+        </p:spPr>
+        <p:txBody>
+          <a:bodyPr wrap="square">
+            <a:spAutoFit/>
+          </a:bodyPr>
+          <a:lstStyle/>
+          <a:p>
+            <a:pPr marL="285750" indent="-285750">
+              <a:buFont typeface="Arial" panose="020B0604020202020204" pitchFamily="34" charset="0"/>
+              <a:buChar char="•"/>
+            </a:pPr>
+            <a:r>
+              <a:rPr lang="ko-KR" altLang="en-US" sz="2800" dirty="0"/>
+              <a:t>뤼튼 </a:t>
+            </a:r>
+            <a:r>
+              <a:rPr lang="en-US" altLang="ko-KR" sz="2800" dirty="0"/>
+              <a:t>ai </a:t>
+            </a:r>
+            <a:r>
+              <a:rPr lang="ko-KR" altLang="en-US" sz="2800" dirty="0"/>
+              <a:t>결과</a:t>
+            </a:r>
+            <a:endParaRPr lang="ko-KR" altLang="en-US" sz="2800" dirty="0"/>
+          </a:p>
+        </p:txBody>
+      </p:sp>
     </p:spTree>
     <p:extLst>
       <p:ext uri="{BB962C8B-B14F-4D97-AF65-F5344CB8AC3E}">
-        <p14:creationId xmlns:p14="http://schemas.microsoft.com/office/powerpoint/2010/main" val="977785539"/>
+        <p14:creationId xmlns:p14="http://schemas.microsoft.com/office/powerpoint/2010/main" val="3804466198"/>
       </p:ext>
     </p:extLst>
   </p:cSld>
@@ -11405,35 +11757,48 @@
           <a:bodyPr/>
           <a:lstStyle/>
           <a:p>
-            <a:endParaRPr lang="ko-KR" altLang="en-US" b="1" dirty="0"/>
+            <a:r>
+              <a:rPr lang="en-US" altLang="ko-KR" b="1" dirty="0"/>
+              <a:t>Minetest – </a:t>
+            </a:r>
+            <a:r>
+              <a:rPr lang="en-US" altLang="ko-KR" sz="4000" b="1" dirty="0" err="1"/>
+              <a:t>chatGPT</a:t>
+            </a:r>
+            <a:r>
+              <a:rPr lang="ko-KR" altLang="en-US" sz="4000" b="1" dirty="0"/>
+              <a:t>를 이용해서 집 만들기</a:t>
+            </a:r>
+            <a:endParaRPr lang="ko-KR" altLang="en-US" sz="4000" b="1" dirty="0"/>
           </a:p>
         </p:txBody>
       </p:sp>
-      <p:sp>
-        <p:nvSpPr>
-          <p:cNvPr id="3" name="내용 개체 틀 2">
-            <a:extLst>
-              <a:ext uri="{FF2B5EF4-FFF2-40B4-BE49-F238E27FC236}">
-                <a16:creationId xmlns:a16="http://schemas.microsoft.com/office/drawing/2014/main" id="{E9D22F1E-049A-4FEB-AEF1-C90B1011EA69}"/>
-              </a:ext>
-            </a:extLst>
-          </p:cNvPr>
-          <p:cNvSpPr>
-            <a:spLocks noGrp="1"/>
-          </p:cNvSpPr>
+      <p:pic>
+        <p:nvPicPr>
+          <p:cNvPr id="12" name="내용 개체 틀 11"/>
+          <p:cNvPicPr>
+            <a:picLocks noGrp="1" noChangeAspect="1"/>
+          </p:cNvPicPr>
           <p:nvPr>
             <p:ph idx="1"/>
           </p:nvPr>
-        </p:nvSpPr>
-        <p:spPr/>
-        <p:txBody>
-          <a:bodyPr/>
-          <a:lstStyle/>
-          <a:p>
-            <a:endParaRPr lang="ko-KR" altLang="en-US"/>
-          </a:p>
-        </p:txBody>
-      </p:sp>
+        </p:nvPicPr>
+        <p:blipFill>
+          <a:blip r:embed="rId2"/>
+          <a:stretch>
+            <a:fillRect/>
+          </a:stretch>
+        </p:blipFill>
+        <p:spPr>
+          <a:xfrm>
+            <a:off x="1388234" y="1799303"/>
+            <a:ext cx="9415531" cy="4776984"/>
+          </a:xfrm>
+          <a:prstGeom prst="rect">
+            <a:avLst/>
+          </a:prstGeom>
+        </p:spPr>
+      </p:pic>
       <p:cxnSp>
         <p:nvCxnSpPr>
           <p:cNvPr id="4" name="직선 연결선 3">
@@ -11789,7 +12154,7 @@
     </p:spTree>
     <p:extLst>
       <p:ext uri="{BB962C8B-B14F-4D97-AF65-F5344CB8AC3E}">
-        <p14:creationId xmlns:p14="http://schemas.microsoft.com/office/powerpoint/2010/main" val="3804466198"/>
+        <p14:creationId xmlns:p14="http://schemas.microsoft.com/office/powerpoint/2010/main" val="2818670221"/>
       </p:ext>
     </p:extLst>
   </p:cSld>
@@ -11837,35 +12202,48 @@
           <a:bodyPr/>
           <a:lstStyle/>
           <a:p>
-            <a:endParaRPr lang="ko-KR" altLang="en-US" b="1" dirty="0"/>
+            <a:r>
+              <a:rPr lang="en-US" altLang="ko-KR" b="1" dirty="0"/>
+              <a:t>Minetest – </a:t>
+            </a:r>
+            <a:r>
+              <a:rPr lang="en-US" altLang="ko-KR" sz="4000" b="1" dirty="0" err="1"/>
+              <a:t>chatGPT</a:t>
+            </a:r>
+            <a:r>
+              <a:rPr lang="ko-KR" altLang="en-US" sz="4000" b="1" dirty="0"/>
+              <a:t>를 이용해서 집 만들기</a:t>
+            </a:r>
+            <a:endParaRPr lang="ko-KR" altLang="en-US" sz="4000" b="1" dirty="0"/>
           </a:p>
         </p:txBody>
       </p:sp>
-      <p:sp>
-        <p:nvSpPr>
-          <p:cNvPr id="3" name="내용 개체 틀 2">
-            <a:extLst>
-              <a:ext uri="{FF2B5EF4-FFF2-40B4-BE49-F238E27FC236}">
-                <a16:creationId xmlns:a16="http://schemas.microsoft.com/office/drawing/2014/main" id="{E9D22F1E-049A-4FEB-AEF1-C90B1011EA69}"/>
-              </a:ext>
-            </a:extLst>
-          </p:cNvPr>
-          <p:cNvSpPr>
-            <a:spLocks noGrp="1"/>
-          </p:cNvSpPr>
+      <p:pic>
+        <p:nvPicPr>
+          <p:cNvPr id="12" name="내용 개체 틀 11"/>
+          <p:cNvPicPr>
+            <a:picLocks noGrp="1" noChangeAspect="1"/>
+          </p:cNvPicPr>
           <p:nvPr>
             <p:ph idx="1"/>
           </p:nvPr>
-        </p:nvSpPr>
-        <p:spPr/>
-        <p:txBody>
-          <a:bodyPr/>
-          <a:lstStyle/>
-          <a:p>
-            <a:endParaRPr lang="ko-KR" altLang="en-US"/>
-          </a:p>
-        </p:txBody>
-      </p:sp>
+        </p:nvPicPr>
+        <p:blipFill>
+          <a:blip r:embed="rId2"/>
+          <a:stretch>
+            <a:fillRect/>
+          </a:stretch>
+        </p:blipFill>
+        <p:spPr>
+          <a:xfrm>
+            <a:off x="3356571" y="1807779"/>
+            <a:ext cx="5031744" cy="4803522"/>
+          </a:xfrm>
+          <a:prstGeom prst="rect">
+            <a:avLst/>
+          </a:prstGeom>
+        </p:spPr>
+      </p:pic>
       <p:cxnSp>
         <p:nvCxnSpPr>
           <p:cNvPr id="4" name="직선 연결선 3">
@@ -12221,7 +12599,7 @@
     </p:spTree>
     <p:extLst>
       <p:ext uri="{BB962C8B-B14F-4D97-AF65-F5344CB8AC3E}">
-        <p14:creationId xmlns:p14="http://schemas.microsoft.com/office/powerpoint/2010/main" val="2818670221"/>
+        <p14:creationId xmlns:p14="http://schemas.microsoft.com/office/powerpoint/2010/main" val="2626788151"/>
       </p:ext>
     </p:extLst>
   </p:cSld>
@@ -12250,13 +12628,7 @@
       </p:grpSpPr>
       <p:sp>
         <p:nvSpPr>
-          <p:cNvPr id="2" name="제목 1">
-            <a:extLst>
-              <a:ext uri="{FF2B5EF4-FFF2-40B4-BE49-F238E27FC236}">
-                <a16:creationId xmlns:a16="http://schemas.microsoft.com/office/drawing/2014/main" id="{0BBD75FB-0799-4EB1-9AD7-C68E11797971}"/>
-              </a:ext>
-            </a:extLst>
-          </p:cNvPr>
+          <p:cNvPr id="2" name="제목 1"/>
           <p:cNvSpPr>
             <a:spLocks noGrp="1"/>
           </p:cNvSpPr>
@@ -12269,38 +12641,75 @@
           <a:bodyPr/>
           <a:lstStyle/>
           <a:p>
-            <a:endParaRPr lang="ko-KR" altLang="en-US" b="1" dirty="0"/>
+            <a:r>
+              <a:rPr lang="en-US" altLang="ko-KR" b="1" dirty="0"/>
+              <a:t>Minetest – </a:t>
+            </a:r>
+            <a:r>
+              <a:rPr lang="en-US" altLang="ko-KR" sz="4000" b="1" dirty="0" err="1"/>
+              <a:t>chatGPT</a:t>
+            </a:r>
+            <a:r>
+              <a:rPr lang="ko-KR" altLang="en-US" sz="4000" b="1" dirty="0"/>
+              <a:t>를 이용해서 집 만들기</a:t>
+            </a:r>
+            <a:endParaRPr lang="ko-KR" altLang="en-US" dirty="0"/>
           </a:p>
         </p:txBody>
       </p:sp>
-      <p:sp>
-        <p:nvSpPr>
-          <p:cNvPr id="3" name="내용 개체 틀 2">
-            <a:extLst>
-              <a:ext uri="{FF2B5EF4-FFF2-40B4-BE49-F238E27FC236}">
-                <a16:creationId xmlns:a16="http://schemas.microsoft.com/office/drawing/2014/main" id="{E9D22F1E-049A-4FEB-AEF1-C90B1011EA69}"/>
-              </a:ext>
-            </a:extLst>
-          </p:cNvPr>
-          <p:cNvSpPr>
-            <a:spLocks noGrp="1"/>
-          </p:cNvSpPr>
+      <p:pic>
+        <p:nvPicPr>
+          <p:cNvPr id="4" name="내용 개체 틀 3"/>
+          <p:cNvPicPr>
+            <a:picLocks noGrp="1" noChangeAspect="1"/>
+          </p:cNvPicPr>
           <p:nvPr>
             <p:ph idx="1"/>
           </p:nvPr>
-        </p:nvSpPr>
-        <p:spPr/>
-        <p:txBody>
-          <a:bodyPr/>
-          <a:lstStyle/>
-          <a:p>
-            <a:endParaRPr lang="ko-KR" altLang="en-US"/>
-          </a:p>
-        </p:txBody>
-      </p:sp>
-      <p:cxnSp>
-        <p:nvCxnSpPr>
-          <p:cNvPr id="4" name="직선 연결선 3">
+        </p:nvPicPr>
+        <p:blipFill>
+          <a:blip r:embed="rId2"/>
+          <a:stretch>
+            <a:fillRect/>
+          </a:stretch>
+        </p:blipFill>
+        <p:spPr>
+          <a:xfrm>
+            <a:off x="3638556" y="1825625"/>
+            <a:ext cx="4914887" cy="4351338"/>
+          </a:xfrm>
+          <a:prstGeom prst="rect">
+            <a:avLst/>
+          </a:prstGeom>
+        </p:spPr>
+      </p:pic>
+      <p:pic>
+        <p:nvPicPr>
+          <p:cNvPr id="5" name="그림 4"/>
+          <p:cNvPicPr>
+            <a:picLocks noChangeAspect="1"/>
+          </p:cNvPicPr>
+          <p:nvPr/>
+        </p:nvPicPr>
+        <p:blipFill>
+          <a:blip r:embed="rId3"/>
+          <a:stretch>
+            <a:fillRect/>
+          </a:stretch>
+        </p:blipFill>
+        <p:spPr>
+          <a:xfrm>
+            <a:off x="838200" y="1690688"/>
+            <a:ext cx="4581525" cy="628650"/>
+          </a:xfrm>
+          <a:prstGeom prst="rect">
+            <a:avLst/>
+          </a:prstGeom>
+        </p:spPr>
+      </p:pic>
+      <p:cxnSp>
+        <p:nvCxnSpPr>
+          <p:cNvPr id="6" name="직선 연결선 5">
             <a:extLst>
               <a:ext uri="{FF2B5EF4-FFF2-40B4-BE49-F238E27FC236}">
                 <a16:creationId xmlns:a16="http://schemas.microsoft.com/office/drawing/2014/main" id="{EE01682E-4EC3-491F-A46B-0EACC9713D73}"/>
@@ -12343,7 +12752,7 @@
       </p:cxnSp>
       <p:cxnSp>
         <p:nvCxnSpPr>
-          <p:cNvPr id="5" name="직선 연결선 4">
+          <p:cNvPr id="7" name="직선 연결선 6">
             <a:extLst>
               <a:ext uri="{FF2B5EF4-FFF2-40B4-BE49-F238E27FC236}">
                 <a16:creationId xmlns:a16="http://schemas.microsoft.com/office/drawing/2014/main" id="{ABC6680E-470B-45C4-B289-7A0EF67ED7E0}"/>
@@ -12388,7 +12797,7 @@
       </p:cxnSp>
       <p:cxnSp>
         <p:nvCxnSpPr>
-          <p:cNvPr id="6" name="직선 연결선 5">
+          <p:cNvPr id="8" name="직선 연결선 7">
             <a:extLst>
               <a:ext uri="{FF2B5EF4-FFF2-40B4-BE49-F238E27FC236}">
                 <a16:creationId xmlns:a16="http://schemas.microsoft.com/office/drawing/2014/main" id="{3678CCF4-4AC3-4139-92E5-55722C3E7751}"/>
@@ -12431,7 +12840,7 @@
       </p:cxnSp>
       <p:cxnSp>
         <p:nvCxnSpPr>
-          <p:cNvPr id="7" name="직선 연결선 6">
+          <p:cNvPr id="9" name="직선 연결선 8">
             <a:extLst>
               <a:ext uri="{FF2B5EF4-FFF2-40B4-BE49-F238E27FC236}">
                 <a16:creationId xmlns:a16="http://schemas.microsoft.com/office/drawing/2014/main" id="{9FF08141-38ED-4F86-86A9-757547A2479E}"/>
@@ -12476,7 +12885,7 @@
       </p:cxnSp>
       <p:cxnSp>
         <p:nvCxnSpPr>
-          <p:cNvPr id="8" name="직선 연결선 7">
+          <p:cNvPr id="10" name="직선 연결선 9">
             <a:extLst>
               <a:ext uri="{FF2B5EF4-FFF2-40B4-BE49-F238E27FC236}">
                 <a16:creationId xmlns:a16="http://schemas.microsoft.com/office/drawing/2014/main" id="{62A6EC5E-008F-4227-A299-34A564C6B4DE}"/>
@@ -12519,7 +12928,7 @@
       </p:cxnSp>
       <p:cxnSp>
         <p:nvCxnSpPr>
-          <p:cNvPr id="9" name="직선 연결선 8">
+          <p:cNvPr id="11" name="직선 연결선 10">
             <a:extLst>
               <a:ext uri="{FF2B5EF4-FFF2-40B4-BE49-F238E27FC236}">
                 <a16:creationId xmlns:a16="http://schemas.microsoft.com/office/drawing/2014/main" id="{73BE4EC4-D5AB-43B6-99B8-20CC507C817B}"/>
@@ -12562,7 +12971,7 @@
       </p:cxnSp>
       <p:cxnSp>
         <p:nvCxnSpPr>
-          <p:cNvPr id="10" name="직선 연결선 9">
+          <p:cNvPr id="12" name="직선 연결선 11">
             <a:extLst>
               <a:ext uri="{FF2B5EF4-FFF2-40B4-BE49-F238E27FC236}">
                 <a16:creationId xmlns:a16="http://schemas.microsoft.com/office/drawing/2014/main" id="{D23B7696-E162-4DC6-9E5C-29744AE86C94}"/>
@@ -12607,7 +13016,7 @@
       </p:cxnSp>
       <p:cxnSp>
         <p:nvCxnSpPr>
-          <p:cNvPr id="11" name="직선 연결선 10">
+          <p:cNvPr id="13" name="직선 연결선 12">
             <a:extLst>
               <a:ext uri="{FF2B5EF4-FFF2-40B4-BE49-F238E27FC236}">
                 <a16:creationId xmlns:a16="http://schemas.microsoft.com/office/drawing/2014/main" id="{AD5A1D01-4DAC-4236-AC37-43914BEDECF3}"/>
@@ -12653,7 +13062,7 @@
     </p:spTree>
     <p:extLst>
       <p:ext uri="{BB962C8B-B14F-4D97-AF65-F5344CB8AC3E}">
-        <p14:creationId xmlns:p14="http://schemas.microsoft.com/office/powerpoint/2010/main" val="2626788151"/>
+        <p14:creationId xmlns:p14="http://schemas.microsoft.com/office/powerpoint/2010/main" val="413581877"/>
       </p:ext>
     </p:extLst>
   </p:cSld>
@@ -12680,47 +13089,9 @@
           <a:chExt cx="0" cy="0"/>
         </a:xfrm>
       </p:grpSpPr>
-      <p:sp>
-        <p:nvSpPr>
-          <p:cNvPr id="2" name="제목 1">
-            <a:extLst>
-              <a:ext uri="{FF2B5EF4-FFF2-40B4-BE49-F238E27FC236}">
-                <a16:creationId xmlns:a16="http://schemas.microsoft.com/office/drawing/2014/main" id="{0BBD75FB-0799-4EB1-9AD7-C68E11797971}"/>
-              </a:ext>
-            </a:extLst>
-          </p:cNvPr>
-          <p:cNvSpPr>
-            <a:spLocks noGrp="1"/>
-          </p:cNvSpPr>
-          <p:nvPr>
-            <p:ph type="title"/>
-          </p:nvPr>
-        </p:nvSpPr>
-        <p:spPr/>
-        <p:txBody>
-          <a:bodyPr/>
-          <a:lstStyle/>
-          <a:p>
-            <a:r>
-              <a:rPr lang="en-US" altLang="ko-KR" b="1" dirty="0"/>
-              <a:t>Minetest –</a:t>
-            </a:r>
-            <a:r>
-              <a:rPr lang="ko-KR" altLang="en-US" b="1" dirty="0"/>
-              <a:t> 서버 설정</a:t>
-            </a:r>
-          </a:p>
-        </p:txBody>
-      </p:sp>
       <p:pic>
         <p:nvPicPr>
-          <p:cNvPr id="12" name="내용 개체 틀 11">
-            <a:extLst>
-              <a:ext uri="{FF2B5EF4-FFF2-40B4-BE49-F238E27FC236}">
-                <a16:creationId xmlns:a16="http://schemas.microsoft.com/office/drawing/2014/main" id="{9DC6AD38-D74F-4024-B23E-94857755803F}"/>
-              </a:ext>
-            </a:extLst>
-          </p:cNvPr>
+          <p:cNvPr id="4" name="내용 개체 틀 3"/>
           <p:cNvPicPr>
             <a:picLocks noGrp="1" noChangeAspect="1"/>
           </p:cNvPicPr>
@@ -12736,8 +13107,8 @@
         </p:blipFill>
         <p:spPr>
           <a:xfrm>
-            <a:off x="463463" y="2252031"/>
-            <a:ext cx="8744208" cy="1518287"/>
+            <a:off x="2190197" y="229580"/>
+            <a:ext cx="7444253" cy="6328777"/>
           </a:xfrm>
           <a:prstGeom prst="rect">
             <a:avLst/>
@@ -12758,406 +13129,744 @@
           </a:effectLst>
         </p:spPr>
       </p:pic>
-      <p:cxnSp>
-        <p:nvCxnSpPr>
-          <p:cNvPr id="4" name="직선 연결선 3">
-            <a:extLst>
-              <a:ext uri="{FF2B5EF4-FFF2-40B4-BE49-F238E27FC236}">
-                <a16:creationId xmlns:a16="http://schemas.microsoft.com/office/drawing/2014/main" id="{EE01682E-4EC3-491F-A46B-0EACC9713D73}"/>
-              </a:ext>
-            </a:extLst>
-          </p:cNvPr>
-          <p:cNvCxnSpPr>
-            <a:cxnSpLocks/>
-          </p:cNvCxnSpPr>
-          <p:nvPr/>
-        </p:nvCxnSpPr>
-        <p:spPr>
-          <a:xfrm>
-            <a:off x="463463" y="1565753"/>
-            <a:ext cx="1402915" cy="0"/>
-          </a:xfrm>
-          <a:prstGeom prst="line">
-            <a:avLst/>
-          </a:prstGeom>
-          <a:ln w="57150">
-            <a:solidFill>
-              <a:srgbClr val="00B050"/>
-            </a:solidFill>
-          </a:ln>
-        </p:spPr>
-        <p:style>
-          <a:lnRef idx="1">
-            <a:schemeClr val="accent1"/>
-          </a:lnRef>
-          <a:fillRef idx="0">
-            <a:schemeClr val="accent1"/>
-          </a:fillRef>
-          <a:effectRef idx="0">
-            <a:schemeClr val="accent1"/>
-          </a:effectRef>
-          <a:fontRef idx="minor">
-            <a:schemeClr val="tx1"/>
-          </a:fontRef>
-        </p:style>
-      </p:cxnSp>
-      <p:cxnSp>
-        <p:nvCxnSpPr>
-          <p:cNvPr id="5" name="직선 연결선 4">
-            <a:extLst>
-              <a:ext uri="{FF2B5EF4-FFF2-40B4-BE49-F238E27FC236}">
-                <a16:creationId xmlns:a16="http://schemas.microsoft.com/office/drawing/2014/main" id="{ABC6680E-470B-45C4-B289-7A0EF67ED7E0}"/>
-              </a:ext>
-            </a:extLst>
-          </p:cNvPr>
-          <p:cNvCxnSpPr>
-            <a:cxnSpLocks/>
-          </p:cNvCxnSpPr>
-          <p:nvPr/>
-        </p:nvCxnSpPr>
-        <p:spPr>
-          <a:xfrm>
-            <a:off x="1866378" y="1565753"/>
-            <a:ext cx="1402915" cy="0"/>
-          </a:xfrm>
-          <a:prstGeom prst="line">
-            <a:avLst/>
-          </a:prstGeom>
-          <a:ln w="57150">
-            <a:solidFill>
-              <a:schemeClr val="accent2">
-                <a:lumMod val="75000"/>
-              </a:schemeClr>
-            </a:solidFill>
-          </a:ln>
-        </p:spPr>
-        <p:style>
-          <a:lnRef idx="1">
-            <a:schemeClr val="accent1"/>
-          </a:lnRef>
-          <a:fillRef idx="0">
-            <a:schemeClr val="accent1"/>
-          </a:fillRef>
-          <a:effectRef idx="0">
-            <a:schemeClr val="accent1"/>
-          </a:effectRef>
-          <a:fontRef idx="minor">
-            <a:schemeClr val="tx1"/>
-          </a:fontRef>
-        </p:style>
-      </p:cxnSp>
-      <p:cxnSp>
-        <p:nvCxnSpPr>
-          <p:cNvPr id="6" name="직선 연결선 5">
-            <a:extLst>
-              <a:ext uri="{FF2B5EF4-FFF2-40B4-BE49-F238E27FC236}">
-                <a16:creationId xmlns:a16="http://schemas.microsoft.com/office/drawing/2014/main" id="{3678CCF4-4AC3-4139-92E5-55722C3E7751}"/>
-              </a:ext>
-            </a:extLst>
-          </p:cNvPr>
-          <p:cNvCxnSpPr>
-            <a:cxnSpLocks/>
-          </p:cNvCxnSpPr>
-          <p:nvPr/>
-        </p:nvCxnSpPr>
-        <p:spPr>
-          <a:xfrm>
-            <a:off x="3269293" y="1565753"/>
-            <a:ext cx="1402915" cy="0"/>
-          </a:xfrm>
-          <a:prstGeom prst="line">
-            <a:avLst/>
-          </a:prstGeom>
-          <a:ln w="57150">
-            <a:solidFill>
-              <a:srgbClr val="FFC000"/>
-            </a:solidFill>
-          </a:ln>
-        </p:spPr>
-        <p:style>
-          <a:lnRef idx="1">
-            <a:schemeClr val="accent1"/>
-          </a:lnRef>
-          <a:fillRef idx="0">
-            <a:schemeClr val="accent1"/>
-          </a:fillRef>
-          <a:effectRef idx="0">
-            <a:schemeClr val="accent1"/>
-          </a:effectRef>
-          <a:fontRef idx="minor">
-            <a:schemeClr val="tx1"/>
-          </a:fontRef>
-        </p:style>
-      </p:cxnSp>
-      <p:cxnSp>
-        <p:nvCxnSpPr>
-          <p:cNvPr id="7" name="직선 연결선 6">
-            <a:extLst>
-              <a:ext uri="{FF2B5EF4-FFF2-40B4-BE49-F238E27FC236}">
-                <a16:creationId xmlns:a16="http://schemas.microsoft.com/office/drawing/2014/main" id="{9FF08141-38ED-4F86-86A9-757547A2479E}"/>
-              </a:ext>
-            </a:extLst>
-          </p:cNvPr>
-          <p:cNvCxnSpPr>
-            <a:cxnSpLocks/>
-          </p:cNvCxnSpPr>
-          <p:nvPr/>
-        </p:nvCxnSpPr>
-        <p:spPr>
-          <a:xfrm>
-            <a:off x="4672208" y="1565753"/>
-            <a:ext cx="1402915" cy="0"/>
-          </a:xfrm>
-          <a:prstGeom prst="line">
-            <a:avLst/>
-          </a:prstGeom>
-          <a:ln w="57150">
-            <a:solidFill>
-              <a:schemeClr val="accent4">
-                <a:lumMod val="75000"/>
-              </a:schemeClr>
-            </a:solidFill>
-          </a:ln>
-        </p:spPr>
-        <p:style>
-          <a:lnRef idx="1">
-            <a:schemeClr val="accent1"/>
-          </a:lnRef>
-          <a:fillRef idx="0">
-            <a:schemeClr val="accent1"/>
-          </a:fillRef>
-          <a:effectRef idx="0">
-            <a:schemeClr val="accent1"/>
-          </a:effectRef>
-          <a:fontRef idx="minor">
-            <a:schemeClr val="tx1"/>
-          </a:fontRef>
-        </p:style>
-      </p:cxnSp>
-      <p:cxnSp>
-        <p:nvCxnSpPr>
-          <p:cNvPr id="8" name="직선 연결선 7">
-            <a:extLst>
-              <a:ext uri="{FF2B5EF4-FFF2-40B4-BE49-F238E27FC236}">
-                <a16:creationId xmlns:a16="http://schemas.microsoft.com/office/drawing/2014/main" id="{62A6EC5E-008F-4227-A299-34A564C6B4DE}"/>
-              </a:ext>
-            </a:extLst>
-          </p:cNvPr>
-          <p:cNvCxnSpPr>
-            <a:cxnSpLocks/>
-          </p:cNvCxnSpPr>
-          <p:nvPr/>
-        </p:nvCxnSpPr>
-        <p:spPr>
-          <a:xfrm>
-            <a:off x="6075123" y="1565753"/>
-            <a:ext cx="1402915" cy="0"/>
-          </a:xfrm>
-          <a:prstGeom prst="line">
-            <a:avLst/>
-          </a:prstGeom>
-          <a:ln w="57150">
-            <a:solidFill>
-              <a:srgbClr val="FF0000"/>
-            </a:solidFill>
-          </a:ln>
-        </p:spPr>
-        <p:style>
-          <a:lnRef idx="1">
-            <a:schemeClr val="accent1"/>
-          </a:lnRef>
-          <a:fillRef idx="0">
-            <a:schemeClr val="accent1"/>
-          </a:fillRef>
-          <a:effectRef idx="0">
-            <a:schemeClr val="accent1"/>
-          </a:effectRef>
-          <a:fontRef idx="minor">
-            <a:schemeClr val="tx1"/>
-          </a:fontRef>
-        </p:style>
-      </p:cxnSp>
-      <p:cxnSp>
-        <p:nvCxnSpPr>
-          <p:cNvPr id="9" name="직선 연결선 8">
-            <a:extLst>
-              <a:ext uri="{FF2B5EF4-FFF2-40B4-BE49-F238E27FC236}">
-                <a16:creationId xmlns:a16="http://schemas.microsoft.com/office/drawing/2014/main" id="{73BE4EC4-D5AB-43B6-99B8-20CC507C817B}"/>
-              </a:ext>
-            </a:extLst>
-          </p:cNvPr>
-          <p:cNvCxnSpPr>
-            <a:cxnSpLocks/>
-          </p:cNvCxnSpPr>
-          <p:nvPr/>
-        </p:nvCxnSpPr>
-        <p:spPr>
-          <a:xfrm>
-            <a:off x="7478038" y="1565753"/>
-            <a:ext cx="1402915" cy="0"/>
-          </a:xfrm>
-          <a:prstGeom prst="line">
-            <a:avLst/>
-          </a:prstGeom>
-          <a:ln w="57150">
-            <a:solidFill>
-              <a:srgbClr val="92D050"/>
-            </a:solidFill>
-          </a:ln>
-        </p:spPr>
-        <p:style>
-          <a:lnRef idx="1">
-            <a:schemeClr val="accent1"/>
-          </a:lnRef>
-          <a:fillRef idx="0">
-            <a:schemeClr val="accent1"/>
-          </a:fillRef>
-          <a:effectRef idx="0">
-            <a:schemeClr val="accent1"/>
-          </a:effectRef>
-          <a:fontRef idx="minor">
-            <a:schemeClr val="tx1"/>
-          </a:fontRef>
-        </p:style>
-      </p:cxnSp>
-      <p:cxnSp>
-        <p:nvCxnSpPr>
-          <p:cNvPr id="10" name="직선 연결선 9">
-            <a:extLst>
-              <a:ext uri="{FF2B5EF4-FFF2-40B4-BE49-F238E27FC236}">
-                <a16:creationId xmlns:a16="http://schemas.microsoft.com/office/drawing/2014/main" id="{D23B7696-E162-4DC6-9E5C-29744AE86C94}"/>
-              </a:ext>
-            </a:extLst>
-          </p:cNvPr>
-          <p:cNvCxnSpPr>
-            <a:cxnSpLocks/>
-          </p:cNvCxnSpPr>
-          <p:nvPr/>
-        </p:nvCxnSpPr>
-        <p:spPr>
-          <a:xfrm>
-            <a:off x="8880953" y="1565753"/>
-            <a:ext cx="1402915" cy="0"/>
-          </a:xfrm>
-          <a:prstGeom prst="line">
-            <a:avLst/>
-          </a:prstGeom>
-          <a:ln w="57150">
-            <a:solidFill>
-              <a:schemeClr val="bg2">
-                <a:lumMod val="50000"/>
-              </a:schemeClr>
-            </a:solidFill>
-          </a:ln>
-        </p:spPr>
-        <p:style>
-          <a:lnRef idx="1">
-            <a:schemeClr val="accent1"/>
-          </a:lnRef>
-          <a:fillRef idx="0">
-            <a:schemeClr val="accent1"/>
-          </a:fillRef>
-          <a:effectRef idx="0">
-            <a:schemeClr val="accent1"/>
-          </a:effectRef>
-          <a:fontRef idx="minor">
-            <a:schemeClr val="tx1"/>
-          </a:fontRef>
-        </p:style>
-      </p:cxnSp>
-      <p:cxnSp>
-        <p:nvCxnSpPr>
-          <p:cNvPr id="11" name="직선 연결선 10">
-            <a:extLst>
-              <a:ext uri="{FF2B5EF4-FFF2-40B4-BE49-F238E27FC236}">
-                <a16:creationId xmlns:a16="http://schemas.microsoft.com/office/drawing/2014/main" id="{AD5A1D01-4DAC-4236-AC37-43914BEDECF3}"/>
-              </a:ext>
-            </a:extLst>
-          </p:cNvPr>
-          <p:cNvCxnSpPr>
-            <a:cxnSpLocks/>
-          </p:cNvCxnSpPr>
-          <p:nvPr/>
-        </p:nvCxnSpPr>
-        <p:spPr>
-          <a:xfrm>
-            <a:off x="10283868" y="1565753"/>
-            <a:ext cx="1402915" cy="0"/>
-          </a:xfrm>
-          <a:prstGeom prst="line">
-            <a:avLst/>
-          </a:prstGeom>
-          <a:ln w="57150">
-            <a:solidFill>
-              <a:schemeClr val="bg1">
-                <a:lumMod val="85000"/>
-              </a:schemeClr>
-            </a:solidFill>
-          </a:ln>
-        </p:spPr>
-        <p:style>
-          <a:lnRef idx="1">
-            <a:schemeClr val="accent1"/>
-          </a:lnRef>
-          <a:fillRef idx="0">
-            <a:schemeClr val="accent1"/>
-          </a:fillRef>
-          <a:effectRef idx="0">
-            <a:schemeClr val="accent1"/>
-          </a:effectRef>
-          <a:fontRef idx="minor">
-            <a:schemeClr val="tx1"/>
-          </a:fontRef>
-        </p:style>
-      </p:cxnSp>
-      <p:pic>
-        <p:nvPicPr>
-          <p:cNvPr id="13" name="그림 12">
-            <a:extLst>
-              <a:ext uri="{FF2B5EF4-FFF2-40B4-BE49-F238E27FC236}">
-                <a16:creationId xmlns:a16="http://schemas.microsoft.com/office/drawing/2014/main" id="{ED007670-DB1F-41EA-8470-2826C5784CCC}"/>
-              </a:ext>
-            </a:extLst>
-          </p:cNvPr>
-          <p:cNvPicPr>
-            <a:picLocks noChangeAspect="1"/>
-          </p:cNvPicPr>
-          <p:nvPr/>
-        </p:nvPicPr>
-        <p:blipFill>
-          <a:blip r:embed="rId3"/>
-          <a:stretch>
-            <a:fillRect/>
-          </a:stretch>
-        </p:blipFill>
-        <p:spPr>
-          <a:xfrm>
-            <a:off x="5474722" y="3429000"/>
-            <a:ext cx="6353175" cy="3219450"/>
-          </a:xfrm>
-          <a:prstGeom prst="rect">
-            <a:avLst/>
-          </a:prstGeom>
-          <a:ln w="38100" cap="sq">
-            <a:solidFill>
-              <a:srgbClr val="000000"/>
-            </a:solidFill>
-            <a:prstDash val="solid"/>
-            <a:miter lim="800000"/>
-          </a:ln>
-          <a:effectLst>
-            <a:outerShdw blurRad="50800" dist="38100" dir="2700000" algn="tl" rotWithShape="0">
-              <a:srgbClr val="000000">
-                <a:alpha val="43000"/>
-              </a:srgbClr>
-            </a:outerShdw>
-          </a:effectLst>
-        </p:spPr>
-      </p:pic>
+      <p:grpSp>
+        <p:nvGrpSpPr>
+          <p:cNvPr id="13" name="그룹 12"/>
+          <p:cNvGrpSpPr/>
+          <p:nvPr/>
+        </p:nvGrpSpPr>
+        <p:grpSpPr>
+          <a:xfrm rot="5400000">
+            <a:off x="-1768594" y="3168784"/>
+            <a:ext cx="6328779" cy="450369"/>
+            <a:chOff x="463463" y="1565753"/>
+            <a:chExt cx="11223320" cy="0"/>
+          </a:xfrm>
+        </p:grpSpPr>
+        <p:cxnSp>
+          <p:nvCxnSpPr>
+            <p:cNvPr id="5" name="직선 연결선 4">
+              <a:extLst>
+                <a:ext uri="{FF2B5EF4-FFF2-40B4-BE49-F238E27FC236}">
+                  <a16:creationId xmlns:a16="http://schemas.microsoft.com/office/drawing/2014/main" id="{EE01682E-4EC3-491F-A46B-0EACC9713D73}"/>
+                </a:ext>
+              </a:extLst>
+            </p:cNvPr>
+            <p:cNvCxnSpPr>
+              <a:cxnSpLocks/>
+            </p:cNvCxnSpPr>
+            <p:nvPr/>
+          </p:nvCxnSpPr>
+          <p:spPr>
+            <a:xfrm>
+              <a:off x="463463" y="1565753"/>
+              <a:ext cx="1402915" cy="0"/>
+            </a:xfrm>
+            <a:prstGeom prst="line">
+              <a:avLst/>
+            </a:prstGeom>
+            <a:ln w="57150">
+              <a:solidFill>
+                <a:srgbClr val="00B050"/>
+              </a:solidFill>
+            </a:ln>
+          </p:spPr>
+          <p:style>
+            <a:lnRef idx="1">
+              <a:schemeClr val="accent1"/>
+            </a:lnRef>
+            <a:fillRef idx="0">
+              <a:schemeClr val="accent1"/>
+            </a:fillRef>
+            <a:effectRef idx="0">
+              <a:schemeClr val="accent1"/>
+            </a:effectRef>
+            <a:fontRef idx="minor">
+              <a:schemeClr val="tx1"/>
+            </a:fontRef>
+          </p:style>
+        </p:cxnSp>
+        <p:cxnSp>
+          <p:nvCxnSpPr>
+            <p:cNvPr id="6" name="직선 연결선 5">
+              <a:extLst>
+                <a:ext uri="{FF2B5EF4-FFF2-40B4-BE49-F238E27FC236}">
+                  <a16:creationId xmlns:a16="http://schemas.microsoft.com/office/drawing/2014/main" id="{ABC6680E-470B-45C4-B289-7A0EF67ED7E0}"/>
+                </a:ext>
+              </a:extLst>
+            </p:cNvPr>
+            <p:cNvCxnSpPr>
+              <a:cxnSpLocks/>
+            </p:cNvCxnSpPr>
+            <p:nvPr/>
+          </p:nvCxnSpPr>
+          <p:spPr>
+            <a:xfrm>
+              <a:off x="1866378" y="1565753"/>
+              <a:ext cx="1402915" cy="0"/>
+            </a:xfrm>
+            <a:prstGeom prst="line">
+              <a:avLst/>
+            </a:prstGeom>
+            <a:ln w="57150">
+              <a:solidFill>
+                <a:schemeClr val="accent2">
+                  <a:lumMod val="75000"/>
+                </a:schemeClr>
+              </a:solidFill>
+            </a:ln>
+          </p:spPr>
+          <p:style>
+            <a:lnRef idx="1">
+              <a:schemeClr val="accent1"/>
+            </a:lnRef>
+            <a:fillRef idx="0">
+              <a:schemeClr val="accent1"/>
+            </a:fillRef>
+            <a:effectRef idx="0">
+              <a:schemeClr val="accent1"/>
+            </a:effectRef>
+            <a:fontRef idx="minor">
+              <a:schemeClr val="tx1"/>
+            </a:fontRef>
+          </p:style>
+        </p:cxnSp>
+        <p:cxnSp>
+          <p:nvCxnSpPr>
+            <p:cNvPr id="7" name="직선 연결선 6">
+              <a:extLst>
+                <a:ext uri="{FF2B5EF4-FFF2-40B4-BE49-F238E27FC236}">
+                  <a16:creationId xmlns:a16="http://schemas.microsoft.com/office/drawing/2014/main" id="{3678CCF4-4AC3-4139-92E5-55722C3E7751}"/>
+                </a:ext>
+              </a:extLst>
+            </p:cNvPr>
+            <p:cNvCxnSpPr>
+              <a:cxnSpLocks/>
+            </p:cNvCxnSpPr>
+            <p:nvPr/>
+          </p:nvCxnSpPr>
+          <p:spPr>
+            <a:xfrm>
+              <a:off x="3269293" y="1565753"/>
+              <a:ext cx="1402915" cy="0"/>
+            </a:xfrm>
+            <a:prstGeom prst="line">
+              <a:avLst/>
+            </a:prstGeom>
+            <a:ln w="57150">
+              <a:solidFill>
+                <a:srgbClr val="FFC000"/>
+              </a:solidFill>
+            </a:ln>
+          </p:spPr>
+          <p:style>
+            <a:lnRef idx="1">
+              <a:schemeClr val="accent1"/>
+            </a:lnRef>
+            <a:fillRef idx="0">
+              <a:schemeClr val="accent1"/>
+            </a:fillRef>
+            <a:effectRef idx="0">
+              <a:schemeClr val="accent1"/>
+            </a:effectRef>
+            <a:fontRef idx="minor">
+              <a:schemeClr val="tx1"/>
+            </a:fontRef>
+          </p:style>
+        </p:cxnSp>
+        <p:cxnSp>
+          <p:nvCxnSpPr>
+            <p:cNvPr id="8" name="직선 연결선 7">
+              <a:extLst>
+                <a:ext uri="{FF2B5EF4-FFF2-40B4-BE49-F238E27FC236}">
+                  <a16:creationId xmlns:a16="http://schemas.microsoft.com/office/drawing/2014/main" id="{9FF08141-38ED-4F86-86A9-757547A2479E}"/>
+                </a:ext>
+              </a:extLst>
+            </p:cNvPr>
+            <p:cNvCxnSpPr>
+              <a:cxnSpLocks/>
+            </p:cNvCxnSpPr>
+            <p:nvPr/>
+          </p:nvCxnSpPr>
+          <p:spPr>
+            <a:xfrm>
+              <a:off x="4672208" y="1565753"/>
+              <a:ext cx="1402915" cy="0"/>
+            </a:xfrm>
+            <a:prstGeom prst="line">
+              <a:avLst/>
+            </a:prstGeom>
+            <a:ln w="57150">
+              <a:solidFill>
+                <a:schemeClr val="accent4">
+                  <a:lumMod val="75000"/>
+                </a:schemeClr>
+              </a:solidFill>
+            </a:ln>
+          </p:spPr>
+          <p:style>
+            <a:lnRef idx="1">
+              <a:schemeClr val="accent1"/>
+            </a:lnRef>
+            <a:fillRef idx="0">
+              <a:schemeClr val="accent1"/>
+            </a:fillRef>
+            <a:effectRef idx="0">
+              <a:schemeClr val="accent1"/>
+            </a:effectRef>
+            <a:fontRef idx="minor">
+              <a:schemeClr val="tx1"/>
+            </a:fontRef>
+          </p:style>
+        </p:cxnSp>
+        <p:cxnSp>
+          <p:nvCxnSpPr>
+            <p:cNvPr id="9" name="직선 연결선 8">
+              <a:extLst>
+                <a:ext uri="{FF2B5EF4-FFF2-40B4-BE49-F238E27FC236}">
+                  <a16:creationId xmlns:a16="http://schemas.microsoft.com/office/drawing/2014/main" id="{62A6EC5E-008F-4227-A299-34A564C6B4DE}"/>
+                </a:ext>
+              </a:extLst>
+            </p:cNvPr>
+            <p:cNvCxnSpPr>
+              <a:cxnSpLocks/>
+            </p:cNvCxnSpPr>
+            <p:nvPr/>
+          </p:nvCxnSpPr>
+          <p:spPr>
+            <a:xfrm>
+              <a:off x="6075123" y="1565753"/>
+              <a:ext cx="1402915" cy="0"/>
+            </a:xfrm>
+            <a:prstGeom prst="line">
+              <a:avLst/>
+            </a:prstGeom>
+            <a:ln w="57150">
+              <a:solidFill>
+                <a:srgbClr val="FF0000"/>
+              </a:solidFill>
+            </a:ln>
+          </p:spPr>
+          <p:style>
+            <a:lnRef idx="1">
+              <a:schemeClr val="accent1"/>
+            </a:lnRef>
+            <a:fillRef idx="0">
+              <a:schemeClr val="accent1"/>
+            </a:fillRef>
+            <a:effectRef idx="0">
+              <a:schemeClr val="accent1"/>
+            </a:effectRef>
+            <a:fontRef idx="minor">
+              <a:schemeClr val="tx1"/>
+            </a:fontRef>
+          </p:style>
+        </p:cxnSp>
+        <p:cxnSp>
+          <p:nvCxnSpPr>
+            <p:cNvPr id="10" name="직선 연결선 9">
+              <a:extLst>
+                <a:ext uri="{FF2B5EF4-FFF2-40B4-BE49-F238E27FC236}">
+                  <a16:creationId xmlns:a16="http://schemas.microsoft.com/office/drawing/2014/main" id="{73BE4EC4-D5AB-43B6-99B8-20CC507C817B}"/>
+                </a:ext>
+              </a:extLst>
+            </p:cNvPr>
+            <p:cNvCxnSpPr>
+              <a:cxnSpLocks/>
+            </p:cNvCxnSpPr>
+            <p:nvPr/>
+          </p:nvCxnSpPr>
+          <p:spPr>
+            <a:xfrm>
+              <a:off x="7478038" y="1565753"/>
+              <a:ext cx="1402915" cy="0"/>
+            </a:xfrm>
+            <a:prstGeom prst="line">
+              <a:avLst/>
+            </a:prstGeom>
+            <a:ln w="57150">
+              <a:solidFill>
+                <a:srgbClr val="92D050"/>
+              </a:solidFill>
+            </a:ln>
+          </p:spPr>
+          <p:style>
+            <a:lnRef idx="1">
+              <a:schemeClr val="accent1"/>
+            </a:lnRef>
+            <a:fillRef idx="0">
+              <a:schemeClr val="accent1"/>
+            </a:fillRef>
+            <a:effectRef idx="0">
+              <a:schemeClr val="accent1"/>
+            </a:effectRef>
+            <a:fontRef idx="minor">
+              <a:schemeClr val="tx1"/>
+            </a:fontRef>
+          </p:style>
+        </p:cxnSp>
+        <p:cxnSp>
+          <p:nvCxnSpPr>
+            <p:cNvPr id="11" name="직선 연결선 10">
+              <a:extLst>
+                <a:ext uri="{FF2B5EF4-FFF2-40B4-BE49-F238E27FC236}">
+                  <a16:creationId xmlns:a16="http://schemas.microsoft.com/office/drawing/2014/main" id="{D23B7696-E162-4DC6-9E5C-29744AE86C94}"/>
+                </a:ext>
+              </a:extLst>
+            </p:cNvPr>
+            <p:cNvCxnSpPr>
+              <a:cxnSpLocks/>
+            </p:cNvCxnSpPr>
+            <p:nvPr/>
+          </p:nvCxnSpPr>
+          <p:spPr>
+            <a:xfrm>
+              <a:off x="8880953" y="1565753"/>
+              <a:ext cx="1402915" cy="0"/>
+            </a:xfrm>
+            <a:prstGeom prst="line">
+              <a:avLst/>
+            </a:prstGeom>
+            <a:ln w="57150">
+              <a:solidFill>
+                <a:schemeClr val="bg2">
+                  <a:lumMod val="50000"/>
+                </a:schemeClr>
+              </a:solidFill>
+            </a:ln>
+          </p:spPr>
+          <p:style>
+            <a:lnRef idx="1">
+              <a:schemeClr val="accent1"/>
+            </a:lnRef>
+            <a:fillRef idx="0">
+              <a:schemeClr val="accent1"/>
+            </a:fillRef>
+            <a:effectRef idx="0">
+              <a:schemeClr val="accent1"/>
+            </a:effectRef>
+            <a:fontRef idx="minor">
+              <a:schemeClr val="tx1"/>
+            </a:fontRef>
+          </p:style>
+        </p:cxnSp>
+        <p:cxnSp>
+          <p:nvCxnSpPr>
+            <p:cNvPr id="12" name="직선 연결선 11">
+              <a:extLst>
+                <a:ext uri="{FF2B5EF4-FFF2-40B4-BE49-F238E27FC236}">
+                  <a16:creationId xmlns:a16="http://schemas.microsoft.com/office/drawing/2014/main" id="{AD5A1D01-4DAC-4236-AC37-43914BEDECF3}"/>
+                </a:ext>
+              </a:extLst>
+            </p:cNvPr>
+            <p:cNvCxnSpPr>
+              <a:cxnSpLocks/>
+            </p:cNvCxnSpPr>
+            <p:nvPr/>
+          </p:nvCxnSpPr>
+          <p:spPr>
+            <a:xfrm>
+              <a:off x="10283868" y="1565753"/>
+              <a:ext cx="1402915" cy="0"/>
+            </a:xfrm>
+            <a:prstGeom prst="line">
+              <a:avLst/>
+            </a:prstGeom>
+            <a:ln w="57150">
+              <a:solidFill>
+                <a:schemeClr val="bg1">
+                  <a:lumMod val="85000"/>
+                </a:schemeClr>
+              </a:solidFill>
+            </a:ln>
+          </p:spPr>
+          <p:style>
+            <a:lnRef idx="1">
+              <a:schemeClr val="accent1"/>
+            </a:lnRef>
+            <a:fillRef idx="0">
+              <a:schemeClr val="accent1"/>
+            </a:fillRef>
+            <a:effectRef idx="0">
+              <a:schemeClr val="accent1"/>
+            </a:effectRef>
+            <a:fontRef idx="minor">
+              <a:schemeClr val="tx1"/>
+            </a:fontRef>
+          </p:style>
+        </p:cxnSp>
+      </p:grpSp>
+      <p:grpSp>
+        <p:nvGrpSpPr>
+          <p:cNvPr id="14" name="그룹 13"/>
+          <p:cNvGrpSpPr/>
+          <p:nvPr/>
+        </p:nvGrpSpPr>
+        <p:grpSpPr>
+          <a:xfrm rot="5400000">
+            <a:off x="6695245" y="3168784"/>
+            <a:ext cx="6328779" cy="450369"/>
+            <a:chOff x="463463" y="1565753"/>
+            <a:chExt cx="11223320" cy="0"/>
+          </a:xfrm>
+        </p:grpSpPr>
+        <p:cxnSp>
+          <p:nvCxnSpPr>
+            <p:cNvPr id="15" name="직선 연결선 14">
+              <a:extLst>
+                <a:ext uri="{FF2B5EF4-FFF2-40B4-BE49-F238E27FC236}">
+                  <a16:creationId xmlns:a16="http://schemas.microsoft.com/office/drawing/2014/main" id="{EE01682E-4EC3-491F-A46B-0EACC9713D73}"/>
+                </a:ext>
+              </a:extLst>
+            </p:cNvPr>
+            <p:cNvCxnSpPr>
+              <a:cxnSpLocks/>
+            </p:cNvCxnSpPr>
+            <p:nvPr/>
+          </p:nvCxnSpPr>
+          <p:spPr>
+            <a:xfrm>
+              <a:off x="463463" y="1565753"/>
+              <a:ext cx="1402915" cy="0"/>
+            </a:xfrm>
+            <a:prstGeom prst="line">
+              <a:avLst/>
+            </a:prstGeom>
+            <a:ln w="57150">
+              <a:solidFill>
+                <a:srgbClr val="00B050"/>
+              </a:solidFill>
+            </a:ln>
+          </p:spPr>
+          <p:style>
+            <a:lnRef idx="1">
+              <a:schemeClr val="accent1"/>
+            </a:lnRef>
+            <a:fillRef idx="0">
+              <a:schemeClr val="accent1"/>
+            </a:fillRef>
+            <a:effectRef idx="0">
+              <a:schemeClr val="accent1"/>
+            </a:effectRef>
+            <a:fontRef idx="minor">
+              <a:schemeClr val="tx1"/>
+            </a:fontRef>
+          </p:style>
+        </p:cxnSp>
+        <p:cxnSp>
+          <p:nvCxnSpPr>
+            <p:cNvPr id="16" name="직선 연결선 15">
+              <a:extLst>
+                <a:ext uri="{FF2B5EF4-FFF2-40B4-BE49-F238E27FC236}">
+                  <a16:creationId xmlns:a16="http://schemas.microsoft.com/office/drawing/2014/main" id="{ABC6680E-470B-45C4-B289-7A0EF67ED7E0}"/>
+                </a:ext>
+              </a:extLst>
+            </p:cNvPr>
+            <p:cNvCxnSpPr>
+              <a:cxnSpLocks/>
+            </p:cNvCxnSpPr>
+            <p:nvPr/>
+          </p:nvCxnSpPr>
+          <p:spPr>
+            <a:xfrm>
+              <a:off x="1866378" y="1565753"/>
+              <a:ext cx="1402915" cy="0"/>
+            </a:xfrm>
+            <a:prstGeom prst="line">
+              <a:avLst/>
+            </a:prstGeom>
+            <a:ln w="57150">
+              <a:solidFill>
+                <a:schemeClr val="accent2">
+                  <a:lumMod val="75000"/>
+                </a:schemeClr>
+              </a:solidFill>
+            </a:ln>
+          </p:spPr>
+          <p:style>
+            <a:lnRef idx="1">
+              <a:schemeClr val="accent1"/>
+            </a:lnRef>
+            <a:fillRef idx="0">
+              <a:schemeClr val="accent1"/>
+            </a:fillRef>
+            <a:effectRef idx="0">
+              <a:schemeClr val="accent1"/>
+            </a:effectRef>
+            <a:fontRef idx="minor">
+              <a:schemeClr val="tx1"/>
+            </a:fontRef>
+          </p:style>
+        </p:cxnSp>
+        <p:cxnSp>
+          <p:nvCxnSpPr>
+            <p:cNvPr id="17" name="직선 연결선 16">
+              <a:extLst>
+                <a:ext uri="{FF2B5EF4-FFF2-40B4-BE49-F238E27FC236}">
+                  <a16:creationId xmlns:a16="http://schemas.microsoft.com/office/drawing/2014/main" id="{3678CCF4-4AC3-4139-92E5-55722C3E7751}"/>
+                </a:ext>
+              </a:extLst>
+            </p:cNvPr>
+            <p:cNvCxnSpPr>
+              <a:cxnSpLocks/>
+            </p:cNvCxnSpPr>
+            <p:nvPr/>
+          </p:nvCxnSpPr>
+          <p:spPr>
+            <a:xfrm>
+              <a:off x="3269293" y="1565753"/>
+              <a:ext cx="1402915" cy="0"/>
+            </a:xfrm>
+            <a:prstGeom prst="line">
+              <a:avLst/>
+            </a:prstGeom>
+            <a:ln w="57150">
+              <a:solidFill>
+                <a:srgbClr val="FFC000"/>
+              </a:solidFill>
+            </a:ln>
+          </p:spPr>
+          <p:style>
+            <a:lnRef idx="1">
+              <a:schemeClr val="accent1"/>
+            </a:lnRef>
+            <a:fillRef idx="0">
+              <a:schemeClr val="accent1"/>
+            </a:fillRef>
+            <a:effectRef idx="0">
+              <a:schemeClr val="accent1"/>
+            </a:effectRef>
+            <a:fontRef idx="minor">
+              <a:schemeClr val="tx1"/>
+            </a:fontRef>
+          </p:style>
+        </p:cxnSp>
+        <p:cxnSp>
+          <p:nvCxnSpPr>
+            <p:cNvPr id="18" name="직선 연결선 17">
+              <a:extLst>
+                <a:ext uri="{FF2B5EF4-FFF2-40B4-BE49-F238E27FC236}">
+                  <a16:creationId xmlns:a16="http://schemas.microsoft.com/office/drawing/2014/main" id="{9FF08141-38ED-4F86-86A9-757547A2479E}"/>
+                </a:ext>
+              </a:extLst>
+            </p:cNvPr>
+            <p:cNvCxnSpPr>
+              <a:cxnSpLocks/>
+            </p:cNvCxnSpPr>
+            <p:nvPr/>
+          </p:nvCxnSpPr>
+          <p:spPr>
+            <a:xfrm>
+              <a:off x="4672208" y="1565753"/>
+              <a:ext cx="1402915" cy="0"/>
+            </a:xfrm>
+            <a:prstGeom prst="line">
+              <a:avLst/>
+            </a:prstGeom>
+            <a:ln w="57150">
+              <a:solidFill>
+                <a:schemeClr val="accent4">
+                  <a:lumMod val="75000"/>
+                </a:schemeClr>
+              </a:solidFill>
+            </a:ln>
+          </p:spPr>
+          <p:style>
+            <a:lnRef idx="1">
+              <a:schemeClr val="accent1"/>
+            </a:lnRef>
+            <a:fillRef idx="0">
+              <a:schemeClr val="accent1"/>
+            </a:fillRef>
+            <a:effectRef idx="0">
+              <a:schemeClr val="accent1"/>
+            </a:effectRef>
+            <a:fontRef idx="minor">
+              <a:schemeClr val="tx1"/>
+            </a:fontRef>
+          </p:style>
+        </p:cxnSp>
+        <p:cxnSp>
+          <p:nvCxnSpPr>
+            <p:cNvPr id="19" name="직선 연결선 18">
+              <a:extLst>
+                <a:ext uri="{FF2B5EF4-FFF2-40B4-BE49-F238E27FC236}">
+                  <a16:creationId xmlns:a16="http://schemas.microsoft.com/office/drawing/2014/main" id="{62A6EC5E-008F-4227-A299-34A564C6B4DE}"/>
+                </a:ext>
+              </a:extLst>
+            </p:cNvPr>
+            <p:cNvCxnSpPr>
+              <a:cxnSpLocks/>
+            </p:cNvCxnSpPr>
+            <p:nvPr/>
+          </p:nvCxnSpPr>
+          <p:spPr>
+            <a:xfrm>
+              <a:off x="6075123" y="1565753"/>
+              <a:ext cx="1402915" cy="0"/>
+            </a:xfrm>
+            <a:prstGeom prst="line">
+              <a:avLst/>
+            </a:prstGeom>
+            <a:ln w="57150">
+              <a:solidFill>
+                <a:srgbClr val="FF0000"/>
+              </a:solidFill>
+            </a:ln>
+          </p:spPr>
+          <p:style>
+            <a:lnRef idx="1">
+              <a:schemeClr val="accent1"/>
+            </a:lnRef>
+            <a:fillRef idx="0">
+              <a:schemeClr val="accent1"/>
+            </a:fillRef>
+            <a:effectRef idx="0">
+              <a:schemeClr val="accent1"/>
+            </a:effectRef>
+            <a:fontRef idx="minor">
+              <a:schemeClr val="tx1"/>
+            </a:fontRef>
+          </p:style>
+        </p:cxnSp>
+        <p:cxnSp>
+          <p:nvCxnSpPr>
+            <p:cNvPr id="20" name="직선 연결선 19">
+              <a:extLst>
+                <a:ext uri="{FF2B5EF4-FFF2-40B4-BE49-F238E27FC236}">
+                  <a16:creationId xmlns:a16="http://schemas.microsoft.com/office/drawing/2014/main" id="{73BE4EC4-D5AB-43B6-99B8-20CC507C817B}"/>
+                </a:ext>
+              </a:extLst>
+            </p:cNvPr>
+            <p:cNvCxnSpPr>
+              <a:cxnSpLocks/>
+            </p:cNvCxnSpPr>
+            <p:nvPr/>
+          </p:nvCxnSpPr>
+          <p:spPr>
+            <a:xfrm>
+              <a:off x="7478038" y="1565753"/>
+              <a:ext cx="1402915" cy="0"/>
+            </a:xfrm>
+            <a:prstGeom prst="line">
+              <a:avLst/>
+            </a:prstGeom>
+            <a:ln w="57150">
+              <a:solidFill>
+                <a:srgbClr val="92D050"/>
+              </a:solidFill>
+            </a:ln>
+          </p:spPr>
+          <p:style>
+            <a:lnRef idx="1">
+              <a:schemeClr val="accent1"/>
+            </a:lnRef>
+            <a:fillRef idx="0">
+              <a:schemeClr val="accent1"/>
+            </a:fillRef>
+            <a:effectRef idx="0">
+              <a:schemeClr val="accent1"/>
+            </a:effectRef>
+            <a:fontRef idx="minor">
+              <a:schemeClr val="tx1"/>
+            </a:fontRef>
+          </p:style>
+        </p:cxnSp>
+        <p:cxnSp>
+          <p:nvCxnSpPr>
+            <p:cNvPr id="21" name="직선 연결선 20">
+              <a:extLst>
+                <a:ext uri="{FF2B5EF4-FFF2-40B4-BE49-F238E27FC236}">
+                  <a16:creationId xmlns:a16="http://schemas.microsoft.com/office/drawing/2014/main" id="{D23B7696-E162-4DC6-9E5C-29744AE86C94}"/>
+                </a:ext>
+              </a:extLst>
+            </p:cNvPr>
+            <p:cNvCxnSpPr>
+              <a:cxnSpLocks/>
+            </p:cNvCxnSpPr>
+            <p:nvPr/>
+          </p:nvCxnSpPr>
+          <p:spPr>
+            <a:xfrm>
+              <a:off x="8880953" y="1565753"/>
+              <a:ext cx="1402915" cy="0"/>
+            </a:xfrm>
+            <a:prstGeom prst="line">
+              <a:avLst/>
+            </a:prstGeom>
+            <a:ln w="57150">
+              <a:solidFill>
+                <a:schemeClr val="bg2">
+                  <a:lumMod val="50000"/>
+                </a:schemeClr>
+              </a:solidFill>
+            </a:ln>
+          </p:spPr>
+          <p:style>
+            <a:lnRef idx="1">
+              <a:schemeClr val="accent1"/>
+            </a:lnRef>
+            <a:fillRef idx="0">
+              <a:schemeClr val="accent1"/>
+            </a:fillRef>
+            <a:effectRef idx="0">
+              <a:schemeClr val="accent1"/>
+            </a:effectRef>
+            <a:fontRef idx="minor">
+              <a:schemeClr val="tx1"/>
+            </a:fontRef>
+          </p:style>
+        </p:cxnSp>
+        <p:cxnSp>
+          <p:nvCxnSpPr>
+            <p:cNvPr id="22" name="직선 연결선 21">
+              <a:extLst>
+                <a:ext uri="{FF2B5EF4-FFF2-40B4-BE49-F238E27FC236}">
+                  <a16:creationId xmlns:a16="http://schemas.microsoft.com/office/drawing/2014/main" id="{AD5A1D01-4DAC-4236-AC37-43914BEDECF3}"/>
+                </a:ext>
+              </a:extLst>
+            </p:cNvPr>
+            <p:cNvCxnSpPr>
+              <a:cxnSpLocks/>
+            </p:cNvCxnSpPr>
+            <p:nvPr/>
+          </p:nvCxnSpPr>
+          <p:spPr>
+            <a:xfrm>
+              <a:off x="10283868" y="1565753"/>
+              <a:ext cx="1402915" cy="0"/>
+            </a:xfrm>
+            <a:prstGeom prst="line">
+              <a:avLst/>
+            </a:prstGeom>
+            <a:ln w="57150">
+              <a:solidFill>
+                <a:schemeClr val="bg1">
+                  <a:lumMod val="85000"/>
+                </a:schemeClr>
+              </a:solidFill>
+            </a:ln>
+          </p:spPr>
+          <p:style>
+            <a:lnRef idx="1">
+              <a:schemeClr val="accent1"/>
+            </a:lnRef>
+            <a:fillRef idx="0">
+              <a:schemeClr val="accent1"/>
+            </a:fillRef>
+            <a:effectRef idx="0">
+              <a:schemeClr val="accent1"/>
+            </a:effectRef>
+            <a:fontRef idx="minor">
+              <a:schemeClr val="tx1"/>
+            </a:fontRef>
+          </p:style>
+        </p:cxnSp>
+      </p:grpSp>
     </p:spTree>
     <p:extLst>
       <p:ext uri="{BB962C8B-B14F-4D97-AF65-F5344CB8AC3E}">
-        <p14:creationId xmlns:p14="http://schemas.microsoft.com/office/powerpoint/2010/main" val="668250681"/>
+        <p14:creationId xmlns:p14="http://schemas.microsoft.com/office/powerpoint/2010/main" val="3016171698"/>
       </p:ext>
     </p:extLst>
   </p:cSld>
@@ -13186,13 +13895,7 @@
       </p:grpSpPr>
       <p:sp>
         <p:nvSpPr>
-          <p:cNvPr id="2" name="제목 1">
-            <a:extLst>
-              <a:ext uri="{FF2B5EF4-FFF2-40B4-BE49-F238E27FC236}">
-                <a16:creationId xmlns:a16="http://schemas.microsoft.com/office/drawing/2014/main" id="{0BBD75FB-0799-4EB1-9AD7-C68E11797971}"/>
-              </a:ext>
-            </a:extLst>
-          </p:cNvPr>
+          <p:cNvPr id="2" name="제목 1"/>
           <p:cNvSpPr>
             <a:spLocks noGrp="1"/>
           </p:cNvSpPr>
@@ -13206,431 +13909,12 @@
           <a:lstStyle/>
           <a:p>
             <a:r>
-              <a:rPr lang="en-US" altLang="ko-KR" b="1" dirty="0"/>
-              <a:t>Minetest –</a:t>
-            </a:r>
-            <a:r>
-              <a:rPr lang="ko-KR" altLang="en-US" b="1" dirty="0"/>
-              <a:t> 서버 설정</a:t>
-            </a:r>
-          </a:p>
-        </p:txBody>
-      </p:sp>
-      <p:pic>
-        <p:nvPicPr>
-          <p:cNvPr id="12" name="내용 개체 틀 11">
-            <a:extLst>
-              <a:ext uri="{FF2B5EF4-FFF2-40B4-BE49-F238E27FC236}">
-                <a16:creationId xmlns:a16="http://schemas.microsoft.com/office/drawing/2014/main" id="{120BB3BF-7FD1-452E-B6E2-3D9909F7276B}"/>
-              </a:ext>
-            </a:extLst>
-          </p:cNvPr>
-          <p:cNvPicPr>
-            <a:picLocks noGrp="1" noChangeAspect="1"/>
-          </p:cNvPicPr>
-          <p:nvPr>
-            <p:ph idx="1"/>
-          </p:nvPr>
-        </p:nvPicPr>
-        <p:blipFill>
-          <a:blip r:embed="rId2"/>
-          <a:stretch>
-            <a:fillRect/>
-          </a:stretch>
-        </p:blipFill>
-        <p:spPr>
-          <a:xfrm>
-            <a:off x="838200" y="1917798"/>
-            <a:ext cx="4360101" cy="4267200"/>
-          </a:xfrm>
-          <a:prstGeom prst="rect">
-            <a:avLst/>
-          </a:prstGeom>
-        </p:spPr>
-      </p:pic>
-      <p:cxnSp>
-        <p:nvCxnSpPr>
-          <p:cNvPr id="4" name="직선 연결선 3">
-            <a:extLst>
-              <a:ext uri="{FF2B5EF4-FFF2-40B4-BE49-F238E27FC236}">
-                <a16:creationId xmlns:a16="http://schemas.microsoft.com/office/drawing/2014/main" id="{EE01682E-4EC3-491F-A46B-0EACC9713D73}"/>
-              </a:ext>
-            </a:extLst>
-          </p:cNvPr>
-          <p:cNvCxnSpPr>
-            <a:cxnSpLocks/>
-          </p:cNvCxnSpPr>
-          <p:nvPr/>
-        </p:nvCxnSpPr>
-        <p:spPr>
-          <a:xfrm>
-            <a:off x="463463" y="1565753"/>
-            <a:ext cx="1402915" cy="0"/>
-          </a:xfrm>
-          <a:prstGeom prst="line">
-            <a:avLst/>
-          </a:prstGeom>
-          <a:ln w="57150">
-            <a:solidFill>
-              <a:srgbClr val="00B050"/>
-            </a:solidFill>
-          </a:ln>
-        </p:spPr>
-        <p:style>
-          <a:lnRef idx="1">
-            <a:schemeClr val="accent1"/>
-          </a:lnRef>
-          <a:fillRef idx="0">
-            <a:schemeClr val="accent1"/>
-          </a:fillRef>
-          <a:effectRef idx="0">
-            <a:schemeClr val="accent1"/>
-          </a:effectRef>
-          <a:fontRef idx="minor">
-            <a:schemeClr val="tx1"/>
-          </a:fontRef>
-        </p:style>
-      </p:cxnSp>
-      <p:cxnSp>
-        <p:nvCxnSpPr>
-          <p:cNvPr id="5" name="직선 연결선 4">
-            <a:extLst>
-              <a:ext uri="{FF2B5EF4-FFF2-40B4-BE49-F238E27FC236}">
-                <a16:creationId xmlns:a16="http://schemas.microsoft.com/office/drawing/2014/main" id="{ABC6680E-470B-45C4-B289-7A0EF67ED7E0}"/>
-              </a:ext>
-            </a:extLst>
-          </p:cNvPr>
-          <p:cNvCxnSpPr>
-            <a:cxnSpLocks/>
-          </p:cNvCxnSpPr>
-          <p:nvPr/>
-        </p:nvCxnSpPr>
-        <p:spPr>
-          <a:xfrm>
-            <a:off x="1866378" y="1565753"/>
-            <a:ext cx="1402915" cy="0"/>
-          </a:xfrm>
-          <a:prstGeom prst="line">
-            <a:avLst/>
-          </a:prstGeom>
-          <a:ln w="57150">
-            <a:solidFill>
-              <a:schemeClr val="accent2">
-                <a:lumMod val="75000"/>
-              </a:schemeClr>
-            </a:solidFill>
-          </a:ln>
-        </p:spPr>
-        <p:style>
-          <a:lnRef idx="1">
-            <a:schemeClr val="accent1"/>
-          </a:lnRef>
-          <a:fillRef idx="0">
-            <a:schemeClr val="accent1"/>
-          </a:fillRef>
-          <a:effectRef idx="0">
-            <a:schemeClr val="accent1"/>
-          </a:effectRef>
-          <a:fontRef idx="minor">
-            <a:schemeClr val="tx1"/>
-          </a:fontRef>
-        </p:style>
-      </p:cxnSp>
-      <p:cxnSp>
-        <p:nvCxnSpPr>
-          <p:cNvPr id="6" name="직선 연결선 5">
-            <a:extLst>
-              <a:ext uri="{FF2B5EF4-FFF2-40B4-BE49-F238E27FC236}">
-                <a16:creationId xmlns:a16="http://schemas.microsoft.com/office/drawing/2014/main" id="{3678CCF4-4AC3-4139-92E5-55722C3E7751}"/>
-              </a:ext>
-            </a:extLst>
-          </p:cNvPr>
-          <p:cNvCxnSpPr>
-            <a:cxnSpLocks/>
-          </p:cNvCxnSpPr>
-          <p:nvPr/>
-        </p:nvCxnSpPr>
-        <p:spPr>
-          <a:xfrm>
-            <a:off x="3269293" y="1565753"/>
-            <a:ext cx="1402915" cy="0"/>
-          </a:xfrm>
-          <a:prstGeom prst="line">
-            <a:avLst/>
-          </a:prstGeom>
-          <a:ln w="57150">
-            <a:solidFill>
-              <a:srgbClr val="FFC000"/>
-            </a:solidFill>
-          </a:ln>
-        </p:spPr>
-        <p:style>
-          <a:lnRef idx="1">
-            <a:schemeClr val="accent1"/>
-          </a:lnRef>
-          <a:fillRef idx="0">
-            <a:schemeClr val="accent1"/>
-          </a:fillRef>
-          <a:effectRef idx="0">
-            <a:schemeClr val="accent1"/>
-          </a:effectRef>
-          <a:fontRef idx="minor">
-            <a:schemeClr val="tx1"/>
-          </a:fontRef>
-        </p:style>
-      </p:cxnSp>
-      <p:cxnSp>
-        <p:nvCxnSpPr>
-          <p:cNvPr id="7" name="직선 연결선 6">
-            <a:extLst>
-              <a:ext uri="{FF2B5EF4-FFF2-40B4-BE49-F238E27FC236}">
-                <a16:creationId xmlns:a16="http://schemas.microsoft.com/office/drawing/2014/main" id="{9FF08141-38ED-4F86-86A9-757547A2479E}"/>
-              </a:ext>
-            </a:extLst>
-          </p:cNvPr>
-          <p:cNvCxnSpPr>
-            <a:cxnSpLocks/>
-          </p:cNvCxnSpPr>
-          <p:nvPr/>
-        </p:nvCxnSpPr>
-        <p:spPr>
-          <a:xfrm>
-            <a:off x="4672208" y="1565753"/>
-            <a:ext cx="1402915" cy="0"/>
-          </a:xfrm>
-          <a:prstGeom prst="line">
-            <a:avLst/>
-          </a:prstGeom>
-          <a:ln w="57150">
-            <a:solidFill>
-              <a:schemeClr val="accent4">
-                <a:lumMod val="75000"/>
-              </a:schemeClr>
-            </a:solidFill>
-          </a:ln>
-        </p:spPr>
-        <p:style>
-          <a:lnRef idx="1">
-            <a:schemeClr val="accent1"/>
-          </a:lnRef>
-          <a:fillRef idx="0">
-            <a:schemeClr val="accent1"/>
-          </a:fillRef>
-          <a:effectRef idx="0">
-            <a:schemeClr val="accent1"/>
-          </a:effectRef>
-          <a:fontRef idx="minor">
-            <a:schemeClr val="tx1"/>
-          </a:fontRef>
-        </p:style>
-      </p:cxnSp>
-      <p:cxnSp>
-        <p:nvCxnSpPr>
-          <p:cNvPr id="8" name="직선 연결선 7">
-            <a:extLst>
-              <a:ext uri="{FF2B5EF4-FFF2-40B4-BE49-F238E27FC236}">
-                <a16:creationId xmlns:a16="http://schemas.microsoft.com/office/drawing/2014/main" id="{62A6EC5E-008F-4227-A299-34A564C6B4DE}"/>
-              </a:ext>
-            </a:extLst>
-          </p:cNvPr>
-          <p:cNvCxnSpPr>
-            <a:cxnSpLocks/>
-          </p:cNvCxnSpPr>
-          <p:nvPr/>
-        </p:nvCxnSpPr>
-        <p:spPr>
-          <a:xfrm>
-            <a:off x="6075123" y="1565753"/>
-            <a:ext cx="1402915" cy="0"/>
-          </a:xfrm>
-          <a:prstGeom prst="line">
-            <a:avLst/>
-          </a:prstGeom>
-          <a:ln w="57150">
-            <a:solidFill>
-              <a:srgbClr val="FF0000"/>
-            </a:solidFill>
-          </a:ln>
-        </p:spPr>
-        <p:style>
-          <a:lnRef idx="1">
-            <a:schemeClr val="accent1"/>
-          </a:lnRef>
-          <a:fillRef idx="0">
-            <a:schemeClr val="accent1"/>
-          </a:fillRef>
-          <a:effectRef idx="0">
-            <a:schemeClr val="accent1"/>
-          </a:effectRef>
-          <a:fontRef idx="minor">
-            <a:schemeClr val="tx1"/>
-          </a:fontRef>
-        </p:style>
-      </p:cxnSp>
-      <p:cxnSp>
-        <p:nvCxnSpPr>
-          <p:cNvPr id="9" name="직선 연결선 8">
-            <a:extLst>
-              <a:ext uri="{FF2B5EF4-FFF2-40B4-BE49-F238E27FC236}">
-                <a16:creationId xmlns:a16="http://schemas.microsoft.com/office/drawing/2014/main" id="{73BE4EC4-D5AB-43B6-99B8-20CC507C817B}"/>
-              </a:ext>
-            </a:extLst>
-          </p:cNvPr>
-          <p:cNvCxnSpPr>
-            <a:cxnSpLocks/>
-          </p:cNvCxnSpPr>
-          <p:nvPr/>
-        </p:nvCxnSpPr>
-        <p:spPr>
-          <a:xfrm>
-            <a:off x="7478038" y="1565753"/>
-            <a:ext cx="1402915" cy="0"/>
-          </a:xfrm>
-          <a:prstGeom prst="line">
-            <a:avLst/>
-          </a:prstGeom>
-          <a:ln w="57150">
-            <a:solidFill>
-              <a:srgbClr val="92D050"/>
-            </a:solidFill>
-          </a:ln>
-        </p:spPr>
-        <p:style>
-          <a:lnRef idx="1">
-            <a:schemeClr val="accent1"/>
-          </a:lnRef>
-          <a:fillRef idx="0">
-            <a:schemeClr val="accent1"/>
-          </a:fillRef>
-          <a:effectRef idx="0">
-            <a:schemeClr val="accent1"/>
-          </a:effectRef>
-          <a:fontRef idx="minor">
-            <a:schemeClr val="tx1"/>
-          </a:fontRef>
-        </p:style>
-      </p:cxnSp>
-      <p:cxnSp>
-        <p:nvCxnSpPr>
-          <p:cNvPr id="10" name="직선 연결선 9">
-            <a:extLst>
-              <a:ext uri="{FF2B5EF4-FFF2-40B4-BE49-F238E27FC236}">
-                <a16:creationId xmlns:a16="http://schemas.microsoft.com/office/drawing/2014/main" id="{D23B7696-E162-4DC6-9E5C-29744AE86C94}"/>
-              </a:ext>
-            </a:extLst>
-          </p:cNvPr>
-          <p:cNvCxnSpPr>
-            <a:cxnSpLocks/>
-          </p:cNvCxnSpPr>
-          <p:nvPr/>
-        </p:nvCxnSpPr>
-        <p:spPr>
-          <a:xfrm>
-            <a:off x="8880953" y="1565753"/>
-            <a:ext cx="1402915" cy="0"/>
-          </a:xfrm>
-          <a:prstGeom prst="line">
-            <a:avLst/>
-          </a:prstGeom>
-          <a:ln w="57150">
-            <a:solidFill>
-              <a:schemeClr val="bg2">
-                <a:lumMod val="50000"/>
-              </a:schemeClr>
-            </a:solidFill>
-          </a:ln>
-        </p:spPr>
-        <p:style>
-          <a:lnRef idx="1">
-            <a:schemeClr val="accent1"/>
-          </a:lnRef>
-          <a:fillRef idx="0">
-            <a:schemeClr val="accent1"/>
-          </a:fillRef>
-          <a:effectRef idx="0">
-            <a:schemeClr val="accent1"/>
-          </a:effectRef>
-          <a:fontRef idx="minor">
-            <a:schemeClr val="tx1"/>
-          </a:fontRef>
-        </p:style>
-      </p:cxnSp>
-      <p:cxnSp>
-        <p:nvCxnSpPr>
-          <p:cNvPr id="11" name="직선 연결선 10">
-            <a:extLst>
-              <a:ext uri="{FF2B5EF4-FFF2-40B4-BE49-F238E27FC236}">
-                <a16:creationId xmlns:a16="http://schemas.microsoft.com/office/drawing/2014/main" id="{AD5A1D01-4DAC-4236-AC37-43914BEDECF3}"/>
-              </a:ext>
-            </a:extLst>
-          </p:cNvPr>
-          <p:cNvCxnSpPr>
-            <a:cxnSpLocks/>
-          </p:cNvCxnSpPr>
-          <p:nvPr/>
-        </p:nvCxnSpPr>
-        <p:spPr>
-          <a:xfrm>
-            <a:off x="10283868" y="1565753"/>
-            <a:ext cx="1402915" cy="0"/>
-          </a:xfrm>
-          <a:prstGeom prst="line">
-            <a:avLst/>
-          </a:prstGeom>
-          <a:ln w="57150">
-            <a:solidFill>
-              <a:schemeClr val="bg1">
-                <a:lumMod val="85000"/>
-              </a:schemeClr>
-            </a:solidFill>
-          </a:ln>
-        </p:spPr>
-        <p:style>
-          <a:lnRef idx="1">
-            <a:schemeClr val="accent1"/>
-          </a:lnRef>
-          <a:fillRef idx="0">
-            <a:schemeClr val="accent1"/>
-          </a:fillRef>
-          <a:effectRef idx="0">
-            <a:schemeClr val="accent1"/>
-          </a:effectRef>
-          <a:fontRef idx="minor">
-            <a:schemeClr val="tx1"/>
-          </a:fontRef>
-        </p:style>
-      </p:cxnSp>
-      <p:sp>
-        <p:nvSpPr>
-          <p:cNvPr id="14" name="TextBox 13">
-            <a:extLst>
-              <a:ext uri="{FF2B5EF4-FFF2-40B4-BE49-F238E27FC236}">
-                <a16:creationId xmlns:a16="http://schemas.microsoft.com/office/drawing/2014/main" id="{A4A3CF21-6294-49EC-B650-72AF98CC6A88}"/>
-              </a:ext>
-            </a:extLst>
-          </p:cNvPr>
-          <p:cNvSpPr txBox="1"/>
-          <p:nvPr/>
-        </p:nvSpPr>
-        <p:spPr>
-          <a:xfrm>
-            <a:off x="2317314" y="6308209"/>
-            <a:ext cx="840808" cy="369332"/>
-          </a:xfrm>
-          <a:prstGeom prst="rect">
-            <a:avLst/>
-          </a:prstGeom>
-          <a:noFill/>
-        </p:spPr>
-        <p:txBody>
-          <a:bodyPr wrap="none" rtlCol="0">
-            <a:spAutoFit/>
-          </a:bodyPr>
-          <a:lstStyle/>
-          <a:p>
-            <a:r>
-              <a:rPr lang="en-US" altLang="ko-KR" dirty="0"/>
-              <a:t>Server</a:t>
+              <a:rPr lang="ko-KR" altLang="en-US" dirty="0" smtClean="0"/>
+              <a:t>감사합니다</a:t>
+            </a:r>
+            <a:r>
+              <a:rPr lang="en-US" altLang="ko-KR" dirty="0" smtClean="0"/>
+              <a:t>.</a:t>
             </a:r>
             <a:endParaRPr lang="ko-KR" altLang="en-US" dirty="0"/>
           </a:p>
@@ -13638,509 +13922,379 @@
       </p:sp>
       <p:sp>
         <p:nvSpPr>
-          <p:cNvPr id="15" name="사각형: 둥근 모서리 14">
-            <a:extLst>
-              <a:ext uri="{FF2B5EF4-FFF2-40B4-BE49-F238E27FC236}">
-                <a16:creationId xmlns:a16="http://schemas.microsoft.com/office/drawing/2014/main" id="{15776662-BDBE-4DE9-BBFD-0618FEEE20CA}"/>
-              </a:ext>
-            </a:extLst>
-          </p:cNvPr>
-          <p:cNvSpPr/>
-          <p:nvPr/>
+          <p:cNvPr id="3" name="내용 개체 틀 2"/>
+          <p:cNvSpPr>
+            <a:spLocks noGrp="1"/>
+          </p:cNvSpPr>
+          <p:nvPr>
+            <p:ph idx="1"/>
+          </p:nvPr>
         </p:nvSpPr>
-        <p:spPr>
-          <a:xfrm>
-            <a:off x="838200" y="3231715"/>
-            <a:ext cx="1479114" cy="2354893"/>
-          </a:xfrm>
-          <a:prstGeom prst="roundRect">
-            <a:avLst/>
-          </a:prstGeom>
-          <a:noFill/>
-          <a:ln w="28575">
-            <a:solidFill>
-              <a:srgbClr val="FF0000"/>
-            </a:solidFill>
-          </a:ln>
-        </p:spPr>
-        <p:style>
-          <a:lnRef idx="2">
-            <a:schemeClr val="accent1">
-              <a:shade val="50000"/>
-            </a:schemeClr>
-          </a:lnRef>
-          <a:fillRef idx="1">
-            <a:schemeClr val="accent1"/>
-          </a:fillRef>
-          <a:effectRef idx="0">
-            <a:schemeClr val="accent1"/>
-          </a:effectRef>
-          <a:fontRef idx="minor">
-            <a:schemeClr val="lt1"/>
-          </a:fontRef>
-        </p:style>
+        <p:spPr/>
         <p:txBody>
-          <a:bodyPr rtlCol="0" anchor="ctr"/>
+          <a:bodyPr/>
           <a:lstStyle/>
           <a:p>
-            <a:pPr algn="ctr"/>
-            <a:endParaRPr lang="ko-KR" altLang="en-US" dirty="0"/>
+            <a:endParaRPr lang="ko-KR" altLang="en-US"/>
           </a:p>
         </p:txBody>
       </p:sp>
-      <p:sp>
-        <p:nvSpPr>
-          <p:cNvPr id="16" name="사각형: 둥근 모서리 15">
-            <a:extLst>
-              <a:ext uri="{FF2B5EF4-FFF2-40B4-BE49-F238E27FC236}">
-                <a16:creationId xmlns:a16="http://schemas.microsoft.com/office/drawing/2014/main" id="{A413B0F8-9BF2-4E30-A1ED-851962707D03}"/>
-              </a:ext>
-            </a:extLst>
-          </p:cNvPr>
-          <p:cNvSpPr/>
-          <p:nvPr/>
-        </p:nvSpPr>
-        <p:spPr>
-          <a:xfrm>
-            <a:off x="3158122" y="4822522"/>
-            <a:ext cx="1063149" cy="407096"/>
-          </a:xfrm>
-          <a:prstGeom prst="roundRect">
-            <a:avLst/>
-          </a:prstGeom>
-          <a:noFill/>
-          <a:ln w="28575">
+      <p:cxnSp>
+        <p:nvCxnSpPr>
+          <p:cNvPr id="4" name="직선 연결선 3">
+            <a:extLst>
+              <a:ext uri="{FF2B5EF4-FFF2-40B4-BE49-F238E27FC236}">
+                <a16:creationId xmlns:a16="http://schemas.microsoft.com/office/drawing/2014/main" id="{EE01682E-4EC3-491F-A46B-0EACC9713D73}"/>
+              </a:ext>
+            </a:extLst>
+          </p:cNvPr>
+          <p:cNvCxnSpPr>
+            <a:cxnSpLocks/>
+          </p:cNvCxnSpPr>
+          <p:nvPr/>
+        </p:nvCxnSpPr>
+        <p:spPr>
+          <a:xfrm>
+            <a:off x="463463" y="1565753"/>
+            <a:ext cx="1402915" cy="0"/>
+          </a:xfrm>
+          <a:prstGeom prst="line">
+            <a:avLst/>
+          </a:prstGeom>
+          <a:ln w="57150">
+            <a:solidFill>
+              <a:srgbClr val="00B050"/>
+            </a:solidFill>
+          </a:ln>
+        </p:spPr>
+        <p:style>
+          <a:lnRef idx="1">
+            <a:schemeClr val="accent1"/>
+          </a:lnRef>
+          <a:fillRef idx="0">
+            <a:schemeClr val="accent1"/>
+          </a:fillRef>
+          <a:effectRef idx="0">
+            <a:schemeClr val="accent1"/>
+          </a:effectRef>
+          <a:fontRef idx="minor">
+            <a:schemeClr val="tx1"/>
+          </a:fontRef>
+        </p:style>
+      </p:cxnSp>
+      <p:cxnSp>
+        <p:nvCxnSpPr>
+          <p:cNvPr id="5" name="직선 연결선 4">
+            <a:extLst>
+              <a:ext uri="{FF2B5EF4-FFF2-40B4-BE49-F238E27FC236}">
+                <a16:creationId xmlns:a16="http://schemas.microsoft.com/office/drawing/2014/main" id="{ABC6680E-470B-45C4-B289-7A0EF67ED7E0}"/>
+              </a:ext>
+            </a:extLst>
+          </p:cNvPr>
+          <p:cNvCxnSpPr>
+            <a:cxnSpLocks/>
+          </p:cNvCxnSpPr>
+          <p:nvPr/>
+        </p:nvCxnSpPr>
+        <p:spPr>
+          <a:xfrm>
+            <a:off x="1866378" y="1565753"/>
+            <a:ext cx="1402915" cy="0"/>
+          </a:xfrm>
+          <a:prstGeom prst="line">
+            <a:avLst/>
+          </a:prstGeom>
+          <a:ln w="57150">
+            <a:solidFill>
+              <a:schemeClr val="accent2">
+                <a:lumMod val="75000"/>
+              </a:schemeClr>
+            </a:solidFill>
+          </a:ln>
+        </p:spPr>
+        <p:style>
+          <a:lnRef idx="1">
+            <a:schemeClr val="accent1"/>
+          </a:lnRef>
+          <a:fillRef idx="0">
+            <a:schemeClr val="accent1"/>
+          </a:fillRef>
+          <a:effectRef idx="0">
+            <a:schemeClr val="accent1"/>
+          </a:effectRef>
+          <a:fontRef idx="minor">
+            <a:schemeClr val="tx1"/>
+          </a:fontRef>
+        </p:style>
+      </p:cxnSp>
+      <p:cxnSp>
+        <p:nvCxnSpPr>
+          <p:cNvPr id="6" name="직선 연결선 5">
+            <a:extLst>
+              <a:ext uri="{FF2B5EF4-FFF2-40B4-BE49-F238E27FC236}">
+                <a16:creationId xmlns:a16="http://schemas.microsoft.com/office/drawing/2014/main" id="{3678CCF4-4AC3-4139-92E5-55722C3E7751}"/>
+              </a:ext>
+            </a:extLst>
+          </p:cNvPr>
+          <p:cNvCxnSpPr>
+            <a:cxnSpLocks/>
+          </p:cNvCxnSpPr>
+          <p:nvPr/>
+        </p:nvCxnSpPr>
+        <p:spPr>
+          <a:xfrm>
+            <a:off x="3269293" y="1565753"/>
+            <a:ext cx="1402915" cy="0"/>
+          </a:xfrm>
+          <a:prstGeom prst="line">
+            <a:avLst/>
+          </a:prstGeom>
+          <a:ln w="57150">
+            <a:solidFill>
+              <a:srgbClr val="FFC000"/>
+            </a:solidFill>
+          </a:ln>
+        </p:spPr>
+        <p:style>
+          <a:lnRef idx="1">
+            <a:schemeClr val="accent1"/>
+          </a:lnRef>
+          <a:fillRef idx="0">
+            <a:schemeClr val="accent1"/>
+          </a:fillRef>
+          <a:effectRef idx="0">
+            <a:schemeClr val="accent1"/>
+          </a:effectRef>
+          <a:fontRef idx="minor">
+            <a:schemeClr val="tx1"/>
+          </a:fontRef>
+        </p:style>
+      </p:cxnSp>
+      <p:cxnSp>
+        <p:nvCxnSpPr>
+          <p:cNvPr id="7" name="직선 연결선 6">
+            <a:extLst>
+              <a:ext uri="{FF2B5EF4-FFF2-40B4-BE49-F238E27FC236}">
+                <a16:creationId xmlns:a16="http://schemas.microsoft.com/office/drawing/2014/main" id="{9FF08141-38ED-4F86-86A9-757547A2479E}"/>
+              </a:ext>
+            </a:extLst>
+          </p:cNvPr>
+          <p:cNvCxnSpPr>
+            <a:cxnSpLocks/>
+          </p:cNvCxnSpPr>
+          <p:nvPr/>
+        </p:nvCxnSpPr>
+        <p:spPr>
+          <a:xfrm>
+            <a:off x="4672208" y="1565753"/>
+            <a:ext cx="1402915" cy="0"/>
+          </a:xfrm>
+          <a:prstGeom prst="line">
+            <a:avLst/>
+          </a:prstGeom>
+          <a:ln w="57150">
+            <a:solidFill>
+              <a:schemeClr val="accent4">
+                <a:lumMod val="75000"/>
+              </a:schemeClr>
+            </a:solidFill>
+          </a:ln>
+        </p:spPr>
+        <p:style>
+          <a:lnRef idx="1">
+            <a:schemeClr val="accent1"/>
+          </a:lnRef>
+          <a:fillRef idx="0">
+            <a:schemeClr val="accent1"/>
+          </a:fillRef>
+          <a:effectRef idx="0">
+            <a:schemeClr val="accent1"/>
+          </a:effectRef>
+          <a:fontRef idx="minor">
+            <a:schemeClr val="tx1"/>
+          </a:fontRef>
+        </p:style>
+      </p:cxnSp>
+      <p:cxnSp>
+        <p:nvCxnSpPr>
+          <p:cNvPr id="8" name="직선 연결선 7">
+            <a:extLst>
+              <a:ext uri="{FF2B5EF4-FFF2-40B4-BE49-F238E27FC236}">
+                <a16:creationId xmlns:a16="http://schemas.microsoft.com/office/drawing/2014/main" id="{62A6EC5E-008F-4227-A299-34A564C6B4DE}"/>
+              </a:ext>
+            </a:extLst>
+          </p:cNvPr>
+          <p:cNvCxnSpPr>
+            <a:cxnSpLocks/>
+          </p:cNvCxnSpPr>
+          <p:nvPr/>
+        </p:nvCxnSpPr>
+        <p:spPr>
+          <a:xfrm>
+            <a:off x="6075123" y="1565753"/>
+            <a:ext cx="1402915" cy="0"/>
+          </a:xfrm>
+          <a:prstGeom prst="line">
+            <a:avLst/>
+          </a:prstGeom>
+          <a:ln w="57150">
             <a:solidFill>
               <a:srgbClr val="FF0000"/>
             </a:solidFill>
           </a:ln>
         </p:spPr>
         <p:style>
-          <a:lnRef idx="2">
-            <a:schemeClr val="accent1">
-              <a:shade val="50000"/>
-            </a:schemeClr>
-          </a:lnRef>
-          <a:fillRef idx="1">
-            <a:schemeClr val="accent1"/>
-          </a:fillRef>
-          <a:effectRef idx="0">
-            <a:schemeClr val="accent1"/>
-          </a:effectRef>
-          <a:fontRef idx="minor">
-            <a:schemeClr val="lt1"/>
-          </a:fontRef>
-        </p:style>
-        <p:txBody>
-          <a:bodyPr rtlCol="0" anchor="ctr"/>
-          <a:lstStyle/>
-          <a:p>
-            <a:pPr algn="ctr"/>
-            <a:endParaRPr lang="ko-KR" altLang="en-US" dirty="0"/>
-          </a:p>
-        </p:txBody>
-      </p:sp>
-      <p:pic>
-        <p:nvPicPr>
-          <p:cNvPr id="17" name="그림 16">
-            <a:extLst>
-              <a:ext uri="{FF2B5EF4-FFF2-40B4-BE49-F238E27FC236}">
-                <a16:creationId xmlns:a16="http://schemas.microsoft.com/office/drawing/2014/main" id="{B8D641E1-1B93-4AFF-A420-3A60DAF4BF34}"/>
-              </a:ext>
-            </a:extLst>
-          </p:cNvPr>
-          <p:cNvPicPr>
-            <a:picLocks noChangeAspect="1"/>
-          </p:cNvPicPr>
-          <p:nvPr/>
-        </p:nvPicPr>
-        <p:blipFill>
-          <a:blip r:embed="rId3"/>
-          <a:stretch>
-            <a:fillRect/>
-          </a:stretch>
-        </p:blipFill>
-        <p:spPr>
-          <a:xfrm>
-            <a:off x="5373665" y="1917798"/>
-            <a:ext cx="3231716" cy="1145571"/>
-          </a:xfrm>
-          <a:prstGeom prst="rect">
-            <a:avLst/>
-          </a:prstGeom>
-        </p:spPr>
-      </p:pic>
-      <p:sp>
-        <p:nvSpPr>
-          <p:cNvPr id="18" name="사각형: 둥근 모서리 17">
-            <a:extLst>
-              <a:ext uri="{FF2B5EF4-FFF2-40B4-BE49-F238E27FC236}">
-                <a16:creationId xmlns:a16="http://schemas.microsoft.com/office/drawing/2014/main" id="{33DBEAC3-4E68-40D8-B232-A84237B314D5}"/>
-              </a:ext>
-            </a:extLst>
-          </p:cNvPr>
-          <p:cNvSpPr/>
-          <p:nvPr/>
-        </p:nvSpPr>
-        <p:spPr>
-          <a:xfrm>
-            <a:off x="3945698" y="5212918"/>
-            <a:ext cx="1091329" cy="407096"/>
-          </a:xfrm>
-          <a:prstGeom prst="roundRect">
-            <a:avLst/>
-          </a:prstGeom>
-          <a:noFill/>
-          <a:ln w="28575">
-            <a:solidFill>
-              <a:srgbClr val="FF0000"/>
-            </a:solidFill>
-          </a:ln>
-        </p:spPr>
-        <p:style>
-          <a:lnRef idx="2">
-            <a:schemeClr val="accent1">
-              <a:shade val="50000"/>
-            </a:schemeClr>
-          </a:lnRef>
-          <a:fillRef idx="1">
-            <a:schemeClr val="accent1"/>
-          </a:fillRef>
-          <a:effectRef idx="0">
-            <a:schemeClr val="accent1"/>
-          </a:effectRef>
-          <a:fontRef idx="minor">
-            <a:schemeClr val="lt1"/>
-          </a:fontRef>
-        </p:style>
-        <p:txBody>
-          <a:bodyPr rtlCol="0" anchor="ctr"/>
-          <a:lstStyle/>
-          <a:p>
-            <a:pPr algn="ctr"/>
-            <a:endParaRPr lang="ko-KR" altLang="en-US" dirty="0"/>
-          </a:p>
-        </p:txBody>
-      </p:sp>
-      <p:sp>
-        <p:nvSpPr>
-          <p:cNvPr id="19" name="TextBox 18">
-            <a:extLst>
-              <a:ext uri="{FF2B5EF4-FFF2-40B4-BE49-F238E27FC236}">
-                <a16:creationId xmlns:a16="http://schemas.microsoft.com/office/drawing/2014/main" id="{EB181981-16DE-42D5-A1EC-5DB3C7DBC8EC}"/>
-              </a:ext>
-            </a:extLst>
-          </p:cNvPr>
-          <p:cNvSpPr txBox="1"/>
-          <p:nvPr/>
-        </p:nvSpPr>
-        <p:spPr>
-          <a:xfrm>
-            <a:off x="801667" y="2743201"/>
-            <a:ext cx="543739" cy="1815882"/>
-          </a:xfrm>
-          <a:prstGeom prst="rect">
-            <a:avLst/>
-          </a:prstGeom>
-          <a:noFill/>
-        </p:spPr>
-        <p:txBody>
-          <a:bodyPr wrap="none" rtlCol="0">
-            <a:spAutoFit/>
-          </a:bodyPr>
-          <a:lstStyle/>
-          <a:p>
-            <a:r>
-              <a:rPr lang="ko-KR" altLang="en-US" sz="2800" b="1" dirty="0">
-                <a:solidFill>
-                  <a:srgbClr val="FF0000"/>
-                </a:solidFill>
-              </a:rPr>
-              <a:t>②</a:t>
-            </a:r>
-          </a:p>
-          <a:p>
-            <a:endParaRPr lang="ko-KR" altLang="en-US" sz="2800" b="1" dirty="0">
-              <a:solidFill>
-                <a:srgbClr val="FF0000"/>
-              </a:solidFill>
-            </a:endParaRPr>
-          </a:p>
-          <a:p>
-            <a:endParaRPr lang="ko-KR" altLang="en-US" sz="2800" b="1" dirty="0">
-              <a:solidFill>
-                <a:srgbClr val="FF0000"/>
-              </a:solidFill>
-            </a:endParaRPr>
-          </a:p>
-          <a:p>
-            <a:endParaRPr lang="ko-KR" altLang="en-US" sz="2800" b="1" dirty="0">
-              <a:solidFill>
-                <a:srgbClr val="FF0000"/>
-              </a:solidFill>
-            </a:endParaRPr>
-          </a:p>
-        </p:txBody>
-      </p:sp>
-      <p:sp>
-        <p:nvSpPr>
-          <p:cNvPr id="20" name="TextBox 19">
-            <a:extLst>
-              <a:ext uri="{FF2B5EF4-FFF2-40B4-BE49-F238E27FC236}">
-                <a16:creationId xmlns:a16="http://schemas.microsoft.com/office/drawing/2014/main" id="{93E54747-52A9-4F4D-A06D-97756A4D2565}"/>
-              </a:ext>
-            </a:extLst>
-          </p:cNvPr>
-          <p:cNvSpPr txBox="1"/>
-          <p:nvPr/>
-        </p:nvSpPr>
-        <p:spPr>
-          <a:xfrm>
-            <a:off x="2997423" y="4235019"/>
-            <a:ext cx="543739" cy="1384995"/>
-          </a:xfrm>
-          <a:prstGeom prst="rect">
-            <a:avLst/>
-          </a:prstGeom>
-          <a:noFill/>
-        </p:spPr>
-        <p:txBody>
-          <a:bodyPr wrap="none" rtlCol="0">
-            <a:spAutoFit/>
-          </a:bodyPr>
-          <a:lstStyle/>
-          <a:p>
-            <a:r>
-              <a:rPr lang="ko-KR" altLang="en-US" sz="2800" b="1" dirty="0">
-                <a:solidFill>
-                  <a:srgbClr val="FF0000"/>
-                </a:solidFill>
-              </a:rPr>
-              <a:t>①</a:t>
-            </a:r>
-          </a:p>
-          <a:p>
-            <a:endParaRPr lang="ko-KR" altLang="en-US" sz="2800" b="1" dirty="0">
-              <a:solidFill>
-                <a:srgbClr val="FF0000"/>
-              </a:solidFill>
-            </a:endParaRPr>
-          </a:p>
-          <a:p>
-            <a:endParaRPr lang="ko-KR" altLang="en-US" sz="2800" b="1" dirty="0">
-              <a:solidFill>
-                <a:srgbClr val="FF0000"/>
-              </a:solidFill>
-            </a:endParaRPr>
-          </a:p>
-        </p:txBody>
-      </p:sp>
-      <p:cxnSp>
-        <p:nvCxnSpPr>
-          <p:cNvPr id="22" name="직선 화살표 연결선 21">
-            <a:extLst>
-              <a:ext uri="{FF2B5EF4-FFF2-40B4-BE49-F238E27FC236}">
-                <a16:creationId xmlns:a16="http://schemas.microsoft.com/office/drawing/2014/main" id="{E3A54032-95E6-41B9-9394-8E4DE1CAC7E0}"/>
-              </a:ext>
-            </a:extLst>
-          </p:cNvPr>
-          <p:cNvCxnSpPr>
-            <a:stCxn id="16" idx="0"/>
-          </p:cNvCxnSpPr>
-          <p:nvPr/>
-        </p:nvCxnSpPr>
-        <p:spPr>
-          <a:xfrm flipV="1">
-            <a:off x="3689697" y="2179529"/>
-            <a:ext cx="1871859" cy="2642993"/>
-          </a:xfrm>
-          <a:prstGeom prst="straightConnector1">
-            <a:avLst/>
-          </a:prstGeom>
-          <a:ln w="28575">
-            <a:solidFill>
-              <a:srgbClr val="FF0000"/>
-            </a:solidFill>
-            <a:tailEnd type="triangle"/>
-          </a:ln>
-        </p:spPr>
-        <p:style>
-          <a:lnRef idx="1">
-            <a:schemeClr val="accent2"/>
-          </a:lnRef>
-          <a:fillRef idx="0">
-            <a:schemeClr val="accent2"/>
-          </a:fillRef>
-          <a:effectRef idx="0">
-            <a:schemeClr val="accent2"/>
-          </a:effectRef>
-          <a:fontRef idx="minor">
-            <a:schemeClr val="tx1"/>
-          </a:fontRef>
-        </p:style>
-      </p:cxnSp>
-      <p:sp>
-        <p:nvSpPr>
-          <p:cNvPr id="23" name="사각형: 둥근 모서리 22">
-            <a:extLst>
-              <a:ext uri="{FF2B5EF4-FFF2-40B4-BE49-F238E27FC236}">
-                <a16:creationId xmlns:a16="http://schemas.microsoft.com/office/drawing/2014/main" id="{DFAD0D76-84FA-400D-908D-8DF0CE9AE5B1}"/>
-              </a:ext>
-            </a:extLst>
-          </p:cNvPr>
-          <p:cNvSpPr/>
-          <p:nvPr/>
-        </p:nvSpPr>
-        <p:spPr>
-          <a:xfrm>
-            <a:off x="5573299" y="1947894"/>
-            <a:ext cx="1871859" cy="818488"/>
-          </a:xfrm>
-          <a:prstGeom prst="roundRect">
-            <a:avLst/>
-          </a:prstGeom>
-          <a:noFill/>
-          <a:ln w="28575">
-            <a:solidFill>
-              <a:srgbClr val="FF0000"/>
-            </a:solidFill>
-          </a:ln>
-        </p:spPr>
-        <p:style>
-          <a:lnRef idx="2">
-            <a:schemeClr val="accent1">
-              <a:shade val="50000"/>
-            </a:schemeClr>
-          </a:lnRef>
-          <a:fillRef idx="1">
-            <a:schemeClr val="accent1"/>
-          </a:fillRef>
-          <a:effectRef idx="0">
-            <a:schemeClr val="accent1"/>
-          </a:effectRef>
-          <a:fontRef idx="minor">
-            <a:schemeClr val="lt1"/>
-          </a:fontRef>
-        </p:style>
-        <p:txBody>
-          <a:bodyPr rtlCol="0" anchor="ctr"/>
-          <a:lstStyle/>
-          <a:p>
-            <a:pPr algn="ctr"/>
-            <a:endParaRPr lang="ko-KR" altLang="en-US" dirty="0"/>
-          </a:p>
-        </p:txBody>
-      </p:sp>
-      <p:sp>
-        <p:nvSpPr>
-          <p:cNvPr id="24" name="TextBox 23">
-            <a:extLst>
-              <a:ext uri="{FF2B5EF4-FFF2-40B4-BE49-F238E27FC236}">
-                <a16:creationId xmlns:a16="http://schemas.microsoft.com/office/drawing/2014/main" id="{6CBABE4D-4D1E-4ADD-BED1-B86084CD370C}"/>
-              </a:ext>
-            </a:extLst>
-          </p:cNvPr>
-          <p:cNvSpPr txBox="1"/>
-          <p:nvPr/>
-        </p:nvSpPr>
-        <p:spPr>
-          <a:xfrm>
-            <a:off x="3450920" y="5160293"/>
-            <a:ext cx="543739" cy="2369880"/>
-          </a:xfrm>
-          <a:prstGeom prst="rect">
-            <a:avLst/>
-          </a:prstGeom>
-          <a:noFill/>
-        </p:spPr>
-        <p:txBody>
-          <a:bodyPr wrap="none" rtlCol="0">
-            <a:spAutoFit/>
-          </a:bodyPr>
-          <a:lstStyle/>
-          <a:p>
-            <a:r>
-              <a:rPr lang="ko-KR" altLang="en-US" sz="2800" b="1" dirty="0">
-                <a:solidFill>
-                  <a:srgbClr val="FF0000"/>
-                </a:solidFill>
-              </a:rPr>
-              <a:t>③</a:t>
-            </a:r>
-          </a:p>
-          <a:p>
-            <a:endParaRPr lang="ko-KR" altLang="en-US" sz="4000" b="1" dirty="0">
-              <a:solidFill>
-                <a:srgbClr val="FF0000"/>
-              </a:solidFill>
-            </a:endParaRPr>
-          </a:p>
-          <a:p>
-            <a:endParaRPr lang="ko-KR" altLang="en-US" sz="4000" b="1" dirty="0">
-              <a:solidFill>
-                <a:srgbClr val="FF0000"/>
-              </a:solidFill>
-            </a:endParaRPr>
-          </a:p>
-          <a:p>
-            <a:endParaRPr lang="ko-KR" altLang="en-US" sz="4000" b="1" dirty="0">
-              <a:solidFill>
-                <a:srgbClr val="FF0000"/>
-              </a:solidFill>
-            </a:endParaRPr>
-          </a:p>
-        </p:txBody>
-      </p:sp>
-      <p:sp>
-        <p:nvSpPr>
-          <p:cNvPr id="25" name="TextBox 24">
-            <a:extLst>
-              <a:ext uri="{FF2B5EF4-FFF2-40B4-BE49-F238E27FC236}">
-                <a16:creationId xmlns:a16="http://schemas.microsoft.com/office/drawing/2014/main" id="{B07DCF60-EC2F-4C9A-BEC2-E0EC38EB00F7}"/>
-              </a:ext>
-            </a:extLst>
-          </p:cNvPr>
-          <p:cNvSpPr txBox="1"/>
-          <p:nvPr/>
-        </p:nvSpPr>
-        <p:spPr>
-          <a:xfrm>
-            <a:off x="5394488" y="3325100"/>
-            <a:ext cx="1361270" cy="646331"/>
-          </a:xfrm>
-          <a:prstGeom prst="rect">
-            <a:avLst/>
-          </a:prstGeom>
-          <a:noFill/>
-        </p:spPr>
-        <p:txBody>
-          <a:bodyPr wrap="none" rtlCol="0">
-            <a:spAutoFit/>
-          </a:bodyPr>
-          <a:lstStyle/>
-          <a:p>
-            <a:r>
-              <a:rPr lang="ko-KR" altLang="en-US" dirty="0"/>
-              <a:t>서버 포트 </a:t>
-            </a:r>
-            <a:endParaRPr lang="en-US" altLang="ko-KR" dirty="0"/>
-          </a:p>
-          <a:p>
-            <a:r>
-              <a:rPr lang="en-US" altLang="ko-KR" dirty="0"/>
-              <a:t>29999 </a:t>
-            </a:r>
-            <a:r>
-              <a:rPr lang="ko-KR" altLang="en-US" dirty="0"/>
-              <a:t>변경</a:t>
-            </a:r>
-          </a:p>
-        </p:txBody>
-      </p:sp>
+          <a:lnRef idx="1">
+            <a:schemeClr val="accent1"/>
+          </a:lnRef>
+          <a:fillRef idx="0">
+            <a:schemeClr val="accent1"/>
+          </a:fillRef>
+          <a:effectRef idx="0">
+            <a:schemeClr val="accent1"/>
+          </a:effectRef>
+          <a:fontRef idx="minor">
+            <a:schemeClr val="tx1"/>
+          </a:fontRef>
+        </p:style>
+      </p:cxnSp>
+      <p:cxnSp>
+        <p:nvCxnSpPr>
+          <p:cNvPr id="9" name="직선 연결선 8">
+            <a:extLst>
+              <a:ext uri="{FF2B5EF4-FFF2-40B4-BE49-F238E27FC236}">
+                <a16:creationId xmlns:a16="http://schemas.microsoft.com/office/drawing/2014/main" id="{73BE4EC4-D5AB-43B6-99B8-20CC507C817B}"/>
+              </a:ext>
+            </a:extLst>
+          </p:cNvPr>
+          <p:cNvCxnSpPr>
+            <a:cxnSpLocks/>
+          </p:cNvCxnSpPr>
+          <p:nvPr/>
+        </p:nvCxnSpPr>
+        <p:spPr>
+          <a:xfrm>
+            <a:off x="7478038" y="1565753"/>
+            <a:ext cx="1402915" cy="0"/>
+          </a:xfrm>
+          <a:prstGeom prst="line">
+            <a:avLst/>
+          </a:prstGeom>
+          <a:ln w="57150">
+            <a:solidFill>
+              <a:srgbClr val="92D050"/>
+            </a:solidFill>
+          </a:ln>
+        </p:spPr>
+        <p:style>
+          <a:lnRef idx="1">
+            <a:schemeClr val="accent1"/>
+          </a:lnRef>
+          <a:fillRef idx="0">
+            <a:schemeClr val="accent1"/>
+          </a:fillRef>
+          <a:effectRef idx="0">
+            <a:schemeClr val="accent1"/>
+          </a:effectRef>
+          <a:fontRef idx="minor">
+            <a:schemeClr val="tx1"/>
+          </a:fontRef>
+        </p:style>
+      </p:cxnSp>
+      <p:cxnSp>
+        <p:nvCxnSpPr>
+          <p:cNvPr id="10" name="직선 연결선 9">
+            <a:extLst>
+              <a:ext uri="{FF2B5EF4-FFF2-40B4-BE49-F238E27FC236}">
+                <a16:creationId xmlns:a16="http://schemas.microsoft.com/office/drawing/2014/main" id="{D23B7696-E162-4DC6-9E5C-29744AE86C94}"/>
+              </a:ext>
+            </a:extLst>
+          </p:cNvPr>
+          <p:cNvCxnSpPr>
+            <a:cxnSpLocks/>
+          </p:cNvCxnSpPr>
+          <p:nvPr/>
+        </p:nvCxnSpPr>
+        <p:spPr>
+          <a:xfrm>
+            <a:off x="8880953" y="1565753"/>
+            <a:ext cx="1402915" cy="0"/>
+          </a:xfrm>
+          <a:prstGeom prst="line">
+            <a:avLst/>
+          </a:prstGeom>
+          <a:ln w="57150">
+            <a:solidFill>
+              <a:schemeClr val="bg2">
+                <a:lumMod val="50000"/>
+              </a:schemeClr>
+            </a:solidFill>
+          </a:ln>
+        </p:spPr>
+        <p:style>
+          <a:lnRef idx="1">
+            <a:schemeClr val="accent1"/>
+          </a:lnRef>
+          <a:fillRef idx="0">
+            <a:schemeClr val="accent1"/>
+          </a:fillRef>
+          <a:effectRef idx="0">
+            <a:schemeClr val="accent1"/>
+          </a:effectRef>
+          <a:fontRef idx="minor">
+            <a:schemeClr val="tx1"/>
+          </a:fontRef>
+        </p:style>
+      </p:cxnSp>
+      <p:cxnSp>
+        <p:nvCxnSpPr>
+          <p:cNvPr id="11" name="직선 연결선 10">
+            <a:extLst>
+              <a:ext uri="{FF2B5EF4-FFF2-40B4-BE49-F238E27FC236}">
+                <a16:creationId xmlns:a16="http://schemas.microsoft.com/office/drawing/2014/main" id="{AD5A1D01-4DAC-4236-AC37-43914BEDECF3}"/>
+              </a:ext>
+            </a:extLst>
+          </p:cNvPr>
+          <p:cNvCxnSpPr>
+            <a:cxnSpLocks/>
+          </p:cNvCxnSpPr>
+          <p:nvPr/>
+        </p:nvCxnSpPr>
+        <p:spPr>
+          <a:xfrm>
+            <a:off x="10283868" y="1565753"/>
+            <a:ext cx="1402915" cy="0"/>
+          </a:xfrm>
+          <a:prstGeom prst="line">
+            <a:avLst/>
+          </a:prstGeom>
+          <a:ln w="57150">
+            <a:solidFill>
+              <a:schemeClr val="bg1">
+                <a:lumMod val="85000"/>
+              </a:schemeClr>
+            </a:solidFill>
+          </a:ln>
+        </p:spPr>
+        <p:style>
+          <a:lnRef idx="1">
+            <a:schemeClr val="accent1"/>
+          </a:lnRef>
+          <a:fillRef idx="0">
+            <a:schemeClr val="accent1"/>
+          </a:fillRef>
+          <a:effectRef idx="0">
+            <a:schemeClr val="accent1"/>
+          </a:effectRef>
+          <a:fontRef idx="minor">
+            <a:schemeClr val="tx1"/>
+          </a:fontRef>
+        </p:style>
+      </p:cxnSp>
     </p:spTree>
     <p:extLst>
       <p:ext uri="{BB962C8B-B14F-4D97-AF65-F5344CB8AC3E}">
-        <p14:creationId xmlns:p14="http://schemas.microsoft.com/office/powerpoint/2010/main" val="3730429721"/>
+        <p14:creationId xmlns:p14="http://schemas.microsoft.com/office/powerpoint/2010/main" val="1494969537"/>
       </p:ext>
     </p:extLst>
   </p:cSld>
@@ -14194,369 +14348,17 @@
             </a:r>
             <a:r>
               <a:rPr lang="ko-KR" altLang="en-US" b="1" dirty="0"/>
-              <a:t> 클라이언트 접속 설정</a:t>
+              <a:t> 서버 설정</a:t>
             </a:r>
           </a:p>
         </p:txBody>
       </p:sp>
-      <p:cxnSp>
-        <p:nvCxnSpPr>
-          <p:cNvPr id="4" name="직선 연결선 3">
-            <a:extLst>
-              <a:ext uri="{FF2B5EF4-FFF2-40B4-BE49-F238E27FC236}">
-                <a16:creationId xmlns:a16="http://schemas.microsoft.com/office/drawing/2014/main" id="{EE01682E-4EC3-491F-A46B-0EACC9713D73}"/>
-              </a:ext>
-            </a:extLst>
-          </p:cNvPr>
-          <p:cNvCxnSpPr>
-            <a:cxnSpLocks/>
-          </p:cNvCxnSpPr>
-          <p:nvPr/>
-        </p:nvCxnSpPr>
-        <p:spPr>
-          <a:xfrm>
-            <a:off x="463463" y="1565753"/>
-            <a:ext cx="1402915" cy="0"/>
-          </a:xfrm>
-          <a:prstGeom prst="line">
-            <a:avLst/>
-          </a:prstGeom>
-          <a:ln w="57150">
-            <a:solidFill>
-              <a:srgbClr val="00B050"/>
-            </a:solidFill>
-          </a:ln>
-        </p:spPr>
-        <p:style>
-          <a:lnRef idx="1">
-            <a:schemeClr val="accent1"/>
-          </a:lnRef>
-          <a:fillRef idx="0">
-            <a:schemeClr val="accent1"/>
-          </a:fillRef>
-          <a:effectRef idx="0">
-            <a:schemeClr val="accent1"/>
-          </a:effectRef>
-          <a:fontRef idx="minor">
-            <a:schemeClr val="tx1"/>
-          </a:fontRef>
-        </p:style>
-      </p:cxnSp>
-      <p:cxnSp>
-        <p:nvCxnSpPr>
-          <p:cNvPr id="5" name="직선 연결선 4">
-            <a:extLst>
-              <a:ext uri="{FF2B5EF4-FFF2-40B4-BE49-F238E27FC236}">
-                <a16:creationId xmlns:a16="http://schemas.microsoft.com/office/drawing/2014/main" id="{ABC6680E-470B-45C4-B289-7A0EF67ED7E0}"/>
-              </a:ext>
-            </a:extLst>
-          </p:cNvPr>
-          <p:cNvCxnSpPr>
-            <a:cxnSpLocks/>
-          </p:cNvCxnSpPr>
-          <p:nvPr/>
-        </p:nvCxnSpPr>
-        <p:spPr>
-          <a:xfrm>
-            <a:off x="1866378" y="1565753"/>
-            <a:ext cx="1402915" cy="0"/>
-          </a:xfrm>
-          <a:prstGeom prst="line">
-            <a:avLst/>
-          </a:prstGeom>
-          <a:ln w="57150">
-            <a:solidFill>
-              <a:schemeClr val="accent2">
-                <a:lumMod val="75000"/>
-              </a:schemeClr>
-            </a:solidFill>
-          </a:ln>
-        </p:spPr>
-        <p:style>
-          <a:lnRef idx="1">
-            <a:schemeClr val="accent1"/>
-          </a:lnRef>
-          <a:fillRef idx="0">
-            <a:schemeClr val="accent1"/>
-          </a:fillRef>
-          <a:effectRef idx="0">
-            <a:schemeClr val="accent1"/>
-          </a:effectRef>
-          <a:fontRef idx="minor">
-            <a:schemeClr val="tx1"/>
-          </a:fontRef>
-        </p:style>
-      </p:cxnSp>
-      <p:cxnSp>
-        <p:nvCxnSpPr>
-          <p:cNvPr id="6" name="직선 연결선 5">
-            <a:extLst>
-              <a:ext uri="{FF2B5EF4-FFF2-40B4-BE49-F238E27FC236}">
-                <a16:creationId xmlns:a16="http://schemas.microsoft.com/office/drawing/2014/main" id="{3678CCF4-4AC3-4139-92E5-55722C3E7751}"/>
-              </a:ext>
-            </a:extLst>
-          </p:cNvPr>
-          <p:cNvCxnSpPr>
-            <a:cxnSpLocks/>
-          </p:cNvCxnSpPr>
-          <p:nvPr/>
-        </p:nvCxnSpPr>
-        <p:spPr>
-          <a:xfrm>
-            <a:off x="3269293" y="1565753"/>
-            <a:ext cx="1402915" cy="0"/>
-          </a:xfrm>
-          <a:prstGeom prst="line">
-            <a:avLst/>
-          </a:prstGeom>
-          <a:ln w="57150">
-            <a:solidFill>
-              <a:srgbClr val="FFC000"/>
-            </a:solidFill>
-          </a:ln>
-        </p:spPr>
-        <p:style>
-          <a:lnRef idx="1">
-            <a:schemeClr val="accent1"/>
-          </a:lnRef>
-          <a:fillRef idx="0">
-            <a:schemeClr val="accent1"/>
-          </a:fillRef>
-          <a:effectRef idx="0">
-            <a:schemeClr val="accent1"/>
-          </a:effectRef>
-          <a:fontRef idx="minor">
-            <a:schemeClr val="tx1"/>
-          </a:fontRef>
-        </p:style>
-      </p:cxnSp>
-      <p:cxnSp>
-        <p:nvCxnSpPr>
-          <p:cNvPr id="7" name="직선 연결선 6">
-            <a:extLst>
-              <a:ext uri="{FF2B5EF4-FFF2-40B4-BE49-F238E27FC236}">
-                <a16:creationId xmlns:a16="http://schemas.microsoft.com/office/drawing/2014/main" id="{9FF08141-38ED-4F86-86A9-757547A2479E}"/>
-              </a:ext>
-            </a:extLst>
-          </p:cNvPr>
-          <p:cNvCxnSpPr>
-            <a:cxnSpLocks/>
-          </p:cNvCxnSpPr>
-          <p:nvPr/>
-        </p:nvCxnSpPr>
-        <p:spPr>
-          <a:xfrm>
-            <a:off x="4672208" y="1565753"/>
-            <a:ext cx="1402915" cy="0"/>
-          </a:xfrm>
-          <a:prstGeom prst="line">
-            <a:avLst/>
-          </a:prstGeom>
-          <a:ln w="57150">
-            <a:solidFill>
-              <a:schemeClr val="accent4">
-                <a:lumMod val="75000"/>
-              </a:schemeClr>
-            </a:solidFill>
-          </a:ln>
-        </p:spPr>
-        <p:style>
-          <a:lnRef idx="1">
-            <a:schemeClr val="accent1"/>
-          </a:lnRef>
-          <a:fillRef idx="0">
-            <a:schemeClr val="accent1"/>
-          </a:fillRef>
-          <a:effectRef idx="0">
-            <a:schemeClr val="accent1"/>
-          </a:effectRef>
-          <a:fontRef idx="minor">
-            <a:schemeClr val="tx1"/>
-          </a:fontRef>
-        </p:style>
-      </p:cxnSp>
-      <p:cxnSp>
-        <p:nvCxnSpPr>
-          <p:cNvPr id="8" name="직선 연결선 7">
-            <a:extLst>
-              <a:ext uri="{FF2B5EF4-FFF2-40B4-BE49-F238E27FC236}">
-                <a16:creationId xmlns:a16="http://schemas.microsoft.com/office/drawing/2014/main" id="{62A6EC5E-008F-4227-A299-34A564C6B4DE}"/>
-              </a:ext>
-            </a:extLst>
-          </p:cNvPr>
-          <p:cNvCxnSpPr>
-            <a:cxnSpLocks/>
-          </p:cNvCxnSpPr>
-          <p:nvPr/>
-        </p:nvCxnSpPr>
-        <p:spPr>
-          <a:xfrm>
-            <a:off x="6075123" y="1565753"/>
-            <a:ext cx="1402915" cy="0"/>
-          </a:xfrm>
-          <a:prstGeom prst="line">
-            <a:avLst/>
-          </a:prstGeom>
-          <a:ln w="57150">
-            <a:solidFill>
-              <a:srgbClr val="FF0000"/>
-            </a:solidFill>
-          </a:ln>
-        </p:spPr>
-        <p:style>
-          <a:lnRef idx="1">
-            <a:schemeClr val="accent1"/>
-          </a:lnRef>
-          <a:fillRef idx="0">
-            <a:schemeClr val="accent1"/>
-          </a:fillRef>
-          <a:effectRef idx="0">
-            <a:schemeClr val="accent1"/>
-          </a:effectRef>
-          <a:fontRef idx="minor">
-            <a:schemeClr val="tx1"/>
-          </a:fontRef>
-        </p:style>
-      </p:cxnSp>
-      <p:cxnSp>
-        <p:nvCxnSpPr>
-          <p:cNvPr id="9" name="직선 연결선 8">
-            <a:extLst>
-              <a:ext uri="{FF2B5EF4-FFF2-40B4-BE49-F238E27FC236}">
-                <a16:creationId xmlns:a16="http://schemas.microsoft.com/office/drawing/2014/main" id="{73BE4EC4-D5AB-43B6-99B8-20CC507C817B}"/>
-              </a:ext>
-            </a:extLst>
-          </p:cNvPr>
-          <p:cNvCxnSpPr>
-            <a:cxnSpLocks/>
-          </p:cNvCxnSpPr>
-          <p:nvPr/>
-        </p:nvCxnSpPr>
-        <p:spPr>
-          <a:xfrm>
-            <a:off x="7478038" y="1565753"/>
-            <a:ext cx="1402915" cy="0"/>
-          </a:xfrm>
-          <a:prstGeom prst="line">
-            <a:avLst/>
-          </a:prstGeom>
-          <a:ln w="57150">
-            <a:solidFill>
-              <a:srgbClr val="92D050"/>
-            </a:solidFill>
-          </a:ln>
-        </p:spPr>
-        <p:style>
-          <a:lnRef idx="1">
-            <a:schemeClr val="accent1"/>
-          </a:lnRef>
-          <a:fillRef idx="0">
-            <a:schemeClr val="accent1"/>
-          </a:fillRef>
-          <a:effectRef idx="0">
-            <a:schemeClr val="accent1"/>
-          </a:effectRef>
-          <a:fontRef idx="minor">
-            <a:schemeClr val="tx1"/>
-          </a:fontRef>
-        </p:style>
-      </p:cxnSp>
-      <p:cxnSp>
-        <p:nvCxnSpPr>
-          <p:cNvPr id="10" name="직선 연결선 9">
-            <a:extLst>
-              <a:ext uri="{FF2B5EF4-FFF2-40B4-BE49-F238E27FC236}">
-                <a16:creationId xmlns:a16="http://schemas.microsoft.com/office/drawing/2014/main" id="{D23B7696-E162-4DC6-9E5C-29744AE86C94}"/>
-              </a:ext>
-            </a:extLst>
-          </p:cNvPr>
-          <p:cNvCxnSpPr>
-            <a:cxnSpLocks/>
-          </p:cNvCxnSpPr>
-          <p:nvPr/>
-        </p:nvCxnSpPr>
-        <p:spPr>
-          <a:xfrm>
-            <a:off x="8880953" y="1565753"/>
-            <a:ext cx="1402915" cy="0"/>
-          </a:xfrm>
-          <a:prstGeom prst="line">
-            <a:avLst/>
-          </a:prstGeom>
-          <a:ln w="57150">
-            <a:solidFill>
-              <a:schemeClr val="bg2">
-                <a:lumMod val="50000"/>
-              </a:schemeClr>
-            </a:solidFill>
-          </a:ln>
-        </p:spPr>
-        <p:style>
-          <a:lnRef idx="1">
-            <a:schemeClr val="accent1"/>
-          </a:lnRef>
-          <a:fillRef idx="0">
-            <a:schemeClr val="accent1"/>
-          </a:fillRef>
-          <a:effectRef idx="0">
-            <a:schemeClr val="accent1"/>
-          </a:effectRef>
-          <a:fontRef idx="minor">
-            <a:schemeClr val="tx1"/>
-          </a:fontRef>
-        </p:style>
-      </p:cxnSp>
-      <p:cxnSp>
-        <p:nvCxnSpPr>
-          <p:cNvPr id="11" name="직선 연결선 10">
-            <a:extLst>
-              <a:ext uri="{FF2B5EF4-FFF2-40B4-BE49-F238E27FC236}">
-                <a16:creationId xmlns:a16="http://schemas.microsoft.com/office/drawing/2014/main" id="{AD5A1D01-4DAC-4236-AC37-43914BEDECF3}"/>
-              </a:ext>
-            </a:extLst>
-          </p:cNvPr>
-          <p:cNvCxnSpPr>
-            <a:cxnSpLocks/>
-          </p:cNvCxnSpPr>
-          <p:nvPr/>
-        </p:nvCxnSpPr>
-        <p:spPr>
-          <a:xfrm>
-            <a:off x="10283868" y="1565753"/>
-            <a:ext cx="1402915" cy="0"/>
-          </a:xfrm>
-          <a:prstGeom prst="line">
-            <a:avLst/>
-          </a:prstGeom>
-          <a:ln w="57150">
-            <a:solidFill>
-              <a:schemeClr val="bg1">
-                <a:lumMod val="85000"/>
-              </a:schemeClr>
-            </a:solidFill>
-          </a:ln>
-        </p:spPr>
-        <p:style>
-          <a:lnRef idx="1">
-            <a:schemeClr val="accent1"/>
-          </a:lnRef>
-          <a:fillRef idx="0">
-            <a:schemeClr val="accent1"/>
-          </a:fillRef>
-          <a:effectRef idx="0">
-            <a:schemeClr val="accent1"/>
-          </a:effectRef>
-          <a:fontRef idx="minor">
-            <a:schemeClr val="tx1"/>
-          </a:fontRef>
-        </p:style>
-      </p:cxnSp>
       <p:pic>
         <p:nvPicPr>
-          <p:cNvPr id="16" name="내용 개체 틀 15">
-            <a:extLst>
-              <a:ext uri="{FF2B5EF4-FFF2-40B4-BE49-F238E27FC236}">
-                <a16:creationId xmlns:a16="http://schemas.microsoft.com/office/drawing/2014/main" id="{61634E3E-1F11-4849-B169-4E2C2FF930BB}"/>
+          <p:cNvPr id="12" name="내용 개체 틀 11">
+            <a:extLst>
+              <a:ext uri="{FF2B5EF4-FFF2-40B4-BE49-F238E27FC236}">
+                <a16:creationId xmlns:a16="http://schemas.microsoft.com/office/drawing/2014/main" id="{9DC6AD38-D74F-4024-B23E-94857755803F}"/>
               </a:ext>
             </a:extLst>
           </p:cNvPr>
@@ -14575,400 +14377,428 @@
         </p:blipFill>
         <p:spPr>
           <a:xfrm>
-            <a:off x="838199" y="2031119"/>
-            <a:ext cx="8528397" cy="4332100"/>
+            <a:off x="463463" y="2252031"/>
+            <a:ext cx="8744208" cy="1518287"/>
           </a:xfrm>
           <a:prstGeom prst="rect">
             <a:avLst/>
           </a:prstGeom>
+          <a:ln w="38100" cap="sq">
+            <a:solidFill>
+              <a:srgbClr val="000000"/>
+            </a:solidFill>
+            <a:prstDash val="solid"/>
+            <a:miter lim="800000"/>
+          </a:ln>
+          <a:effectLst>
+            <a:outerShdw blurRad="50800" dist="38100" dir="2700000" algn="tl" rotWithShape="0">
+              <a:srgbClr val="000000">
+                <a:alpha val="43000"/>
+              </a:srgbClr>
+            </a:outerShdw>
+          </a:effectLst>
         </p:spPr>
       </p:pic>
-      <p:sp>
-        <p:nvSpPr>
-          <p:cNvPr id="17" name="사각형: 둥근 모서리 16">
-            <a:extLst>
-              <a:ext uri="{FF2B5EF4-FFF2-40B4-BE49-F238E27FC236}">
-                <a16:creationId xmlns:a16="http://schemas.microsoft.com/office/drawing/2014/main" id="{A3C7AD16-67EE-4AB9-BDDF-721A27192D7C}"/>
-              </a:ext>
-            </a:extLst>
-          </p:cNvPr>
-          <p:cNvSpPr/>
-          <p:nvPr/>
-        </p:nvSpPr>
-        <p:spPr>
-          <a:xfrm>
-            <a:off x="2181092" y="2105948"/>
-            <a:ext cx="1213461" cy="486939"/>
-          </a:xfrm>
-          <a:prstGeom prst="roundRect">
-            <a:avLst/>
-          </a:prstGeom>
-          <a:noFill/>
-          <a:ln w="28575">
+      <p:cxnSp>
+        <p:nvCxnSpPr>
+          <p:cNvPr id="4" name="직선 연결선 3">
+            <a:extLst>
+              <a:ext uri="{FF2B5EF4-FFF2-40B4-BE49-F238E27FC236}">
+                <a16:creationId xmlns:a16="http://schemas.microsoft.com/office/drawing/2014/main" id="{EE01682E-4EC3-491F-A46B-0EACC9713D73}"/>
+              </a:ext>
+            </a:extLst>
+          </p:cNvPr>
+          <p:cNvCxnSpPr>
+            <a:cxnSpLocks/>
+          </p:cNvCxnSpPr>
+          <p:nvPr/>
+        </p:nvCxnSpPr>
+        <p:spPr>
+          <a:xfrm>
+            <a:off x="463463" y="1565753"/>
+            <a:ext cx="1402915" cy="0"/>
+          </a:xfrm>
+          <a:prstGeom prst="line">
+            <a:avLst/>
+          </a:prstGeom>
+          <a:ln w="57150">
+            <a:solidFill>
+              <a:srgbClr val="00B050"/>
+            </a:solidFill>
+          </a:ln>
+        </p:spPr>
+        <p:style>
+          <a:lnRef idx="1">
+            <a:schemeClr val="accent1"/>
+          </a:lnRef>
+          <a:fillRef idx="0">
+            <a:schemeClr val="accent1"/>
+          </a:fillRef>
+          <a:effectRef idx="0">
+            <a:schemeClr val="accent1"/>
+          </a:effectRef>
+          <a:fontRef idx="minor">
+            <a:schemeClr val="tx1"/>
+          </a:fontRef>
+        </p:style>
+      </p:cxnSp>
+      <p:cxnSp>
+        <p:nvCxnSpPr>
+          <p:cNvPr id="5" name="직선 연결선 4">
+            <a:extLst>
+              <a:ext uri="{FF2B5EF4-FFF2-40B4-BE49-F238E27FC236}">
+                <a16:creationId xmlns:a16="http://schemas.microsoft.com/office/drawing/2014/main" id="{ABC6680E-470B-45C4-B289-7A0EF67ED7E0}"/>
+              </a:ext>
+            </a:extLst>
+          </p:cNvPr>
+          <p:cNvCxnSpPr>
+            <a:cxnSpLocks/>
+          </p:cNvCxnSpPr>
+          <p:nvPr/>
+        </p:nvCxnSpPr>
+        <p:spPr>
+          <a:xfrm>
+            <a:off x="1866378" y="1565753"/>
+            <a:ext cx="1402915" cy="0"/>
+          </a:xfrm>
+          <a:prstGeom prst="line">
+            <a:avLst/>
+          </a:prstGeom>
+          <a:ln w="57150">
+            <a:solidFill>
+              <a:schemeClr val="accent2">
+                <a:lumMod val="75000"/>
+              </a:schemeClr>
+            </a:solidFill>
+          </a:ln>
+        </p:spPr>
+        <p:style>
+          <a:lnRef idx="1">
+            <a:schemeClr val="accent1"/>
+          </a:lnRef>
+          <a:fillRef idx="0">
+            <a:schemeClr val="accent1"/>
+          </a:fillRef>
+          <a:effectRef idx="0">
+            <a:schemeClr val="accent1"/>
+          </a:effectRef>
+          <a:fontRef idx="minor">
+            <a:schemeClr val="tx1"/>
+          </a:fontRef>
+        </p:style>
+      </p:cxnSp>
+      <p:cxnSp>
+        <p:nvCxnSpPr>
+          <p:cNvPr id="6" name="직선 연결선 5">
+            <a:extLst>
+              <a:ext uri="{FF2B5EF4-FFF2-40B4-BE49-F238E27FC236}">
+                <a16:creationId xmlns:a16="http://schemas.microsoft.com/office/drawing/2014/main" id="{3678CCF4-4AC3-4139-92E5-55722C3E7751}"/>
+              </a:ext>
+            </a:extLst>
+          </p:cNvPr>
+          <p:cNvCxnSpPr>
+            <a:cxnSpLocks/>
+          </p:cNvCxnSpPr>
+          <p:nvPr/>
+        </p:nvCxnSpPr>
+        <p:spPr>
+          <a:xfrm>
+            <a:off x="3269293" y="1565753"/>
+            <a:ext cx="1402915" cy="0"/>
+          </a:xfrm>
+          <a:prstGeom prst="line">
+            <a:avLst/>
+          </a:prstGeom>
+          <a:ln w="57150">
+            <a:solidFill>
+              <a:srgbClr val="FFC000"/>
+            </a:solidFill>
+          </a:ln>
+        </p:spPr>
+        <p:style>
+          <a:lnRef idx="1">
+            <a:schemeClr val="accent1"/>
+          </a:lnRef>
+          <a:fillRef idx="0">
+            <a:schemeClr val="accent1"/>
+          </a:fillRef>
+          <a:effectRef idx="0">
+            <a:schemeClr val="accent1"/>
+          </a:effectRef>
+          <a:fontRef idx="minor">
+            <a:schemeClr val="tx1"/>
+          </a:fontRef>
+        </p:style>
+      </p:cxnSp>
+      <p:cxnSp>
+        <p:nvCxnSpPr>
+          <p:cNvPr id="7" name="직선 연결선 6">
+            <a:extLst>
+              <a:ext uri="{FF2B5EF4-FFF2-40B4-BE49-F238E27FC236}">
+                <a16:creationId xmlns:a16="http://schemas.microsoft.com/office/drawing/2014/main" id="{9FF08141-38ED-4F86-86A9-757547A2479E}"/>
+              </a:ext>
+            </a:extLst>
+          </p:cNvPr>
+          <p:cNvCxnSpPr>
+            <a:cxnSpLocks/>
+          </p:cNvCxnSpPr>
+          <p:nvPr/>
+        </p:nvCxnSpPr>
+        <p:spPr>
+          <a:xfrm>
+            <a:off x="4672208" y="1565753"/>
+            <a:ext cx="1402915" cy="0"/>
+          </a:xfrm>
+          <a:prstGeom prst="line">
+            <a:avLst/>
+          </a:prstGeom>
+          <a:ln w="57150">
+            <a:solidFill>
+              <a:schemeClr val="accent4">
+                <a:lumMod val="75000"/>
+              </a:schemeClr>
+            </a:solidFill>
+          </a:ln>
+        </p:spPr>
+        <p:style>
+          <a:lnRef idx="1">
+            <a:schemeClr val="accent1"/>
+          </a:lnRef>
+          <a:fillRef idx="0">
+            <a:schemeClr val="accent1"/>
+          </a:fillRef>
+          <a:effectRef idx="0">
+            <a:schemeClr val="accent1"/>
+          </a:effectRef>
+          <a:fontRef idx="minor">
+            <a:schemeClr val="tx1"/>
+          </a:fontRef>
+        </p:style>
+      </p:cxnSp>
+      <p:cxnSp>
+        <p:nvCxnSpPr>
+          <p:cNvPr id="8" name="직선 연결선 7">
+            <a:extLst>
+              <a:ext uri="{FF2B5EF4-FFF2-40B4-BE49-F238E27FC236}">
+                <a16:creationId xmlns:a16="http://schemas.microsoft.com/office/drawing/2014/main" id="{62A6EC5E-008F-4227-A299-34A564C6B4DE}"/>
+              </a:ext>
+            </a:extLst>
+          </p:cNvPr>
+          <p:cNvCxnSpPr>
+            <a:cxnSpLocks/>
+          </p:cNvCxnSpPr>
+          <p:nvPr/>
+        </p:nvCxnSpPr>
+        <p:spPr>
+          <a:xfrm>
+            <a:off x="6075123" y="1565753"/>
+            <a:ext cx="1402915" cy="0"/>
+          </a:xfrm>
+          <a:prstGeom prst="line">
+            <a:avLst/>
+          </a:prstGeom>
+          <a:ln w="57150">
             <a:solidFill>
               <a:srgbClr val="FF0000"/>
             </a:solidFill>
           </a:ln>
         </p:spPr>
         <p:style>
-          <a:lnRef idx="2">
-            <a:schemeClr val="accent1">
-              <a:shade val="50000"/>
-            </a:schemeClr>
-          </a:lnRef>
-          <a:fillRef idx="1">
-            <a:schemeClr val="accent1"/>
-          </a:fillRef>
-          <a:effectRef idx="0">
-            <a:schemeClr val="accent1"/>
-          </a:effectRef>
-          <a:fontRef idx="minor">
-            <a:schemeClr val="lt1"/>
-          </a:fontRef>
-        </p:style>
-        <p:txBody>
-          <a:bodyPr rtlCol="0" anchor="ctr"/>
-          <a:lstStyle/>
-          <a:p>
-            <a:pPr algn="ctr"/>
-            <a:endParaRPr lang="ko-KR" altLang="en-US" dirty="0"/>
-          </a:p>
-        </p:txBody>
-      </p:sp>
-      <p:sp>
-        <p:nvSpPr>
-          <p:cNvPr id="18" name="사각형: 둥근 모서리 17">
-            <a:extLst>
-              <a:ext uri="{FF2B5EF4-FFF2-40B4-BE49-F238E27FC236}">
-                <a16:creationId xmlns:a16="http://schemas.microsoft.com/office/drawing/2014/main" id="{0EF364AC-4B71-4B3E-A91E-CADAE941D226}"/>
-              </a:ext>
-            </a:extLst>
-          </p:cNvPr>
-          <p:cNvSpPr/>
-          <p:nvPr/>
-        </p:nvSpPr>
-        <p:spPr>
-          <a:xfrm>
-            <a:off x="6226999" y="2780995"/>
-            <a:ext cx="3255204" cy="648005"/>
-          </a:xfrm>
-          <a:prstGeom prst="roundRect">
-            <a:avLst/>
-          </a:prstGeom>
-          <a:noFill/>
-          <a:ln w="28575">
-            <a:solidFill>
-              <a:srgbClr val="FF0000"/>
-            </a:solidFill>
-          </a:ln>
-        </p:spPr>
-        <p:style>
-          <a:lnRef idx="2">
-            <a:schemeClr val="accent1">
-              <a:shade val="50000"/>
-            </a:schemeClr>
-          </a:lnRef>
-          <a:fillRef idx="1">
-            <a:schemeClr val="accent1"/>
-          </a:fillRef>
-          <a:effectRef idx="0">
-            <a:schemeClr val="accent1"/>
-          </a:effectRef>
-          <a:fontRef idx="minor">
-            <a:schemeClr val="lt1"/>
-          </a:fontRef>
-        </p:style>
-        <p:txBody>
-          <a:bodyPr rtlCol="0" anchor="ctr"/>
-          <a:lstStyle/>
-          <a:p>
-            <a:pPr algn="ctr"/>
-            <a:endParaRPr lang="ko-KR" altLang="en-US" dirty="0"/>
-          </a:p>
-        </p:txBody>
-      </p:sp>
-      <p:sp>
-        <p:nvSpPr>
-          <p:cNvPr id="19" name="TextBox 18">
-            <a:extLst>
-              <a:ext uri="{FF2B5EF4-FFF2-40B4-BE49-F238E27FC236}">
-                <a16:creationId xmlns:a16="http://schemas.microsoft.com/office/drawing/2014/main" id="{D65E87FD-A838-4A5C-BAE0-9FD182C2D180}"/>
-              </a:ext>
-            </a:extLst>
-          </p:cNvPr>
-          <p:cNvSpPr txBox="1"/>
-          <p:nvPr/>
-        </p:nvSpPr>
-        <p:spPr>
-          <a:xfrm>
-            <a:off x="9695145" y="2051175"/>
-            <a:ext cx="1465466" cy="369332"/>
+          <a:lnRef idx="1">
+            <a:schemeClr val="accent1"/>
+          </a:lnRef>
+          <a:fillRef idx="0">
+            <a:schemeClr val="accent1"/>
+          </a:fillRef>
+          <a:effectRef idx="0">
+            <a:schemeClr val="accent1"/>
+          </a:effectRef>
+          <a:fontRef idx="minor">
+            <a:schemeClr val="tx1"/>
+          </a:fontRef>
+        </p:style>
+      </p:cxnSp>
+      <p:cxnSp>
+        <p:nvCxnSpPr>
+          <p:cNvPr id="9" name="직선 연결선 8">
+            <a:extLst>
+              <a:ext uri="{FF2B5EF4-FFF2-40B4-BE49-F238E27FC236}">
+                <a16:creationId xmlns:a16="http://schemas.microsoft.com/office/drawing/2014/main" id="{73BE4EC4-D5AB-43B6-99B8-20CC507C817B}"/>
+              </a:ext>
+            </a:extLst>
+          </p:cNvPr>
+          <p:cNvCxnSpPr>
+            <a:cxnSpLocks/>
+          </p:cNvCxnSpPr>
+          <p:nvPr/>
+        </p:nvCxnSpPr>
+        <p:spPr>
+          <a:xfrm>
+            <a:off x="7478038" y="1565753"/>
+            <a:ext cx="1402915" cy="0"/>
+          </a:xfrm>
+          <a:prstGeom prst="line">
+            <a:avLst/>
+          </a:prstGeom>
+          <a:ln w="57150">
+            <a:solidFill>
+              <a:srgbClr val="92D050"/>
+            </a:solidFill>
+          </a:ln>
+        </p:spPr>
+        <p:style>
+          <a:lnRef idx="1">
+            <a:schemeClr val="accent1"/>
+          </a:lnRef>
+          <a:fillRef idx="0">
+            <a:schemeClr val="accent1"/>
+          </a:fillRef>
+          <a:effectRef idx="0">
+            <a:schemeClr val="accent1"/>
+          </a:effectRef>
+          <a:fontRef idx="minor">
+            <a:schemeClr val="tx1"/>
+          </a:fontRef>
+        </p:style>
+      </p:cxnSp>
+      <p:cxnSp>
+        <p:nvCxnSpPr>
+          <p:cNvPr id="10" name="직선 연결선 9">
+            <a:extLst>
+              <a:ext uri="{FF2B5EF4-FFF2-40B4-BE49-F238E27FC236}">
+                <a16:creationId xmlns:a16="http://schemas.microsoft.com/office/drawing/2014/main" id="{D23B7696-E162-4DC6-9E5C-29744AE86C94}"/>
+              </a:ext>
+            </a:extLst>
+          </p:cNvPr>
+          <p:cNvCxnSpPr>
+            <a:cxnSpLocks/>
+          </p:cNvCxnSpPr>
+          <p:nvPr/>
+        </p:nvCxnSpPr>
+        <p:spPr>
+          <a:xfrm>
+            <a:off x="8880953" y="1565753"/>
+            <a:ext cx="1402915" cy="0"/>
+          </a:xfrm>
+          <a:prstGeom prst="line">
+            <a:avLst/>
+          </a:prstGeom>
+          <a:ln w="57150">
+            <a:solidFill>
+              <a:schemeClr val="bg2">
+                <a:lumMod val="50000"/>
+              </a:schemeClr>
+            </a:solidFill>
+          </a:ln>
+        </p:spPr>
+        <p:style>
+          <a:lnRef idx="1">
+            <a:schemeClr val="accent1"/>
+          </a:lnRef>
+          <a:fillRef idx="0">
+            <a:schemeClr val="accent1"/>
+          </a:fillRef>
+          <a:effectRef idx="0">
+            <a:schemeClr val="accent1"/>
+          </a:effectRef>
+          <a:fontRef idx="minor">
+            <a:schemeClr val="tx1"/>
+          </a:fontRef>
+        </p:style>
+      </p:cxnSp>
+      <p:cxnSp>
+        <p:nvCxnSpPr>
+          <p:cNvPr id="11" name="직선 연결선 10">
+            <a:extLst>
+              <a:ext uri="{FF2B5EF4-FFF2-40B4-BE49-F238E27FC236}">
+                <a16:creationId xmlns:a16="http://schemas.microsoft.com/office/drawing/2014/main" id="{AD5A1D01-4DAC-4236-AC37-43914BEDECF3}"/>
+              </a:ext>
+            </a:extLst>
+          </p:cNvPr>
+          <p:cNvCxnSpPr>
+            <a:cxnSpLocks/>
+          </p:cNvCxnSpPr>
+          <p:nvPr/>
+        </p:nvCxnSpPr>
+        <p:spPr>
+          <a:xfrm>
+            <a:off x="10283868" y="1565753"/>
+            <a:ext cx="1402915" cy="0"/>
+          </a:xfrm>
+          <a:prstGeom prst="line">
+            <a:avLst/>
+          </a:prstGeom>
+          <a:ln w="57150">
+            <a:solidFill>
+              <a:schemeClr val="bg1">
+                <a:lumMod val="85000"/>
+              </a:schemeClr>
+            </a:solidFill>
+          </a:ln>
+        </p:spPr>
+        <p:style>
+          <a:lnRef idx="1">
+            <a:schemeClr val="accent1"/>
+          </a:lnRef>
+          <a:fillRef idx="0">
+            <a:schemeClr val="accent1"/>
+          </a:fillRef>
+          <a:effectRef idx="0">
+            <a:schemeClr val="accent1"/>
+          </a:effectRef>
+          <a:fontRef idx="minor">
+            <a:schemeClr val="tx1"/>
+          </a:fontRef>
+        </p:style>
+      </p:cxnSp>
+      <p:pic>
+        <p:nvPicPr>
+          <p:cNvPr id="13" name="그림 12">
+            <a:extLst>
+              <a:ext uri="{FF2B5EF4-FFF2-40B4-BE49-F238E27FC236}">
+                <a16:creationId xmlns:a16="http://schemas.microsoft.com/office/drawing/2014/main" id="{ED007670-DB1F-41EA-8470-2826C5784CCC}"/>
+              </a:ext>
+            </a:extLst>
+          </p:cNvPr>
+          <p:cNvPicPr>
+            <a:picLocks noChangeAspect="1"/>
+          </p:cNvPicPr>
+          <p:nvPr/>
+        </p:nvPicPr>
+        <p:blipFill>
+          <a:blip r:embed="rId3"/>
+          <a:stretch>
+            <a:fillRect/>
+          </a:stretch>
+        </p:blipFill>
+        <p:spPr>
+          <a:xfrm>
+            <a:off x="5474722" y="3429000"/>
+            <a:ext cx="6353175" cy="3219450"/>
           </a:xfrm>
           <a:prstGeom prst="rect">
             <a:avLst/>
           </a:prstGeom>
-          <a:noFill/>
-        </p:spPr>
-        <p:txBody>
-          <a:bodyPr wrap="none" rtlCol="0">
-            <a:spAutoFit/>
-          </a:bodyPr>
-          <a:lstStyle/>
-          <a:p>
-            <a:r>
-              <a:rPr lang="ko-KR" altLang="en-US" dirty="0"/>
-              <a:t>서버 </a:t>
-            </a:r>
-            <a:r>
-              <a:rPr lang="en-US" altLang="ko-KR" dirty="0"/>
-              <a:t>IP </a:t>
-            </a:r>
-            <a:r>
-              <a:rPr lang="ko-KR" altLang="en-US" dirty="0"/>
-              <a:t>주소</a:t>
-            </a:r>
-          </a:p>
-        </p:txBody>
-      </p:sp>
-      <p:cxnSp>
-        <p:nvCxnSpPr>
-          <p:cNvPr id="21" name="직선 화살표 연결선 20">
-            <a:extLst>
-              <a:ext uri="{FF2B5EF4-FFF2-40B4-BE49-F238E27FC236}">
-                <a16:creationId xmlns:a16="http://schemas.microsoft.com/office/drawing/2014/main" id="{9246AA29-4081-4C95-8A84-2E3220DFD11A}"/>
-              </a:ext>
-            </a:extLst>
-          </p:cNvPr>
-          <p:cNvCxnSpPr>
-            <a:stCxn id="19" idx="1"/>
-          </p:cNvCxnSpPr>
-          <p:nvPr/>
-        </p:nvCxnSpPr>
-        <p:spPr>
-          <a:xfrm flipH="1">
-            <a:off x="7854601" y="2235841"/>
-            <a:ext cx="1840544" cy="545154"/>
-          </a:xfrm>
-          <a:prstGeom prst="straightConnector1">
-            <a:avLst/>
-          </a:prstGeom>
-          <a:ln w="38100">
-            <a:solidFill>
-              <a:srgbClr val="FF0000"/>
-            </a:solidFill>
-            <a:tailEnd type="triangle"/>
-          </a:ln>
-        </p:spPr>
-        <p:style>
-          <a:lnRef idx="1">
-            <a:schemeClr val="accent1"/>
-          </a:lnRef>
-          <a:fillRef idx="0">
-            <a:schemeClr val="accent1"/>
-          </a:fillRef>
-          <a:effectRef idx="0">
-            <a:schemeClr val="accent1"/>
-          </a:effectRef>
-          <a:fontRef idx="minor">
-            <a:schemeClr val="tx1"/>
-          </a:fontRef>
-        </p:style>
-      </p:cxnSp>
-      <p:sp>
-        <p:nvSpPr>
-          <p:cNvPr id="22" name="사각형: 둥근 모서리 21">
-            <a:extLst>
-              <a:ext uri="{FF2B5EF4-FFF2-40B4-BE49-F238E27FC236}">
-                <a16:creationId xmlns:a16="http://schemas.microsoft.com/office/drawing/2014/main" id="{CCF54C58-3DDC-42E0-842C-A11F83C6DABC}"/>
-              </a:ext>
-            </a:extLst>
-          </p:cNvPr>
-          <p:cNvSpPr/>
-          <p:nvPr/>
-        </p:nvSpPr>
-        <p:spPr>
-          <a:xfrm>
-            <a:off x="6226999" y="3549164"/>
-            <a:ext cx="3255204" cy="648005"/>
-          </a:xfrm>
-          <a:prstGeom prst="roundRect">
-            <a:avLst/>
-          </a:prstGeom>
-          <a:noFill/>
-          <a:ln w="28575">
-            <a:solidFill>
-              <a:srgbClr val="FF0000"/>
-            </a:solidFill>
-          </a:ln>
-        </p:spPr>
-        <p:style>
-          <a:lnRef idx="2">
-            <a:schemeClr val="accent1">
-              <a:shade val="50000"/>
-            </a:schemeClr>
-          </a:lnRef>
-          <a:fillRef idx="1">
-            <a:schemeClr val="accent1"/>
-          </a:fillRef>
-          <a:effectRef idx="0">
-            <a:schemeClr val="accent1"/>
-          </a:effectRef>
-          <a:fontRef idx="minor">
-            <a:schemeClr val="lt1"/>
-          </a:fontRef>
-        </p:style>
-        <p:txBody>
-          <a:bodyPr rtlCol="0" anchor="ctr"/>
-          <a:lstStyle/>
-          <a:p>
-            <a:pPr algn="ctr"/>
-            <a:endParaRPr lang="ko-KR" altLang="en-US" dirty="0"/>
-          </a:p>
-        </p:txBody>
-      </p:sp>
-      <p:sp>
-        <p:nvSpPr>
-          <p:cNvPr id="23" name="TextBox 22">
-            <a:extLst>
-              <a:ext uri="{FF2B5EF4-FFF2-40B4-BE49-F238E27FC236}">
-                <a16:creationId xmlns:a16="http://schemas.microsoft.com/office/drawing/2014/main" id="{7458BF5E-C796-432B-BA10-832FF8918DE8}"/>
-              </a:ext>
-            </a:extLst>
-          </p:cNvPr>
-          <p:cNvSpPr txBox="1"/>
-          <p:nvPr/>
-        </p:nvSpPr>
-        <p:spPr>
-          <a:xfrm>
-            <a:off x="9812913" y="3561689"/>
-            <a:ext cx="2191626" cy="369332"/>
-          </a:xfrm>
-          <a:prstGeom prst="rect">
-            <a:avLst/>
-          </a:prstGeom>
-          <a:noFill/>
-        </p:spPr>
-        <p:txBody>
-          <a:bodyPr wrap="none" rtlCol="0">
-            <a:spAutoFit/>
-          </a:bodyPr>
-          <a:lstStyle/>
-          <a:p>
-            <a:r>
-              <a:rPr lang="ko-KR" altLang="en-US" dirty="0"/>
-              <a:t>개인 </a:t>
-            </a:r>
-            <a:r>
-              <a:rPr lang="en-US" altLang="ko-KR" dirty="0"/>
-              <a:t>ID</a:t>
-            </a:r>
-            <a:r>
-              <a:rPr lang="ko-KR" altLang="en-US" dirty="0"/>
-              <a:t>와 패스워드</a:t>
-            </a:r>
-          </a:p>
-        </p:txBody>
-      </p:sp>
-      <p:cxnSp>
-        <p:nvCxnSpPr>
-          <p:cNvPr id="24" name="직선 화살표 연결선 23">
-            <a:extLst>
-              <a:ext uri="{FF2B5EF4-FFF2-40B4-BE49-F238E27FC236}">
-                <a16:creationId xmlns:a16="http://schemas.microsoft.com/office/drawing/2014/main" id="{2864AAA7-8479-45B6-9EFC-7AC0DC7A0C64}"/>
-              </a:ext>
-            </a:extLst>
-          </p:cNvPr>
-          <p:cNvCxnSpPr>
-            <a:cxnSpLocks/>
-          </p:cNvCxnSpPr>
-          <p:nvPr/>
-        </p:nvCxnSpPr>
-        <p:spPr>
-          <a:xfrm flipH="1">
-            <a:off x="9256734" y="3746355"/>
-            <a:ext cx="544491" cy="126811"/>
-          </a:xfrm>
-          <a:prstGeom prst="straightConnector1">
-            <a:avLst/>
-          </a:prstGeom>
-          <a:ln w="38100">
-            <a:solidFill>
-              <a:srgbClr val="FF0000"/>
-            </a:solidFill>
-            <a:tailEnd type="triangle"/>
-          </a:ln>
-        </p:spPr>
-        <p:style>
-          <a:lnRef idx="1">
-            <a:schemeClr val="accent1"/>
-          </a:lnRef>
-          <a:fillRef idx="0">
-            <a:schemeClr val="accent1"/>
-          </a:fillRef>
-          <a:effectRef idx="0">
-            <a:schemeClr val="accent1"/>
-          </a:effectRef>
-          <a:fontRef idx="minor">
-            <a:schemeClr val="tx1"/>
-          </a:fontRef>
-        </p:style>
-      </p:cxnSp>
-      <p:sp>
-        <p:nvSpPr>
-          <p:cNvPr id="26" name="사각형: 둥근 모서리 25">
-            <a:extLst>
-              <a:ext uri="{FF2B5EF4-FFF2-40B4-BE49-F238E27FC236}">
-                <a16:creationId xmlns:a16="http://schemas.microsoft.com/office/drawing/2014/main" id="{EA10FECD-58D6-4951-A791-0776533CAB7A}"/>
-              </a:ext>
-            </a:extLst>
-          </p:cNvPr>
-          <p:cNvSpPr/>
-          <p:nvPr/>
-        </p:nvSpPr>
-        <p:spPr>
-          <a:xfrm>
-            <a:off x="7629132" y="5806179"/>
-            <a:ext cx="1737464" cy="648005"/>
-          </a:xfrm>
-          <a:prstGeom prst="roundRect">
-            <a:avLst/>
-          </a:prstGeom>
-          <a:noFill/>
-          <a:ln w="28575">
-            <a:solidFill>
-              <a:srgbClr val="FF0000"/>
-            </a:solidFill>
-          </a:ln>
-        </p:spPr>
-        <p:style>
-          <a:lnRef idx="2">
-            <a:schemeClr val="accent1">
-              <a:shade val="50000"/>
-            </a:schemeClr>
-          </a:lnRef>
-          <a:fillRef idx="1">
-            <a:schemeClr val="accent1"/>
-          </a:fillRef>
-          <a:effectRef idx="0">
-            <a:schemeClr val="accent1"/>
-          </a:effectRef>
-          <a:fontRef idx="minor">
-            <a:schemeClr val="lt1"/>
-          </a:fontRef>
-        </p:style>
-        <p:txBody>
-          <a:bodyPr rtlCol="0" anchor="ctr"/>
-          <a:lstStyle/>
-          <a:p>
-            <a:pPr algn="ctr"/>
-            <a:endParaRPr lang="ko-KR" altLang="en-US" dirty="0"/>
-          </a:p>
-        </p:txBody>
-      </p:sp>
+          <a:ln w="38100" cap="sq">
+            <a:solidFill>
+              <a:srgbClr val="000000"/>
+            </a:solidFill>
+            <a:prstDash val="solid"/>
+            <a:miter lim="800000"/>
+          </a:ln>
+          <a:effectLst>
+            <a:outerShdw blurRad="50800" dist="38100" dir="2700000" algn="tl" rotWithShape="0">
+              <a:srgbClr val="000000">
+                <a:alpha val="43000"/>
+              </a:srgbClr>
+            </a:outerShdw>
+          </a:effectLst>
+        </p:spPr>
+      </p:pic>
     </p:spTree>
     <p:extLst>
       <p:ext uri="{BB962C8B-B14F-4D97-AF65-F5344CB8AC3E}">
-        <p14:creationId xmlns:p14="http://schemas.microsoft.com/office/powerpoint/2010/main" val="1232133334"/>
+        <p14:creationId xmlns:p14="http://schemas.microsoft.com/office/powerpoint/2010/main" val="668250681"/>
       </p:ext>
     </p:extLst>
   </p:cSld>
@@ -15467,6 +15297,1817 @@
 </file>
 
 <file path=ppt/slides/slide30.xml><?xml version="1.0" encoding="utf-8"?>
+<p:sld xmlns:a="http://schemas.openxmlformats.org/drawingml/2006/main" xmlns:r="http://schemas.openxmlformats.org/officeDocument/2006/relationships" xmlns:p="http://schemas.openxmlformats.org/presentationml/2006/main">
+  <p:cSld>
+    <p:spTree>
+      <p:nvGrpSpPr>
+        <p:cNvPr id="1" name=""/>
+        <p:cNvGrpSpPr/>
+        <p:nvPr/>
+      </p:nvGrpSpPr>
+      <p:grpSpPr>
+        <a:xfrm>
+          <a:off x="0" y="0"/>
+          <a:ext cx="0" cy="0"/>
+          <a:chOff x="0" y="0"/>
+          <a:chExt cx="0" cy="0"/>
+        </a:xfrm>
+      </p:grpSpPr>
+      <p:sp>
+        <p:nvSpPr>
+          <p:cNvPr id="2" name="제목 1">
+            <a:extLst>
+              <a:ext uri="{FF2B5EF4-FFF2-40B4-BE49-F238E27FC236}">
+                <a16:creationId xmlns:a16="http://schemas.microsoft.com/office/drawing/2014/main" id="{0BBD75FB-0799-4EB1-9AD7-C68E11797971}"/>
+              </a:ext>
+            </a:extLst>
+          </p:cNvPr>
+          <p:cNvSpPr>
+            <a:spLocks noGrp="1"/>
+          </p:cNvSpPr>
+          <p:nvPr>
+            <p:ph type="title"/>
+          </p:nvPr>
+        </p:nvSpPr>
+        <p:spPr/>
+        <p:txBody>
+          <a:bodyPr/>
+          <a:lstStyle/>
+          <a:p>
+            <a:r>
+              <a:rPr lang="en-US" altLang="ko-KR" b="1" dirty="0"/>
+              <a:t>Minetest –</a:t>
+            </a:r>
+            <a:r>
+              <a:rPr lang="ko-KR" altLang="en-US" b="1" dirty="0"/>
+              <a:t> 서버 설정</a:t>
+            </a:r>
+          </a:p>
+        </p:txBody>
+      </p:sp>
+      <p:pic>
+        <p:nvPicPr>
+          <p:cNvPr id="12" name="내용 개체 틀 11">
+            <a:extLst>
+              <a:ext uri="{FF2B5EF4-FFF2-40B4-BE49-F238E27FC236}">
+                <a16:creationId xmlns:a16="http://schemas.microsoft.com/office/drawing/2014/main" id="{120BB3BF-7FD1-452E-B6E2-3D9909F7276B}"/>
+              </a:ext>
+            </a:extLst>
+          </p:cNvPr>
+          <p:cNvPicPr>
+            <a:picLocks noGrp="1" noChangeAspect="1"/>
+          </p:cNvPicPr>
+          <p:nvPr>
+            <p:ph idx="1"/>
+          </p:nvPr>
+        </p:nvPicPr>
+        <p:blipFill>
+          <a:blip r:embed="rId2"/>
+          <a:stretch>
+            <a:fillRect/>
+          </a:stretch>
+        </p:blipFill>
+        <p:spPr>
+          <a:xfrm>
+            <a:off x="838200" y="1917798"/>
+            <a:ext cx="4360101" cy="4267200"/>
+          </a:xfrm>
+          <a:prstGeom prst="rect">
+            <a:avLst/>
+          </a:prstGeom>
+        </p:spPr>
+      </p:pic>
+      <p:cxnSp>
+        <p:nvCxnSpPr>
+          <p:cNvPr id="4" name="직선 연결선 3">
+            <a:extLst>
+              <a:ext uri="{FF2B5EF4-FFF2-40B4-BE49-F238E27FC236}">
+                <a16:creationId xmlns:a16="http://schemas.microsoft.com/office/drawing/2014/main" id="{EE01682E-4EC3-491F-A46B-0EACC9713D73}"/>
+              </a:ext>
+            </a:extLst>
+          </p:cNvPr>
+          <p:cNvCxnSpPr>
+            <a:cxnSpLocks/>
+          </p:cNvCxnSpPr>
+          <p:nvPr/>
+        </p:nvCxnSpPr>
+        <p:spPr>
+          <a:xfrm>
+            <a:off x="463463" y="1565753"/>
+            <a:ext cx="1402915" cy="0"/>
+          </a:xfrm>
+          <a:prstGeom prst="line">
+            <a:avLst/>
+          </a:prstGeom>
+          <a:ln w="57150">
+            <a:solidFill>
+              <a:srgbClr val="00B050"/>
+            </a:solidFill>
+          </a:ln>
+        </p:spPr>
+        <p:style>
+          <a:lnRef idx="1">
+            <a:schemeClr val="accent1"/>
+          </a:lnRef>
+          <a:fillRef idx="0">
+            <a:schemeClr val="accent1"/>
+          </a:fillRef>
+          <a:effectRef idx="0">
+            <a:schemeClr val="accent1"/>
+          </a:effectRef>
+          <a:fontRef idx="minor">
+            <a:schemeClr val="tx1"/>
+          </a:fontRef>
+        </p:style>
+      </p:cxnSp>
+      <p:cxnSp>
+        <p:nvCxnSpPr>
+          <p:cNvPr id="5" name="직선 연결선 4">
+            <a:extLst>
+              <a:ext uri="{FF2B5EF4-FFF2-40B4-BE49-F238E27FC236}">
+                <a16:creationId xmlns:a16="http://schemas.microsoft.com/office/drawing/2014/main" id="{ABC6680E-470B-45C4-B289-7A0EF67ED7E0}"/>
+              </a:ext>
+            </a:extLst>
+          </p:cNvPr>
+          <p:cNvCxnSpPr>
+            <a:cxnSpLocks/>
+          </p:cNvCxnSpPr>
+          <p:nvPr/>
+        </p:nvCxnSpPr>
+        <p:spPr>
+          <a:xfrm>
+            <a:off x="1866378" y="1565753"/>
+            <a:ext cx="1402915" cy="0"/>
+          </a:xfrm>
+          <a:prstGeom prst="line">
+            <a:avLst/>
+          </a:prstGeom>
+          <a:ln w="57150">
+            <a:solidFill>
+              <a:schemeClr val="accent2">
+                <a:lumMod val="75000"/>
+              </a:schemeClr>
+            </a:solidFill>
+          </a:ln>
+        </p:spPr>
+        <p:style>
+          <a:lnRef idx="1">
+            <a:schemeClr val="accent1"/>
+          </a:lnRef>
+          <a:fillRef idx="0">
+            <a:schemeClr val="accent1"/>
+          </a:fillRef>
+          <a:effectRef idx="0">
+            <a:schemeClr val="accent1"/>
+          </a:effectRef>
+          <a:fontRef idx="minor">
+            <a:schemeClr val="tx1"/>
+          </a:fontRef>
+        </p:style>
+      </p:cxnSp>
+      <p:cxnSp>
+        <p:nvCxnSpPr>
+          <p:cNvPr id="6" name="직선 연결선 5">
+            <a:extLst>
+              <a:ext uri="{FF2B5EF4-FFF2-40B4-BE49-F238E27FC236}">
+                <a16:creationId xmlns:a16="http://schemas.microsoft.com/office/drawing/2014/main" id="{3678CCF4-4AC3-4139-92E5-55722C3E7751}"/>
+              </a:ext>
+            </a:extLst>
+          </p:cNvPr>
+          <p:cNvCxnSpPr>
+            <a:cxnSpLocks/>
+          </p:cNvCxnSpPr>
+          <p:nvPr/>
+        </p:nvCxnSpPr>
+        <p:spPr>
+          <a:xfrm>
+            <a:off x="3269293" y="1565753"/>
+            <a:ext cx="1402915" cy="0"/>
+          </a:xfrm>
+          <a:prstGeom prst="line">
+            <a:avLst/>
+          </a:prstGeom>
+          <a:ln w="57150">
+            <a:solidFill>
+              <a:srgbClr val="FFC000"/>
+            </a:solidFill>
+          </a:ln>
+        </p:spPr>
+        <p:style>
+          <a:lnRef idx="1">
+            <a:schemeClr val="accent1"/>
+          </a:lnRef>
+          <a:fillRef idx="0">
+            <a:schemeClr val="accent1"/>
+          </a:fillRef>
+          <a:effectRef idx="0">
+            <a:schemeClr val="accent1"/>
+          </a:effectRef>
+          <a:fontRef idx="minor">
+            <a:schemeClr val="tx1"/>
+          </a:fontRef>
+        </p:style>
+      </p:cxnSp>
+      <p:cxnSp>
+        <p:nvCxnSpPr>
+          <p:cNvPr id="7" name="직선 연결선 6">
+            <a:extLst>
+              <a:ext uri="{FF2B5EF4-FFF2-40B4-BE49-F238E27FC236}">
+                <a16:creationId xmlns:a16="http://schemas.microsoft.com/office/drawing/2014/main" id="{9FF08141-38ED-4F86-86A9-757547A2479E}"/>
+              </a:ext>
+            </a:extLst>
+          </p:cNvPr>
+          <p:cNvCxnSpPr>
+            <a:cxnSpLocks/>
+          </p:cNvCxnSpPr>
+          <p:nvPr/>
+        </p:nvCxnSpPr>
+        <p:spPr>
+          <a:xfrm>
+            <a:off x="4672208" y="1565753"/>
+            <a:ext cx="1402915" cy="0"/>
+          </a:xfrm>
+          <a:prstGeom prst="line">
+            <a:avLst/>
+          </a:prstGeom>
+          <a:ln w="57150">
+            <a:solidFill>
+              <a:schemeClr val="accent4">
+                <a:lumMod val="75000"/>
+              </a:schemeClr>
+            </a:solidFill>
+          </a:ln>
+        </p:spPr>
+        <p:style>
+          <a:lnRef idx="1">
+            <a:schemeClr val="accent1"/>
+          </a:lnRef>
+          <a:fillRef idx="0">
+            <a:schemeClr val="accent1"/>
+          </a:fillRef>
+          <a:effectRef idx="0">
+            <a:schemeClr val="accent1"/>
+          </a:effectRef>
+          <a:fontRef idx="minor">
+            <a:schemeClr val="tx1"/>
+          </a:fontRef>
+        </p:style>
+      </p:cxnSp>
+      <p:cxnSp>
+        <p:nvCxnSpPr>
+          <p:cNvPr id="8" name="직선 연결선 7">
+            <a:extLst>
+              <a:ext uri="{FF2B5EF4-FFF2-40B4-BE49-F238E27FC236}">
+                <a16:creationId xmlns:a16="http://schemas.microsoft.com/office/drawing/2014/main" id="{62A6EC5E-008F-4227-A299-34A564C6B4DE}"/>
+              </a:ext>
+            </a:extLst>
+          </p:cNvPr>
+          <p:cNvCxnSpPr>
+            <a:cxnSpLocks/>
+          </p:cNvCxnSpPr>
+          <p:nvPr/>
+        </p:nvCxnSpPr>
+        <p:spPr>
+          <a:xfrm>
+            <a:off x="6075123" y="1565753"/>
+            <a:ext cx="1402915" cy="0"/>
+          </a:xfrm>
+          <a:prstGeom prst="line">
+            <a:avLst/>
+          </a:prstGeom>
+          <a:ln w="57150">
+            <a:solidFill>
+              <a:srgbClr val="FF0000"/>
+            </a:solidFill>
+          </a:ln>
+        </p:spPr>
+        <p:style>
+          <a:lnRef idx="1">
+            <a:schemeClr val="accent1"/>
+          </a:lnRef>
+          <a:fillRef idx="0">
+            <a:schemeClr val="accent1"/>
+          </a:fillRef>
+          <a:effectRef idx="0">
+            <a:schemeClr val="accent1"/>
+          </a:effectRef>
+          <a:fontRef idx="minor">
+            <a:schemeClr val="tx1"/>
+          </a:fontRef>
+        </p:style>
+      </p:cxnSp>
+      <p:cxnSp>
+        <p:nvCxnSpPr>
+          <p:cNvPr id="9" name="직선 연결선 8">
+            <a:extLst>
+              <a:ext uri="{FF2B5EF4-FFF2-40B4-BE49-F238E27FC236}">
+                <a16:creationId xmlns:a16="http://schemas.microsoft.com/office/drawing/2014/main" id="{73BE4EC4-D5AB-43B6-99B8-20CC507C817B}"/>
+              </a:ext>
+            </a:extLst>
+          </p:cNvPr>
+          <p:cNvCxnSpPr>
+            <a:cxnSpLocks/>
+          </p:cNvCxnSpPr>
+          <p:nvPr/>
+        </p:nvCxnSpPr>
+        <p:spPr>
+          <a:xfrm>
+            <a:off x="7478038" y="1565753"/>
+            <a:ext cx="1402915" cy="0"/>
+          </a:xfrm>
+          <a:prstGeom prst="line">
+            <a:avLst/>
+          </a:prstGeom>
+          <a:ln w="57150">
+            <a:solidFill>
+              <a:srgbClr val="92D050"/>
+            </a:solidFill>
+          </a:ln>
+        </p:spPr>
+        <p:style>
+          <a:lnRef idx="1">
+            <a:schemeClr val="accent1"/>
+          </a:lnRef>
+          <a:fillRef idx="0">
+            <a:schemeClr val="accent1"/>
+          </a:fillRef>
+          <a:effectRef idx="0">
+            <a:schemeClr val="accent1"/>
+          </a:effectRef>
+          <a:fontRef idx="minor">
+            <a:schemeClr val="tx1"/>
+          </a:fontRef>
+        </p:style>
+      </p:cxnSp>
+      <p:cxnSp>
+        <p:nvCxnSpPr>
+          <p:cNvPr id="10" name="직선 연결선 9">
+            <a:extLst>
+              <a:ext uri="{FF2B5EF4-FFF2-40B4-BE49-F238E27FC236}">
+                <a16:creationId xmlns:a16="http://schemas.microsoft.com/office/drawing/2014/main" id="{D23B7696-E162-4DC6-9E5C-29744AE86C94}"/>
+              </a:ext>
+            </a:extLst>
+          </p:cNvPr>
+          <p:cNvCxnSpPr>
+            <a:cxnSpLocks/>
+          </p:cNvCxnSpPr>
+          <p:nvPr/>
+        </p:nvCxnSpPr>
+        <p:spPr>
+          <a:xfrm>
+            <a:off x="8880953" y="1565753"/>
+            <a:ext cx="1402915" cy="0"/>
+          </a:xfrm>
+          <a:prstGeom prst="line">
+            <a:avLst/>
+          </a:prstGeom>
+          <a:ln w="57150">
+            <a:solidFill>
+              <a:schemeClr val="bg2">
+                <a:lumMod val="50000"/>
+              </a:schemeClr>
+            </a:solidFill>
+          </a:ln>
+        </p:spPr>
+        <p:style>
+          <a:lnRef idx="1">
+            <a:schemeClr val="accent1"/>
+          </a:lnRef>
+          <a:fillRef idx="0">
+            <a:schemeClr val="accent1"/>
+          </a:fillRef>
+          <a:effectRef idx="0">
+            <a:schemeClr val="accent1"/>
+          </a:effectRef>
+          <a:fontRef idx="minor">
+            <a:schemeClr val="tx1"/>
+          </a:fontRef>
+        </p:style>
+      </p:cxnSp>
+      <p:cxnSp>
+        <p:nvCxnSpPr>
+          <p:cNvPr id="11" name="직선 연결선 10">
+            <a:extLst>
+              <a:ext uri="{FF2B5EF4-FFF2-40B4-BE49-F238E27FC236}">
+                <a16:creationId xmlns:a16="http://schemas.microsoft.com/office/drawing/2014/main" id="{AD5A1D01-4DAC-4236-AC37-43914BEDECF3}"/>
+              </a:ext>
+            </a:extLst>
+          </p:cNvPr>
+          <p:cNvCxnSpPr>
+            <a:cxnSpLocks/>
+          </p:cNvCxnSpPr>
+          <p:nvPr/>
+        </p:nvCxnSpPr>
+        <p:spPr>
+          <a:xfrm>
+            <a:off x="10283868" y="1565753"/>
+            <a:ext cx="1402915" cy="0"/>
+          </a:xfrm>
+          <a:prstGeom prst="line">
+            <a:avLst/>
+          </a:prstGeom>
+          <a:ln w="57150">
+            <a:solidFill>
+              <a:schemeClr val="bg1">
+                <a:lumMod val="85000"/>
+              </a:schemeClr>
+            </a:solidFill>
+          </a:ln>
+        </p:spPr>
+        <p:style>
+          <a:lnRef idx="1">
+            <a:schemeClr val="accent1"/>
+          </a:lnRef>
+          <a:fillRef idx="0">
+            <a:schemeClr val="accent1"/>
+          </a:fillRef>
+          <a:effectRef idx="0">
+            <a:schemeClr val="accent1"/>
+          </a:effectRef>
+          <a:fontRef idx="minor">
+            <a:schemeClr val="tx1"/>
+          </a:fontRef>
+        </p:style>
+      </p:cxnSp>
+      <p:sp>
+        <p:nvSpPr>
+          <p:cNvPr id="14" name="TextBox 13">
+            <a:extLst>
+              <a:ext uri="{FF2B5EF4-FFF2-40B4-BE49-F238E27FC236}">
+                <a16:creationId xmlns:a16="http://schemas.microsoft.com/office/drawing/2014/main" id="{A4A3CF21-6294-49EC-B650-72AF98CC6A88}"/>
+              </a:ext>
+            </a:extLst>
+          </p:cNvPr>
+          <p:cNvSpPr txBox="1"/>
+          <p:nvPr/>
+        </p:nvSpPr>
+        <p:spPr>
+          <a:xfrm>
+            <a:off x="2317314" y="6308209"/>
+            <a:ext cx="840808" cy="369332"/>
+          </a:xfrm>
+          <a:prstGeom prst="rect">
+            <a:avLst/>
+          </a:prstGeom>
+          <a:noFill/>
+        </p:spPr>
+        <p:txBody>
+          <a:bodyPr wrap="none" rtlCol="0">
+            <a:spAutoFit/>
+          </a:bodyPr>
+          <a:lstStyle/>
+          <a:p>
+            <a:r>
+              <a:rPr lang="en-US" altLang="ko-KR" dirty="0"/>
+              <a:t>Server</a:t>
+            </a:r>
+            <a:endParaRPr lang="ko-KR" altLang="en-US" dirty="0"/>
+          </a:p>
+        </p:txBody>
+      </p:sp>
+      <p:sp>
+        <p:nvSpPr>
+          <p:cNvPr id="15" name="사각형: 둥근 모서리 14">
+            <a:extLst>
+              <a:ext uri="{FF2B5EF4-FFF2-40B4-BE49-F238E27FC236}">
+                <a16:creationId xmlns:a16="http://schemas.microsoft.com/office/drawing/2014/main" id="{15776662-BDBE-4DE9-BBFD-0618FEEE20CA}"/>
+              </a:ext>
+            </a:extLst>
+          </p:cNvPr>
+          <p:cNvSpPr/>
+          <p:nvPr/>
+        </p:nvSpPr>
+        <p:spPr>
+          <a:xfrm>
+            <a:off x="838200" y="3231715"/>
+            <a:ext cx="1479114" cy="2354893"/>
+          </a:xfrm>
+          <a:prstGeom prst="roundRect">
+            <a:avLst/>
+          </a:prstGeom>
+          <a:noFill/>
+          <a:ln w="28575">
+            <a:solidFill>
+              <a:srgbClr val="FF0000"/>
+            </a:solidFill>
+          </a:ln>
+        </p:spPr>
+        <p:style>
+          <a:lnRef idx="2">
+            <a:schemeClr val="accent1">
+              <a:shade val="50000"/>
+            </a:schemeClr>
+          </a:lnRef>
+          <a:fillRef idx="1">
+            <a:schemeClr val="accent1"/>
+          </a:fillRef>
+          <a:effectRef idx="0">
+            <a:schemeClr val="accent1"/>
+          </a:effectRef>
+          <a:fontRef idx="minor">
+            <a:schemeClr val="lt1"/>
+          </a:fontRef>
+        </p:style>
+        <p:txBody>
+          <a:bodyPr rtlCol="0" anchor="ctr"/>
+          <a:lstStyle/>
+          <a:p>
+            <a:pPr algn="ctr"/>
+            <a:endParaRPr lang="ko-KR" altLang="en-US" dirty="0"/>
+          </a:p>
+        </p:txBody>
+      </p:sp>
+      <p:sp>
+        <p:nvSpPr>
+          <p:cNvPr id="16" name="사각형: 둥근 모서리 15">
+            <a:extLst>
+              <a:ext uri="{FF2B5EF4-FFF2-40B4-BE49-F238E27FC236}">
+                <a16:creationId xmlns:a16="http://schemas.microsoft.com/office/drawing/2014/main" id="{A413B0F8-9BF2-4E30-A1ED-851962707D03}"/>
+              </a:ext>
+            </a:extLst>
+          </p:cNvPr>
+          <p:cNvSpPr/>
+          <p:nvPr/>
+        </p:nvSpPr>
+        <p:spPr>
+          <a:xfrm>
+            <a:off x="3158122" y="4822522"/>
+            <a:ext cx="1063149" cy="407096"/>
+          </a:xfrm>
+          <a:prstGeom prst="roundRect">
+            <a:avLst/>
+          </a:prstGeom>
+          <a:noFill/>
+          <a:ln w="28575">
+            <a:solidFill>
+              <a:srgbClr val="FF0000"/>
+            </a:solidFill>
+          </a:ln>
+        </p:spPr>
+        <p:style>
+          <a:lnRef idx="2">
+            <a:schemeClr val="accent1">
+              <a:shade val="50000"/>
+            </a:schemeClr>
+          </a:lnRef>
+          <a:fillRef idx="1">
+            <a:schemeClr val="accent1"/>
+          </a:fillRef>
+          <a:effectRef idx="0">
+            <a:schemeClr val="accent1"/>
+          </a:effectRef>
+          <a:fontRef idx="minor">
+            <a:schemeClr val="lt1"/>
+          </a:fontRef>
+        </p:style>
+        <p:txBody>
+          <a:bodyPr rtlCol="0" anchor="ctr"/>
+          <a:lstStyle/>
+          <a:p>
+            <a:pPr algn="ctr"/>
+            <a:endParaRPr lang="ko-KR" altLang="en-US" dirty="0"/>
+          </a:p>
+        </p:txBody>
+      </p:sp>
+      <p:pic>
+        <p:nvPicPr>
+          <p:cNvPr id="17" name="그림 16">
+            <a:extLst>
+              <a:ext uri="{FF2B5EF4-FFF2-40B4-BE49-F238E27FC236}">
+                <a16:creationId xmlns:a16="http://schemas.microsoft.com/office/drawing/2014/main" id="{B8D641E1-1B93-4AFF-A420-3A60DAF4BF34}"/>
+              </a:ext>
+            </a:extLst>
+          </p:cNvPr>
+          <p:cNvPicPr>
+            <a:picLocks noChangeAspect="1"/>
+          </p:cNvPicPr>
+          <p:nvPr/>
+        </p:nvPicPr>
+        <p:blipFill>
+          <a:blip r:embed="rId3"/>
+          <a:stretch>
+            <a:fillRect/>
+          </a:stretch>
+        </p:blipFill>
+        <p:spPr>
+          <a:xfrm>
+            <a:off x="5373665" y="1917798"/>
+            <a:ext cx="3231716" cy="1145571"/>
+          </a:xfrm>
+          <a:prstGeom prst="rect">
+            <a:avLst/>
+          </a:prstGeom>
+        </p:spPr>
+      </p:pic>
+      <p:sp>
+        <p:nvSpPr>
+          <p:cNvPr id="18" name="사각형: 둥근 모서리 17">
+            <a:extLst>
+              <a:ext uri="{FF2B5EF4-FFF2-40B4-BE49-F238E27FC236}">
+                <a16:creationId xmlns:a16="http://schemas.microsoft.com/office/drawing/2014/main" id="{33DBEAC3-4E68-40D8-B232-A84237B314D5}"/>
+              </a:ext>
+            </a:extLst>
+          </p:cNvPr>
+          <p:cNvSpPr/>
+          <p:nvPr/>
+        </p:nvSpPr>
+        <p:spPr>
+          <a:xfrm>
+            <a:off x="3945698" y="5212918"/>
+            <a:ext cx="1091329" cy="407096"/>
+          </a:xfrm>
+          <a:prstGeom prst="roundRect">
+            <a:avLst/>
+          </a:prstGeom>
+          <a:noFill/>
+          <a:ln w="28575">
+            <a:solidFill>
+              <a:srgbClr val="FF0000"/>
+            </a:solidFill>
+          </a:ln>
+        </p:spPr>
+        <p:style>
+          <a:lnRef idx="2">
+            <a:schemeClr val="accent1">
+              <a:shade val="50000"/>
+            </a:schemeClr>
+          </a:lnRef>
+          <a:fillRef idx="1">
+            <a:schemeClr val="accent1"/>
+          </a:fillRef>
+          <a:effectRef idx="0">
+            <a:schemeClr val="accent1"/>
+          </a:effectRef>
+          <a:fontRef idx="minor">
+            <a:schemeClr val="lt1"/>
+          </a:fontRef>
+        </p:style>
+        <p:txBody>
+          <a:bodyPr rtlCol="0" anchor="ctr"/>
+          <a:lstStyle/>
+          <a:p>
+            <a:pPr algn="ctr"/>
+            <a:endParaRPr lang="ko-KR" altLang="en-US" dirty="0"/>
+          </a:p>
+        </p:txBody>
+      </p:sp>
+      <p:sp>
+        <p:nvSpPr>
+          <p:cNvPr id="19" name="TextBox 18">
+            <a:extLst>
+              <a:ext uri="{FF2B5EF4-FFF2-40B4-BE49-F238E27FC236}">
+                <a16:creationId xmlns:a16="http://schemas.microsoft.com/office/drawing/2014/main" id="{EB181981-16DE-42D5-A1EC-5DB3C7DBC8EC}"/>
+              </a:ext>
+            </a:extLst>
+          </p:cNvPr>
+          <p:cNvSpPr txBox="1"/>
+          <p:nvPr/>
+        </p:nvSpPr>
+        <p:spPr>
+          <a:xfrm>
+            <a:off x="801667" y="2743201"/>
+            <a:ext cx="543739" cy="1815882"/>
+          </a:xfrm>
+          <a:prstGeom prst="rect">
+            <a:avLst/>
+          </a:prstGeom>
+          <a:noFill/>
+        </p:spPr>
+        <p:txBody>
+          <a:bodyPr wrap="none" rtlCol="0">
+            <a:spAutoFit/>
+          </a:bodyPr>
+          <a:lstStyle/>
+          <a:p>
+            <a:r>
+              <a:rPr lang="ko-KR" altLang="en-US" sz="2800" b="1" dirty="0">
+                <a:solidFill>
+                  <a:srgbClr val="FF0000"/>
+                </a:solidFill>
+              </a:rPr>
+              <a:t>②</a:t>
+            </a:r>
+          </a:p>
+          <a:p>
+            <a:endParaRPr lang="ko-KR" altLang="en-US" sz="2800" b="1" dirty="0">
+              <a:solidFill>
+                <a:srgbClr val="FF0000"/>
+              </a:solidFill>
+            </a:endParaRPr>
+          </a:p>
+          <a:p>
+            <a:endParaRPr lang="ko-KR" altLang="en-US" sz="2800" b="1" dirty="0">
+              <a:solidFill>
+                <a:srgbClr val="FF0000"/>
+              </a:solidFill>
+            </a:endParaRPr>
+          </a:p>
+          <a:p>
+            <a:endParaRPr lang="ko-KR" altLang="en-US" sz="2800" b="1" dirty="0">
+              <a:solidFill>
+                <a:srgbClr val="FF0000"/>
+              </a:solidFill>
+            </a:endParaRPr>
+          </a:p>
+        </p:txBody>
+      </p:sp>
+      <p:sp>
+        <p:nvSpPr>
+          <p:cNvPr id="20" name="TextBox 19">
+            <a:extLst>
+              <a:ext uri="{FF2B5EF4-FFF2-40B4-BE49-F238E27FC236}">
+                <a16:creationId xmlns:a16="http://schemas.microsoft.com/office/drawing/2014/main" id="{93E54747-52A9-4F4D-A06D-97756A4D2565}"/>
+              </a:ext>
+            </a:extLst>
+          </p:cNvPr>
+          <p:cNvSpPr txBox="1"/>
+          <p:nvPr/>
+        </p:nvSpPr>
+        <p:spPr>
+          <a:xfrm>
+            <a:off x="2997423" y="4235019"/>
+            <a:ext cx="543739" cy="1384995"/>
+          </a:xfrm>
+          <a:prstGeom prst="rect">
+            <a:avLst/>
+          </a:prstGeom>
+          <a:noFill/>
+        </p:spPr>
+        <p:txBody>
+          <a:bodyPr wrap="none" rtlCol="0">
+            <a:spAutoFit/>
+          </a:bodyPr>
+          <a:lstStyle/>
+          <a:p>
+            <a:r>
+              <a:rPr lang="ko-KR" altLang="en-US" sz="2800" b="1" dirty="0">
+                <a:solidFill>
+                  <a:srgbClr val="FF0000"/>
+                </a:solidFill>
+              </a:rPr>
+              <a:t>①</a:t>
+            </a:r>
+          </a:p>
+          <a:p>
+            <a:endParaRPr lang="ko-KR" altLang="en-US" sz="2800" b="1" dirty="0">
+              <a:solidFill>
+                <a:srgbClr val="FF0000"/>
+              </a:solidFill>
+            </a:endParaRPr>
+          </a:p>
+          <a:p>
+            <a:endParaRPr lang="ko-KR" altLang="en-US" sz="2800" b="1" dirty="0">
+              <a:solidFill>
+                <a:srgbClr val="FF0000"/>
+              </a:solidFill>
+            </a:endParaRPr>
+          </a:p>
+        </p:txBody>
+      </p:sp>
+      <p:cxnSp>
+        <p:nvCxnSpPr>
+          <p:cNvPr id="22" name="직선 화살표 연결선 21">
+            <a:extLst>
+              <a:ext uri="{FF2B5EF4-FFF2-40B4-BE49-F238E27FC236}">
+                <a16:creationId xmlns:a16="http://schemas.microsoft.com/office/drawing/2014/main" id="{E3A54032-95E6-41B9-9394-8E4DE1CAC7E0}"/>
+              </a:ext>
+            </a:extLst>
+          </p:cNvPr>
+          <p:cNvCxnSpPr>
+            <a:stCxn id="16" idx="0"/>
+          </p:cNvCxnSpPr>
+          <p:nvPr/>
+        </p:nvCxnSpPr>
+        <p:spPr>
+          <a:xfrm flipV="1">
+            <a:off x="3689697" y="2179529"/>
+            <a:ext cx="1871859" cy="2642993"/>
+          </a:xfrm>
+          <a:prstGeom prst="straightConnector1">
+            <a:avLst/>
+          </a:prstGeom>
+          <a:ln w="28575">
+            <a:solidFill>
+              <a:srgbClr val="FF0000"/>
+            </a:solidFill>
+            <a:tailEnd type="triangle"/>
+          </a:ln>
+        </p:spPr>
+        <p:style>
+          <a:lnRef idx="1">
+            <a:schemeClr val="accent2"/>
+          </a:lnRef>
+          <a:fillRef idx="0">
+            <a:schemeClr val="accent2"/>
+          </a:fillRef>
+          <a:effectRef idx="0">
+            <a:schemeClr val="accent2"/>
+          </a:effectRef>
+          <a:fontRef idx="minor">
+            <a:schemeClr val="tx1"/>
+          </a:fontRef>
+        </p:style>
+      </p:cxnSp>
+      <p:sp>
+        <p:nvSpPr>
+          <p:cNvPr id="23" name="사각형: 둥근 모서리 22">
+            <a:extLst>
+              <a:ext uri="{FF2B5EF4-FFF2-40B4-BE49-F238E27FC236}">
+                <a16:creationId xmlns:a16="http://schemas.microsoft.com/office/drawing/2014/main" id="{DFAD0D76-84FA-400D-908D-8DF0CE9AE5B1}"/>
+              </a:ext>
+            </a:extLst>
+          </p:cNvPr>
+          <p:cNvSpPr/>
+          <p:nvPr/>
+        </p:nvSpPr>
+        <p:spPr>
+          <a:xfrm>
+            <a:off x="5573299" y="1947894"/>
+            <a:ext cx="1871859" cy="818488"/>
+          </a:xfrm>
+          <a:prstGeom prst="roundRect">
+            <a:avLst/>
+          </a:prstGeom>
+          <a:noFill/>
+          <a:ln w="28575">
+            <a:solidFill>
+              <a:srgbClr val="FF0000"/>
+            </a:solidFill>
+          </a:ln>
+        </p:spPr>
+        <p:style>
+          <a:lnRef idx="2">
+            <a:schemeClr val="accent1">
+              <a:shade val="50000"/>
+            </a:schemeClr>
+          </a:lnRef>
+          <a:fillRef idx="1">
+            <a:schemeClr val="accent1"/>
+          </a:fillRef>
+          <a:effectRef idx="0">
+            <a:schemeClr val="accent1"/>
+          </a:effectRef>
+          <a:fontRef idx="minor">
+            <a:schemeClr val="lt1"/>
+          </a:fontRef>
+        </p:style>
+        <p:txBody>
+          <a:bodyPr rtlCol="0" anchor="ctr"/>
+          <a:lstStyle/>
+          <a:p>
+            <a:pPr algn="ctr"/>
+            <a:endParaRPr lang="ko-KR" altLang="en-US" dirty="0"/>
+          </a:p>
+        </p:txBody>
+      </p:sp>
+      <p:sp>
+        <p:nvSpPr>
+          <p:cNvPr id="24" name="TextBox 23">
+            <a:extLst>
+              <a:ext uri="{FF2B5EF4-FFF2-40B4-BE49-F238E27FC236}">
+                <a16:creationId xmlns:a16="http://schemas.microsoft.com/office/drawing/2014/main" id="{6CBABE4D-4D1E-4ADD-BED1-B86084CD370C}"/>
+              </a:ext>
+            </a:extLst>
+          </p:cNvPr>
+          <p:cNvSpPr txBox="1"/>
+          <p:nvPr/>
+        </p:nvSpPr>
+        <p:spPr>
+          <a:xfrm>
+            <a:off x="3450920" y="5160293"/>
+            <a:ext cx="543739" cy="2369880"/>
+          </a:xfrm>
+          <a:prstGeom prst="rect">
+            <a:avLst/>
+          </a:prstGeom>
+          <a:noFill/>
+        </p:spPr>
+        <p:txBody>
+          <a:bodyPr wrap="none" rtlCol="0">
+            <a:spAutoFit/>
+          </a:bodyPr>
+          <a:lstStyle/>
+          <a:p>
+            <a:r>
+              <a:rPr lang="ko-KR" altLang="en-US" sz="2800" b="1" dirty="0">
+                <a:solidFill>
+                  <a:srgbClr val="FF0000"/>
+                </a:solidFill>
+              </a:rPr>
+              <a:t>③</a:t>
+            </a:r>
+          </a:p>
+          <a:p>
+            <a:endParaRPr lang="ko-KR" altLang="en-US" sz="4000" b="1" dirty="0">
+              <a:solidFill>
+                <a:srgbClr val="FF0000"/>
+              </a:solidFill>
+            </a:endParaRPr>
+          </a:p>
+          <a:p>
+            <a:endParaRPr lang="ko-KR" altLang="en-US" sz="4000" b="1" dirty="0">
+              <a:solidFill>
+                <a:srgbClr val="FF0000"/>
+              </a:solidFill>
+            </a:endParaRPr>
+          </a:p>
+          <a:p>
+            <a:endParaRPr lang="ko-KR" altLang="en-US" sz="4000" b="1" dirty="0">
+              <a:solidFill>
+                <a:srgbClr val="FF0000"/>
+              </a:solidFill>
+            </a:endParaRPr>
+          </a:p>
+        </p:txBody>
+      </p:sp>
+      <p:sp>
+        <p:nvSpPr>
+          <p:cNvPr id="25" name="TextBox 24">
+            <a:extLst>
+              <a:ext uri="{FF2B5EF4-FFF2-40B4-BE49-F238E27FC236}">
+                <a16:creationId xmlns:a16="http://schemas.microsoft.com/office/drawing/2014/main" id="{B07DCF60-EC2F-4C9A-BEC2-E0EC38EB00F7}"/>
+              </a:ext>
+            </a:extLst>
+          </p:cNvPr>
+          <p:cNvSpPr txBox="1"/>
+          <p:nvPr/>
+        </p:nvSpPr>
+        <p:spPr>
+          <a:xfrm>
+            <a:off x="5394488" y="3325100"/>
+            <a:ext cx="1361270" cy="646331"/>
+          </a:xfrm>
+          <a:prstGeom prst="rect">
+            <a:avLst/>
+          </a:prstGeom>
+          <a:noFill/>
+        </p:spPr>
+        <p:txBody>
+          <a:bodyPr wrap="none" rtlCol="0">
+            <a:spAutoFit/>
+          </a:bodyPr>
+          <a:lstStyle/>
+          <a:p>
+            <a:r>
+              <a:rPr lang="ko-KR" altLang="en-US" dirty="0"/>
+              <a:t>서버 포트 </a:t>
+            </a:r>
+            <a:endParaRPr lang="en-US" altLang="ko-KR" dirty="0"/>
+          </a:p>
+          <a:p>
+            <a:r>
+              <a:rPr lang="en-US" altLang="ko-KR" dirty="0"/>
+              <a:t>29999 </a:t>
+            </a:r>
+            <a:r>
+              <a:rPr lang="ko-KR" altLang="en-US" dirty="0"/>
+              <a:t>변경</a:t>
+            </a:r>
+          </a:p>
+        </p:txBody>
+      </p:sp>
+    </p:spTree>
+    <p:extLst>
+      <p:ext uri="{BB962C8B-B14F-4D97-AF65-F5344CB8AC3E}">
+        <p14:creationId xmlns:p14="http://schemas.microsoft.com/office/powerpoint/2010/main" val="3730429721"/>
+      </p:ext>
+    </p:extLst>
+  </p:cSld>
+  <p:clrMapOvr>
+    <a:masterClrMapping/>
+  </p:clrMapOvr>
+</p:sld>
+</file>
+
+<file path=ppt/slides/slide31.xml><?xml version="1.0" encoding="utf-8"?>
+<p:sld xmlns:a="http://schemas.openxmlformats.org/drawingml/2006/main" xmlns:r="http://schemas.openxmlformats.org/officeDocument/2006/relationships" xmlns:p="http://schemas.openxmlformats.org/presentationml/2006/main">
+  <p:cSld>
+    <p:spTree>
+      <p:nvGrpSpPr>
+        <p:cNvPr id="1" name=""/>
+        <p:cNvGrpSpPr/>
+        <p:nvPr/>
+      </p:nvGrpSpPr>
+      <p:grpSpPr>
+        <a:xfrm>
+          <a:off x="0" y="0"/>
+          <a:ext cx="0" cy="0"/>
+          <a:chOff x="0" y="0"/>
+          <a:chExt cx="0" cy="0"/>
+        </a:xfrm>
+      </p:grpSpPr>
+      <p:sp>
+        <p:nvSpPr>
+          <p:cNvPr id="2" name="제목 1">
+            <a:extLst>
+              <a:ext uri="{FF2B5EF4-FFF2-40B4-BE49-F238E27FC236}">
+                <a16:creationId xmlns:a16="http://schemas.microsoft.com/office/drawing/2014/main" id="{0BBD75FB-0799-4EB1-9AD7-C68E11797971}"/>
+              </a:ext>
+            </a:extLst>
+          </p:cNvPr>
+          <p:cNvSpPr>
+            <a:spLocks noGrp="1"/>
+          </p:cNvSpPr>
+          <p:nvPr>
+            <p:ph type="title"/>
+          </p:nvPr>
+        </p:nvSpPr>
+        <p:spPr/>
+        <p:txBody>
+          <a:bodyPr/>
+          <a:lstStyle/>
+          <a:p>
+            <a:r>
+              <a:rPr lang="en-US" altLang="ko-KR" b="1" dirty="0"/>
+              <a:t>Minetest –</a:t>
+            </a:r>
+            <a:r>
+              <a:rPr lang="ko-KR" altLang="en-US" b="1" dirty="0"/>
+              <a:t> 클라이언트 접속 설정</a:t>
+            </a:r>
+          </a:p>
+        </p:txBody>
+      </p:sp>
+      <p:cxnSp>
+        <p:nvCxnSpPr>
+          <p:cNvPr id="4" name="직선 연결선 3">
+            <a:extLst>
+              <a:ext uri="{FF2B5EF4-FFF2-40B4-BE49-F238E27FC236}">
+                <a16:creationId xmlns:a16="http://schemas.microsoft.com/office/drawing/2014/main" id="{EE01682E-4EC3-491F-A46B-0EACC9713D73}"/>
+              </a:ext>
+            </a:extLst>
+          </p:cNvPr>
+          <p:cNvCxnSpPr>
+            <a:cxnSpLocks/>
+          </p:cNvCxnSpPr>
+          <p:nvPr/>
+        </p:nvCxnSpPr>
+        <p:spPr>
+          <a:xfrm>
+            <a:off x="463463" y="1565753"/>
+            <a:ext cx="1402915" cy="0"/>
+          </a:xfrm>
+          <a:prstGeom prst="line">
+            <a:avLst/>
+          </a:prstGeom>
+          <a:ln w="57150">
+            <a:solidFill>
+              <a:srgbClr val="00B050"/>
+            </a:solidFill>
+          </a:ln>
+        </p:spPr>
+        <p:style>
+          <a:lnRef idx="1">
+            <a:schemeClr val="accent1"/>
+          </a:lnRef>
+          <a:fillRef idx="0">
+            <a:schemeClr val="accent1"/>
+          </a:fillRef>
+          <a:effectRef idx="0">
+            <a:schemeClr val="accent1"/>
+          </a:effectRef>
+          <a:fontRef idx="minor">
+            <a:schemeClr val="tx1"/>
+          </a:fontRef>
+        </p:style>
+      </p:cxnSp>
+      <p:cxnSp>
+        <p:nvCxnSpPr>
+          <p:cNvPr id="5" name="직선 연결선 4">
+            <a:extLst>
+              <a:ext uri="{FF2B5EF4-FFF2-40B4-BE49-F238E27FC236}">
+                <a16:creationId xmlns:a16="http://schemas.microsoft.com/office/drawing/2014/main" id="{ABC6680E-470B-45C4-B289-7A0EF67ED7E0}"/>
+              </a:ext>
+            </a:extLst>
+          </p:cNvPr>
+          <p:cNvCxnSpPr>
+            <a:cxnSpLocks/>
+          </p:cNvCxnSpPr>
+          <p:nvPr/>
+        </p:nvCxnSpPr>
+        <p:spPr>
+          <a:xfrm>
+            <a:off x="1866378" y="1565753"/>
+            <a:ext cx="1402915" cy="0"/>
+          </a:xfrm>
+          <a:prstGeom prst="line">
+            <a:avLst/>
+          </a:prstGeom>
+          <a:ln w="57150">
+            <a:solidFill>
+              <a:schemeClr val="accent2">
+                <a:lumMod val="75000"/>
+              </a:schemeClr>
+            </a:solidFill>
+          </a:ln>
+        </p:spPr>
+        <p:style>
+          <a:lnRef idx="1">
+            <a:schemeClr val="accent1"/>
+          </a:lnRef>
+          <a:fillRef idx="0">
+            <a:schemeClr val="accent1"/>
+          </a:fillRef>
+          <a:effectRef idx="0">
+            <a:schemeClr val="accent1"/>
+          </a:effectRef>
+          <a:fontRef idx="minor">
+            <a:schemeClr val="tx1"/>
+          </a:fontRef>
+        </p:style>
+      </p:cxnSp>
+      <p:cxnSp>
+        <p:nvCxnSpPr>
+          <p:cNvPr id="6" name="직선 연결선 5">
+            <a:extLst>
+              <a:ext uri="{FF2B5EF4-FFF2-40B4-BE49-F238E27FC236}">
+                <a16:creationId xmlns:a16="http://schemas.microsoft.com/office/drawing/2014/main" id="{3678CCF4-4AC3-4139-92E5-55722C3E7751}"/>
+              </a:ext>
+            </a:extLst>
+          </p:cNvPr>
+          <p:cNvCxnSpPr>
+            <a:cxnSpLocks/>
+          </p:cNvCxnSpPr>
+          <p:nvPr/>
+        </p:nvCxnSpPr>
+        <p:spPr>
+          <a:xfrm>
+            <a:off x="3269293" y="1565753"/>
+            <a:ext cx="1402915" cy="0"/>
+          </a:xfrm>
+          <a:prstGeom prst="line">
+            <a:avLst/>
+          </a:prstGeom>
+          <a:ln w="57150">
+            <a:solidFill>
+              <a:srgbClr val="FFC000"/>
+            </a:solidFill>
+          </a:ln>
+        </p:spPr>
+        <p:style>
+          <a:lnRef idx="1">
+            <a:schemeClr val="accent1"/>
+          </a:lnRef>
+          <a:fillRef idx="0">
+            <a:schemeClr val="accent1"/>
+          </a:fillRef>
+          <a:effectRef idx="0">
+            <a:schemeClr val="accent1"/>
+          </a:effectRef>
+          <a:fontRef idx="minor">
+            <a:schemeClr val="tx1"/>
+          </a:fontRef>
+        </p:style>
+      </p:cxnSp>
+      <p:cxnSp>
+        <p:nvCxnSpPr>
+          <p:cNvPr id="7" name="직선 연결선 6">
+            <a:extLst>
+              <a:ext uri="{FF2B5EF4-FFF2-40B4-BE49-F238E27FC236}">
+                <a16:creationId xmlns:a16="http://schemas.microsoft.com/office/drawing/2014/main" id="{9FF08141-38ED-4F86-86A9-757547A2479E}"/>
+              </a:ext>
+            </a:extLst>
+          </p:cNvPr>
+          <p:cNvCxnSpPr>
+            <a:cxnSpLocks/>
+          </p:cNvCxnSpPr>
+          <p:nvPr/>
+        </p:nvCxnSpPr>
+        <p:spPr>
+          <a:xfrm>
+            <a:off x="4672208" y="1565753"/>
+            <a:ext cx="1402915" cy="0"/>
+          </a:xfrm>
+          <a:prstGeom prst="line">
+            <a:avLst/>
+          </a:prstGeom>
+          <a:ln w="57150">
+            <a:solidFill>
+              <a:schemeClr val="accent4">
+                <a:lumMod val="75000"/>
+              </a:schemeClr>
+            </a:solidFill>
+          </a:ln>
+        </p:spPr>
+        <p:style>
+          <a:lnRef idx="1">
+            <a:schemeClr val="accent1"/>
+          </a:lnRef>
+          <a:fillRef idx="0">
+            <a:schemeClr val="accent1"/>
+          </a:fillRef>
+          <a:effectRef idx="0">
+            <a:schemeClr val="accent1"/>
+          </a:effectRef>
+          <a:fontRef idx="minor">
+            <a:schemeClr val="tx1"/>
+          </a:fontRef>
+        </p:style>
+      </p:cxnSp>
+      <p:cxnSp>
+        <p:nvCxnSpPr>
+          <p:cNvPr id="8" name="직선 연결선 7">
+            <a:extLst>
+              <a:ext uri="{FF2B5EF4-FFF2-40B4-BE49-F238E27FC236}">
+                <a16:creationId xmlns:a16="http://schemas.microsoft.com/office/drawing/2014/main" id="{62A6EC5E-008F-4227-A299-34A564C6B4DE}"/>
+              </a:ext>
+            </a:extLst>
+          </p:cNvPr>
+          <p:cNvCxnSpPr>
+            <a:cxnSpLocks/>
+          </p:cNvCxnSpPr>
+          <p:nvPr/>
+        </p:nvCxnSpPr>
+        <p:spPr>
+          <a:xfrm>
+            <a:off x="6075123" y="1565753"/>
+            <a:ext cx="1402915" cy="0"/>
+          </a:xfrm>
+          <a:prstGeom prst="line">
+            <a:avLst/>
+          </a:prstGeom>
+          <a:ln w="57150">
+            <a:solidFill>
+              <a:srgbClr val="FF0000"/>
+            </a:solidFill>
+          </a:ln>
+        </p:spPr>
+        <p:style>
+          <a:lnRef idx="1">
+            <a:schemeClr val="accent1"/>
+          </a:lnRef>
+          <a:fillRef idx="0">
+            <a:schemeClr val="accent1"/>
+          </a:fillRef>
+          <a:effectRef idx="0">
+            <a:schemeClr val="accent1"/>
+          </a:effectRef>
+          <a:fontRef idx="minor">
+            <a:schemeClr val="tx1"/>
+          </a:fontRef>
+        </p:style>
+      </p:cxnSp>
+      <p:cxnSp>
+        <p:nvCxnSpPr>
+          <p:cNvPr id="9" name="직선 연결선 8">
+            <a:extLst>
+              <a:ext uri="{FF2B5EF4-FFF2-40B4-BE49-F238E27FC236}">
+                <a16:creationId xmlns:a16="http://schemas.microsoft.com/office/drawing/2014/main" id="{73BE4EC4-D5AB-43B6-99B8-20CC507C817B}"/>
+              </a:ext>
+            </a:extLst>
+          </p:cNvPr>
+          <p:cNvCxnSpPr>
+            <a:cxnSpLocks/>
+          </p:cNvCxnSpPr>
+          <p:nvPr/>
+        </p:nvCxnSpPr>
+        <p:spPr>
+          <a:xfrm>
+            <a:off x="7478038" y="1565753"/>
+            <a:ext cx="1402915" cy="0"/>
+          </a:xfrm>
+          <a:prstGeom prst="line">
+            <a:avLst/>
+          </a:prstGeom>
+          <a:ln w="57150">
+            <a:solidFill>
+              <a:srgbClr val="92D050"/>
+            </a:solidFill>
+          </a:ln>
+        </p:spPr>
+        <p:style>
+          <a:lnRef idx="1">
+            <a:schemeClr val="accent1"/>
+          </a:lnRef>
+          <a:fillRef idx="0">
+            <a:schemeClr val="accent1"/>
+          </a:fillRef>
+          <a:effectRef idx="0">
+            <a:schemeClr val="accent1"/>
+          </a:effectRef>
+          <a:fontRef idx="minor">
+            <a:schemeClr val="tx1"/>
+          </a:fontRef>
+        </p:style>
+      </p:cxnSp>
+      <p:cxnSp>
+        <p:nvCxnSpPr>
+          <p:cNvPr id="10" name="직선 연결선 9">
+            <a:extLst>
+              <a:ext uri="{FF2B5EF4-FFF2-40B4-BE49-F238E27FC236}">
+                <a16:creationId xmlns:a16="http://schemas.microsoft.com/office/drawing/2014/main" id="{D23B7696-E162-4DC6-9E5C-29744AE86C94}"/>
+              </a:ext>
+            </a:extLst>
+          </p:cNvPr>
+          <p:cNvCxnSpPr>
+            <a:cxnSpLocks/>
+          </p:cNvCxnSpPr>
+          <p:nvPr/>
+        </p:nvCxnSpPr>
+        <p:spPr>
+          <a:xfrm>
+            <a:off x="8880953" y="1565753"/>
+            <a:ext cx="1402915" cy="0"/>
+          </a:xfrm>
+          <a:prstGeom prst="line">
+            <a:avLst/>
+          </a:prstGeom>
+          <a:ln w="57150">
+            <a:solidFill>
+              <a:schemeClr val="bg2">
+                <a:lumMod val="50000"/>
+              </a:schemeClr>
+            </a:solidFill>
+          </a:ln>
+        </p:spPr>
+        <p:style>
+          <a:lnRef idx="1">
+            <a:schemeClr val="accent1"/>
+          </a:lnRef>
+          <a:fillRef idx="0">
+            <a:schemeClr val="accent1"/>
+          </a:fillRef>
+          <a:effectRef idx="0">
+            <a:schemeClr val="accent1"/>
+          </a:effectRef>
+          <a:fontRef idx="minor">
+            <a:schemeClr val="tx1"/>
+          </a:fontRef>
+        </p:style>
+      </p:cxnSp>
+      <p:cxnSp>
+        <p:nvCxnSpPr>
+          <p:cNvPr id="11" name="직선 연결선 10">
+            <a:extLst>
+              <a:ext uri="{FF2B5EF4-FFF2-40B4-BE49-F238E27FC236}">
+                <a16:creationId xmlns:a16="http://schemas.microsoft.com/office/drawing/2014/main" id="{AD5A1D01-4DAC-4236-AC37-43914BEDECF3}"/>
+              </a:ext>
+            </a:extLst>
+          </p:cNvPr>
+          <p:cNvCxnSpPr>
+            <a:cxnSpLocks/>
+          </p:cNvCxnSpPr>
+          <p:nvPr/>
+        </p:nvCxnSpPr>
+        <p:spPr>
+          <a:xfrm>
+            <a:off x="10283868" y="1565753"/>
+            <a:ext cx="1402915" cy="0"/>
+          </a:xfrm>
+          <a:prstGeom prst="line">
+            <a:avLst/>
+          </a:prstGeom>
+          <a:ln w="57150">
+            <a:solidFill>
+              <a:schemeClr val="bg1">
+                <a:lumMod val="85000"/>
+              </a:schemeClr>
+            </a:solidFill>
+          </a:ln>
+        </p:spPr>
+        <p:style>
+          <a:lnRef idx="1">
+            <a:schemeClr val="accent1"/>
+          </a:lnRef>
+          <a:fillRef idx="0">
+            <a:schemeClr val="accent1"/>
+          </a:fillRef>
+          <a:effectRef idx="0">
+            <a:schemeClr val="accent1"/>
+          </a:effectRef>
+          <a:fontRef idx="minor">
+            <a:schemeClr val="tx1"/>
+          </a:fontRef>
+        </p:style>
+      </p:cxnSp>
+      <p:pic>
+        <p:nvPicPr>
+          <p:cNvPr id="16" name="내용 개체 틀 15">
+            <a:extLst>
+              <a:ext uri="{FF2B5EF4-FFF2-40B4-BE49-F238E27FC236}">
+                <a16:creationId xmlns:a16="http://schemas.microsoft.com/office/drawing/2014/main" id="{61634E3E-1F11-4849-B169-4E2C2FF930BB}"/>
+              </a:ext>
+            </a:extLst>
+          </p:cNvPr>
+          <p:cNvPicPr>
+            <a:picLocks noGrp="1" noChangeAspect="1"/>
+          </p:cNvPicPr>
+          <p:nvPr>
+            <p:ph idx="1"/>
+          </p:nvPr>
+        </p:nvPicPr>
+        <p:blipFill>
+          <a:blip r:embed="rId2"/>
+          <a:stretch>
+            <a:fillRect/>
+          </a:stretch>
+        </p:blipFill>
+        <p:spPr>
+          <a:xfrm>
+            <a:off x="838199" y="2031119"/>
+            <a:ext cx="8528397" cy="4332100"/>
+          </a:xfrm>
+          <a:prstGeom prst="rect">
+            <a:avLst/>
+          </a:prstGeom>
+        </p:spPr>
+      </p:pic>
+      <p:sp>
+        <p:nvSpPr>
+          <p:cNvPr id="17" name="사각형: 둥근 모서리 16">
+            <a:extLst>
+              <a:ext uri="{FF2B5EF4-FFF2-40B4-BE49-F238E27FC236}">
+                <a16:creationId xmlns:a16="http://schemas.microsoft.com/office/drawing/2014/main" id="{A3C7AD16-67EE-4AB9-BDDF-721A27192D7C}"/>
+              </a:ext>
+            </a:extLst>
+          </p:cNvPr>
+          <p:cNvSpPr/>
+          <p:nvPr/>
+        </p:nvSpPr>
+        <p:spPr>
+          <a:xfrm>
+            <a:off x="2181092" y="2105948"/>
+            <a:ext cx="1213461" cy="486939"/>
+          </a:xfrm>
+          <a:prstGeom prst="roundRect">
+            <a:avLst/>
+          </a:prstGeom>
+          <a:noFill/>
+          <a:ln w="28575">
+            <a:solidFill>
+              <a:srgbClr val="FF0000"/>
+            </a:solidFill>
+          </a:ln>
+        </p:spPr>
+        <p:style>
+          <a:lnRef idx="2">
+            <a:schemeClr val="accent1">
+              <a:shade val="50000"/>
+            </a:schemeClr>
+          </a:lnRef>
+          <a:fillRef idx="1">
+            <a:schemeClr val="accent1"/>
+          </a:fillRef>
+          <a:effectRef idx="0">
+            <a:schemeClr val="accent1"/>
+          </a:effectRef>
+          <a:fontRef idx="minor">
+            <a:schemeClr val="lt1"/>
+          </a:fontRef>
+        </p:style>
+        <p:txBody>
+          <a:bodyPr rtlCol="0" anchor="ctr"/>
+          <a:lstStyle/>
+          <a:p>
+            <a:pPr algn="ctr"/>
+            <a:endParaRPr lang="ko-KR" altLang="en-US" dirty="0"/>
+          </a:p>
+        </p:txBody>
+      </p:sp>
+      <p:sp>
+        <p:nvSpPr>
+          <p:cNvPr id="18" name="사각형: 둥근 모서리 17">
+            <a:extLst>
+              <a:ext uri="{FF2B5EF4-FFF2-40B4-BE49-F238E27FC236}">
+                <a16:creationId xmlns:a16="http://schemas.microsoft.com/office/drawing/2014/main" id="{0EF364AC-4B71-4B3E-A91E-CADAE941D226}"/>
+              </a:ext>
+            </a:extLst>
+          </p:cNvPr>
+          <p:cNvSpPr/>
+          <p:nvPr/>
+        </p:nvSpPr>
+        <p:spPr>
+          <a:xfrm>
+            <a:off x="6226999" y="2780995"/>
+            <a:ext cx="3255204" cy="648005"/>
+          </a:xfrm>
+          <a:prstGeom prst="roundRect">
+            <a:avLst/>
+          </a:prstGeom>
+          <a:noFill/>
+          <a:ln w="28575">
+            <a:solidFill>
+              <a:srgbClr val="FF0000"/>
+            </a:solidFill>
+          </a:ln>
+        </p:spPr>
+        <p:style>
+          <a:lnRef idx="2">
+            <a:schemeClr val="accent1">
+              <a:shade val="50000"/>
+            </a:schemeClr>
+          </a:lnRef>
+          <a:fillRef idx="1">
+            <a:schemeClr val="accent1"/>
+          </a:fillRef>
+          <a:effectRef idx="0">
+            <a:schemeClr val="accent1"/>
+          </a:effectRef>
+          <a:fontRef idx="minor">
+            <a:schemeClr val="lt1"/>
+          </a:fontRef>
+        </p:style>
+        <p:txBody>
+          <a:bodyPr rtlCol="0" anchor="ctr"/>
+          <a:lstStyle/>
+          <a:p>
+            <a:pPr algn="ctr"/>
+            <a:endParaRPr lang="ko-KR" altLang="en-US" dirty="0"/>
+          </a:p>
+        </p:txBody>
+      </p:sp>
+      <p:sp>
+        <p:nvSpPr>
+          <p:cNvPr id="19" name="TextBox 18">
+            <a:extLst>
+              <a:ext uri="{FF2B5EF4-FFF2-40B4-BE49-F238E27FC236}">
+                <a16:creationId xmlns:a16="http://schemas.microsoft.com/office/drawing/2014/main" id="{D65E87FD-A838-4A5C-BAE0-9FD182C2D180}"/>
+              </a:ext>
+            </a:extLst>
+          </p:cNvPr>
+          <p:cNvSpPr txBox="1"/>
+          <p:nvPr/>
+        </p:nvSpPr>
+        <p:spPr>
+          <a:xfrm>
+            <a:off x="9695145" y="2051175"/>
+            <a:ext cx="1465466" cy="369332"/>
+          </a:xfrm>
+          <a:prstGeom prst="rect">
+            <a:avLst/>
+          </a:prstGeom>
+          <a:noFill/>
+        </p:spPr>
+        <p:txBody>
+          <a:bodyPr wrap="none" rtlCol="0">
+            <a:spAutoFit/>
+          </a:bodyPr>
+          <a:lstStyle/>
+          <a:p>
+            <a:r>
+              <a:rPr lang="ko-KR" altLang="en-US" dirty="0"/>
+              <a:t>서버 </a:t>
+            </a:r>
+            <a:r>
+              <a:rPr lang="en-US" altLang="ko-KR" dirty="0"/>
+              <a:t>IP </a:t>
+            </a:r>
+            <a:r>
+              <a:rPr lang="ko-KR" altLang="en-US" dirty="0"/>
+              <a:t>주소</a:t>
+            </a:r>
+          </a:p>
+        </p:txBody>
+      </p:sp>
+      <p:cxnSp>
+        <p:nvCxnSpPr>
+          <p:cNvPr id="21" name="직선 화살표 연결선 20">
+            <a:extLst>
+              <a:ext uri="{FF2B5EF4-FFF2-40B4-BE49-F238E27FC236}">
+                <a16:creationId xmlns:a16="http://schemas.microsoft.com/office/drawing/2014/main" id="{9246AA29-4081-4C95-8A84-2E3220DFD11A}"/>
+              </a:ext>
+            </a:extLst>
+          </p:cNvPr>
+          <p:cNvCxnSpPr>
+            <a:stCxn id="19" idx="1"/>
+          </p:cNvCxnSpPr>
+          <p:nvPr/>
+        </p:nvCxnSpPr>
+        <p:spPr>
+          <a:xfrm flipH="1">
+            <a:off x="7854601" y="2235841"/>
+            <a:ext cx="1840544" cy="545154"/>
+          </a:xfrm>
+          <a:prstGeom prst="straightConnector1">
+            <a:avLst/>
+          </a:prstGeom>
+          <a:ln w="38100">
+            <a:solidFill>
+              <a:srgbClr val="FF0000"/>
+            </a:solidFill>
+            <a:tailEnd type="triangle"/>
+          </a:ln>
+        </p:spPr>
+        <p:style>
+          <a:lnRef idx="1">
+            <a:schemeClr val="accent1"/>
+          </a:lnRef>
+          <a:fillRef idx="0">
+            <a:schemeClr val="accent1"/>
+          </a:fillRef>
+          <a:effectRef idx="0">
+            <a:schemeClr val="accent1"/>
+          </a:effectRef>
+          <a:fontRef idx="minor">
+            <a:schemeClr val="tx1"/>
+          </a:fontRef>
+        </p:style>
+      </p:cxnSp>
+      <p:sp>
+        <p:nvSpPr>
+          <p:cNvPr id="22" name="사각형: 둥근 모서리 21">
+            <a:extLst>
+              <a:ext uri="{FF2B5EF4-FFF2-40B4-BE49-F238E27FC236}">
+                <a16:creationId xmlns:a16="http://schemas.microsoft.com/office/drawing/2014/main" id="{CCF54C58-3DDC-42E0-842C-A11F83C6DABC}"/>
+              </a:ext>
+            </a:extLst>
+          </p:cNvPr>
+          <p:cNvSpPr/>
+          <p:nvPr/>
+        </p:nvSpPr>
+        <p:spPr>
+          <a:xfrm>
+            <a:off x="6226999" y="3549164"/>
+            <a:ext cx="3255204" cy="648005"/>
+          </a:xfrm>
+          <a:prstGeom prst="roundRect">
+            <a:avLst/>
+          </a:prstGeom>
+          <a:noFill/>
+          <a:ln w="28575">
+            <a:solidFill>
+              <a:srgbClr val="FF0000"/>
+            </a:solidFill>
+          </a:ln>
+        </p:spPr>
+        <p:style>
+          <a:lnRef idx="2">
+            <a:schemeClr val="accent1">
+              <a:shade val="50000"/>
+            </a:schemeClr>
+          </a:lnRef>
+          <a:fillRef idx="1">
+            <a:schemeClr val="accent1"/>
+          </a:fillRef>
+          <a:effectRef idx="0">
+            <a:schemeClr val="accent1"/>
+          </a:effectRef>
+          <a:fontRef idx="minor">
+            <a:schemeClr val="lt1"/>
+          </a:fontRef>
+        </p:style>
+        <p:txBody>
+          <a:bodyPr rtlCol="0" anchor="ctr"/>
+          <a:lstStyle/>
+          <a:p>
+            <a:pPr algn="ctr"/>
+            <a:endParaRPr lang="ko-KR" altLang="en-US" dirty="0"/>
+          </a:p>
+        </p:txBody>
+      </p:sp>
+      <p:sp>
+        <p:nvSpPr>
+          <p:cNvPr id="23" name="TextBox 22">
+            <a:extLst>
+              <a:ext uri="{FF2B5EF4-FFF2-40B4-BE49-F238E27FC236}">
+                <a16:creationId xmlns:a16="http://schemas.microsoft.com/office/drawing/2014/main" id="{7458BF5E-C796-432B-BA10-832FF8918DE8}"/>
+              </a:ext>
+            </a:extLst>
+          </p:cNvPr>
+          <p:cNvSpPr txBox="1"/>
+          <p:nvPr/>
+        </p:nvSpPr>
+        <p:spPr>
+          <a:xfrm>
+            <a:off x="9812913" y="3561689"/>
+            <a:ext cx="2191626" cy="369332"/>
+          </a:xfrm>
+          <a:prstGeom prst="rect">
+            <a:avLst/>
+          </a:prstGeom>
+          <a:noFill/>
+        </p:spPr>
+        <p:txBody>
+          <a:bodyPr wrap="none" rtlCol="0">
+            <a:spAutoFit/>
+          </a:bodyPr>
+          <a:lstStyle/>
+          <a:p>
+            <a:r>
+              <a:rPr lang="ko-KR" altLang="en-US" dirty="0"/>
+              <a:t>개인 </a:t>
+            </a:r>
+            <a:r>
+              <a:rPr lang="en-US" altLang="ko-KR" dirty="0"/>
+              <a:t>ID</a:t>
+            </a:r>
+            <a:r>
+              <a:rPr lang="ko-KR" altLang="en-US" dirty="0"/>
+              <a:t>와 패스워드</a:t>
+            </a:r>
+          </a:p>
+        </p:txBody>
+      </p:sp>
+      <p:cxnSp>
+        <p:nvCxnSpPr>
+          <p:cNvPr id="24" name="직선 화살표 연결선 23">
+            <a:extLst>
+              <a:ext uri="{FF2B5EF4-FFF2-40B4-BE49-F238E27FC236}">
+                <a16:creationId xmlns:a16="http://schemas.microsoft.com/office/drawing/2014/main" id="{2864AAA7-8479-45B6-9EFC-7AC0DC7A0C64}"/>
+              </a:ext>
+            </a:extLst>
+          </p:cNvPr>
+          <p:cNvCxnSpPr>
+            <a:cxnSpLocks/>
+          </p:cNvCxnSpPr>
+          <p:nvPr/>
+        </p:nvCxnSpPr>
+        <p:spPr>
+          <a:xfrm flipH="1">
+            <a:off x="9256734" y="3746355"/>
+            <a:ext cx="544491" cy="126811"/>
+          </a:xfrm>
+          <a:prstGeom prst="straightConnector1">
+            <a:avLst/>
+          </a:prstGeom>
+          <a:ln w="38100">
+            <a:solidFill>
+              <a:srgbClr val="FF0000"/>
+            </a:solidFill>
+            <a:tailEnd type="triangle"/>
+          </a:ln>
+        </p:spPr>
+        <p:style>
+          <a:lnRef idx="1">
+            <a:schemeClr val="accent1"/>
+          </a:lnRef>
+          <a:fillRef idx="0">
+            <a:schemeClr val="accent1"/>
+          </a:fillRef>
+          <a:effectRef idx="0">
+            <a:schemeClr val="accent1"/>
+          </a:effectRef>
+          <a:fontRef idx="minor">
+            <a:schemeClr val="tx1"/>
+          </a:fontRef>
+        </p:style>
+      </p:cxnSp>
+      <p:sp>
+        <p:nvSpPr>
+          <p:cNvPr id="26" name="사각형: 둥근 모서리 25">
+            <a:extLst>
+              <a:ext uri="{FF2B5EF4-FFF2-40B4-BE49-F238E27FC236}">
+                <a16:creationId xmlns:a16="http://schemas.microsoft.com/office/drawing/2014/main" id="{EA10FECD-58D6-4951-A791-0776533CAB7A}"/>
+              </a:ext>
+            </a:extLst>
+          </p:cNvPr>
+          <p:cNvSpPr/>
+          <p:nvPr/>
+        </p:nvSpPr>
+        <p:spPr>
+          <a:xfrm>
+            <a:off x="7629132" y="5806179"/>
+            <a:ext cx="1737464" cy="648005"/>
+          </a:xfrm>
+          <a:prstGeom prst="roundRect">
+            <a:avLst/>
+          </a:prstGeom>
+          <a:noFill/>
+          <a:ln w="28575">
+            <a:solidFill>
+              <a:srgbClr val="FF0000"/>
+            </a:solidFill>
+          </a:ln>
+        </p:spPr>
+        <p:style>
+          <a:lnRef idx="2">
+            <a:schemeClr val="accent1">
+              <a:shade val="50000"/>
+            </a:schemeClr>
+          </a:lnRef>
+          <a:fillRef idx="1">
+            <a:schemeClr val="accent1"/>
+          </a:fillRef>
+          <a:effectRef idx="0">
+            <a:schemeClr val="accent1"/>
+          </a:effectRef>
+          <a:fontRef idx="minor">
+            <a:schemeClr val="lt1"/>
+          </a:fontRef>
+        </p:style>
+        <p:txBody>
+          <a:bodyPr rtlCol="0" anchor="ctr"/>
+          <a:lstStyle/>
+          <a:p>
+            <a:pPr algn="ctr"/>
+            <a:endParaRPr lang="ko-KR" altLang="en-US" dirty="0"/>
+          </a:p>
+        </p:txBody>
+      </p:sp>
+    </p:spTree>
+    <p:extLst>
+      <p:ext uri="{BB962C8B-B14F-4D97-AF65-F5344CB8AC3E}">
+        <p14:creationId xmlns:p14="http://schemas.microsoft.com/office/powerpoint/2010/main" val="1232133334"/>
+      </p:ext>
+    </p:extLst>
+  </p:cSld>
+  <p:clrMapOvr>
+    <a:masterClrMapping/>
+  </p:clrMapOvr>
+</p:sld>
+</file>
+
+<file path=ppt/slides/slide32.xml><?xml version="1.0" encoding="utf-8"?>
 <p:sld xmlns:a="http://schemas.openxmlformats.org/drawingml/2006/main" xmlns:r="http://schemas.openxmlformats.org/officeDocument/2006/relationships" xmlns:p="http://schemas.openxmlformats.org/presentationml/2006/main">
   <p:cSld>
     <p:spTree>
